--- a/What’s new in Entity Framework Core 2.2.pptx
+++ b/What’s new in Entity Framework Core 2.2.pptx
@@ -6,7 +6,7 @@
     <p:sldMasterId id="2147483736" r:id="rId2"/>
   </p:sldMasterIdLst>
   <p:notesMasterIdLst>
-    <p:notesMasterId r:id="rId57"/>
+    <p:notesMasterId r:id="rId59"/>
   </p:notesMasterIdLst>
   <p:sldIdLst>
     <p:sldId id="322" r:id="rId3"/>
@@ -41,28 +41,30 @@
     <p:sldId id="309" r:id="rId32"/>
     <p:sldId id="338" r:id="rId33"/>
     <p:sldId id="306" r:id="rId34"/>
-    <p:sldId id="340" r:id="rId35"/>
-    <p:sldId id="339" r:id="rId36"/>
-    <p:sldId id="300" r:id="rId37"/>
-    <p:sldId id="341" r:id="rId38"/>
-    <p:sldId id="345" r:id="rId39"/>
-    <p:sldId id="346" r:id="rId40"/>
-    <p:sldId id="347" r:id="rId41"/>
-    <p:sldId id="348" r:id="rId42"/>
-    <p:sldId id="349" r:id="rId43"/>
-    <p:sldId id="350" r:id="rId44"/>
-    <p:sldId id="351" r:id="rId45"/>
-    <p:sldId id="359" r:id="rId46"/>
-    <p:sldId id="352" r:id="rId47"/>
-    <p:sldId id="353" r:id="rId48"/>
-    <p:sldId id="358" r:id="rId49"/>
-    <p:sldId id="355" r:id="rId50"/>
-    <p:sldId id="356" r:id="rId51"/>
-    <p:sldId id="357" r:id="rId52"/>
-    <p:sldId id="354" r:id="rId53"/>
-    <p:sldId id="343" r:id="rId54"/>
-    <p:sldId id="279" r:id="rId55"/>
-    <p:sldId id="314" r:id="rId56"/>
+    <p:sldId id="360" r:id="rId35"/>
+    <p:sldId id="361" r:id="rId36"/>
+    <p:sldId id="340" r:id="rId37"/>
+    <p:sldId id="339" r:id="rId38"/>
+    <p:sldId id="300" r:id="rId39"/>
+    <p:sldId id="341" r:id="rId40"/>
+    <p:sldId id="345" r:id="rId41"/>
+    <p:sldId id="346" r:id="rId42"/>
+    <p:sldId id="347" r:id="rId43"/>
+    <p:sldId id="348" r:id="rId44"/>
+    <p:sldId id="349" r:id="rId45"/>
+    <p:sldId id="350" r:id="rId46"/>
+    <p:sldId id="351" r:id="rId47"/>
+    <p:sldId id="359" r:id="rId48"/>
+    <p:sldId id="352" r:id="rId49"/>
+    <p:sldId id="353" r:id="rId50"/>
+    <p:sldId id="358" r:id="rId51"/>
+    <p:sldId id="355" r:id="rId52"/>
+    <p:sldId id="356" r:id="rId53"/>
+    <p:sldId id="357" r:id="rId54"/>
+    <p:sldId id="354" r:id="rId55"/>
+    <p:sldId id="343" r:id="rId56"/>
+    <p:sldId id="279" r:id="rId57"/>
+    <p:sldId id="314" r:id="rId58"/>
   </p:sldIdLst>
   <p:sldSz cx="12192000" cy="6858000"/>
   <p:notesSz cx="6858000" cy="9144000"/>
@@ -733,7 +735,7 @@
           <a:p>
             <a:fld id="{21D56219-E84E-4D24-9852-DB0F76E72D55}" type="datetimeFigureOut">
               <a:rPr lang="en-US" smtClean="0"/>
-              <a:t>1/17/2019</a:t>
+              <a:t>5/11/2019</a:t>
             </a:fld>
             <a:endParaRPr lang="en-US"/>
           </a:p>
@@ -1822,6 +1824,118 @@
 </p:notes>
 </file>
 
+<file path=ppt/notesSlides/notesSlide9.xml><?xml version="1.0" encoding="utf-8"?>
+<p:notes xmlns:a="http://schemas.openxmlformats.org/drawingml/2006/main" xmlns:r="http://schemas.openxmlformats.org/officeDocument/2006/relationships" xmlns:p="http://schemas.openxmlformats.org/presentationml/2006/main">
+  <p:cSld>
+    <p:spTree>
+      <p:nvGrpSpPr>
+        <p:cNvPr id="1" name=""/>
+        <p:cNvGrpSpPr/>
+        <p:nvPr/>
+      </p:nvGrpSpPr>
+      <p:grpSpPr>
+        <a:xfrm>
+          <a:off x="0" y="0"/>
+          <a:ext cx="0" cy="0"/>
+          <a:chOff x="0" y="0"/>
+          <a:chExt cx="0" cy="0"/>
+        </a:xfrm>
+      </p:grpSpPr>
+      <p:sp>
+        <p:nvSpPr>
+          <p:cNvPr id="2" name="Slide Image Placeholder 1"/>
+          <p:cNvSpPr>
+            <a:spLocks noGrp="1" noRot="1" noChangeAspect="1"/>
+          </p:cNvSpPr>
+          <p:nvPr>
+            <p:ph type="sldImg"/>
+          </p:nvPr>
+        </p:nvSpPr>
+        <p:spPr/>
+      </p:sp>
+      <p:sp>
+        <p:nvSpPr>
+          <p:cNvPr id="3" name="Notes Placeholder 2"/>
+          <p:cNvSpPr>
+            <a:spLocks noGrp="1"/>
+          </p:cNvSpPr>
+          <p:nvPr>
+            <p:ph type="body" idx="1"/>
+          </p:nvPr>
+        </p:nvSpPr>
+        <p:spPr/>
+        <p:txBody>
+          <a:bodyPr/>
+          <a:lstStyle/>
+          <a:p>
+            <a:r>
+              <a:rPr lang="en-US" sz="1200" b="0" i="0" kern="1200" dirty="0">
+                <a:solidFill>
+                  <a:schemeClr val="tx1"/>
+                </a:solidFill>
+                <a:effectLst/>
+                <a:latin typeface="+mn-lt"/>
+                <a:ea typeface="+mn-ea"/>
+                <a:cs typeface="+mn-cs"/>
+              </a:rPr>
+              <a:t>EF Core will then enable lazy loading for any navigation property that can be overridden--that is, it must be </a:t>
+            </a:r>
+            <a:r>
+              <a:rPr lang="en-US" dirty="0"/>
+              <a:t>virtual</a:t>
+            </a:r>
+            <a:r>
+              <a:rPr lang="en-US" sz="1200" b="0" i="0" kern="1200" dirty="0">
+                <a:solidFill>
+                  <a:schemeClr val="tx1"/>
+                </a:solidFill>
+                <a:effectLst/>
+                <a:latin typeface="+mn-lt"/>
+                <a:ea typeface="+mn-ea"/>
+                <a:cs typeface="+mn-cs"/>
+              </a:rPr>
+              <a:t> and on a class that can be inherited from.</a:t>
+            </a:r>
+            <a:endParaRPr lang="en-US" dirty="0"/>
+          </a:p>
+        </p:txBody>
+      </p:sp>
+      <p:sp>
+        <p:nvSpPr>
+          <p:cNvPr id="4" name="Slide Number Placeholder 3"/>
+          <p:cNvSpPr>
+            <a:spLocks noGrp="1"/>
+          </p:cNvSpPr>
+          <p:nvPr>
+            <p:ph type="sldNum" sz="quarter" idx="5"/>
+          </p:nvPr>
+        </p:nvSpPr>
+        <p:spPr/>
+        <p:txBody>
+          <a:bodyPr/>
+          <a:lstStyle/>
+          <a:p>
+            <a:fld id="{70E52C6B-BCF3-4304-8A16-C01E6211F4FA}" type="slidenum">
+              <a:rPr lang="en-US" smtClean="0"/>
+              <a:t>33</a:t>
+            </a:fld>
+            <a:endParaRPr lang="en-US"/>
+          </a:p>
+        </p:txBody>
+      </p:sp>
+    </p:spTree>
+    <p:extLst>
+      <p:ext uri="{BB962C8B-B14F-4D97-AF65-F5344CB8AC3E}">
+        <p14:creationId xmlns:p14="http://schemas.microsoft.com/office/powerpoint/2010/main" val="3623463750"/>
+      </p:ext>
+    </p:extLst>
+  </p:cSld>
+  <p:clrMapOvr>
+    <a:masterClrMapping/>
+  </p:clrMapOvr>
+</p:notes>
+</file>
+
 <file path=ppt/slideLayouts/slideLayout1.xml><?xml version="1.0" encoding="utf-8"?>
 <p:sldLayout xmlns:a="http://schemas.openxmlformats.org/drawingml/2006/main" xmlns:r="http://schemas.openxmlformats.org/officeDocument/2006/relationships" xmlns:p="http://schemas.openxmlformats.org/presentationml/2006/main" preserve="1">
   <p:cSld name="Title Slide">
@@ -2523,42 +2637,6 @@
           <a:solidFill>
             <a:schemeClr val="accent3"/>
           </a:solidFill>
-        </p:spPr>
-      </p:pic>
-      <p:pic>
-        <p:nvPicPr>
-          <p:cNvPr id="15" name="Picture 14">
-            <a:extLst>
-              <a:ext uri="{FF2B5EF4-FFF2-40B4-BE49-F238E27FC236}">
-                <a16:creationId xmlns:a16="http://schemas.microsoft.com/office/drawing/2014/main" id="{346990EB-093A-1346-9FA2-EEBCBF0EB1D4}"/>
-              </a:ext>
-            </a:extLst>
-          </p:cNvPr>
-          <p:cNvPicPr>
-            <a:picLocks noChangeAspect="1"/>
-          </p:cNvPicPr>
-          <p:nvPr userDrawn="1"/>
-        </p:nvPicPr>
-        <p:blipFill rotWithShape="1">
-          <a:blip r:embed="rId3" cstate="print">
-            <a:alphaModFix amt="51000"/>
-            <a:extLst>
-              <a:ext uri="{28A0092B-C50C-407E-A947-70E740481C1C}">
-                <a14:useLocalDpi xmlns:a14="http://schemas.microsoft.com/office/drawing/2010/main"/>
-              </a:ext>
-            </a:extLst>
-          </a:blip>
-          <a:srcRect r="21583"/>
-          <a:stretch/>
-        </p:blipFill>
-        <p:spPr>
-          <a:xfrm>
-            <a:off x="8232121" y="579906"/>
-            <a:ext cx="3991692" cy="5090341"/>
-          </a:xfrm>
-          <a:prstGeom prst="rect">
-            <a:avLst/>
-          </a:prstGeom>
         </p:spPr>
       </p:pic>
       <p:sp>
@@ -2843,41 +2921,6 @@
           </a:p>
         </p:txBody>
       </p:sp>
-      <p:pic>
-        <p:nvPicPr>
-          <p:cNvPr id="10" name="Picture 9">
-            <a:extLst>
-              <a:ext uri="{FF2B5EF4-FFF2-40B4-BE49-F238E27FC236}">
-                <a16:creationId xmlns:a16="http://schemas.microsoft.com/office/drawing/2014/main" id="{9E69F4E3-9D43-ED46-87D3-2E91BA63C184}"/>
-              </a:ext>
-            </a:extLst>
-          </p:cNvPr>
-          <p:cNvPicPr>
-            <a:picLocks noChangeAspect="1"/>
-          </p:cNvPicPr>
-          <p:nvPr userDrawn="1"/>
-        </p:nvPicPr>
-        <p:blipFill rotWithShape="1">
-          <a:blip r:embed="rId4" cstate="print">
-            <a:extLst>
-              <a:ext uri="{28A0092B-C50C-407E-A947-70E740481C1C}">
-                <a14:useLocalDpi xmlns:a14="http://schemas.microsoft.com/office/drawing/2010/main"/>
-              </a:ext>
-            </a:extLst>
-          </a:blip>
-          <a:srcRect/>
-          <a:stretch/>
-        </p:blipFill>
-        <p:spPr>
-          <a:xfrm>
-            <a:off x="11111031" y="6343804"/>
-            <a:ext cx="774703" cy="315105"/>
-          </a:xfrm>
-          <a:prstGeom prst="rect">
-            <a:avLst/>
-          </a:prstGeom>
-        </p:spPr>
-      </p:pic>
     </p:spTree>
     <p:extLst>
       <p:ext uri="{BB962C8B-B14F-4D97-AF65-F5344CB8AC3E}">
@@ -4417,41 +4460,6 @@
           </a:p>
         </p:txBody>
       </p:sp>
-      <p:pic>
-        <p:nvPicPr>
-          <p:cNvPr id="8" name="Picture 7">
-            <a:extLst>
-              <a:ext uri="{FF2B5EF4-FFF2-40B4-BE49-F238E27FC236}">
-                <a16:creationId xmlns:a16="http://schemas.microsoft.com/office/drawing/2014/main" id="{690F789D-0EB1-3543-B743-434CD290FC15}"/>
-              </a:ext>
-            </a:extLst>
-          </p:cNvPr>
-          <p:cNvPicPr>
-            <a:picLocks noChangeAspect="1"/>
-          </p:cNvPicPr>
-          <p:nvPr userDrawn="1"/>
-        </p:nvPicPr>
-        <p:blipFill rotWithShape="1">
-          <a:blip r:embed="rId2" cstate="print">
-            <a:extLst>
-              <a:ext uri="{28A0092B-C50C-407E-A947-70E740481C1C}">
-                <a14:useLocalDpi xmlns:a14="http://schemas.microsoft.com/office/drawing/2010/main"/>
-              </a:ext>
-            </a:extLst>
-          </a:blip>
-          <a:srcRect/>
-          <a:stretch/>
-        </p:blipFill>
-        <p:spPr>
-          <a:xfrm>
-            <a:off x="11025578" y="6308876"/>
-            <a:ext cx="934193" cy="396725"/>
-          </a:xfrm>
-          <a:prstGeom prst="rect">
-            <a:avLst/>
-          </a:prstGeom>
-        </p:spPr>
-      </p:pic>
     </p:spTree>
     <p:extLst>
       <p:ext uri="{BB962C8B-B14F-4D97-AF65-F5344CB8AC3E}">
@@ -4578,627 +4586,6 @@
           </a:p>
         </p:txBody>
       </p:sp>
-      <p:sp>
-        <p:nvSpPr>
-          <p:cNvPr id="9" name="Text Placeholder 9"/>
-          <p:cNvSpPr>
-            <a:spLocks noGrp="1"/>
-          </p:cNvSpPr>
-          <p:nvPr>
-            <p:ph type="body" sz="quarter" idx="11" hasCustomPrompt="1"/>
-          </p:nvPr>
-        </p:nvSpPr>
-        <p:spPr>
-          <a:xfrm>
-            <a:off x="668108" y="3274739"/>
-            <a:ext cx="6028267" cy="1289540"/>
-          </a:xfrm>
-        </p:spPr>
-        <p:txBody>
-          <a:bodyPr anchor="b"/>
-          <a:lstStyle>
-            <a:lvl1pPr marL="0" marR="0" indent="0" algn="l" defTabSz="609585" rtl="0" eaLnBrk="1" fontAlgn="auto" latinLnBrk="0" hangingPunct="1">
-              <a:lnSpc>
-                <a:spcPct val="90000"/>
-              </a:lnSpc>
-              <a:spcBef>
-                <a:spcPct val="0"/>
-              </a:spcBef>
-              <a:spcAft>
-                <a:spcPts val="0"/>
-              </a:spcAft>
-              <a:buClrTx/>
-              <a:buSzTx/>
-              <a:buFontTx/>
-              <a:buNone/>
-              <a:tabLst/>
-              <a:defRPr kumimoji="0" lang="en-US" sz="4800" b="0" i="0" u="none" strike="noStrike" kern="1200" cap="none" spc="0" normalizeH="0" baseline="0" dirty="0" smtClean="0">
-                <a:ln>
-                  <a:noFill/>
-                </a:ln>
-                <a:solidFill>
-                  <a:schemeClr val="tx1"/>
-                </a:solidFill>
-                <a:effectLst/>
-                <a:uLnTx/>
-                <a:uFillTx/>
-                <a:latin typeface="Segoe UI Light" panose="020B0502040204020203" pitchFamily="34" charset="0"/>
-                <a:ea typeface="Segoe UI Light" panose="020B0502040204020203" pitchFamily="34" charset="0"/>
-                <a:cs typeface="Segoe UI Semibold" panose="020B0502040204020203" pitchFamily="34" charset="0"/>
-              </a:defRPr>
-            </a:lvl1pPr>
-          </a:lstStyle>
-          <a:p>
-            <a:pPr lvl="0"/>
-            <a:r>
-              <a:rPr lang="en-US" dirty="0"/>
-              <a:t>Title here: No </a:t>
-            </a:r>
-          </a:p>
-          <a:p>
-            <a:pPr lvl="0"/>
-            <a:r>
-              <a:rPr lang="en-US" dirty="0"/>
-              <a:t>more than 2 lines</a:t>
-            </a:r>
-          </a:p>
-        </p:txBody>
-      </p:sp>
-      <p:pic>
-        <p:nvPicPr>
-          <p:cNvPr id="5" name="Picture 4">
-            <a:extLst>
-              <a:ext uri="{FF2B5EF4-FFF2-40B4-BE49-F238E27FC236}">
-                <a16:creationId xmlns:a16="http://schemas.microsoft.com/office/drawing/2014/main" id="{47EFCDE6-335C-1A4C-B3B4-976CC283F646}"/>
-              </a:ext>
-            </a:extLst>
-          </p:cNvPr>
-          <p:cNvPicPr>
-            <a:picLocks noChangeAspect="1"/>
-          </p:cNvPicPr>
-          <p:nvPr/>
-        </p:nvPicPr>
-        <p:blipFill rotWithShape="1">
-          <a:blip r:embed="rId2" cstate="print">
-            <a:extLst>
-              <a:ext uri="{28A0092B-C50C-407E-A947-70E740481C1C}">
-                <a14:useLocalDpi xmlns:a14="http://schemas.microsoft.com/office/drawing/2010/main"/>
-              </a:ext>
-            </a:extLst>
-          </a:blip>
-          <a:srcRect/>
-          <a:stretch/>
-        </p:blipFill>
-        <p:spPr>
-          <a:xfrm>
-            <a:off x="668109" y="601336"/>
-            <a:ext cx="4028463" cy="960272"/>
-          </a:xfrm>
-          <a:prstGeom prst="rect">
-            <a:avLst/>
-          </a:prstGeom>
-        </p:spPr>
-      </p:pic>
-      <p:sp>
-        <p:nvSpPr>
-          <p:cNvPr id="10" name="Parallelogram 53">
-            <a:extLst>
-              <a:ext uri="{FF2B5EF4-FFF2-40B4-BE49-F238E27FC236}">
-                <a16:creationId xmlns:a16="http://schemas.microsoft.com/office/drawing/2014/main" id="{2B523158-7B1D-E741-A193-F3B69E14ABC8}"/>
-              </a:ext>
-            </a:extLst>
-          </p:cNvPr>
-          <p:cNvSpPr/>
-          <p:nvPr/>
-        </p:nvSpPr>
-        <p:spPr>
-          <a:xfrm rot="10800000" flipH="1">
-            <a:off x="7753225" y="-22883"/>
-            <a:ext cx="4470444" cy="6919268"/>
-          </a:xfrm>
-          <a:custGeom>
-            <a:avLst/>
-            <a:gdLst>
-              <a:gd name="connsiteX0" fmla="*/ 0 w 7211832"/>
-              <a:gd name="connsiteY0" fmla="*/ 5143500 h 5143500"/>
-              <a:gd name="connsiteX1" fmla="*/ 2747195 w 7211832"/>
-              <a:gd name="connsiteY1" fmla="*/ 0 h 5143500"/>
-              <a:gd name="connsiteX2" fmla="*/ 7211832 w 7211832"/>
-              <a:gd name="connsiteY2" fmla="*/ 0 h 5143500"/>
-              <a:gd name="connsiteX3" fmla="*/ 4464637 w 7211832"/>
-              <a:gd name="connsiteY3" fmla="*/ 5143500 h 5143500"/>
-              <a:gd name="connsiteX4" fmla="*/ 0 w 7211832"/>
-              <a:gd name="connsiteY4" fmla="*/ 5143500 h 5143500"/>
-              <a:gd name="connsiteX0" fmla="*/ 0 w 5249218"/>
-              <a:gd name="connsiteY0" fmla="*/ 5143500 h 5143500"/>
-              <a:gd name="connsiteX1" fmla="*/ 2747195 w 5249218"/>
-              <a:gd name="connsiteY1" fmla="*/ 0 h 5143500"/>
-              <a:gd name="connsiteX2" fmla="*/ 5249218 w 5249218"/>
-              <a:gd name="connsiteY2" fmla="*/ 0 h 5143500"/>
-              <a:gd name="connsiteX3" fmla="*/ 4464637 w 5249218"/>
-              <a:gd name="connsiteY3" fmla="*/ 5143500 h 5143500"/>
-              <a:gd name="connsiteX4" fmla="*/ 0 w 5249218"/>
-              <a:gd name="connsiteY4" fmla="*/ 5143500 h 5143500"/>
-              <a:gd name="connsiteX0" fmla="*/ 0 w 5472242"/>
-              <a:gd name="connsiteY0" fmla="*/ 5143500 h 5143500"/>
-              <a:gd name="connsiteX1" fmla="*/ 2747195 w 5472242"/>
-              <a:gd name="connsiteY1" fmla="*/ 0 h 5143500"/>
-              <a:gd name="connsiteX2" fmla="*/ 5472242 w 5472242"/>
-              <a:gd name="connsiteY2" fmla="*/ 7434 h 5143500"/>
-              <a:gd name="connsiteX3" fmla="*/ 4464637 w 5472242"/>
-              <a:gd name="connsiteY3" fmla="*/ 5143500 h 5143500"/>
-              <a:gd name="connsiteX4" fmla="*/ 0 w 5472242"/>
-              <a:gd name="connsiteY4" fmla="*/ 5143500 h 5143500"/>
-              <a:gd name="connsiteX0" fmla="*/ 0 w 5472242"/>
-              <a:gd name="connsiteY0" fmla="*/ 5143500 h 5165803"/>
-              <a:gd name="connsiteX1" fmla="*/ 2747195 w 5472242"/>
-              <a:gd name="connsiteY1" fmla="*/ 0 h 5165803"/>
-              <a:gd name="connsiteX2" fmla="*/ 5472242 w 5472242"/>
-              <a:gd name="connsiteY2" fmla="*/ 7434 h 5165803"/>
-              <a:gd name="connsiteX3" fmla="*/ 5468246 w 5472242"/>
-              <a:gd name="connsiteY3" fmla="*/ 5165803 h 5165803"/>
-              <a:gd name="connsiteX4" fmla="*/ 0 w 5472242"/>
-              <a:gd name="connsiteY4" fmla="*/ 5143500 h 5165803"/>
-              <a:gd name="connsiteX0" fmla="*/ 0 w 5472242"/>
-              <a:gd name="connsiteY0" fmla="*/ 5143500 h 5143500"/>
-              <a:gd name="connsiteX1" fmla="*/ 2747195 w 5472242"/>
-              <a:gd name="connsiteY1" fmla="*/ 0 h 5143500"/>
-              <a:gd name="connsiteX2" fmla="*/ 5472242 w 5472242"/>
-              <a:gd name="connsiteY2" fmla="*/ 7434 h 5143500"/>
-              <a:gd name="connsiteX3" fmla="*/ 3698919 w 5472242"/>
-              <a:gd name="connsiteY3" fmla="*/ 4942779 h 5143500"/>
-              <a:gd name="connsiteX4" fmla="*/ 0 w 5472242"/>
-              <a:gd name="connsiteY4" fmla="*/ 5143500 h 5143500"/>
-              <a:gd name="connsiteX0" fmla="*/ 0 w 5472242"/>
-              <a:gd name="connsiteY0" fmla="*/ 5143500 h 5150935"/>
-              <a:gd name="connsiteX1" fmla="*/ 2747195 w 5472242"/>
-              <a:gd name="connsiteY1" fmla="*/ 0 h 5150935"/>
-              <a:gd name="connsiteX2" fmla="*/ 5472242 w 5472242"/>
-              <a:gd name="connsiteY2" fmla="*/ 7434 h 5150935"/>
-              <a:gd name="connsiteX3" fmla="*/ 4301085 w 5472242"/>
-              <a:gd name="connsiteY3" fmla="*/ 5150935 h 5150935"/>
-              <a:gd name="connsiteX4" fmla="*/ 0 w 5472242"/>
-              <a:gd name="connsiteY4" fmla="*/ 5143500 h 5150935"/>
-              <a:gd name="connsiteX0" fmla="*/ 0 w 4728828"/>
-              <a:gd name="connsiteY0" fmla="*/ 5143500 h 5150935"/>
-              <a:gd name="connsiteX1" fmla="*/ 2747195 w 4728828"/>
-              <a:gd name="connsiteY1" fmla="*/ 0 h 5150935"/>
-              <a:gd name="connsiteX2" fmla="*/ 4728828 w 4728828"/>
-              <a:gd name="connsiteY2" fmla="*/ 223024 h 5150935"/>
-              <a:gd name="connsiteX3" fmla="*/ 4301085 w 4728828"/>
-              <a:gd name="connsiteY3" fmla="*/ 5150935 h 5150935"/>
-              <a:gd name="connsiteX4" fmla="*/ 0 w 4728828"/>
-              <a:gd name="connsiteY4" fmla="*/ 5143500 h 5150935"/>
-              <a:gd name="connsiteX0" fmla="*/ 0 w 4342253"/>
-              <a:gd name="connsiteY0" fmla="*/ 5173237 h 5180672"/>
-              <a:gd name="connsiteX1" fmla="*/ 2747195 w 4342253"/>
-              <a:gd name="connsiteY1" fmla="*/ 29737 h 5180672"/>
-              <a:gd name="connsiteX2" fmla="*/ 4342253 w 4342253"/>
-              <a:gd name="connsiteY2" fmla="*/ 0 h 5180672"/>
-              <a:gd name="connsiteX3" fmla="*/ 4301085 w 4342253"/>
-              <a:gd name="connsiteY3" fmla="*/ 5180672 h 5180672"/>
-              <a:gd name="connsiteX4" fmla="*/ 0 w 4342253"/>
-              <a:gd name="connsiteY4" fmla="*/ 5173237 h 5180672"/>
-              <a:gd name="connsiteX0" fmla="*/ 0 w 4342253"/>
-              <a:gd name="connsiteY0" fmla="*/ 6618452 h 6625887"/>
-              <a:gd name="connsiteX1" fmla="*/ 3531945 w 4342253"/>
-              <a:gd name="connsiteY1" fmla="*/ 0 h 6625887"/>
-              <a:gd name="connsiteX2" fmla="*/ 4342253 w 4342253"/>
-              <a:gd name="connsiteY2" fmla="*/ 1445215 h 6625887"/>
-              <a:gd name="connsiteX3" fmla="*/ 4301085 w 4342253"/>
-              <a:gd name="connsiteY3" fmla="*/ 6625887 h 6625887"/>
-              <a:gd name="connsiteX4" fmla="*/ 0 w 4342253"/>
-              <a:gd name="connsiteY4" fmla="*/ 6618452 h 6625887"/>
-              <a:gd name="connsiteX0" fmla="*/ 0 w 4301085"/>
-              <a:gd name="connsiteY0" fmla="*/ 6618452 h 6625887"/>
-              <a:gd name="connsiteX1" fmla="*/ 3531945 w 4301085"/>
-              <a:gd name="connsiteY1" fmla="*/ 0 h 6625887"/>
-              <a:gd name="connsiteX2" fmla="*/ 4228795 w 4301085"/>
-              <a:gd name="connsiteY2" fmla="*/ 8082 h 6625887"/>
-              <a:gd name="connsiteX3" fmla="*/ 4301085 w 4301085"/>
-              <a:gd name="connsiteY3" fmla="*/ 6625887 h 6625887"/>
-              <a:gd name="connsiteX4" fmla="*/ 0 w 4301085"/>
-              <a:gd name="connsiteY4" fmla="*/ 6618452 h 6625887"/>
-              <a:gd name="connsiteX0" fmla="*/ 0 w 4228795"/>
-              <a:gd name="connsiteY0" fmla="*/ 6618452 h 6618452"/>
-              <a:gd name="connsiteX1" fmla="*/ 3531945 w 4228795"/>
-              <a:gd name="connsiteY1" fmla="*/ 0 h 6618452"/>
-              <a:gd name="connsiteX2" fmla="*/ 4228795 w 4228795"/>
-              <a:gd name="connsiteY2" fmla="*/ 8082 h 6618452"/>
-              <a:gd name="connsiteX3" fmla="*/ 3839600 w 4228795"/>
-              <a:gd name="connsiteY3" fmla="*/ 6219779 h 6618452"/>
-              <a:gd name="connsiteX4" fmla="*/ 0 w 4228795"/>
-              <a:gd name="connsiteY4" fmla="*/ 6618452 h 6618452"/>
-              <a:gd name="connsiteX0" fmla="*/ 0 w 4090350"/>
-              <a:gd name="connsiteY0" fmla="*/ 6618452 h 6618452"/>
-              <a:gd name="connsiteX1" fmla="*/ 3531945 w 4090350"/>
-              <a:gd name="connsiteY1" fmla="*/ 0 h 6618452"/>
-              <a:gd name="connsiteX2" fmla="*/ 4090350 w 4090350"/>
-              <a:gd name="connsiteY2" fmla="*/ 211136 h 6618452"/>
-              <a:gd name="connsiteX3" fmla="*/ 3839600 w 4090350"/>
-              <a:gd name="connsiteY3" fmla="*/ 6219779 h 6618452"/>
-              <a:gd name="connsiteX4" fmla="*/ 0 w 4090350"/>
-              <a:gd name="connsiteY4" fmla="*/ 6618452 h 6618452"/>
-              <a:gd name="connsiteX0" fmla="*/ 0 w 4090350"/>
-              <a:gd name="connsiteY0" fmla="*/ 6572304 h 6572304"/>
-              <a:gd name="connsiteX1" fmla="*/ 3504256 w 4090350"/>
-              <a:gd name="connsiteY1" fmla="*/ 0 h 6572304"/>
-              <a:gd name="connsiteX2" fmla="*/ 4090350 w 4090350"/>
-              <a:gd name="connsiteY2" fmla="*/ 164988 h 6572304"/>
-              <a:gd name="connsiteX3" fmla="*/ 3839600 w 4090350"/>
-              <a:gd name="connsiteY3" fmla="*/ 6173631 h 6572304"/>
-              <a:gd name="connsiteX4" fmla="*/ 0 w 4090350"/>
-              <a:gd name="connsiteY4" fmla="*/ 6572304 h 6572304"/>
-              <a:gd name="connsiteX0" fmla="*/ 0 w 4256485"/>
-              <a:gd name="connsiteY0" fmla="*/ 6591910 h 6591910"/>
-              <a:gd name="connsiteX1" fmla="*/ 3504256 w 4256485"/>
-              <a:gd name="connsiteY1" fmla="*/ 19606 h 6591910"/>
-              <a:gd name="connsiteX2" fmla="*/ 4256485 w 4256485"/>
-              <a:gd name="connsiteY2" fmla="*/ 0 h 6591910"/>
-              <a:gd name="connsiteX3" fmla="*/ 3839600 w 4256485"/>
-              <a:gd name="connsiteY3" fmla="*/ 6193237 h 6591910"/>
-              <a:gd name="connsiteX4" fmla="*/ 0 w 4256485"/>
-              <a:gd name="connsiteY4" fmla="*/ 6591910 h 6591910"/>
-              <a:gd name="connsiteX0" fmla="*/ 0 w 4256485"/>
-              <a:gd name="connsiteY0" fmla="*/ 6599994 h 6599994"/>
-              <a:gd name="connsiteX1" fmla="*/ 3504257 w 4256485"/>
-              <a:gd name="connsiteY1" fmla="*/ 0 h 6599994"/>
-              <a:gd name="connsiteX2" fmla="*/ 4256485 w 4256485"/>
-              <a:gd name="connsiteY2" fmla="*/ 8084 h 6599994"/>
-              <a:gd name="connsiteX3" fmla="*/ 3839600 w 4256485"/>
-              <a:gd name="connsiteY3" fmla="*/ 6201321 h 6599994"/>
-              <a:gd name="connsiteX4" fmla="*/ 0 w 4256485"/>
-              <a:gd name="connsiteY4" fmla="*/ 6599994 h 6599994"/>
-              <a:gd name="connsiteX0" fmla="*/ 0 w 4264165"/>
-              <a:gd name="connsiteY0" fmla="*/ 6599994 h 6599994"/>
-              <a:gd name="connsiteX1" fmla="*/ 3504257 w 4264165"/>
-              <a:gd name="connsiteY1" fmla="*/ 0 h 6599994"/>
-              <a:gd name="connsiteX2" fmla="*/ 4256485 w 4264165"/>
-              <a:gd name="connsiteY2" fmla="*/ 8084 h 6599994"/>
-              <a:gd name="connsiteX3" fmla="*/ 4264165 w 4264165"/>
-              <a:gd name="connsiteY3" fmla="*/ 6598198 h 6599994"/>
-              <a:gd name="connsiteX4" fmla="*/ 0 w 4264165"/>
-              <a:gd name="connsiteY4" fmla="*/ 6599994 h 6599994"/>
-            </a:gdLst>
-            <a:ahLst/>
-            <a:cxnLst>
-              <a:cxn ang="0">
-                <a:pos x="connsiteX0" y="connsiteY0"/>
-              </a:cxn>
-              <a:cxn ang="0">
-                <a:pos x="connsiteX1" y="connsiteY1"/>
-              </a:cxn>
-              <a:cxn ang="0">
-                <a:pos x="connsiteX2" y="connsiteY2"/>
-              </a:cxn>
-              <a:cxn ang="0">
-                <a:pos x="connsiteX3" y="connsiteY3"/>
-              </a:cxn>
-              <a:cxn ang="0">
-                <a:pos x="connsiteX4" y="connsiteY4"/>
-              </a:cxn>
-            </a:cxnLst>
-            <a:rect l="l" t="t" r="r" b="b"/>
-            <a:pathLst>
-              <a:path w="4264165" h="6599994">
-                <a:moveTo>
-                  <a:pt x="0" y="6599994"/>
-                </a:moveTo>
-                <a:lnTo>
-                  <a:pt x="3504257" y="0"/>
-                </a:lnTo>
-                <a:lnTo>
-                  <a:pt x="4256485" y="8084"/>
-                </a:lnTo>
-                <a:lnTo>
-                  <a:pt x="4264165" y="6598198"/>
-                </a:lnTo>
-                <a:lnTo>
-                  <a:pt x="0" y="6599994"/>
-                </a:lnTo>
-                <a:close/>
-              </a:path>
-            </a:pathLst>
-          </a:custGeom>
-          <a:solidFill>
-            <a:schemeClr val="accent3"/>
-          </a:solidFill>
-          <a:ln>
-            <a:noFill/>
-          </a:ln>
-        </p:spPr>
-        <p:style>
-          <a:lnRef idx="2">
-            <a:schemeClr val="accent1">
-              <a:shade val="50000"/>
-            </a:schemeClr>
-          </a:lnRef>
-          <a:fillRef idx="1">
-            <a:schemeClr val="accent1"/>
-          </a:fillRef>
-          <a:effectRef idx="0">
-            <a:schemeClr val="accent1"/>
-          </a:effectRef>
-          <a:fontRef idx="minor">
-            <a:schemeClr val="lt1"/>
-          </a:fontRef>
-        </p:style>
-        <p:txBody>
-          <a:bodyPr rtlCol="0" anchor="ctr"/>
-          <a:lstStyle/>
-          <a:p>
-            <a:pPr algn="ctr"/>
-            <a:endParaRPr lang="en-US" sz="2400" dirty="0"/>
-          </a:p>
-        </p:txBody>
-      </p:sp>
-      <p:sp>
-        <p:nvSpPr>
-          <p:cNvPr id="11" name="Parallelogram 53">
-            <a:extLst>
-              <a:ext uri="{FF2B5EF4-FFF2-40B4-BE49-F238E27FC236}">
-                <a16:creationId xmlns:a16="http://schemas.microsoft.com/office/drawing/2014/main" id="{298A8641-8FCD-C44A-BC19-6E4340894021}"/>
-              </a:ext>
-            </a:extLst>
-          </p:cNvPr>
-          <p:cNvSpPr/>
-          <p:nvPr/>
-        </p:nvSpPr>
-        <p:spPr>
-          <a:xfrm rot="10800000" flipH="1" flipV="1">
-            <a:off x="6167583" y="-44986"/>
-            <a:ext cx="6082592" cy="6966263"/>
-          </a:xfrm>
-          <a:custGeom>
-            <a:avLst/>
-            <a:gdLst>
-              <a:gd name="connsiteX0" fmla="*/ 0 w 7211832"/>
-              <a:gd name="connsiteY0" fmla="*/ 5143500 h 5143500"/>
-              <a:gd name="connsiteX1" fmla="*/ 2747195 w 7211832"/>
-              <a:gd name="connsiteY1" fmla="*/ 0 h 5143500"/>
-              <a:gd name="connsiteX2" fmla="*/ 7211832 w 7211832"/>
-              <a:gd name="connsiteY2" fmla="*/ 0 h 5143500"/>
-              <a:gd name="connsiteX3" fmla="*/ 4464637 w 7211832"/>
-              <a:gd name="connsiteY3" fmla="*/ 5143500 h 5143500"/>
-              <a:gd name="connsiteX4" fmla="*/ 0 w 7211832"/>
-              <a:gd name="connsiteY4" fmla="*/ 5143500 h 5143500"/>
-              <a:gd name="connsiteX0" fmla="*/ 0 w 5249218"/>
-              <a:gd name="connsiteY0" fmla="*/ 5143500 h 5143500"/>
-              <a:gd name="connsiteX1" fmla="*/ 2747195 w 5249218"/>
-              <a:gd name="connsiteY1" fmla="*/ 0 h 5143500"/>
-              <a:gd name="connsiteX2" fmla="*/ 5249218 w 5249218"/>
-              <a:gd name="connsiteY2" fmla="*/ 0 h 5143500"/>
-              <a:gd name="connsiteX3" fmla="*/ 4464637 w 5249218"/>
-              <a:gd name="connsiteY3" fmla="*/ 5143500 h 5143500"/>
-              <a:gd name="connsiteX4" fmla="*/ 0 w 5249218"/>
-              <a:gd name="connsiteY4" fmla="*/ 5143500 h 5143500"/>
-              <a:gd name="connsiteX0" fmla="*/ 0 w 5472242"/>
-              <a:gd name="connsiteY0" fmla="*/ 5143500 h 5143500"/>
-              <a:gd name="connsiteX1" fmla="*/ 2747195 w 5472242"/>
-              <a:gd name="connsiteY1" fmla="*/ 0 h 5143500"/>
-              <a:gd name="connsiteX2" fmla="*/ 5472242 w 5472242"/>
-              <a:gd name="connsiteY2" fmla="*/ 7434 h 5143500"/>
-              <a:gd name="connsiteX3" fmla="*/ 4464637 w 5472242"/>
-              <a:gd name="connsiteY3" fmla="*/ 5143500 h 5143500"/>
-              <a:gd name="connsiteX4" fmla="*/ 0 w 5472242"/>
-              <a:gd name="connsiteY4" fmla="*/ 5143500 h 5143500"/>
-              <a:gd name="connsiteX0" fmla="*/ 0 w 5472242"/>
-              <a:gd name="connsiteY0" fmla="*/ 5143500 h 5165803"/>
-              <a:gd name="connsiteX1" fmla="*/ 2747195 w 5472242"/>
-              <a:gd name="connsiteY1" fmla="*/ 0 h 5165803"/>
-              <a:gd name="connsiteX2" fmla="*/ 5472242 w 5472242"/>
-              <a:gd name="connsiteY2" fmla="*/ 7434 h 5165803"/>
-              <a:gd name="connsiteX3" fmla="*/ 5468246 w 5472242"/>
-              <a:gd name="connsiteY3" fmla="*/ 5165803 h 5165803"/>
-              <a:gd name="connsiteX4" fmla="*/ 0 w 5472242"/>
-              <a:gd name="connsiteY4" fmla="*/ 5143500 h 5165803"/>
-              <a:gd name="connsiteX0" fmla="*/ 0 w 5472242"/>
-              <a:gd name="connsiteY0" fmla="*/ 5143500 h 5143500"/>
-              <a:gd name="connsiteX1" fmla="*/ 2747195 w 5472242"/>
-              <a:gd name="connsiteY1" fmla="*/ 0 h 5143500"/>
-              <a:gd name="connsiteX2" fmla="*/ 5472242 w 5472242"/>
-              <a:gd name="connsiteY2" fmla="*/ 7434 h 5143500"/>
-              <a:gd name="connsiteX3" fmla="*/ 3698919 w 5472242"/>
-              <a:gd name="connsiteY3" fmla="*/ 4942779 h 5143500"/>
-              <a:gd name="connsiteX4" fmla="*/ 0 w 5472242"/>
-              <a:gd name="connsiteY4" fmla="*/ 5143500 h 5143500"/>
-              <a:gd name="connsiteX0" fmla="*/ 0 w 5472242"/>
-              <a:gd name="connsiteY0" fmla="*/ 5143500 h 5150935"/>
-              <a:gd name="connsiteX1" fmla="*/ 2747195 w 5472242"/>
-              <a:gd name="connsiteY1" fmla="*/ 0 h 5150935"/>
-              <a:gd name="connsiteX2" fmla="*/ 5472242 w 5472242"/>
-              <a:gd name="connsiteY2" fmla="*/ 7434 h 5150935"/>
-              <a:gd name="connsiteX3" fmla="*/ 4301085 w 5472242"/>
-              <a:gd name="connsiteY3" fmla="*/ 5150935 h 5150935"/>
-              <a:gd name="connsiteX4" fmla="*/ 0 w 5472242"/>
-              <a:gd name="connsiteY4" fmla="*/ 5143500 h 5150935"/>
-              <a:gd name="connsiteX0" fmla="*/ 0 w 4728828"/>
-              <a:gd name="connsiteY0" fmla="*/ 5143500 h 5150935"/>
-              <a:gd name="connsiteX1" fmla="*/ 2747195 w 4728828"/>
-              <a:gd name="connsiteY1" fmla="*/ 0 h 5150935"/>
-              <a:gd name="connsiteX2" fmla="*/ 4728828 w 4728828"/>
-              <a:gd name="connsiteY2" fmla="*/ 223024 h 5150935"/>
-              <a:gd name="connsiteX3" fmla="*/ 4301085 w 4728828"/>
-              <a:gd name="connsiteY3" fmla="*/ 5150935 h 5150935"/>
-              <a:gd name="connsiteX4" fmla="*/ 0 w 4728828"/>
-              <a:gd name="connsiteY4" fmla="*/ 5143500 h 5150935"/>
-              <a:gd name="connsiteX0" fmla="*/ 0 w 4342253"/>
-              <a:gd name="connsiteY0" fmla="*/ 5173237 h 5180672"/>
-              <a:gd name="connsiteX1" fmla="*/ 2747195 w 4342253"/>
-              <a:gd name="connsiteY1" fmla="*/ 29737 h 5180672"/>
-              <a:gd name="connsiteX2" fmla="*/ 4342253 w 4342253"/>
-              <a:gd name="connsiteY2" fmla="*/ 0 h 5180672"/>
-              <a:gd name="connsiteX3" fmla="*/ 4301085 w 4342253"/>
-              <a:gd name="connsiteY3" fmla="*/ 5180672 h 5180672"/>
-              <a:gd name="connsiteX4" fmla="*/ 0 w 4342253"/>
-              <a:gd name="connsiteY4" fmla="*/ 5173237 h 5180672"/>
-              <a:gd name="connsiteX0" fmla="*/ 0 w 4370700"/>
-              <a:gd name="connsiteY0" fmla="*/ 5143500 h 5150935"/>
-              <a:gd name="connsiteX1" fmla="*/ 2747195 w 4370700"/>
-              <a:gd name="connsiteY1" fmla="*/ 0 h 5150935"/>
-              <a:gd name="connsiteX2" fmla="*/ 4370700 w 4370700"/>
-              <a:gd name="connsiteY2" fmla="*/ 190735 h 5150935"/>
-              <a:gd name="connsiteX3" fmla="*/ 4301085 w 4370700"/>
-              <a:gd name="connsiteY3" fmla="*/ 5150935 h 5150935"/>
-              <a:gd name="connsiteX4" fmla="*/ 0 w 4370700"/>
-              <a:gd name="connsiteY4" fmla="*/ 5143500 h 5150935"/>
-              <a:gd name="connsiteX0" fmla="*/ 0 w 4370700"/>
-              <a:gd name="connsiteY0" fmla="*/ 4965700 h 4973135"/>
-              <a:gd name="connsiteX1" fmla="*/ 2647627 w 4370700"/>
-              <a:gd name="connsiteY1" fmla="*/ 0 h 4973135"/>
-              <a:gd name="connsiteX2" fmla="*/ 4370700 w 4370700"/>
-              <a:gd name="connsiteY2" fmla="*/ 12935 h 4973135"/>
-              <a:gd name="connsiteX3" fmla="*/ 4301085 w 4370700"/>
-              <a:gd name="connsiteY3" fmla="*/ 4973135 h 4973135"/>
-              <a:gd name="connsiteX4" fmla="*/ 0 w 4370700"/>
-              <a:gd name="connsiteY4" fmla="*/ 4965700 h 4973135"/>
-              <a:gd name="connsiteX0" fmla="*/ 0 w 4301085"/>
-              <a:gd name="connsiteY0" fmla="*/ 4965700 h 4973135"/>
-              <a:gd name="connsiteX1" fmla="*/ 2647627 w 4301085"/>
-              <a:gd name="connsiteY1" fmla="*/ 0 h 4973135"/>
-              <a:gd name="connsiteX2" fmla="*/ 3686714 w 4301085"/>
-              <a:gd name="connsiteY2" fmla="*/ 261657 h 4973135"/>
-              <a:gd name="connsiteX3" fmla="*/ 4301085 w 4301085"/>
-              <a:gd name="connsiteY3" fmla="*/ 4973135 h 4973135"/>
-              <a:gd name="connsiteX4" fmla="*/ 0 w 4301085"/>
-              <a:gd name="connsiteY4" fmla="*/ 4965700 h 4973135"/>
-              <a:gd name="connsiteX0" fmla="*/ 0 w 3686714"/>
-              <a:gd name="connsiteY0" fmla="*/ 4965700 h 4965700"/>
-              <a:gd name="connsiteX1" fmla="*/ 2647627 w 3686714"/>
-              <a:gd name="connsiteY1" fmla="*/ 0 h 4965700"/>
-              <a:gd name="connsiteX2" fmla="*/ 3686714 w 3686714"/>
-              <a:gd name="connsiteY2" fmla="*/ 261657 h 4965700"/>
-              <a:gd name="connsiteX3" fmla="*/ 3548010 w 3686714"/>
-              <a:gd name="connsiteY3" fmla="*/ 4579325 h 4965700"/>
-              <a:gd name="connsiteX4" fmla="*/ 0 w 3686714"/>
-              <a:gd name="connsiteY4" fmla="*/ 4965700 h 4965700"/>
-              <a:gd name="connsiteX0" fmla="*/ 0 w 4343065"/>
-              <a:gd name="connsiteY0" fmla="*/ 4966583 h 4966583"/>
-              <a:gd name="connsiteX1" fmla="*/ 2647627 w 4343065"/>
-              <a:gd name="connsiteY1" fmla="*/ 883 h 4966583"/>
-              <a:gd name="connsiteX2" fmla="*/ 4343065 w 4343065"/>
-              <a:gd name="connsiteY2" fmla="*/ 0 h 4966583"/>
-              <a:gd name="connsiteX3" fmla="*/ 3548010 w 4343065"/>
-              <a:gd name="connsiteY3" fmla="*/ 4580208 h 4966583"/>
-              <a:gd name="connsiteX4" fmla="*/ 0 w 4343065"/>
-              <a:gd name="connsiteY4" fmla="*/ 4966583 h 4966583"/>
-              <a:gd name="connsiteX0" fmla="*/ 0 w 4343065"/>
-              <a:gd name="connsiteY0" fmla="*/ 4966583 h 4974018"/>
-              <a:gd name="connsiteX1" fmla="*/ 2647627 w 4343065"/>
-              <a:gd name="connsiteY1" fmla="*/ 883 h 4974018"/>
-              <a:gd name="connsiteX2" fmla="*/ 4343065 w 4343065"/>
-              <a:gd name="connsiteY2" fmla="*/ 0 h 4974018"/>
-              <a:gd name="connsiteX3" fmla="*/ 4342539 w 4343065"/>
-              <a:gd name="connsiteY3" fmla="*/ 4974018 h 4974018"/>
-              <a:gd name="connsiteX4" fmla="*/ 0 w 4343065"/>
-              <a:gd name="connsiteY4" fmla="*/ 4966583 h 4974018"/>
-            </a:gdLst>
-            <a:ahLst/>
-            <a:cxnLst>
-              <a:cxn ang="0">
-                <a:pos x="connsiteX0" y="connsiteY0"/>
-              </a:cxn>
-              <a:cxn ang="0">
-                <a:pos x="connsiteX1" y="connsiteY1"/>
-              </a:cxn>
-              <a:cxn ang="0">
-                <a:pos x="connsiteX2" y="connsiteY2"/>
-              </a:cxn>
-              <a:cxn ang="0">
-                <a:pos x="connsiteX3" y="connsiteY3"/>
-              </a:cxn>
-              <a:cxn ang="0">
-                <a:pos x="connsiteX4" y="connsiteY4"/>
-              </a:cxn>
-            </a:cxnLst>
-            <a:rect l="l" t="t" r="r" b="b"/>
-            <a:pathLst>
-              <a:path w="4343065" h="4974018">
-                <a:moveTo>
-                  <a:pt x="0" y="4966583"/>
-                </a:moveTo>
-                <a:lnTo>
-                  <a:pt x="2647627" y="883"/>
-                </a:lnTo>
-                <a:lnTo>
-                  <a:pt x="4343065" y="0"/>
-                </a:lnTo>
-                <a:cubicBezTo>
-                  <a:pt x="4342890" y="1658006"/>
-                  <a:pt x="4342714" y="3316012"/>
-                  <a:pt x="4342539" y="4974018"/>
-                </a:cubicBezTo>
-                <a:lnTo>
-                  <a:pt x="0" y="4966583"/>
-                </a:lnTo>
-                <a:close/>
-              </a:path>
-            </a:pathLst>
-          </a:custGeom>
-          <a:solidFill>
-            <a:schemeClr val="accent1">
-              <a:alpha val="96000"/>
-            </a:schemeClr>
-          </a:solidFill>
-          <a:ln>
-            <a:noFill/>
-          </a:ln>
-        </p:spPr>
-        <p:style>
-          <a:lnRef idx="2">
-            <a:schemeClr val="accent1">
-              <a:shade val="50000"/>
-            </a:schemeClr>
-          </a:lnRef>
-          <a:fillRef idx="1">
-            <a:schemeClr val="accent1"/>
-          </a:fillRef>
-          <a:effectRef idx="0">
-            <a:schemeClr val="accent1"/>
-          </a:effectRef>
-          <a:fontRef idx="minor">
-            <a:schemeClr val="lt1"/>
-          </a:fontRef>
-        </p:style>
-        <p:txBody>
-          <a:bodyPr rtlCol="0" anchor="ctr"/>
-          <a:lstStyle/>
-          <a:p>
-            <a:pPr algn="ctr"/>
-            <a:endParaRPr lang="en-US" sz="2400"/>
-          </a:p>
-        </p:txBody>
-      </p:sp>
-    </p:spTree>
-    <p:extLst>
-      <p:ext uri="{BB962C8B-B14F-4D97-AF65-F5344CB8AC3E}">
-        <p14:creationId xmlns:p14="http://schemas.microsoft.com/office/powerpoint/2010/main" val="478817444"/>
-      </p:ext>
-    </p:extLst>
-  </p:cSld>
-  <p:clrMapOvr>
-    <a:masterClrMapping/>
-  </p:clrMapOvr>
-</p:sldLayout>
-</file>
-
-<file path=ppt/slideLayouts/slideLayout18.xml><?xml version="1.0" encoding="utf-8"?>
-<p:sldLayout xmlns:a="http://schemas.openxmlformats.org/drawingml/2006/main" xmlns:r="http://schemas.openxmlformats.org/officeDocument/2006/relationships" xmlns:p="http://schemas.openxmlformats.org/presentationml/2006/main" showMasterSp="0" preserve="1" userDrawn="1">
-  <p:cSld name="2_Title Slide">
-    <p:spTree>
-      <p:nvGrpSpPr>
-        <p:cNvPr id="1" name=""/>
-        <p:cNvGrpSpPr/>
-        <p:nvPr/>
-      </p:nvGrpSpPr>
-      <p:grpSpPr>
-        <a:xfrm>
-          <a:off x="0" y="0"/>
-          <a:ext cx="0" cy="0"/>
-          <a:chOff x="0" y="0"/>
-          <a:chExt cx="0" cy="0"/>
-        </a:xfrm>
-      </p:grpSpPr>
       <p:sp>
         <p:nvSpPr>
           <p:cNvPr id="9" name="Text Placeholder 9"/>
@@ -5758,7 +5145,7 @@
     </p:spTree>
     <p:extLst>
       <p:ext uri="{BB962C8B-B14F-4D97-AF65-F5344CB8AC3E}">
-        <p14:creationId xmlns:p14="http://schemas.microsoft.com/office/powerpoint/2010/main" val="1716495651"/>
+        <p14:creationId xmlns:p14="http://schemas.microsoft.com/office/powerpoint/2010/main" val="478817444"/>
       </p:ext>
     </p:extLst>
   </p:cSld>
@@ -5768,9 +5155,9 @@
 </p:sldLayout>
 </file>
 
-<file path=ppt/slideLayouts/slideLayout19.xml><?xml version="1.0" encoding="utf-8"?>
-<p:sldLayout xmlns:a="http://schemas.openxmlformats.org/drawingml/2006/main" xmlns:r="http://schemas.openxmlformats.org/officeDocument/2006/relationships" xmlns:p="http://schemas.openxmlformats.org/presentationml/2006/main" showMasterSp="0" preserve="1">
-  <p:cSld name="Silence Cell Phones">
+<file path=ppt/slideLayouts/slideLayout18.xml><?xml version="1.0" encoding="utf-8"?>
+<p:sldLayout xmlns:a="http://schemas.openxmlformats.org/drawingml/2006/main" xmlns:r="http://schemas.openxmlformats.org/officeDocument/2006/relationships" xmlns:p="http://schemas.openxmlformats.org/presentationml/2006/main" showMasterSp="0" preserve="1" userDrawn="1">
+  <p:cSld name="2_Title Slide">
     <p:spTree>
       <p:nvGrpSpPr>
         <p:cNvPr id="1" name=""/>
@@ -5785,90 +5172,78 @@
           <a:chExt cx="0" cy="0"/>
         </a:xfrm>
       </p:grpSpPr>
-      <p:pic>
-        <p:nvPicPr>
-          <p:cNvPr id="11" name="Picture 10">
+      <p:sp>
+        <p:nvSpPr>
+          <p:cNvPr id="9" name="Text Placeholder 9"/>
+          <p:cNvSpPr>
+            <a:spLocks noGrp="1"/>
+          </p:cNvSpPr>
+          <p:nvPr>
+            <p:ph type="body" sz="quarter" idx="11" hasCustomPrompt="1"/>
+          </p:nvPr>
+        </p:nvSpPr>
+        <p:spPr>
+          <a:xfrm>
+            <a:off x="668108" y="3274739"/>
+            <a:ext cx="6028267" cy="1289540"/>
+          </a:xfrm>
+        </p:spPr>
+        <p:txBody>
+          <a:bodyPr anchor="b"/>
+          <a:lstStyle>
+            <a:lvl1pPr marL="0" marR="0" indent="0" algn="l" defTabSz="609585" rtl="0" eaLnBrk="1" fontAlgn="auto" latinLnBrk="0" hangingPunct="1">
+              <a:lnSpc>
+                <a:spcPct val="90000"/>
+              </a:lnSpc>
+              <a:spcBef>
+                <a:spcPct val="0"/>
+              </a:spcBef>
+              <a:spcAft>
+                <a:spcPts val="0"/>
+              </a:spcAft>
+              <a:buClrTx/>
+              <a:buSzTx/>
+              <a:buFontTx/>
+              <a:buNone/>
+              <a:tabLst/>
+              <a:defRPr kumimoji="0" lang="en-US" sz="4800" b="0" i="0" u="none" strike="noStrike" kern="1200" cap="none" spc="0" normalizeH="0" baseline="0" dirty="0" smtClean="0">
+                <a:ln>
+                  <a:noFill/>
+                </a:ln>
+                <a:solidFill>
+                  <a:schemeClr val="tx1"/>
+                </a:solidFill>
+                <a:effectLst/>
+                <a:uLnTx/>
+                <a:uFillTx/>
+                <a:latin typeface="Segoe UI Light" panose="020B0502040204020203" pitchFamily="34" charset="0"/>
+                <a:ea typeface="Segoe UI Light" panose="020B0502040204020203" pitchFamily="34" charset="0"/>
+                <a:cs typeface="Segoe UI Semibold" panose="020B0502040204020203" pitchFamily="34" charset="0"/>
+              </a:defRPr>
+            </a:lvl1pPr>
+          </a:lstStyle>
+          <a:p>
+            <a:pPr lvl="0"/>
+            <a:r>
+              <a:rPr lang="en-US" dirty="0"/>
+              <a:t>Title here: No </a:t>
+            </a:r>
+          </a:p>
+          <a:p>
+            <a:pPr lvl="0"/>
+            <a:r>
+              <a:rPr lang="en-US" dirty="0"/>
+              <a:t>more than 2 lines</a:t>
+            </a:r>
+          </a:p>
+        </p:txBody>
+      </p:sp>
+      <p:sp>
+        <p:nvSpPr>
+          <p:cNvPr id="10" name="Parallelogram 53">
             <a:extLst>
               <a:ext uri="{FF2B5EF4-FFF2-40B4-BE49-F238E27FC236}">
-                <a16:creationId xmlns:a16="http://schemas.microsoft.com/office/drawing/2014/main" id="{2009E8E2-FD73-F24F-81A5-259DCF85B8E4}"/>
-              </a:ext>
-            </a:extLst>
-          </p:cNvPr>
-          <p:cNvPicPr>
-            <a:picLocks noChangeAspect="1"/>
-          </p:cNvPicPr>
-          <p:nvPr/>
-        </p:nvPicPr>
-        <p:blipFill rotWithShape="1">
-          <a:blip r:embed="rId2" cstate="print">
-            <a:alphaModFix amt="25000"/>
-            <a:extLst>
-              <a:ext uri="{28A0092B-C50C-407E-A947-70E740481C1C}">
-                <a14:useLocalDpi xmlns:a14="http://schemas.microsoft.com/office/drawing/2010/main"/>
-              </a:ext>
-            </a:extLst>
-          </a:blip>
-          <a:srcRect/>
-          <a:stretch/>
-        </p:blipFill>
-        <p:spPr>
-          <a:xfrm>
-            <a:off x="-1" y="0"/>
-            <a:ext cx="12192001" cy="6858000"/>
-          </a:xfrm>
-          <a:prstGeom prst="rect">
-            <a:avLst/>
-          </a:prstGeom>
-          <a:solidFill>
-            <a:schemeClr val="bg1">
-              <a:lumMod val="50000"/>
-            </a:schemeClr>
-          </a:solidFill>
-        </p:spPr>
-      </p:pic>
-      <p:pic>
-        <p:nvPicPr>
-          <p:cNvPr id="13" name="Picture 12">
-            <a:extLst>
-              <a:ext uri="{FF2B5EF4-FFF2-40B4-BE49-F238E27FC236}">
-                <a16:creationId xmlns:a16="http://schemas.microsoft.com/office/drawing/2014/main" id="{486393F9-62F9-304F-86B6-43508D1A1735}"/>
-              </a:ext>
-            </a:extLst>
-          </p:cNvPr>
-          <p:cNvPicPr>
-            <a:picLocks noChangeAspect="1"/>
-          </p:cNvPicPr>
-          <p:nvPr/>
-        </p:nvPicPr>
-        <p:blipFill>
-          <a:blip r:embed="rId3" cstate="print">
-            <a:alphaModFix amt="13000"/>
-            <a:extLst>
-              <a:ext uri="{28A0092B-C50C-407E-A947-70E740481C1C}">
-                <a14:useLocalDpi xmlns:a14="http://schemas.microsoft.com/office/drawing/2010/main"/>
-              </a:ext>
-            </a:extLst>
-          </a:blip>
-          <a:stretch>
-            <a:fillRect/>
-          </a:stretch>
-        </p:blipFill>
-        <p:spPr>
-          <a:xfrm>
-            <a:off x="8415455" y="328325"/>
-            <a:ext cx="6145560" cy="6145560"/>
-          </a:xfrm>
-          <a:prstGeom prst="rect">
-            <a:avLst/>
-          </a:prstGeom>
-        </p:spPr>
-      </p:pic>
-      <p:sp>
-        <p:nvSpPr>
-          <p:cNvPr id="9" name="Freeform 8">
-            <a:extLst>
-              <a:ext uri="{FF2B5EF4-FFF2-40B4-BE49-F238E27FC236}">
-                <a16:creationId xmlns:a16="http://schemas.microsoft.com/office/drawing/2014/main" id="{94F1605F-690F-EA41-AE2F-529666508517}"/>
+                <a16:creationId xmlns:a16="http://schemas.microsoft.com/office/drawing/2014/main" id="{2B523158-7B1D-E741-A193-F3B69E14ABC8}"/>
               </a:ext>
             </a:extLst>
           </p:cNvPr>
@@ -5876,51 +5251,173 @@
           <p:nvPr/>
         </p:nvSpPr>
         <p:spPr>
-          <a:xfrm>
-            <a:off x="1103884" y="2575771"/>
-            <a:ext cx="868947" cy="1706459"/>
+          <a:xfrm rot="10800000" flipH="1">
+            <a:off x="7753225" y="-22883"/>
+            <a:ext cx="4470444" cy="6919268"/>
           </a:xfrm>
           <a:custGeom>
             <a:avLst/>
             <a:gdLst>
-              <a:gd name="connsiteX0" fmla="*/ 111431 w 668571"/>
-              <a:gd name="connsiteY0" fmla="*/ 0 h 1312961"/>
-              <a:gd name="connsiteX1" fmla="*/ 557140 w 668571"/>
-              <a:gd name="connsiteY1" fmla="*/ 0 h 1312961"/>
-              <a:gd name="connsiteX2" fmla="*/ 668571 w 668571"/>
-              <a:gd name="connsiteY2" fmla="*/ 111431 h 1312961"/>
-              <a:gd name="connsiteX3" fmla="*/ 668571 w 668571"/>
-              <a:gd name="connsiteY3" fmla="*/ 1201530 h 1312961"/>
-              <a:gd name="connsiteX4" fmla="*/ 557140 w 668571"/>
-              <a:gd name="connsiteY4" fmla="*/ 1312961 h 1312961"/>
-              <a:gd name="connsiteX5" fmla="*/ 111431 w 668571"/>
-              <a:gd name="connsiteY5" fmla="*/ 1312961 h 1312961"/>
-              <a:gd name="connsiteX6" fmla="*/ 0 w 668571"/>
-              <a:gd name="connsiteY6" fmla="*/ 1201530 h 1312961"/>
-              <a:gd name="connsiteX7" fmla="*/ 0 w 668571"/>
-              <a:gd name="connsiteY7" fmla="*/ 111431 h 1312961"/>
-              <a:gd name="connsiteX8" fmla="*/ 111431 w 668571"/>
-              <a:gd name="connsiteY8" fmla="*/ 0 h 1312961"/>
-              <a:gd name="connsiteX9" fmla="*/ 58514 w 668571"/>
-              <a:gd name="connsiteY9" fmla="*/ 118039 h 1312961"/>
-              <a:gd name="connsiteX10" fmla="*/ 58514 w 668571"/>
-              <a:gd name="connsiteY10" fmla="*/ 1141295 h 1312961"/>
-              <a:gd name="connsiteX11" fmla="*/ 610057 w 668571"/>
-              <a:gd name="connsiteY11" fmla="*/ 1141295 h 1312961"/>
-              <a:gd name="connsiteX12" fmla="*/ 610057 w 668571"/>
-              <a:gd name="connsiteY12" fmla="*/ 118039 h 1312961"/>
-              <a:gd name="connsiteX13" fmla="*/ 58514 w 668571"/>
-              <a:gd name="connsiteY13" fmla="*/ 118039 h 1312961"/>
-              <a:gd name="connsiteX14" fmla="*/ 334285 w 668571"/>
-              <a:gd name="connsiteY14" fmla="*/ 1172700 h 1312961"/>
-              <a:gd name="connsiteX15" fmla="*/ 276228 w 668571"/>
-              <a:gd name="connsiteY15" fmla="*/ 1230757 h 1312961"/>
-              <a:gd name="connsiteX16" fmla="*/ 334285 w 668571"/>
-              <a:gd name="connsiteY16" fmla="*/ 1288814 h 1312961"/>
-              <a:gd name="connsiteX17" fmla="*/ 392342 w 668571"/>
-              <a:gd name="connsiteY17" fmla="*/ 1230757 h 1312961"/>
-              <a:gd name="connsiteX18" fmla="*/ 334285 w 668571"/>
-              <a:gd name="connsiteY18" fmla="*/ 1172700 h 1312961"/>
+              <a:gd name="connsiteX0" fmla="*/ 0 w 7211832"/>
+              <a:gd name="connsiteY0" fmla="*/ 5143500 h 5143500"/>
+              <a:gd name="connsiteX1" fmla="*/ 2747195 w 7211832"/>
+              <a:gd name="connsiteY1" fmla="*/ 0 h 5143500"/>
+              <a:gd name="connsiteX2" fmla="*/ 7211832 w 7211832"/>
+              <a:gd name="connsiteY2" fmla="*/ 0 h 5143500"/>
+              <a:gd name="connsiteX3" fmla="*/ 4464637 w 7211832"/>
+              <a:gd name="connsiteY3" fmla="*/ 5143500 h 5143500"/>
+              <a:gd name="connsiteX4" fmla="*/ 0 w 7211832"/>
+              <a:gd name="connsiteY4" fmla="*/ 5143500 h 5143500"/>
+              <a:gd name="connsiteX0" fmla="*/ 0 w 5249218"/>
+              <a:gd name="connsiteY0" fmla="*/ 5143500 h 5143500"/>
+              <a:gd name="connsiteX1" fmla="*/ 2747195 w 5249218"/>
+              <a:gd name="connsiteY1" fmla="*/ 0 h 5143500"/>
+              <a:gd name="connsiteX2" fmla="*/ 5249218 w 5249218"/>
+              <a:gd name="connsiteY2" fmla="*/ 0 h 5143500"/>
+              <a:gd name="connsiteX3" fmla="*/ 4464637 w 5249218"/>
+              <a:gd name="connsiteY3" fmla="*/ 5143500 h 5143500"/>
+              <a:gd name="connsiteX4" fmla="*/ 0 w 5249218"/>
+              <a:gd name="connsiteY4" fmla="*/ 5143500 h 5143500"/>
+              <a:gd name="connsiteX0" fmla="*/ 0 w 5472242"/>
+              <a:gd name="connsiteY0" fmla="*/ 5143500 h 5143500"/>
+              <a:gd name="connsiteX1" fmla="*/ 2747195 w 5472242"/>
+              <a:gd name="connsiteY1" fmla="*/ 0 h 5143500"/>
+              <a:gd name="connsiteX2" fmla="*/ 5472242 w 5472242"/>
+              <a:gd name="connsiteY2" fmla="*/ 7434 h 5143500"/>
+              <a:gd name="connsiteX3" fmla="*/ 4464637 w 5472242"/>
+              <a:gd name="connsiteY3" fmla="*/ 5143500 h 5143500"/>
+              <a:gd name="connsiteX4" fmla="*/ 0 w 5472242"/>
+              <a:gd name="connsiteY4" fmla="*/ 5143500 h 5143500"/>
+              <a:gd name="connsiteX0" fmla="*/ 0 w 5472242"/>
+              <a:gd name="connsiteY0" fmla="*/ 5143500 h 5165803"/>
+              <a:gd name="connsiteX1" fmla="*/ 2747195 w 5472242"/>
+              <a:gd name="connsiteY1" fmla="*/ 0 h 5165803"/>
+              <a:gd name="connsiteX2" fmla="*/ 5472242 w 5472242"/>
+              <a:gd name="connsiteY2" fmla="*/ 7434 h 5165803"/>
+              <a:gd name="connsiteX3" fmla="*/ 5468246 w 5472242"/>
+              <a:gd name="connsiteY3" fmla="*/ 5165803 h 5165803"/>
+              <a:gd name="connsiteX4" fmla="*/ 0 w 5472242"/>
+              <a:gd name="connsiteY4" fmla="*/ 5143500 h 5165803"/>
+              <a:gd name="connsiteX0" fmla="*/ 0 w 5472242"/>
+              <a:gd name="connsiteY0" fmla="*/ 5143500 h 5143500"/>
+              <a:gd name="connsiteX1" fmla="*/ 2747195 w 5472242"/>
+              <a:gd name="connsiteY1" fmla="*/ 0 h 5143500"/>
+              <a:gd name="connsiteX2" fmla="*/ 5472242 w 5472242"/>
+              <a:gd name="connsiteY2" fmla="*/ 7434 h 5143500"/>
+              <a:gd name="connsiteX3" fmla="*/ 3698919 w 5472242"/>
+              <a:gd name="connsiteY3" fmla="*/ 4942779 h 5143500"/>
+              <a:gd name="connsiteX4" fmla="*/ 0 w 5472242"/>
+              <a:gd name="connsiteY4" fmla="*/ 5143500 h 5143500"/>
+              <a:gd name="connsiteX0" fmla="*/ 0 w 5472242"/>
+              <a:gd name="connsiteY0" fmla="*/ 5143500 h 5150935"/>
+              <a:gd name="connsiteX1" fmla="*/ 2747195 w 5472242"/>
+              <a:gd name="connsiteY1" fmla="*/ 0 h 5150935"/>
+              <a:gd name="connsiteX2" fmla="*/ 5472242 w 5472242"/>
+              <a:gd name="connsiteY2" fmla="*/ 7434 h 5150935"/>
+              <a:gd name="connsiteX3" fmla="*/ 4301085 w 5472242"/>
+              <a:gd name="connsiteY3" fmla="*/ 5150935 h 5150935"/>
+              <a:gd name="connsiteX4" fmla="*/ 0 w 5472242"/>
+              <a:gd name="connsiteY4" fmla="*/ 5143500 h 5150935"/>
+              <a:gd name="connsiteX0" fmla="*/ 0 w 4728828"/>
+              <a:gd name="connsiteY0" fmla="*/ 5143500 h 5150935"/>
+              <a:gd name="connsiteX1" fmla="*/ 2747195 w 4728828"/>
+              <a:gd name="connsiteY1" fmla="*/ 0 h 5150935"/>
+              <a:gd name="connsiteX2" fmla="*/ 4728828 w 4728828"/>
+              <a:gd name="connsiteY2" fmla="*/ 223024 h 5150935"/>
+              <a:gd name="connsiteX3" fmla="*/ 4301085 w 4728828"/>
+              <a:gd name="connsiteY3" fmla="*/ 5150935 h 5150935"/>
+              <a:gd name="connsiteX4" fmla="*/ 0 w 4728828"/>
+              <a:gd name="connsiteY4" fmla="*/ 5143500 h 5150935"/>
+              <a:gd name="connsiteX0" fmla="*/ 0 w 4342253"/>
+              <a:gd name="connsiteY0" fmla="*/ 5173237 h 5180672"/>
+              <a:gd name="connsiteX1" fmla="*/ 2747195 w 4342253"/>
+              <a:gd name="connsiteY1" fmla="*/ 29737 h 5180672"/>
+              <a:gd name="connsiteX2" fmla="*/ 4342253 w 4342253"/>
+              <a:gd name="connsiteY2" fmla="*/ 0 h 5180672"/>
+              <a:gd name="connsiteX3" fmla="*/ 4301085 w 4342253"/>
+              <a:gd name="connsiteY3" fmla="*/ 5180672 h 5180672"/>
+              <a:gd name="connsiteX4" fmla="*/ 0 w 4342253"/>
+              <a:gd name="connsiteY4" fmla="*/ 5173237 h 5180672"/>
+              <a:gd name="connsiteX0" fmla="*/ 0 w 4342253"/>
+              <a:gd name="connsiteY0" fmla="*/ 6618452 h 6625887"/>
+              <a:gd name="connsiteX1" fmla="*/ 3531945 w 4342253"/>
+              <a:gd name="connsiteY1" fmla="*/ 0 h 6625887"/>
+              <a:gd name="connsiteX2" fmla="*/ 4342253 w 4342253"/>
+              <a:gd name="connsiteY2" fmla="*/ 1445215 h 6625887"/>
+              <a:gd name="connsiteX3" fmla="*/ 4301085 w 4342253"/>
+              <a:gd name="connsiteY3" fmla="*/ 6625887 h 6625887"/>
+              <a:gd name="connsiteX4" fmla="*/ 0 w 4342253"/>
+              <a:gd name="connsiteY4" fmla="*/ 6618452 h 6625887"/>
+              <a:gd name="connsiteX0" fmla="*/ 0 w 4301085"/>
+              <a:gd name="connsiteY0" fmla="*/ 6618452 h 6625887"/>
+              <a:gd name="connsiteX1" fmla="*/ 3531945 w 4301085"/>
+              <a:gd name="connsiteY1" fmla="*/ 0 h 6625887"/>
+              <a:gd name="connsiteX2" fmla="*/ 4228795 w 4301085"/>
+              <a:gd name="connsiteY2" fmla="*/ 8082 h 6625887"/>
+              <a:gd name="connsiteX3" fmla="*/ 4301085 w 4301085"/>
+              <a:gd name="connsiteY3" fmla="*/ 6625887 h 6625887"/>
+              <a:gd name="connsiteX4" fmla="*/ 0 w 4301085"/>
+              <a:gd name="connsiteY4" fmla="*/ 6618452 h 6625887"/>
+              <a:gd name="connsiteX0" fmla="*/ 0 w 4228795"/>
+              <a:gd name="connsiteY0" fmla="*/ 6618452 h 6618452"/>
+              <a:gd name="connsiteX1" fmla="*/ 3531945 w 4228795"/>
+              <a:gd name="connsiteY1" fmla="*/ 0 h 6618452"/>
+              <a:gd name="connsiteX2" fmla="*/ 4228795 w 4228795"/>
+              <a:gd name="connsiteY2" fmla="*/ 8082 h 6618452"/>
+              <a:gd name="connsiteX3" fmla="*/ 3839600 w 4228795"/>
+              <a:gd name="connsiteY3" fmla="*/ 6219779 h 6618452"/>
+              <a:gd name="connsiteX4" fmla="*/ 0 w 4228795"/>
+              <a:gd name="connsiteY4" fmla="*/ 6618452 h 6618452"/>
+              <a:gd name="connsiteX0" fmla="*/ 0 w 4090350"/>
+              <a:gd name="connsiteY0" fmla="*/ 6618452 h 6618452"/>
+              <a:gd name="connsiteX1" fmla="*/ 3531945 w 4090350"/>
+              <a:gd name="connsiteY1" fmla="*/ 0 h 6618452"/>
+              <a:gd name="connsiteX2" fmla="*/ 4090350 w 4090350"/>
+              <a:gd name="connsiteY2" fmla="*/ 211136 h 6618452"/>
+              <a:gd name="connsiteX3" fmla="*/ 3839600 w 4090350"/>
+              <a:gd name="connsiteY3" fmla="*/ 6219779 h 6618452"/>
+              <a:gd name="connsiteX4" fmla="*/ 0 w 4090350"/>
+              <a:gd name="connsiteY4" fmla="*/ 6618452 h 6618452"/>
+              <a:gd name="connsiteX0" fmla="*/ 0 w 4090350"/>
+              <a:gd name="connsiteY0" fmla="*/ 6572304 h 6572304"/>
+              <a:gd name="connsiteX1" fmla="*/ 3504256 w 4090350"/>
+              <a:gd name="connsiteY1" fmla="*/ 0 h 6572304"/>
+              <a:gd name="connsiteX2" fmla="*/ 4090350 w 4090350"/>
+              <a:gd name="connsiteY2" fmla="*/ 164988 h 6572304"/>
+              <a:gd name="connsiteX3" fmla="*/ 3839600 w 4090350"/>
+              <a:gd name="connsiteY3" fmla="*/ 6173631 h 6572304"/>
+              <a:gd name="connsiteX4" fmla="*/ 0 w 4090350"/>
+              <a:gd name="connsiteY4" fmla="*/ 6572304 h 6572304"/>
+              <a:gd name="connsiteX0" fmla="*/ 0 w 4256485"/>
+              <a:gd name="connsiteY0" fmla="*/ 6591910 h 6591910"/>
+              <a:gd name="connsiteX1" fmla="*/ 3504256 w 4256485"/>
+              <a:gd name="connsiteY1" fmla="*/ 19606 h 6591910"/>
+              <a:gd name="connsiteX2" fmla="*/ 4256485 w 4256485"/>
+              <a:gd name="connsiteY2" fmla="*/ 0 h 6591910"/>
+              <a:gd name="connsiteX3" fmla="*/ 3839600 w 4256485"/>
+              <a:gd name="connsiteY3" fmla="*/ 6193237 h 6591910"/>
+              <a:gd name="connsiteX4" fmla="*/ 0 w 4256485"/>
+              <a:gd name="connsiteY4" fmla="*/ 6591910 h 6591910"/>
+              <a:gd name="connsiteX0" fmla="*/ 0 w 4256485"/>
+              <a:gd name="connsiteY0" fmla="*/ 6599994 h 6599994"/>
+              <a:gd name="connsiteX1" fmla="*/ 3504257 w 4256485"/>
+              <a:gd name="connsiteY1" fmla="*/ 0 h 6599994"/>
+              <a:gd name="connsiteX2" fmla="*/ 4256485 w 4256485"/>
+              <a:gd name="connsiteY2" fmla="*/ 8084 h 6599994"/>
+              <a:gd name="connsiteX3" fmla="*/ 3839600 w 4256485"/>
+              <a:gd name="connsiteY3" fmla="*/ 6201321 h 6599994"/>
+              <a:gd name="connsiteX4" fmla="*/ 0 w 4256485"/>
+              <a:gd name="connsiteY4" fmla="*/ 6599994 h 6599994"/>
+              <a:gd name="connsiteX0" fmla="*/ 0 w 4264165"/>
+              <a:gd name="connsiteY0" fmla="*/ 6599994 h 6599994"/>
+              <a:gd name="connsiteX1" fmla="*/ 3504257 w 4264165"/>
+              <a:gd name="connsiteY1" fmla="*/ 0 h 6599994"/>
+              <a:gd name="connsiteX2" fmla="*/ 4256485 w 4264165"/>
+              <a:gd name="connsiteY2" fmla="*/ 8084 h 6599994"/>
+              <a:gd name="connsiteX3" fmla="*/ 4264165 w 4264165"/>
+              <a:gd name="connsiteY3" fmla="*/ 6598198 h 6599994"/>
+              <a:gd name="connsiteX4" fmla="*/ 0 w 4264165"/>
+              <a:gd name="connsiteY4" fmla="*/ 6599994 h 6599994"/>
             </a:gdLst>
             <a:ahLst/>
             <a:cxnLst>
@@ -5939,133 +5436,31 @@
               <a:cxn ang="0">
                 <a:pos x="connsiteX4" y="connsiteY4"/>
               </a:cxn>
-              <a:cxn ang="0">
-                <a:pos x="connsiteX5" y="connsiteY5"/>
-              </a:cxn>
-              <a:cxn ang="0">
-                <a:pos x="connsiteX6" y="connsiteY6"/>
-              </a:cxn>
-              <a:cxn ang="0">
-                <a:pos x="connsiteX7" y="connsiteY7"/>
-              </a:cxn>
-              <a:cxn ang="0">
-                <a:pos x="connsiteX8" y="connsiteY8"/>
-              </a:cxn>
-              <a:cxn ang="0">
-                <a:pos x="connsiteX9" y="connsiteY9"/>
-              </a:cxn>
-              <a:cxn ang="0">
-                <a:pos x="connsiteX10" y="connsiteY10"/>
-              </a:cxn>
-              <a:cxn ang="0">
-                <a:pos x="connsiteX11" y="connsiteY11"/>
-              </a:cxn>
-              <a:cxn ang="0">
-                <a:pos x="connsiteX12" y="connsiteY12"/>
-              </a:cxn>
-              <a:cxn ang="0">
-                <a:pos x="connsiteX13" y="connsiteY13"/>
-              </a:cxn>
-              <a:cxn ang="0">
-                <a:pos x="connsiteX14" y="connsiteY14"/>
-              </a:cxn>
-              <a:cxn ang="0">
-                <a:pos x="connsiteX15" y="connsiteY15"/>
-              </a:cxn>
-              <a:cxn ang="0">
-                <a:pos x="connsiteX16" y="connsiteY16"/>
-              </a:cxn>
-              <a:cxn ang="0">
-                <a:pos x="connsiteX17" y="connsiteY17"/>
-              </a:cxn>
-              <a:cxn ang="0">
-                <a:pos x="connsiteX18" y="connsiteY18"/>
-              </a:cxn>
             </a:cxnLst>
             <a:rect l="l" t="t" r="r" b="b"/>
             <a:pathLst>
-              <a:path w="668571" h="1312961">
+              <a:path w="4264165" h="6599994">
                 <a:moveTo>
-                  <a:pt x="111431" y="0"/>
+                  <a:pt x="0" y="6599994"/>
                 </a:moveTo>
                 <a:lnTo>
-                  <a:pt x="557140" y="0"/>
-                </a:lnTo>
-                <a:cubicBezTo>
-                  <a:pt x="618682" y="0"/>
-                  <a:pt x="668571" y="49889"/>
-                  <a:pt x="668571" y="111431"/>
-                </a:cubicBezTo>
-                <a:lnTo>
-                  <a:pt x="668571" y="1201530"/>
-                </a:lnTo>
-                <a:cubicBezTo>
-                  <a:pt x="668571" y="1263072"/>
-                  <a:pt x="618682" y="1312961"/>
-                  <a:pt x="557140" y="1312961"/>
-                </a:cubicBezTo>
-                <a:lnTo>
-                  <a:pt x="111431" y="1312961"/>
-                </a:lnTo>
-                <a:cubicBezTo>
-                  <a:pt x="49889" y="1312961"/>
-                  <a:pt x="0" y="1263072"/>
-                  <a:pt x="0" y="1201530"/>
-                </a:cubicBezTo>
-                <a:lnTo>
-                  <a:pt x="0" y="111431"/>
-                </a:lnTo>
-                <a:cubicBezTo>
-                  <a:pt x="0" y="49889"/>
-                  <a:pt x="49889" y="0"/>
-                  <a:pt x="111431" y="0"/>
-                </a:cubicBezTo>
-                <a:close/>
-                <a:moveTo>
-                  <a:pt x="58514" y="118039"/>
-                </a:moveTo>
-                <a:lnTo>
-                  <a:pt x="58514" y="1141295"/>
+                  <a:pt x="3504257" y="0"/>
                 </a:lnTo>
                 <a:lnTo>
-                  <a:pt x="610057" y="1141295"/>
+                  <a:pt x="4256485" y="8084"/>
                 </a:lnTo>
                 <a:lnTo>
-                  <a:pt x="610057" y="118039"/>
+                  <a:pt x="4264165" y="6598198"/>
                 </a:lnTo>
                 <a:lnTo>
-                  <a:pt x="58514" y="118039"/>
+                  <a:pt x="0" y="6599994"/>
                 </a:lnTo>
-                <a:close/>
-                <a:moveTo>
-                  <a:pt x="334285" y="1172700"/>
-                </a:moveTo>
-                <a:cubicBezTo>
-                  <a:pt x="302221" y="1172700"/>
-                  <a:pt x="276228" y="1198693"/>
-                  <a:pt x="276228" y="1230757"/>
-                </a:cubicBezTo>
-                <a:cubicBezTo>
-                  <a:pt x="276228" y="1262821"/>
-                  <a:pt x="302221" y="1288814"/>
-                  <a:pt x="334285" y="1288814"/>
-                </a:cubicBezTo>
-                <a:cubicBezTo>
-                  <a:pt x="366349" y="1288814"/>
-                  <a:pt x="392342" y="1262821"/>
-                  <a:pt x="392342" y="1230757"/>
-                </a:cubicBezTo>
-                <a:cubicBezTo>
-                  <a:pt x="392342" y="1198693"/>
-                  <a:pt x="366349" y="1172700"/>
-                  <a:pt x="334285" y="1172700"/>
-                </a:cubicBezTo>
                 <a:close/>
               </a:path>
             </a:pathLst>
           </a:custGeom>
           <a:solidFill>
-            <a:schemeClr val="accent1"/>
+            <a:schemeClr val="accent3"/>
           </a:solidFill>
           <a:ln>
             <a:noFill/>
@@ -6092,114 +5487,281 @@
           <a:lstStyle/>
           <a:p>
             <a:pPr algn="ctr"/>
-            <a:endParaRPr lang="en-US" sz="2400"/>
+            <a:endParaRPr lang="en-US" sz="2400" dirty="0"/>
           </a:p>
         </p:txBody>
       </p:sp>
       <p:sp>
         <p:nvSpPr>
-          <p:cNvPr id="10" name="Title 1">
+          <p:cNvPr id="11" name="Parallelogram 53">
             <a:extLst>
               <a:ext uri="{FF2B5EF4-FFF2-40B4-BE49-F238E27FC236}">
-                <a16:creationId xmlns:a16="http://schemas.microsoft.com/office/drawing/2014/main" id="{C928E6AF-1E38-A64B-BEC1-E37133328D25}"/>
+                <a16:creationId xmlns:a16="http://schemas.microsoft.com/office/drawing/2014/main" id="{298A8641-8FCD-C44A-BC19-6E4340894021}"/>
               </a:ext>
             </a:extLst>
           </p:cNvPr>
-          <p:cNvSpPr txBox="1">
-            <a:spLocks/>
-          </p:cNvSpPr>
+          <p:cNvSpPr/>
           <p:nvPr/>
         </p:nvSpPr>
         <p:spPr>
-          <a:xfrm>
-            <a:off x="2619955" y="2491116"/>
-            <a:ext cx="6152339" cy="1875768"/>
+          <a:xfrm rot="10800000" flipH="1" flipV="1">
+            <a:off x="6167583" y="-44986"/>
+            <a:ext cx="6082592" cy="6966263"/>
           </a:xfrm>
-          <a:prstGeom prst="rect">
+          <a:custGeom>
             <a:avLst/>
-          </a:prstGeom>
+            <a:gdLst>
+              <a:gd name="connsiteX0" fmla="*/ 0 w 7211832"/>
+              <a:gd name="connsiteY0" fmla="*/ 5143500 h 5143500"/>
+              <a:gd name="connsiteX1" fmla="*/ 2747195 w 7211832"/>
+              <a:gd name="connsiteY1" fmla="*/ 0 h 5143500"/>
+              <a:gd name="connsiteX2" fmla="*/ 7211832 w 7211832"/>
+              <a:gd name="connsiteY2" fmla="*/ 0 h 5143500"/>
+              <a:gd name="connsiteX3" fmla="*/ 4464637 w 7211832"/>
+              <a:gd name="connsiteY3" fmla="*/ 5143500 h 5143500"/>
+              <a:gd name="connsiteX4" fmla="*/ 0 w 7211832"/>
+              <a:gd name="connsiteY4" fmla="*/ 5143500 h 5143500"/>
+              <a:gd name="connsiteX0" fmla="*/ 0 w 5249218"/>
+              <a:gd name="connsiteY0" fmla="*/ 5143500 h 5143500"/>
+              <a:gd name="connsiteX1" fmla="*/ 2747195 w 5249218"/>
+              <a:gd name="connsiteY1" fmla="*/ 0 h 5143500"/>
+              <a:gd name="connsiteX2" fmla="*/ 5249218 w 5249218"/>
+              <a:gd name="connsiteY2" fmla="*/ 0 h 5143500"/>
+              <a:gd name="connsiteX3" fmla="*/ 4464637 w 5249218"/>
+              <a:gd name="connsiteY3" fmla="*/ 5143500 h 5143500"/>
+              <a:gd name="connsiteX4" fmla="*/ 0 w 5249218"/>
+              <a:gd name="connsiteY4" fmla="*/ 5143500 h 5143500"/>
+              <a:gd name="connsiteX0" fmla="*/ 0 w 5472242"/>
+              <a:gd name="connsiteY0" fmla="*/ 5143500 h 5143500"/>
+              <a:gd name="connsiteX1" fmla="*/ 2747195 w 5472242"/>
+              <a:gd name="connsiteY1" fmla="*/ 0 h 5143500"/>
+              <a:gd name="connsiteX2" fmla="*/ 5472242 w 5472242"/>
+              <a:gd name="connsiteY2" fmla="*/ 7434 h 5143500"/>
+              <a:gd name="connsiteX3" fmla="*/ 4464637 w 5472242"/>
+              <a:gd name="connsiteY3" fmla="*/ 5143500 h 5143500"/>
+              <a:gd name="connsiteX4" fmla="*/ 0 w 5472242"/>
+              <a:gd name="connsiteY4" fmla="*/ 5143500 h 5143500"/>
+              <a:gd name="connsiteX0" fmla="*/ 0 w 5472242"/>
+              <a:gd name="connsiteY0" fmla="*/ 5143500 h 5165803"/>
+              <a:gd name="connsiteX1" fmla="*/ 2747195 w 5472242"/>
+              <a:gd name="connsiteY1" fmla="*/ 0 h 5165803"/>
+              <a:gd name="connsiteX2" fmla="*/ 5472242 w 5472242"/>
+              <a:gd name="connsiteY2" fmla="*/ 7434 h 5165803"/>
+              <a:gd name="connsiteX3" fmla="*/ 5468246 w 5472242"/>
+              <a:gd name="connsiteY3" fmla="*/ 5165803 h 5165803"/>
+              <a:gd name="connsiteX4" fmla="*/ 0 w 5472242"/>
+              <a:gd name="connsiteY4" fmla="*/ 5143500 h 5165803"/>
+              <a:gd name="connsiteX0" fmla="*/ 0 w 5472242"/>
+              <a:gd name="connsiteY0" fmla="*/ 5143500 h 5143500"/>
+              <a:gd name="connsiteX1" fmla="*/ 2747195 w 5472242"/>
+              <a:gd name="connsiteY1" fmla="*/ 0 h 5143500"/>
+              <a:gd name="connsiteX2" fmla="*/ 5472242 w 5472242"/>
+              <a:gd name="connsiteY2" fmla="*/ 7434 h 5143500"/>
+              <a:gd name="connsiteX3" fmla="*/ 3698919 w 5472242"/>
+              <a:gd name="connsiteY3" fmla="*/ 4942779 h 5143500"/>
+              <a:gd name="connsiteX4" fmla="*/ 0 w 5472242"/>
+              <a:gd name="connsiteY4" fmla="*/ 5143500 h 5143500"/>
+              <a:gd name="connsiteX0" fmla="*/ 0 w 5472242"/>
+              <a:gd name="connsiteY0" fmla="*/ 5143500 h 5150935"/>
+              <a:gd name="connsiteX1" fmla="*/ 2747195 w 5472242"/>
+              <a:gd name="connsiteY1" fmla="*/ 0 h 5150935"/>
+              <a:gd name="connsiteX2" fmla="*/ 5472242 w 5472242"/>
+              <a:gd name="connsiteY2" fmla="*/ 7434 h 5150935"/>
+              <a:gd name="connsiteX3" fmla="*/ 4301085 w 5472242"/>
+              <a:gd name="connsiteY3" fmla="*/ 5150935 h 5150935"/>
+              <a:gd name="connsiteX4" fmla="*/ 0 w 5472242"/>
+              <a:gd name="connsiteY4" fmla="*/ 5143500 h 5150935"/>
+              <a:gd name="connsiteX0" fmla="*/ 0 w 4728828"/>
+              <a:gd name="connsiteY0" fmla="*/ 5143500 h 5150935"/>
+              <a:gd name="connsiteX1" fmla="*/ 2747195 w 4728828"/>
+              <a:gd name="connsiteY1" fmla="*/ 0 h 5150935"/>
+              <a:gd name="connsiteX2" fmla="*/ 4728828 w 4728828"/>
+              <a:gd name="connsiteY2" fmla="*/ 223024 h 5150935"/>
+              <a:gd name="connsiteX3" fmla="*/ 4301085 w 4728828"/>
+              <a:gd name="connsiteY3" fmla="*/ 5150935 h 5150935"/>
+              <a:gd name="connsiteX4" fmla="*/ 0 w 4728828"/>
+              <a:gd name="connsiteY4" fmla="*/ 5143500 h 5150935"/>
+              <a:gd name="connsiteX0" fmla="*/ 0 w 4342253"/>
+              <a:gd name="connsiteY0" fmla="*/ 5173237 h 5180672"/>
+              <a:gd name="connsiteX1" fmla="*/ 2747195 w 4342253"/>
+              <a:gd name="connsiteY1" fmla="*/ 29737 h 5180672"/>
+              <a:gd name="connsiteX2" fmla="*/ 4342253 w 4342253"/>
+              <a:gd name="connsiteY2" fmla="*/ 0 h 5180672"/>
+              <a:gd name="connsiteX3" fmla="*/ 4301085 w 4342253"/>
+              <a:gd name="connsiteY3" fmla="*/ 5180672 h 5180672"/>
+              <a:gd name="connsiteX4" fmla="*/ 0 w 4342253"/>
+              <a:gd name="connsiteY4" fmla="*/ 5173237 h 5180672"/>
+              <a:gd name="connsiteX0" fmla="*/ 0 w 4370700"/>
+              <a:gd name="connsiteY0" fmla="*/ 5143500 h 5150935"/>
+              <a:gd name="connsiteX1" fmla="*/ 2747195 w 4370700"/>
+              <a:gd name="connsiteY1" fmla="*/ 0 h 5150935"/>
+              <a:gd name="connsiteX2" fmla="*/ 4370700 w 4370700"/>
+              <a:gd name="connsiteY2" fmla="*/ 190735 h 5150935"/>
+              <a:gd name="connsiteX3" fmla="*/ 4301085 w 4370700"/>
+              <a:gd name="connsiteY3" fmla="*/ 5150935 h 5150935"/>
+              <a:gd name="connsiteX4" fmla="*/ 0 w 4370700"/>
+              <a:gd name="connsiteY4" fmla="*/ 5143500 h 5150935"/>
+              <a:gd name="connsiteX0" fmla="*/ 0 w 4370700"/>
+              <a:gd name="connsiteY0" fmla="*/ 4965700 h 4973135"/>
+              <a:gd name="connsiteX1" fmla="*/ 2647627 w 4370700"/>
+              <a:gd name="connsiteY1" fmla="*/ 0 h 4973135"/>
+              <a:gd name="connsiteX2" fmla="*/ 4370700 w 4370700"/>
+              <a:gd name="connsiteY2" fmla="*/ 12935 h 4973135"/>
+              <a:gd name="connsiteX3" fmla="*/ 4301085 w 4370700"/>
+              <a:gd name="connsiteY3" fmla="*/ 4973135 h 4973135"/>
+              <a:gd name="connsiteX4" fmla="*/ 0 w 4370700"/>
+              <a:gd name="connsiteY4" fmla="*/ 4965700 h 4973135"/>
+              <a:gd name="connsiteX0" fmla="*/ 0 w 4301085"/>
+              <a:gd name="connsiteY0" fmla="*/ 4965700 h 4973135"/>
+              <a:gd name="connsiteX1" fmla="*/ 2647627 w 4301085"/>
+              <a:gd name="connsiteY1" fmla="*/ 0 h 4973135"/>
+              <a:gd name="connsiteX2" fmla="*/ 3686714 w 4301085"/>
+              <a:gd name="connsiteY2" fmla="*/ 261657 h 4973135"/>
+              <a:gd name="connsiteX3" fmla="*/ 4301085 w 4301085"/>
+              <a:gd name="connsiteY3" fmla="*/ 4973135 h 4973135"/>
+              <a:gd name="connsiteX4" fmla="*/ 0 w 4301085"/>
+              <a:gd name="connsiteY4" fmla="*/ 4965700 h 4973135"/>
+              <a:gd name="connsiteX0" fmla="*/ 0 w 3686714"/>
+              <a:gd name="connsiteY0" fmla="*/ 4965700 h 4965700"/>
+              <a:gd name="connsiteX1" fmla="*/ 2647627 w 3686714"/>
+              <a:gd name="connsiteY1" fmla="*/ 0 h 4965700"/>
+              <a:gd name="connsiteX2" fmla="*/ 3686714 w 3686714"/>
+              <a:gd name="connsiteY2" fmla="*/ 261657 h 4965700"/>
+              <a:gd name="connsiteX3" fmla="*/ 3548010 w 3686714"/>
+              <a:gd name="connsiteY3" fmla="*/ 4579325 h 4965700"/>
+              <a:gd name="connsiteX4" fmla="*/ 0 w 3686714"/>
+              <a:gd name="connsiteY4" fmla="*/ 4965700 h 4965700"/>
+              <a:gd name="connsiteX0" fmla="*/ 0 w 4343065"/>
+              <a:gd name="connsiteY0" fmla="*/ 4966583 h 4966583"/>
+              <a:gd name="connsiteX1" fmla="*/ 2647627 w 4343065"/>
+              <a:gd name="connsiteY1" fmla="*/ 883 h 4966583"/>
+              <a:gd name="connsiteX2" fmla="*/ 4343065 w 4343065"/>
+              <a:gd name="connsiteY2" fmla="*/ 0 h 4966583"/>
+              <a:gd name="connsiteX3" fmla="*/ 3548010 w 4343065"/>
+              <a:gd name="connsiteY3" fmla="*/ 4580208 h 4966583"/>
+              <a:gd name="connsiteX4" fmla="*/ 0 w 4343065"/>
+              <a:gd name="connsiteY4" fmla="*/ 4966583 h 4966583"/>
+              <a:gd name="connsiteX0" fmla="*/ 0 w 4343065"/>
+              <a:gd name="connsiteY0" fmla="*/ 4966583 h 4974018"/>
+              <a:gd name="connsiteX1" fmla="*/ 2647627 w 4343065"/>
+              <a:gd name="connsiteY1" fmla="*/ 883 h 4974018"/>
+              <a:gd name="connsiteX2" fmla="*/ 4343065 w 4343065"/>
+              <a:gd name="connsiteY2" fmla="*/ 0 h 4974018"/>
+              <a:gd name="connsiteX3" fmla="*/ 4342539 w 4343065"/>
+              <a:gd name="connsiteY3" fmla="*/ 4974018 h 4974018"/>
+              <a:gd name="connsiteX4" fmla="*/ 0 w 4343065"/>
+              <a:gd name="connsiteY4" fmla="*/ 4966583 h 4974018"/>
+            </a:gdLst>
+            <a:ahLst/>
+            <a:cxnLst>
+              <a:cxn ang="0">
+                <a:pos x="connsiteX0" y="connsiteY0"/>
+              </a:cxn>
+              <a:cxn ang="0">
+                <a:pos x="connsiteX1" y="connsiteY1"/>
+              </a:cxn>
+              <a:cxn ang="0">
+                <a:pos x="connsiteX2" y="connsiteY2"/>
+              </a:cxn>
+              <a:cxn ang="0">
+                <a:pos x="connsiteX3" y="connsiteY3"/>
+              </a:cxn>
+              <a:cxn ang="0">
+                <a:pos x="connsiteX4" y="connsiteY4"/>
+              </a:cxn>
+            </a:cxnLst>
+            <a:rect l="l" t="t" r="r" b="b"/>
+            <a:pathLst>
+              <a:path w="4343065" h="4974018">
+                <a:moveTo>
+                  <a:pt x="0" y="4966583"/>
+                </a:moveTo>
+                <a:lnTo>
+                  <a:pt x="2647627" y="883"/>
+                </a:lnTo>
+                <a:lnTo>
+                  <a:pt x="4343065" y="0"/>
+                </a:lnTo>
+                <a:cubicBezTo>
+                  <a:pt x="4342890" y="1658006"/>
+                  <a:pt x="4342714" y="3316012"/>
+                  <a:pt x="4342539" y="4974018"/>
+                </a:cubicBezTo>
+                <a:lnTo>
+                  <a:pt x="0" y="4966583"/>
+                </a:lnTo>
+                <a:close/>
+              </a:path>
+            </a:pathLst>
+          </a:custGeom>
+          <a:solidFill>
+            <a:schemeClr val="accent1">
+              <a:alpha val="96000"/>
+            </a:schemeClr>
+          </a:solidFill>
+          <a:ln>
+            <a:noFill/>
+          </a:ln>
         </p:spPr>
+        <p:style>
+          <a:lnRef idx="2">
+            <a:schemeClr val="accent1">
+              <a:shade val="50000"/>
+            </a:schemeClr>
+          </a:lnRef>
+          <a:fillRef idx="1">
+            <a:schemeClr val="accent1"/>
+          </a:fillRef>
+          <a:effectRef idx="0">
+            <a:schemeClr val="accent1"/>
+          </a:effectRef>
+          <a:fontRef idx="minor">
+            <a:schemeClr val="lt1"/>
+          </a:fontRef>
+        </p:style>
         <p:txBody>
-          <a:bodyPr vert="horz" lIns="121920" tIns="60960" rIns="121920" bIns="60960" rtlCol="0" anchor="ctr">
-            <a:noAutofit/>
-          </a:bodyPr>
-          <a:lstStyle>
-            <a:lvl1pPr marL="0" marR="0" indent="0" algn="l" defTabSz="457200" rtl="0" eaLnBrk="1" fontAlgn="auto" latinLnBrk="0" hangingPunct="1">
-              <a:lnSpc>
-                <a:spcPts val="3500"/>
-              </a:lnSpc>
-              <a:spcBef>
-                <a:spcPct val="0"/>
-              </a:spcBef>
-              <a:spcAft>
-                <a:spcPts val="0"/>
-              </a:spcAft>
-              <a:buClrTx/>
-              <a:buSzTx/>
-              <a:buFontTx/>
-              <a:buNone/>
-              <a:tabLst/>
-              <a:defRPr kumimoji="0" lang="en-US" sz="3600" b="0" i="0" u="none" strike="noStrike" kern="1200" cap="none" spc="0" normalizeH="0" baseline="0">
-                <a:ln>
-                  <a:noFill/>
-                </a:ln>
-                <a:solidFill>
-                  <a:srgbClr val="003A78"/>
-                </a:solidFill>
-                <a:effectLst/>
-                <a:uLnTx/>
-                <a:uFillTx/>
-                <a:latin typeface="+mj-lt"/>
-                <a:ea typeface="+mj-ea"/>
-                <a:cs typeface="Segoe UI Light"/>
-              </a:defRPr>
-            </a:lvl1pPr>
-          </a:lstStyle>
-          <a:p>
-            <a:pPr>
-              <a:lnSpc>
-                <a:spcPct val="90000"/>
-              </a:lnSpc>
-            </a:pPr>
-            <a:r>
-              <a:rPr lang="en-US" sz="6400" b="0" i="0" dirty="0">
-                <a:solidFill>
-                  <a:schemeClr val="bg2"/>
-                </a:solidFill>
-                <a:latin typeface="Segoe UI Light" charset="0"/>
-                <a:ea typeface="Segoe UI Light" charset="0"/>
-                <a:cs typeface="Segoe UI Light" charset="0"/>
-              </a:rPr>
-              <a:t>Please silence </a:t>
-            </a:r>
-            <a:br>
-              <a:rPr lang="en-US" sz="6400" b="0" i="0" dirty="0">
-                <a:solidFill>
-                  <a:schemeClr val="bg2"/>
-                </a:solidFill>
-                <a:latin typeface="Segoe UI Light" charset="0"/>
-                <a:ea typeface="Segoe UI Light" charset="0"/>
-                <a:cs typeface="Segoe UI Light" charset="0"/>
-              </a:rPr>
-            </a:br>
-            <a:r>
-              <a:rPr lang="en-US" sz="6400" b="0" i="0" dirty="0">
-                <a:solidFill>
-                  <a:schemeClr val="bg2"/>
-                </a:solidFill>
-                <a:latin typeface="Segoe UI Light" charset="0"/>
-                <a:ea typeface="Segoe UI Light" charset="0"/>
-                <a:cs typeface="Segoe UI Light" charset="0"/>
-              </a:rPr>
-              <a:t>cell phones</a:t>
-            </a:r>
+          <a:bodyPr rtlCol="0" anchor="ctr"/>
+          <a:lstStyle/>
+          <a:p>
+            <a:pPr algn="ctr"/>
+            <a:endParaRPr lang="en-US" sz="2400"/>
           </a:p>
         </p:txBody>
       </p:sp>
     </p:spTree>
     <p:extLst>
       <p:ext uri="{BB962C8B-B14F-4D97-AF65-F5344CB8AC3E}">
-        <p14:creationId xmlns:p14="http://schemas.microsoft.com/office/powerpoint/2010/main" val="893751884"/>
+        <p14:creationId xmlns:p14="http://schemas.microsoft.com/office/powerpoint/2010/main" val="1716495651"/>
+      </p:ext>
+    </p:extLst>
+  </p:cSld>
+  <p:clrMapOvr>
+    <a:masterClrMapping/>
+  </p:clrMapOvr>
+</p:sldLayout>
+</file>
+
+<file path=ppt/slideLayouts/slideLayout19.xml><?xml version="1.0" encoding="utf-8"?>
+<p:sldLayout xmlns:a="http://schemas.openxmlformats.org/drawingml/2006/main" xmlns:r="http://schemas.openxmlformats.org/officeDocument/2006/relationships" xmlns:p="http://schemas.openxmlformats.org/presentationml/2006/main" showMasterSp="0" preserve="1">
+  <p:cSld name="Blank Slide">
+    <p:spTree>
+      <p:nvGrpSpPr>
+        <p:cNvPr id="1" name=""/>
+        <p:cNvGrpSpPr/>
+        <p:nvPr/>
+      </p:nvGrpSpPr>
+      <p:grpSpPr>
+        <a:xfrm>
+          <a:off x="0" y="0"/>
+          <a:ext cx="0" cy="0"/>
+          <a:chOff x="0" y="0"/>
+          <a:chExt cx="0" cy="0"/>
+        </a:xfrm>
+      </p:grpSpPr>
+    </p:spTree>
+    <p:extLst>
+      <p:ext uri="{BB962C8B-B14F-4D97-AF65-F5344CB8AC3E}">
+        <p14:creationId xmlns:p14="http://schemas.microsoft.com/office/powerpoint/2010/main" val="2224909601"/>
       </p:ext>
     </p:extLst>
   </p:cSld>
@@ -6890,1246 +6452,6 @@
 
 <file path=ppt/slideLayouts/slideLayout20.xml><?xml version="1.0" encoding="utf-8"?>
 <p:sldLayout xmlns:a="http://schemas.openxmlformats.org/drawingml/2006/main" xmlns:r="http://schemas.openxmlformats.org/officeDocument/2006/relationships" xmlns:p="http://schemas.openxmlformats.org/presentationml/2006/main" showMasterSp="0" preserve="1">
-  <p:cSld name="Explore PASS">
-    <p:spTree>
-      <p:nvGrpSpPr>
-        <p:cNvPr id="1" name=""/>
-        <p:cNvGrpSpPr/>
-        <p:nvPr/>
-      </p:nvGrpSpPr>
-      <p:grpSpPr>
-        <a:xfrm>
-          <a:off x="0" y="0"/>
-          <a:ext cx="0" cy="0"/>
-          <a:chOff x="0" y="0"/>
-          <a:chExt cx="0" cy="0"/>
-        </a:xfrm>
-      </p:grpSpPr>
-      <p:sp>
-        <p:nvSpPr>
-          <p:cNvPr id="55" name="Parallelogram 53">
-            <a:extLst>
-              <a:ext uri="{FF2B5EF4-FFF2-40B4-BE49-F238E27FC236}">
-                <a16:creationId xmlns:a16="http://schemas.microsoft.com/office/drawing/2014/main" id="{F81D10A2-6548-A247-B1CE-91A23F5CA139}"/>
-              </a:ext>
-            </a:extLst>
-          </p:cNvPr>
-          <p:cNvSpPr/>
-          <p:nvPr/>
-        </p:nvSpPr>
-        <p:spPr>
-          <a:xfrm rot="10800000" flipV="1">
-            <a:off x="-102353" y="-38209"/>
-            <a:ext cx="4509149" cy="6946413"/>
-          </a:xfrm>
-          <a:custGeom>
-            <a:avLst/>
-            <a:gdLst>
-              <a:gd name="connsiteX0" fmla="*/ 0 w 7211832"/>
-              <a:gd name="connsiteY0" fmla="*/ 5143500 h 5143500"/>
-              <a:gd name="connsiteX1" fmla="*/ 2747195 w 7211832"/>
-              <a:gd name="connsiteY1" fmla="*/ 0 h 5143500"/>
-              <a:gd name="connsiteX2" fmla="*/ 7211832 w 7211832"/>
-              <a:gd name="connsiteY2" fmla="*/ 0 h 5143500"/>
-              <a:gd name="connsiteX3" fmla="*/ 4464637 w 7211832"/>
-              <a:gd name="connsiteY3" fmla="*/ 5143500 h 5143500"/>
-              <a:gd name="connsiteX4" fmla="*/ 0 w 7211832"/>
-              <a:gd name="connsiteY4" fmla="*/ 5143500 h 5143500"/>
-              <a:gd name="connsiteX0" fmla="*/ 0 w 5249218"/>
-              <a:gd name="connsiteY0" fmla="*/ 5143500 h 5143500"/>
-              <a:gd name="connsiteX1" fmla="*/ 2747195 w 5249218"/>
-              <a:gd name="connsiteY1" fmla="*/ 0 h 5143500"/>
-              <a:gd name="connsiteX2" fmla="*/ 5249218 w 5249218"/>
-              <a:gd name="connsiteY2" fmla="*/ 0 h 5143500"/>
-              <a:gd name="connsiteX3" fmla="*/ 4464637 w 5249218"/>
-              <a:gd name="connsiteY3" fmla="*/ 5143500 h 5143500"/>
-              <a:gd name="connsiteX4" fmla="*/ 0 w 5249218"/>
-              <a:gd name="connsiteY4" fmla="*/ 5143500 h 5143500"/>
-              <a:gd name="connsiteX0" fmla="*/ 0 w 5472242"/>
-              <a:gd name="connsiteY0" fmla="*/ 5143500 h 5143500"/>
-              <a:gd name="connsiteX1" fmla="*/ 2747195 w 5472242"/>
-              <a:gd name="connsiteY1" fmla="*/ 0 h 5143500"/>
-              <a:gd name="connsiteX2" fmla="*/ 5472242 w 5472242"/>
-              <a:gd name="connsiteY2" fmla="*/ 7434 h 5143500"/>
-              <a:gd name="connsiteX3" fmla="*/ 4464637 w 5472242"/>
-              <a:gd name="connsiteY3" fmla="*/ 5143500 h 5143500"/>
-              <a:gd name="connsiteX4" fmla="*/ 0 w 5472242"/>
-              <a:gd name="connsiteY4" fmla="*/ 5143500 h 5143500"/>
-              <a:gd name="connsiteX0" fmla="*/ 0 w 5472242"/>
-              <a:gd name="connsiteY0" fmla="*/ 5143500 h 5165803"/>
-              <a:gd name="connsiteX1" fmla="*/ 2747195 w 5472242"/>
-              <a:gd name="connsiteY1" fmla="*/ 0 h 5165803"/>
-              <a:gd name="connsiteX2" fmla="*/ 5472242 w 5472242"/>
-              <a:gd name="connsiteY2" fmla="*/ 7434 h 5165803"/>
-              <a:gd name="connsiteX3" fmla="*/ 5468246 w 5472242"/>
-              <a:gd name="connsiteY3" fmla="*/ 5165803 h 5165803"/>
-              <a:gd name="connsiteX4" fmla="*/ 0 w 5472242"/>
-              <a:gd name="connsiteY4" fmla="*/ 5143500 h 5165803"/>
-              <a:gd name="connsiteX0" fmla="*/ 0 w 5472242"/>
-              <a:gd name="connsiteY0" fmla="*/ 5143500 h 5143500"/>
-              <a:gd name="connsiteX1" fmla="*/ 2747195 w 5472242"/>
-              <a:gd name="connsiteY1" fmla="*/ 0 h 5143500"/>
-              <a:gd name="connsiteX2" fmla="*/ 5472242 w 5472242"/>
-              <a:gd name="connsiteY2" fmla="*/ 7434 h 5143500"/>
-              <a:gd name="connsiteX3" fmla="*/ 3698919 w 5472242"/>
-              <a:gd name="connsiteY3" fmla="*/ 4942779 h 5143500"/>
-              <a:gd name="connsiteX4" fmla="*/ 0 w 5472242"/>
-              <a:gd name="connsiteY4" fmla="*/ 5143500 h 5143500"/>
-              <a:gd name="connsiteX0" fmla="*/ 0 w 5472242"/>
-              <a:gd name="connsiteY0" fmla="*/ 5143500 h 5150935"/>
-              <a:gd name="connsiteX1" fmla="*/ 2747195 w 5472242"/>
-              <a:gd name="connsiteY1" fmla="*/ 0 h 5150935"/>
-              <a:gd name="connsiteX2" fmla="*/ 5472242 w 5472242"/>
-              <a:gd name="connsiteY2" fmla="*/ 7434 h 5150935"/>
-              <a:gd name="connsiteX3" fmla="*/ 4301085 w 5472242"/>
-              <a:gd name="connsiteY3" fmla="*/ 5150935 h 5150935"/>
-              <a:gd name="connsiteX4" fmla="*/ 0 w 5472242"/>
-              <a:gd name="connsiteY4" fmla="*/ 5143500 h 5150935"/>
-              <a:gd name="connsiteX0" fmla="*/ 0 w 4728828"/>
-              <a:gd name="connsiteY0" fmla="*/ 5143500 h 5150935"/>
-              <a:gd name="connsiteX1" fmla="*/ 2747195 w 4728828"/>
-              <a:gd name="connsiteY1" fmla="*/ 0 h 5150935"/>
-              <a:gd name="connsiteX2" fmla="*/ 4728828 w 4728828"/>
-              <a:gd name="connsiteY2" fmla="*/ 223024 h 5150935"/>
-              <a:gd name="connsiteX3" fmla="*/ 4301085 w 4728828"/>
-              <a:gd name="connsiteY3" fmla="*/ 5150935 h 5150935"/>
-              <a:gd name="connsiteX4" fmla="*/ 0 w 4728828"/>
-              <a:gd name="connsiteY4" fmla="*/ 5143500 h 5150935"/>
-              <a:gd name="connsiteX0" fmla="*/ 0 w 4342253"/>
-              <a:gd name="connsiteY0" fmla="*/ 5173237 h 5180672"/>
-              <a:gd name="connsiteX1" fmla="*/ 2747195 w 4342253"/>
-              <a:gd name="connsiteY1" fmla="*/ 29737 h 5180672"/>
-              <a:gd name="connsiteX2" fmla="*/ 4342253 w 4342253"/>
-              <a:gd name="connsiteY2" fmla="*/ 0 h 5180672"/>
-              <a:gd name="connsiteX3" fmla="*/ 4301085 w 4342253"/>
-              <a:gd name="connsiteY3" fmla="*/ 5180672 h 5180672"/>
-              <a:gd name="connsiteX4" fmla="*/ 0 w 4342253"/>
-              <a:gd name="connsiteY4" fmla="*/ 5173237 h 5180672"/>
-              <a:gd name="connsiteX0" fmla="*/ 0 w 4342253"/>
-              <a:gd name="connsiteY0" fmla="*/ 6618452 h 6625887"/>
-              <a:gd name="connsiteX1" fmla="*/ 3531945 w 4342253"/>
-              <a:gd name="connsiteY1" fmla="*/ 0 h 6625887"/>
-              <a:gd name="connsiteX2" fmla="*/ 4342253 w 4342253"/>
-              <a:gd name="connsiteY2" fmla="*/ 1445215 h 6625887"/>
-              <a:gd name="connsiteX3" fmla="*/ 4301085 w 4342253"/>
-              <a:gd name="connsiteY3" fmla="*/ 6625887 h 6625887"/>
-              <a:gd name="connsiteX4" fmla="*/ 0 w 4342253"/>
-              <a:gd name="connsiteY4" fmla="*/ 6618452 h 6625887"/>
-              <a:gd name="connsiteX0" fmla="*/ 0 w 4301085"/>
-              <a:gd name="connsiteY0" fmla="*/ 6618452 h 6625887"/>
-              <a:gd name="connsiteX1" fmla="*/ 3531945 w 4301085"/>
-              <a:gd name="connsiteY1" fmla="*/ 0 h 6625887"/>
-              <a:gd name="connsiteX2" fmla="*/ 4228795 w 4301085"/>
-              <a:gd name="connsiteY2" fmla="*/ 8082 h 6625887"/>
-              <a:gd name="connsiteX3" fmla="*/ 4301085 w 4301085"/>
-              <a:gd name="connsiteY3" fmla="*/ 6625887 h 6625887"/>
-              <a:gd name="connsiteX4" fmla="*/ 0 w 4301085"/>
-              <a:gd name="connsiteY4" fmla="*/ 6618452 h 6625887"/>
-            </a:gdLst>
-            <a:ahLst/>
-            <a:cxnLst>
-              <a:cxn ang="0">
-                <a:pos x="connsiteX0" y="connsiteY0"/>
-              </a:cxn>
-              <a:cxn ang="0">
-                <a:pos x="connsiteX1" y="connsiteY1"/>
-              </a:cxn>
-              <a:cxn ang="0">
-                <a:pos x="connsiteX2" y="connsiteY2"/>
-              </a:cxn>
-              <a:cxn ang="0">
-                <a:pos x="connsiteX3" y="connsiteY3"/>
-              </a:cxn>
-              <a:cxn ang="0">
-                <a:pos x="connsiteX4" y="connsiteY4"/>
-              </a:cxn>
-            </a:cxnLst>
-            <a:rect l="l" t="t" r="r" b="b"/>
-            <a:pathLst>
-              <a:path w="4301085" h="6625887">
-                <a:moveTo>
-                  <a:pt x="0" y="6618452"/>
-                </a:moveTo>
-                <a:lnTo>
-                  <a:pt x="3531945" y="0"/>
-                </a:lnTo>
-                <a:lnTo>
-                  <a:pt x="4228795" y="8082"/>
-                </a:lnTo>
-                <a:lnTo>
-                  <a:pt x="4301085" y="6625887"/>
-                </a:lnTo>
-                <a:lnTo>
-                  <a:pt x="0" y="6618452"/>
-                </a:lnTo>
-                <a:close/>
-              </a:path>
-            </a:pathLst>
-          </a:custGeom>
-          <a:solidFill>
-            <a:schemeClr val="accent3"/>
-          </a:solidFill>
-          <a:ln>
-            <a:noFill/>
-          </a:ln>
-        </p:spPr>
-        <p:style>
-          <a:lnRef idx="2">
-            <a:schemeClr val="accent1">
-              <a:shade val="50000"/>
-            </a:schemeClr>
-          </a:lnRef>
-          <a:fillRef idx="1">
-            <a:schemeClr val="accent1"/>
-          </a:fillRef>
-          <a:effectRef idx="0">
-            <a:schemeClr val="accent1"/>
-          </a:effectRef>
-          <a:fontRef idx="minor">
-            <a:schemeClr val="lt1"/>
-          </a:fontRef>
-        </p:style>
-        <p:txBody>
-          <a:bodyPr rtlCol="0" anchor="ctr"/>
-          <a:lstStyle/>
-          <a:p>
-            <a:pPr algn="ctr"/>
-            <a:endParaRPr lang="en-US" sz="2400"/>
-          </a:p>
-        </p:txBody>
-      </p:sp>
-      <p:sp>
-        <p:nvSpPr>
-          <p:cNvPr id="54" name="Parallelogram 53">
-            <a:extLst>
-              <a:ext uri="{FF2B5EF4-FFF2-40B4-BE49-F238E27FC236}">
-                <a16:creationId xmlns:a16="http://schemas.microsoft.com/office/drawing/2014/main" id="{7ED47A30-94DB-5A42-996E-431E8368B0A5}"/>
-              </a:ext>
-            </a:extLst>
-          </p:cNvPr>
-          <p:cNvSpPr/>
-          <p:nvPr/>
-        </p:nvSpPr>
-        <p:spPr>
-          <a:xfrm rot="10800000">
-            <a:off x="-128859" y="-43749"/>
-            <a:ext cx="6121296" cy="6965025"/>
-          </a:xfrm>
-          <a:custGeom>
-            <a:avLst/>
-            <a:gdLst>
-              <a:gd name="connsiteX0" fmla="*/ 0 w 7211832"/>
-              <a:gd name="connsiteY0" fmla="*/ 5143500 h 5143500"/>
-              <a:gd name="connsiteX1" fmla="*/ 2747195 w 7211832"/>
-              <a:gd name="connsiteY1" fmla="*/ 0 h 5143500"/>
-              <a:gd name="connsiteX2" fmla="*/ 7211832 w 7211832"/>
-              <a:gd name="connsiteY2" fmla="*/ 0 h 5143500"/>
-              <a:gd name="connsiteX3" fmla="*/ 4464637 w 7211832"/>
-              <a:gd name="connsiteY3" fmla="*/ 5143500 h 5143500"/>
-              <a:gd name="connsiteX4" fmla="*/ 0 w 7211832"/>
-              <a:gd name="connsiteY4" fmla="*/ 5143500 h 5143500"/>
-              <a:gd name="connsiteX0" fmla="*/ 0 w 5249218"/>
-              <a:gd name="connsiteY0" fmla="*/ 5143500 h 5143500"/>
-              <a:gd name="connsiteX1" fmla="*/ 2747195 w 5249218"/>
-              <a:gd name="connsiteY1" fmla="*/ 0 h 5143500"/>
-              <a:gd name="connsiteX2" fmla="*/ 5249218 w 5249218"/>
-              <a:gd name="connsiteY2" fmla="*/ 0 h 5143500"/>
-              <a:gd name="connsiteX3" fmla="*/ 4464637 w 5249218"/>
-              <a:gd name="connsiteY3" fmla="*/ 5143500 h 5143500"/>
-              <a:gd name="connsiteX4" fmla="*/ 0 w 5249218"/>
-              <a:gd name="connsiteY4" fmla="*/ 5143500 h 5143500"/>
-              <a:gd name="connsiteX0" fmla="*/ 0 w 5472242"/>
-              <a:gd name="connsiteY0" fmla="*/ 5143500 h 5143500"/>
-              <a:gd name="connsiteX1" fmla="*/ 2747195 w 5472242"/>
-              <a:gd name="connsiteY1" fmla="*/ 0 h 5143500"/>
-              <a:gd name="connsiteX2" fmla="*/ 5472242 w 5472242"/>
-              <a:gd name="connsiteY2" fmla="*/ 7434 h 5143500"/>
-              <a:gd name="connsiteX3" fmla="*/ 4464637 w 5472242"/>
-              <a:gd name="connsiteY3" fmla="*/ 5143500 h 5143500"/>
-              <a:gd name="connsiteX4" fmla="*/ 0 w 5472242"/>
-              <a:gd name="connsiteY4" fmla="*/ 5143500 h 5143500"/>
-              <a:gd name="connsiteX0" fmla="*/ 0 w 5472242"/>
-              <a:gd name="connsiteY0" fmla="*/ 5143500 h 5165803"/>
-              <a:gd name="connsiteX1" fmla="*/ 2747195 w 5472242"/>
-              <a:gd name="connsiteY1" fmla="*/ 0 h 5165803"/>
-              <a:gd name="connsiteX2" fmla="*/ 5472242 w 5472242"/>
-              <a:gd name="connsiteY2" fmla="*/ 7434 h 5165803"/>
-              <a:gd name="connsiteX3" fmla="*/ 5468246 w 5472242"/>
-              <a:gd name="connsiteY3" fmla="*/ 5165803 h 5165803"/>
-              <a:gd name="connsiteX4" fmla="*/ 0 w 5472242"/>
-              <a:gd name="connsiteY4" fmla="*/ 5143500 h 5165803"/>
-              <a:gd name="connsiteX0" fmla="*/ 0 w 5472242"/>
-              <a:gd name="connsiteY0" fmla="*/ 5143500 h 5143500"/>
-              <a:gd name="connsiteX1" fmla="*/ 2747195 w 5472242"/>
-              <a:gd name="connsiteY1" fmla="*/ 0 h 5143500"/>
-              <a:gd name="connsiteX2" fmla="*/ 5472242 w 5472242"/>
-              <a:gd name="connsiteY2" fmla="*/ 7434 h 5143500"/>
-              <a:gd name="connsiteX3" fmla="*/ 3698919 w 5472242"/>
-              <a:gd name="connsiteY3" fmla="*/ 4942779 h 5143500"/>
-              <a:gd name="connsiteX4" fmla="*/ 0 w 5472242"/>
-              <a:gd name="connsiteY4" fmla="*/ 5143500 h 5143500"/>
-              <a:gd name="connsiteX0" fmla="*/ 0 w 5472242"/>
-              <a:gd name="connsiteY0" fmla="*/ 5143500 h 5150935"/>
-              <a:gd name="connsiteX1" fmla="*/ 2747195 w 5472242"/>
-              <a:gd name="connsiteY1" fmla="*/ 0 h 5150935"/>
-              <a:gd name="connsiteX2" fmla="*/ 5472242 w 5472242"/>
-              <a:gd name="connsiteY2" fmla="*/ 7434 h 5150935"/>
-              <a:gd name="connsiteX3" fmla="*/ 4301085 w 5472242"/>
-              <a:gd name="connsiteY3" fmla="*/ 5150935 h 5150935"/>
-              <a:gd name="connsiteX4" fmla="*/ 0 w 5472242"/>
-              <a:gd name="connsiteY4" fmla="*/ 5143500 h 5150935"/>
-              <a:gd name="connsiteX0" fmla="*/ 0 w 4728828"/>
-              <a:gd name="connsiteY0" fmla="*/ 5143500 h 5150935"/>
-              <a:gd name="connsiteX1" fmla="*/ 2747195 w 4728828"/>
-              <a:gd name="connsiteY1" fmla="*/ 0 h 5150935"/>
-              <a:gd name="connsiteX2" fmla="*/ 4728828 w 4728828"/>
-              <a:gd name="connsiteY2" fmla="*/ 223024 h 5150935"/>
-              <a:gd name="connsiteX3" fmla="*/ 4301085 w 4728828"/>
-              <a:gd name="connsiteY3" fmla="*/ 5150935 h 5150935"/>
-              <a:gd name="connsiteX4" fmla="*/ 0 w 4728828"/>
-              <a:gd name="connsiteY4" fmla="*/ 5143500 h 5150935"/>
-              <a:gd name="connsiteX0" fmla="*/ 0 w 4342253"/>
-              <a:gd name="connsiteY0" fmla="*/ 5173237 h 5180672"/>
-              <a:gd name="connsiteX1" fmla="*/ 2747195 w 4342253"/>
-              <a:gd name="connsiteY1" fmla="*/ 29737 h 5180672"/>
-              <a:gd name="connsiteX2" fmla="*/ 4342253 w 4342253"/>
-              <a:gd name="connsiteY2" fmla="*/ 0 h 5180672"/>
-              <a:gd name="connsiteX3" fmla="*/ 4301085 w 4342253"/>
-              <a:gd name="connsiteY3" fmla="*/ 5180672 h 5180672"/>
-              <a:gd name="connsiteX4" fmla="*/ 0 w 4342253"/>
-              <a:gd name="connsiteY4" fmla="*/ 5173237 h 5180672"/>
-              <a:gd name="connsiteX0" fmla="*/ 0 w 4370700"/>
-              <a:gd name="connsiteY0" fmla="*/ 5143500 h 5150935"/>
-              <a:gd name="connsiteX1" fmla="*/ 2747195 w 4370700"/>
-              <a:gd name="connsiteY1" fmla="*/ 0 h 5150935"/>
-              <a:gd name="connsiteX2" fmla="*/ 4370700 w 4370700"/>
-              <a:gd name="connsiteY2" fmla="*/ 190735 h 5150935"/>
-              <a:gd name="connsiteX3" fmla="*/ 4301085 w 4370700"/>
-              <a:gd name="connsiteY3" fmla="*/ 5150935 h 5150935"/>
-              <a:gd name="connsiteX4" fmla="*/ 0 w 4370700"/>
-              <a:gd name="connsiteY4" fmla="*/ 5143500 h 5150935"/>
-              <a:gd name="connsiteX0" fmla="*/ 0 w 4370700"/>
-              <a:gd name="connsiteY0" fmla="*/ 4965700 h 4973135"/>
-              <a:gd name="connsiteX1" fmla="*/ 2647627 w 4370700"/>
-              <a:gd name="connsiteY1" fmla="*/ 0 h 4973135"/>
-              <a:gd name="connsiteX2" fmla="*/ 4370700 w 4370700"/>
-              <a:gd name="connsiteY2" fmla="*/ 12935 h 4973135"/>
-              <a:gd name="connsiteX3" fmla="*/ 4301085 w 4370700"/>
-              <a:gd name="connsiteY3" fmla="*/ 4973135 h 4973135"/>
-              <a:gd name="connsiteX4" fmla="*/ 0 w 4370700"/>
-              <a:gd name="connsiteY4" fmla="*/ 4965700 h 4973135"/>
-            </a:gdLst>
-            <a:ahLst/>
-            <a:cxnLst>
-              <a:cxn ang="0">
-                <a:pos x="connsiteX0" y="connsiteY0"/>
-              </a:cxn>
-              <a:cxn ang="0">
-                <a:pos x="connsiteX1" y="connsiteY1"/>
-              </a:cxn>
-              <a:cxn ang="0">
-                <a:pos x="connsiteX2" y="connsiteY2"/>
-              </a:cxn>
-              <a:cxn ang="0">
-                <a:pos x="connsiteX3" y="connsiteY3"/>
-              </a:cxn>
-              <a:cxn ang="0">
-                <a:pos x="connsiteX4" y="connsiteY4"/>
-              </a:cxn>
-            </a:cxnLst>
-            <a:rect l="l" t="t" r="r" b="b"/>
-            <a:pathLst>
-              <a:path w="4370700" h="4973135">
-                <a:moveTo>
-                  <a:pt x="0" y="4965700"/>
-                </a:moveTo>
-                <a:lnTo>
-                  <a:pt x="2647627" y="0"/>
-                </a:lnTo>
-                <a:lnTo>
-                  <a:pt x="4370700" y="12935"/>
-                </a:lnTo>
-                <a:lnTo>
-                  <a:pt x="4301085" y="4973135"/>
-                </a:lnTo>
-                <a:lnTo>
-                  <a:pt x="0" y="4965700"/>
-                </a:lnTo>
-                <a:close/>
-              </a:path>
-            </a:pathLst>
-          </a:custGeom>
-          <a:solidFill>
-            <a:schemeClr val="accent4">
-              <a:alpha val="95000"/>
-            </a:schemeClr>
-          </a:solidFill>
-          <a:ln>
-            <a:noFill/>
-          </a:ln>
-        </p:spPr>
-        <p:style>
-          <a:lnRef idx="2">
-            <a:schemeClr val="accent1">
-              <a:shade val="50000"/>
-            </a:schemeClr>
-          </a:lnRef>
-          <a:fillRef idx="1">
-            <a:schemeClr val="accent1"/>
-          </a:fillRef>
-          <a:effectRef idx="0">
-            <a:schemeClr val="accent1"/>
-          </a:effectRef>
-          <a:fontRef idx="minor">
-            <a:schemeClr val="lt1"/>
-          </a:fontRef>
-        </p:style>
-        <p:txBody>
-          <a:bodyPr rtlCol="0" anchor="ctr"/>
-          <a:lstStyle/>
-          <a:p>
-            <a:pPr algn="ctr"/>
-            <a:endParaRPr lang="en-US" sz="2400"/>
-          </a:p>
-        </p:txBody>
-      </p:sp>
-      <p:sp>
-        <p:nvSpPr>
-          <p:cNvPr id="32" name="Rectangle 31">
-            <a:hlinkClick r:id="rId2"/>
-          </p:cNvPr>
-          <p:cNvSpPr/>
-          <p:nvPr/>
-        </p:nvSpPr>
-        <p:spPr>
-          <a:xfrm>
-            <a:off x="5477992" y="2618058"/>
-            <a:ext cx="1575264" cy="549289"/>
-          </a:xfrm>
-          <a:prstGeom prst="rect">
-            <a:avLst/>
-          </a:prstGeom>
-          <a:noFill/>
-          <a:ln>
-            <a:noFill/>
-          </a:ln>
-          <a:effectLst/>
-        </p:spPr>
-        <p:style>
-          <a:lnRef idx="1">
-            <a:schemeClr val="accent1"/>
-          </a:lnRef>
-          <a:fillRef idx="3">
-            <a:schemeClr val="accent1"/>
-          </a:fillRef>
-          <a:effectRef idx="2">
-            <a:schemeClr val="accent1"/>
-          </a:effectRef>
-          <a:fontRef idx="minor">
-            <a:schemeClr val="lt1"/>
-          </a:fontRef>
-        </p:style>
-        <p:txBody>
-          <a:bodyPr rtlCol="0" anchor="t"/>
-          <a:lstStyle/>
-          <a:p>
-            <a:pPr algn="ctr"/>
-            <a:r>
-              <a:rPr lang="en-US" sz="1200" dirty="0">
-                <a:solidFill>
-                  <a:schemeClr val="bg2">
-                    <a:lumMod val="50000"/>
-                  </a:schemeClr>
-                </a:solidFill>
-              </a:rPr>
-              <a:t>Free online webinar events </a:t>
-            </a:r>
-          </a:p>
-        </p:txBody>
-      </p:sp>
-      <p:sp>
-        <p:nvSpPr>
-          <p:cNvPr id="33" name="Rectangle 32">
-            <a:hlinkClick r:id="rId3"/>
-          </p:cNvPr>
-          <p:cNvSpPr/>
-          <p:nvPr/>
-        </p:nvSpPr>
-        <p:spPr>
-          <a:xfrm>
-            <a:off x="9630980" y="2618058"/>
-            <a:ext cx="1713720" cy="549289"/>
-          </a:xfrm>
-          <a:prstGeom prst="rect">
-            <a:avLst/>
-          </a:prstGeom>
-          <a:noFill/>
-          <a:ln>
-            <a:noFill/>
-          </a:ln>
-          <a:effectLst/>
-        </p:spPr>
-        <p:style>
-          <a:lnRef idx="1">
-            <a:schemeClr val="accent1"/>
-          </a:lnRef>
-          <a:fillRef idx="3">
-            <a:schemeClr val="accent1"/>
-          </a:fillRef>
-          <a:effectRef idx="2">
-            <a:schemeClr val="accent1"/>
-          </a:effectRef>
-          <a:fontRef idx="minor">
-            <a:schemeClr val="lt1"/>
-          </a:fontRef>
-        </p:style>
-        <p:txBody>
-          <a:bodyPr rtlCol="0" anchor="t"/>
-          <a:lstStyle/>
-          <a:p>
-            <a:pPr algn="ctr"/>
-            <a:r>
-              <a:rPr lang="en-US" sz="1200">
-                <a:solidFill>
-                  <a:schemeClr val="bg2">
-                    <a:lumMod val="50000"/>
-                  </a:schemeClr>
-                </a:solidFill>
-              </a:rPr>
-              <a:t>Free 1-day local training events</a:t>
-            </a:r>
-            <a:endParaRPr lang="en-US" sz="1200" dirty="0">
-              <a:solidFill>
-                <a:schemeClr val="bg2">
-                  <a:lumMod val="50000"/>
-                </a:schemeClr>
-              </a:solidFill>
-            </a:endParaRPr>
-          </a:p>
-        </p:txBody>
-      </p:sp>
-      <p:sp>
-        <p:nvSpPr>
-          <p:cNvPr id="34" name="Rectangle 33">
-            <a:hlinkClick r:id="rId4"/>
-          </p:cNvPr>
-          <p:cNvSpPr/>
-          <p:nvPr/>
-        </p:nvSpPr>
-        <p:spPr>
-          <a:xfrm>
-            <a:off x="7532384" y="2618058"/>
-            <a:ext cx="1712256" cy="549289"/>
-          </a:xfrm>
-          <a:prstGeom prst="rect">
-            <a:avLst/>
-          </a:prstGeom>
-          <a:noFill/>
-          <a:ln>
-            <a:noFill/>
-          </a:ln>
-          <a:effectLst/>
-        </p:spPr>
-        <p:style>
-          <a:lnRef idx="1">
-            <a:schemeClr val="accent1"/>
-          </a:lnRef>
-          <a:fillRef idx="3">
-            <a:schemeClr val="accent1"/>
-          </a:fillRef>
-          <a:effectRef idx="2">
-            <a:schemeClr val="accent1"/>
-          </a:effectRef>
-          <a:fontRef idx="minor">
-            <a:schemeClr val="lt1"/>
-          </a:fontRef>
-        </p:style>
-        <p:txBody>
-          <a:bodyPr rtlCol="0" anchor="t"/>
-          <a:lstStyle/>
-          <a:p>
-            <a:pPr algn="ctr"/>
-            <a:r>
-              <a:rPr lang="en-US" sz="1200">
-                <a:solidFill>
-                  <a:schemeClr val="bg2">
-                    <a:lumMod val="50000"/>
-                  </a:schemeClr>
-                </a:solidFill>
-              </a:rPr>
-              <a:t>Local user groups around the world</a:t>
-            </a:r>
-            <a:endParaRPr lang="en-US" sz="1200" dirty="0">
-              <a:solidFill>
-                <a:schemeClr val="bg2">
-                  <a:lumMod val="50000"/>
-                </a:schemeClr>
-              </a:solidFill>
-            </a:endParaRPr>
-          </a:p>
-        </p:txBody>
-      </p:sp>
-      <p:sp>
-        <p:nvSpPr>
-          <p:cNvPr id="35" name="Rectangle 34">
-            <a:hlinkClick r:id="rId5"/>
-          </p:cNvPr>
-          <p:cNvSpPr/>
-          <p:nvPr/>
-        </p:nvSpPr>
-        <p:spPr>
-          <a:xfrm>
-            <a:off x="5368609" y="5443025"/>
-            <a:ext cx="1718875" cy="549289"/>
-          </a:xfrm>
-          <a:prstGeom prst="rect">
-            <a:avLst/>
-          </a:prstGeom>
-          <a:noFill/>
-          <a:ln>
-            <a:noFill/>
-          </a:ln>
-          <a:effectLst/>
-        </p:spPr>
-        <p:style>
-          <a:lnRef idx="1">
-            <a:schemeClr val="accent1"/>
-          </a:lnRef>
-          <a:fillRef idx="3">
-            <a:schemeClr val="accent1"/>
-          </a:fillRef>
-          <a:effectRef idx="2">
-            <a:schemeClr val="accent1"/>
-          </a:effectRef>
-          <a:fontRef idx="minor">
-            <a:schemeClr val="lt1"/>
-          </a:fontRef>
-        </p:style>
-        <p:txBody>
-          <a:bodyPr rtlCol="0" anchor="t"/>
-          <a:lstStyle/>
-          <a:p>
-            <a:pPr algn="ctr"/>
-            <a:r>
-              <a:rPr lang="en-US" sz="1200" dirty="0">
-                <a:solidFill>
-                  <a:schemeClr val="bg2">
-                    <a:lumMod val="50000"/>
-                  </a:schemeClr>
-                </a:solidFill>
-              </a:rPr>
-              <a:t>Online special interest user groups </a:t>
-            </a:r>
-          </a:p>
-        </p:txBody>
-      </p:sp>
-      <p:sp>
-        <p:nvSpPr>
-          <p:cNvPr id="36" name="Rectangle 35">
-            <a:hlinkClick r:id="rId4"/>
-          </p:cNvPr>
-          <p:cNvSpPr/>
-          <p:nvPr/>
-        </p:nvSpPr>
-        <p:spPr>
-          <a:xfrm>
-            <a:off x="7573112" y="5443025"/>
-            <a:ext cx="1568027" cy="549289"/>
-          </a:xfrm>
-          <a:prstGeom prst="rect">
-            <a:avLst/>
-          </a:prstGeom>
-          <a:noFill/>
-          <a:ln>
-            <a:noFill/>
-          </a:ln>
-          <a:effectLst/>
-        </p:spPr>
-        <p:style>
-          <a:lnRef idx="1">
-            <a:schemeClr val="accent1"/>
-          </a:lnRef>
-          <a:fillRef idx="3">
-            <a:schemeClr val="accent1"/>
-          </a:fillRef>
-          <a:effectRef idx="2">
-            <a:schemeClr val="accent1"/>
-          </a:effectRef>
-          <a:fontRef idx="minor">
-            <a:schemeClr val="lt1"/>
-          </a:fontRef>
-        </p:style>
-        <p:txBody>
-          <a:bodyPr rtlCol="0" anchor="t"/>
-          <a:lstStyle/>
-          <a:p>
-            <a:pPr algn="ctr"/>
-            <a:r>
-              <a:rPr lang="en-US" sz="1200" dirty="0">
-                <a:solidFill>
-                  <a:schemeClr val="bg2">
-                    <a:lumMod val="50000"/>
-                  </a:schemeClr>
-                </a:solidFill>
-              </a:rPr>
-              <a:t>Business analytics training </a:t>
-            </a:r>
-          </a:p>
-        </p:txBody>
-      </p:sp>
-      <p:pic>
-        <p:nvPicPr>
-          <p:cNvPr id="41" name="Picture 40"/>
-          <p:cNvPicPr>
-            <a:picLocks noChangeAspect="1"/>
-          </p:cNvPicPr>
-          <p:nvPr/>
-        </p:nvPicPr>
-        <p:blipFill>
-          <a:blip r:embed="rId6" cstate="print">
-            <a:extLst>
-              <a:ext uri="{28A0092B-C50C-407E-A947-70E740481C1C}">
-                <a14:useLocalDpi xmlns:a14="http://schemas.microsoft.com/office/drawing/2010/main"/>
-              </a:ext>
-            </a:extLst>
-          </a:blip>
-          <a:stretch>
-            <a:fillRect/>
-          </a:stretch>
-        </p:blipFill>
-        <p:spPr>
-          <a:xfrm>
-            <a:off x="9910150" y="4177394"/>
-            <a:ext cx="1172772" cy="1066156"/>
-          </a:xfrm>
-          <a:prstGeom prst="rect">
-            <a:avLst/>
-          </a:prstGeom>
-        </p:spPr>
-      </p:pic>
-      <p:sp>
-        <p:nvSpPr>
-          <p:cNvPr id="43" name="Rectangle 42">
-            <a:hlinkClick r:id="rId4"/>
-          </p:cNvPr>
-          <p:cNvSpPr/>
-          <p:nvPr/>
-        </p:nvSpPr>
-        <p:spPr>
-          <a:xfrm>
-            <a:off x="9698629" y="5443025"/>
-            <a:ext cx="1568027" cy="549289"/>
-          </a:xfrm>
-          <a:prstGeom prst="rect">
-            <a:avLst/>
-          </a:prstGeom>
-          <a:noFill/>
-          <a:ln>
-            <a:noFill/>
-          </a:ln>
-          <a:effectLst/>
-        </p:spPr>
-        <p:style>
-          <a:lnRef idx="1">
-            <a:schemeClr val="accent1"/>
-          </a:lnRef>
-          <a:fillRef idx="3">
-            <a:schemeClr val="accent1"/>
-          </a:fillRef>
-          <a:effectRef idx="2">
-            <a:schemeClr val="accent1"/>
-          </a:effectRef>
-          <a:fontRef idx="minor">
-            <a:schemeClr val="lt1"/>
-          </a:fontRef>
-        </p:style>
-        <p:txBody>
-          <a:bodyPr rtlCol="0" anchor="t"/>
-          <a:lstStyle/>
-          <a:p>
-            <a:pPr algn="ctr"/>
-            <a:r>
-              <a:rPr lang="en-US" sz="1200" dirty="0">
-                <a:solidFill>
-                  <a:schemeClr val="bg2">
-                    <a:lumMod val="50000"/>
-                  </a:schemeClr>
-                </a:solidFill>
-              </a:rPr>
-              <a:t>Get involved</a:t>
-            </a:r>
-          </a:p>
-        </p:txBody>
-      </p:sp>
-      <p:pic>
-        <p:nvPicPr>
-          <p:cNvPr id="3" name="Picture 2">
-            <a:extLst>
-              <a:ext uri="{FF2B5EF4-FFF2-40B4-BE49-F238E27FC236}">
-                <a16:creationId xmlns:a16="http://schemas.microsoft.com/office/drawing/2014/main" id="{5ABB9FFB-88AF-E64C-B4E0-EA641AB8483C}"/>
-              </a:ext>
-            </a:extLst>
-          </p:cNvPr>
-          <p:cNvPicPr>
-            <a:picLocks noChangeAspect="1"/>
-          </p:cNvPicPr>
-          <p:nvPr/>
-        </p:nvPicPr>
-        <p:blipFill>
-          <a:blip r:embed="rId7" cstate="print">
-            <a:extLst>
-              <a:ext uri="{28A0092B-C50C-407E-A947-70E740481C1C}">
-                <a14:useLocalDpi xmlns:a14="http://schemas.microsoft.com/office/drawing/2010/main"/>
-              </a:ext>
-            </a:extLst>
-          </a:blip>
-          <a:stretch>
-            <a:fillRect/>
-          </a:stretch>
-        </p:blipFill>
-        <p:spPr>
-          <a:xfrm>
-            <a:off x="5485789" y="1133865"/>
-            <a:ext cx="1509415" cy="1509415"/>
-          </a:xfrm>
-          <a:prstGeom prst="rect">
-            <a:avLst/>
-          </a:prstGeom>
-        </p:spPr>
-      </p:pic>
-      <p:pic>
-        <p:nvPicPr>
-          <p:cNvPr id="5" name="Picture 4">
-            <a:extLst>
-              <a:ext uri="{FF2B5EF4-FFF2-40B4-BE49-F238E27FC236}">
-                <a16:creationId xmlns:a16="http://schemas.microsoft.com/office/drawing/2014/main" id="{075784B1-BDFC-5249-9F39-BB214820C8BC}"/>
-              </a:ext>
-            </a:extLst>
-          </p:cNvPr>
-          <p:cNvPicPr>
-            <a:picLocks noChangeAspect="1"/>
-          </p:cNvPicPr>
-          <p:nvPr/>
-        </p:nvPicPr>
-        <p:blipFill>
-          <a:blip r:embed="rId8" cstate="print">
-            <a:extLst>
-              <a:ext uri="{28A0092B-C50C-407E-A947-70E740481C1C}">
-                <a14:useLocalDpi xmlns:a14="http://schemas.microsoft.com/office/drawing/2010/main"/>
-              </a:ext>
-            </a:extLst>
-          </a:blip>
-          <a:stretch>
-            <a:fillRect/>
-          </a:stretch>
-        </p:blipFill>
-        <p:spPr>
-          <a:xfrm>
-            <a:off x="7533339" y="1022499"/>
-            <a:ext cx="1723021" cy="1723021"/>
-          </a:xfrm>
-          <a:prstGeom prst="rect">
-            <a:avLst/>
-          </a:prstGeom>
-        </p:spPr>
-      </p:pic>
-      <p:pic>
-        <p:nvPicPr>
-          <p:cNvPr id="7" name="Picture 6">
-            <a:extLst>
-              <a:ext uri="{FF2B5EF4-FFF2-40B4-BE49-F238E27FC236}">
-                <a16:creationId xmlns:a16="http://schemas.microsoft.com/office/drawing/2014/main" id="{425591F2-77BA-9241-BB82-B1AD41977EEE}"/>
-              </a:ext>
-            </a:extLst>
-          </p:cNvPr>
-          <p:cNvPicPr>
-            <a:picLocks noChangeAspect="1"/>
-          </p:cNvPicPr>
-          <p:nvPr/>
-        </p:nvPicPr>
-        <p:blipFill>
-          <a:blip r:embed="rId9" cstate="print">
-            <a:extLst>
-              <a:ext uri="{28A0092B-C50C-407E-A947-70E740481C1C}">
-                <a14:useLocalDpi xmlns:a14="http://schemas.microsoft.com/office/drawing/2010/main"/>
-              </a:ext>
-            </a:extLst>
-          </a:blip>
-          <a:stretch>
-            <a:fillRect/>
-          </a:stretch>
-        </p:blipFill>
-        <p:spPr>
-          <a:xfrm>
-            <a:off x="9678805" y="1053428"/>
-            <a:ext cx="1692179" cy="1692179"/>
-          </a:xfrm>
-          <a:prstGeom prst="rect">
-            <a:avLst/>
-          </a:prstGeom>
-        </p:spPr>
-      </p:pic>
-      <p:pic>
-        <p:nvPicPr>
-          <p:cNvPr id="9" name="Picture 8">
-            <a:extLst>
-              <a:ext uri="{FF2B5EF4-FFF2-40B4-BE49-F238E27FC236}">
-                <a16:creationId xmlns:a16="http://schemas.microsoft.com/office/drawing/2014/main" id="{60DC2CF9-117A-EA46-A4B5-24AF40402DC9}"/>
-              </a:ext>
-            </a:extLst>
-          </p:cNvPr>
-          <p:cNvPicPr>
-            <a:picLocks noChangeAspect="1"/>
-          </p:cNvPicPr>
-          <p:nvPr/>
-        </p:nvPicPr>
-        <p:blipFill>
-          <a:blip r:embed="rId10" cstate="print">
-            <a:extLst>
-              <a:ext uri="{28A0092B-C50C-407E-A947-70E740481C1C}">
-                <a14:useLocalDpi xmlns:a14="http://schemas.microsoft.com/office/drawing/2010/main"/>
-              </a:ext>
-            </a:extLst>
-          </a:blip>
-          <a:stretch>
-            <a:fillRect/>
-          </a:stretch>
-        </p:blipFill>
-        <p:spPr>
-          <a:xfrm>
-            <a:off x="5359610" y="3815829"/>
-            <a:ext cx="1757345" cy="1757345"/>
-          </a:xfrm>
-          <a:prstGeom prst="rect">
-            <a:avLst/>
-          </a:prstGeom>
-        </p:spPr>
-      </p:pic>
-      <p:pic>
-        <p:nvPicPr>
-          <p:cNvPr id="11" name="Picture 10">
-            <a:extLst>
-              <a:ext uri="{FF2B5EF4-FFF2-40B4-BE49-F238E27FC236}">
-                <a16:creationId xmlns:a16="http://schemas.microsoft.com/office/drawing/2014/main" id="{DA639641-A709-3B49-AA88-99A9F4103481}"/>
-              </a:ext>
-            </a:extLst>
-          </p:cNvPr>
-          <p:cNvPicPr>
-            <a:picLocks noChangeAspect="1"/>
-          </p:cNvPicPr>
-          <p:nvPr/>
-        </p:nvPicPr>
-        <p:blipFill>
-          <a:blip r:embed="rId11" cstate="print">
-            <a:extLst>
-              <a:ext uri="{28A0092B-C50C-407E-A947-70E740481C1C}">
-                <a14:useLocalDpi xmlns:a14="http://schemas.microsoft.com/office/drawing/2010/main"/>
-              </a:ext>
-            </a:extLst>
-          </a:blip>
-          <a:stretch>
-            <a:fillRect/>
-          </a:stretch>
-        </p:blipFill>
-        <p:spPr>
-          <a:xfrm>
-            <a:off x="7533461" y="3878887"/>
-            <a:ext cx="1665168" cy="1665168"/>
-          </a:xfrm>
-          <a:prstGeom prst="rect">
-            <a:avLst/>
-          </a:prstGeom>
-        </p:spPr>
-      </p:pic>
-      <p:cxnSp>
-        <p:nvCxnSpPr>
-          <p:cNvPr id="50" name="Straight Connector 49">
-            <a:extLst>
-              <a:ext uri="{FF2B5EF4-FFF2-40B4-BE49-F238E27FC236}">
-                <a16:creationId xmlns:a16="http://schemas.microsoft.com/office/drawing/2014/main" id="{1B4074C3-6F2F-D349-85B5-0850C0A27234}"/>
-              </a:ext>
-            </a:extLst>
-          </p:cNvPr>
-          <p:cNvCxnSpPr>
-            <a:cxnSpLocks/>
-          </p:cNvCxnSpPr>
-          <p:nvPr/>
-        </p:nvCxnSpPr>
-        <p:spPr>
-          <a:xfrm flipH="1">
-            <a:off x="5580567" y="3589305"/>
-            <a:ext cx="5910620" cy="0"/>
-          </a:xfrm>
-          <a:prstGeom prst="line">
-            <a:avLst/>
-          </a:prstGeom>
-          <a:ln w="6350">
-            <a:solidFill>
-              <a:schemeClr val="bg2">
-                <a:lumMod val="85000"/>
-              </a:schemeClr>
-            </a:solidFill>
-          </a:ln>
-        </p:spPr>
-        <p:style>
-          <a:lnRef idx="1">
-            <a:schemeClr val="accent1"/>
-          </a:lnRef>
-          <a:fillRef idx="0">
-            <a:schemeClr val="accent1"/>
-          </a:fillRef>
-          <a:effectRef idx="0">
-            <a:schemeClr val="accent1"/>
-          </a:effectRef>
-          <a:fontRef idx="minor">
-            <a:schemeClr val="tx1"/>
-          </a:fontRef>
-        </p:style>
-      </p:cxnSp>
-      <p:sp>
-        <p:nvSpPr>
-          <p:cNvPr id="49" name="Title 3"/>
-          <p:cNvSpPr txBox="1">
-            <a:spLocks/>
-          </p:cNvSpPr>
-          <p:nvPr/>
-        </p:nvSpPr>
-        <p:spPr>
-          <a:xfrm>
-            <a:off x="430335" y="558360"/>
-            <a:ext cx="3503429" cy="3462641"/>
-          </a:xfrm>
-          <a:prstGeom prst="rect">
-            <a:avLst/>
-          </a:prstGeom>
-        </p:spPr>
-        <p:txBody>
-          <a:bodyPr vert="horz" lIns="121920" tIns="60960" rIns="121920" bIns="60960" rtlCol="0" anchor="t">
-            <a:noAutofit/>
-          </a:bodyPr>
-          <a:lstStyle>
-            <a:lvl1pPr marL="0" marR="0" indent="0" algn="l" defTabSz="457200" rtl="0" eaLnBrk="1" fontAlgn="auto" latinLnBrk="0" hangingPunct="1">
-              <a:lnSpc>
-                <a:spcPts val="3500"/>
-              </a:lnSpc>
-              <a:spcBef>
-                <a:spcPct val="0"/>
-              </a:spcBef>
-              <a:spcAft>
-                <a:spcPts val="0"/>
-              </a:spcAft>
-              <a:buClrTx/>
-              <a:buSzTx/>
-              <a:buFontTx/>
-              <a:buNone/>
-              <a:tabLst/>
-              <a:defRPr kumimoji="0" lang="en-US" sz="3600" b="0" i="0" u="none" strike="noStrike" kern="1200" cap="none" spc="0" normalizeH="0" baseline="0">
-                <a:ln>
-                  <a:noFill/>
-                </a:ln>
-                <a:solidFill>
-                  <a:schemeClr val="tx2"/>
-                </a:solidFill>
-                <a:effectLst/>
-                <a:uLnTx/>
-                <a:uFillTx/>
-                <a:latin typeface="Segoe UI Light" charset="0"/>
-                <a:ea typeface="Segoe UI Light" charset="0"/>
-                <a:cs typeface="Segoe UI Light" charset="0"/>
-              </a:defRPr>
-            </a:lvl1pPr>
-          </a:lstStyle>
-          <a:p>
-            <a:pPr marL="0" indent="0" algn="l">
-              <a:lnSpc>
-                <a:spcPct val="90000"/>
-              </a:lnSpc>
-              <a:tabLst>
-                <a:tab pos="5784706" algn="l"/>
-              </a:tabLst>
-            </a:pPr>
-            <a:r>
-              <a:rPr lang="en-US" sz="5333" dirty="0">
-                <a:solidFill>
-                  <a:schemeClr val="bg2"/>
-                </a:solidFill>
-              </a:rPr>
-              <a:t>Explore everything PASS has to offer </a:t>
-            </a:r>
-          </a:p>
-        </p:txBody>
-      </p:sp>
-      <p:sp>
-        <p:nvSpPr>
-          <p:cNvPr id="44" name="Rectangle 43"/>
-          <p:cNvSpPr/>
-          <p:nvPr/>
-        </p:nvSpPr>
-        <p:spPr>
-          <a:xfrm>
-            <a:off x="470986" y="3956173"/>
-            <a:ext cx="3254621" cy="1346852"/>
-          </a:xfrm>
-          <a:prstGeom prst="rect">
-            <a:avLst/>
-          </a:prstGeom>
-          <a:noFill/>
-          <a:ln>
-            <a:noFill/>
-          </a:ln>
-        </p:spPr>
-        <p:style>
-          <a:lnRef idx="2">
-            <a:schemeClr val="accent1">
-              <a:shade val="50000"/>
-            </a:schemeClr>
-          </a:lnRef>
-          <a:fillRef idx="1">
-            <a:schemeClr val="accent1"/>
-          </a:fillRef>
-          <a:effectRef idx="0">
-            <a:schemeClr val="accent1"/>
-          </a:effectRef>
-          <a:fontRef idx="minor">
-            <a:schemeClr val="lt1"/>
-          </a:fontRef>
-        </p:style>
-        <p:txBody>
-          <a:bodyPr rIns="121920" rtlCol="0" anchor="t"/>
-          <a:lstStyle/>
-          <a:p>
-            <a:pPr marL="0" marR="0" lvl="0" indent="0" algn="l" defTabSz="1219170" rtl="0" eaLnBrk="1" fontAlgn="auto" latinLnBrk="0" hangingPunct="1">
-              <a:lnSpc>
-                <a:spcPct val="150000"/>
-              </a:lnSpc>
-              <a:spcBef>
-                <a:spcPts val="0"/>
-              </a:spcBef>
-              <a:spcAft>
-                <a:spcPts val="0"/>
-              </a:spcAft>
-              <a:buClrTx/>
-              <a:buSzTx/>
-              <a:buFontTx/>
-              <a:buNone/>
-              <a:tabLst/>
-              <a:defRPr/>
-            </a:pPr>
-            <a:r>
-              <a:rPr lang="en-US" sz="1600" b="1" spc="27" dirty="0">
-                <a:solidFill>
-                  <a:schemeClr val="bg2"/>
-                </a:solidFill>
-              </a:rPr>
-              <a:t>Free Online Resources </a:t>
-            </a:r>
-          </a:p>
-          <a:p>
-            <a:pPr marL="0" marR="0" lvl="0" indent="0" algn="l" defTabSz="1219170" rtl="0" eaLnBrk="1" fontAlgn="auto" latinLnBrk="0" hangingPunct="1">
-              <a:lnSpc>
-                <a:spcPct val="150000"/>
-              </a:lnSpc>
-              <a:spcBef>
-                <a:spcPts val="0"/>
-              </a:spcBef>
-              <a:spcAft>
-                <a:spcPts val="0"/>
-              </a:spcAft>
-              <a:buClrTx/>
-              <a:buSzTx/>
-              <a:buFontTx/>
-              <a:buNone/>
-              <a:tabLst/>
-              <a:defRPr/>
-            </a:pPr>
-            <a:r>
-              <a:rPr lang="en-US" sz="1600" b="1" spc="27" dirty="0">
-                <a:solidFill>
-                  <a:schemeClr val="bg2"/>
-                </a:solidFill>
-              </a:rPr>
-              <a:t>Newsletters</a:t>
-            </a:r>
-          </a:p>
-          <a:p>
-            <a:pPr marL="0" marR="0" lvl="0" indent="0" algn="l" defTabSz="1219170" rtl="0" eaLnBrk="1" fontAlgn="auto" latinLnBrk="0" hangingPunct="1">
-              <a:lnSpc>
-                <a:spcPct val="150000"/>
-              </a:lnSpc>
-              <a:spcBef>
-                <a:spcPts val="0"/>
-              </a:spcBef>
-              <a:spcAft>
-                <a:spcPts val="0"/>
-              </a:spcAft>
-              <a:buClrTx/>
-              <a:buSzTx/>
-              <a:buFontTx/>
-              <a:buNone/>
-              <a:tabLst/>
-              <a:defRPr/>
-            </a:pPr>
-            <a:r>
-              <a:rPr lang="en-US" sz="1600" b="1" spc="27" dirty="0" err="1">
-                <a:solidFill>
-                  <a:schemeClr val="bg2"/>
-                </a:solidFill>
-              </a:rPr>
-              <a:t>PASS.org</a:t>
-            </a:r>
-            <a:endParaRPr lang="en-US" sz="1600" b="1" spc="27" dirty="0">
-              <a:solidFill>
-                <a:schemeClr val="bg2"/>
-              </a:solidFill>
-            </a:endParaRPr>
-          </a:p>
-        </p:txBody>
-      </p:sp>
-    </p:spTree>
-    <p:extLst>
-      <p:ext uri="{BB962C8B-B14F-4D97-AF65-F5344CB8AC3E}">
-        <p14:creationId xmlns:p14="http://schemas.microsoft.com/office/powerpoint/2010/main" val="482403115"/>
-      </p:ext>
-    </p:extLst>
-  </p:cSld>
-  <p:clrMapOvr>
-    <a:masterClrMapping/>
-  </p:clrMapOvr>
-</p:sldLayout>
-</file>
-
-<file path=ppt/slideLayouts/slideLayout21.xml><?xml version="1.0" encoding="utf-8"?>
-<p:sldLayout xmlns:a="http://schemas.openxmlformats.org/drawingml/2006/main" xmlns:r="http://schemas.openxmlformats.org/officeDocument/2006/relationships" xmlns:p="http://schemas.openxmlformats.org/presentationml/2006/main" preserve="1">
-  <p:cSld name="Blank Slide">
-    <p:spTree>
-      <p:nvGrpSpPr>
-        <p:cNvPr id="1" name=""/>
-        <p:cNvGrpSpPr/>
-        <p:nvPr/>
-      </p:nvGrpSpPr>
-      <p:grpSpPr>
-        <a:xfrm>
-          <a:off x="0" y="0"/>
-          <a:ext cx="0" cy="0"/>
-          <a:chOff x="0" y="0"/>
-          <a:chExt cx="0" cy="0"/>
-        </a:xfrm>
-      </p:grpSpPr>
-    </p:spTree>
-    <p:extLst>
-      <p:ext uri="{BB962C8B-B14F-4D97-AF65-F5344CB8AC3E}">
-        <p14:creationId xmlns:p14="http://schemas.microsoft.com/office/powerpoint/2010/main" val="2224909601"/>
-      </p:ext>
-    </p:extLst>
-  </p:cSld>
-  <p:clrMapOvr>
-    <a:masterClrMapping/>
-  </p:clrMapOvr>
-</p:sldLayout>
-</file>
-
-<file path=ppt/slideLayouts/slideLayout22.xml><?xml version="1.0" encoding="utf-8"?>
-<p:sldLayout xmlns:a="http://schemas.openxmlformats.org/drawingml/2006/main" xmlns:r="http://schemas.openxmlformats.org/officeDocument/2006/relationships" xmlns:p="http://schemas.openxmlformats.org/presentationml/2006/main" showMasterSp="0" preserve="1">
   <p:cSld name="1_Section Title 1">
     <p:spTree>
       <p:nvGrpSpPr>
@@ -8181,42 +6503,6 @@
           <a:solidFill>
             <a:schemeClr val="accent3"/>
           </a:solidFill>
-        </p:spPr>
-      </p:pic>
-      <p:pic>
-        <p:nvPicPr>
-          <p:cNvPr id="15" name="Picture 14">
-            <a:extLst>
-              <a:ext uri="{FF2B5EF4-FFF2-40B4-BE49-F238E27FC236}">
-                <a16:creationId xmlns:a16="http://schemas.microsoft.com/office/drawing/2014/main" id="{346990EB-093A-1346-9FA2-EEBCBF0EB1D4}"/>
-              </a:ext>
-            </a:extLst>
-          </p:cNvPr>
-          <p:cNvPicPr>
-            <a:picLocks noChangeAspect="1"/>
-          </p:cNvPicPr>
-          <p:nvPr/>
-        </p:nvPicPr>
-        <p:blipFill rotWithShape="1">
-          <a:blip r:embed="rId3" cstate="print">
-            <a:alphaModFix amt="51000"/>
-            <a:extLst>
-              <a:ext uri="{28A0092B-C50C-407E-A947-70E740481C1C}">
-                <a14:useLocalDpi xmlns:a14="http://schemas.microsoft.com/office/drawing/2010/main"/>
-              </a:ext>
-            </a:extLst>
-          </a:blip>
-          <a:srcRect r="21583"/>
-          <a:stretch/>
-        </p:blipFill>
-        <p:spPr>
-          <a:xfrm>
-            <a:off x="8232121" y="579906"/>
-            <a:ext cx="3991692" cy="5090341"/>
-          </a:xfrm>
-          <a:prstGeom prst="rect">
-            <a:avLst/>
-          </a:prstGeom>
         </p:spPr>
       </p:pic>
       <p:sp>
@@ -8501,41 +6787,6 @@
           </a:p>
         </p:txBody>
       </p:sp>
-      <p:pic>
-        <p:nvPicPr>
-          <p:cNvPr id="10" name="Picture 9">
-            <a:extLst>
-              <a:ext uri="{FF2B5EF4-FFF2-40B4-BE49-F238E27FC236}">
-                <a16:creationId xmlns:a16="http://schemas.microsoft.com/office/drawing/2014/main" id="{9E69F4E3-9D43-ED46-87D3-2E91BA63C184}"/>
-              </a:ext>
-            </a:extLst>
-          </p:cNvPr>
-          <p:cNvPicPr>
-            <a:picLocks noChangeAspect="1"/>
-          </p:cNvPicPr>
-          <p:nvPr/>
-        </p:nvPicPr>
-        <p:blipFill rotWithShape="1">
-          <a:blip r:embed="rId4" cstate="print">
-            <a:extLst>
-              <a:ext uri="{28A0092B-C50C-407E-A947-70E740481C1C}">
-                <a14:useLocalDpi xmlns:a14="http://schemas.microsoft.com/office/drawing/2010/main"/>
-              </a:ext>
-            </a:extLst>
-          </a:blip>
-          <a:srcRect/>
-          <a:stretch/>
-        </p:blipFill>
-        <p:spPr>
-          <a:xfrm>
-            <a:off x="11111031" y="6343804"/>
-            <a:ext cx="774703" cy="315105"/>
-          </a:xfrm>
-          <a:prstGeom prst="rect">
-            <a:avLst/>
-          </a:prstGeom>
-        </p:spPr>
-      </p:pic>
     </p:spTree>
     <p:extLst>
       <p:ext uri="{BB962C8B-B14F-4D97-AF65-F5344CB8AC3E}">
@@ -8549,7 +6800,7 @@
 </p:sldLayout>
 </file>
 
-<file path=ppt/slideLayouts/slideLayout23.xml><?xml version="1.0" encoding="utf-8"?>
+<file path=ppt/slideLayouts/slideLayout21.xml><?xml version="1.0" encoding="utf-8"?>
 <p:sldLayout xmlns:a="http://schemas.openxmlformats.org/drawingml/2006/main" xmlns:r="http://schemas.openxmlformats.org/officeDocument/2006/relationships" xmlns:p="http://schemas.openxmlformats.org/presentationml/2006/main" preserve="1">
   <p:cSld name="Speaker Slide">
     <p:spTree>
@@ -9860,8 +8111,8 @@
 </p:sldLayout>
 </file>
 
-<file path=ppt/slideLayouts/slideLayout24.xml><?xml version="1.0" encoding="utf-8"?>
-<p:sldLayout xmlns:a="http://schemas.openxmlformats.org/drawingml/2006/main" xmlns:r="http://schemas.openxmlformats.org/officeDocument/2006/relationships" xmlns:p="http://schemas.openxmlformats.org/presentationml/2006/main" preserve="1">
+<file path=ppt/slideLayouts/slideLayout22.xml><?xml version="1.0" encoding="utf-8"?>
+<p:sldLayout xmlns:a="http://schemas.openxmlformats.org/drawingml/2006/main" xmlns:r="http://schemas.openxmlformats.org/officeDocument/2006/relationships" xmlns:p="http://schemas.openxmlformats.org/presentationml/2006/main" showMasterSp="0" preserve="1">
   <p:cSld name="Title Only">
     <p:spTree>
       <p:nvGrpSpPr>
@@ -9913,7 +8164,7 @@
 </p:sldLayout>
 </file>
 
-<file path=ppt/slideLayouts/slideLayout25.xml><?xml version="1.0" encoding="utf-8"?>
+<file path=ppt/slideLayouts/slideLayout23.xml><?xml version="1.0" encoding="utf-8"?>
 <p:sldLayout xmlns:a="http://schemas.openxmlformats.org/drawingml/2006/main" xmlns:r="http://schemas.openxmlformats.org/officeDocument/2006/relationships" xmlns:p="http://schemas.openxmlformats.org/presentationml/2006/main" preserve="1">
   <p:cSld name="1_Agenda">
     <p:spTree>
@@ -10853,41 +9104,6 @@
           </a:p>
         </p:txBody>
       </p:sp>
-      <p:pic>
-        <p:nvPicPr>
-          <p:cNvPr id="8" name="Picture 7">
-            <a:extLst>
-              <a:ext uri="{FF2B5EF4-FFF2-40B4-BE49-F238E27FC236}">
-                <a16:creationId xmlns:a16="http://schemas.microsoft.com/office/drawing/2014/main" id="{690F789D-0EB1-3543-B743-434CD290FC15}"/>
-              </a:ext>
-            </a:extLst>
-          </p:cNvPr>
-          <p:cNvPicPr>
-            <a:picLocks noChangeAspect="1"/>
-          </p:cNvPicPr>
-          <p:nvPr/>
-        </p:nvPicPr>
-        <p:blipFill rotWithShape="1">
-          <a:blip r:embed="rId2" cstate="print">
-            <a:extLst>
-              <a:ext uri="{28A0092B-C50C-407E-A947-70E740481C1C}">
-                <a14:useLocalDpi xmlns:a14="http://schemas.microsoft.com/office/drawing/2010/main"/>
-              </a:ext>
-            </a:extLst>
-          </a:blip>
-          <a:srcRect/>
-          <a:stretch/>
-        </p:blipFill>
-        <p:spPr>
-          <a:xfrm>
-            <a:off x="11025578" y="6308876"/>
-            <a:ext cx="934193" cy="396725"/>
-          </a:xfrm>
-          <a:prstGeom prst="rect">
-            <a:avLst/>
-          </a:prstGeom>
-        </p:spPr>
-      </p:pic>
     </p:spTree>
     <p:extLst>
       <p:ext uri="{BB962C8B-B14F-4D97-AF65-F5344CB8AC3E}">
@@ -10901,8 +9117,8 @@
 </p:sldLayout>
 </file>
 
-<file path=ppt/slideLayouts/slideLayout26.xml><?xml version="1.0" encoding="utf-8"?>
-<p:sldLayout xmlns:a="http://schemas.openxmlformats.org/drawingml/2006/main" xmlns:r="http://schemas.openxmlformats.org/officeDocument/2006/relationships" xmlns:p="http://schemas.openxmlformats.org/presentationml/2006/main" preserve="1">
+<file path=ppt/slideLayouts/slideLayout24.xml><?xml version="1.0" encoding="utf-8"?>
+<p:sldLayout xmlns:a="http://schemas.openxmlformats.org/drawingml/2006/main" xmlns:r="http://schemas.openxmlformats.org/officeDocument/2006/relationships" xmlns:p="http://schemas.openxmlformats.org/presentationml/2006/main" showMasterSp="0" preserve="1">
   <p:cSld name="Title and Content">
     <p:spTree>
       <p:nvGrpSpPr>
@@ -11306,8 +9522,8 @@
 </p:sldLayout>
 </file>
 
-<file path=ppt/slideLayouts/slideLayout27.xml><?xml version="1.0" encoding="utf-8"?>
-<p:sldLayout xmlns:a="http://schemas.openxmlformats.org/drawingml/2006/main" xmlns:r="http://schemas.openxmlformats.org/officeDocument/2006/relationships" xmlns:p="http://schemas.openxmlformats.org/presentationml/2006/main" preserve="1">
+<file path=ppt/slideLayouts/slideLayout25.xml><?xml version="1.0" encoding="utf-8"?>
+<p:sldLayout xmlns:a="http://schemas.openxmlformats.org/drawingml/2006/main" xmlns:r="http://schemas.openxmlformats.org/officeDocument/2006/relationships" xmlns:p="http://schemas.openxmlformats.org/presentationml/2006/main" showMasterSp="0" preserve="1">
   <p:cSld name="Two Up">
     <p:spTree>
       <p:nvGrpSpPr>
@@ -11568,8 +9784,8 @@
 </p:sldLayout>
 </file>
 
-<file path=ppt/slideLayouts/slideLayout28.xml><?xml version="1.0" encoding="utf-8"?>
-<p:sldLayout xmlns:a="http://schemas.openxmlformats.org/drawingml/2006/main" xmlns:r="http://schemas.openxmlformats.org/officeDocument/2006/relationships" xmlns:p="http://schemas.openxmlformats.org/presentationml/2006/main" preserve="1">
+<file path=ppt/slideLayouts/slideLayout26.xml><?xml version="1.0" encoding="utf-8"?>
+<p:sldLayout xmlns:a="http://schemas.openxmlformats.org/drawingml/2006/main" xmlns:r="http://schemas.openxmlformats.org/officeDocument/2006/relationships" xmlns:p="http://schemas.openxmlformats.org/presentationml/2006/main" showMasterSp="0" preserve="1">
   <p:cSld name="Three Up">
     <p:spTree>
       <p:nvGrpSpPr>
@@ -11971,8 +10187,8 @@
 </p:sldLayout>
 </file>
 
-<file path=ppt/slideLayouts/slideLayout29.xml><?xml version="1.0" encoding="utf-8"?>
-<p:sldLayout xmlns:a="http://schemas.openxmlformats.org/drawingml/2006/main" xmlns:r="http://schemas.openxmlformats.org/officeDocument/2006/relationships" xmlns:p="http://schemas.openxmlformats.org/presentationml/2006/main" preserve="1">
+<file path=ppt/slideLayouts/slideLayout27.xml><?xml version="1.0" encoding="utf-8"?>
+<p:sldLayout xmlns:a="http://schemas.openxmlformats.org/drawingml/2006/main" xmlns:r="http://schemas.openxmlformats.org/officeDocument/2006/relationships" xmlns:p="http://schemas.openxmlformats.org/presentationml/2006/main" showMasterSp="0" preserve="1">
   <p:cSld name="Code">
     <p:spTree>
       <p:nvGrpSpPr>
@@ -12156,2501 +10372,7 @@
 </p:sldLayout>
 </file>
 
-<file path=ppt/slideLayouts/slideLayout3.xml><?xml version="1.0" encoding="utf-8"?>
-<p:sldLayout xmlns:a="http://schemas.openxmlformats.org/drawingml/2006/main" xmlns:r="http://schemas.openxmlformats.org/officeDocument/2006/relationships" xmlns:p="http://schemas.openxmlformats.org/presentationml/2006/main" preserve="1">
-  <p:cSld name="Title and Content - Image">
-    <p:spTree>
-      <p:nvGrpSpPr>
-        <p:cNvPr id="1" name=""/>
-        <p:cNvGrpSpPr/>
-        <p:nvPr/>
-      </p:nvGrpSpPr>
-      <p:grpSpPr>
-        <a:xfrm>
-          <a:off x="0" y="0"/>
-          <a:ext cx="0" cy="0"/>
-          <a:chOff x="0" y="0"/>
-          <a:chExt cx="0" cy="0"/>
-        </a:xfrm>
-      </p:grpSpPr>
-      <p:sp>
-        <p:nvSpPr>
-          <p:cNvPr id="5" name="Title Placeholder 1"/>
-          <p:cNvSpPr>
-            <a:spLocks noGrp="1"/>
-          </p:cNvSpPr>
-          <p:nvPr>
-            <p:ph type="title"/>
-          </p:nvPr>
-        </p:nvSpPr>
-        <p:spPr>
-          <a:xfrm>
-            <a:off x="527990" y="413678"/>
-            <a:ext cx="6639293" cy="664889"/>
-          </a:xfrm>
-          <a:prstGeom prst="rect">
-            <a:avLst/>
-          </a:prstGeom>
-        </p:spPr>
-        <p:txBody>
-          <a:bodyPr vert="horz" lIns="91440" tIns="45720" rIns="91440" bIns="45720" rtlCol="0" anchor="b">
-            <a:normAutofit/>
-          </a:bodyPr>
-          <a:lstStyle>
-            <a:lvl1pPr>
-              <a:defRPr>
-                <a:latin typeface="+mj-lt"/>
-              </a:defRPr>
-            </a:lvl1pPr>
-          </a:lstStyle>
-          <a:p>
-            <a:r>
-              <a:rPr lang="en-US"/>
-              <a:t>Click to edit Master title style</a:t>
-            </a:r>
-            <a:endParaRPr lang="en-CA" dirty="0"/>
-          </a:p>
-        </p:txBody>
-      </p:sp>
-      <p:sp>
-        <p:nvSpPr>
-          <p:cNvPr id="10" name="Text Placeholder 30"/>
-          <p:cNvSpPr>
-            <a:spLocks noGrp="1"/>
-          </p:cNvSpPr>
-          <p:nvPr>
-            <p:ph type="body" sz="quarter" idx="10" hasCustomPrompt="1"/>
-          </p:nvPr>
-        </p:nvSpPr>
-        <p:spPr>
-          <a:xfrm>
-            <a:off x="544175" y="2366949"/>
-            <a:ext cx="6623108" cy="390525"/>
-          </a:xfrm>
-        </p:spPr>
-        <p:txBody>
-          <a:bodyPr anchor="b">
-            <a:noAutofit/>
-          </a:bodyPr>
-          <a:lstStyle>
-            <a:lvl1pPr marL="0" indent="0" algn="l" defTabSz="914400" rtl="0" eaLnBrk="1" latinLnBrk="0" hangingPunct="1">
-              <a:buNone/>
-              <a:defRPr lang="en-US" sz="2800" b="0" i="0" kern="1200" dirty="0" smtClean="0">
-                <a:solidFill>
-                  <a:schemeClr val="accent1"/>
-                </a:solidFill>
-                <a:latin typeface="+mj-lt"/>
-                <a:ea typeface="Segoe UI Semilight" charset="0"/>
-                <a:cs typeface="Segoe UI Semilight" charset="0"/>
-              </a:defRPr>
-            </a:lvl1pPr>
-          </a:lstStyle>
-          <a:p>
-            <a:pPr lvl="0"/>
-            <a:r>
-              <a:rPr lang="en-US" dirty="0"/>
-              <a:t>Heading one</a:t>
-            </a:r>
-          </a:p>
-        </p:txBody>
-      </p:sp>
-      <p:sp>
-        <p:nvSpPr>
-          <p:cNvPr id="11" name="Text Placeholder 32"/>
-          <p:cNvSpPr>
-            <a:spLocks noGrp="1"/>
-          </p:cNvSpPr>
-          <p:nvPr>
-            <p:ph type="body" sz="quarter" idx="11"/>
-          </p:nvPr>
-        </p:nvSpPr>
-        <p:spPr>
-          <a:xfrm>
-            <a:off x="544175" y="2773855"/>
-            <a:ext cx="6623108" cy="720219"/>
-          </a:xfrm>
-        </p:spPr>
-        <p:txBody>
-          <a:bodyPr>
-            <a:normAutofit/>
-          </a:bodyPr>
-          <a:lstStyle>
-            <a:lvl1pPr marL="0" indent="0" algn="l" defTabSz="914400" rtl="0" eaLnBrk="1" latinLnBrk="0" hangingPunct="1">
-              <a:buNone/>
-              <a:defRPr lang="en-US" sz="1400" kern="1200" dirty="0" smtClean="0">
-                <a:solidFill>
-                  <a:schemeClr val="bg2">
-                    <a:lumMod val="50000"/>
-                  </a:schemeClr>
-                </a:solidFill>
-                <a:latin typeface="+mn-lt"/>
-                <a:ea typeface="Gotham Light" charset="0"/>
-                <a:cs typeface="Gotham Light" charset="0"/>
-              </a:defRPr>
-            </a:lvl1pPr>
-          </a:lstStyle>
-          <a:p>
-            <a:pPr lvl="0"/>
-            <a:r>
-              <a:rPr lang="en-US"/>
-              <a:t>Edit Master text styles</a:t>
-            </a:r>
-          </a:p>
-        </p:txBody>
-      </p:sp>
-      <p:sp>
-        <p:nvSpPr>
-          <p:cNvPr id="12" name="Text Placeholder 30"/>
-          <p:cNvSpPr>
-            <a:spLocks noGrp="1"/>
-          </p:cNvSpPr>
-          <p:nvPr>
-            <p:ph type="body" sz="quarter" idx="12" hasCustomPrompt="1"/>
-          </p:nvPr>
-        </p:nvSpPr>
-        <p:spPr>
-          <a:xfrm>
-            <a:off x="544175" y="3488407"/>
-            <a:ext cx="6623108" cy="390525"/>
-          </a:xfrm>
-        </p:spPr>
-        <p:txBody>
-          <a:bodyPr anchor="b">
-            <a:normAutofit/>
-          </a:bodyPr>
-          <a:lstStyle>
-            <a:lvl1pPr marL="0" indent="0" algn="l" defTabSz="914400" rtl="0" eaLnBrk="1" latinLnBrk="0" hangingPunct="1">
-              <a:buNone/>
-              <a:defRPr lang="en-US" sz="2000" b="0" i="0" kern="1200" dirty="0" smtClean="0">
-                <a:solidFill>
-                  <a:schemeClr val="tx1"/>
-                </a:solidFill>
-                <a:latin typeface="Segoe UI Semilight" charset="0"/>
-                <a:ea typeface="Segoe UI Semilight" charset="0"/>
-                <a:cs typeface="Segoe UI Semilight" charset="0"/>
-              </a:defRPr>
-            </a:lvl1pPr>
-          </a:lstStyle>
-          <a:p>
-            <a:pPr lvl="0"/>
-            <a:r>
-              <a:rPr lang="en-US" dirty="0"/>
-              <a:t>Heading Two</a:t>
-            </a:r>
-          </a:p>
-        </p:txBody>
-      </p:sp>
-      <p:sp>
-        <p:nvSpPr>
-          <p:cNvPr id="13" name="Text Placeholder 32"/>
-          <p:cNvSpPr>
-            <a:spLocks noGrp="1"/>
-          </p:cNvSpPr>
-          <p:nvPr>
-            <p:ph type="body" sz="quarter" idx="13"/>
-          </p:nvPr>
-        </p:nvSpPr>
-        <p:spPr>
-          <a:xfrm>
-            <a:off x="544175" y="3895313"/>
-            <a:ext cx="6623108" cy="720219"/>
-          </a:xfrm>
-        </p:spPr>
-        <p:txBody>
-          <a:bodyPr>
-            <a:normAutofit/>
-          </a:bodyPr>
-          <a:lstStyle>
-            <a:lvl1pPr marL="0" indent="0" algn="l" defTabSz="914400" rtl="0" eaLnBrk="1" latinLnBrk="0" hangingPunct="1">
-              <a:buNone/>
-              <a:defRPr lang="en-US" sz="1400" kern="1200" dirty="0" smtClean="0">
-                <a:solidFill>
-                  <a:schemeClr val="bg2">
-                    <a:lumMod val="50000"/>
-                  </a:schemeClr>
-                </a:solidFill>
-                <a:latin typeface="+mn-lt"/>
-                <a:ea typeface="Gotham Light" charset="0"/>
-                <a:cs typeface="Gotham Light" charset="0"/>
-              </a:defRPr>
-            </a:lvl1pPr>
-          </a:lstStyle>
-          <a:p>
-            <a:pPr lvl="0"/>
-            <a:r>
-              <a:rPr lang="en-US"/>
-              <a:t>Edit Master text styles</a:t>
-            </a:r>
-          </a:p>
-        </p:txBody>
-      </p:sp>
-      <p:sp>
-        <p:nvSpPr>
-          <p:cNvPr id="14" name="Text Placeholder 30"/>
-          <p:cNvSpPr>
-            <a:spLocks noGrp="1"/>
-          </p:cNvSpPr>
-          <p:nvPr>
-            <p:ph type="body" sz="quarter" idx="14" hasCustomPrompt="1"/>
-          </p:nvPr>
-        </p:nvSpPr>
-        <p:spPr>
-          <a:xfrm>
-            <a:off x="544175" y="4626788"/>
-            <a:ext cx="6623108" cy="390525"/>
-          </a:xfrm>
-        </p:spPr>
-        <p:txBody>
-          <a:bodyPr anchor="b">
-            <a:normAutofit/>
-          </a:bodyPr>
-          <a:lstStyle>
-            <a:lvl1pPr marL="0" indent="0" algn="l" defTabSz="914400" rtl="0" eaLnBrk="1" latinLnBrk="0" hangingPunct="1">
-              <a:buNone/>
-              <a:defRPr lang="en-US" sz="1400" b="1" i="0" kern="1200" dirty="0" smtClean="0">
-                <a:solidFill>
-                  <a:schemeClr val="tx1"/>
-                </a:solidFill>
-                <a:latin typeface="+mn-lt"/>
-                <a:ea typeface="Gotham Light" charset="0"/>
-                <a:cs typeface="Gotham Light" charset="0"/>
-              </a:defRPr>
-            </a:lvl1pPr>
-          </a:lstStyle>
-          <a:p>
-            <a:pPr lvl="0"/>
-            <a:r>
-              <a:rPr lang="en-US" dirty="0"/>
-              <a:t>Heading Three</a:t>
-            </a:r>
-          </a:p>
-        </p:txBody>
-      </p:sp>
-      <p:sp>
-        <p:nvSpPr>
-          <p:cNvPr id="15" name="Text Placeholder 32"/>
-          <p:cNvSpPr>
-            <a:spLocks noGrp="1"/>
-          </p:cNvSpPr>
-          <p:nvPr>
-            <p:ph type="body" sz="quarter" idx="15"/>
-          </p:nvPr>
-        </p:nvSpPr>
-        <p:spPr>
-          <a:xfrm>
-            <a:off x="544175" y="5033694"/>
-            <a:ext cx="6623108" cy="720219"/>
-          </a:xfrm>
-        </p:spPr>
-        <p:txBody>
-          <a:bodyPr>
-            <a:normAutofit/>
-          </a:bodyPr>
-          <a:lstStyle>
-            <a:lvl1pPr marL="0" indent="0" algn="l" defTabSz="914400" rtl="0" eaLnBrk="1" latinLnBrk="0" hangingPunct="1">
-              <a:buNone/>
-              <a:defRPr lang="en-US" sz="1400" kern="1200" dirty="0" smtClean="0">
-                <a:solidFill>
-                  <a:schemeClr val="bg2">
-                    <a:lumMod val="50000"/>
-                  </a:schemeClr>
-                </a:solidFill>
-                <a:latin typeface="+mn-lt"/>
-                <a:ea typeface="Gotham Light" charset="0"/>
-                <a:cs typeface="Gotham Light" charset="0"/>
-              </a:defRPr>
-            </a:lvl1pPr>
-          </a:lstStyle>
-          <a:p>
-            <a:pPr lvl="0"/>
-            <a:r>
-              <a:rPr lang="en-US"/>
-              <a:t>Edit Master text styles</a:t>
-            </a:r>
-          </a:p>
-        </p:txBody>
-      </p:sp>
-      <p:pic>
-        <p:nvPicPr>
-          <p:cNvPr id="2" name="Picture 1"/>
-          <p:cNvPicPr>
-            <a:picLocks noChangeAspect="1"/>
-          </p:cNvPicPr>
-          <p:nvPr/>
-        </p:nvPicPr>
-        <p:blipFill rotWithShape="1">
-          <a:blip r:embed="rId2" cstate="print">
-            <a:extLst>
-              <a:ext uri="{28A0092B-C50C-407E-A947-70E740481C1C}">
-                <a14:useLocalDpi xmlns:a14="http://schemas.microsoft.com/office/drawing/2010/main" val="0"/>
-              </a:ext>
-            </a:extLst>
-          </a:blip>
-          <a:srcRect l="36625" r="31625"/>
-          <a:stretch/>
-        </p:blipFill>
-        <p:spPr>
-          <a:xfrm>
-            <a:off x="8321040" y="0"/>
-            <a:ext cx="3870960" cy="6858870"/>
-          </a:xfrm>
-          <a:prstGeom prst="rect">
-            <a:avLst/>
-          </a:prstGeom>
-        </p:spPr>
-      </p:pic>
-    </p:spTree>
-    <p:extLst>
-      <p:ext uri="{BB962C8B-B14F-4D97-AF65-F5344CB8AC3E}">
-        <p14:creationId xmlns:p14="http://schemas.microsoft.com/office/powerpoint/2010/main" val="872769278"/>
-      </p:ext>
-    </p:extLst>
-  </p:cSld>
-  <p:clrMapOvr>
-    <a:masterClrMapping/>
-  </p:clrMapOvr>
-</p:sldLayout>
-</file>
-
-<file path=ppt/slideLayouts/slideLayout30.xml><?xml version="1.0" encoding="utf-8"?>
-<p:sldLayout xmlns:a="http://schemas.openxmlformats.org/drawingml/2006/main" xmlns:r="http://schemas.openxmlformats.org/officeDocument/2006/relationships" xmlns:p="http://schemas.openxmlformats.org/presentationml/2006/main" preserve="1">
-  <p:cSld name="Session Evaluations">
-    <p:spTree>
-      <p:nvGrpSpPr>
-        <p:cNvPr id="1" name=""/>
-        <p:cNvGrpSpPr/>
-        <p:nvPr/>
-      </p:nvGrpSpPr>
-      <p:grpSpPr>
-        <a:xfrm>
-          <a:off x="0" y="0"/>
-          <a:ext cx="0" cy="0"/>
-          <a:chOff x="0" y="0"/>
-          <a:chExt cx="0" cy="0"/>
-        </a:xfrm>
-      </p:grpSpPr>
-      <p:sp>
-        <p:nvSpPr>
-          <p:cNvPr id="14" name="Parallelogram 53">
-            <a:extLst>
-              <a:ext uri="{FF2B5EF4-FFF2-40B4-BE49-F238E27FC236}">
-                <a16:creationId xmlns:a16="http://schemas.microsoft.com/office/drawing/2014/main" id="{32A8089A-D851-8744-9AB8-67F8B98AC1AD}"/>
-              </a:ext>
-            </a:extLst>
-          </p:cNvPr>
-          <p:cNvSpPr/>
-          <p:nvPr/>
-        </p:nvSpPr>
-        <p:spPr>
-          <a:xfrm rot="10800000">
-            <a:off x="-39034" y="-17007"/>
-            <a:ext cx="4867591" cy="6920872"/>
-          </a:xfrm>
-          <a:custGeom>
-            <a:avLst/>
-            <a:gdLst>
-              <a:gd name="connsiteX0" fmla="*/ 0 w 7211832"/>
-              <a:gd name="connsiteY0" fmla="*/ 5143500 h 5143500"/>
-              <a:gd name="connsiteX1" fmla="*/ 2747195 w 7211832"/>
-              <a:gd name="connsiteY1" fmla="*/ 0 h 5143500"/>
-              <a:gd name="connsiteX2" fmla="*/ 7211832 w 7211832"/>
-              <a:gd name="connsiteY2" fmla="*/ 0 h 5143500"/>
-              <a:gd name="connsiteX3" fmla="*/ 4464637 w 7211832"/>
-              <a:gd name="connsiteY3" fmla="*/ 5143500 h 5143500"/>
-              <a:gd name="connsiteX4" fmla="*/ 0 w 7211832"/>
-              <a:gd name="connsiteY4" fmla="*/ 5143500 h 5143500"/>
-              <a:gd name="connsiteX0" fmla="*/ 0 w 5249218"/>
-              <a:gd name="connsiteY0" fmla="*/ 5143500 h 5143500"/>
-              <a:gd name="connsiteX1" fmla="*/ 2747195 w 5249218"/>
-              <a:gd name="connsiteY1" fmla="*/ 0 h 5143500"/>
-              <a:gd name="connsiteX2" fmla="*/ 5249218 w 5249218"/>
-              <a:gd name="connsiteY2" fmla="*/ 0 h 5143500"/>
-              <a:gd name="connsiteX3" fmla="*/ 4464637 w 5249218"/>
-              <a:gd name="connsiteY3" fmla="*/ 5143500 h 5143500"/>
-              <a:gd name="connsiteX4" fmla="*/ 0 w 5249218"/>
-              <a:gd name="connsiteY4" fmla="*/ 5143500 h 5143500"/>
-              <a:gd name="connsiteX0" fmla="*/ 0 w 5472242"/>
-              <a:gd name="connsiteY0" fmla="*/ 5143500 h 5143500"/>
-              <a:gd name="connsiteX1" fmla="*/ 2747195 w 5472242"/>
-              <a:gd name="connsiteY1" fmla="*/ 0 h 5143500"/>
-              <a:gd name="connsiteX2" fmla="*/ 5472242 w 5472242"/>
-              <a:gd name="connsiteY2" fmla="*/ 7434 h 5143500"/>
-              <a:gd name="connsiteX3" fmla="*/ 4464637 w 5472242"/>
-              <a:gd name="connsiteY3" fmla="*/ 5143500 h 5143500"/>
-              <a:gd name="connsiteX4" fmla="*/ 0 w 5472242"/>
-              <a:gd name="connsiteY4" fmla="*/ 5143500 h 5143500"/>
-              <a:gd name="connsiteX0" fmla="*/ 0 w 5472242"/>
-              <a:gd name="connsiteY0" fmla="*/ 5143500 h 5165803"/>
-              <a:gd name="connsiteX1" fmla="*/ 2747195 w 5472242"/>
-              <a:gd name="connsiteY1" fmla="*/ 0 h 5165803"/>
-              <a:gd name="connsiteX2" fmla="*/ 5472242 w 5472242"/>
-              <a:gd name="connsiteY2" fmla="*/ 7434 h 5165803"/>
-              <a:gd name="connsiteX3" fmla="*/ 5468246 w 5472242"/>
-              <a:gd name="connsiteY3" fmla="*/ 5165803 h 5165803"/>
-              <a:gd name="connsiteX4" fmla="*/ 0 w 5472242"/>
-              <a:gd name="connsiteY4" fmla="*/ 5143500 h 5165803"/>
-              <a:gd name="connsiteX0" fmla="*/ 0 w 5472242"/>
-              <a:gd name="connsiteY0" fmla="*/ 5143500 h 5143500"/>
-              <a:gd name="connsiteX1" fmla="*/ 2747195 w 5472242"/>
-              <a:gd name="connsiteY1" fmla="*/ 0 h 5143500"/>
-              <a:gd name="connsiteX2" fmla="*/ 5472242 w 5472242"/>
-              <a:gd name="connsiteY2" fmla="*/ 7434 h 5143500"/>
-              <a:gd name="connsiteX3" fmla="*/ 3698919 w 5472242"/>
-              <a:gd name="connsiteY3" fmla="*/ 4942779 h 5143500"/>
-              <a:gd name="connsiteX4" fmla="*/ 0 w 5472242"/>
-              <a:gd name="connsiteY4" fmla="*/ 5143500 h 5143500"/>
-              <a:gd name="connsiteX0" fmla="*/ 0 w 5472242"/>
-              <a:gd name="connsiteY0" fmla="*/ 5143500 h 5150935"/>
-              <a:gd name="connsiteX1" fmla="*/ 2747195 w 5472242"/>
-              <a:gd name="connsiteY1" fmla="*/ 0 h 5150935"/>
-              <a:gd name="connsiteX2" fmla="*/ 5472242 w 5472242"/>
-              <a:gd name="connsiteY2" fmla="*/ 7434 h 5150935"/>
-              <a:gd name="connsiteX3" fmla="*/ 4301085 w 5472242"/>
-              <a:gd name="connsiteY3" fmla="*/ 5150935 h 5150935"/>
-              <a:gd name="connsiteX4" fmla="*/ 0 w 5472242"/>
-              <a:gd name="connsiteY4" fmla="*/ 5143500 h 5150935"/>
-              <a:gd name="connsiteX0" fmla="*/ 0 w 4728828"/>
-              <a:gd name="connsiteY0" fmla="*/ 5143500 h 5150935"/>
-              <a:gd name="connsiteX1" fmla="*/ 2747195 w 4728828"/>
-              <a:gd name="connsiteY1" fmla="*/ 0 h 5150935"/>
-              <a:gd name="connsiteX2" fmla="*/ 4728828 w 4728828"/>
-              <a:gd name="connsiteY2" fmla="*/ 223024 h 5150935"/>
-              <a:gd name="connsiteX3" fmla="*/ 4301085 w 4728828"/>
-              <a:gd name="connsiteY3" fmla="*/ 5150935 h 5150935"/>
-              <a:gd name="connsiteX4" fmla="*/ 0 w 4728828"/>
-              <a:gd name="connsiteY4" fmla="*/ 5143500 h 5150935"/>
-              <a:gd name="connsiteX0" fmla="*/ 0 w 4342253"/>
-              <a:gd name="connsiteY0" fmla="*/ 5173237 h 5180672"/>
-              <a:gd name="connsiteX1" fmla="*/ 2747195 w 4342253"/>
-              <a:gd name="connsiteY1" fmla="*/ 29737 h 5180672"/>
-              <a:gd name="connsiteX2" fmla="*/ 4342253 w 4342253"/>
-              <a:gd name="connsiteY2" fmla="*/ 0 h 5180672"/>
-              <a:gd name="connsiteX3" fmla="*/ 4301085 w 4342253"/>
-              <a:gd name="connsiteY3" fmla="*/ 5180672 h 5180672"/>
-              <a:gd name="connsiteX4" fmla="*/ 0 w 4342253"/>
-              <a:gd name="connsiteY4" fmla="*/ 5173237 h 5180672"/>
-              <a:gd name="connsiteX0" fmla="*/ 0 w 4342253"/>
-              <a:gd name="connsiteY0" fmla="*/ 6618452 h 6625887"/>
-              <a:gd name="connsiteX1" fmla="*/ 3531945 w 4342253"/>
-              <a:gd name="connsiteY1" fmla="*/ 0 h 6625887"/>
-              <a:gd name="connsiteX2" fmla="*/ 4342253 w 4342253"/>
-              <a:gd name="connsiteY2" fmla="*/ 1445215 h 6625887"/>
-              <a:gd name="connsiteX3" fmla="*/ 4301085 w 4342253"/>
-              <a:gd name="connsiteY3" fmla="*/ 6625887 h 6625887"/>
-              <a:gd name="connsiteX4" fmla="*/ 0 w 4342253"/>
-              <a:gd name="connsiteY4" fmla="*/ 6618452 h 6625887"/>
-              <a:gd name="connsiteX0" fmla="*/ 0 w 4301085"/>
-              <a:gd name="connsiteY0" fmla="*/ 6618452 h 6625887"/>
-              <a:gd name="connsiteX1" fmla="*/ 3531945 w 4301085"/>
-              <a:gd name="connsiteY1" fmla="*/ 0 h 6625887"/>
-              <a:gd name="connsiteX2" fmla="*/ 4228795 w 4301085"/>
-              <a:gd name="connsiteY2" fmla="*/ 8082 h 6625887"/>
-              <a:gd name="connsiteX3" fmla="*/ 4301085 w 4301085"/>
-              <a:gd name="connsiteY3" fmla="*/ 6625887 h 6625887"/>
-              <a:gd name="connsiteX4" fmla="*/ 0 w 4301085"/>
-              <a:gd name="connsiteY4" fmla="*/ 6618452 h 6625887"/>
-              <a:gd name="connsiteX0" fmla="*/ 0 w 4301085"/>
-              <a:gd name="connsiteY0" fmla="*/ 6610370 h 6617805"/>
-              <a:gd name="connsiteX1" fmla="*/ 3108096 w 4301085"/>
-              <a:gd name="connsiteY1" fmla="*/ 784062 h 6617805"/>
-              <a:gd name="connsiteX2" fmla="*/ 4228795 w 4301085"/>
-              <a:gd name="connsiteY2" fmla="*/ 0 h 6617805"/>
-              <a:gd name="connsiteX3" fmla="*/ 4301085 w 4301085"/>
-              <a:gd name="connsiteY3" fmla="*/ 6617805 h 6617805"/>
-              <a:gd name="connsiteX4" fmla="*/ 0 w 4301085"/>
-              <a:gd name="connsiteY4" fmla="*/ 6610370 h 6617805"/>
-              <a:gd name="connsiteX0" fmla="*/ 0 w 4301085"/>
-              <a:gd name="connsiteY0" fmla="*/ 5826308 h 5833743"/>
-              <a:gd name="connsiteX1" fmla="*/ 3108096 w 4301085"/>
-              <a:gd name="connsiteY1" fmla="*/ 0 h 5833743"/>
-              <a:gd name="connsiteX2" fmla="*/ 4107696 w 4301085"/>
-              <a:gd name="connsiteY2" fmla="*/ 64163 h 5833743"/>
-              <a:gd name="connsiteX3" fmla="*/ 4301085 w 4301085"/>
-              <a:gd name="connsiteY3" fmla="*/ 5833743 h 5833743"/>
-              <a:gd name="connsiteX4" fmla="*/ 0 w 4301085"/>
-              <a:gd name="connsiteY4" fmla="*/ 5826308 h 5833743"/>
-              <a:gd name="connsiteX0" fmla="*/ 0 w 4301085"/>
-              <a:gd name="connsiteY0" fmla="*/ 5854348 h 5861783"/>
-              <a:gd name="connsiteX1" fmla="*/ 3125396 w 4301085"/>
-              <a:gd name="connsiteY1" fmla="*/ 0 h 5861783"/>
-              <a:gd name="connsiteX2" fmla="*/ 4107696 w 4301085"/>
-              <a:gd name="connsiteY2" fmla="*/ 92203 h 5861783"/>
-              <a:gd name="connsiteX3" fmla="*/ 4301085 w 4301085"/>
-              <a:gd name="connsiteY3" fmla="*/ 5861783 h 5861783"/>
-              <a:gd name="connsiteX4" fmla="*/ 0 w 4301085"/>
-              <a:gd name="connsiteY4" fmla="*/ 5854348 h 5861783"/>
-              <a:gd name="connsiteX0" fmla="*/ 0 w 4107696"/>
-              <a:gd name="connsiteY0" fmla="*/ 5854348 h 5854348"/>
-              <a:gd name="connsiteX1" fmla="*/ 3125396 w 4107696"/>
-              <a:gd name="connsiteY1" fmla="*/ 0 h 5854348"/>
-              <a:gd name="connsiteX2" fmla="*/ 4107696 w 4107696"/>
-              <a:gd name="connsiteY2" fmla="*/ 92203 h 5854348"/>
-              <a:gd name="connsiteX3" fmla="*/ 3678287 w 4107696"/>
-              <a:gd name="connsiteY3" fmla="*/ 4522849 h 5854348"/>
-              <a:gd name="connsiteX4" fmla="*/ 0 w 4107696"/>
-              <a:gd name="connsiteY4" fmla="*/ 5854348 h 5854348"/>
-              <a:gd name="connsiteX0" fmla="*/ 0 w 3519497"/>
-              <a:gd name="connsiteY0" fmla="*/ 4767779 h 4767779"/>
-              <a:gd name="connsiteX1" fmla="*/ 2537197 w 3519497"/>
-              <a:gd name="connsiteY1" fmla="*/ 0 h 4767779"/>
-              <a:gd name="connsiteX2" fmla="*/ 3519497 w 3519497"/>
-              <a:gd name="connsiteY2" fmla="*/ 92203 h 4767779"/>
-              <a:gd name="connsiteX3" fmla="*/ 3090088 w 3519497"/>
-              <a:gd name="connsiteY3" fmla="*/ 4522849 h 4767779"/>
-              <a:gd name="connsiteX4" fmla="*/ 0 w 3519497"/>
-              <a:gd name="connsiteY4" fmla="*/ 4767779 h 4767779"/>
-              <a:gd name="connsiteX0" fmla="*/ 0 w 3522587"/>
-              <a:gd name="connsiteY0" fmla="*/ 4767779 h 4767779"/>
-              <a:gd name="connsiteX1" fmla="*/ 2537197 w 3522587"/>
-              <a:gd name="connsiteY1" fmla="*/ 0 h 4767779"/>
-              <a:gd name="connsiteX2" fmla="*/ 3519497 w 3522587"/>
-              <a:gd name="connsiteY2" fmla="*/ 92203 h 4767779"/>
-              <a:gd name="connsiteX3" fmla="*/ 3522587 w 3522587"/>
-              <a:gd name="connsiteY3" fmla="*/ 4677072 h 4767779"/>
-              <a:gd name="connsiteX4" fmla="*/ 0 w 3522587"/>
-              <a:gd name="connsiteY4" fmla="*/ 4767779 h 4767779"/>
-              <a:gd name="connsiteX0" fmla="*/ 0 w 3657897"/>
-              <a:gd name="connsiteY0" fmla="*/ 4767779 h 4767779"/>
-              <a:gd name="connsiteX1" fmla="*/ 2537197 w 3657897"/>
-              <a:gd name="connsiteY1" fmla="*/ 0 h 4767779"/>
-              <a:gd name="connsiteX2" fmla="*/ 3657897 w 3657897"/>
-              <a:gd name="connsiteY2" fmla="*/ 8082 h 4767779"/>
-              <a:gd name="connsiteX3" fmla="*/ 3522587 w 3657897"/>
-              <a:gd name="connsiteY3" fmla="*/ 4677072 h 4767779"/>
-              <a:gd name="connsiteX4" fmla="*/ 0 w 3657897"/>
-              <a:gd name="connsiteY4" fmla="*/ 4767779 h 4767779"/>
-              <a:gd name="connsiteX0" fmla="*/ 0 w 3669637"/>
-              <a:gd name="connsiteY0" fmla="*/ 4767779 h 4789234"/>
-              <a:gd name="connsiteX1" fmla="*/ 2537197 w 3669637"/>
-              <a:gd name="connsiteY1" fmla="*/ 0 h 4789234"/>
-              <a:gd name="connsiteX2" fmla="*/ 3657897 w 3669637"/>
-              <a:gd name="connsiteY2" fmla="*/ 8082 h 4789234"/>
-              <a:gd name="connsiteX3" fmla="*/ 3669637 w 3669637"/>
-              <a:gd name="connsiteY3" fmla="*/ 4789234 h 4789234"/>
-              <a:gd name="connsiteX4" fmla="*/ 0 w 3669637"/>
-              <a:gd name="connsiteY4" fmla="*/ 4767779 h 4789234"/>
-              <a:gd name="connsiteX0" fmla="*/ 0 w 4318385"/>
-              <a:gd name="connsiteY0" fmla="*/ 4767779 h 4775214"/>
-              <a:gd name="connsiteX1" fmla="*/ 2537197 w 4318385"/>
-              <a:gd name="connsiteY1" fmla="*/ 0 h 4775214"/>
-              <a:gd name="connsiteX2" fmla="*/ 3657897 w 4318385"/>
-              <a:gd name="connsiteY2" fmla="*/ 8082 h 4775214"/>
-              <a:gd name="connsiteX3" fmla="*/ 4318385 w 4318385"/>
-              <a:gd name="connsiteY3" fmla="*/ 4775214 h 4775214"/>
-              <a:gd name="connsiteX4" fmla="*/ 0 w 4318385"/>
-              <a:gd name="connsiteY4" fmla="*/ 4767779 h 4775214"/>
-              <a:gd name="connsiteX0" fmla="*/ 0 w 4324670"/>
-              <a:gd name="connsiteY0" fmla="*/ 4767779 h 4775214"/>
-              <a:gd name="connsiteX1" fmla="*/ 2537197 w 4324670"/>
-              <a:gd name="connsiteY1" fmla="*/ 0 h 4775214"/>
-              <a:gd name="connsiteX2" fmla="*/ 4323945 w 4324670"/>
-              <a:gd name="connsiteY2" fmla="*/ 8082 h 4775214"/>
-              <a:gd name="connsiteX3" fmla="*/ 4318385 w 4324670"/>
-              <a:gd name="connsiteY3" fmla="*/ 4775214 h 4775214"/>
-              <a:gd name="connsiteX4" fmla="*/ 0 w 4324670"/>
-              <a:gd name="connsiteY4" fmla="*/ 4767779 h 4775214"/>
-              <a:gd name="connsiteX0" fmla="*/ 0 w 4323955"/>
-              <a:gd name="connsiteY0" fmla="*/ 4767779 h 4767779"/>
-              <a:gd name="connsiteX1" fmla="*/ 2537197 w 4323955"/>
-              <a:gd name="connsiteY1" fmla="*/ 0 h 4767779"/>
-              <a:gd name="connsiteX2" fmla="*/ 4323945 w 4323955"/>
-              <a:gd name="connsiteY2" fmla="*/ 8082 h 4767779"/>
-              <a:gd name="connsiteX3" fmla="*/ 3190127 w 4323955"/>
-              <a:gd name="connsiteY3" fmla="*/ 4380209 h 4767779"/>
-              <a:gd name="connsiteX4" fmla="*/ 0 w 4323955"/>
-              <a:gd name="connsiteY4" fmla="*/ 4767779 h 4767779"/>
-              <a:gd name="connsiteX0" fmla="*/ 0 w 3944865"/>
-              <a:gd name="connsiteY0" fmla="*/ 4767779 h 4767779"/>
-              <a:gd name="connsiteX1" fmla="*/ 2537197 w 3944865"/>
-              <a:gd name="connsiteY1" fmla="*/ 0 h 4767779"/>
-              <a:gd name="connsiteX2" fmla="*/ 3944850 w 3944865"/>
-              <a:gd name="connsiteY2" fmla="*/ 183640 h 4767779"/>
-              <a:gd name="connsiteX3" fmla="*/ 3190127 w 3944865"/>
-              <a:gd name="connsiteY3" fmla="*/ 4380209 h 4767779"/>
-              <a:gd name="connsiteX4" fmla="*/ 0 w 3944865"/>
-              <a:gd name="connsiteY4" fmla="*/ 4767779 h 4767779"/>
-              <a:gd name="connsiteX0" fmla="*/ 0 w 4137864"/>
-              <a:gd name="connsiteY0" fmla="*/ 4767779 h 4775214"/>
-              <a:gd name="connsiteX1" fmla="*/ 2537197 w 4137864"/>
-              <a:gd name="connsiteY1" fmla="*/ 0 h 4775214"/>
-              <a:gd name="connsiteX2" fmla="*/ 3944850 w 4137864"/>
-              <a:gd name="connsiteY2" fmla="*/ 183640 h 4775214"/>
-              <a:gd name="connsiteX3" fmla="*/ 4137864 w 4137864"/>
-              <a:gd name="connsiteY3" fmla="*/ 4775214 h 4775214"/>
-              <a:gd name="connsiteX4" fmla="*/ 0 w 4137864"/>
-              <a:gd name="connsiteY4" fmla="*/ 4767779 h 4775214"/>
-              <a:gd name="connsiteX0" fmla="*/ 0 w 4144149"/>
-              <a:gd name="connsiteY0" fmla="*/ 4767779 h 4775214"/>
-              <a:gd name="connsiteX1" fmla="*/ 2537197 w 4144149"/>
-              <a:gd name="connsiteY1" fmla="*/ 0 h 4775214"/>
-              <a:gd name="connsiteX2" fmla="*/ 4143424 w 4144149"/>
-              <a:gd name="connsiteY2" fmla="*/ 768 h 4775214"/>
-              <a:gd name="connsiteX3" fmla="*/ 4137864 w 4144149"/>
-              <a:gd name="connsiteY3" fmla="*/ 4775214 h 4775214"/>
-              <a:gd name="connsiteX4" fmla="*/ 0 w 4144149"/>
-              <a:gd name="connsiteY4" fmla="*/ 4767779 h 4775214"/>
-            </a:gdLst>
-            <a:ahLst/>
-            <a:cxnLst>
-              <a:cxn ang="0">
-                <a:pos x="connsiteX0" y="connsiteY0"/>
-              </a:cxn>
-              <a:cxn ang="0">
-                <a:pos x="connsiteX1" y="connsiteY1"/>
-              </a:cxn>
-              <a:cxn ang="0">
-                <a:pos x="connsiteX2" y="connsiteY2"/>
-              </a:cxn>
-              <a:cxn ang="0">
-                <a:pos x="connsiteX3" y="connsiteY3"/>
-              </a:cxn>
-              <a:cxn ang="0">
-                <a:pos x="connsiteX4" y="connsiteY4"/>
-              </a:cxn>
-            </a:cxnLst>
-            <a:rect l="l" t="t" r="r" b="b"/>
-            <a:pathLst>
-              <a:path w="4144149" h="4775214">
-                <a:moveTo>
-                  <a:pt x="0" y="4767779"/>
-                </a:moveTo>
-                <a:lnTo>
-                  <a:pt x="2537197" y="0"/>
-                </a:lnTo>
-                <a:lnTo>
-                  <a:pt x="4143424" y="768"/>
-                </a:lnTo>
-                <a:cubicBezTo>
-                  <a:pt x="4147337" y="1594485"/>
-                  <a:pt x="4133951" y="3181497"/>
-                  <a:pt x="4137864" y="4775214"/>
-                </a:cubicBezTo>
-                <a:lnTo>
-                  <a:pt x="0" y="4767779"/>
-                </a:lnTo>
-                <a:close/>
-              </a:path>
-            </a:pathLst>
-          </a:custGeom>
-          <a:solidFill>
-            <a:schemeClr val="accent2"/>
-          </a:solidFill>
-          <a:ln>
-            <a:noFill/>
-          </a:ln>
-        </p:spPr>
-        <p:style>
-          <a:lnRef idx="2">
-            <a:schemeClr val="accent1">
-              <a:shade val="50000"/>
-            </a:schemeClr>
-          </a:lnRef>
-          <a:fillRef idx="1">
-            <a:schemeClr val="accent1"/>
-          </a:fillRef>
-          <a:effectRef idx="0">
-            <a:schemeClr val="accent1"/>
-          </a:effectRef>
-          <a:fontRef idx="minor">
-            <a:schemeClr val="lt1"/>
-          </a:fontRef>
-        </p:style>
-        <p:txBody>
-          <a:bodyPr rtlCol="0" anchor="ctr"/>
-          <a:lstStyle/>
-          <a:p>
-            <a:pPr algn="ctr"/>
-            <a:endParaRPr lang="en-US" sz="2400"/>
-          </a:p>
-        </p:txBody>
-      </p:sp>
-      <p:sp>
-        <p:nvSpPr>
-          <p:cNvPr id="15" name="Parallelogram 53">
-            <a:extLst>
-              <a:ext uri="{FF2B5EF4-FFF2-40B4-BE49-F238E27FC236}">
-                <a16:creationId xmlns:a16="http://schemas.microsoft.com/office/drawing/2014/main" id="{8B7216CF-728B-874F-9E95-1465636A1AB7}"/>
-              </a:ext>
-            </a:extLst>
-          </p:cNvPr>
-          <p:cNvSpPr/>
-          <p:nvPr/>
-        </p:nvSpPr>
-        <p:spPr>
-          <a:xfrm rot="10800000" flipV="1">
-            <a:off x="-71467" y="-65556"/>
-            <a:ext cx="6417691" cy="6987731"/>
-          </a:xfrm>
-          <a:custGeom>
-            <a:avLst/>
-            <a:gdLst>
-              <a:gd name="connsiteX0" fmla="*/ 0 w 7211832"/>
-              <a:gd name="connsiteY0" fmla="*/ 5143500 h 5143500"/>
-              <a:gd name="connsiteX1" fmla="*/ 2747195 w 7211832"/>
-              <a:gd name="connsiteY1" fmla="*/ 0 h 5143500"/>
-              <a:gd name="connsiteX2" fmla="*/ 7211832 w 7211832"/>
-              <a:gd name="connsiteY2" fmla="*/ 0 h 5143500"/>
-              <a:gd name="connsiteX3" fmla="*/ 4464637 w 7211832"/>
-              <a:gd name="connsiteY3" fmla="*/ 5143500 h 5143500"/>
-              <a:gd name="connsiteX4" fmla="*/ 0 w 7211832"/>
-              <a:gd name="connsiteY4" fmla="*/ 5143500 h 5143500"/>
-              <a:gd name="connsiteX0" fmla="*/ 0 w 5249218"/>
-              <a:gd name="connsiteY0" fmla="*/ 5143500 h 5143500"/>
-              <a:gd name="connsiteX1" fmla="*/ 2747195 w 5249218"/>
-              <a:gd name="connsiteY1" fmla="*/ 0 h 5143500"/>
-              <a:gd name="connsiteX2" fmla="*/ 5249218 w 5249218"/>
-              <a:gd name="connsiteY2" fmla="*/ 0 h 5143500"/>
-              <a:gd name="connsiteX3" fmla="*/ 4464637 w 5249218"/>
-              <a:gd name="connsiteY3" fmla="*/ 5143500 h 5143500"/>
-              <a:gd name="connsiteX4" fmla="*/ 0 w 5249218"/>
-              <a:gd name="connsiteY4" fmla="*/ 5143500 h 5143500"/>
-              <a:gd name="connsiteX0" fmla="*/ 0 w 5472242"/>
-              <a:gd name="connsiteY0" fmla="*/ 5143500 h 5143500"/>
-              <a:gd name="connsiteX1" fmla="*/ 2747195 w 5472242"/>
-              <a:gd name="connsiteY1" fmla="*/ 0 h 5143500"/>
-              <a:gd name="connsiteX2" fmla="*/ 5472242 w 5472242"/>
-              <a:gd name="connsiteY2" fmla="*/ 7434 h 5143500"/>
-              <a:gd name="connsiteX3" fmla="*/ 4464637 w 5472242"/>
-              <a:gd name="connsiteY3" fmla="*/ 5143500 h 5143500"/>
-              <a:gd name="connsiteX4" fmla="*/ 0 w 5472242"/>
-              <a:gd name="connsiteY4" fmla="*/ 5143500 h 5143500"/>
-              <a:gd name="connsiteX0" fmla="*/ 0 w 5472242"/>
-              <a:gd name="connsiteY0" fmla="*/ 5143500 h 5165803"/>
-              <a:gd name="connsiteX1" fmla="*/ 2747195 w 5472242"/>
-              <a:gd name="connsiteY1" fmla="*/ 0 h 5165803"/>
-              <a:gd name="connsiteX2" fmla="*/ 5472242 w 5472242"/>
-              <a:gd name="connsiteY2" fmla="*/ 7434 h 5165803"/>
-              <a:gd name="connsiteX3" fmla="*/ 5468246 w 5472242"/>
-              <a:gd name="connsiteY3" fmla="*/ 5165803 h 5165803"/>
-              <a:gd name="connsiteX4" fmla="*/ 0 w 5472242"/>
-              <a:gd name="connsiteY4" fmla="*/ 5143500 h 5165803"/>
-              <a:gd name="connsiteX0" fmla="*/ 0 w 5472242"/>
-              <a:gd name="connsiteY0" fmla="*/ 5143500 h 5143500"/>
-              <a:gd name="connsiteX1" fmla="*/ 2747195 w 5472242"/>
-              <a:gd name="connsiteY1" fmla="*/ 0 h 5143500"/>
-              <a:gd name="connsiteX2" fmla="*/ 5472242 w 5472242"/>
-              <a:gd name="connsiteY2" fmla="*/ 7434 h 5143500"/>
-              <a:gd name="connsiteX3" fmla="*/ 3698919 w 5472242"/>
-              <a:gd name="connsiteY3" fmla="*/ 4942779 h 5143500"/>
-              <a:gd name="connsiteX4" fmla="*/ 0 w 5472242"/>
-              <a:gd name="connsiteY4" fmla="*/ 5143500 h 5143500"/>
-              <a:gd name="connsiteX0" fmla="*/ 0 w 5472242"/>
-              <a:gd name="connsiteY0" fmla="*/ 5143500 h 5150935"/>
-              <a:gd name="connsiteX1" fmla="*/ 2747195 w 5472242"/>
-              <a:gd name="connsiteY1" fmla="*/ 0 h 5150935"/>
-              <a:gd name="connsiteX2" fmla="*/ 5472242 w 5472242"/>
-              <a:gd name="connsiteY2" fmla="*/ 7434 h 5150935"/>
-              <a:gd name="connsiteX3" fmla="*/ 4301085 w 5472242"/>
-              <a:gd name="connsiteY3" fmla="*/ 5150935 h 5150935"/>
-              <a:gd name="connsiteX4" fmla="*/ 0 w 5472242"/>
-              <a:gd name="connsiteY4" fmla="*/ 5143500 h 5150935"/>
-              <a:gd name="connsiteX0" fmla="*/ 0 w 4728828"/>
-              <a:gd name="connsiteY0" fmla="*/ 5143500 h 5150935"/>
-              <a:gd name="connsiteX1" fmla="*/ 2747195 w 4728828"/>
-              <a:gd name="connsiteY1" fmla="*/ 0 h 5150935"/>
-              <a:gd name="connsiteX2" fmla="*/ 4728828 w 4728828"/>
-              <a:gd name="connsiteY2" fmla="*/ 223024 h 5150935"/>
-              <a:gd name="connsiteX3" fmla="*/ 4301085 w 4728828"/>
-              <a:gd name="connsiteY3" fmla="*/ 5150935 h 5150935"/>
-              <a:gd name="connsiteX4" fmla="*/ 0 w 4728828"/>
-              <a:gd name="connsiteY4" fmla="*/ 5143500 h 5150935"/>
-              <a:gd name="connsiteX0" fmla="*/ 0 w 4342253"/>
-              <a:gd name="connsiteY0" fmla="*/ 5173237 h 5180672"/>
-              <a:gd name="connsiteX1" fmla="*/ 2747195 w 4342253"/>
-              <a:gd name="connsiteY1" fmla="*/ 29737 h 5180672"/>
-              <a:gd name="connsiteX2" fmla="*/ 4342253 w 4342253"/>
-              <a:gd name="connsiteY2" fmla="*/ 0 h 5180672"/>
-              <a:gd name="connsiteX3" fmla="*/ 4301085 w 4342253"/>
-              <a:gd name="connsiteY3" fmla="*/ 5180672 h 5180672"/>
-              <a:gd name="connsiteX4" fmla="*/ 0 w 4342253"/>
-              <a:gd name="connsiteY4" fmla="*/ 5173237 h 5180672"/>
-              <a:gd name="connsiteX0" fmla="*/ 0 w 4370700"/>
-              <a:gd name="connsiteY0" fmla="*/ 5143500 h 5150935"/>
-              <a:gd name="connsiteX1" fmla="*/ 2747195 w 4370700"/>
-              <a:gd name="connsiteY1" fmla="*/ 0 h 5150935"/>
-              <a:gd name="connsiteX2" fmla="*/ 4370700 w 4370700"/>
-              <a:gd name="connsiteY2" fmla="*/ 190735 h 5150935"/>
-              <a:gd name="connsiteX3" fmla="*/ 4301085 w 4370700"/>
-              <a:gd name="connsiteY3" fmla="*/ 5150935 h 5150935"/>
-              <a:gd name="connsiteX4" fmla="*/ 0 w 4370700"/>
-              <a:gd name="connsiteY4" fmla="*/ 5143500 h 5150935"/>
-              <a:gd name="connsiteX0" fmla="*/ 0 w 4370700"/>
-              <a:gd name="connsiteY0" fmla="*/ 4965700 h 4973135"/>
-              <a:gd name="connsiteX1" fmla="*/ 2647627 w 4370700"/>
-              <a:gd name="connsiteY1" fmla="*/ 0 h 4973135"/>
-              <a:gd name="connsiteX2" fmla="*/ 4370700 w 4370700"/>
-              <a:gd name="connsiteY2" fmla="*/ 12935 h 4973135"/>
-              <a:gd name="connsiteX3" fmla="*/ 4301085 w 4370700"/>
-              <a:gd name="connsiteY3" fmla="*/ 4973135 h 4973135"/>
-              <a:gd name="connsiteX4" fmla="*/ 0 w 4370700"/>
-              <a:gd name="connsiteY4" fmla="*/ 4965700 h 4973135"/>
-              <a:gd name="connsiteX0" fmla="*/ 0 w 4040475"/>
-              <a:gd name="connsiteY0" fmla="*/ 4362242 h 4973135"/>
-              <a:gd name="connsiteX1" fmla="*/ 2317402 w 4040475"/>
-              <a:gd name="connsiteY1" fmla="*/ 0 h 4973135"/>
-              <a:gd name="connsiteX2" fmla="*/ 4040475 w 4040475"/>
-              <a:gd name="connsiteY2" fmla="*/ 12935 h 4973135"/>
-              <a:gd name="connsiteX3" fmla="*/ 3970860 w 4040475"/>
-              <a:gd name="connsiteY3" fmla="*/ 4973135 h 4973135"/>
-              <a:gd name="connsiteX4" fmla="*/ 0 w 4040475"/>
-              <a:gd name="connsiteY4" fmla="*/ 4362242 h 4973135"/>
-              <a:gd name="connsiteX0" fmla="*/ 0 w 4053425"/>
-              <a:gd name="connsiteY0" fmla="*/ 4383232 h 4973135"/>
-              <a:gd name="connsiteX1" fmla="*/ 2330352 w 4053425"/>
-              <a:gd name="connsiteY1" fmla="*/ 0 h 4973135"/>
-              <a:gd name="connsiteX2" fmla="*/ 4053425 w 4053425"/>
-              <a:gd name="connsiteY2" fmla="*/ 12935 h 4973135"/>
-              <a:gd name="connsiteX3" fmla="*/ 3983810 w 4053425"/>
-              <a:gd name="connsiteY3" fmla="*/ 4973135 h 4973135"/>
-              <a:gd name="connsiteX4" fmla="*/ 0 w 4053425"/>
-              <a:gd name="connsiteY4" fmla="*/ 4383232 h 4973135"/>
-              <a:gd name="connsiteX0" fmla="*/ 0 w 4053425"/>
-              <a:gd name="connsiteY0" fmla="*/ 4383232 h 4383232"/>
-              <a:gd name="connsiteX1" fmla="*/ 2330352 w 4053425"/>
-              <a:gd name="connsiteY1" fmla="*/ 0 h 4383232"/>
-              <a:gd name="connsiteX2" fmla="*/ 4053425 w 4053425"/>
-              <a:gd name="connsiteY2" fmla="*/ 12935 h 4383232"/>
-              <a:gd name="connsiteX3" fmla="*/ 3815461 w 4053425"/>
-              <a:gd name="connsiteY3" fmla="*/ 4296212 h 4383232"/>
-              <a:gd name="connsiteX4" fmla="*/ 0 w 4053425"/>
-              <a:gd name="connsiteY4" fmla="*/ 4383232 h 4383232"/>
-              <a:gd name="connsiteX0" fmla="*/ 0 w 4053425"/>
-              <a:gd name="connsiteY0" fmla="*/ 4383232 h 4385419"/>
-              <a:gd name="connsiteX1" fmla="*/ 2330352 w 4053425"/>
-              <a:gd name="connsiteY1" fmla="*/ 0 h 4385419"/>
-              <a:gd name="connsiteX2" fmla="*/ 4053425 w 4053425"/>
-              <a:gd name="connsiteY2" fmla="*/ 12935 h 4385419"/>
-              <a:gd name="connsiteX3" fmla="*/ 3996761 w 4053425"/>
-              <a:gd name="connsiteY3" fmla="*/ 4385419 h 4385419"/>
-              <a:gd name="connsiteX4" fmla="*/ 0 w 4053425"/>
-              <a:gd name="connsiteY4" fmla="*/ 4383232 h 4385419"/>
-              <a:gd name="connsiteX0" fmla="*/ 0 w 4053425"/>
-              <a:gd name="connsiteY0" fmla="*/ 4370297 h 4372484"/>
-              <a:gd name="connsiteX1" fmla="*/ 1909478 w 4053425"/>
-              <a:gd name="connsiteY1" fmla="*/ 784680 h 4372484"/>
-              <a:gd name="connsiteX2" fmla="*/ 4053425 w 4053425"/>
-              <a:gd name="connsiteY2" fmla="*/ 0 h 4372484"/>
-              <a:gd name="connsiteX3" fmla="*/ 3996761 w 4053425"/>
-              <a:gd name="connsiteY3" fmla="*/ 4372484 h 4372484"/>
-              <a:gd name="connsiteX4" fmla="*/ 0 w 4053425"/>
-              <a:gd name="connsiteY4" fmla="*/ 4370297 h 4372484"/>
-              <a:gd name="connsiteX0" fmla="*/ 0 w 3996761"/>
-              <a:gd name="connsiteY0" fmla="*/ 3585617 h 3587804"/>
-              <a:gd name="connsiteX1" fmla="*/ 1909478 w 3996761"/>
-              <a:gd name="connsiteY1" fmla="*/ 0 h 3587804"/>
-              <a:gd name="connsiteX2" fmla="*/ 3749100 w 3996761"/>
-              <a:gd name="connsiteY2" fmla="*/ 207091 h 3587804"/>
-              <a:gd name="connsiteX3" fmla="*/ 3996761 w 3996761"/>
-              <a:gd name="connsiteY3" fmla="*/ 3587804 h 3587804"/>
-              <a:gd name="connsiteX4" fmla="*/ 0 w 3996761"/>
-              <a:gd name="connsiteY4" fmla="*/ 3585617 h 3587804"/>
-              <a:gd name="connsiteX0" fmla="*/ 0 w 3750711"/>
-              <a:gd name="connsiteY0" fmla="*/ 3585617 h 3585617"/>
-              <a:gd name="connsiteX1" fmla="*/ 1909478 w 3750711"/>
-              <a:gd name="connsiteY1" fmla="*/ 0 h 3585617"/>
-              <a:gd name="connsiteX2" fmla="*/ 3749100 w 3750711"/>
-              <a:gd name="connsiteY2" fmla="*/ 207091 h 3585617"/>
-              <a:gd name="connsiteX3" fmla="*/ 3750711 w 3750711"/>
-              <a:gd name="connsiteY3" fmla="*/ 3461865 h 3585617"/>
-              <a:gd name="connsiteX4" fmla="*/ 0 w 3750711"/>
-              <a:gd name="connsiteY4" fmla="*/ 3585617 h 3585617"/>
-              <a:gd name="connsiteX0" fmla="*/ 0 w 4001625"/>
-              <a:gd name="connsiteY0" fmla="*/ 3585617 h 3585617"/>
-              <a:gd name="connsiteX1" fmla="*/ 1909478 w 4001625"/>
-              <a:gd name="connsiteY1" fmla="*/ 0 h 3585617"/>
-              <a:gd name="connsiteX2" fmla="*/ 4001625 w 4001625"/>
-              <a:gd name="connsiteY2" fmla="*/ 2440 h 3585617"/>
-              <a:gd name="connsiteX3" fmla="*/ 3750711 w 4001625"/>
-              <a:gd name="connsiteY3" fmla="*/ 3461865 h 3585617"/>
-              <a:gd name="connsiteX4" fmla="*/ 0 w 4001625"/>
-              <a:gd name="connsiteY4" fmla="*/ 3585617 h 3585617"/>
-              <a:gd name="connsiteX0" fmla="*/ 0 w 4001625"/>
-              <a:gd name="connsiteY0" fmla="*/ 3585617 h 3598299"/>
-              <a:gd name="connsiteX1" fmla="*/ 1909478 w 4001625"/>
-              <a:gd name="connsiteY1" fmla="*/ 0 h 3598299"/>
-              <a:gd name="connsiteX2" fmla="*/ 4001625 w 4001625"/>
-              <a:gd name="connsiteY2" fmla="*/ 2440 h 3598299"/>
-              <a:gd name="connsiteX3" fmla="*/ 3990286 w 4001625"/>
-              <a:gd name="connsiteY3" fmla="*/ 3598299 h 3598299"/>
-              <a:gd name="connsiteX4" fmla="*/ 0 w 4001625"/>
-              <a:gd name="connsiteY4" fmla="*/ 3585617 h 3598299"/>
-              <a:gd name="connsiteX0" fmla="*/ 0 w 4280050"/>
-              <a:gd name="connsiteY0" fmla="*/ 3585617 h 3598299"/>
-              <a:gd name="connsiteX1" fmla="*/ 1909478 w 4280050"/>
-              <a:gd name="connsiteY1" fmla="*/ 0 h 3598299"/>
-              <a:gd name="connsiteX2" fmla="*/ 4280050 w 4280050"/>
-              <a:gd name="connsiteY2" fmla="*/ 12935 h 3598299"/>
-              <a:gd name="connsiteX3" fmla="*/ 3990286 w 4280050"/>
-              <a:gd name="connsiteY3" fmla="*/ 3598299 h 3598299"/>
-              <a:gd name="connsiteX4" fmla="*/ 0 w 4280050"/>
-              <a:gd name="connsiteY4" fmla="*/ 3585617 h 3598299"/>
-              <a:gd name="connsiteX0" fmla="*/ 0 w 4282594"/>
-              <a:gd name="connsiteY0" fmla="*/ 3585617 h 3614041"/>
-              <a:gd name="connsiteX1" fmla="*/ 1909478 w 4282594"/>
-              <a:gd name="connsiteY1" fmla="*/ 0 h 3614041"/>
-              <a:gd name="connsiteX2" fmla="*/ 4280050 w 4282594"/>
-              <a:gd name="connsiteY2" fmla="*/ 12935 h 3614041"/>
-              <a:gd name="connsiteX3" fmla="*/ 4281661 w 4282594"/>
-              <a:gd name="connsiteY3" fmla="*/ 3614041 h 3614041"/>
-              <a:gd name="connsiteX4" fmla="*/ 0 w 4282594"/>
-              <a:gd name="connsiteY4" fmla="*/ 3585617 h 3614041"/>
-              <a:gd name="connsiteX0" fmla="*/ 0 w 4281685"/>
-              <a:gd name="connsiteY0" fmla="*/ 3585617 h 3614041"/>
-              <a:gd name="connsiteX1" fmla="*/ 1909478 w 4281685"/>
-              <a:gd name="connsiteY1" fmla="*/ 0 h 3614041"/>
-              <a:gd name="connsiteX2" fmla="*/ 3854390 w 4281685"/>
-              <a:gd name="connsiteY2" fmla="*/ 188155 h 3614041"/>
-              <a:gd name="connsiteX3" fmla="*/ 4281661 w 4281685"/>
-              <a:gd name="connsiteY3" fmla="*/ 3614041 h 3614041"/>
-              <a:gd name="connsiteX4" fmla="*/ 0 w 4281685"/>
-              <a:gd name="connsiteY4" fmla="*/ 3585617 h 3614041"/>
-              <a:gd name="connsiteX0" fmla="*/ 0 w 3964194"/>
-              <a:gd name="connsiteY0" fmla="*/ 3585617 h 3585617"/>
-              <a:gd name="connsiteX1" fmla="*/ 1909478 w 3964194"/>
-              <a:gd name="connsiteY1" fmla="*/ 0 h 3585617"/>
-              <a:gd name="connsiteX2" fmla="*/ 3854390 w 3964194"/>
-              <a:gd name="connsiteY2" fmla="*/ 188155 h 3585617"/>
-              <a:gd name="connsiteX3" fmla="*/ 3964105 w 3964194"/>
-              <a:gd name="connsiteY3" fmla="*/ 3455248 h 3585617"/>
-              <a:gd name="connsiteX4" fmla="*/ 0 w 3964194"/>
-              <a:gd name="connsiteY4" fmla="*/ 3585617 h 3585617"/>
-              <a:gd name="connsiteX0" fmla="*/ 0 w 4151676"/>
-              <a:gd name="connsiteY0" fmla="*/ 3585617 h 3585617"/>
-              <a:gd name="connsiteX1" fmla="*/ 1909478 w 4151676"/>
-              <a:gd name="connsiteY1" fmla="*/ 0 h 3585617"/>
-              <a:gd name="connsiteX2" fmla="*/ 4151676 w 4151676"/>
-              <a:gd name="connsiteY2" fmla="*/ 7459 h 3585617"/>
-              <a:gd name="connsiteX3" fmla="*/ 3964105 w 4151676"/>
-              <a:gd name="connsiteY3" fmla="*/ 3455248 h 3585617"/>
-              <a:gd name="connsiteX4" fmla="*/ 0 w 4151676"/>
-              <a:gd name="connsiteY4" fmla="*/ 3585617 h 3585617"/>
-              <a:gd name="connsiteX0" fmla="*/ 0 w 4173892"/>
-              <a:gd name="connsiteY0" fmla="*/ 3585617 h 3614041"/>
-              <a:gd name="connsiteX1" fmla="*/ 1909478 w 4173892"/>
-              <a:gd name="connsiteY1" fmla="*/ 0 h 3614041"/>
-              <a:gd name="connsiteX2" fmla="*/ 4151676 w 4173892"/>
-              <a:gd name="connsiteY2" fmla="*/ 7459 h 3614041"/>
-              <a:gd name="connsiteX3" fmla="*/ 4173557 w 4173892"/>
-              <a:gd name="connsiteY3" fmla="*/ 3614041 h 3614041"/>
-              <a:gd name="connsiteX4" fmla="*/ 0 w 4173892"/>
-              <a:gd name="connsiteY4" fmla="*/ 3585617 h 3614041"/>
-              <a:gd name="connsiteX0" fmla="*/ 0 w 4173639"/>
-              <a:gd name="connsiteY0" fmla="*/ 3585617 h 3614041"/>
-              <a:gd name="connsiteX1" fmla="*/ 1909478 w 4173639"/>
-              <a:gd name="connsiteY1" fmla="*/ 0 h 3614041"/>
-              <a:gd name="connsiteX2" fmla="*/ 4053009 w 4173639"/>
-              <a:gd name="connsiteY2" fmla="*/ 2461 h 3614041"/>
-              <a:gd name="connsiteX3" fmla="*/ 4173557 w 4173639"/>
-              <a:gd name="connsiteY3" fmla="*/ 3614041 h 3614041"/>
-              <a:gd name="connsiteX4" fmla="*/ 0 w 4173639"/>
-              <a:gd name="connsiteY4" fmla="*/ 3585617 h 3614041"/>
-              <a:gd name="connsiteX0" fmla="*/ 0 w 4053009"/>
-              <a:gd name="connsiteY0" fmla="*/ 3585617 h 3585617"/>
-              <a:gd name="connsiteX1" fmla="*/ 1909478 w 4053009"/>
-              <a:gd name="connsiteY1" fmla="*/ 0 h 3585617"/>
-              <a:gd name="connsiteX2" fmla="*/ 4053009 w 4053009"/>
-              <a:gd name="connsiteY2" fmla="*/ 2461 h 3585617"/>
-              <a:gd name="connsiteX3" fmla="*/ 3902225 w 4053009"/>
-              <a:gd name="connsiteY3" fmla="*/ 3524085 h 3585617"/>
-              <a:gd name="connsiteX4" fmla="*/ 0 w 4053009"/>
-              <a:gd name="connsiteY4" fmla="*/ 3585617 h 3585617"/>
-              <a:gd name="connsiteX0" fmla="*/ 0 w 4081339"/>
-              <a:gd name="connsiteY0" fmla="*/ 3585617 h 3609045"/>
-              <a:gd name="connsiteX1" fmla="*/ 1909478 w 4081339"/>
-              <a:gd name="connsiteY1" fmla="*/ 0 h 3609045"/>
-              <a:gd name="connsiteX2" fmla="*/ 4053009 w 4081339"/>
-              <a:gd name="connsiteY2" fmla="*/ 2461 h 3609045"/>
-              <a:gd name="connsiteX3" fmla="*/ 4081058 w 4081339"/>
-              <a:gd name="connsiteY3" fmla="*/ 3609045 h 3609045"/>
-              <a:gd name="connsiteX4" fmla="*/ 0 w 4081339"/>
-              <a:gd name="connsiteY4" fmla="*/ 3585617 h 3609045"/>
-              <a:gd name="connsiteX0" fmla="*/ 0 w 4081101"/>
-              <a:gd name="connsiteY0" fmla="*/ 3585617 h 3609045"/>
-              <a:gd name="connsiteX1" fmla="*/ 1909478 w 4081101"/>
-              <a:gd name="connsiteY1" fmla="*/ 0 h 3609045"/>
-              <a:gd name="connsiteX2" fmla="*/ 3843343 w 4081101"/>
-              <a:gd name="connsiteY2" fmla="*/ 157386 h 3609045"/>
-              <a:gd name="connsiteX3" fmla="*/ 4081058 w 4081101"/>
-              <a:gd name="connsiteY3" fmla="*/ 3609045 h 3609045"/>
-              <a:gd name="connsiteX4" fmla="*/ 0 w 4081101"/>
-              <a:gd name="connsiteY4" fmla="*/ 3585617 h 3609045"/>
-              <a:gd name="connsiteX0" fmla="*/ 0 w 4090010"/>
-              <a:gd name="connsiteY0" fmla="*/ 3585617 h 3609045"/>
-              <a:gd name="connsiteX1" fmla="*/ 1909478 w 4090010"/>
-              <a:gd name="connsiteY1" fmla="*/ 0 h 3609045"/>
-              <a:gd name="connsiteX2" fmla="*/ 4090010 w 4090010"/>
-              <a:gd name="connsiteY2" fmla="*/ 12456 h 3609045"/>
-              <a:gd name="connsiteX3" fmla="*/ 4081058 w 4090010"/>
-              <a:gd name="connsiteY3" fmla="*/ 3609045 h 3609045"/>
-              <a:gd name="connsiteX4" fmla="*/ 0 w 4090010"/>
-              <a:gd name="connsiteY4" fmla="*/ 3585617 h 3609045"/>
-            </a:gdLst>
-            <a:ahLst/>
-            <a:cxnLst>
-              <a:cxn ang="0">
-                <a:pos x="connsiteX0" y="connsiteY0"/>
-              </a:cxn>
-              <a:cxn ang="0">
-                <a:pos x="connsiteX1" y="connsiteY1"/>
-              </a:cxn>
-              <a:cxn ang="0">
-                <a:pos x="connsiteX2" y="connsiteY2"/>
-              </a:cxn>
-              <a:cxn ang="0">
-                <a:pos x="connsiteX3" y="connsiteY3"/>
-              </a:cxn>
-              <a:cxn ang="0">
-                <a:pos x="connsiteX4" y="connsiteY4"/>
-              </a:cxn>
-            </a:cxnLst>
-            <a:rect l="l" t="t" r="r" b="b"/>
-            <a:pathLst>
-              <a:path w="4090010" h="3609045">
-                <a:moveTo>
-                  <a:pt x="0" y="3585617"/>
-                </a:moveTo>
-                <a:lnTo>
-                  <a:pt x="1909478" y="0"/>
-                </a:lnTo>
-                <a:lnTo>
-                  <a:pt x="4090010" y="12456"/>
-                </a:lnTo>
-                <a:cubicBezTo>
-                  <a:pt x="4086230" y="1211076"/>
-                  <a:pt x="4084838" y="2410425"/>
-                  <a:pt x="4081058" y="3609045"/>
-                </a:cubicBezTo>
-                <a:lnTo>
-                  <a:pt x="0" y="3585617"/>
-                </a:lnTo>
-                <a:close/>
-              </a:path>
-            </a:pathLst>
-          </a:custGeom>
-          <a:solidFill>
-            <a:schemeClr val="accent1">
-              <a:alpha val="95000"/>
-            </a:schemeClr>
-          </a:solidFill>
-          <a:ln>
-            <a:noFill/>
-          </a:ln>
-        </p:spPr>
-        <p:style>
-          <a:lnRef idx="2">
-            <a:schemeClr val="accent1">
-              <a:shade val="50000"/>
-            </a:schemeClr>
-          </a:lnRef>
-          <a:fillRef idx="1">
-            <a:schemeClr val="accent1"/>
-          </a:fillRef>
-          <a:effectRef idx="0">
-            <a:schemeClr val="accent1"/>
-          </a:effectRef>
-          <a:fontRef idx="minor">
-            <a:schemeClr val="lt1"/>
-          </a:fontRef>
-        </p:style>
-        <p:txBody>
-          <a:bodyPr rtlCol="0" anchor="ctr"/>
-          <a:lstStyle/>
-          <a:p>
-            <a:pPr algn="ctr"/>
-            <a:endParaRPr lang="en-US" sz="2400"/>
-          </a:p>
-        </p:txBody>
-      </p:sp>
-      <p:sp>
-        <p:nvSpPr>
-          <p:cNvPr id="6" name="Rectangle 5"/>
-          <p:cNvSpPr/>
-          <p:nvPr/>
-        </p:nvSpPr>
-        <p:spPr>
-          <a:xfrm>
-            <a:off x="6257097" y="3571657"/>
-            <a:ext cx="4026593" cy="666977"/>
-          </a:xfrm>
-          <a:prstGeom prst="rect">
-            <a:avLst/>
-          </a:prstGeom>
-          <a:noFill/>
-        </p:spPr>
-        <p:txBody>
-          <a:bodyPr wrap="square">
-            <a:spAutoFit/>
-          </a:bodyPr>
-          <a:lstStyle/>
-          <a:p>
-            <a:pPr algn="l"/>
-            <a:r>
-              <a:rPr lang="en-US" sz="1867" b="1" dirty="0">
-                <a:solidFill>
-                  <a:schemeClr val="tx1"/>
-                </a:solidFill>
-              </a:rPr>
-              <a:t>Download the </a:t>
-            </a:r>
-            <a:r>
-              <a:rPr lang="en-US" sz="1867" b="1" dirty="0" err="1">
-                <a:solidFill>
-                  <a:schemeClr val="tx1"/>
-                </a:solidFill>
-              </a:rPr>
-              <a:t>GuideBook</a:t>
-            </a:r>
-            <a:r>
-              <a:rPr lang="en-US" sz="1867" b="1" dirty="0">
-                <a:solidFill>
-                  <a:schemeClr val="tx1"/>
-                </a:solidFill>
-              </a:rPr>
-              <a:t> App </a:t>
-            </a:r>
-            <a:r>
-              <a:rPr lang="en-US" sz="1867" dirty="0">
-                <a:solidFill>
-                  <a:schemeClr val="tx1"/>
-                </a:solidFill>
-              </a:rPr>
-              <a:t>and search: PASS </a:t>
-            </a:r>
-            <a:r>
-              <a:rPr lang="en-US" sz="1867">
-                <a:solidFill>
-                  <a:schemeClr val="tx1"/>
-                </a:solidFill>
-              </a:rPr>
-              <a:t>Summit 2018</a:t>
-            </a:r>
-            <a:endParaRPr lang="en-US" sz="1867" dirty="0">
-              <a:solidFill>
-                <a:schemeClr val="tx1"/>
-              </a:solidFill>
-            </a:endParaRPr>
-          </a:p>
-        </p:txBody>
-      </p:sp>
-      <p:sp>
-        <p:nvSpPr>
-          <p:cNvPr id="7" name="Rectangle 6"/>
-          <p:cNvSpPr/>
-          <p:nvPr/>
-        </p:nvSpPr>
-        <p:spPr>
-          <a:xfrm>
-            <a:off x="6257097" y="4505741"/>
-            <a:ext cx="5150377" cy="954300"/>
-          </a:xfrm>
-          <a:prstGeom prst="rect">
-            <a:avLst/>
-          </a:prstGeom>
-          <a:noFill/>
-        </p:spPr>
-        <p:txBody>
-          <a:bodyPr wrap="square">
-            <a:spAutoFit/>
-          </a:bodyPr>
-          <a:lstStyle/>
-          <a:p>
-            <a:pPr algn="l"/>
-            <a:r>
-              <a:rPr lang="en-US" sz="1867" b="1" dirty="0">
-                <a:solidFill>
-                  <a:schemeClr val="tx1"/>
-                </a:solidFill>
-              </a:rPr>
-              <a:t>Follow the QR code link </a:t>
-            </a:r>
-            <a:r>
-              <a:rPr lang="en-US" sz="1867" dirty="0">
-                <a:solidFill>
-                  <a:schemeClr val="tx1"/>
-                </a:solidFill>
-              </a:rPr>
-              <a:t>displayed on session signage throughout the conference venue and in the program guide</a:t>
-            </a:r>
-          </a:p>
-        </p:txBody>
-      </p:sp>
-      <p:grpSp>
-        <p:nvGrpSpPr>
-          <p:cNvPr id="21" name="Group 20">
-            <a:extLst>
-              <a:ext uri="{FF2B5EF4-FFF2-40B4-BE49-F238E27FC236}">
-                <a16:creationId xmlns:a16="http://schemas.microsoft.com/office/drawing/2014/main" id="{64A7E925-4825-6E47-AD25-FD742CB023B8}"/>
-              </a:ext>
-            </a:extLst>
-          </p:cNvPr>
-          <p:cNvGrpSpPr/>
-          <p:nvPr/>
-        </p:nvGrpSpPr>
-        <p:grpSpPr>
-          <a:xfrm>
-            <a:off x="570484" y="2260159"/>
-            <a:ext cx="3503429" cy="2391715"/>
-            <a:chOff x="427863" y="1753641"/>
-            <a:chExt cx="2627572" cy="1793786"/>
-          </a:xfrm>
-        </p:grpSpPr>
-        <p:sp>
-          <p:nvSpPr>
-            <p:cNvPr id="16" name="Title 3">
-              <a:extLst>
-                <a:ext uri="{FF2B5EF4-FFF2-40B4-BE49-F238E27FC236}">
-                  <a16:creationId xmlns:a16="http://schemas.microsoft.com/office/drawing/2014/main" id="{BC4B708F-5E57-EF4F-B838-B187FA1F3C9C}"/>
-                </a:ext>
-              </a:extLst>
-            </p:cNvPr>
-            <p:cNvSpPr txBox="1">
-              <a:spLocks/>
-            </p:cNvSpPr>
-            <p:nvPr/>
-          </p:nvSpPr>
-          <p:spPr>
-            <a:xfrm>
-              <a:off x="427863" y="1753641"/>
-              <a:ext cx="2627572" cy="1243983"/>
-            </a:xfrm>
-            <a:prstGeom prst="rect">
-              <a:avLst/>
-            </a:prstGeom>
-          </p:spPr>
-          <p:txBody>
-            <a:bodyPr vert="horz" lIns="91440" tIns="45720" rIns="91440" bIns="45720" rtlCol="0" anchor="t">
-              <a:noAutofit/>
-            </a:bodyPr>
-            <a:lstStyle>
-              <a:lvl1pPr marL="0" marR="0" indent="0" algn="l" defTabSz="457200" rtl="0" eaLnBrk="1" fontAlgn="auto" latinLnBrk="0" hangingPunct="1">
-                <a:lnSpc>
-                  <a:spcPts val="3500"/>
-                </a:lnSpc>
-                <a:spcBef>
-                  <a:spcPct val="0"/>
-                </a:spcBef>
-                <a:spcAft>
-                  <a:spcPts val="0"/>
-                </a:spcAft>
-                <a:buClrTx/>
-                <a:buSzTx/>
-                <a:buFontTx/>
-                <a:buNone/>
-                <a:tabLst/>
-                <a:defRPr kumimoji="0" lang="en-US" sz="3600" b="0" i="0" u="none" strike="noStrike" kern="1200" cap="none" spc="0" normalizeH="0" baseline="0">
-                  <a:ln>
-                    <a:noFill/>
-                  </a:ln>
-                  <a:solidFill>
-                    <a:schemeClr val="tx2"/>
-                  </a:solidFill>
-                  <a:effectLst/>
-                  <a:uLnTx/>
-                  <a:uFillTx/>
-                  <a:latin typeface="Segoe UI Light" charset="0"/>
-                  <a:ea typeface="Segoe UI Light" charset="0"/>
-                  <a:cs typeface="Segoe UI Light" charset="0"/>
-                </a:defRPr>
-              </a:lvl1pPr>
-            </a:lstStyle>
-            <a:p>
-              <a:pPr marL="0" indent="0" algn="l">
-                <a:lnSpc>
-                  <a:spcPct val="90000"/>
-                </a:lnSpc>
-                <a:tabLst>
-                  <a:tab pos="5784706" algn="l"/>
-                </a:tabLst>
-              </a:pPr>
-              <a:r>
-                <a:rPr lang="en-US" sz="5333" dirty="0">
-                  <a:solidFill>
-                    <a:schemeClr val="bg2"/>
-                  </a:solidFill>
-                </a:rPr>
-                <a:t>Session evaluations</a:t>
-              </a:r>
-            </a:p>
-          </p:txBody>
-        </p:sp>
-        <p:sp>
-          <p:nvSpPr>
-            <p:cNvPr id="8" name="Rectangle 7"/>
-            <p:cNvSpPr/>
-            <p:nvPr/>
-          </p:nvSpPr>
-          <p:spPr>
-            <a:xfrm>
-              <a:off x="427863" y="3108846"/>
-              <a:ext cx="1973431" cy="438581"/>
-            </a:xfrm>
-            <a:prstGeom prst="rect">
-              <a:avLst/>
-            </a:prstGeom>
-          </p:spPr>
-          <p:txBody>
-            <a:bodyPr wrap="square">
-              <a:spAutoFit/>
-            </a:bodyPr>
-            <a:lstStyle/>
-            <a:p>
-              <a:pPr marL="0" marR="0" lvl="0" indent="0" algn="l" defTabSz="1219170" rtl="0" eaLnBrk="1" fontAlgn="auto" latinLnBrk="0" hangingPunct="1">
-                <a:lnSpc>
-                  <a:spcPct val="100000"/>
-                </a:lnSpc>
-                <a:spcBef>
-                  <a:spcPts val="0"/>
-                </a:spcBef>
-                <a:spcAft>
-                  <a:spcPts val="0"/>
-                </a:spcAft>
-                <a:buClrTx/>
-                <a:buSzTx/>
-                <a:buFontTx/>
-                <a:buNone/>
-                <a:tabLst/>
-                <a:defRPr/>
-              </a:pPr>
-              <a:r>
-                <a:rPr lang="en-US" sz="1600" b="0" kern="1200" spc="27" dirty="0">
-                  <a:solidFill>
-                    <a:schemeClr val="bg2"/>
-                  </a:solidFill>
-                  <a:latin typeface="+mn-lt"/>
-                  <a:ea typeface="+mn-ea"/>
-                  <a:cs typeface="+mn-cs"/>
-                </a:rPr>
-                <a:t>Your feedback is important and valuable. </a:t>
-              </a:r>
-            </a:p>
-          </p:txBody>
-        </p:sp>
-      </p:grpSp>
-      <p:sp>
-        <p:nvSpPr>
-          <p:cNvPr id="12" name="Rectangle 11"/>
-          <p:cNvSpPr/>
-          <p:nvPr/>
-        </p:nvSpPr>
-        <p:spPr>
-          <a:xfrm>
-            <a:off x="6257097" y="2736984"/>
-            <a:ext cx="3673323" cy="379656"/>
-          </a:xfrm>
-          <a:prstGeom prst="rect">
-            <a:avLst/>
-          </a:prstGeom>
-          <a:noFill/>
-        </p:spPr>
-        <p:txBody>
-          <a:bodyPr wrap="square">
-            <a:spAutoFit/>
-          </a:bodyPr>
-          <a:lstStyle/>
-          <a:p>
-            <a:pPr algn="l"/>
-            <a:r>
-              <a:rPr lang="en-US" sz="1867" b="1" dirty="0">
-                <a:solidFill>
-                  <a:schemeClr val="tx1"/>
-                </a:solidFill>
-              </a:rPr>
-              <a:t>Go to </a:t>
-            </a:r>
-            <a:r>
-              <a:rPr lang="en-US" sz="1867" b="1" dirty="0" err="1">
-                <a:solidFill>
-                  <a:schemeClr val="tx1"/>
-                </a:solidFill>
-              </a:rPr>
-              <a:t>passSummit.com</a:t>
-            </a:r>
-            <a:endParaRPr lang="en-US" sz="1867" b="1" dirty="0">
-              <a:solidFill>
-                <a:schemeClr val="tx1"/>
-              </a:solidFill>
-            </a:endParaRPr>
-          </a:p>
-        </p:txBody>
-      </p:sp>
-      <p:sp>
-        <p:nvSpPr>
-          <p:cNvPr id="13" name="Rounded Rectangle 12"/>
-          <p:cNvSpPr/>
-          <p:nvPr/>
-        </p:nvSpPr>
-        <p:spPr>
-          <a:xfrm>
-            <a:off x="5215005" y="1589755"/>
-            <a:ext cx="5142897" cy="623623"/>
-          </a:xfrm>
-          <a:prstGeom prst="roundRect">
-            <a:avLst/>
-          </a:prstGeom>
-          <a:noFill/>
-          <a:ln>
-            <a:noFill/>
-          </a:ln>
-        </p:spPr>
-        <p:style>
-          <a:lnRef idx="2">
-            <a:schemeClr val="accent1">
-              <a:shade val="50000"/>
-            </a:schemeClr>
-          </a:lnRef>
-          <a:fillRef idx="1">
-            <a:schemeClr val="accent1"/>
-          </a:fillRef>
-          <a:effectRef idx="0">
-            <a:schemeClr val="accent1"/>
-          </a:effectRef>
-          <a:fontRef idx="minor">
-            <a:schemeClr val="lt1"/>
-          </a:fontRef>
-        </p:style>
-        <p:txBody>
-          <a:bodyPr rtlCol="0" anchor="ctr"/>
-          <a:lstStyle/>
-          <a:p>
-            <a:pPr algn="l">
-              <a:lnSpc>
-                <a:spcPct val="90000"/>
-              </a:lnSpc>
-            </a:pPr>
-            <a:r>
-              <a:rPr lang="en-US" sz="2667" b="0" i="0" dirty="0">
-                <a:solidFill>
-                  <a:schemeClr val="tx1"/>
-                </a:solidFill>
-                <a:latin typeface="Segoe UI Semilight" panose="020B0402040204020203" pitchFamily="34" charset="0"/>
-                <a:cs typeface="Segoe UI Semilight" panose="020B0402040204020203" pitchFamily="34" charset="0"/>
-              </a:rPr>
-              <a:t>3 Ways to Access:</a:t>
-            </a:r>
-          </a:p>
-        </p:txBody>
-      </p:sp>
-      <p:sp>
-        <p:nvSpPr>
-          <p:cNvPr id="2" name="Oval 1">
-            <a:extLst>
-              <a:ext uri="{FF2B5EF4-FFF2-40B4-BE49-F238E27FC236}">
-                <a16:creationId xmlns:a16="http://schemas.microsoft.com/office/drawing/2014/main" id="{00752758-76F5-184A-8EE1-EC3242319256}"/>
-              </a:ext>
-            </a:extLst>
-          </p:cNvPr>
-          <p:cNvSpPr/>
-          <p:nvPr/>
-        </p:nvSpPr>
-        <p:spPr>
-          <a:xfrm>
-            <a:off x="5244547" y="4562662"/>
-            <a:ext cx="764188" cy="764188"/>
-          </a:xfrm>
-          <a:prstGeom prst="ellipse">
-            <a:avLst/>
-          </a:prstGeom>
-          <a:solidFill>
-            <a:schemeClr val="accent6"/>
-          </a:solidFill>
-          <a:ln>
-            <a:noFill/>
-          </a:ln>
-        </p:spPr>
-        <p:style>
-          <a:lnRef idx="2">
-            <a:schemeClr val="accent1">
-              <a:shade val="50000"/>
-            </a:schemeClr>
-          </a:lnRef>
-          <a:fillRef idx="1">
-            <a:schemeClr val="accent1"/>
-          </a:fillRef>
-          <a:effectRef idx="0">
-            <a:schemeClr val="accent1"/>
-          </a:effectRef>
-          <a:fontRef idx="minor">
-            <a:schemeClr val="lt1"/>
-          </a:fontRef>
-        </p:style>
-        <p:txBody>
-          <a:bodyPr rtlCol="0" anchor="ctr"/>
-          <a:lstStyle/>
-          <a:p>
-            <a:pPr algn="ctr"/>
-            <a:endParaRPr lang="en-US" sz="2400"/>
-          </a:p>
-        </p:txBody>
-      </p:sp>
-      <p:sp>
-        <p:nvSpPr>
-          <p:cNvPr id="17" name="Oval 16">
-            <a:extLst>
-              <a:ext uri="{FF2B5EF4-FFF2-40B4-BE49-F238E27FC236}">
-                <a16:creationId xmlns:a16="http://schemas.microsoft.com/office/drawing/2014/main" id="{CFFC3D44-54A3-C040-A113-95D60DF7873D}"/>
-              </a:ext>
-            </a:extLst>
-          </p:cNvPr>
-          <p:cNvSpPr/>
-          <p:nvPr/>
-        </p:nvSpPr>
-        <p:spPr>
-          <a:xfrm>
-            <a:off x="5244547" y="3559542"/>
-            <a:ext cx="764188" cy="764188"/>
-          </a:xfrm>
-          <a:prstGeom prst="ellipse">
-            <a:avLst/>
-          </a:prstGeom>
-          <a:solidFill>
-            <a:schemeClr val="accent6"/>
-          </a:solidFill>
-          <a:ln>
-            <a:noFill/>
-          </a:ln>
-        </p:spPr>
-        <p:style>
-          <a:lnRef idx="2">
-            <a:schemeClr val="accent1">
-              <a:shade val="50000"/>
-            </a:schemeClr>
-          </a:lnRef>
-          <a:fillRef idx="1">
-            <a:schemeClr val="accent1"/>
-          </a:fillRef>
-          <a:effectRef idx="0">
-            <a:schemeClr val="accent1"/>
-          </a:effectRef>
-          <a:fontRef idx="minor">
-            <a:schemeClr val="lt1"/>
-          </a:fontRef>
-        </p:style>
-        <p:txBody>
-          <a:bodyPr rtlCol="0" anchor="ctr"/>
-          <a:lstStyle/>
-          <a:p>
-            <a:pPr algn="ctr"/>
-            <a:endParaRPr lang="en-US" sz="2400"/>
-          </a:p>
-        </p:txBody>
-      </p:sp>
-      <p:sp>
-        <p:nvSpPr>
-          <p:cNvPr id="18" name="Oval 17">
-            <a:extLst>
-              <a:ext uri="{FF2B5EF4-FFF2-40B4-BE49-F238E27FC236}">
-                <a16:creationId xmlns:a16="http://schemas.microsoft.com/office/drawing/2014/main" id="{9C47C74B-A372-604B-8ECF-2065895E6DB5}"/>
-              </a:ext>
-            </a:extLst>
-          </p:cNvPr>
-          <p:cNvSpPr/>
-          <p:nvPr/>
-        </p:nvSpPr>
-        <p:spPr>
-          <a:xfrm>
-            <a:off x="5244547" y="2578127"/>
-            <a:ext cx="764188" cy="764188"/>
-          </a:xfrm>
-          <a:prstGeom prst="ellipse">
-            <a:avLst/>
-          </a:prstGeom>
-          <a:solidFill>
-            <a:schemeClr val="accent6"/>
-          </a:solidFill>
-          <a:ln>
-            <a:noFill/>
-          </a:ln>
-        </p:spPr>
-        <p:style>
-          <a:lnRef idx="2">
-            <a:schemeClr val="accent1">
-              <a:shade val="50000"/>
-            </a:schemeClr>
-          </a:lnRef>
-          <a:fillRef idx="1">
-            <a:schemeClr val="accent1"/>
-          </a:fillRef>
-          <a:effectRef idx="0">
-            <a:schemeClr val="accent1"/>
-          </a:effectRef>
-          <a:fontRef idx="minor">
-            <a:schemeClr val="lt1"/>
-          </a:fontRef>
-        </p:style>
-        <p:txBody>
-          <a:bodyPr rtlCol="0" anchor="ctr"/>
-          <a:lstStyle/>
-          <a:p>
-            <a:pPr algn="ctr"/>
-            <a:endParaRPr lang="en-US" sz="2400"/>
-          </a:p>
-        </p:txBody>
-      </p:sp>
-      <p:sp>
-        <p:nvSpPr>
-          <p:cNvPr id="9" name="Shape 2683"/>
-          <p:cNvSpPr/>
-          <p:nvPr/>
-        </p:nvSpPr>
-        <p:spPr>
-          <a:xfrm>
-            <a:off x="5503927" y="2747585"/>
-            <a:ext cx="314563" cy="435928"/>
-          </a:xfrm>
-          <a:custGeom>
-            <a:avLst/>
-            <a:gdLst/>
-            <a:ahLst/>
-            <a:cxnLst>
-              <a:cxn ang="0">
-                <a:pos x="wd2" y="hd2"/>
-              </a:cxn>
-              <a:cxn ang="5400000">
-                <a:pos x="wd2" y="hd2"/>
-              </a:cxn>
-              <a:cxn ang="10800000">
-                <a:pos x="wd2" y="hd2"/>
-              </a:cxn>
-              <a:cxn ang="16200000">
-                <a:pos x="wd2" y="hd2"/>
-              </a:cxn>
-            </a:cxnLst>
-            <a:rect l="0" t="0" r="r" b="b"/>
-            <a:pathLst>
-              <a:path w="21505" h="21528" extrusionOk="0">
-                <a:moveTo>
-                  <a:pt x="13441" y="9294"/>
-                </a:moveTo>
-                <a:lnTo>
-                  <a:pt x="13441" y="9784"/>
-                </a:lnTo>
-                <a:lnTo>
-                  <a:pt x="1344" y="9784"/>
-                </a:lnTo>
-                <a:lnTo>
-                  <a:pt x="1344" y="9294"/>
-                </a:lnTo>
-                <a:cubicBezTo>
-                  <a:pt x="1344" y="7028"/>
-                  <a:pt x="3696" y="5163"/>
-                  <a:pt x="6720" y="4919"/>
-                </a:cubicBezTo>
-                <a:lnTo>
-                  <a:pt x="6720" y="9784"/>
-                </a:lnTo>
-                <a:lnTo>
-                  <a:pt x="8065" y="9784"/>
-                </a:lnTo>
-                <a:lnTo>
-                  <a:pt x="8065" y="4919"/>
-                </a:lnTo>
-                <a:cubicBezTo>
-                  <a:pt x="11089" y="5163"/>
-                  <a:pt x="13441" y="7028"/>
-                  <a:pt x="13441" y="9294"/>
-                </a:cubicBezTo>
-                <a:moveTo>
-                  <a:pt x="13441" y="16145"/>
-                </a:moveTo>
-                <a:cubicBezTo>
-                  <a:pt x="13441" y="18578"/>
-                  <a:pt x="10733" y="20549"/>
-                  <a:pt x="7393" y="20549"/>
-                </a:cubicBezTo>
-                <a:cubicBezTo>
-                  <a:pt x="4052" y="20549"/>
-                  <a:pt x="1344" y="18578"/>
-                  <a:pt x="1344" y="16145"/>
-                </a:cubicBezTo>
-                <a:lnTo>
-                  <a:pt x="1344" y="10762"/>
-                </a:lnTo>
-                <a:lnTo>
-                  <a:pt x="13441" y="10762"/>
-                </a:lnTo>
-                <a:cubicBezTo>
-                  <a:pt x="13441" y="10762"/>
-                  <a:pt x="13441" y="16145"/>
-                  <a:pt x="13441" y="16145"/>
-                </a:cubicBezTo>
-                <a:close/>
-                <a:moveTo>
-                  <a:pt x="21134" y="48"/>
-                </a:moveTo>
-                <a:cubicBezTo>
-                  <a:pt x="20801" y="-72"/>
-                  <a:pt x="20436" y="41"/>
-                  <a:pt x="20232" y="268"/>
-                </a:cubicBezTo>
-                <a:cubicBezTo>
-                  <a:pt x="18723" y="1944"/>
-                  <a:pt x="16716" y="3504"/>
-                  <a:pt x="13069" y="2006"/>
-                </a:cubicBezTo>
-                <a:cubicBezTo>
-                  <a:pt x="10993" y="1153"/>
-                  <a:pt x="9603" y="1431"/>
-                  <a:pt x="8642" y="1862"/>
-                </a:cubicBezTo>
-                <a:cubicBezTo>
-                  <a:pt x="7655" y="2307"/>
-                  <a:pt x="6969" y="3089"/>
-                  <a:pt x="6778" y="3935"/>
-                </a:cubicBezTo>
-                <a:cubicBezTo>
-                  <a:pt x="2984" y="4162"/>
-                  <a:pt x="0" y="6473"/>
-                  <a:pt x="0" y="9294"/>
-                </a:cubicBezTo>
-                <a:lnTo>
-                  <a:pt x="0" y="16145"/>
-                </a:lnTo>
-                <a:cubicBezTo>
-                  <a:pt x="0" y="19118"/>
-                  <a:pt x="3310" y="21528"/>
-                  <a:pt x="7393" y="21528"/>
-                </a:cubicBezTo>
-                <a:cubicBezTo>
-                  <a:pt x="11475" y="21528"/>
-                  <a:pt x="14785" y="19118"/>
-                  <a:pt x="14785" y="16145"/>
-                </a:cubicBezTo>
-                <a:lnTo>
-                  <a:pt x="14785" y="9294"/>
-                </a:lnTo>
-                <a:cubicBezTo>
-                  <a:pt x="14785" y="6507"/>
-                  <a:pt x="11875" y="4215"/>
-                  <a:pt x="8146" y="3940"/>
-                </a:cubicBezTo>
-                <a:cubicBezTo>
-                  <a:pt x="8301" y="3479"/>
-                  <a:pt x="8690" y="2991"/>
-                  <a:pt x="9348" y="2695"/>
-                </a:cubicBezTo>
-                <a:cubicBezTo>
-                  <a:pt x="10308" y="2263"/>
-                  <a:pt x="10946" y="2328"/>
-                  <a:pt x="12468" y="2882"/>
-                </a:cubicBezTo>
-                <a:cubicBezTo>
-                  <a:pt x="15022" y="3811"/>
-                  <a:pt x="16657" y="3572"/>
-                  <a:pt x="17947" y="3206"/>
-                </a:cubicBezTo>
-                <a:cubicBezTo>
-                  <a:pt x="19526" y="2759"/>
-                  <a:pt x="20650" y="1847"/>
-                  <a:pt x="21434" y="705"/>
-                </a:cubicBezTo>
-                <a:cubicBezTo>
-                  <a:pt x="21600" y="463"/>
-                  <a:pt x="21466" y="170"/>
-                  <a:pt x="21134" y="48"/>
-                </a:cubicBezTo>
-                <a:moveTo>
-                  <a:pt x="7393" y="18592"/>
-                </a:moveTo>
-                <a:cubicBezTo>
-                  <a:pt x="8134" y="18592"/>
-                  <a:pt x="8737" y="18153"/>
-                  <a:pt x="8737" y="17613"/>
-                </a:cubicBezTo>
-                <a:cubicBezTo>
-                  <a:pt x="8737" y="17073"/>
-                  <a:pt x="8134" y="16635"/>
-                  <a:pt x="7393" y="16635"/>
-                </a:cubicBezTo>
-                <a:cubicBezTo>
-                  <a:pt x="6650" y="16635"/>
-                  <a:pt x="6048" y="17073"/>
-                  <a:pt x="6048" y="17613"/>
-                </a:cubicBezTo>
-                <a:cubicBezTo>
-                  <a:pt x="6048" y="18153"/>
-                  <a:pt x="6650" y="18592"/>
-                  <a:pt x="7393" y="18592"/>
-                </a:cubicBezTo>
-              </a:path>
-            </a:pathLst>
-          </a:custGeom>
-          <a:solidFill>
-            <a:schemeClr val="bg2"/>
-          </a:solidFill>
-          <a:ln w="12700">
-            <a:noFill/>
-            <a:miter lim="400000"/>
-          </a:ln>
-        </p:spPr>
-        <p:txBody>
-          <a:bodyPr lIns="25393" tIns="25393" rIns="25393" bIns="25393" anchor="ctr"/>
-          <a:lstStyle/>
-          <a:p>
-            <a:pPr defTabSz="304702">
-              <a:defRPr sz="3000" cap="none">
-                <a:solidFill>
-                  <a:srgbClr val="FFFFFF"/>
-                </a:solidFill>
-                <a:effectLst>
-                  <a:outerShdw blurRad="38100" dist="12700" dir="5400000" rotWithShape="0">
-                    <a:srgbClr val="000000">
-                      <a:alpha val="50000"/>
-                    </a:srgbClr>
-                  </a:outerShdw>
-                </a:effectLst>
-                <a:latin typeface="Gill Sans"/>
-                <a:ea typeface="Gill Sans"/>
-                <a:cs typeface="Gill Sans"/>
-                <a:sym typeface="Gill Sans"/>
-              </a:defRPr>
-            </a:pPr>
-            <a:endParaRPr sz="2000">
-              <a:solidFill>
-                <a:srgbClr val="FFFFFF"/>
-              </a:solidFill>
-              <a:effectLst>
-                <a:outerShdw blurRad="38100" dist="12700" dir="5400000" rotWithShape="0">
-                  <a:srgbClr val="000000">
-                    <a:alpha val="50000"/>
-                  </a:srgbClr>
-                </a:outerShdw>
-              </a:effectLst>
-              <a:latin typeface="Gill Sans"/>
-              <a:ea typeface="Gill Sans"/>
-              <a:cs typeface="Gill Sans"/>
-              <a:sym typeface="Gill Sans"/>
-            </a:endParaRPr>
-          </a:p>
-        </p:txBody>
-      </p:sp>
-      <p:sp>
-        <p:nvSpPr>
-          <p:cNvPr id="10" name="Shape 2847"/>
-          <p:cNvSpPr/>
-          <p:nvPr/>
-        </p:nvSpPr>
-        <p:spPr>
-          <a:xfrm>
-            <a:off x="5436357" y="3761292"/>
-            <a:ext cx="377961" cy="377961"/>
-          </a:xfrm>
-          <a:custGeom>
-            <a:avLst/>
-            <a:gdLst/>
-            <a:ahLst/>
-            <a:cxnLst>
-              <a:cxn ang="0">
-                <a:pos x="wd2" y="hd2"/>
-              </a:cxn>
-              <a:cxn ang="5400000">
-                <a:pos x="wd2" y="hd2"/>
-              </a:cxn>
-              <a:cxn ang="10800000">
-                <a:pos x="wd2" y="hd2"/>
-              </a:cxn>
-              <a:cxn ang="16200000">
-                <a:pos x="wd2" y="hd2"/>
-              </a:cxn>
-            </a:cxnLst>
-            <a:rect l="0" t="0" r="r" b="b"/>
-            <a:pathLst>
-              <a:path w="21600" h="21600" extrusionOk="0">
-                <a:moveTo>
-                  <a:pt x="18634" y="6292"/>
-                </a:moveTo>
-                <a:cubicBezTo>
-                  <a:pt x="18643" y="6159"/>
-                  <a:pt x="18655" y="6026"/>
-                  <a:pt x="18655" y="5891"/>
-                </a:cubicBezTo>
-                <a:cubicBezTo>
-                  <a:pt x="18655" y="2638"/>
-                  <a:pt x="16017" y="0"/>
-                  <a:pt x="12764" y="0"/>
-                </a:cubicBezTo>
-                <a:cubicBezTo>
-                  <a:pt x="10499" y="0"/>
-                  <a:pt x="8536" y="1279"/>
-                  <a:pt x="7550" y="3153"/>
-                </a:cubicBezTo>
-                <a:cubicBezTo>
-                  <a:pt x="7185" y="3021"/>
-                  <a:pt x="6793" y="2945"/>
-                  <a:pt x="6382" y="2945"/>
-                </a:cubicBezTo>
-                <a:cubicBezTo>
-                  <a:pt x="4484" y="2945"/>
-                  <a:pt x="2945" y="4484"/>
-                  <a:pt x="2945" y="6382"/>
-                </a:cubicBezTo>
-                <a:cubicBezTo>
-                  <a:pt x="2945" y="6629"/>
-                  <a:pt x="2973" y="6869"/>
-                  <a:pt x="3022" y="7101"/>
-                </a:cubicBezTo>
-                <a:cubicBezTo>
-                  <a:pt x="1267" y="7686"/>
-                  <a:pt x="0" y="9339"/>
-                  <a:pt x="0" y="11291"/>
-                </a:cubicBezTo>
-                <a:cubicBezTo>
-                  <a:pt x="0" y="13731"/>
-                  <a:pt x="1978" y="15709"/>
-                  <a:pt x="4418" y="15709"/>
-                </a:cubicBezTo>
-                <a:lnTo>
-                  <a:pt x="8836" y="15709"/>
-                </a:lnTo>
-                <a:cubicBezTo>
-                  <a:pt x="9108" y="15709"/>
-                  <a:pt x="9327" y="15489"/>
-                  <a:pt x="9327" y="15218"/>
-                </a:cubicBezTo>
-                <a:cubicBezTo>
-                  <a:pt x="9327" y="14947"/>
-                  <a:pt x="9108" y="14727"/>
-                  <a:pt x="8836" y="14727"/>
-                </a:cubicBezTo>
-                <a:lnTo>
-                  <a:pt x="4418" y="14727"/>
-                </a:lnTo>
-                <a:cubicBezTo>
-                  <a:pt x="2524" y="14727"/>
-                  <a:pt x="982" y="13185"/>
-                  <a:pt x="982" y="11291"/>
-                </a:cubicBezTo>
-                <a:cubicBezTo>
-                  <a:pt x="982" y="9810"/>
-                  <a:pt x="1926" y="8502"/>
-                  <a:pt x="3333" y="8033"/>
-                </a:cubicBezTo>
-                <a:lnTo>
-                  <a:pt x="4165" y="7756"/>
-                </a:lnTo>
-                <a:lnTo>
-                  <a:pt x="3982" y="6897"/>
-                </a:lnTo>
-                <a:cubicBezTo>
-                  <a:pt x="3946" y="6725"/>
-                  <a:pt x="3927" y="6551"/>
-                  <a:pt x="3927" y="6382"/>
-                </a:cubicBezTo>
-                <a:cubicBezTo>
-                  <a:pt x="3927" y="5028"/>
-                  <a:pt x="5028" y="3927"/>
-                  <a:pt x="6382" y="3927"/>
-                </a:cubicBezTo>
-                <a:cubicBezTo>
-                  <a:pt x="6662" y="3927"/>
-                  <a:pt x="6942" y="3977"/>
-                  <a:pt x="7215" y="4077"/>
-                </a:cubicBezTo>
-                <a:lnTo>
-                  <a:pt x="8019" y="4368"/>
-                </a:lnTo>
-                <a:lnTo>
-                  <a:pt x="8418" y="3611"/>
-                </a:lnTo>
-                <a:cubicBezTo>
-                  <a:pt x="9272" y="1989"/>
-                  <a:pt x="10937" y="982"/>
-                  <a:pt x="12764" y="982"/>
-                </a:cubicBezTo>
-                <a:cubicBezTo>
-                  <a:pt x="15470" y="982"/>
-                  <a:pt x="17673" y="3184"/>
-                  <a:pt x="17673" y="5891"/>
-                </a:cubicBezTo>
-                <a:cubicBezTo>
-                  <a:pt x="17673" y="5977"/>
-                  <a:pt x="17666" y="6060"/>
-                  <a:pt x="17660" y="6145"/>
-                </a:cubicBezTo>
-                <a:lnTo>
-                  <a:pt x="17655" y="6229"/>
-                </a:lnTo>
-                <a:lnTo>
-                  <a:pt x="17610" y="6920"/>
-                </a:lnTo>
-                <a:lnTo>
-                  <a:pt x="18245" y="7194"/>
-                </a:lnTo>
-                <a:cubicBezTo>
-                  <a:pt x="19686" y="7816"/>
-                  <a:pt x="20618" y="9232"/>
-                  <a:pt x="20618" y="10800"/>
-                </a:cubicBezTo>
-                <a:cubicBezTo>
-                  <a:pt x="20618" y="12965"/>
-                  <a:pt x="18856" y="14727"/>
-                  <a:pt x="16691" y="14727"/>
-                </a:cubicBezTo>
-                <a:lnTo>
-                  <a:pt x="12764" y="14727"/>
-                </a:lnTo>
-                <a:cubicBezTo>
-                  <a:pt x="12492" y="14727"/>
-                  <a:pt x="12273" y="14947"/>
-                  <a:pt x="12273" y="15218"/>
-                </a:cubicBezTo>
-                <a:cubicBezTo>
-                  <a:pt x="12273" y="15489"/>
-                  <a:pt x="12492" y="15709"/>
-                  <a:pt x="12764" y="15709"/>
-                </a:cubicBezTo>
-                <a:lnTo>
-                  <a:pt x="16691" y="15709"/>
-                </a:lnTo>
-                <a:cubicBezTo>
-                  <a:pt x="19401" y="15709"/>
-                  <a:pt x="21600" y="13511"/>
-                  <a:pt x="21600" y="10800"/>
-                </a:cubicBezTo>
-                <a:cubicBezTo>
-                  <a:pt x="21600" y="8780"/>
-                  <a:pt x="20378" y="7045"/>
-                  <a:pt x="18634" y="6292"/>
-                </a:cubicBezTo>
-                <a:moveTo>
-                  <a:pt x="13745" y="17673"/>
-                </a:moveTo>
-                <a:cubicBezTo>
-                  <a:pt x="13610" y="17673"/>
-                  <a:pt x="13488" y="17728"/>
-                  <a:pt x="13398" y="17817"/>
-                </a:cubicBezTo>
-                <a:lnTo>
-                  <a:pt x="11291" y="19924"/>
-                </a:lnTo>
-                <a:lnTo>
-                  <a:pt x="11291" y="8346"/>
-                </a:lnTo>
-                <a:cubicBezTo>
-                  <a:pt x="11291" y="8074"/>
-                  <a:pt x="11071" y="7855"/>
-                  <a:pt x="10800" y="7855"/>
-                </a:cubicBezTo>
-                <a:cubicBezTo>
-                  <a:pt x="10529" y="7855"/>
-                  <a:pt x="10309" y="8074"/>
-                  <a:pt x="10309" y="8346"/>
-                </a:cubicBezTo>
-                <a:lnTo>
-                  <a:pt x="10309" y="19924"/>
-                </a:lnTo>
-                <a:lnTo>
-                  <a:pt x="8202" y="17817"/>
-                </a:lnTo>
-                <a:cubicBezTo>
-                  <a:pt x="8113" y="17728"/>
-                  <a:pt x="7990" y="17673"/>
-                  <a:pt x="7855" y="17673"/>
-                </a:cubicBezTo>
-                <a:cubicBezTo>
-                  <a:pt x="7583" y="17673"/>
-                  <a:pt x="7364" y="17893"/>
-                  <a:pt x="7364" y="18164"/>
-                </a:cubicBezTo>
-                <a:cubicBezTo>
-                  <a:pt x="7364" y="18300"/>
-                  <a:pt x="7419" y="18422"/>
-                  <a:pt x="7507" y="18511"/>
-                </a:cubicBezTo>
-                <a:lnTo>
-                  <a:pt x="10453" y="21456"/>
-                </a:lnTo>
-                <a:cubicBezTo>
-                  <a:pt x="10542" y="21545"/>
-                  <a:pt x="10664" y="21600"/>
-                  <a:pt x="10800" y="21600"/>
-                </a:cubicBezTo>
-                <a:cubicBezTo>
-                  <a:pt x="10936" y="21600"/>
-                  <a:pt x="11058" y="21545"/>
-                  <a:pt x="11147" y="21456"/>
-                </a:cubicBezTo>
-                <a:lnTo>
-                  <a:pt x="14093" y="18511"/>
-                </a:lnTo>
-                <a:cubicBezTo>
-                  <a:pt x="14182" y="18422"/>
-                  <a:pt x="14236" y="18300"/>
-                  <a:pt x="14236" y="18164"/>
-                </a:cubicBezTo>
-                <a:cubicBezTo>
-                  <a:pt x="14236" y="17893"/>
-                  <a:pt x="14017" y="17673"/>
-                  <a:pt x="13745" y="17673"/>
-                </a:cubicBezTo>
-              </a:path>
-            </a:pathLst>
-          </a:custGeom>
-          <a:solidFill>
-            <a:schemeClr val="bg2"/>
-          </a:solidFill>
-          <a:ln w="12700">
-            <a:noFill/>
-            <a:miter lim="400000"/>
-          </a:ln>
-        </p:spPr>
-        <p:txBody>
-          <a:bodyPr lIns="25393" tIns="25393" rIns="25393" bIns="25393" anchor="ctr"/>
-          <a:lstStyle/>
-          <a:p>
-            <a:pPr defTabSz="304702">
-              <a:defRPr sz="3000" cap="none">
-                <a:solidFill>
-                  <a:srgbClr val="FFFFFF"/>
-                </a:solidFill>
-                <a:effectLst>
-                  <a:outerShdw blurRad="38100" dist="12700" dir="5400000" rotWithShape="0">
-                    <a:srgbClr val="000000">
-                      <a:alpha val="50000"/>
-                    </a:srgbClr>
-                  </a:outerShdw>
-                </a:effectLst>
-                <a:latin typeface="Gill Sans"/>
-                <a:ea typeface="Gill Sans"/>
-                <a:cs typeface="Gill Sans"/>
-                <a:sym typeface="Gill Sans"/>
-              </a:defRPr>
-            </a:pPr>
-            <a:endParaRPr sz="2000">
-              <a:solidFill>
-                <a:srgbClr val="FFFFFF"/>
-              </a:solidFill>
-              <a:effectLst>
-                <a:outerShdw blurRad="38100" dist="12700" dir="5400000" rotWithShape="0">
-                  <a:srgbClr val="000000">
-                    <a:alpha val="50000"/>
-                  </a:srgbClr>
-                </a:outerShdw>
-              </a:effectLst>
-              <a:latin typeface="Gill Sans"/>
-              <a:ea typeface="Gill Sans"/>
-              <a:cs typeface="Gill Sans"/>
-              <a:sym typeface="Gill Sans"/>
-            </a:endParaRPr>
-          </a:p>
-        </p:txBody>
-      </p:sp>
-      <p:sp>
-        <p:nvSpPr>
-          <p:cNvPr id="11" name="Shape 2643"/>
-          <p:cNvSpPr/>
-          <p:nvPr/>
-        </p:nvSpPr>
-        <p:spPr>
-          <a:xfrm>
-            <a:off x="5517474" y="4737327"/>
-            <a:ext cx="222876" cy="408607"/>
-          </a:xfrm>
-          <a:custGeom>
-            <a:avLst/>
-            <a:gdLst/>
-            <a:ahLst/>
-            <a:cxnLst>
-              <a:cxn ang="0">
-                <a:pos x="wd2" y="hd2"/>
-              </a:cxn>
-              <a:cxn ang="5400000">
-                <a:pos x="wd2" y="hd2"/>
-              </a:cxn>
-              <a:cxn ang="10800000">
-                <a:pos x="wd2" y="hd2"/>
-              </a:cxn>
-              <a:cxn ang="16200000">
-                <a:pos x="wd2" y="hd2"/>
-              </a:cxn>
-            </a:cxnLst>
-            <a:rect l="0" t="0" r="r" b="b"/>
-            <a:pathLst>
-              <a:path w="21600" h="21600" extrusionOk="0">
-                <a:moveTo>
-                  <a:pt x="11700" y="1473"/>
-                </a:moveTo>
-                <a:lnTo>
-                  <a:pt x="9900" y="1473"/>
-                </a:lnTo>
-                <a:cubicBezTo>
-                  <a:pt x="9403" y="1473"/>
-                  <a:pt x="9000" y="1692"/>
-                  <a:pt x="9000" y="1964"/>
-                </a:cubicBezTo>
-                <a:cubicBezTo>
-                  <a:pt x="9000" y="2235"/>
-                  <a:pt x="9403" y="2455"/>
-                  <a:pt x="9900" y="2455"/>
-                </a:cubicBezTo>
-                <a:lnTo>
-                  <a:pt x="11700" y="2455"/>
-                </a:lnTo>
-                <a:cubicBezTo>
-                  <a:pt x="12197" y="2455"/>
-                  <a:pt x="12600" y="2235"/>
-                  <a:pt x="12600" y="1964"/>
-                </a:cubicBezTo>
-                <a:cubicBezTo>
-                  <a:pt x="12600" y="1692"/>
-                  <a:pt x="12197" y="1473"/>
-                  <a:pt x="11700" y="1473"/>
-                </a:cubicBezTo>
-                <a:moveTo>
-                  <a:pt x="19800" y="2945"/>
-                </a:moveTo>
-                <a:lnTo>
-                  <a:pt x="1800" y="2945"/>
-                </a:lnTo>
-                <a:lnTo>
-                  <a:pt x="1800" y="1964"/>
-                </a:lnTo>
-                <a:cubicBezTo>
-                  <a:pt x="1800" y="1422"/>
-                  <a:pt x="2605" y="982"/>
-                  <a:pt x="3600" y="982"/>
-                </a:cubicBezTo>
-                <a:lnTo>
-                  <a:pt x="18000" y="982"/>
-                </a:lnTo>
-                <a:cubicBezTo>
-                  <a:pt x="18993" y="982"/>
-                  <a:pt x="19800" y="1422"/>
-                  <a:pt x="19800" y="1964"/>
-                </a:cubicBezTo>
-                <a:cubicBezTo>
-                  <a:pt x="19800" y="1964"/>
-                  <a:pt x="19800" y="2945"/>
-                  <a:pt x="19800" y="2945"/>
-                </a:cubicBezTo>
-                <a:close/>
-                <a:moveTo>
-                  <a:pt x="19800" y="17673"/>
-                </a:moveTo>
-                <a:lnTo>
-                  <a:pt x="1800" y="17673"/>
-                </a:lnTo>
-                <a:lnTo>
-                  <a:pt x="1800" y="3927"/>
-                </a:lnTo>
-                <a:lnTo>
-                  <a:pt x="19800" y="3927"/>
-                </a:lnTo>
-                <a:cubicBezTo>
-                  <a:pt x="19800" y="3927"/>
-                  <a:pt x="19800" y="17673"/>
-                  <a:pt x="19800" y="17673"/>
-                </a:cubicBezTo>
-                <a:close/>
-                <a:moveTo>
-                  <a:pt x="19800" y="19636"/>
-                </a:moveTo>
-                <a:cubicBezTo>
-                  <a:pt x="19800" y="20179"/>
-                  <a:pt x="18993" y="20618"/>
-                  <a:pt x="18000" y="20618"/>
-                </a:cubicBezTo>
-                <a:lnTo>
-                  <a:pt x="3600" y="20618"/>
-                </a:lnTo>
-                <a:cubicBezTo>
-                  <a:pt x="2605" y="20618"/>
-                  <a:pt x="1800" y="20179"/>
-                  <a:pt x="1800" y="19636"/>
-                </a:cubicBezTo>
-                <a:lnTo>
-                  <a:pt x="1800" y="18655"/>
-                </a:lnTo>
-                <a:lnTo>
-                  <a:pt x="19800" y="18655"/>
-                </a:lnTo>
-                <a:cubicBezTo>
-                  <a:pt x="19800" y="18655"/>
-                  <a:pt x="19800" y="19636"/>
-                  <a:pt x="19800" y="19636"/>
-                </a:cubicBezTo>
-                <a:close/>
-                <a:moveTo>
-                  <a:pt x="18000" y="0"/>
-                </a:moveTo>
-                <a:lnTo>
-                  <a:pt x="3600" y="0"/>
-                </a:lnTo>
-                <a:cubicBezTo>
-                  <a:pt x="1612" y="0"/>
-                  <a:pt x="0" y="879"/>
-                  <a:pt x="0" y="1964"/>
-                </a:cubicBezTo>
-                <a:lnTo>
-                  <a:pt x="0" y="19636"/>
-                </a:lnTo>
-                <a:cubicBezTo>
-                  <a:pt x="0" y="20721"/>
-                  <a:pt x="1612" y="21600"/>
-                  <a:pt x="3600" y="21600"/>
-                </a:cubicBezTo>
-                <a:lnTo>
-                  <a:pt x="18000" y="21600"/>
-                </a:lnTo>
-                <a:cubicBezTo>
-                  <a:pt x="19988" y="21600"/>
-                  <a:pt x="21600" y="20721"/>
-                  <a:pt x="21600" y="19636"/>
-                </a:cubicBezTo>
-                <a:lnTo>
-                  <a:pt x="21600" y="1964"/>
-                </a:lnTo>
-                <a:cubicBezTo>
-                  <a:pt x="21600" y="879"/>
-                  <a:pt x="19988" y="0"/>
-                  <a:pt x="18000" y="0"/>
-                </a:cubicBezTo>
-                <a:moveTo>
-                  <a:pt x="10800" y="20127"/>
-                </a:moveTo>
-                <a:cubicBezTo>
-                  <a:pt x="11297" y="20127"/>
-                  <a:pt x="11700" y="19908"/>
-                  <a:pt x="11700" y="19636"/>
-                </a:cubicBezTo>
-                <a:cubicBezTo>
-                  <a:pt x="11700" y="19366"/>
-                  <a:pt x="11297" y="19145"/>
-                  <a:pt x="10800" y="19145"/>
-                </a:cubicBezTo>
-                <a:cubicBezTo>
-                  <a:pt x="10303" y="19145"/>
-                  <a:pt x="9900" y="19366"/>
-                  <a:pt x="9900" y="19636"/>
-                </a:cubicBezTo>
-                <a:cubicBezTo>
-                  <a:pt x="9900" y="19908"/>
-                  <a:pt x="10303" y="20127"/>
-                  <a:pt x="10800" y="20127"/>
-                </a:cubicBezTo>
-              </a:path>
-            </a:pathLst>
-          </a:custGeom>
-          <a:solidFill>
-            <a:schemeClr val="bg2"/>
-          </a:solidFill>
-          <a:ln w="12700">
-            <a:noFill/>
-            <a:miter lim="400000"/>
-          </a:ln>
-        </p:spPr>
-        <p:txBody>
-          <a:bodyPr lIns="25393" tIns="25393" rIns="25393" bIns="25393" anchor="ctr"/>
-          <a:lstStyle/>
-          <a:p>
-            <a:pPr defTabSz="304702">
-              <a:defRPr sz="3000" cap="none">
-                <a:solidFill>
-                  <a:srgbClr val="FFFFFF"/>
-                </a:solidFill>
-                <a:effectLst>
-                  <a:outerShdw blurRad="38100" dist="12700" dir="5400000" rotWithShape="0">
-                    <a:srgbClr val="000000">
-                      <a:alpha val="50000"/>
-                    </a:srgbClr>
-                  </a:outerShdw>
-                </a:effectLst>
-                <a:latin typeface="Gill Sans"/>
-                <a:ea typeface="Gill Sans"/>
-                <a:cs typeface="Gill Sans"/>
-                <a:sym typeface="Gill Sans"/>
-              </a:defRPr>
-            </a:pPr>
-            <a:endParaRPr sz="2000">
-              <a:solidFill>
-                <a:srgbClr val="FFFFFF"/>
-              </a:solidFill>
-              <a:effectLst>
-                <a:outerShdw blurRad="38100" dist="12700" dir="5400000" rotWithShape="0">
-                  <a:srgbClr val="000000">
-                    <a:alpha val="50000"/>
-                  </a:srgbClr>
-                </a:outerShdw>
-              </a:effectLst>
-              <a:latin typeface="Gill Sans"/>
-              <a:ea typeface="Gill Sans"/>
-              <a:cs typeface="Gill Sans"/>
-              <a:sym typeface="Gill Sans"/>
-            </a:endParaRPr>
-          </a:p>
-        </p:txBody>
-      </p:sp>
-      <p:sp>
-        <p:nvSpPr>
-          <p:cNvPr id="20" name="Rectangle 19">
-            <a:extLst>
-              <a:ext uri="{FF2B5EF4-FFF2-40B4-BE49-F238E27FC236}">
-                <a16:creationId xmlns:a16="http://schemas.microsoft.com/office/drawing/2014/main" id="{C3BC0F7E-50A9-1647-9004-1F486225797C}"/>
-              </a:ext>
-            </a:extLst>
-          </p:cNvPr>
-          <p:cNvSpPr/>
-          <p:nvPr/>
-        </p:nvSpPr>
-        <p:spPr>
-          <a:xfrm>
-            <a:off x="5244546" y="1204641"/>
-            <a:ext cx="6438569" cy="379656"/>
-          </a:xfrm>
-          <a:prstGeom prst="rect">
-            <a:avLst/>
-          </a:prstGeom>
-        </p:spPr>
-        <p:txBody>
-          <a:bodyPr wrap="square">
-            <a:spAutoFit/>
-          </a:bodyPr>
-          <a:lstStyle/>
-          <a:p>
-            <a:pPr marL="0" marR="0" lvl="0" indent="0" algn="l" defTabSz="1219170" rtl="0" eaLnBrk="1" fontAlgn="auto" latinLnBrk="0" hangingPunct="1">
-              <a:lnSpc>
-                <a:spcPct val="100000"/>
-              </a:lnSpc>
-              <a:spcBef>
-                <a:spcPts val="0"/>
-              </a:spcBef>
-              <a:spcAft>
-                <a:spcPts val="0"/>
-              </a:spcAft>
-              <a:buClrTx/>
-              <a:buSzTx/>
-              <a:buFontTx/>
-              <a:buNone/>
-              <a:tabLst/>
-              <a:defRPr/>
-            </a:pPr>
-            <a:r>
-              <a:rPr lang="en-US" sz="1867" b="1" kern="1200" spc="27" dirty="0">
-                <a:solidFill>
-                  <a:schemeClr val="accent6"/>
-                </a:solidFill>
-                <a:latin typeface="+mn-lt"/>
-                <a:ea typeface="+mn-ea"/>
-                <a:cs typeface="+mn-cs"/>
-              </a:rPr>
-              <a:t>Submit by 5pm Friday, November 16th to win prizes. </a:t>
-            </a:r>
-          </a:p>
-        </p:txBody>
-      </p:sp>
-    </p:spTree>
-    <p:extLst>
-      <p:ext uri="{BB962C8B-B14F-4D97-AF65-F5344CB8AC3E}">
-        <p14:creationId xmlns:p14="http://schemas.microsoft.com/office/powerpoint/2010/main" val="576797779"/>
-      </p:ext>
-    </p:extLst>
-  </p:cSld>
-  <p:clrMapOvr>
-    <a:masterClrMapping/>
-  </p:clrMapOvr>
-</p:sldLayout>
-</file>
-
-<file path=ppt/slideLayouts/slideLayout31.xml><?xml version="1.0" encoding="utf-8"?>
+<file path=ppt/slideLayouts/slideLayout28.xml><?xml version="1.0" encoding="utf-8"?>
 <p:sldLayout xmlns:a="http://schemas.openxmlformats.org/drawingml/2006/main" xmlns:r="http://schemas.openxmlformats.org/officeDocument/2006/relationships" xmlns:p="http://schemas.openxmlformats.org/presentationml/2006/main" showMasterSp="0" preserve="1">
   <p:cSld name="Thank You">
     <p:bg>
@@ -15586,41 +11308,6 @@
           </p:txBody>
         </p:sp>
       </p:grpSp>
-      <p:pic>
-        <p:nvPicPr>
-          <p:cNvPr id="13" name="Picture 12">
-            <a:extLst>
-              <a:ext uri="{FF2B5EF4-FFF2-40B4-BE49-F238E27FC236}">
-                <a16:creationId xmlns:a16="http://schemas.microsoft.com/office/drawing/2014/main" id="{9D8C10DC-BED7-4E4A-8BE1-DCD5CC819377}"/>
-              </a:ext>
-            </a:extLst>
-          </p:cNvPr>
-          <p:cNvPicPr>
-            <a:picLocks noChangeAspect="1"/>
-          </p:cNvPicPr>
-          <p:nvPr/>
-        </p:nvPicPr>
-        <p:blipFill rotWithShape="1">
-          <a:blip r:embed="rId2" cstate="print">
-            <a:extLst>
-              <a:ext uri="{28A0092B-C50C-407E-A947-70E740481C1C}">
-                <a14:useLocalDpi xmlns:a14="http://schemas.microsoft.com/office/drawing/2010/main"/>
-              </a:ext>
-            </a:extLst>
-          </a:blip>
-          <a:srcRect/>
-          <a:stretch/>
-        </p:blipFill>
-        <p:spPr>
-          <a:xfrm>
-            <a:off x="11025578" y="6308876"/>
-            <a:ext cx="934193" cy="396725"/>
-          </a:xfrm>
-          <a:prstGeom prst="rect">
-            <a:avLst/>
-          </a:prstGeom>
-        </p:spPr>
-      </p:pic>
     </p:spTree>
     <p:extLst>
       <p:ext uri="{BB962C8B-B14F-4D97-AF65-F5344CB8AC3E}">
@@ -15634,8 +11321,8 @@
 </p:sldLayout>
 </file>
 
-<file path=ppt/slideLayouts/slideLayout32.xml><?xml version="1.0" encoding="utf-8"?>
-<p:sldLayout xmlns:a="http://schemas.openxmlformats.org/drawingml/2006/main" xmlns:r="http://schemas.openxmlformats.org/officeDocument/2006/relationships" xmlns:p="http://schemas.openxmlformats.org/presentationml/2006/main">
+<file path=ppt/slideLayouts/slideLayout29.xml><?xml version="1.0" encoding="utf-8"?>
+<p:sldLayout xmlns:a="http://schemas.openxmlformats.org/drawingml/2006/main" xmlns:r="http://schemas.openxmlformats.org/officeDocument/2006/relationships" xmlns:p="http://schemas.openxmlformats.org/presentationml/2006/main" showMasterSp="0">
   <p:cSld name="1_Title Slide">
     <p:bg>
       <p:bgRef idx="1001">
@@ -15802,8 +11489,364 @@
 </p:sldLayout>
 </file>
 
-<file path=ppt/slideLayouts/slideLayout33.xml><?xml version="1.0" encoding="utf-8"?>
-<p:sldLayout xmlns:a="http://schemas.openxmlformats.org/drawingml/2006/main" xmlns:r="http://schemas.openxmlformats.org/officeDocument/2006/relationships" xmlns:p="http://schemas.openxmlformats.org/presentationml/2006/main" userDrawn="1">
+<file path=ppt/slideLayouts/slideLayout3.xml><?xml version="1.0" encoding="utf-8"?>
+<p:sldLayout xmlns:a="http://schemas.openxmlformats.org/drawingml/2006/main" xmlns:r="http://schemas.openxmlformats.org/officeDocument/2006/relationships" xmlns:p="http://schemas.openxmlformats.org/presentationml/2006/main" preserve="1">
+  <p:cSld name="Title and Content - Image">
+    <p:spTree>
+      <p:nvGrpSpPr>
+        <p:cNvPr id="1" name=""/>
+        <p:cNvGrpSpPr/>
+        <p:nvPr/>
+      </p:nvGrpSpPr>
+      <p:grpSpPr>
+        <a:xfrm>
+          <a:off x="0" y="0"/>
+          <a:ext cx="0" cy="0"/>
+          <a:chOff x="0" y="0"/>
+          <a:chExt cx="0" cy="0"/>
+        </a:xfrm>
+      </p:grpSpPr>
+      <p:sp>
+        <p:nvSpPr>
+          <p:cNvPr id="5" name="Title Placeholder 1"/>
+          <p:cNvSpPr>
+            <a:spLocks noGrp="1"/>
+          </p:cNvSpPr>
+          <p:nvPr>
+            <p:ph type="title"/>
+          </p:nvPr>
+        </p:nvSpPr>
+        <p:spPr>
+          <a:xfrm>
+            <a:off x="527990" y="413678"/>
+            <a:ext cx="6639293" cy="664889"/>
+          </a:xfrm>
+          <a:prstGeom prst="rect">
+            <a:avLst/>
+          </a:prstGeom>
+        </p:spPr>
+        <p:txBody>
+          <a:bodyPr vert="horz" lIns="91440" tIns="45720" rIns="91440" bIns="45720" rtlCol="0" anchor="b">
+            <a:normAutofit/>
+          </a:bodyPr>
+          <a:lstStyle>
+            <a:lvl1pPr>
+              <a:defRPr>
+                <a:latin typeface="+mj-lt"/>
+              </a:defRPr>
+            </a:lvl1pPr>
+          </a:lstStyle>
+          <a:p>
+            <a:r>
+              <a:rPr lang="en-US"/>
+              <a:t>Click to edit Master title style</a:t>
+            </a:r>
+            <a:endParaRPr lang="en-CA" dirty="0"/>
+          </a:p>
+        </p:txBody>
+      </p:sp>
+      <p:sp>
+        <p:nvSpPr>
+          <p:cNvPr id="10" name="Text Placeholder 30"/>
+          <p:cNvSpPr>
+            <a:spLocks noGrp="1"/>
+          </p:cNvSpPr>
+          <p:nvPr>
+            <p:ph type="body" sz="quarter" idx="10" hasCustomPrompt="1"/>
+          </p:nvPr>
+        </p:nvSpPr>
+        <p:spPr>
+          <a:xfrm>
+            <a:off x="544175" y="2366949"/>
+            <a:ext cx="6623108" cy="390525"/>
+          </a:xfrm>
+        </p:spPr>
+        <p:txBody>
+          <a:bodyPr anchor="b">
+            <a:noAutofit/>
+          </a:bodyPr>
+          <a:lstStyle>
+            <a:lvl1pPr marL="0" indent="0" algn="l" defTabSz="914400" rtl="0" eaLnBrk="1" latinLnBrk="0" hangingPunct="1">
+              <a:buNone/>
+              <a:defRPr lang="en-US" sz="2800" b="0" i="0" kern="1200" dirty="0" smtClean="0">
+                <a:solidFill>
+                  <a:schemeClr val="accent1"/>
+                </a:solidFill>
+                <a:latin typeface="+mj-lt"/>
+                <a:ea typeface="Segoe UI Semilight" charset="0"/>
+                <a:cs typeface="Segoe UI Semilight" charset="0"/>
+              </a:defRPr>
+            </a:lvl1pPr>
+          </a:lstStyle>
+          <a:p>
+            <a:pPr lvl="0"/>
+            <a:r>
+              <a:rPr lang="en-US" dirty="0"/>
+              <a:t>Heading one</a:t>
+            </a:r>
+          </a:p>
+        </p:txBody>
+      </p:sp>
+      <p:sp>
+        <p:nvSpPr>
+          <p:cNvPr id="11" name="Text Placeholder 32"/>
+          <p:cNvSpPr>
+            <a:spLocks noGrp="1"/>
+          </p:cNvSpPr>
+          <p:nvPr>
+            <p:ph type="body" sz="quarter" idx="11"/>
+          </p:nvPr>
+        </p:nvSpPr>
+        <p:spPr>
+          <a:xfrm>
+            <a:off x="544175" y="2773855"/>
+            <a:ext cx="6623108" cy="720219"/>
+          </a:xfrm>
+        </p:spPr>
+        <p:txBody>
+          <a:bodyPr>
+            <a:normAutofit/>
+          </a:bodyPr>
+          <a:lstStyle>
+            <a:lvl1pPr marL="0" indent="0" algn="l" defTabSz="914400" rtl="0" eaLnBrk="1" latinLnBrk="0" hangingPunct="1">
+              <a:buNone/>
+              <a:defRPr lang="en-US" sz="1400" kern="1200" dirty="0" smtClean="0">
+                <a:solidFill>
+                  <a:schemeClr val="bg2">
+                    <a:lumMod val="50000"/>
+                  </a:schemeClr>
+                </a:solidFill>
+                <a:latin typeface="+mn-lt"/>
+                <a:ea typeface="Gotham Light" charset="0"/>
+                <a:cs typeface="Gotham Light" charset="0"/>
+              </a:defRPr>
+            </a:lvl1pPr>
+          </a:lstStyle>
+          <a:p>
+            <a:pPr lvl="0"/>
+            <a:r>
+              <a:rPr lang="en-US"/>
+              <a:t>Edit Master text styles</a:t>
+            </a:r>
+          </a:p>
+        </p:txBody>
+      </p:sp>
+      <p:sp>
+        <p:nvSpPr>
+          <p:cNvPr id="12" name="Text Placeholder 30"/>
+          <p:cNvSpPr>
+            <a:spLocks noGrp="1"/>
+          </p:cNvSpPr>
+          <p:nvPr>
+            <p:ph type="body" sz="quarter" idx="12" hasCustomPrompt="1"/>
+          </p:nvPr>
+        </p:nvSpPr>
+        <p:spPr>
+          <a:xfrm>
+            <a:off x="544175" y="3488407"/>
+            <a:ext cx="6623108" cy="390525"/>
+          </a:xfrm>
+        </p:spPr>
+        <p:txBody>
+          <a:bodyPr anchor="b">
+            <a:normAutofit/>
+          </a:bodyPr>
+          <a:lstStyle>
+            <a:lvl1pPr marL="0" indent="0" algn="l" defTabSz="914400" rtl="0" eaLnBrk="1" latinLnBrk="0" hangingPunct="1">
+              <a:buNone/>
+              <a:defRPr lang="en-US" sz="2000" b="0" i="0" kern="1200" dirty="0" smtClean="0">
+                <a:solidFill>
+                  <a:schemeClr val="tx1"/>
+                </a:solidFill>
+                <a:latin typeface="Segoe UI Semilight" charset="0"/>
+                <a:ea typeface="Segoe UI Semilight" charset="0"/>
+                <a:cs typeface="Segoe UI Semilight" charset="0"/>
+              </a:defRPr>
+            </a:lvl1pPr>
+          </a:lstStyle>
+          <a:p>
+            <a:pPr lvl="0"/>
+            <a:r>
+              <a:rPr lang="en-US" dirty="0"/>
+              <a:t>Heading Two</a:t>
+            </a:r>
+          </a:p>
+        </p:txBody>
+      </p:sp>
+      <p:sp>
+        <p:nvSpPr>
+          <p:cNvPr id="13" name="Text Placeholder 32"/>
+          <p:cNvSpPr>
+            <a:spLocks noGrp="1"/>
+          </p:cNvSpPr>
+          <p:nvPr>
+            <p:ph type="body" sz="quarter" idx="13"/>
+          </p:nvPr>
+        </p:nvSpPr>
+        <p:spPr>
+          <a:xfrm>
+            <a:off x="544175" y="3895313"/>
+            <a:ext cx="6623108" cy="720219"/>
+          </a:xfrm>
+        </p:spPr>
+        <p:txBody>
+          <a:bodyPr>
+            <a:normAutofit/>
+          </a:bodyPr>
+          <a:lstStyle>
+            <a:lvl1pPr marL="0" indent="0" algn="l" defTabSz="914400" rtl="0" eaLnBrk="1" latinLnBrk="0" hangingPunct="1">
+              <a:buNone/>
+              <a:defRPr lang="en-US" sz="1400" kern="1200" dirty="0" smtClean="0">
+                <a:solidFill>
+                  <a:schemeClr val="bg2">
+                    <a:lumMod val="50000"/>
+                  </a:schemeClr>
+                </a:solidFill>
+                <a:latin typeface="+mn-lt"/>
+                <a:ea typeface="Gotham Light" charset="0"/>
+                <a:cs typeface="Gotham Light" charset="0"/>
+              </a:defRPr>
+            </a:lvl1pPr>
+          </a:lstStyle>
+          <a:p>
+            <a:pPr lvl="0"/>
+            <a:r>
+              <a:rPr lang="en-US"/>
+              <a:t>Edit Master text styles</a:t>
+            </a:r>
+          </a:p>
+        </p:txBody>
+      </p:sp>
+      <p:sp>
+        <p:nvSpPr>
+          <p:cNvPr id="14" name="Text Placeholder 30"/>
+          <p:cNvSpPr>
+            <a:spLocks noGrp="1"/>
+          </p:cNvSpPr>
+          <p:nvPr>
+            <p:ph type="body" sz="quarter" idx="14" hasCustomPrompt="1"/>
+          </p:nvPr>
+        </p:nvSpPr>
+        <p:spPr>
+          <a:xfrm>
+            <a:off x="544175" y="4626788"/>
+            <a:ext cx="6623108" cy="390525"/>
+          </a:xfrm>
+        </p:spPr>
+        <p:txBody>
+          <a:bodyPr anchor="b">
+            <a:normAutofit/>
+          </a:bodyPr>
+          <a:lstStyle>
+            <a:lvl1pPr marL="0" indent="0" algn="l" defTabSz="914400" rtl="0" eaLnBrk="1" latinLnBrk="0" hangingPunct="1">
+              <a:buNone/>
+              <a:defRPr lang="en-US" sz="1400" b="1" i="0" kern="1200" dirty="0" smtClean="0">
+                <a:solidFill>
+                  <a:schemeClr val="tx1"/>
+                </a:solidFill>
+                <a:latin typeface="+mn-lt"/>
+                <a:ea typeface="Gotham Light" charset="0"/>
+                <a:cs typeface="Gotham Light" charset="0"/>
+              </a:defRPr>
+            </a:lvl1pPr>
+          </a:lstStyle>
+          <a:p>
+            <a:pPr lvl="0"/>
+            <a:r>
+              <a:rPr lang="en-US" dirty="0"/>
+              <a:t>Heading Three</a:t>
+            </a:r>
+          </a:p>
+        </p:txBody>
+      </p:sp>
+      <p:sp>
+        <p:nvSpPr>
+          <p:cNvPr id="15" name="Text Placeholder 32"/>
+          <p:cNvSpPr>
+            <a:spLocks noGrp="1"/>
+          </p:cNvSpPr>
+          <p:nvPr>
+            <p:ph type="body" sz="quarter" idx="15"/>
+          </p:nvPr>
+        </p:nvSpPr>
+        <p:spPr>
+          <a:xfrm>
+            <a:off x="544175" y="5033694"/>
+            <a:ext cx="6623108" cy="720219"/>
+          </a:xfrm>
+        </p:spPr>
+        <p:txBody>
+          <a:bodyPr>
+            <a:normAutofit/>
+          </a:bodyPr>
+          <a:lstStyle>
+            <a:lvl1pPr marL="0" indent="0" algn="l" defTabSz="914400" rtl="0" eaLnBrk="1" latinLnBrk="0" hangingPunct="1">
+              <a:buNone/>
+              <a:defRPr lang="en-US" sz="1400" kern="1200" dirty="0" smtClean="0">
+                <a:solidFill>
+                  <a:schemeClr val="bg2">
+                    <a:lumMod val="50000"/>
+                  </a:schemeClr>
+                </a:solidFill>
+                <a:latin typeface="+mn-lt"/>
+                <a:ea typeface="Gotham Light" charset="0"/>
+                <a:cs typeface="Gotham Light" charset="0"/>
+              </a:defRPr>
+            </a:lvl1pPr>
+          </a:lstStyle>
+          <a:p>
+            <a:pPr lvl="0"/>
+            <a:r>
+              <a:rPr lang="en-US"/>
+              <a:t>Edit Master text styles</a:t>
+            </a:r>
+          </a:p>
+        </p:txBody>
+      </p:sp>
+      <p:pic>
+        <p:nvPicPr>
+          <p:cNvPr id="2" name="Picture 1"/>
+          <p:cNvPicPr>
+            <a:picLocks noChangeAspect="1"/>
+          </p:cNvPicPr>
+          <p:nvPr/>
+        </p:nvPicPr>
+        <p:blipFill rotWithShape="1">
+          <a:blip r:embed="rId2" cstate="print">
+            <a:extLst>
+              <a:ext uri="{28A0092B-C50C-407E-A947-70E740481C1C}">
+                <a14:useLocalDpi xmlns:a14="http://schemas.microsoft.com/office/drawing/2010/main" val="0"/>
+              </a:ext>
+            </a:extLst>
+          </a:blip>
+          <a:srcRect l="36625" r="31625"/>
+          <a:stretch/>
+        </p:blipFill>
+        <p:spPr>
+          <a:xfrm>
+            <a:off x="8321040" y="0"/>
+            <a:ext cx="3870960" cy="6858870"/>
+          </a:xfrm>
+          <a:prstGeom prst="rect">
+            <a:avLst/>
+          </a:prstGeom>
+        </p:spPr>
+      </p:pic>
+    </p:spTree>
+    <p:extLst>
+      <p:ext uri="{BB962C8B-B14F-4D97-AF65-F5344CB8AC3E}">
+        <p14:creationId xmlns:p14="http://schemas.microsoft.com/office/powerpoint/2010/main" val="872769278"/>
+      </p:ext>
+    </p:extLst>
+  </p:cSld>
+  <p:clrMapOvr>
+    <a:masterClrMapping/>
+  </p:clrMapOvr>
+</p:sldLayout>
+</file>
+
+<file path=ppt/slideLayouts/slideLayout30.xml><?xml version="1.0" encoding="utf-8"?>
+<p:sldLayout xmlns:a="http://schemas.openxmlformats.org/drawingml/2006/main" xmlns:r="http://schemas.openxmlformats.org/officeDocument/2006/relationships" xmlns:p="http://schemas.openxmlformats.org/presentationml/2006/main" showMasterSp="0" userDrawn="1">
   <p:cSld name="Biography">
     <p:spTree>
       <p:nvGrpSpPr>
@@ -18392,35 +14435,6 @@
           </a:p>
         </p:txBody>
       </p:sp>
-      <p:pic>
-        <p:nvPicPr>
-          <p:cNvPr id="7" name="Picture 6"/>
-          <p:cNvPicPr>
-            <a:picLocks noChangeAspect="1"/>
-          </p:cNvPicPr>
-          <p:nvPr/>
-        </p:nvPicPr>
-        <p:blipFill rotWithShape="1">
-          <a:blip r:embed="rId19" cstate="print">
-            <a:extLst>
-              <a:ext uri="{28A0092B-C50C-407E-A947-70E740481C1C}">
-                <a14:useLocalDpi xmlns:a14="http://schemas.microsoft.com/office/drawing/2010/main"/>
-              </a:ext>
-            </a:extLst>
-          </a:blip>
-          <a:srcRect/>
-          <a:stretch/>
-        </p:blipFill>
-        <p:spPr>
-          <a:xfrm>
-            <a:off x="11111031" y="6343804"/>
-            <a:ext cx="774703" cy="315105"/>
-          </a:xfrm>
-          <a:prstGeom prst="rect">
-            <a:avLst/>
-          </a:prstGeom>
-        </p:spPr>
-      </p:pic>
     </p:spTree>
     <p:extLst>
       <p:ext uri="{BB962C8B-B14F-4D97-AF65-F5344CB8AC3E}">
@@ -18432,21 +14446,18 @@
   <p:sldLayoutIdLst>
     <p:sldLayoutId id="2147483737" r:id="rId1"/>
     <p:sldLayoutId id="2147483757" r:id="rId2"/>
-    <p:sldLayoutId id="2147483738" r:id="rId3"/>
-    <p:sldLayoutId id="2147483739" r:id="rId4"/>
-    <p:sldLayoutId id="2147483740" r:id="rId5"/>
-    <p:sldLayoutId id="2147483741" r:id="rId6"/>
-    <p:sldLayoutId id="2147483742" r:id="rId7"/>
-    <p:sldLayoutId id="2147483743" r:id="rId8"/>
-    <p:sldLayoutId id="2147483744" r:id="rId9"/>
-    <p:sldLayoutId id="2147483745" r:id="rId10"/>
-    <p:sldLayoutId id="2147483746" r:id="rId11"/>
-    <p:sldLayoutId id="2147483747" r:id="rId12"/>
-    <p:sldLayoutId id="2147483748" r:id="rId13"/>
-    <p:sldLayoutId id="2147483749" r:id="rId14"/>
-    <p:sldLayoutId id="2147483750" r:id="rId15"/>
-    <p:sldLayoutId id="2147483752" r:id="rId16"/>
-    <p:sldLayoutId id="2147483755" r:id="rId17"/>
+    <p:sldLayoutId id="2147483740" r:id="rId3"/>
+    <p:sldLayoutId id="2147483741" r:id="rId4"/>
+    <p:sldLayoutId id="2147483742" r:id="rId5"/>
+    <p:sldLayoutId id="2147483743" r:id="rId6"/>
+    <p:sldLayoutId id="2147483744" r:id="rId7"/>
+    <p:sldLayoutId id="2147483745" r:id="rId8"/>
+    <p:sldLayoutId id="2147483746" r:id="rId9"/>
+    <p:sldLayoutId id="2147483747" r:id="rId10"/>
+    <p:sldLayoutId id="2147483748" r:id="rId11"/>
+    <p:sldLayoutId id="2147483750" r:id="rId12"/>
+    <p:sldLayoutId id="2147483752" r:id="rId13"/>
+    <p:sldLayoutId id="2147483755" r:id="rId14"/>
   </p:sldLayoutIdLst>
   <p:txStyles>
     <p:titleStyle>
@@ -18735,6 +14746,14 @@
 <file path=ppt/slides/slide1.xml><?xml version="1.0" encoding="utf-8"?>
 <p:sld xmlns:a="http://schemas.openxmlformats.org/drawingml/2006/main" xmlns:r="http://schemas.openxmlformats.org/officeDocument/2006/relationships" xmlns:p="http://schemas.openxmlformats.org/presentationml/2006/main">
   <p:cSld>
+    <p:bg>
+      <p:bgPr>
+        <a:solidFill>
+          <a:schemeClr val="bg2"/>
+        </a:solidFill>
+        <a:effectLst/>
+      </p:bgPr>
+    </p:bg>
     <p:spTree>
       <p:nvGrpSpPr>
         <p:cNvPr id="1" name=""/>
@@ -18955,42 +14974,6 @@
           </a:p>
         </p:txBody>
       </p:sp>
-      <p:sp>
-        <p:nvSpPr>
-          <p:cNvPr id="5" name="TextBox 4">
-            <a:extLst>
-              <a:ext uri="{FF2B5EF4-FFF2-40B4-BE49-F238E27FC236}">
-                <a16:creationId xmlns:a16="http://schemas.microsoft.com/office/drawing/2014/main" id="{B666C49B-F8EB-41B1-B3F8-7D63CE4C446D}"/>
-              </a:ext>
-            </a:extLst>
-          </p:cNvPr>
-          <p:cNvSpPr txBox="1"/>
-          <p:nvPr/>
-        </p:nvSpPr>
-        <p:spPr>
-          <a:xfrm>
-            <a:off x="9264650" y="6287643"/>
-            <a:ext cx="2768600" cy="369332"/>
-          </a:xfrm>
-          <a:prstGeom prst="rect">
-            <a:avLst/>
-          </a:prstGeom>
-          <a:noFill/>
-        </p:spPr>
-        <p:txBody>
-          <a:bodyPr wrap="square" rtlCol="0">
-            <a:spAutoFit/>
-          </a:bodyPr>
-          <a:lstStyle/>
-          <a:p>
-            <a:pPr algn="r"/>
-            <a:r>
-              <a:rPr lang="en-US" dirty="0"/>
-              <a:t>EF Core 2.0</a:t>
-            </a:r>
-          </a:p>
-        </p:txBody>
-      </p:sp>
     </p:spTree>
     <p:extLst>
       <p:ext uri="{BB962C8B-B14F-4D97-AF65-F5344CB8AC3E}">
@@ -19310,42 +15293,6 @@
               <a:t> == id);</a:t>
             </a:r>
             <a:endParaRPr lang="en-US" sz="3200" dirty="0"/>
-          </a:p>
-        </p:txBody>
-      </p:sp>
-      <p:sp>
-        <p:nvSpPr>
-          <p:cNvPr id="5" name="TextBox 4">
-            <a:extLst>
-              <a:ext uri="{FF2B5EF4-FFF2-40B4-BE49-F238E27FC236}">
-                <a16:creationId xmlns:a16="http://schemas.microsoft.com/office/drawing/2014/main" id="{C0C4C7F6-6B62-4836-82FE-B2A850665505}"/>
-              </a:ext>
-            </a:extLst>
-          </p:cNvPr>
-          <p:cNvSpPr txBox="1"/>
-          <p:nvPr/>
-        </p:nvSpPr>
-        <p:spPr>
-          <a:xfrm>
-            <a:off x="9264650" y="6287643"/>
-            <a:ext cx="2768600" cy="369332"/>
-          </a:xfrm>
-          <a:prstGeom prst="rect">
-            <a:avLst/>
-          </a:prstGeom>
-          <a:noFill/>
-        </p:spPr>
-        <p:txBody>
-          <a:bodyPr wrap="square" rtlCol="0">
-            <a:spAutoFit/>
-          </a:bodyPr>
-          <a:lstStyle/>
-          <a:p>
-            <a:pPr algn="r"/>
-            <a:r>
-              <a:rPr lang="en-US" dirty="0"/>
-              <a:t>EF Core 2.0</a:t>
-            </a:r>
           </a:p>
         </p:txBody>
       </p:sp>
@@ -26607,42 +22554,6 @@
           </a:p>
         </p:txBody>
       </p:sp>
-      <p:sp>
-        <p:nvSpPr>
-          <p:cNvPr id="6" name="TextBox 5">
-            <a:extLst>
-              <a:ext uri="{FF2B5EF4-FFF2-40B4-BE49-F238E27FC236}">
-                <a16:creationId xmlns:a16="http://schemas.microsoft.com/office/drawing/2014/main" id="{DBD5E8BA-F8B0-409F-A1C6-33FBB6B9F796}"/>
-              </a:ext>
-            </a:extLst>
-          </p:cNvPr>
-          <p:cNvSpPr txBox="1"/>
-          <p:nvPr/>
-        </p:nvSpPr>
-        <p:spPr>
-          <a:xfrm>
-            <a:off x="9264650" y="6287643"/>
-            <a:ext cx="2768600" cy="369332"/>
-          </a:xfrm>
-          <a:prstGeom prst="rect">
-            <a:avLst/>
-          </a:prstGeom>
-          <a:noFill/>
-        </p:spPr>
-        <p:txBody>
-          <a:bodyPr wrap="square" rtlCol="0">
-            <a:spAutoFit/>
-          </a:bodyPr>
-          <a:lstStyle/>
-          <a:p>
-            <a:pPr algn="r"/>
-            <a:r>
-              <a:rPr lang="en-US" dirty="0"/>
-              <a:t>EF Core 2.0</a:t>
-            </a:r>
-          </a:p>
-        </p:txBody>
-      </p:sp>
     </p:spTree>
     <p:extLst>
       <p:ext uri="{BB962C8B-B14F-4D97-AF65-F5344CB8AC3E}">
@@ -28481,42 +24392,6 @@
           </a:p>
         </p:txBody>
       </p:sp>
-      <p:sp>
-        <p:nvSpPr>
-          <p:cNvPr id="7" name="TextBox 6">
-            <a:extLst>
-              <a:ext uri="{FF2B5EF4-FFF2-40B4-BE49-F238E27FC236}">
-                <a16:creationId xmlns:a16="http://schemas.microsoft.com/office/drawing/2014/main" id="{F3BE17C1-9D15-458F-B171-37FC7C27F23A}"/>
-              </a:ext>
-            </a:extLst>
-          </p:cNvPr>
-          <p:cNvSpPr txBox="1"/>
-          <p:nvPr/>
-        </p:nvSpPr>
-        <p:spPr>
-          <a:xfrm>
-            <a:off x="9264650" y="6287643"/>
-            <a:ext cx="2768600" cy="369332"/>
-          </a:xfrm>
-          <a:prstGeom prst="rect">
-            <a:avLst/>
-          </a:prstGeom>
-          <a:noFill/>
-        </p:spPr>
-        <p:txBody>
-          <a:bodyPr wrap="square" rtlCol="0">
-            <a:spAutoFit/>
-          </a:bodyPr>
-          <a:lstStyle/>
-          <a:p>
-            <a:pPr algn="r"/>
-            <a:r>
-              <a:rPr lang="en-US" dirty="0"/>
-              <a:t>EF Core 2.0</a:t>
-            </a:r>
-          </a:p>
-        </p:txBody>
-      </p:sp>
     </p:spTree>
     <p:extLst>
       <p:ext uri="{BB962C8B-B14F-4D97-AF65-F5344CB8AC3E}">
@@ -29170,42 +25045,6 @@
                 <a:latin typeface="Monaco"/>
               </a:rPr>
               <a:t>();</a:t>
-            </a:r>
-          </a:p>
-        </p:txBody>
-      </p:sp>
-      <p:sp>
-        <p:nvSpPr>
-          <p:cNvPr id="5" name="TextBox 4">
-            <a:extLst>
-              <a:ext uri="{FF2B5EF4-FFF2-40B4-BE49-F238E27FC236}">
-                <a16:creationId xmlns:a16="http://schemas.microsoft.com/office/drawing/2014/main" id="{0643D8E9-C09E-4FE7-AAA8-C56F42AFF783}"/>
-              </a:ext>
-            </a:extLst>
-          </p:cNvPr>
-          <p:cNvSpPr txBox="1"/>
-          <p:nvPr/>
-        </p:nvSpPr>
-        <p:spPr>
-          <a:xfrm>
-            <a:off x="9264650" y="6287643"/>
-            <a:ext cx="2768600" cy="369332"/>
-          </a:xfrm>
-          <a:prstGeom prst="rect">
-            <a:avLst/>
-          </a:prstGeom>
-          <a:noFill/>
-        </p:spPr>
-        <p:txBody>
-          <a:bodyPr wrap="square" rtlCol="0">
-            <a:spAutoFit/>
-          </a:bodyPr>
-          <a:lstStyle/>
-          <a:p>
-            <a:pPr algn="r"/>
-            <a:r>
-              <a:rPr lang="en-US" dirty="0"/>
-              <a:t>EF Core 2.0</a:t>
             </a:r>
           </a:p>
         </p:txBody>
@@ -30194,42 +26033,6 @@
           </a:p>
         </p:txBody>
       </p:sp>
-      <p:sp>
-        <p:nvSpPr>
-          <p:cNvPr id="6" name="TextBox 5">
-            <a:extLst>
-              <a:ext uri="{FF2B5EF4-FFF2-40B4-BE49-F238E27FC236}">
-                <a16:creationId xmlns:a16="http://schemas.microsoft.com/office/drawing/2014/main" id="{DC5A66E6-DA6E-4462-9A16-ECADAD7A2257}"/>
-              </a:ext>
-            </a:extLst>
-          </p:cNvPr>
-          <p:cNvSpPr txBox="1"/>
-          <p:nvPr/>
-        </p:nvSpPr>
-        <p:spPr>
-          <a:xfrm>
-            <a:off x="9264650" y="6287643"/>
-            <a:ext cx="2768600" cy="369332"/>
-          </a:xfrm>
-          <a:prstGeom prst="rect">
-            <a:avLst/>
-          </a:prstGeom>
-          <a:noFill/>
-        </p:spPr>
-        <p:txBody>
-          <a:bodyPr wrap="square" rtlCol="0">
-            <a:spAutoFit/>
-          </a:bodyPr>
-          <a:lstStyle/>
-          <a:p>
-            <a:pPr algn="r"/>
-            <a:r>
-              <a:rPr lang="en-US" dirty="0"/>
-              <a:t>EF Core 2.0</a:t>
-            </a:r>
-          </a:p>
-        </p:txBody>
-      </p:sp>
     </p:spTree>
     <p:extLst>
       <p:ext uri="{BB962C8B-B14F-4D97-AF65-F5344CB8AC3E}">
@@ -31062,42 +26865,6 @@
           </a:p>
         </p:txBody>
       </p:sp>
-      <p:sp>
-        <p:nvSpPr>
-          <p:cNvPr id="4" name="TextBox 3">
-            <a:extLst>
-              <a:ext uri="{FF2B5EF4-FFF2-40B4-BE49-F238E27FC236}">
-                <a16:creationId xmlns:a16="http://schemas.microsoft.com/office/drawing/2014/main" id="{00665904-952C-465D-881D-2A8B9A799453}"/>
-              </a:ext>
-            </a:extLst>
-          </p:cNvPr>
-          <p:cNvSpPr txBox="1"/>
-          <p:nvPr/>
-        </p:nvSpPr>
-        <p:spPr>
-          <a:xfrm>
-            <a:off x="9264650" y="6287643"/>
-            <a:ext cx="2768600" cy="369332"/>
-          </a:xfrm>
-          <a:prstGeom prst="rect">
-            <a:avLst/>
-          </a:prstGeom>
-          <a:noFill/>
-        </p:spPr>
-        <p:txBody>
-          <a:bodyPr wrap="square" rtlCol="0">
-            <a:spAutoFit/>
-          </a:bodyPr>
-          <a:lstStyle/>
-          <a:p>
-            <a:pPr algn="r"/>
-            <a:r>
-              <a:rPr lang="en-US" dirty="0"/>
-              <a:t>EF Core 2.1</a:t>
-            </a:r>
-          </a:p>
-        </p:txBody>
-      </p:sp>
     </p:spTree>
     <p:extLst>
       <p:ext uri="{BB962C8B-B14F-4D97-AF65-F5344CB8AC3E}">
@@ -32114,42 +27881,6 @@
               <a:effectLst/>
               <a:latin typeface="Arial" panose="020B0604020202020204" pitchFamily="34" charset="0"/>
             </a:endParaRPr>
-          </a:p>
-        </p:txBody>
-      </p:sp>
-      <p:sp>
-        <p:nvSpPr>
-          <p:cNvPr id="4" name="TextBox 3">
-            <a:extLst>
-              <a:ext uri="{FF2B5EF4-FFF2-40B4-BE49-F238E27FC236}">
-                <a16:creationId xmlns:a16="http://schemas.microsoft.com/office/drawing/2014/main" id="{03BB3BD8-0D0C-4769-9F70-9F01D8CFCFFA}"/>
-              </a:ext>
-            </a:extLst>
-          </p:cNvPr>
-          <p:cNvSpPr txBox="1"/>
-          <p:nvPr/>
-        </p:nvSpPr>
-        <p:spPr>
-          <a:xfrm>
-            <a:off x="9264650" y="6287643"/>
-            <a:ext cx="2768600" cy="369332"/>
-          </a:xfrm>
-          <a:prstGeom prst="rect">
-            <a:avLst/>
-          </a:prstGeom>
-          <a:noFill/>
-        </p:spPr>
-        <p:txBody>
-          <a:bodyPr wrap="square" rtlCol="0">
-            <a:spAutoFit/>
-          </a:bodyPr>
-          <a:lstStyle/>
-          <a:p>
-            <a:pPr algn="r"/>
-            <a:r>
-              <a:rPr lang="en-US" dirty="0"/>
-              <a:t>EF Core 2.1</a:t>
-            </a:r>
           </a:p>
         </p:txBody>
       </p:sp>
@@ -33506,42 +29237,6 @@
           </a:p>
         </p:txBody>
       </p:sp>
-      <p:sp>
-        <p:nvSpPr>
-          <p:cNvPr id="4" name="TextBox 3">
-            <a:extLst>
-              <a:ext uri="{FF2B5EF4-FFF2-40B4-BE49-F238E27FC236}">
-                <a16:creationId xmlns:a16="http://schemas.microsoft.com/office/drawing/2014/main" id="{87F425F2-910B-40E9-8519-D2F3A64314BF}"/>
-              </a:ext>
-            </a:extLst>
-          </p:cNvPr>
-          <p:cNvSpPr txBox="1"/>
-          <p:nvPr/>
-        </p:nvSpPr>
-        <p:spPr>
-          <a:xfrm>
-            <a:off x="9264650" y="6287643"/>
-            <a:ext cx="2768600" cy="369332"/>
-          </a:xfrm>
-          <a:prstGeom prst="rect">
-            <a:avLst/>
-          </a:prstGeom>
-          <a:noFill/>
-        </p:spPr>
-        <p:txBody>
-          <a:bodyPr wrap="square" rtlCol="0">
-            <a:spAutoFit/>
-          </a:bodyPr>
-          <a:lstStyle/>
-          <a:p>
-            <a:pPr algn="r"/>
-            <a:r>
-              <a:rPr lang="en-US" dirty="0"/>
-              <a:t>EF Core 2.1</a:t>
-            </a:r>
-          </a:p>
-        </p:txBody>
-      </p:sp>
     </p:spTree>
     <p:extLst>
       <p:ext uri="{BB962C8B-B14F-4D97-AF65-F5344CB8AC3E}">
@@ -33653,7 +29348,7 @@
           <a:p>
             <a:r>
               <a:rPr lang="en-US" dirty="0"/>
-              <a:t>Lazy Loading Example</a:t>
+              <a:t>Lazy Loading Example: Proxies</a:t>
             </a:r>
           </a:p>
         </p:txBody>
@@ -33732,199 +29427,154 @@
               </a:spcAft>
             </a:pPr>
             <a:r>
-              <a:rPr lang="en-US" altLang="en-US" b="1" dirty="0">
-                <a:solidFill>
-                  <a:srgbClr val="000080"/>
-                </a:solidFill>
+              <a:rPr lang="en-US" altLang="en-US" dirty="0">
                 <a:latin typeface="Source Code Pro" panose="020B0509030403020204" pitchFamily="49" charset="0"/>
+                <a:ea typeface="Source Code Pro" panose="020B0509030403020204" pitchFamily="49" charset="0"/>
               </a:rPr>
               <a:t>protected override void </a:t>
             </a:r>
             <a:r>
               <a:rPr lang="en-US" altLang="en-US" dirty="0" err="1">
-                <a:solidFill>
-                  <a:srgbClr val="000000"/>
-                </a:solidFill>
                 <a:latin typeface="Source Code Pro" panose="020B0509030403020204" pitchFamily="49" charset="0"/>
+                <a:ea typeface="Source Code Pro" panose="020B0509030403020204" pitchFamily="49" charset="0"/>
               </a:rPr>
               <a:t>OnConfiguring</a:t>
             </a:r>
             <a:r>
               <a:rPr lang="en-US" altLang="en-US" dirty="0">
-                <a:solidFill>
-                  <a:srgbClr val="000000"/>
-                </a:solidFill>
                 <a:latin typeface="Source Code Pro" panose="020B0509030403020204" pitchFamily="49" charset="0"/>
+                <a:ea typeface="Source Code Pro" panose="020B0509030403020204" pitchFamily="49" charset="0"/>
               </a:rPr>
               <a:t>(</a:t>
             </a:r>
             <a:r>
               <a:rPr lang="en-US" altLang="en-US" dirty="0" err="1">
-                <a:solidFill>
-                  <a:srgbClr val="000000"/>
-                </a:solidFill>
                 <a:latin typeface="Source Code Pro" panose="020B0509030403020204" pitchFamily="49" charset="0"/>
+                <a:ea typeface="Source Code Pro" panose="020B0509030403020204" pitchFamily="49" charset="0"/>
               </a:rPr>
               <a:t>DbContextOptionsBuilder</a:t>
             </a:r>
             <a:r>
               <a:rPr lang="en-US" altLang="en-US" dirty="0">
-                <a:solidFill>
-                  <a:srgbClr val="000000"/>
-                </a:solidFill>
                 <a:latin typeface="Source Code Pro" panose="020B0509030403020204" pitchFamily="49" charset="0"/>
+                <a:ea typeface="Source Code Pro" panose="020B0509030403020204" pitchFamily="49" charset="0"/>
               </a:rPr>
               <a:t> </a:t>
             </a:r>
             <a:r>
               <a:rPr lang="en-US" altLang="en-US" dirty="0" err="1">
-                <a:solidFill>
-                  <a:srgbClr val="000000"/>
-                </a:solidFill>
                 <a:latin typeface="Source Code Pro" panose="020B0509030403020204" pitchFamily="49" charset="0"/>
+                <a:ea typeface="Source Code Pro" panose="020B0509030403020204" pitchFamily="49" charset="0"/>
               </a:rPr>
               <a:t>optionsBuilder</a:t>
             </a:r>
             <a:r>
               <a:rPr lang="en-US" altLang="en-US" dirty="0">
-                <a:solidFill>
-                  <a:srgbClr val="000000"/>
-                </a:solidFill>
                 <a:latin typeface="Source Code Pro" panose="020B0509030403020204" pitchFamily="49" charset="0"/>
+                <a:ea typeface="Source Code Pro" panose="020B0509030403020204" pitchFamily="49" charset="0"/>
               </a:rPr>
               <a:t>)</a:t>
             </a:r>
             <a:br>
               <a:rPr lang="en-US" altLang="en-US" dirty="0">
-                <a:solidFill>
-                  <a:srgbClr val="000000"/>
-                </a:solidFill>
                 <a:latin typeface="Source Code Pro" panose="020B0509030403020204" pitchFamily="49" charset="0"/>
+                <a:ea typeface="Source Code Pro" panose="020B0509030403020204" pitchFamily="49" charset="0"/>
               </a:rPr>
             </a:br>
             <a:r>
               <a:rPr lang="en-US" altLang="en-US" dirty="0">
-                <a:solidFill>
-                  <a:srgbClr val="000000"/>
-                </a:solidFill>
                 <a:latin typeface="Source Code Pro" panose="020B0509030403020204" pitchFamily="49" charset="0"/>
+                <a:ea typeface="Source Code Pro" panose="020B0509030403020204" pitchFamily="49" charset="0"/>
               </a:rPr>
               <a:t>{</a:t>
             </a:r>
             <a:br>
               <a:rPr lang="en-US" altLang="en-US" dirty="0">
-                <a:solidFill>
-                  <a:srgbClr val="000000"/>
-                </a:solidFill>
                 <a:latin typeface="Source Code Pro" panose="020B0509030403020204" pitchFamily="49" charset="0"/>
+                <a:ea typeface="Source Code Pro" panose="020B0509030403020204" pitchFamily="49" charset="0"/>
               </a:rPr>
             </a:br>
             <a:r>
               <a:rPr lang="en-US" altLang="en-US" dirty="0">
-                <a:solidFill>
-                  <a:srgbClr val="000000"/>
-                </a:solidFill>
                 <a:latin typeface="Source Code Pro" panose="020B0509030403020204" pitchFamily="49" charset="0"/>
+                <a:ea typeface="Source Code Pro" panose="020B0509030403020204" pitchFamily="49" charset="0"/>
               </a:rPr>
               <a:t>    </a:t>
             </a:r>
             <a:r>
               <a:rPr lang="en-US" altLang="en-US" dirty="0" err="1">
-                <a:solidFill>
-                  <a:srgbClr val="000000"/>
-                </a:solidFill>
                 <a:latin typeface="Source Code Pro" panose="020B0509030403020204" pitchFamily="49" charset="0"/>
+                <a:ea typeface="Source Code Pro" panose="020B0509030403020204" pitchFamily="49" charset="0"/>
               </a:rPr>
               <a:t>optionsBuilder.UseLazyLoadingProxies</a:t>
             </a:r>
             <a:r>
               <a:rPr lang="en-US" altLang="en-US" dirty="0">
-                <a:solidFill>
-                  <a:srgbClr val="000000"/>
-                </a:solidFill>
                 <a:latin typeface="Source Code Pro" panose="020B0509030403020204" pitchFamily="49" charset="0"/>
+                <a:ea typeface="Source Code Pro" panose="020B0509030403020204" pitchFamily="49" charset="0"/>
               </a:rPr>
               <a:t>().</a:t>
             </a:r>
             <a:br>
               <a:rPr lang="en-US" altLang="en-US" dirty="0">
-                <a:solidFill>
-                  <a:srgbClr val="000000"/>
-                </a:solidFill>
                 <a:latin typeface="Source Code Pro" panose="020B0509030403020204" pitchFamily="49" charset="0"/>
+                <a:ea typeface="Source Code Pro" panose="020B0509030403020204" pitchFamily="49" charset="0"/>
               </a:rPr>
             </a:br>
             <a:r>
               <a:rPr lang="en-US" altLang="en-US" dirty="0">
-                <a:solidFill>
-                  <a:srgbClr val="000000"/>
-                </a:solidFill>
                 <a:latin typeface="Source Code Pro" panose="020B0509030403020204" pitchFamily="49" charset="0"/>
+                <a:ea typeface="Source Code Pro" panose="020B0509030403020204" pitchFamily="49" charset="0"/>
               </a:rPr>
               <a:t>        </a:t>
             </a:r>
             <a:r>
               <a:rPr lang="en-US" altLang="en-US" dirty="0" err="1">
-                <a:solidFill>
-                  <a:srgbClr val="000000"/>
-                </a:solidFill>
                 <a:latin typeface="Source Code Pro" panose="020B0509030403020204" pitchFamily="49" charset="0"/>
+                <a:ea typeface="Source Code Pro" panose="020B0509030403020204" pitchFamily="49" charset="0"/>
               </a:rPr>
               <a:t>UseSqlServer</a:t>
             </a:r>
             <a:r>
               <a:rPr lang="en-US" altLang="en-US" dirty="0">
-                <a:solidFill>
-                  <a:srgbClr val="000000"/>
-                </a:solidFill>
                 <a:latin typeface="Source Code Pro" panose="020B0509030403020204" pitchFamily="49" charset="0"/>
+                <a:ea typeface="Source Code Pro" panose="020B0509030403020204" pitchFamily="49" charset="0"/>
               </a:rPr>
               <a:t>(</a:t>
             </a:r>
             <a:r>
-              <a:rPr lang="en-US" altLang="en-US" b="1" dirty="0" err="1">
-                <a:solidFill>
-                  <a:srgbClr val="008000"/>
-                </a:solidFill>
+              <a:rPr lang="en-US" altLang="en-US" dirty="0" err="1">
                 <a:latin typeface="Source Code Pro" panose="020B0509030403020204" pitchFamily="49" charset="0"/>
+                <a:ea typeface="Source Code Pro" panose="020B0509030403020204" pitchFamily="49" charset="0"/>
               </a:rPr>
               <a:t>myConnectionString</a:t>
             </a:r>
             <a:r>
               <a:rPr lang="en-US" altLang="en-US" dirty="0">
-                <a:solidFill>
-                  <a:srgbClr val="000000"/>
-                </a:solidFill>
                 <a:latin typeface="Source Code Pro" panose="020B0509030403020204" pitchFamily="49" charset="0"/>
+                <a:ea typeface="Source Code Pro" panose="020B0509030403020204" pitchFamily="49" charset="0"/>
               </a:rPr>
               <a:t>);</a:t>
             </a:r>
             <a:br>
               <a:rPr lang="en-US" altLang="en-US" dirty="0">
-                <a:solidFill>
-                  <a:srgbClr val="000000"/>
-                </a:solidFill>
                 <a:latin typeface="Source Code Pro" panose="020B0509030403020204" pitchFamily="49" charset="0"/>
+                <a:ea typeface="Source Code Pro" panose="020B0509030403020204" pitchFamily="49" charset="0"/>
               </a:rPr>
             </a:br>
             <a:r>
               <a:rPr lang="en-US" altLang="en-US" dirty="0">
-                <a:solidFill>
-                  <a:srgbClr val="000000"/>
-                </a:solidFill>
                 <a:latin typeface="Source Code Pro" panose="020B0509030403020204" pitchFamily="49" charset="0"/>
+                <a:ea typeface="Source Code Pro" panose="020B0509030403020204" pitchFamily="49" charset="0"/>
               </a:rPr>
               <a:t>}</a:t>
             </a:r>
-            <a:endParaRPr lang="en-US" altLang="en-US" sz="6600" dirty="0">
-              <a:solidFill>
-                <a:srgbClr val="101820"/>
-              </a:solidFill>
-              <a:latin typeface="Arial" panose="020B0604020202020204" pitchFamily="34" charset="0"/>
+          </a:p>
+          <a:p>
+            <a:endParaRPr lang="en-US" dirty="0">
+              <a:latin typeface="Source Code Pro" panose="020B0509030403020204" pitchFamily="49" charset="0"/>
+              <a:ea typeface="Source Code Pro" panose="020B0509030403020204" pitchFamily="49" charset="0"/>
             </a:endParaRPr>
-          </a:p>
-          <a:p>
-            <a:endParaRPr lang="en-US" sz="2400" dirty="0"/>
           </a:p>
           <a:p>
             <a:pPr lvl="0" eaLnBrk="0" fontAlgn="base" hangingPunct="0">
@@ -33937,116 +29587,86 @@
             </a:pPr>
             <a:r>
               <a:rPr lang="en-US" altLang="en-US" dirty="0" err="1">
-                <a:solidFill>
-                  <a:srgbClr val="000000"/>
-                </a:solidFill>
                 <a:latin typeface="Source Code Pro" panose="020B0509030403020204" pitchFamily="49" charset="0"/>
+                <a:ea typeface="Source Code Pro" panose="020B0509030403020204" pitchFamily="49" charset="0"/>
               </a:rPr>
               <a:t>services.AddDbContext</a:t>
             </a:r>
             <a:r>
               <a:rPr lang="en-US" altLang="en-US" dirty="0">
-                <a:solidFill>
-                  <a:srgbClr val="000000"/>
-                </a:solidFill>
                 <a:latin typeface="Source Code Pro" panose="020B0509030403020204" pitchFamily="49" charset="0"/>
+                <a:ea typeface="Source Code Pro" panose="020B0509030403020204" pitchFamily="49" charset="0"/>
               </a:rPr>
               <a:t>&lt;</a:t>
             </a:r>
             <a:r>
               <a:rPr lang="en-US" altLang="en-US" dirty="0" err="1">
-                <a:solidFill>
-                  <a:srgbClr val="000000"/>
-                </a:solidFill>
                 <a:latin typeface="Source Code Pro" panose="020B0509030403020204" pitchFamily="49" charset="0"/>
+                <a:ea typeface="Source Code Pro" panose="020B0509030403020204" pitchFamily="49" charset="0"/>
               </a:rPr>
               <a:t>ChinookContext</a:t>
             </a:r>
             <a:r>
               <a:rPr lang="en-US" altLang="en-US" dirty="0">
-                <a:solidFill>
-                  <a:srgbClr val="000000"/>
-                </a:solidFill>
                 <a:latin typeface="Source Code Pro" panose="020B0509030403020204" pitchFamily="49" charset="0"/>
+                <a:ea typeface="Source Code Pro" panose="020B0509030403020204" pitchFamily="49" charset="0"/>
               </a:rPr>
               <a:t>&gt;(</a:t>
             </a:r>
             <a:br>
               <a:rPr lang="en-US" altLang="en-US" dirty="0">
-                <a:solidFill>
-                  <a:srgbClr val="000000"/>
-                </a:solidFill>
                 <a:latin typeface="Source Code Pro" panose="020B0509030403020204" pitchFamily="49" charset="0"/>
+                <a:ea typeface="Source Code Pro" panose="020B0509030403020204" pitchFamily="49" charset="0"/>
               </a:rPr>
             </a:br>
             <a:r>
               <a:rPr lang="en-US" altLang="en-US" dirty="0">
-                <a:solidFill>
-                  <a:srgbClr val="000000"/>
-                </a:solidFill>
                 <a:latin typeface="Source Code Pro" panose="020B0509030403020204" pitchFamily="49" charset="0"/>
+                <a:ea typeface="Source Code Pro" panose="020B0509030403020204" pitchFamily="49" charset="0"/>
               </a:rPr>
               <a:t>    options =&gt; </a:t>
             </a:r>
             <a:r>
               <a:rPr lang="en-US" altLang="en-US" dirty="0" err="1">
-                <a:solidFill>
-                  <a:srgbClr val="000000"/>
-                </a:solidFill>
                 <a:latin typeface="Source Code Pro" panose="020B0509030403020204" pitchFamily="49" charset="0"/>
+                <a:ea typeface="Source Code Pro" panose="020B0509030403020204" pitchFamily="49" charset="0"/>
               </a:rPr>
               <a:t>options.UseSqlServer</a:t>
             </a:r>
             <a:r>
               <a:rPr lang="en-US" altLang="en-US" dirty="0">
-                <a:solidFill>
-                  <a:srgbClr val="000000"/>
-                </a:solidFill>
                 <a:latin typeface="Source Code Pro" panose="020B0509030403020204" pitchFamily="49" charset="0"/>
+                <a:ea typeface="Source Code Pro" panose="020B0509030403020204" pitchFamily="49" charset="0"/>
               </a:rPr>
               <a:t>(connection).</a:t>
             </a:r>
             <a:r>
               <a:rPr lang="en-US" altLang="en-US" dirty="0" err="1">
-                <a:solidFill>
-                  <a:srgbClr val="000000"/>
-                </a:solidFill>
                 <a:latin typeface="Source Code Pro" panose="020B0509030403020204" pitchFamily="49" charset="0"/>
+                <a:ea typeface="Source Code Pro" panose="020B0509030403020204" pitchFamily="49" charset="0"/>
               </a:rPr>
               <a:t>UseLazyLoadingProxies</a:t>
             </a:r>
             <a:r>
               <a:rPr lang="en-US" altLang="en-US" dirty="0">
-                <a:solidFill>
-                  <a:srgbClr val="000000"/>
-                </a:solidFill>
                 <a:latin typeface="Source Code Pro" panose="020B0509030403020204" pitchFamily="49" charset="0"/>
+                <a:ea typeface="Source Code Pro" panose="020B0509030403020204" pitchFamily="49" charset="0"/>
               </a:rPr>
               <a:t>()</a:t>
             </a:r>
             <a:br>
               <a:rPr lang="en-US" altLang="en-US" dirty="0">
-                <a:solidFill>
-                  <a:srgbClr val="000000"/>
-                </a:solidFill>
                 <a:latin typeface="Source Code Pro" panose="020B0509030403020204" pitchFamily="49" charset="0"/>
+                <a:ea typeface="Source Code Pro" panose="020B0509030403020204" pitchFamily="49" charset="0"/>
               </a:rPr>
             </a:br>
             <a:r>
               <a:rPr lang="en-US" altLang="en-US" dirty="0">
-                <a:solidFill>
-                  <a:srgbClr val="000000"/>
-                </a:solidFill>
                 <a:latin typeface="Source Code Pro" panose="020B0509030403020204" pitchFamily="49" charset="0"/>
+                <a:ea typeface="Source Code Pro" panose="020B0509030403020204" pitchFamily="49" charset="0"/>
               </a:rPr>
               <a:t>);</a:t>
             </a:r>
-            <a:endParaRPr lang="en-US" altLang="en-US" sz="6600" dirty="0">
-              <a:solidFill>
-                <a:srgbClr val="101820"/>
-              </a:solidFill>
-              <a:latin typeface="Arial" panose="020B0604020202020204" pitchFamily="34" charset="0"/>
-            </a:endParaRPr>
           </a:p>
           <a:p>
             <a:endParaRPr lang="en-US" sz="2400" dirty="0"/>
@@ -34085,6 +29705,742 @@
       </p:grpSpPr>
       <p:sp>
         <p:nvSpPr>
+          <p:cNvPr id="3" name="Title 2">
+            <a:extLst>
+              <a:ext uri="{FF2B5EF4-FFF2-40B4-BE49-F238E27FC236}">
+                <a16:creationId xmlns:a16="http://schemas.microsoft.com/office/drawing/2014/main" id="{E6D2B393-CA40-48D4-8928-7A42FC4D077D}"/>
+              </a:ext>
+            </a:extLst>
+          </p:cNvPr>
+          <p:cNvSpPr>
+            <a:spLocks noGrp="1"/>
+          </p:cNvSpPr>
+          <p:nvPr>
+            <p:ph type="title"/>
+          </p:nvPr>
+        </p:nvSpPr>
+        <p:spPr/>
+        <p:txBody>
+          <a:bodyPr/>
+          <a:lstStyle/>
+          <a:p>
+            <a:r>
+              <a:rPr lang="en-US" dirty="0"/>
+              <a:t>Lazy Loading Example: </a:t>
+            </a:r>
+            <a:r>
+              <a:rPr lang="en-US" dirty="0" err="1"/>
+              <a:t>ILazyLoader</a:t>
+            </a:r>
+            <a:endParaRPr lang="en-US" dirty="0"/>
+          </a:p>
+        </p:txBody>
+      </p:sp>
+      <p:sp>
+        <p:nvSpPr>
+          <p:cNvPr id="12" name="Rectangle 11">
+            <a:extLst>
+              <a:ext uri="{FF2B5EF4-FFF2-40B4-BE49-F238E27FC236}">
+                <a16:creationId xmlns:a16="http://schemas.microsoft.com/office/drawing/2014/main" id="{9252F5E7-DC45-4615-8728-E402351D680C}"/>
+              </a:ext>
+            </a:extLst>
+          </p:cNvPr>
+          <p:cNvSpPr/>
+          <p:nvPr/>
+        </p:nvSpPr>
+        <p:spPr>
+          <a:xfrm>
+            <a:off x="483160" y="1673990"/>
+            <a:ext cx="11371768" cy="3631763"/>
+          </a:xfrm>
+          <a:prstGeom prst="rect">
+            <a:avLst/>
+          </a:prstGeom>
+        </p:spPr>
+        <p:txBody>
+          <a:bodyPr wrap="square">
+            <a:spAutoFit/>
+          </a:bodyPr>
+          <a:lstStyle/>
+          <a:p>
+            <a:pPr marL="285750" indent="-285750">
+              <a:buFont typeface="Arial" panose="020B0604020202020204" pitchFamily="34" charset="0"/>
+              <a:buChar char="•"/>
+            </a:pPr>
+            <a:r>
+              <a:rPr lang="en-US" sz="2400" dirty="0"/>
+              <a:t>Install the </a:t>
+            </a:r>
+            <a:r>
+              <a:rPr lang="en-US" sz="2400" b="1" dirty="0" err="1"/>
+              <a:t>Microsoft.EntityFrameworkCore.Abstractions</a:t>
+            </a:r>
+            <a:r>
+              <a:rPr lang="en-US" sz="2400" b="1" dirty="0"/>
+              <a:t> </a:t>
+            </a:r>
+            <a:r>
+              <a:rPr lang="en-US" sz="2400" dirty="0"/>
+              <a:t>NuGet package</a:t>
+            </a:r>
+          </a:p>
+          <a:p>
+            <a:pPr lvl="1"/>
+            <a:endParaRPr lang="en-US" sz="2400" dirty="0"/>
+          </a:p>
+          <a:p>
+            <a:r>
+              <a:rPr lang="en-US" sz="2000" dirty="0">
+                <a:latin typeface="Source Code Pro" panose="020B0509030403020204" pitchFamily="49" charset="0"/>
+                <a:ea typeface="Source Code Pro" panose="020B0509030403020204" pitchFamily="49" charset="0"/>
+              </a:rPr>
+              <a:t>public void </a:t>
+            </a:r>
+            <a:r>
+              <a:rPr lang="en-US" sz="2000" dirty="0" err="1">
+                <a:latin typeface="Source Code Pro" panose="020B0509030403020204" pitchFamily="49" charset="0"/>
+                <a:ea typeface="Source Code Pro" panose="020B0509030403020204" pitchFamily="49" charset="0"/>
+              </a:rPr>
+              <a:t>ConfigureServices</a:t>
+            </a:r>
+            <a:r>
+              <a:rPr lang="en-US" sz="2000" dirty="0">
+                <a:latin typeface="Source Code Pro" panose="020B0509030403020204" pitchFamily="49" charset="0"/>
+                <a:ea typeface="Source Code Pro" panose="020B0509030403020204" pitchFamily="49" charset="0"/>
+              </a:rPr>
+              <a:t>(</a:t>
+            </a:r>
+            <a:r>
+              <a:rPr lang="en-US" sz="2000" dirty="0" err="1">
+                <a:latin typeface="Source Code Pro" panose="020B0509030403020204" pitchFamily="49" charset="0"/>
+                <a:ea typeface="Source Code Pro" panose="020B0509030403020204" pitchFamily="49" charset="0"/>
+              </a:rPr>
+              <a:t>IServiceCollection</a:t>
+            </a:r>
+            <a:r>
+              <a:rPr lang="en-US" sz="2000" dirty="0">
+                <a:latin typeface="Source Code Pro" panose="020B0509030403020204" pitchFamily="49" charset="0"/>
+                <a:ea typeface="Source Code Pro" panose="020B0509030403020204" pitchFamily="49" charset="0"/>
+              </a:rPr>
+              <a:t> services)</a:t>
+            </a:r>
+          </a:p>
+          <a:p>
+            <a:r>
+              <a:rPr lang="en-US" sz="2000" dirty="0">
+                <a:latin typeface="Source Code Pro" panose="020B0509030403020204" pitchFamily="49" charset="0"/>
+                <a:ea typeface="Source Code Pro" panose="020B0509030403020204" pitchFamily="49" charset="0"/>
+              </a:rPr>
+              <a:t>{</a:t>
+            </a:r>
+          </a:p>
+          <a:p>
+            <a:r>
+              <a:rPr lang="en-US" sz="2000" dirty="0">
+                <a:latin typeface="Source Code Pro" panose="020B0509030403020204" pitchFamily="49" charset="0"/>
+                <a:ea typeface="Source Code Pro" panose="020B0509030403020204" pitchFamily="49" charset="0"/>
+              </a:rPr>
+              <a:t>    </a:t>
+            </a:r>
+            <a:r>
+              <a:rPr lang="en-US" sz="2000" dirty="0" err="1">
+                <a:latin typeface="Source Code Pro" panose="020B0509030403020204" pitchFamily="49" charset="0"/>
+                <a:ea typeface="Source Code Pro" panose="020B0509030403020204" pitchFamily="49" charset="0"/>
+              </a:rPr>
+              <a:t>services.AddMemoryCache</a:t>
+            </a:r>
+            <a:r>
+              <a:rPr lang="en-US" sz="2000" dirty="0">
+                <a:latin typeface="Source Code Pro" panose="020B0509030403020204" pitchFamily="49" charset="0"/>
+                <a:ea typeface="Source Code Pro" panose="020B0509030403020204" pitchFamily="49" charset="0"/>
+              </a:rPr>
+              <a:t>();            </a:t>
+            </a:r>
+          </a:p>
+          <a:p>
+            <a:r>
+              <a:rPr lang="en-US" sz="2000" dirty="0">
+                <a:latin typeface="Source Code Pro" panose="020B0509030403020204" pitchFamily="49" charset="0"/>
+                <a:ea typeface="Source Code Pro" panose="020B0509030403020204" pitchFamily="49" charset="0"/>
+              </a:rPr>
+              <a:t>    </a:t>
+            </a:r>
+            <a:r>
+              <a:rPr lang="en-US" sz="2000" dirty="0" err="1">
+                <a:latin typeface="Source Code Pro" panose="020B0509030403020204" pitchFamily="49" charset="0"/>
+                <a:ea typeface="Source Code Pro" panose="020B0509030403020204" pitchFamily="49" charset="0"/>
+              </a:rPr>
+              <a:t>services.AddResponseCaching</a:t>
+            </a:r>
+            <a:r>
+              <a:rPr lang="en-US" sz="2000" dirty="0">
+                <a:latin typeface="Source Code Pro" panose="020B0509030403020204" pitchFamily="49" charset="0"/>
+                <a:ea typeface="Source Code Pro" panose="020B0509030403020204" pitchFamily="49" charset="0"/>
+              </a:rPr>
+              <a:t>();            </a:t>
+            </a:r>
+          </a:p>
+          <a:p>
+            <a:r>
+              <a:rPr lang="en-US" sz="2000" dirty="0">
+                <a:latin typeface="Source Code Pro" panose="020B0509030403020204" pitchFamily="49" charset="0"/>
+                <a:ea typeface="Source Code Pro" panose="020B0509030403020204" pitchFamily="49" charset="0"/>
+              </a:rPr>
+              <a:t>    </a:t>
+            </a:r>
+            <a:r>
+              <a:rPr lang="en-US" sz="2000" dirty="0" err="1">
+                <a:latin typeface="Source Code Pro" panose="020B0509030403020204" pitchFamily="49" charset="0"/>
+                <a:ea typeface="Source Code Pro" panose="020B0509030403020204" pitchFamily="49" charset="0"/>
+              </a:rPr>
+              <a:t>services.AddMvc</a:t>
+            </a:r>
+            <a:r>
+              <a:rPr lang="en-US" sz="2000" dirty="0">
+                <a:latin typeface="Source Code Pro" panose="020B0509030403020204" pitchFamily="49" charset="0"/>
+                <a:ea typeface="Source Code Pro" panose="020B0509030403020204" pitchFamily="49" charset="0"/>
+              </a:rPr>
+              <a:t>()</a:t>
+            </a:r>
+          </a:p>
+          <a:p>
+            <a:r>
+              <a:rPr lang="en-US" sz="2000" dirty="0">
+                <a:latin typeface="Source Code Pro" panose="020B0509030403020204" pitchFamily="49" charset="0"/>
+                <a:ea typeface="Source Code Pro" panose="020B0509030403020204" pitchFamily="49" charset="0"/>
+              </a:rPr>
+              <a:t>        .</a:t>
+            </a:r>
+            <a:r>
+              <a:rPr lang="en-US" sz="2000" dirty="0" err="1">
+                <a:latin typeface="Source Code Pro" panose="020B0509030403020204" pitchFamily="49" charset="0"/>
+                <a:ea typeface="Source Code Pro" panose="020B0509030403020204" pitchFamily="49" charset="0"/>
+              </a:rPr>
+              <a:t>AddFluentValidation</a:t>
+            </a:r>
+            <a:r>
+              <a:rPr lang="en-US" sz="2000" dirty="0">
+                <a:latin typeface="Source Code Pro" panose="020B0509030403020204" pitchFamily="49" charset="0"/>
+                <a:ea typeface="Source Code Pro" panose="020B0509030403020204" pitchFamily="49" charset="0"/>
+              </a:rPr>
+              <a:t>(</a:t>
+            </a:r>
+            <a:r>
+              <a:rPr lang="en-US" sz="2000" dirty="0" err="1">
+                <a:latin typeface="Source Code Pro" panose="020B0509030403020204" pitchFamily="49" charset="0"/>
+                <a:ea typeface="Source Code Pro" panose="020B0509030403020204" pitchFamily="49" charset="0"/>
+              </a:rPr>
+              <a:t>fvc</a:t>
+            </a:r>
+            <a:r>
+              <a:rPr lang="en-US" sz="2000" dirty="0">
+                <a:latin typeface="Source Code Pro" panose="020B0509030403020204" pitchFamily="49" charset="0"/>
+                <a:ea typeface="Source Code Pro" panose="020B0509030403020204" pitchFamily="49" charset="0"/>
+              </a:rPr>
+              <a:t> =&gt; 	</a:t>
+            </a:r>
+            <a:r>
+              <a:rPr lang="en-US" sz="2000" dirty="0" err="1">
+                <a:latin typeface="Source Code Pro" panose="020B0509030403020204" pitchFamily="49" charset="0"/>
+                <a:ea typeface="Source Code Pro" panose="020B0509030403020204" pitchFamily="49" charset="0"/>
+              </a:rPr>
+              <a:t>fvc.RegisterValidatorsFromAssemblyContaining</a:t>
+            </a:r>
+            <a:r>
+              <a:rPr lang="en-US" sz="2000" dirty="0">
+                <a:latin typeface="Source Code Pro" panose="020B0509030403020204" pitchFamily="49" charset="0"/>
+                <a:ea typeface="Source Code Pro" panose="020B0509030403020204" pitchFamily="49" charset="0"/>
+              </a:rPr>
+              <a:t>&lt;Startup&gt;());</a:t>
+            </a:r>
+          </a:p>
+          <a:p>
+            <a:r>
+              <a:rPr lang="en-US" sz="2000" dirty="0">
+                <a:latin typeface="Source Code Pro" panose="020B0509030403020204" pitchFamily="49" charset="0"/>
+                <a:ea typeface="Source Code Pro" panose="020B0509030403020204" pitchFamily="49" charset="0"/>
+              </a:rPr>
+              <a:t>}</a:t>
+            </a:r>
+          </a:p>
+          <a:p>
+            <a:endParaRPr lang="en-US" sz="2400" dirty="0"/>
+          </a:p>
+        </p:txBody>
+      </p:sp>
+    </p:spTree>
+    <p:extLst>
+      <p:ext uri="{BB962C8B-B14F-4D97-AF65-F5344CB8AC3E}">
+        <p14:creationId xmlns:p14="http://schemas.microsoft.com/office/powerpoint/2010/main" val="1590453666"/>
+      </p:ext>
+    </p:extLst>
+  </p:cSld>
+  <p:clrMapOvr>
+    <a:masterClrMapping/>
+  </p:clrMapOvr>
+</p:sld>
+</file>
+
+<file path=ppt/slides/slide34.xml><?xml version="1.0" encoding="utf-8"?>
+<p:sld xmlns:a="http://schemas.openxmlformats.org/drawingml/2006/main" xmlns:r="http://schemas.openxmlformats.org/officeDocument/2006/relationships" xmlns:p="http://schemas.openxmlformats.org/presentationml/2006/main">
+  <p:cSld>
+    <p:spTree>
+      <p:nvGrpSpPr>
+        <p:cNvPr id="1" name=""/>
+        <p:cNvGrpSpPr/>
+        <p:nvPr/>
+      </p:nvGrpSpPr>
+      <p:grpSpPr>
+        <a:xfrm>
+          <a:off x="0" y="0"/>
+          <a:ext cx="0" cy="0"/>
+          <a:chOff x="0" y="0"/>
+          <a:chExt cx="0" cy="0"/>
+        </a:xfrm>
+      </p:grpSpPr>
+      <p:sp>
+        <p:nvSpPr>
+          <p:cNvPr id="2" name="Title 1">
+            <a:extLst>
+              <a:ext uri="{FF2B5EF4-FFF2-40B4-BE49-F238E27FC236}">
+                <a16:creationId xmlns:a16="http://schemas.microsoft.com/office/drawing/2014/main" id="{343202FE-3DFD-43F9-85B7-A72BE1899BAB}"/>
+              </a:ext>
+            </a:extLst>
+          </p:cNvPr>
+          <p:cNvSpPr>
+            <a:spLocks noGrp="1"/>
+          </p:cNvSpPr>
+          <p:nvPr>
+            <p:ph type="title"/>
+          </p:nvPr>
+        </p:nvSpPr>
+        <p:spPr/>
+        <p:txBody>
+          <a:bodyPr/>
+          <a:lstStyle/>
+          <a:p>
+            <a:r>
+              <a:rPr lang="en-US" dirty="0"/>
+              <a:t>Lazy Loading Example: </a:t>
+            </a:r>
+            <a:r>
+              <a:rPr lang="en-US" dirty="0" err="1"/>
+              <a:t>ILazyLoader</a:t>
+            </a:r>
+            <a:endParaRPr lang="en-US" dirty="0"/>
+          </a:p>
+        </p:txBody>
+      </p:sp>
+      <p:sp>
+        <p:nvSpPr>
+          <p:cNvPr id="3" name="Rectangle 2">
+            <a:extLst>
+              <a:ext uri="{FF2B5EF4-FFF2-40B4-BE49-F238E27FC236}">
+                <a16:creationId xmlns:a16="http://schemas.microsoft.com/office/drawing/2014/main" id="{A2B11623-3865-4103-AE06-D5A64C9C19CE}"/>
+              </a:ext>
+            </a:extLst>
+          </p:cNvPr>
+          <p:cNvSpPr/>
+          <p:nvPr/>
+        </p:nvSpPr>
+        <p:spPr>
+          <a:xfrm>
+            <a:off x="429371" y="1152244"/>
+            <a:ext cx="11036481" cy="5262979"/>
+          </a:xfrm>
+          <a:prstGeom prst="rect">
+            <a:avLst/>
+          </a:prstGeom>
+        </p:spPr>
+        <p:txBody>
+          <a:bodyPr wrap="square">
+            <a:spAutoFit/>
+          </a:bodyPr>
+          <a:lstStyle/>
+          <a:p>
+            <a:pPr lvl="0" eaLnBrk="0" fontAlgn="base" hangingPunct="0">
+              <a:spcBef>
+                <a:spcPct val="0"/>
+              </a:spcBef>
+              <a:spcAft>
+                <a:spcPct val="0"/>
+              </a:spcAft>
+            </a:pPr>
+            <a:r>
+              <a:rPr lang="en-US" altLang="en-US" sz="1600" dirty="0">
+                <a:latin typeface="Source Code Pro" panose="020B0509030403020204" pitchFamily="49" charset="0"/>
+              </a:rPr>
+              <a:t>Public class Album</a:t>
+            </a:r>
+          </a:p>
+          <a:p>
+            <a:pPr lvl="0" eaLnBrk="0" fontAlgn="base" hangingPunct="0">
+              <a:spcBef>
+                <a:spcPct val="0"/>
+              </a:spcBef>
+              <a:spcAft>
+                <a:spcPct val="0"/>
+              </a:spcAft>
+            </a:pPr>
+            <a:r>
+              <a:rPr lang="en-US" altLang="en-US" sz="1600" dirty="0">
+                <a:latin typeface="Source Code Pro" panose="020B0509030403020204" pitchFamily="49" charset="0"/>
+              </a:rPr>
+              <a:t>{</a:t>
+            </a:r>
+          </a:p>
+          <a:p>
+            <a:pPr lvl="1" eaLnBrk="0" fontAlgn="base" hangingPunct="0">
+              <a:spcBef>
+                <a:spcPct val="0"/>
+              </a:spcBef>
+              <a:spcAft>
+                <a:spcPct val="0"/>
+              </a:spcAft>
+            </a:pPr>
+            <a:r>
+              <a:rPr lang="en-US" altLang="en-US" sz="1600" dirty="0">
+                <a:latin typeface="Source Code Pro" panose="020B0509030403020204" pitchFamily="49" charset="0"/>
+              </a:rPr>
+              <a:t>private </a:t>
+            </a:r>
+            <a:r>
+              <a:rPr lang="en-US" altLang="en-US" sz="1600" dirty="0" err="1">
+                <a:latin typeface="Source Code Pro" panose="020B0509030403020204" pitchFamily="49" charset="0"/>
+              </a:rPr>
+              <a:t>readonly</a:t>
+            </a:r>
+            <a:r>
+              <a:rPr lang="en-US" altLang="en-US" sz="1600" dirty="0">
+                <a:latin typeface="Source Code Pro" panose="020B0509030403020204" pitchFamily="49" charset="0"/>
+              </a:rPr>
+              <a:t> </a:t>
+            </a:r>
+            <a:r>
+              <a:rPr lang="en-US" altLang="en-US" sz="1600" dirty="0" err="1">
+                <a:latin typeface="Source Code Pro" panose="020B0509030403020204" pitchFamily="49" charset="0"/>
+              </a:rPr>
+              <a:t>ILazyLoader</a:t>
+            </a:r>
+            <a:r>
+              <a:rPr lang="en-US" altLang="en-US" sz="1600" dirty="0">
+                <a:latin typeface="Source Code Pro" panose="020B0509030403020204" pitchFamily="49" charset="0"/>
+              </a:rPr>
+              <a:t> _</a:t>
+            </a:r>
+            <a:r>
+              <a:rPr lang="en-US" altLang="en-US" sz="1600" dirty="0" err="1">
+                <a:latin typeface="Source Code Pro" panose="020B0509030403020204" pitchFamily="49" charset="0"/>
+              </a:rPr>
+              <a:t>lazyLoader</a:t>
+            </a:r>
+            <a:r>
+              <a:rPr lang="en-US" altLang="en-US" sz="1600" dirty="0">
+                <a:latin typeface="Source Code Pro" panose="020B0509030403020204" pitchFamily="49" charset="0"/>
+              </a:rPr>
+              <a:t>;</a:t>
+            </a:r>
+            <a:br>
+              <a:rPr lang="en-US" altLang="en-US" sz="1600" dirty="0">
+                <a:latin typeface="Source Code Pro" panose="020B0509030403020204" pitchFamily="49" charset="0"/>
+              </a:rPr>
+            </a:br>
+            <a:r>
+              <a:rPr lang="en-US" altLang="en-US" sz="1600" dirty="0">
+                <a:latin typeface="Source Code Pro" panose="020B0509030403020204" pitchFamily="49" charset="0"/>
+              </a:rPr>
+              <a:t>private Artist _artist;</a:t>
+            </a:r>
+            <a:br>
+              <a:rPr lang="en-US" altLang="en-US" sz="1600" dirty="0">
+                <a:latin typeface="Source Code Pro" panose="020B0509030403020204" pitchFamily="49" charset="0"/>
+              </a:rPr>
+            </a:br>
+            <a:r>
+              <a:rPr lang="en-US" altLang="en-US" sz="1600" dirty="0">
+                <a:latin typeface="Source Code Pro" panose="020B0509030403020204" pitchFamily="49" charset="0"/>
+              </a:rPr>
+              <a:t>...</a:t>
+            </a:r>
+            <a:br>
+              <a:rPr lang="en-US" altLang="en-US" sz="1600" dirty="0">
+                <a:latin typeface="Source Code Pro" panose="020B0509030403020204" pitchFamily="49" charset="0"/>
+              </a:rPr>
+            </a:br>
+            <a:br>
+              <a:rPr lang="en-US" altLang="en-US" sz="1600" dirty="0">
+                <a:latin typeface="Source Code Pro" panose="020B0509030403020204" pitchFamily="49" charset="0"/>
+              </a:rPr>
+            </a:br>
+            <a:r>
+              <a:rPr lang="en-US" altLang="en-US" sz="1600" dirty="0">
+                <a:latin typeface="Source Code Pro" panose="020B0509030403020204" pitchFamily="49" charset="0"/>
+              </a:rPr>
+              <a:t>public Album(</a:t>
+            </a:r>
+            <a:r>
+              <a:rPr lang="en-US" altLang="en-US" sz="1600" dirty="0" err="1">
+                <a:latin typeface="Source Code Pro" panose="020B0509030403020204" pitchFamily="49" charset="0"/>
+              </a:rPr>
+              <a:t>ILazyLoader</a:t>
+            </a:r>
+            <a:r>
+              <a:rPr lang="en-US" altLang="en-US" sz="1600" dirty="0">
+                <a:latin typeface="Source Code Pro" panose="020B0509030403020204" pitchFamily="49" charset="0"/>
+              </a:rPr>
+              <a:t> </a:t>
+            </a:r>
+            <a:r>
+              <a:rPr lang="en-US" altLang="en-US" sz="1600" dirty="0" err="1">
+                <a:latin typeface="Source Code Pro" panose="020B0509030403020204" pitchFamily="49" charset="0"/>
+              </a:rPr>
+              <a:t>lazyLoader</a:t>
+            </a:r>
+            <a:r>
+              <a:rPr lang="en-US" altLang="en-US" sz="1600" dirty="0">
+                <a:latin typeface="Source Code Pro" panose="020B0509030403020204" pitchFamily="49" charset="0"/>
+              </a:rPr>
+              <a:t>)</a:t>
+            </a:r>
+            <a:br>
+              <a:rPr lang="en-US" altLang="en-US" sz="1600" dirty="0">
+                <a:latin typeface="Source Code Pro" panose="020B0509030403020204" pitchFamily="49" charset="0"/>
+              </a:rPr>
+            </a:br>
+            <a:r>
+              <a:rPr lang="en-US" altLang="en-US" sz="1600" dirty="0">
+                <a:latin typeface="Source Code Pro" panose="020B0509030403020204" pitchFamily="49" charset="0"/>
+              </a:rPr>
+              <a:t>{</a:t>
+            </a:r>
+            <a:br>
+              <a:rPr lang="en-US" altLang="en-US" sz="1600" dirty="0">
+                <a:latin typeface="Source Code Pro" panose="020B0509030403020204" pitchFamily="49" charset="0"/>
+              </a:rPr>
+            </a:br>
+            <a:r>
+              <a:rPr lang="en-US" altLang="en-US" sz="1600" dirty="0">
+                <a:latin typeface="Source Code Pro" panose="020B0509030403020204" pitchFamily="49" charset="0"/>
+              </a:rPr>
+              <a:t>    _</a:t>
+            </a:r>
+            <a:r>
+              <a:rPr lang="en-US" altLang="en-US" sz="1600" dirty="0" err="1">
+                <a:latin typeface="Source Code Pro" panose="020B0509030403020204" pitchFamily="49" charset="0"/>
+              </a:rPr>
+              <a:t>lazyLoader</a:t>
+            </a:r>
+            <a:r>
+              <a:rPr lang="en-US" altLang="en-US" sz="1600" dirty="0">
+                <a:latin typeface="Source Code Pro" panose="020B0509030403020204" pitchFamily="49" charset="0"/>
+              </a:rPr>
+              <a:t> = </a:t>
+            </a:r>
+            <a:r>
+              <a:rPr lang="en-US" altLang="en-US" sz="1600" dirty="0" err="1">
+                <a:latin typeface="Source Code Pro" panose="020B0509030403020204" pitchFamily="49" charset="0"/>
+              </a:rPr>
+              <a:t>lazyLoader</a:t>
+            </a:r>
+            <a:r>
+              <a:rPr lang="en-US" altLang="en-US" sz="1600" dirty="0">
+                <a:latin typeface="Source Code Pro" panose="020B0509030403020204" pitchFamily="49" charset="0"/>
+              </a:rPr>
+              <a:t>;</a:t>
+            </a:r>
+            <a:br>
+              <a:rPr lang="en-US" altLang="en-US" sz="1600" dirty="0">
+                <a:latin typeface="Source Code Pro" panose="020B0509030403020204" pitchFamily="49" charset="0"/>
+              </a:rPr>
+            </a:br>
+            <a:r>
+              <a:rPr lang="en-US" altLang="en-US" sz="1600" dirty="0">
+                <a:latin typeface="Source Code Pro" panose="020B0509030403020204" pitchFamily="49" charset="0"/>
+              </a:rPr>
+              <a:t>}</a:t>
+            </a:r>
+            <a:br>
+              <a:rPr lang="en-US" altLang="en-US" sz="1600" dirty="0">
+                <a:latin typeface="Source Code Pro" panose="020B0509030403020204" pitchFamily="49" charset="0"/>
+              </a:rPr>
+            </a:br>
+            <a:br>
+              <a:rPr lang="en-US" altLang="en-US" sz="1600" dirty="0">
+                <a:latin typeface="Source Code Pro" panose="020B0509030403020204" pitchFamily="49" charset="0"/>
+              </a:rPr>
+            </a:br>
+            <a:r>
+              <a:rPr lang="en-US" altLang="en-US" sz="1600" dirty="0">
+                <a:latin typeface="Source Code Pro" panose="020B0509030403020204" pitchFamily="49" charset="0"/>
+              </a:rPr>
+              <a:t>public int </a:t>
+            </a:r>
+            <a:r>
+              <a:rPr lang="en-US" altLang="en-US" sz="1600" dirty="0" err="1">
+                <a:latin typeface="Source Code Pro" panose="020B0509030403020204" pitchFamily="49" charset="0"/>
+              </a:rPr>
+              <a:t>AlbumId</a:t>
+            </a:r>
+            <a:r>
+              <a:rPr lang="en-US" altLang="en-US" sz="1600" dirty="0">
+                <a:latin typeface="Source Code Pro" panose="020B0509030403020204" pitchFamily="49" charset="0"/>
+              </a:rPr>
+              <a:t> { get; set; }</a:t>
+            </a:r>
+            <a:br>
+              <a:rPr lang="en-US" altLang="en-US" sz="1600" dirty="0">
+                <a:latin typeface="Source Code Pro" panose="020B0509030403020204" pitchFamily="49" charset="0"/>
+              </a:rPr>
+            </a:br>
+            <a:r>
+              <a:rPr lang="en-US" altLang="en-US" sz="1600" dirty="0">
+                <a:latin typeface="Source Code Pro" panose="020B0509030403020204" pitchFamily="49" charset="0"/>
+              </a:rPr>
+              <a:t>public int ArtistId { get; set; }</a:t>
+            </a:r>
+            <a:br>
+              <a:rPr lang="en-US" altLang="en-US" sz="1600" dirty="0">
+                <a:latin typeface="Source Code Pro" panose="020B0509030403020204" pitchFamily="49" charset="0"/>
+              </a:rPr>
+            </a:br>
+            <a:r>
+              <a:rPr lang="en-US" altLang="en-US" sz="1600" dirty="0">
+                <a:latin typeface="Source Code Pro" panose="020B0509030403020204" pitchFamily="49" charset="0"/>
+              </a:rPr>
+              <a:t>...</a:t>
+            </a:r>
+            <a:br>
+              <a:rPr lang="en-US" altLang="en-US" sz="1600" dirty="0">
+                <a:latin typeface="Source Code Pro" panose="020B0509030403020204" pitchFamily="49" charset="0"/>
+              </a:rPr>
+            </a:br>
+            <a:br>
+              <a:rPr lang="en-US" altLang="en-US" sz="1600" dirty="0">
+                <a:latin typeface="Source Code Pro" panose="020B0509030403020204" pitchFamily="49" charset="0"/>
+              </a:rPr>
+            </a:br>
+            <a:r>
+              <a:rPr lang="en-US" altLang="en-US" sz="1600" dirty="0">
+                <a:latin typeface="Source Code Pro" panose="020B0509030403020204" pitchFamily="49" charset="0"/>
+              </a:rPr>
+              <a:t>public Artist </a:t>
+            </a:r>
+            <a:r>
+              <a:rPr lang="en-US" altLang="en-US" sz="1600" dirty="0" err="1">
+                <a:latin typeface="Source Code Pro" panose="020B0509030403020204" pitchFamily="49" charset="0"/>
+              </a:rPr>
+              <a:t>Artist</a:t>
+            </a:r>
+            <a:br>
+              <a:rPr lang="en-US" altLang="en-US" sz="1600" dirty="0">
+                <a:latin typeface="Source Code Pro" panose="020B0509030403020204" pitchFamily="49" charset="0"/>
+              </a:rPr>
+            </a:br>
+            <a:r>
+              <a:rPr lang="en-US" altLang="en-US" sz="1600" dirty="0">
+                <a:latin typeface="Source Code Pro" panose="020B0509030403020204" pitchFamily="49" charset="0"/>
+              </a:rPr>
+              <a:t>{</a:t>
+            </a:r>
+            <a:br>
+              <a:rPr lang="en-US" altLang="en-US" sz="1600" dirty="0">
+                <a:latin typeface="Source Code Pro" panose="020B0509030403020204" pitchFamily="49" charset="0"/>
+              </a:rPr>
+            </a:br>
+            <a:r>
+              <a:rPr lang="en-US" altLang="en-US" sz="1600" dirty="0">
+                <a:latin typeface="Source Code Pro" panose="020B0509030403020204" pitchFamily="49" charset="0"/>
+              </a:rPr>
+              <a:t>    get =&gt; _</a:t>
+            </a:r>
+            <a:r>
+              <a:rPr lang="en-US" altLang="en-US" sz="1600" dirty="0" err="1">
+                <a:latin typeface="Source Code Pro" panose="020B0509030403020204" pitchFamily="49" charset="0"/>
+              </a:rPr>
+              <a:t>lazyLoader.Load</a:t>
+            </a:r>
+            <a:r>
+              <a:rPr lang="en-US" altLang="en-US" sz="1600" dirty="0">
+                <a:latin typeface="Source Code Pro" panose="020B0509030403020204" pitchFamily="49" charset="0"/>
+              </a:rPr>
+              <a:t>(this, ref _artist);</a:t>
+            </a:r>
+            <a:br>
+              <a:rPr lang="en-US" altLang="en-US" sz="1600" dirty="0">
+                <a:latin typeface="Source Code Pro" panose="020B0509030403020204" pitchFamily="49" charset="0"/>
+              </a:rPr>
+            </a:br>
+            <a:r>
+              <a:rPr lang="en-US" altLang="en-US" sz="1600" dirty="0">
+                <a:latin typeface="Source Code Pro" panose="020B0509030403020204" pitchFamily="49" charset="0"/>
+              </a:rPr>
+              <a:t>    set =&gt; _artist = value;</a:t>
+            </a:r>
+            <a:br>
+              <a:rPr lang="en-US" altLang="en-US" sz="1600" dirty="0">
+                <a:latin typeface="Source Code Pro" panose="020B0509030403020204" pitchFamily="49" charset="0"/>
+              </a:rPr>
+            </a:br>
+            <a:r>
+              <a:rPr lang="en-US" altLang="en-US" sz="1600" dirty="0">
+                <a:latin typeface="Source Code Pro" panose="020B0509030403020204" pitchFamily="49" charset="0"/>
+              </a:rPr>
+              <a:t>}</a:t>
+            </a:r>
+          </a:p>
+          <a:p>
+            <a:pPr lvl="0" eaLnBrk="0" fontAlgn="base" hangingPunct="0">
+              <a:spcBef>
+                <a:spcPct val="0"/>
+              </a:spcBef>
+              <a:spcAft>
+                <a:spcPct val="0"/>
+              </a:spcAft>
+            </a:pPr>
+            <a:r>
+              <a:rPr lang="en-US" altLang="en-US" sz="1600" dirty="0">
+                <a:latin typeface="Source Code Pro" panose="020B0509030403020204" pitchFamily="49" charset="0"/>
+              </a:rPr>
+              <a:t>}</a:t>
+            </a:r>
+            <a:endParaRPr lang="en-US" altLang="en-US" sz="2400" dirty="0">
+              <a:latin typeface="Arial" panose="020B0604020202020204" pitchFamily="34" charset="0"/>
+            </a:endParaRPr>
+          </a:p>
+        </p:txBody>
+      </p:sp>
+    </p:spTree>
+    <p:extLst>
+      <p:ext uri="{BB962C8B-B14F-4D97-AF65-F5344CB8AC3E}">
+        <p14:creationId xmlns:p14="http://schemas.microsoft.com/office/powerpoint/2010/main" val="4267141648"/>
+      </p:ext>
+    </p:extLst>
+  </p:cSld>
+  <p:clrMapOvr>
+    <a:masterClrMapping/>
+  </p:clrMapOvr>
+</p:sld>
+</file>
+
+<file path=ppt/slides/slide35.xml><?xml version="1.0" encoding="utf-8"?>
+<p:sld xmlns:a="http://schemas.openxmlformats.org/drawingml/2006/main" xmlns:r="http://schemas.openxmlformats.org/officeDocument/2006/relationships" xmlns:p="http://schemas.openxmlformats.org/presentationml/2006/main">
+  <p:cSld>
+    <p:spTree>
+      <p:nvGrpSpPr>
+        <p:cNvPr id="1" name=""/>
+        <p:cNvGrpSpPr/>
+        <p:nvPr/>
+      </p:nvGrpSpPr>
+      <p:grpSpPr>
+        <a:xfrm>
+          <a:off x="0" y="0"/>
+          <a:ext cx="0" cy="0"/>
+          <a:chOff x="0" y="0"/>
+          <a:chExt cx="0" cy="0"/>
+        </a:xfrm>
+      </p:grpSpPr>
+      <p:sp>
+        <p:nvSpPr>
           <p:cNvPr id="4" name="Title 3"/>
           <p:cNvSpPr>
             <a:spLocks noGrp="1"/>
@@ -34140,7 +30496,7 @@
 </p:sld>
 </file>
 
-<file path=ppt/slides/slide34.xml><?xml version="1.0" encoding="utf-8"?>
+<file path=ppt/slides/slide36.xml><?xml version="1.0" encoding="utf-8"?>
 <p:sld xmlns:a="http://schemas.openxmlformats.org/drawingml/2006/main" xmlns:r="http://schemas.openxmlformats.org/officeDocument/2006/relationships" xmlns:p="http://schemas.openxmlformats.org/presentationml/2006/main">
   <p:cSld>
     <p:spTree>
@@ -34203,7 +30559,7 @@
 </p:sld>
 </file>
 
-<file path=ppt/slides/slide35.xml><?xml version="1.0" encoding="utf-8"?>
+<file path=ppt/slides/slide37.xml><?xml version="1.0" encoding="utf-8"?>
 <p:sld xmlns:a="http://schemas.openxmlformats.org/drawingml/2006/main" xmlns:r="http://schemas.openxmlformats.org/officeDocument/2006/relationships" xmlns:p="http://schemas.openxmlformats.org/presentationml/2006/main">
   <p:cSld>
     <p:spTree>
@@ -34942,42 +31298,6 @@
               <a:t>];</a:t>
             </a:r>
             <a:endParaRPr lang="en-US" sz="2000" dirty="0"/>
-          </a:p>
-        </p:txBody>
-      </p:sp>
-      <p:sp>
-        <p:nvSpPr>
-          <p:cNvPr id="5" name="TextBox 4">
-            <a:extLst>
-              <a:ext uri="{FF2B5EF4-FFF2-40B4-BE49-F238E27FC236}">
-                <a16:creationId xmlns:a16="http://schemas.microsoft.com/office/drawing/2014/main" id="{86A8A75A-C098-4DCF-A6BD-9F1C4B423EF0}"/>
-              </a:ext>
-            </a:extLst>
-          </p:cNvPr>
-          <p:cNvSpPr txBox="1"/>
-          <p:nvPr/>
-        </p:nvSpPr>
-        <p:spPr>
-          <a:xfrm>
-            <a:off x="9264650" y="6287643"/>
-            <a:ext cx="2768600" cy="369332"/>
-          </a:xfrm>
-          <a:prstGeom prst="rect">
-            <a:avLst/>
-          </a:prstGeom>
-          <a:noFill/>
-        </p:spPr>
-        <p:txBody>
-          <a:bodyPr wrap="square" rtlCol="0">
-            <a:spAutoFit/>
-          </a:bodyPr>
-          <a:lstStyle/>
-          <a:p>
-            <a:pPr algn="r"/>
-            <a:r>
-              <a:rPr lang="en-US" dirty="0"/>
-              <a:t>EF Core 2.1</a:t>
-            </a:r>
           </a:p>
         </p:txBody>
       </p:sp>
@@ -35080,7 +31400,7 @@
 </p:sld>
 </file>
 
-<file path=ppt/slides/slide36.xml><?xml version="1.0" encoding="utf-8"?>
+<file path=ppt/slides/slide38.xml><?xml version="1.0" encoding="utf-8"?>
 <p:sld xmlns:a="http://schemas.openxmlformats.org/drawingml/2006/main" xmlns:r="http://schemas.openxmlformats.org/officeDocument/2006/relationships" xmlns:p="http://schemas.openxmlformats.org/presentationml/2006/main">
   <p:cSld>
     <p:spTree>
@@ -35153,333 +31473,6 @@
     <p:extLst>
       <p:ext uri="{BB962C8B-B14F-4D97-AF65-F5344CB8AC3E}">
         <p14:creationId xmlns:p14="http://schemas.microsoft.com/office/powerpoint/2010/main" val="1576195025"/>
-      </p:ext>
-    </p:extLst>
-  </p:cSld>
-  <p:clrMapOvr>
-    <a:masterClrMapping/>
-  </p:clrMapOvr>
-</p:sld>
-</file>
-
-<file path=ppt/slides/slide37.xml><?xml version="1.0" encoding="utf-8"?>
-<p:sld xmlns:a="http://schemas.openxmlformats.org/drawingml/2006/main" xmlns:r="http://schemas.openxmlformats.org/officeDocument/2006/relationships" xmlns:p="http://schemas.openxmlformats.org/presentationml/2006/main">
-  <p:cSld>
-    <p:spTree>
-      <p:nvGrpSpPr>
-        <p:cNvPr id="1" name=""/>
-        <p:cNvGrpSpPr/>
-        <p:nvPr/>
-      </p:nvGrpSpPr>
-      <p:grpSpPr>
-        <a:xfrm>
-          <a:off x="0" y="0"/>
-          <a:ext cx="0" cy="0"/>
-          <a:chOff x="0" y="0"/>
-          <a:chExt cx="0" cy="0"/>
-        </a:xfrm>
-      </p:grpSpPr>
-      <p:sp>
-        <p:nvSpPr>
-          <p:cNvPr id="4" name="Text Placeholder 3">
-            <a:extLst>
-              <a:ext uri="{FF2B5EF4-FFF2-40B4-BE49-F238E27FC236}">
-                <a16:creationId xmlns:a16="http://schemas.microsoft.com/office/drawing/2014/main" id="{EEF78FDA-D428-4573-91F5-7C54C8A072D0}"/>
-              </a:ext>
-            </a:extLst>
-          </p:cNvPr>
-          <p:cNvSpPr>
-            <a:spLocks noGrp="1"/>
-          </p:cNvSpPr>
-          <p:nvPr>
-            <p:ph type="body" sz="quarter" idx="11"/>
-          </p:nvPr>
-        </p:nvSpPr>
-        <p:spPr/>
-        <p:txBody>
-          <a:bodyPr/>
-          <a:lstStyle/>
-          <a:p>
-            <a:r>
-              <a:rPr lang="en-US" dirty="0"/>
-              <a:t>Table Splitting</a:t>
-            </a:r>
-          </a:p>
-        </p:txBody>
-      </p:sp>
-    </p:spTree>
-    <p:extLst>
-      <p:ext uri="{BB962C8B-B14F-4D97-AF65-F5344CB8AC3E}">
-        <p14:creationId xmlns:p14="http://schemas.microsoft.com/office/powerpoint/2010/main" val="2744646015"/>
-      </p:ext>
-    </p:extLst>
-  </p:cSld>
-  <p:clrMapOvr>
-    <a:masterClrMapping/>
-  </p:clrMapOvr>
-</p:sld>
-</file>
-
-<file path=ppt/slides/slide38.xml><?xml version="1.0" encoding="utf-8"?>
-<p:sld xmlns:a="http://schemas.openxmlformats.org/drawingml/2006/main" xmlns:r="http://schemas.openxmlformats.org/officeDocument/2006/relationships" xmlns:p="http://schemas.openxmlformats.org/presentationml/2006/main">
-  <p:cSld>
-    <p:spTree>
-      <p:nvGrpSpPr>
-        <p:cNvPr id="1" name=""/>
-        <p:cNvGrpSpPr/>
-        <p:nvPr/>
-      </p:nvGrpSpPr>
-      <p:grpSpPr>
-        <a:xfrm>
-          <a:off x="0" y="0"/>
-          <a:ext cx="0" cy="0"/>
-          <a:chOff x="0" y="0"/>
-          <a:chExt cx="0" cy="0"/>
-        </a:xfrm>
-      </p:grpSpPr>
-      <p:sp>
-        <p:nvSpPr>
-          <p:cNvPr id="3" name="Title 2">
-            <a:extLst>
-              <a:ext uri="{FF2B5EF4-FFF2-40B4-BE49-F238E27FC236}">
-                <a16:creationId xmlns:a16="http://schemas.microsoft.com/office/drawing/2014/main" id="{1ED23200-E075-4367-B7FC-47D3054F5C28}"/>
-              </a:ext>
-            </a:extLst>
-          </p:cNvPr>
-          <p:cNvSpPr>
-            <a:spLocks noGrp="1"/>
-          </p:cNvSpPr>
-          <p:nvPr>
-            <p:ph type="title"/>
-          </p:nvPr>
-        </p:nvSpPr>
-        <p:spPr/>
-        <p:txBody>
-          <a:bodyPr/>
-          <a:lstStyle/>
-          <a:p>
-            <a:r>
-              <a:rPr lang="en-US" dirty="0"/>
-              <a:t>Table Splitting</a:t>
-            </a:r>
-          </a:p>
-        </p:txBody>
-      </p:sp>
-      <p:sp>
-        <p:nvSpPr>
-          <p:cNvPr id="5" name="Rectangle 4">
-            <a:extLst>
-              <a:ext uri="{FF2B5EF4-FFF2-40B4-BE49-F238E27FC236}">
-                <a16:creationId xmlns:a16="http://schemas.microsoft.com/office/drawing/2014/main" id="{BA2C7C54-4C84-42D2-B73C-E6731090FEFC}"/>
-              </a:ext>
-            </a:extLst>
-          </p:cNvPr>
-          <p:cNvSpPr/>
-          <p:nvPr/>
-        </p:nvSpPr>
-        <p:spPr>
-          <a:xfrm>
-            <a:off x="527990" y="2207736"/>
-            <a:ext cx="10251770" cy="2308324"/>
-          </a:xfrm>
-          <a:prstGeom prst="rect">
-            <a:avLst/>
-          </a:prstGeom>
-        </p:spPr>
-        <p:txBody>
-          <a:bodyPr wrap="square">
-            <a:spAutoFit/>
-          </a:bodyPr>
-          <a:lstStyle/>
-          <a:p>
-            <a:r>
-              <a:rPr lang="en-US" sz="2400" dirty="0" err="1">
-                <a:latin typeface="Monaco"/>
-              </a:rPr>
-              <a:t>modelBuilder.Entity</a:t>
-            </a:r>
-            <a:r>
-              <a:rPr lang="en-US" sz="2400" dirty="0">
-                <a:latin typeface="Monaco"/>
-              </a:rPr>
-              <a:t>&lt;Product&gt;()</a:t>
-            </a:r>
-          </a:p>
-          <a:p>
-            <a:r>
-              <a:rPr lang="en-US" sz="2400" dirty="0">
-                <a:latin typeface="Monaco"/>
-              </a:rPr>
-              <a:t>    .</a:t>
-            </a:r>
-            <a:r>
-              <a:rPr lang="en-US" sz="2400" dirty="0" err="1">
-                <a:latin typeface="Monaco"/>
-              </a:rPr>
-              <a:t>HasOne</a:t>
-            </a:r>
-            <a:r>
-              <a:rPr lang="en-US" sz="2400" dirty="0">
-                <a:latin typeface="Monaco"/>
-              </a:rPr>
-              <a:t>(e =&gt; </a:t>
-            </a:r>
-            <a:r>
-              <a:rPr lang="en-US" sz="2400" dirty="0" err="1">
-                <a:latin typeface="Monaco"/>
-              </a:rPr>
-              <a:t>e.Details</a:t>
-            </a:r>
-            <a:r>
-              <a:rPr lang="en-US" sz="2400" dirty="0">
-                <a:latin typeface="Monaco"/>
-              </a:rPr>
-              <a:t>).</a:t>
-            </a:r>
-            <a:r>
-              <a:rPr lang="en-US" sz="2400" dirty="0" err="1">
-                <a:latin typeface="Monaco"/>
-              </a:rPr>
-              <a:t>WithOne</a:t>
-            </a:r>
-            <a:r>
-              <a:rPr lang="en-US" sz="2400" dirty="0">
-                <a:latin typeface="Monaco"/>
-              </a:rPr>
-              <a:t>(e =&gt; </a:t>
-            </a:r>
-            <a:r>
-              <a:rPr lang="en-US" sz="2400" dirty="0" err="1">
-                <a:latin typeface="Monaco"/>
-              </a:rPr>
-              <a:t>e.Product</a:t>
-            </a:r>
-            <a:r>
-              <a:rPr lang="en-US" sz="2400" dirty="0">
-                <a:latin typeface="Monaco"/>
-              </a:rPr>
-              <a:t>)</a:t>
-            </a:r>
-          </a:p>
-          <a:p>
-            <a:r>
-              <a:rPr lang="en-US" sz="2400" dirty="0">
-                <a:latin typeface="Monaco"/>
-              </a:rPr>
-              <a:t>    .</a:t>
-            </a:r>
-            <a:r>
-              <a:rPr lang="en-US" sz="2400" dirty="0" err="1">
-                <a:latin typeface="Monaco"/>
-              </a:rPr>
-              <a:t>HasForeignKey</a:t>
-            </a:r>
-            <a:r>
-              <a:rPr lang="en-US" sz="2400" dirty="0">
-                <a:latin typeface="Monaco"/>
-              </a:rPr>
-              <a:t>&lt;</a:t>
-            </a:r>
-            <a:r>
-              <a:rPr lang="en-US" sz="2400" dirty="0" err="1">
-                <a:latin typeface="Monaco"/>
-              </a:rPr>
-              <a:t>ProductDetails</a:t>
-            </a:r>
-            <a:r>
-              <a:rPr lang="en-US" sz="2400" dirty="0">
-                <a:latin typeface="Monaco"/>
-              </a:rPr>
-              <a:t>&gt;(e =&gt; </a:t>
-            </a:r>
-            <a:r>
-              <a:rPr lang="en-US" sz="2400" dirty="0" err="1">
-                <a:latin typeface="Monaco"/>
-              </a:rPr>
-              <a:t>e.Id</a:t>
-            </a:r>
-            <a:r>
-              <a:rPr lang="en-US" sz="2400" dirty="0">
-                <a:latin typeface="Monaco"/>
-              </a:rPr>
-              <a:t>);</a:t>
-            </a:r>
-          </a:p>
-          <a:p>
-            <a:endParaRPr lang="en-US" sz="2400" dirty="0">
-              <a:latin typeface="Monaco"/>
-            </a:endParaRPr>
-          </a:p>
-          <a:p>
-            <a:r>
-              <a:rPr lang="en-US" sz="2400" dirty="0" err="1">
-                <a:latin typeface="Monaco"/>
-              </a:rPr>
-              <a:t>modelBuilder.Entity</a:t>
-            </a:r>
-            <a:r>
-              <a:rPr lang="en-US" sz="2400" dirty="0">
-                <a:latin typeface="Monaco"/>
-              </a:rPr>
-              <a:t>&lt;Product&gt;().</a:t>
-            </a:r>
-            <a:r>
-              <a:rPr lang="en-US" sz="2400" dirty="0" err="1">
-                <a:latin typeface="Monaco"/>
-              </a:rPr>
-              <a:t>ToTable</a:t>
-            </a:r>
-            <a:r>
-              <a:rPr lang="en-US" sz="2400" dirty="0">
-                <a:latin typeface="Monaco"/>
-              </a:rPr>
-              <a:t>("Products");</a:t>
-            </a:r>
-          </a:p>
-          <a:p>
-            <a:r>
-              <a:rPr lang="en-US" sz="2400" dirty="0" err="1">
-                <a:latin typeface="Monaco"/>
-              </a:rPr>
-              <a:t>modelBuilder.Entity</a:t>
-            </a:r>
-            <a:r>
-              <a:rPr lang="en-US" sz="2400" dirty="0">
-                <a:latin typeface="Monaco"/>
-              </a:rPr>
-              <a:t>&lt;</a:t>
-            </a:r>
-            <a:r>
-              <a:rPr lang="en-US" sz="2400" dirty="0" err="1">
-                <a:latin typeface="Monaco"/>
-              </a:rPr>
-              <a:t>ProductDetails</a:t>
-            </a:r>
-            <a:r>
-              <a:rPr lang="en-US" sz="2400" dirty="0">
-                <a:latin typeface="Monaco"/>
-              </a:rPr>
-              <a:t>&gt;().</a:t>
-            </a:r>
-            <a:r>
-              <a:rPr lang="en-US" sz="2400" dirty="0" err="1">
-                <a:latin typeface="Monaco"/>
-              </a:rPr>
-              <a:t>ToTable</a:t>
-            </a:r>
-            <a:r>
-              <a:rPr lang="en-US" sz="2400" dirty="0">
-                <a:latin typeface="Monaco"/>
-              </a:rPr>
-              <a:t>("Products");</a:t>
-            </a:r>
-          </a:p>
-        </p:txBody>
-      </p:sp>
-    </p:spTree>
-    <p:extLst>
-      <p:ext uri="{BB962C8B-B14F-4D97-AF65-F5344CB8AC3E}">
-        <p14:creationId xmlns:p14="http://schemas.microsoft.com/office/powerpoint/2010/main" val="877143304"/>
       </p:ext>
     </p:extLst>
   </p:cSld>
@@ -35529,7 +31522,7 @@
           <a:p>
             <a:r>
               <a:rPr lang="en-US" dirty="0"/>
-              <a:t>Query Types</a:t>
+              <a:t>Table Splitting</a:t>
             </a:r>
           </a:p>
         </p:txBody>
@@ -35537,7 +31530,7 @@
     </p:spTree>
     <p:extLst>
       <p:ext uri="{BB962C8B-B14F-4D97-AF65-F5344CB8AC3E}">
-        <p14:creationId xmlns:p14="http://schemas.microsoft.com/office/powerpoint/2010/main" val="2021883176"/>
+        <p14:creationId xmlns:p14="http://schemas.microsoft.com/office/powerpoint/2010/main" val="2744646015"/>
       </p:ext>
     </p:extLst>
   </p:cSld>
@@ -35739,6 +31732,333 @@
           <a:p>
             <a:r>
               <a:rPr lang="en-US" dirty="0"/>
+              <a:t>Table Splitting</a:t>
+            </a:r>
+          </a:p>
+        </p:txBody>
+      </p:sp>
+      <p:sp>
+        <p:nvSpPr>
+          <p:cNvPr id="5" name="Rectangle 4">
+            <a:extLst>
+              <a:ext uri="{FF2B5EF4-FFF2-40B4-BE49-F238E27FC236}">
+                <a16:creationId xmlns:a16="http://schemas.microsoft.com/office/drawing/2014/main" id="{BA2C7C54-4C84-42D2-B73C-E6731090FEFC}"/>
+              </a:ext>
+            </a:extLst>
+          </p:cNvPr>
+          <p:cNvSpPr/>
+          <p:nvPr/>
+        </p:nvSpPr>
+        <p:spPr>
+          <a:xfrm>
+            <a:off x="527990" y="2207736"/>
+            <a:ext cx="10251770" cy="2308324"/>
+          </a:xfrm>
+          <a:prstGeom prst="rect">
+            <a:avLst/>
+          </a:prstGeom>
+        </p:spPr>
+        <p:txBody>
+          <a:bodyPr wrap="square">
+            <a:spAutoFit/>
+          </a:bodyPr>
+          <a:lstStyle/>
+          <a:p>
+            <a:r>
+              <a:rPr lang="en-US" sz="2400" dirty="0" err="1">
+                <a:latin typeface="Monaco"/>
+              </a:rPr>
+              <a:t>modelBuilder.Entity</a:t>
+            </a:r>
+            <a:r>
+              <a:rPr lang="en-US" sz="2400" dirty="0">
+                <a:latin typeface="Monaco"/>
+              </a:rPr>
+              <a:t>&lt;Product&gt;()</a:t>
+            </a:r>
+          </a:p>
+          <a:p>
+            <a:r>
+              <a:rPr lang="en-US" sz="2400" dirty="0">
+                <a:latin typeface="Monaco"/>
+              </a:rPr>
+              <a:t>    .</a:t>
+            </a:r>
+            <a:r>
+              <a:rPr lang="en-US" sz="2400" dirty="0" err="1">
+                <a:latin typeface="Monaco"/>
+              </a:rPr>
+              <a:t>HasOne</a:t>
+            </a:r>
+            <a:r>
+              <a:rPr lang="en-US" sz="2400" dirty="0">
+                <a:latin typeface="Monaco"/>
+              </a:rPr>
+              <a:t>(e =&gt; </a:t>
+            </a:r>
+            <a:r>
+              <a:rPr lang="en-US" sz="2400" dirty="0" err="1">
+                <a:latin typeface="Monaco"/>
+              </a:rPr>
+              <a:t>e.Details</a:t>
+            </a:r>
+            <a:r>
+              <a:rPr lang="en-US" sz="2400" dirty="0">
+                <a:latin typeface="Monaco"/>
+              </a:rPr>
+              <a:t>).</a:t>
+            </a:r>
+            <a:r>
+              <a:rPr lang="en-US" sz="2400" dirty="0" err="1">
+                <a:latin typeface="Monaco"/>
+              </a:rPr>
+              <a:t>WithOne</a:t>
+            </a:r>
+            <a:r>
+              <a:rPr lang="en-US" sz="2400" dirty="0">
+                <a:latin typeface="Monaco"/>
+              </a:rPr>
+              <a:t>(e =&gt; </a:t>
+            </a:r>
+            <a:r>
+              <a:rPr lang="en-US" sz="2400" dirty="0" err="1">
+                <a:latin typeface="Monaco"/>
+              </a:rPr>
+              <a:t>e.Product</a:t>
+            </a:r>
+            <a:r>
+              <a:rPr lang="en-US" sz="2400" dirty="0">
+                <a:latin typeface="Monaco"/>
+              </a:rPr>
+              <a:t>)</a:t>
+            </a:r>
+          </a:p>
+          <a:p>
+            <a:r>
+              <a:rPr lang="en-US" sz="2400" dirty="0">
+                <a:latin typeface="Monaco"/>
+              </a:rPr>
+              <a:t>    .</a:t>
+            </a:r>
+            <a:r>
+              <a:rPr lang="en-US" sz="2400" dirty="0" err="1">
+                <a:latin typeface="Monaco"/>
+              </a:rPr>
+              <a:t>HasForeignKey</a:t>
+            </a:r>
+            <a:r>
+              <a:rPr lang="en-US" sz="2400" dirty="0">
+                <a:latin typeface="Monaco"/>
+              </a:rPr>
+              <a:t>&lt;</a:t>
+            </a:r>
+            <a:r>
+              <a:rPr lang="en-US" sz="2400" dirty="0" err="1">
+                <a:latin typeface="Monaco"/>
+              </a:rPr>
+              <a:t>ProductDetails</a:t>
+            </a:r>
+            <a:r>
+              <a:rPr lang="en-US" sz="2400" dirty="0">
+                <a:latin typeface="Monaco"/>
+              </a:rPr>
+              <a:t>&gt;(e =&gt; </a:t>
+            </a:r>
+            <a:r>
+              <a:rPr lang="en-US" sz="2400" dirty="0" err="1">
+                <a:latin typeface="Monaco"/>
+              </a:rPr>
+              <a:t>e.Id</a:t>
+            </a:r>
+            <a:r>
+              <a:rPr lang="en-US" sz="2400" dirty="0">
+                <a:latin typeface="Monaco"/>
+              </a:rPr>
+              <a:t>);</a:t>
+            </a:r>
+          </a:p>
+          <a:p>
+            <a:endParaRPr lang="en-US" sz="2400" dirty="0">
+              <a:latin typeface="Monaco"/>
+            </a:endParaRPr>
+          </a:p>
+          <a:p>
+            <a:r>
+              <a:rPr lang="en-US" sz="2400" dirty="0" err="1">
+                <a:latin typeface="Monaco"/>
+              </a:rPr>
+              <a:t>modelBuilder.Entity</a:t>
+            </a:r>
+            <a:r>
+              <a:rPr lang="en-US" sz="2400" dirty="0">
+                <a:latin typeface="Monaco"/>
+              </a:rPr>
+              <a:t>&lt;Product&gt;().</a:t>
+            </a:r>
+            <a:r>
+              <a:rPr lang="en-US" sz="2400" dirty="0" err="1">
+                <a:latin typeface="Monaco"/>
+              </a:rPr>
+              <a:t>ToTable</a:t>
+            </a:r>
+            <a:r>
+              <a:rPr lang="en-US" sz="2400" dirty="0">
+                <a:latin typeface="Monaco"/>
+              </a:rPr>
+              <a:t>("Products");</a:t>
+            </a:r>
+          </a:p>
+          <a:p>
+            <a:r>
+              <a:rPr lang="en-US" sz="2400" dirty="0" err="1">
+                <a:latin typeface="Monaco"/>
+              </a:rPr>
+              <a:t>modelBuilder.Entity</a:t>
+            </a:r>
+            <a:r>
+              <a:rPr lang="en-US" sz="2400" dirty="0">
+                <a:latin typeface="Monaco"/>
+              </a:rPr>
+              <a:t>&lt;</a:t>
+            </a:r>
+            <a:r>
+              <a:rPr lang="en-US" sz="2400" dirty="0" err="1">
+                <a:latin typeface="Monaco"/>
+              </a:rPr>
+              <a:t>ProductDetails</a:t>
+            </a:r>
+            <a:r>
+              <a:rPr lang="en-US" sz="2400" dirty="0">
+                <a:latin typeface="Monaco"/>
+              </a:rPr>
+              <a:t>&gt;().</a:t>
+            </a:r>
+            <a:r>
+              <a:rPr lang="en-US" sz="2400" dirty="0" err="1">
+                <a:latin typeface="Monaco"/>
+              </a:rPr>
+              <a:t>ToTable</a:t>
+            </a:r>
+            <a:r>
+              <a:rPr lang="en-US" sz="2400" dirty="0">
+                <a:latin typeface="Monaco"/>
+              </a:rPr>
+              <a:t>("Products");</a:t>
+            </a:r>
+          </a:p>
+        </p:txBody>
+      </p:sp>
+    </p:spTree>
+    <p:extLst>
+      <p:ext uri="{BB962C8B-B14F-4D97-AF65-F5344CB8AC3E}">
+        <p14:creationId xmlns:p14="http://schemas.microsoft.com/office/powerpoint/2010/main" val="877143304"/>
+      </p:ext>
+    </p:extLst>
+  </p:cSld>
+  <p:clrMapOvr>
+    <a:masterClrMapping/>
+  </p:clrMapOvr>
+</p:sld>
+</file>
+
+<file path=ppt/slides/slide41.xml><?xml version="1.0" encoding="utf-8"?>
+<p:sld xmlns:a="http://schemas.openxmlformats.org/drawingml/2006/main" xmlns:r="http://schemas.openxmlformats.org/officeDocument/2006/relationships" xmlns:p="http://schemas.openxmlformats.org/presentationml/2006/main">
+  <p:cSld>
+    <p:spTree>
+      <p:nvGrpSpPr>
+        <p:cNvPr id="1" name=""/>
+        <p:cNvGrpSpPr/>
+        <p:nvPr/>
+      </p:nvGrpSpPr>
+      <p:grpSpPr>
+        <a:xfrm>
+          <a:off x="0" y="0"/>
+          <a:ext cx="0" cy="0"/>
+          <a:chOff x="0" y="0"/>
+          <a:chExt cx="0" cy="0"/>
+        </a:xfrm>
+      </p:grpSpPr>
+      <p:sp>
+        <p:nvSpPr>
+          <p:cNvPr id="4" name="Text Placeholder 3">
+            <a:extLst>
+              <a:ext uri="{FF2B5EF4-FFF2-40B4-BE49-F238E27FC236}">
+                <a16:creationId xmlns:a16="http://schemas.microsoft.com/office/drawing/2014/main" id="{EEF78FDA-D428-4573-91F5-7C54C8A072D0}"/>
+              </a:ext>
+            </a:extLst>
+          </p:cNvPr>
+          <p:cNvSpPr>
+            <a:spLocks noGrp="1"/>
+          </p:cNvSpPr>
+          <p:nvPr>
+            <p:ph type="body" sz="quarter" idx="11"/>
+          </p:nvPr>
+        </p:nvSpPr>
+        <p:spPr/>
+        <p:txBody>
+          <a:bodyPr/>
+          <a:lstStyle/>
+          <a:p>
+            <a:r>
+              <a:rPr lang="en-US" dirty="0"/>
+              <a:t>Query Types</a:t>
+            </a:r>
+          </a:p>
+        </p:txBody>
+      </p:sp>
+    </p:spTree>
+    <p:extLst>
+      <p:ext uri="{BB962C8B-B14F-4D97-AF65-F5344CB8AC3E}">
+        <p14:creationId xmlns:p14="http://schemas.microsoft.com/office/powerpoint/2010/main" val="2021883176"/>
+      </p:ext>
+    </p:extLst>
+  </p:cSld>
+  <p:clrMapOvr>
+    <a:masterClrMapping/>
+  </p:clrMapOvr>
+</p:sld>
+</file>
+
+<file path=ppt/slides/slide42.xml><?xml version="1.0" encoding="utf-8"?>
+<p:sld xmlns:a="http://schemas.openxmlformats.org/drawingml/2006/main" xmlns:r="http://schemas.openxmlformats.org/officeDocument/2006/relationships" xmlns:p="http://schemas.openxmlformats.org/presentationml/2006/main">
+  <p:cSld>
+    <p:spTree>
+      <p:nvGrpSpPr>
+        <p:cNvPr id="1" name=""/>
+        <p:cNvGrpSpPr/>
+        <p:nvPr/>
+      </p:nvGrpSpPr>
+      <p:grpSpPr>
+        <a:xfrm>
+          <a:off x="0" y="0"/>
+          <a:ext cx="0" cy="0"/>
+          <a:chOff x="0" y="0"/>
+          <a:chExt cx="0" cy="0"/>
+        </a:xfrm>
+      </p:grpSpPr>
+      <p:sp>
+        <p:nvSpPr>
+          <p:cNvPr id="3" name="Title 2">
+            <a:extLst>
+              <a:ext uri="{FF2B5EF4-FFF2-40B4-BE49-F238E27FC236}">
+                <a16:creationId xmlns:a16="http://schemas.microsoft.com/office/drawing/2014/main" id="{1ED23200-E075-4367-B7FC-47D3054F5C28}"/>
+              </a:ext>
+            </a:extLst>
+          </p:cNvPr>
+          <p:cNvSpPr>
+            <a:spLocks noGrp="1"/>
+          </p:cNvSpPr>
+          <p:nvPr>
+            <p:ph type="title"/>
+          </p:nvPr>
+        </p:nvSpPr>
+        <p:spPr/>
+        <p:txBody>
+          <a:bodyPr/>
+          <a:lstStyle/>
+          <a:p>
+            <a:r>
+              <a:rPr lang="en-US" dirty="0"/>
               <a:t>Query Types</a:t>
             </a:r>
           </a:p>
@@ -35864,7 +32184,7 @@
 </p:sld>
 </file>
 
-<file path=ppt/slides/slide41.xml><?xml version="1.0" encoding="utf-8"?>
+<file path=ppt/slides/slide43.xml><?xml version="1.0" encoding="utf-8"?>
 <p:sld xmlns:a="http://schemas.openxmlformats.org/drawingml/2006/main" xmlns:r="http://schemas.openxmlformats.org/officeDocument/2006/relationships" xmlns:p="http://schemas.openxmlformats.org/presentationml/2006/main">
   <p:cSld>
     <p:spTree>
@@ -36099,7 +32419,7 @@
 </p:sld>
 </file>
 
-<file path=ppt/slides/slide42.xml><?xml version="1.0" encoding="utf-8"?>
+<file path=ppt/slides/slide44.xml><?xml version="1.0" encoding="utf-8"?>
 <p:sld xmlns:a="http://schemas.openxmlformats.org/drawingml/2006/main" xmlns:r="http://schemas.openxmlformats.org/officeDocument/2006/relationships" xmlns:p="http://schemas.openxmlformats.org/presentationml/2006/main">
   <p:cSld>
     <p:spTree>
@@ -36176,7 +32496,7 @@
 </p:sld>
 </file>
 
-<file path=ppt/slides/slide43.xml><?xml version="1.0" encoding="utf-8"?>
+<file path=ppt/slides/slide45.xml><?xml version="1.0" encoding="utf-8"?>
 <p:sld xmlns:a="http://schemas.openxmlformats.org/drawingml/2006/main" xmlns:r="http://schemas.openxmlformats.org/officeDocument/2006/relationships" xmlns:p="http://schemas.openxmlformats.org/presentationml/2006/main">
   <p:cSld>
     <p:spTree>
@@ -36234,7 +32554,7 @@
 </p:sld>
 </file>
 
-<file path=ppt/slides/slide44.xml><?xml version="1.0" encoding="utf-8"?>
+<file path=ppt/slides/slide46.xml><?xml version="1.0" encoding="utf-8"?>
 <p:sld xmlns:a="http://schemas.openxmlformats.org/drawingml/2006/main" xmlns:r="http://schemas.openxmlformats.org/officeDocument/2006/relationships" xmlns:p="http://schemas.openxmlformats.org/presentationml/2006/main">
   <p:cSld>
     <p:spTree>
@@ -36634,7 +32954,7 @@
 </p:sld>
 </file>
 
-<file path=ppt/slides/slide45.xml><?xml version="1.0" encoding="utf-8"?>
+<file path=ppt/slides/slide47.xml><?xml version="1.0" encoding="utf-8"?>
 <p:sld xmlns:a="http://schemas.openxmlformats.org/drawingml/2006/main" xmlns:r="http://schemas.openxmlformats.org/officeDocument/2006/relationships" xmlns:p="http://schemas.openxmlformats.org/presentationml/2006/main">
   <p:cSld>
     <p:spTree>
@@ -37074,7 +33394,7 @@
 </p:sld>
 </file>
 
-<file path=ppt/slides/slide46.xml><?xml version="1.0" encoding="utf-8"?>
+<file path=ppt/slides/slide48.xml><?xml version="1.0" encoding="utf-8"?>
 <p:sld xmlns:a="http://schemas.openxmlformats.org/drawingml/2006/main" xmlns:r="http://schemas.openxmlformats.org/officeDocument/2006/relationships" xmlns:p="http://schemas.openxmlformats.org/presentationml/2006/main">
   <p:cSld>
     <p:spTree>
@@ -37107,7 +33427,12 @@
             <p:ph idx="1"/>
           </p:nvPr>
         </p:nvSpPr>
-        <p:spPr/>
+        <p:spPr>
+          <a:xfrm>
+            <a:off x="429370" y="1774839"/>
+            <a:ext cx="11441693" cy="4380263"/>
+          </a:xfrm>
+        </p:spPr>
         <p:txBody>
           <a:bodyPr/>
           <a:lstStyle/>
@@ -37298,7 +33623,7 @@
                 </a:solidFill>
                 <a:latin typeface="Consolas" panose="020B0609020204030204" pitchFamily="49" charset="0"/>
               </a:rPr>
-              <a:t> Point(-122.34877, 47.6233355) {SRID = 4326 }</a:t>
+              <a:t> Point(-122.34877, 47.6233355) 			{SRID = 4326 }</a:t>
             </a:r>
           </a:p>
           <a:p>
@@ -37396,7 +33721,7 @@
 </p:sld>
 </file>
 
-<file path=ppt/slides/slide47.xml><?xml version="1.0" encoding="utf-8"?>
+<file path=ppt/slides/slide49.xml><?xml version="1.0" encoding="utf-8"?>
 <p:sld xmlns:a="http://schemas.openxmlformats.org/drawingml/2006/main" xmlns:r="http://schemas.openxmlformats.org/officeDocument/2006/relationships" xmlns:p="http://schemas.openxmlformats.org/presentationml/2006/main">
   <p:cSld>
     <p:spTree>
@@ -37695,419 +34020,6 @@
     <p:extLst>
       <p:ext uri="{BB962C8B-B14F-4D97-AF65-F5344CB8AC3E}">
         <p14:creationId xmlns:p14="http://schemas.microsoft.com/office/powerpoint/2010/main" val="517835796"/>
-      </p:ext>
-    </p:extLst>
-  </p:cSld>
-  <p:clrMapOvr>
-    <a:masterClrMapping/>
-  </p:clrMapOvr>
-</p:sld>
-</file>
-
-<file path=ppt/slides/slide48.xml><?xml version="1.0" encoding="utf-8"?>
-<p:sld xmlns:a="http://schemas.openxmlformats.org/drawingml/2006/main" xmlns:r="http://schemas.openxmlformats.org/officeDocument/2006/relationships" xmlns:p="http://schemas.openxmlformats.org/presentationml/2006/main">
-  <p:cSld>
-    <p:spTree>
-      <p:nvGrpSpPr>
-        <p:cNvPr id="1" name=""/>
-        <p:cNvGrpSpPr/>
-        <p:nvPr/>
-      </p:nvGrpSpPr>
-      <p:grpSpPr>
-        <a:xfrm>
-          <a:off x="0" y="0"/>
-          <a:ext cx="0" cy="0"/>
-          <a:chOff x="0" y="0"/>
-          <a:chExt cx="0" cy="0"/>
-        </a:xfrm>
-      </p:grpSpPr>
-      <p:sp>
-        <p:nvSpPr>
-          <p:cNvPr id="4" name="Text Placeholder 3">
-            <a:extLst>
-              <a:ext uri="{FF2B5EF4-FFF2-40B4-BE49-F238E27FC236}">
-                <a16:creationId xmlns:a16="http://schemas.microsoft.com/office/drawing/2014/main" id="{EEF78FDA-D428-4573-91F5-7C54C8A072D0}"/>
-              </a:ext>
-            </a:extLst>
-          </p:cNvPr>
-          <p:cNvSpPr>
-            <a:spLocks noGrp="1"/>
-          </p:cNvSpPr>
-          <p:nvPr>
-            <p:ph type="body" sz="quarter" idx="11"/>
-          </p:nvPr>
-        </p:nvSpPr>
-        <p:spPr/>
-        <p:txBody>
-          <a:bodyPr/>
-          <a:lstStyle/>
-          <a:p>
-            <a:r>
-              <a:rPr lang="en-US" dirty="0"/>
-              <a:t>Query Tags</a:t>
-            </a:r>
-          </a:p>
-        </p:txBody>
-      </p:sp>
-    </p:spTree>
-    <p:extLst>
-      <p:ext uri="{BB962C8B-B14F-4D97-AF65-F5344CB8AC3E}">
-        <p14:creationId xmlns:p14="http://schemas.microsoft.com/office/powerpoint/2010/main" val="1589447807"/>
-      </p:ext>
-    </p:extLst>
-  </p:cSld>
-  <p:clrMapOvr>
-    <a:masterClrMapping/>
-  </p:clrMapOvr>
-</p:sld>
-</file>
-
-<file path=ppt/slides/slide49.xml><?xml version="1.0" encoding="utf-8"?>
-<p:sld xmlns:a="http://schemas.openxmlformats.org/drawingml/2006/main" xmlns:r="http://schemas.openxmlformats.org/officeDocument/2006/relationships" xmlns:p="http://schemas.openxmlformats.org/presentationml/2006/main">
-  <p:cSld>
-    <p:spTree>
-      <p:nvGrpSpPr>
-        <p:cNvPr id="1" name=""/>
-        <p:cNvGrpSpPr/>
-        <p:nvPr/>
-      </p:nvGrpSpPr>
-      <p:grpSpPr>
-        <a:xfrm>
-          <a:off x="0" y="0"/>
-          <a:ext cx="0" cy="0"/>
-          <a:chOff x="0" y="0"/>
-          <a:chExt cx="0" cy="0"/>
-        </a:xfrm>
-      </p:grpSpPr>
-      <p:sp>
-        <p:nvSpPr>
-          <p:cNvPr id="4" name="Content Placeholder 3">
-            <a:extLst>
-              <a:ext uri="{FF2B5EF4-FFF2-40B4-BE49-F238E27FC236}">
-                <a16:creationId xmlns:a16="http://schemas.microsoft.com/office/drawing/2014/main" id="{9399C87C-7F47-4A66-9FB1-691448276CCF}"/>
-              </a:ext>
-            </a:extLst>
-          </p:cNvPr>
-          <p:cNvSpPr>
-            <a:spLocks noGrp="1"/>
-          </p:cNvSpPr>
-          <p:nvPr>
-            <p:ph idx="1"/>
-          </p:nvPr>
-        </p:nvSpPr>
-        <p:spPr/>
-        <p:txBody>
-          <a:bodyPr/>
-          <a:lstStyle/>
-          <a:p>
-            <a:r>
-              <a:rPr lang="en-US" dirty="0">
-                <a:solidFill>
-                  <a:srgbClr val="0101FD"/>
-                </a:solidFill>
-                <a:latin typeface="Consolas" panose="020B0609020204030204" pitchFamily="49" charset="0"/>
-              </a:rPr>
-              <a:t>var</a:t>
-            </a:r>
-            <a:r>
-              <a:rPr lang="en-US" dirty="0">
-                <a:solidFill>
-                  <a:srgbClr val="000000"/>
-                </a:solidFill>
-                <a:latin typeface="Consolas" panose="020B0609020204030204" pitchFamily="49" charset="0"/>
-              </a:rPr>
-              <a:t> </a:t>
-            </a:r>
-            <a:r>
-              <a:rPr lang="en-US" dirty="0" err="1">
-                <a:solidFill>
-                  <a:srgbClr val="000000"/>
-                </a:solidFill>
-                <a:latin typeface="Consolas" panose="020B0609020204030204" pitchFamily="49" charset="0"/>
-              </a:rPr>
-              <a:t>nearestFriends</a:t>
-            </a:r>
-            <a:r>
-              <a:rPr lang="en-US" dirty="0">
-                <a:solidFill>
-                  <a:srgbClr val="000000"/>
-                </a:solidFill>
-                <a:latin typeface="Consolas" panose="020B0609020204030204" pitchFamily="49" charset="0"/>
-              </a:rPr>
-              <a:t> = (</a:t>
-            </a:r>
-          </a:p>
-          <a:p>
-            <a:r>
-              <a:rPr lang="en-US" dirty="0">
-                <a:solidFill>
-                  <a:srgbClr val="000000"/>
-                </a:solidFill>
-                <a:latin typeface="Consolas" panose="020B0609020204030204" pitchFamily="49" charset="0"/>
-              </a:rPr>
-              <a:t>	</a:t>
-            </a:r>
-            <a:r>
-              <a:rPr lang="en-US" dirty="0">
-                <a:solidFill>
-                  <a:srgbClr val="0101FD"/>
-                </a:solidFill>
-                <a:latin typeface="Consolas" panose="020B0609020204030204" pitchFamily="49" charset="0"/>
-              </a:rPr>
-              <a:t>from</a:t>
-            </a:r>
-            <a:r>
-              <a:rPr lang="en-US" dirty="0">
-                <a:solidFill>
-                  <a:srgbClr val="000000"/>
-                </a:solidFill>
-                <a:latin typeface="Consolas" panose="020B0609020204030204" pitchFamily="49" charset="0"/>
-              </a:rPr>
-              <a:t> f </a:t>
-            </a:r>
-            <a:r>
-              <a:rPr lang="en-US" dirty="0">
-                <a:solidFill>
-                  <a:srgbClr val="0101FD"/>
-                </a:solidFill>
-                <a:latin typeface="Consolas" panose="020B0609020204030204" pitchFamily="49" charset="0"/>
-              </a:rPr>
-              <a:t>in</a:t>
-            </a:r>
-            <a:r>
-              <a:rPr lang="en-US" dirty="0">
-                <a:solidFill>
-                  <a:srgbClr val="000000"/>
-                </a:solidFill>
-                <a:latin typeface="Consolas" panose="020B0609020204030204" pitchFamily="49" charset="0"/>
-              </a:rPr>
-              <a:t> </a:t>
-            </a:r>
-            <a:r>
-              <a:rPr lang="en-US" dirty="0" err="1">
-                <a:solidFill>
-                  <a:srgbClr val="000000"/>
-                </a:solidFill>
-                <a:latin typeface="Consolas" panose="020B0609020204030204" pitchFamily="49" charset="0"/>
-              </a:rPr>
-              <a:t>context.Friends</a:t>
-            </a:r>
-            <a:endParaRPr lang="en-US" dirty="0">
-              <a:solidFill>
-                <a:srgbClr val="000000"/>
-              </a:solidFill>
-              <a:latin typeface="Consolas" panose="020B0609020204030204" pitchFamily="49" charset="0"/>
-            </a:endParaRPr>
-          </a:p>
-          <a:p>
-            <a:r>
-              <a:rPr lang="en-US" dirty="0">
-                <a:solidFill>
-                  <a:srgbClr val="000000"/>
-                </a:solidFill>
-                <a:latin typeface="Consolas" panose="020B0609020204030204" pitchFamily="49" charset="0"/>
-              </a:rPr>
-              <a:t>		.</a:t>
-            </a:r>
-            <a:r>
-              <a:rPr lang="en-US" dirty="0" err="1">
-                <a:solidFill>
-                  <a:srgbClr val="000000"/>
-                </a:solidFill>
-                <a:latin typeface="Consolas" panose="020B0609020204030204" pitchFamily="49" charset="0"/>
-              </a:rPr>
-              <a:t>TagWith</a:t>
-            </a:r>
-            <a:r>
-              <a:rPr lang="en-US" dirty="0">
-                <a:solidFill>
-                  <a:srgbClr val="000000"/>
-                </a:solidFill>
-                <a:latin typeface="Consolas" panose="020B0609020204030204" pitchFamily="49" charset="0"/>
-              </a:rPr>
-              <a:t>(</a:t>
-            </a:r>
-            <a:r>
-              <a:rPr lang="en-US" dirty="0">
-                <a:solidFill>
-                  <a:srgbClr val="A31515"/>
-                </a:solidFill>
-                <a:latin typeface="Consolas" panose="020B0609020204030204" pitchFamily="49" charset="0"/>
-              </a:rPr>
-              <a:t>"This is my spatial query!"</a:t>
-            </a:r>
-            <a:r>
-              <a:rPr lang="en-US" dirty="0">
-                <a:solidFill>
-                  <a:srgbClr val="000000"/>
-                </a:solidFill>
-                <a:latin typeface="Consolas" panose="020B0609020204030204" pitchFamily="49" charset="0"/>
-              </a:rPr>
-              <a:t>)</a:t>
-            </a:r>
-          </a:p>
-          <a:p>
-            <a:r>
-              <a:rPr lang="en-US" dirty="0">
-                <a:solidFill>
-                  <a:srgbClr val="000000"/>
-                </a:solidFill>
-                <a:latin typeface="Consolas" panose="020B0609020204030204" pitchFamily="49" charset="0"/>
-              </a:rPr>
-              <a:t>	</a:t>
-            </a:r>
-            <a:r>
-              <a:rPr lang="en-US" dirty="0" err="1">
-                <a:solidFill>
-                  <a:srgbClr val="0101FD"/>
-                </a:solidFill>
-                <a:latin typeface="Consolas" panose="020B0609020204030204" pitchFamily="49" charset="0"/>
-              </a:rPr>
-              <a:t>orderby</a:t>
-            </a:r>
-            <a:r>
-              <a:rPr lang="en-US" dirty="0">
-                <a:solidFill>
-                  <a:srgbClr val="000000"/>
-                </a:solidFill>
-                <a:latin typeface="Consolas" panose="020B0609020204030204" pitchFamily="49" charset="0"/>
-              </a:rPr>
-              <a:t> </a:t>
-            </a:r>
-            <a:r>
-              <a:rPr lang="en-US" dirty="0" err="1">
-                <a:solidFill>
-                  <a:srgbClr val="000000"/>
-                </a:solidFill>
-                <a:latin typeface="Consolas" panose="020B0609020204030204" pitchFamily="49" charset="0"/>
-              </a:rPr>
-              <a:t>f.Location.Distance</a:t>
-            </a:r>
-            <a:r>
-              <a:rPr lang="en-US" dirty="0">
-                <a:solidFill>
-                  <a:srgbClr val="000000"/>
-                </a:solidFill>
-                <a:latin typeface="Consolas" panose="020B0609020204030204" pitchFamily="49" charset="0"/>
-              </a:rPr>
-              <a:t>(</a:t>
-            </a:r>
-            <a:r>
-              <a:rPr lang="en-US" dirty="0" err="1">
-                <a:solidFill>
-                  <a:srgbClr val="000000"/>
-                </a:solidFill>
-                <a:latin typeface="Consolas" panose="020B0609020204030204" pitchFamily="49" charset="0"/>
-              </a:rPr>
-              <a:t>myLocation</a:t>
-            </a:r>
-            <a:r>
-              <a:rPr lang="en-US" dirty="0">
-                <a:solidFill>
-                  <a:srgbClr val="000000"/>
-                </a:solidFill>
-                <a:latin typeface="Consolas" panose="020B0609020204030204" pitchFamily="49" charset="0"/>
-              </a:rPr>
-              <a:t>) </a:t>
-            </a:r>
-            <a:r>
-              <a:rPr lang="en-US" dirty="0">
-                <a:solidFill>
-                  <a:srgbClr val="0101FD"/>
-                </a:solidFill>
-                <a:latin typeface="Consolas" panose="020B0609020204030204" pitchFamily="49" charset="0"/>
-              </a:rPr>
-              <a:t>descending</a:t>
-            </a:r>
-            <a:endParaRPr lang="en-US" dirty="0">
-              <a:solidFill>
-                <a:srgbClr val="000000"/>
-              </a:solidFill>
-              <a:latin typeface="Consolas" panose="020B0609020204030204" pitchFamily="49" charset="0"/>
-            </a:endParaRPr>
-          </a:p>
-          <a:p>
-            <a:r>
-              <a:rPr lang="en-US" dirty="0">
-                <a:solidFill>
-                  <a:srgbClr val="000000"/>
-                </a:solidFill>
-                <a:latin typeface="Consolas" panose="020B0609020204030204" pitchFamily="49" charset="0"/>
-              </a:rPr>
-              <a:t>	</a:t>
-            </a:r>
-            <a:r>
-              <a:rPr lang="en-US" dirty="0">
-                <a:solidFill>
-                  <a:srgbClr val="0101FD"/>
-                </a:solidFill>
-                <a:latin typeface="Consolas" panose="020B0609020204030204" pitchFamily="49" charset="0"/>
-              </a:rPr>
-              <a:t>select</a:t>
-            </a:r>
-            <a:r>
-              <a:rPr lang="en-US" dirty="0">
-                <a:solidFill>
-                  <a:srgbClr val="000000"/>
-                </a:solidFill>
-                <a:latin typeface="Consolas" panose="020B0609020204030204" pitchFamily="49" charset="0"/>
-              </a:rPr>
-              <a:t> f).Take(5).</a:t>
-            </a:r>
-            <a:r>
-              <a:rPr lang="en-US" dirty="0" err="1">
-                <a:solidFill>
-                  <a:srgbClr val="000000"/>
-                </a:solidFill>
-                <a:latin typeface="Consolas" panose="020B0609020204030204" pitchFamily="49" charset="0"/>
-              </a:rPr>
-              <a:t>ToList</a:t>
-            </a:r>
-            <a:r>
-              <a:rPr lang="en-US" dirty="0">
-                <a:solidFill>
-                  <a:srgbClr val="000000"/>
-                </a:solidFill>
-                <a:latin typeface="Consolas" panose="020B0609020204030204" pitchFamily="49" charset="0"/>
-              </a:rPr>
-              <a:t>();</a:t>
-            </a:r>
-            <a:endParaRPr lang="en-US" dirty="0"/>
-          </a:p>
-        </p:txBody>
-      </p:sp>
-      <p:sp>
-        <p:nvSpPr>
-          <p:cNvPr id="3" name="Title 2">
-            <a:extLst>
-              <a:ext uri="{FF2B5EF4-FFF2-40B4-BE49-F238E27FC236}">
-                <a16:creationId xmlns:a16="http://schemas.microsoft.com/office/drawing/2014/main" id="{1ED23200-E075-4367-B7FC-47D3054F5C28}"/>
-              </a:ext>
-            </a:extLst>
-          </p:cNvPr>
-          <p:cNvSpPr>
-            <a:spLocks noGrp="1"/>
-          </p:cNvSpPr>
-          <p:nvPr>
-            <p:ph type="title"/>
-          </p:nvPr>
-        </p:nvSpPr>
-        <p:spPr/>
-        <p:txBody>
-          <a:bodyPr/>
-          <a:lstStyle/>
-          <a:p>
-            <a:r>
-              <a:rPr lang="en-US" dirty="0"/>
-              <a:t>Query Tags</a:t>
-            </a:r>
-          </a:p>
-        </p:txBody>
-      </p:sp>
-    </p:spTree>
-    <p:extLst>
-      <p:ext uri="{BB962C8B-B14F-4D97-AF65-F5344CB8AC3E}">
-        <p14:creationId xmlns:p14="http://schemas.microsoft.com/office/powerpoint/2010/main" val="3525278487"/>
       </p:ext>
     </p:extLst>
   </p:cSld>
@@ -38194,6 +34106,419 @@
       </p:grpSpPr>
       <p:sp>
         <p:nvSpPr>
+          <p:cNvPr id="4" name="Text Placeholder 3">
+            <a:extLst>
+              <a:ext uri="{FF2B5EF4-FFF2-40B4-BE49-F238E27FC236}">
+                <a16:creationId xmlns:a16="http://schemas.microsoft.com/office/drawing/2014/main" id="{EEF78FDA-D428-4573-91F5-7C54C8A072D0}"/>
+              </a:ext>
+            </a:extLst>
+          </p:cNvPr>
+          <p:cNvSpPr>
+            <a:spLocks noGrp="1"/>
+          </p:cNvSpPr>
+          <p:nvPr>
+            <p:ph type="body" sz="quarter" idx="11"/>
+          </p:nvPr>
+        </p:nvSpPr>
+        <p:spPr/>
+        <p:txBody>
+          <a:bodyPr/>
+          <a:lstStyle/>
+          <a:p>
+            <a:r>
+              <a:rPr lang="en-US" dirty="0"/>
+              <a:t>Query Tags</a:t>
+            </a:r>
+          </a:p>
+        </p:txBody>
+      </p:sp>
+    </p:spTree>
+    <p:extLst>
+      <p:ext uri="{BB962C8B-B14F-4D97-AF65-F5344CB8AC3E}">
+        <p14:creationId xmlns:p14="http://schemas.microsoft.com/office/powerpoint/2010/main" val="1589447807"/>
+      </p:ext>
+    </p:extLst>
+  </p:cSld>
+  <p:clrMapOvr>
+    <a:masterClrMapping/>
+  </p:clrMapOvr>
+</p:sld>
+</file>
+
+<file path=ppt/slides/slide51.xml><?xml version="1.0" encoding="utf-8"?>
+<p:sld xmlns:a="http://schemas.openxmlformats.org/drawingml/2006/main" xmlns:r="http://schemas.openxmlformats.org/officeDocument/2006/relationships" xmlns:p="http://schemas.openxmlformats.org/presentationml/2006/main">
+  <p:cSld>
+    <p:spTree>
+      <p:nvGrpSpPr>
+        <p:cNvPr id="1" name=""/>
+        <p:cNvGrpSpPr/>
+        <p:nvPr/>
+      </p:nvGrpSpPr>
+      <p:grpSpPr>
+        <a:xfrm>
+          <a:off x="0" y="0"/>
+          <a:ext cx="0" cy="0"/>
+          <a:chOff x="0" y="0"/>
+          <a:chExt cx="0" cy="0"/>
+        </a:xfrm>
+      </p:grpSpPr>
+      <p:sp>
+        <p:nvSpPr>
+          <p:cNvPr id="4" name="Content Placeholder 3">
+            <a:extLst>
+              <a:ext uri="{FF2B5EF4-FFF2-40B4-BE49-F238E27FC236}">
+                <a16:creationId xmlns:a16="http://schemas.microsoft.com/office/drawing/2014/main" id="{9399C87C-7F47-4A66-9FB1-691448276CCF}"/>
+              </a:ext>
+            </a:extLst>
+          </p:cNvPr>
+          <p:cNvSpPr>
+            <a:spLocks noGrp="1"/>
+          </p:cNvSpPr>
+          <p:nvPr>
+            <p:ph idx="1"/>
+          </p:nvPr>
+        </p:nvSpPr>
+        <p:spPr/>
+        <p:txBody>
+          <a:bodyPr/>
+          <a:lstStyle/>
+          <a:p>
+            <a:r>
+              <a:rPr lang="en-US" dirty="0">
+                <a:solidFill>
+                  <a:srgbClr val="0101FD"/>
+                </a:solidFill>
+                <a:latin typeface="Consolas" panose="020B0609020204030204" pitchFamily="49" charset="0"/>
+              </a:rPr>
+              <a:t>var</a:t>
+            </a:r>
+            <a:r>
+              <a:rPr lang="en-US" dirty="0">
+                <a:solidFill>
+                  <a:srgbClr val="000000"/>
+                </a:solidFill>
+                <a:latin typeface="Consolas" panose="020B0609020204030204" pitchFamily="49" charset="0"/>
+              </a:rPr>
+              <a:t> </a:t>
+            </a:r>
+            <a:r>
+              <a:rPr lang="en-US" dirty="0" err="1">
+                <a:solidFill>
+                  <a:srgbClr val="000000"/>
+                </a:solidFill>
+                <a:latin typeface="Consolas" panose="020B0609020204030204" pitchFamily="49" charset="0"/>
+              </a:rPr>
+              <a:t>nearestFriends</a:t>
+            </a:r>
+            <a:r>
+              <a:rPr lang="en-US" dirty="0">
+                <a:solidFill>
+                  <a:srgbClr val="000000"/>
+                </a:solidFill>
+                <a:latin typeface="Consolas" panose="020B0609020204030204" pitchFamily="49" charset="0"/>
+              </a:rPr>
+              <a:t> = (</a:t>
+            </a:r>
+          </a:p>
+          <a:p>
+            <a:r>
+              <a:rPr lang="en-US" dirty="0">
+                <a:solidFill>
+                  <a:srgbClr val="000000"/>
+                </a:solidFill>
+                <a:latin typeface="Consolas" panose="020B0609020204030204" pitchFamily="49" charset="0"/>
+              </a:rPr>
+              <a:t>	</a:t>
+            </a:r>
+            <a:r>
+              <a:rPr lang="en-US" dirty="0">
+                <a:solidFill>
+                  <a:srgbClr val="0101FD"/>
+                </a:solidFill>
+                <a:latin typeface="Consolas" panose="020B0609020204030204" pitchFamily="49" charset="0"/>
+              </a:rPr>
+              <a:t>from</a:t>
+            </a:r>
+            <a:r>
+              <a:rPr lang="en-US" dirty="0">
+                <a:solidFill>
+                  <a:srgbClr val="000000"/>
+                </a:solidFill>
+                <a:latin typeface="Consolas" panose="020B0609020204030204" pitchFamily="49" charset="0"/>
+              </a:rPr>
+              <a:t> f </a:t>
+            </a:r>
+            <a:r>
+              <a:rPr lang="en-US" dirty="0">
+                <a:solidFill>
+                  <a:srgbClr val="0101FD"/>
+                </a:solidFill>
+                <a:latin typeface="Consolas" panose="020B0609020204030204" pitchFamily="49" charset="0"/>
+              </a:rPr>
+              <a:t>in</a:t>
+            </a:r>
+            <a:r>
+              <a:rPr lang="en-US" dirty="0">
+                <a:solidFill>
+                  <a:srgbClr val="000000"/>
+                </a:solidFill>
+                <a:latin typeface="Consolas" panose="020B0609020204030204" pitchFamily="49" charset="0"/>
+              </a:rPr>
+              <a:t> </a:t>
+            </a:r>
+            <a:r>
+              <a:rPr lang="en-US" dirty="0" err="1">
+                <a:solidFill>
+                  <a:srgbClr val="000000"/>
+                </a:solidFill>
+                <a:latin typeface="Consolas" panose="020B0609020204030204" pitchFamily="49" charset="0"/>
+              </a:rPr>
+              <a:t>context.Friends</a:t>
+            </a:r>
+            <a:endParaRPr lang="en-US" dirty="0">
+              <a:solidFill>
+                <a:srgbClr val="000000"/>
+              </a:solidFill>
+              <a:latin typeface="Consolas" panose="020B0609020204030204" pitchFamily="49" charset="0"/>
+            </a:endParaRPr>
+          </a:p>
+          <a:p>
+            <a:r>
+              <a:rPr lang="en-US" dirty="0">
+                <a:solidFill>
+                  <a:srgbClr val="000000"/>
+                </a:solidFill>
+                <a:latin typeface="Consolas" panose="020B0609020204030204" pitchFamily="49" charset="0"/>
+              </a:rPr>
+              <a:t>		.</a:t>
+            </a:r>
+            <a:r>
+              <a:rPr lang="en-US" dirty="0" err="1">
+                <a:solidFill>
+                  <a:srgbClr val="000000"/>
+                </a:solidFill>
+                <a:latin typeface="Consolas" panose="020B0609020204030204" pitchFamily="49" charset="0"/>
+              </a:rPr>
+              <a:t>TagWith</a:t>
+            </a:r>
+            <a:r>
+              <a:rPr lang="en-US" dirty="0">
+                <a:solidFill>
+                  <a:srgbClr val="000000"/>
+                </a:solidFill>
+                <a:latin typeface="Consolas" panose="020B0609020204030204" pitchFamily="49" charset="0"/>
+              </a:rPr>
+              <a:t>(</a:t>
+            </a:r>
+            <a:r>
+              <a:rPr lang="en-US" dirty="0">
+                <a:solidFill>
+                  <a:srgbClr val="A31515"/>
+                </a:solidFill>
+                <a:latin typeface="Consolas" panose="020B0609020204030204" pitchFamily="49" charset="0"/>
+              </a:rPr>
+              <a:t>"This is my spatial query!"</a:t>
+            </a:r>
+            <a:r>
+              <a:rPr lang="en-US" dirty="0">
+                <a:solidFill>
+                  <a:srgbClr val="000000"/>
+                </a:solidFill>
+                <a:latin typeface="Consolas" panose="020B0609020204030204" pitchFamily="49" charset="0"/>
+              </a:rPr>
+              <a:t>)</a:t>
+            </a:r>
+          </a:p>
+          <a:p>
+            <a:r>
+              <a:rPr lang="en-US" dirty="0">
+                <a:solidFill>
+                  <a:srgbClr val="000000"/>
+                </a:solidFill>
+                <a:latin typeface="Consolas" panose="020B0609020204030204" pitchFamily="49" charset="0"/>
+              </a:rPr>
+              <a:t>	</a:t>
+            </a:r>
+            <a:r>
+              <a:rPr lang="en-US" dirty="0" err="1">
+                <a:solidFill>
+                  <a:srgbClr val="0101FD"/>
+                </a:solidFill>
+                <a:latin typeface="Consolas" panose="020B0609020204030204" pitchFamily="49" charset="0"/>
+              </a:rPr>
+              <a:t>orderby</a:t>
+            </a:r>
+            <a:r>
+              <a:rPr lang="en-US" dirty="0">
+                <a:solidFill>
+                  <a:srgbClr val="000000"/>
+                </a:solidFill>
+                <a:latin typeface="Consolas" panose="020B0609020204030204" pitchFamily="49" charset="0"/>
+              </a:rPr>
+              <a:t> </a:t>
+            </a:r>
+            <a:r>
+              <a:rPr lang="en-US" dirty="0" err="1">
+                <a:solidFill>
+                  <a:srgbClr val="000000"/>
+                </a:solidFill>
+                <a:latin typeface="Consolas" panose="020B0609020204030204" pitchFamily="49" charset="0"/>
+              </a:rPr>
+              <a:t>f.Location.Distance</a:t>
+            </a:r>
+            <a:r>
+              <a:rPr lang="en-US" dirty="0">
+                <a:solidFill>
+                  <a:srgbClr val="000000"/>
+                </a:solidFill>
+                <a:latin typeface="Consolas" panose="020B0609020204030204" pitchFamily="49" charset="0"/>
+              </a:rPr>
+              <a:t>(</a:t>
+            </a:r>
+            <a:r>
+              <a:rPr lang="en-US" dirty="0" err="1">
+                <a:solidFill>
+                  <a:srgbClr val="000000"/>
+                </a:solidFill>
+                <a:latin typeface="Consolas" panose="020B0609020204030204" pitchFamily="49" charset="0"/>
+              </a:rPr>
+              <a:t>myLocation</a:t>
+            </a:r>
+            <a:r>
+              <a:rPr lang="en-US" dirty="0">
+                <a:solidFill>
+                  <a:srgbClr val="000000"/>
+                </a:solidFill>
+                <a:latin typeface="Consolas" panose="020B0609020204030204" pitchFamily="49" charset="0"/>
+              </a:rPr>
+              <a:t>) </a:t>
+            </a:r>
+            <a:r>
+              <a:rPr lang="en-US" dirty="0">
+                <a:solidFill>
+                  <a:srgbClr val="0101FD"/>
+                </a:solidFill>
+                <a:latin typeface="Consolas" panose="020B0609020204030204" pitchFamily="49" charset="0"/>
+              </a:rPr>
+              <a:t>descending</a:t>
+            </a:r>
+            <a:endParaRPr lang="en-US" dirty="0">
+              <a:solidFill>
+                <a:srgbClr val="000000"/>
+              </a:solidFill>
+              <a:latin typeface="Consolas" panose="020B0609020204030204" pitchFamily="49" charset="0"/>
+            </a:endParaRPr>
+          </a:p>
+          <a:p>
+            <a:r>
+              <a:rPr lang="en-US" dirty="0">
+                <a:solidFill>
+                  <a:srgbClr val="000000"/>
+                </a:solidFill>
+                <a:latin typeface="Consolas" panose="020B0609020204030204" pitchFamily="49" charset="0"/>
+              </a:rPr>
+              <a:t>	</a:t>
+            </a:r>
+            <a:r>
+              <a:rPr lang="en-US" dirty="0">
+                <a:solidFill>
+                  <a:srgbClr val="0101FD"/>
+                </a:solidFill>
+                <a:latin typeface="Consolas" panose="020B0609020204030204" pitchFamily="49" charset="0"/>
+              </a:rPr>
+              <a:t>select</a:t>
+            </a:r>
+            <a:r>
+              <a:rPr lang="en-US" dirty="0">
+                <a:solidFill>
+                  <a:srgbClr val="000000"/>
+                </a:solidFill>
+                <a:latin typeface="Consolas" panose="020B0609020204030204" pitchFamily="49" charset="0"/>
+              </a:rPr>
+              <a:t> f).Take(5).</a:t>
+            </a:r>
+            <a:r>
+              <a:rPr lang="en-US" dirty="0" err="1">
+                <a:solidFill>
+                  <a:srgbClr val="000000"/>
+                </a:solidFill>
+                <a:latin typeface="Consolas" panose="020B0609020204030204" pitchFamily="49" charset="0"/>
+              </a:rPr>
+              <a:t>ToList</a:t>
+            </a:r>
+            <a:r>
+              <a:rPr lang="en-US" dirty="0">
+                <a:solidFill>
+                  <a:srgbClr val="000000"/>
+                </a:solidFill>
+                <a:latin typeface="Consolas" panose="020B0609020204030204" pitchFamily="49" charset="0"/>
+              </a:rPr>
+              <a:t>();</a:t>
+            </a:r>
+            <a:endParaRPr lang="en-US" dirty="0"/>
+          </a:p>
+        </p:txBody>
+      </p:sp>
+      <p:sp>
+        <p:nvSpPr>
+          <p:cNvPr id="3" name="Title 2">
+            <a:extLst>
+              <a:ext uri="{FF2B5EF4-FFF2-40B4-BE49-F238E27FC236}">
+                <a16:creationId xmlns:a16="http://schemas.microsoft.com/office/drawing/2014/main" id="{1ED23200-E075-4367-B7FC-47D3054F5C28}"/>
+              </a:ext>
+            </a:extLst>
+          </p:cNvPr>
+          <p:cNvSpPr>
+            <a:spLocks noGrp="1"/>
+          </p:cNvSpPr>
+          <p:nvPr>
+            <p:ph type="title"/>
+          </p:nvPr>
+        </p:nvSpPr>
+        <p:spPr/>
+        <p:txBody>
+          <a:bodyPr/>
+          <a:lstStyle/>
+          <a:p>
+            <a:r>
+              <a:rPr lang="en-US" dirty="0"/>
+              <a:t>Query Tags</a:t>
+            </a:r>
+          </a:p>
+        </p:txBody>
+      </p:sp>
+    </p:spTree>
+    <p:extLst>
+      <p:ext uri="{BB962C8B-B14F-4D97-AF65-F5344CB8AC3E}">
+        <p14:creationId xmlns:p14="http://schemas.microsoft.com/office/powerpoint/2010/main" val="3525278487"/>
+      </p:ext>
+    </p:extLst>
+  </p:cSld>
+  <p:clrMapOvr>
+    <a:masterClrMapping/>
+  </p:clrMapOvr>
+</p:sld>
+</file>
+
+<file path=ppt/slides/slide52.xml><?xml version="1.0" encoding="utf-8"?>
+<p:sld xmlns:a="http://schemas.openxmlformats.org/drawingml/2006/main" xmlns:r="http://schemas.openxmlformats.org/officeDocument/2006/relationships" xmlns:p="http://schemas.openxmlformats.org/presentationml/2006/main">
+  <p:cSld>
+    <p:spTree>
+      <p:nvGrpSpPr>
+        <p:cNvPr id="1" name=""/>
+        <p:cNvGrpSpPr/>
+        <p:nvPr/>
+      </p:nvGrpSpPr>
+      <p:grpSpPr>
+        <a:xfrm>
+          <a:off x="0" y="0"/>
+          <a:ext cx="0" cy="0"/>
+          <a:chOff x="0" y="0"/>
+          <a:chExt cx="0" cy="0"/>
+        </a:xfrm>
+      </p:grpSpPr>
+      <p:sp>
+        <p:nvSpPr>
           <p:cNvPr id="3" name="Content Placeholder 2">
             <a:extLst>
               <a:ext uri="{FF2B5EF4-FFF2-40B4-BE49-F238E27FC236}">
@@ -38440,7 +34765,7 @@
 </p:sld>
 </file>
 
-<file path=ppt/slides/slide51.xml><?xml version="1.0" encoding="utf-8"?>
+<file path=ppt/slides/slide53.xml><?xml version="1.0" encoding="utf-8"?>
 <p:sld xmlns:a="http://schemas.openxmlformats.org/drawingml/2006/main" xmlns:r="http://schemas.openxmlformats.org/officeDocument/2006/relationships" xmlns:p="http://schemas.openxmlformats.org/presentationml/2006/main">
   <p:cSld>
     <p:spTree>
@@ -38517,7 +34842,7 @@
 </p:sld>
 </file>
 
-<file path=ppt/slides/slide52.xml><?xml version="1.0" encoding="utf-8"?>
+<file path=ppt/slides/slide54.xml><?xml version="1.0" encoding="utf-8"?>
 <p:sld xmlns:a="http://schemas.openxmlformats.org/drawingml/2006/main" xmlns:r="http://schemas.openxmlformats.org/officeDocument/2006/relationships" xmlns:p="http://schemas.openxmlformats.org/presentationml/2006/main">
   <p:cSld>
     <p:spTree>
@@ -38556,13 +34881,7 @@
           <a:p>
             <a:r>
               <a:rPr lang="en-US" dirty="0"/>
-              <a:t>EF Core 2.1 won’t be binary compatible with EF Core 1.0</a:t>
-            </a:r>
-          </a:p>
-          <a:p>
-            <a:r>
-              <a:rPr lang="en-US" dirty="0"/>
-              <a:t>Cosmos DB provider will be coming in future</a:t>
+              <a:t>Cosmos DB provider will be coming in EF Core 3.0</a:t>
             </a:r>
           </a:p>
           <a:p>
@@ -38570,6 +34889,29 @@
               <a:rPr lang="en-US" dirty="0"/>
               <a:t>Stored Procedures native support not support but work arounds using string interpolation in raw SQL methods</a:t>
             </a:r>
+          </a:p>
+          <a:p>
+            <a:r>
+              <a:rPr lang="en-US" dirty="0"/>
+              <a:t>EF Core 3.0 - LINQ queries are no longer evaluated on the client</a:t>
+            </a:r>
+          </a:p>
+          <a:p>
+            <a:r>
+              <a:rPr lang="en-US" dirty="0"/>
+              <a:t>Entity Framework Core 3.0 is no longer part of the ASP.NET Core shared framework</a:t>
+            </a:r>
+          </a:p>
+          <a:p>
+            <a:r>
+              <a:rPr lang="en-US" dirty="0"/>
+              <a:t>Entity Framework</a:t>
+            </a:r>
+            <a:r>
+              <a:rPr lang="nl-NL" dirty="0"/>
+              <a:t> 6.3 on .NET Core</a:t>
+            </a:r>
+            <a:endParaRPr lang="en-US" dirty="0"/>
           </a:p>
         </p:txBody>
       </p:sp>
@@ -38608,7 +34950,7 @@
 </p:sld>
 </file>
 
-<file path=ppt/slides/slide53.xml><?xml version="1.0" encoding="utf-8"?>
+<file path=ppt/slides/slide55.xml><?xml version="1.0" encoding="utf-8"?>
 <p:sld xmlns:a="http://schemas.openxmlformats.org/drawingml/2006/main" xmlns:r="http://schemas.openxmlformats.org/officeDocument/2006/relationships" xmlns:p="http://schemas.openxmlformats.org/presentationml/2006/main">
   <p:cSld>
     <p:spTree>
@@ -38749,7 +35091,7 @@
 </p:sld>
 </file>
 
-<file path=ppt/slides/slide54.xml><?xml version="1.0" encoding="utf-8"?>
+<file path=ppt/slides/slide56.xml><?xml version="1.0" encoding="utf-8"?>
 <p:sld xmlns:a="http://schemas.openxmlformats.org/drawingml/2006/main" xmlns:r="http://schemas.openxmlformats.org/officeDocument/2006/relationships" xmlns:p="http://schemas.openxmlformats.org/presentationml/2006/main">
   <p:cSld>
     <p:spTree>
@@ -38952,19 +35294,17 @@
       </p:sp>
       <p:pic>
         <p:nvPicPr>
-          <p:cNvPr id="13" name="Picture Placeholder 12">
+          <p:cNvPr id="2050" name="Picture 2" descr="See the source image">
             <a:extLst>
               <a:ext uri="{FF2B5EF4-FFF2-40B4-BE49-F238E27FC236}">
-                <a16:creationId xmlns:a16="http://schemas.microsoft.com/office/drawing/2014/main" id="{9F5CC9CF-E2FA-4EF9-B52F-CB6E1EBAD715}"/>
+                <a16:creationId xmlns:a16="http://schemas.microsoft.com/office/drawing/2014/main" id="{791AF075-0E86-437D-AD16-98162596336C}"/>
               </a:ext>
             </a:extLst>
           </p:cNvPr>
           <p:cNvPicPr>
-            <a:picLocks noGrp="1" noChangeAspect="1"/>
+            <a:picLocks noChangeAspect="1" noChangeArrowheads="1"/>
           </p:cNvPicPr>
-          <p:nvPr>
-            <p:ph type="pic" sz="quarter" idx="16"/>
-          </p:nvPr>
+          <p:nvPr/>
         </p:nvPicPr>
         <p:blipFill>
           <a:blip r:embed="rId2">
@@ -38979,18 +35319,32 @@
             <a:fillRect/>
           </a:stretch>
         </p:blipFill>
-        <p:spPr>
-          <a:solidFill>
-            <a:srgbClr val="EDEDED"/>
-          </a:solidFill>
+        <p:spPr bwMode="auto">
+          <a:xfrm>
+            <a:off x="5218113" y="4377055"/>
+            <a:ext cx="1560513" cy="1688524"/>
+          </a:xfrm>
+          <a:prstGeom prst="rect">
+            <a:avLst/>
+          </a:prstGeom>
+          <a:noFill/>
+          <a:extLst>
+            <a:ext uri="{909E8E84-426E-40DD-AFC4-6F175D3DCCD1}">
+              <a14:hiddenFill xmlns:a14="http://schemas.microsoft.com/office/drawing/2010/main">
+                <a:solidFill>
+                  <a:srgbClr val="FFFFFF"/>
+                </a:solidFill>
+              </a14:hiddenFill>
+            </a:ext>
+          </a:extLst>
         </p:spPr>
       </p:pic>
       <p:pic>
         <p:nvPicPr>
-          <p:cNvPr id="2050" name="Picture 2" descr="See the source image">
+          <p:cNvPr id="2052" name="Picture 4" descr="See the source image">
             <a:extLst>
               <a:ext uri="{FF2B5EF4-FFF2-40B4-BE49-F238E27FC236}">
-                <a16:creationId xmlns:a16="http://schemas.microsoft.com/office/drawing/2014/main" id="{791AF075-0E86-437D-AD16-98162596336C}"/>
+                <a16:creationId xmlns:a16="http://schemas.microsoft.com/office/drawing/2014/main" id="{E180DCA0-77AC-412E-949F-FE0E8E4C8679}"/>
               </a:ext>
             </a:extLst>
           </p:cNvPr>
@@ -39014,53 +35368,6 @@
         </p:blipFill>
         <p:spPr bwMode="auto">
           <a:xfrm>
-            <a:off x="5218113" y="4377055"/>
-            <a:ext cx="1560513" cy="1688524"/>
-          </a:xfrm>
-          <a:prstGeom prst="rect">
-            <a:avLst/>
-          </a:prstGeom>
-          <a:noFill/>
-          <a:extLst>
-            <a:ext uri="{909E8E84-426E-40DD-AFC4-6F175D3DCCD1}">
-              <a14:hiddenFill xmlns:a14="http://schemas.microsoft.com/office/drawing/2010/main">
-                <a:solidFill>
-                  <a:srgbClr val="FFFFFF"/>
-                </a:solidFill>
-              </a14:hiddenFill>
-            </a:ext>
-          </a:extLst>
-        </p:spPr>
-      </p:pic>
-      <p:pic>
-        <p:nvPicPr>
-          <p:cNvPr id="2052" name="Picture 4" descr="See the source image">
-            <a:extLst>
-              <a:ext uri="{FF2B5EF4-FFF2-40B4-BE49-F238E27FC236}">
-                <a16:creationId xmlns:a16="http://schemas.microsoft.com/office/drawing/2014/main" id="{E180DCA0-77AC-412E-949F-FE0E8E4C8679}"/>
-              </a:ext>
-            </a:extLst>
-          </p:cNvPr>
-          <p:cNvPicPr>
-            <a:picLocks noChangeAspect="1" noChangeArrowheads="1"/>
-          </p:cNvPicPr>
-          <p:nvPr/>
-        </p:nvPicPr>
-        <p:blipFill>
-          <a:blip r:embed="rId4">
-            <a:extLst>
-              <a:ext uri="{28A0092B-C50C-407E-A947-70E740481C1C}">
-                <a14:useLocalDpi xmlns:a14="http://schemas.microsoft.com/office/drawing/2010/main" val="0"/>
-              </a:ext>
-            </a:extLst>
-          </a:blip>
-          <a:srcRect/>
-          <a:stretch>
-            <a:fillRect/>
-          </a:stretch>
-        </p:blipFill>
-        <p:spPr bwMode="auto">
-          <a:xfrm>
             <a:off x="7378357" y="4377056"/>
             <a:ext cx="1684364" cy="1684364"/>
           </a:xfrm>
@@ -39094,7 +35401,7 @@
           <p:nvPr/>
         </p:nvPicPr>
         <p:blipFill>
-          <a:blip r:embed="rId5">
+          <a:blip r:embed="rId4">
             <a:extLst>
               <a:ext uri="{28A0092B-C50C-407E-A947-70E740481C1C}">
                 <a14:useLocalDpi xmlns:a14="http://schemas.microsoft.com/office/drawing/2010/main" val="0"/>
@@ -39149,6 +35456,42 @@
           </a:p>
         </p:txBody>
       </p:sp>
+      <p:pic>
+        <p:nvPicPr>
+          <p:cNvPr id="15" name="Picture Placeholder 2">
+            <a:extLst>
+              <a:ext uri="{FF2B5EF4-FFF2-40B4-BE49-F238E27FC236}">
+                <a16:creationId xmlns:a16="http://schemas.microsoft.com/office/drawing/2014/main" id="{248F1F18-C9F3-4F62-825C-FBFDD96F74DB}"/>
+              </a:ext>
+            </a:extLst>
+          </p:cNvPr>
+          <p:cNvPicPr>
+            <a:picLocks noGrp="1" noChangeAspect="1"/>
+          </p:cNvPicPr>
+          <p:nvPr>
+            <p:ph type="pic" sz="quarter" idx="16"/>
+          </p:nvPr>
+        </p:nvPicPr>
+        <p:blipFill>
+          <a:blip r:embed="rId5">
+            <a:extLst>
+              <a:ext uri="{28A0092B-C50C-407E-A947-70E740481C1C}">
+                <a14:useLocalDpi xmlns:a14="http://schemas.microsoft.com/office/drawing/2010/main" val="0"/>
+              </a:ext>
+            </a:extLst>
+          </a:blip>
+          <a:srcRect/>
+          <a:stretch>
+            <a:fillRect/>
+          </a:stretch>
+        </p:blipFill>
+        <p:spPr>
+          <a:xfrm>
+            <a:off x="723900" y="963613"/>
+            <a:ext cx="2671763" cy="2671762"/>
+          </a:xfrm>
+        </p:spPr>
+      </p:pic>
     </p:spTree>
     <p:extLst>
       <p:ext uri="{BB962C8B-B14F-4D97-AF65-F5344CB8AC3E}">
@@ -39608,42 +35951,6 @@
               <a:t>;</a:t>
             </a:r>
             <a:endParaRPr lang="en-US" sz="2800" dirty="0"/>
-          </a:p>
-        </p:txBody>
-      </p:sp>
-      <p:sp>
-        <p:nvSpPr>
-          <p:cNvPr id="6" name="TextBox 5">
-            <a:extLst>
-              <a:ext uri="{FF2B5EF4-FFF2-40B4-BE49-F238E27FC236}">
-                <a16:creationId xmlns:a16="http://schemas.microsoft.com/office/drawing/2014/main" id="{0BBC547D-F6AD-41F5-8B68-B6A1CAE23E2F}"/>
-              </a:ext>
-            </a:extLst>
-          </p:cNvPr>
-          <p:cNvSpPr txBox="1"/>
-          <p:nvPr/>
-        </p:nvSpPr>
-        <p:spPr>
-          <a:xfrm>
-            <a:off x="9264650" y="6287643"/>
-            <a:ext cx="2768600" cy="369332"/>
-          </a:xfrm>
-          <a:prstGeom prst="rect">
-            <a:avLst/>
-          </a:prstGeom>
-          <a:noFill/>
-        </p:spPr>
-        <p:txBody>
-          <a:bodyPr wrap="square" rtlCol="0">
-            <a:spAutoFit/>
-          </a:bodyPr>
-          <a:lstStyle/>
-          <a:p>
-            <a:pPr algn="r"/>
-            <a:r>
-              <a:rPr lang="en-US" dirty="0"/>
-              <a:t>EF Core 2.0</a:t>
-            </a:r>
           </a:p>
         </p:txBody>
       </p:sp>
@@ -40582,42 +36889,6 @@
                 <a:latin typeface="Monaco"/>
               </a:rPr>
               <a:t>}</a:t>
-            </a:r>
-          </a:p>
-        </p:txBody>
-      </p:sp>
-      <p:sp>
-        <p:nvSpPr>
-          <p:cNvPr id="5" name="TextBox 4">
-            <a:extLst>
-              <a:ext uri="{FF2B5EF4-FFF2-40B4-BE49-F238E27FC236}">
-                <a16:creationId xmlns:a16="http://schemas.microsoft.com/office/drawing/2014/main" id="{B666C49B-F8EB-41B1-B3F8-7D63CE4C446D}"/>
-              </a:ext>
-            </a:extLst>
-          </p:cNvPr>
-          <p:cNvSpPr txBox="1"/>
-          <p:nvPr/>
-        </p:nvSpPr>
-        <p:spPr>
-          <a:xfrm>
-            <a:off x="9264650" y="6287643"/>
-            <a:ext cx="2768600" cy="369332"/>
-          </a:xfrm>
-          <a:prstGeom prst="rect">
-            <a:avLst/>
-          </a:prstGeom>
-          <a:noFill/>
-        </p:spPr>
-        <p:txBody>
-          <a:bodyPr wrap="square" rtlCol="0">
-            <a:spAutoFit/>
-          </a:bodyPr>
-          <a:lstStyle/>
-          <a:p>
-            <a:pPr algn="r"/>
-            <a:r>
-              <a:rPr lang="en-US" dirty="0"/>
-              <a:t>EF Core 2.0</a:t>
             </a:r>
           </a:p>
         </p:txBody>

--- a/What’s new in Entity Framework Core 2.2.pptx
+++ b/What’s new in Entity Framework Core 2.2.pptx
@@ -727,7 +727,7 @@
           <a:p>
             <a:fld id="{21D56219-E84E-4D24-9852-DB0F76E72D55}" type="datetimeFigureOut">
               <a:rPr lang="en-US" smtClean="0"/>
-              <a:t>5/13/2019</a:t>
+              <a:t>8/22/2019</a:t>
             </a:fld>
             <a:endParaRPr lang="en-US"/>
           </a:p>
@@ -22739,7 +22739,7 @@
         <p:spPr>
           <a:xfrm>
             <a:off x="527990" y="1354435"/>
-            <a:ext cx="6641160" cy="3970318"/>
+            <a:ext cx="5917689" cy="3970318"/>
           </a:xfrm>
           <a:prstGeom prst="rect">
             <a:avLst/>
@@ -22989,7 +22989,7 @@
         </p:nvSpPr>
         <p:spPr>
           <a:xfrm>
-            <a:off x="7881713" y="2736502"/>
+            <a:off x="1267740" y="5324753"/>
             <a:ext cx="2945037" cy="1384995"/>
           </a:xfrm>
           <a:prstGeom prst="rect">
@@ -23066,10 +23066,10 @@
       </p:sp>
       <p:sp>
         <p:nvSpPr>
-          <p:cNvPr id="6" name="Rectangle 5">
+          <p:cNvPr id="7" name="Rectangle 6">
             <a:extLst>
               <a:ext uri="{FF2B5EF4-FFF2-40B4-BE49-F238E27FC236}">
-                <a16:creationId xmlns:a16="http://schemas.microsoft.com/office/drawing/2014/main" id="{A3D9B755-FA01-4DBE-9EE2-C0307B7C3B57}"/>
+                <a16:creationId xmlns:a16="http://schemas.microsoft.com/office/drawing/2014/main" id="{D5FB4C83-D1BE-4E01-B0E8-4BB757AFA82D}"/>
               </a:ext>
             </a:extLst>
           </p:cNvPr>
@@ -23078,27 +23078,73 @@
         </p:nvSpPr>
         <p:spPr>
           <a:xfrm>
-            <a:off x="7881713" y="4717702"/>
-            <a:ext cx="3831626" cy="1384995"/>
+            <a:off x="6374353" y="1354435"/>
+            <a:ext cx="5917689" cy="4401205"/>
           </a:xfrm>
           <a:prstGeom prst="rect">
             <a:avLst/>
           </a:prstGeom>
         </p:spPr>
         <p:txBody>
-          <a:bodyPr wrap="none">
+          <a:bodyPr wrap="square">
             <a:spAutoFit/>
           </a:bodyPr>
           <a:lstStyle/>
           <a:p>
             <a:r>
+              <a:rPr lang="en-US" sz="2800" dirty="0" err="1">
+                <a:solidFill>
+                  <a:srgbClr val="0000FF"/>
+                </a:solidFill>
+                <a:latin typeface="Monaco"/>
+              </a:rPr>
+              <a:t>var</a:t>
+            </a:r>
+            <a:r>
               <a:rPr lang="en-US" sz="2800" dirty="0">
                 <a:solidFill>
+                  <a:srgbClr val="000000"/>
+                </a:solidFill>
+                <a:latin typeface="Monaco"/>
+              </a:rPr>
+              <a:t> city = </a:t>
+            </a:r>
+            <a:r>
+              <a:rPr lang="en-US" sz="2800" dirty="0">
+                <a:solidFill>
+                  <a:srgbClr val="A31515"/>
+                </a:solidFill>
+                <a:latin typeface="Monaco"/>
+              </a:rPr>
+              <a:t>"Redmond"</a:t>
+            </a:r>
+            <a:r>
+              <a:rPr lang="en-US" sz="2800" dirty="0">
+                <a:solidFill>
+                  <a:srgbClr val="000000"/>
+                </a:solidFill>
+                <a:latin typeface="Monaco"/>
+              </a:rPr>
+              <a:t>;</a:t>
+            </a:r>
+          </a:p>
+          <a:p>
+            <a:endParaRPr lang="en-US" sz="2800" dirty="0">
+              <a:solidFill>
+                <a:srgbClr val="000000"/>
+              </a:solidFill>
+              <a:latin typeface="Monaco"/>
+            </a:endParaRPr>
+          </a:p>
+          <a:p>
+            <a:r>
+              <a:rPr lang="en-US" sz="2800" dirty="0">
+                <a:solidFill>
                   <a:srgbClr val="0000FF"/>
                 </a:solidFill>
                 <a:latin typeface="Monaco"/>
               </a:rPr>
-              <a:t>SELECT</a:t>
+              <a:t>using</a:t>
             </a:r>
             <a:r>
               <a:rPr lang="en-US" sz="2800" dirty="0">
@@ -23107,18 +23153,34 @@
                 </a:solidFill>
                 <a:latin typeface="Monaco"/>
               </a:rPr>
-              <a:t> *</a:t>
-            </a:r>
-          </a:p>
-          <a:p>
+              <a:t> (</a:t>
+            </a:r>
+            <a:r>
+              <a:rPr lang="en-US" sz="2800" dirty="0" err="1">
+                <a:solidFill>
+                  <a:srgbClr val="0000FF"/>
+                </a:solidFill>
+                <a:latin typeface="Monaco"/>
+              </a:rPr>
+              <a:t>var</a:t>
+            </a:r>
             <a:r>
               <a:rPr lang="en-US" sz="2800" dirty="0">
                 <a:solidFill>
-                  <a:srgbClr val="0000FF"/>
+                  <a:srgbClr val="000000"/>
                 </a:solidFill>
                 <a:latin typeface="Monaco"/>
               </a:rPr>
-              <a:t>FROM</a:t>
+              <a:t> context = </a:t>
+            </a:r>
+            <a:r>
+              <a:rPr lang="en-US" sz="2800" dirty="0" err="1">
+                <a:solidFill>
+                  <a:srgbClr val="000000"/>
+                </a:solidFill>
+                <a:latin typeface="Monaco"/>
+              </a:rPr>
+              <a:t>CreateContext</a:t>
             </a:r>
             <a:r>
               <a:rPr lang="en-US" sz="2800" dirty="0">
@@ -23127,19 +23189,21 @@
                 </a:solidFill>
                 <a:latin typeface="Monaco"/>
               </a:rPr>
-              <a:t> Customers</a:t>
+              <a:t>())</a:t>
             </a:r>
           </a:p>
           <a:p>
             <a:r>
               <a:rPr lang="en-US" sz="2800" dirty="0">
                 <a:solidFill>
-                  <a:srgbClr val="0000FF"/>
+                  <a:srgbClr val="000000"/>
                 </a:solidFill>
                 <a:latin typeface="Monaco"/>
               </a:rPr>
-              <a:t>WHERE</a:t>
-            </a:r>
+              <a:t>{</a:t>
+            </a:r>
+          </a:p>
+          <a:p>
             <a:r>
               <a:rPr lang="en-US" sz="2800" dirty="0">
                 <a:solidFill>
@@ -23147,7 +23211,134 @@
                 </a:solidFill>
                 <a:latin typeface="Monaco"/>
               </a:rPr>
-              <a:t> City = ‘Redmond’</a:t>
+              <a:t>     </a:t>
+            </a:r>
+            <a:r>
+              <a:rPr lang="en-US" sz="2800" dirty="0" err="1">
+                <a:solidFill>
+                  <a:srgbClr val="000000"/>
+                </a:solidFill>
+                <a:latin typeface="Monaco"/>
+              </a:rPr>
+              <a:t>FormattableString</a:t>
+            </a:r>
+            <a:r>
+              <a:rPr lang="en-US" sz="2800" dirty="0">
+                <a:solidFill>
+                  <a:srgbClr val="000000"/>
+                </a:solidFill>
+                <a:latin typeface="Monaco"/>
+              </a:rPr>
+              <a:t> query =</a:t>
+            </a:r>
+          </a:p>
+          <a:p>
+            <a:r>
+              <a:rPr lang="en-US" sz="2800" dirty="0">
+                <a:solidFill>
+                  <a:srgbClr val="000000"/>
+                </a:solidFill>
+                <a:latin typeface="Monaco"/>
+              </a:rPr>
+              <a:t>	</a:t>
+            </a:r>
+            <a:r>
+              <a:rPr lang="en-US" sz="2800" dirty="0">
+                <a:solidFill>
+                  <a:srgbClr val="A31515"/>
+                </a:solidFill>
+                <a:latin typeface="Monaco"/>
+              </a:rPr>
+              <a:t>$@“SELECT *</a:t>
+            </a:r>
+          </a:p>
+          <a:p>
+            <a:r>
+              <a:rPr lang="en-US" sz="2800" dirty="0">
+                <a:solidFill>
+                  <a:srgbClr val="A31515"/>
+                </a:solidFill>
+                <a:latin typeface="Monaco"/>
+              </a:rPr>
+              <a:t>	FROM Customers</a:t>
+            </a:r>
+          </a:p>
+          <a:p>
+            <a:r>
+              <a:rPr lang="en-US" sz="2800" dirty="0">
+                <a:solidFill>
+                  <a:srgbClr val="A31515"/>
+                </a:solidFill>
+                <a:latin typeface="Monaco"/>
+              </a:rPr>
+              <a:t>	WHERE City = </a:t>
+            </a:r>
+            <a:r>
+              <a:rPr lang="en-US" sz="2800" dirty="0">
+                <a:solidFill>
+                  <a:srgbClr val="A31515"/>
+                </a:solidFill>
+                <a:latin typeface="inherit"/>
+              </a:rPr>
+              <a:t>{city}</a:t>
+            </a:r>
+            <a:r>
+              <a:rPr lang="en-US" sz="2800" dirty="0">
+                <a:solidFill>
+                  <a:srgbClr val="A31515"/>
+                </a:solidFill>
+                <a:latin typeface="Monaco"/>
+              </a:rPr>
+              <a:t>"</a:t>
+            </a:r>
+            <a:r>
+              <a:rPr lang="en-US" sz="2800" dirty="0">
+                <a:solidFill>
+                  <a:srgbClr val="000000"/>
+                </a:solidFill>
+                <a:latin typeface="Monaco"/>
+              </a:rPr>
+              <a:t>;</a:t>
+            </a:r>
+          </a:p>
+          <a:p>
+            <a:r>
+              <a:rPr lang="en-US" sz="2800" dirty="0">
+                <a:solidFill>
+                  <a:srgbClr val="000000"/>
+                </a:solidFill>
+                <a:latin typeface="Monaco"/>
+              </a:rPr>
+              <a:t>     </a:t>
+            </a:r>
+            <a:r>
+              <a:rPr lang="en-US" sz="2800" dirty="0" err="1">
+                <a:solidFill>
+                  <a:srgbClr val="000000"/>
+                </a:solidFill>
+                <a:latin typeface="Monaco"/>
+              </a:rPr>
+              <a:t>context.Customers.FromSql</a:t>
+            </a:r>
+            <a:r>
+              <a:rPr lang="en-US" sz="2800" dirty="0">
+                <a:solidFill>
+                  <a:srgbClr val="000000"/>
+                </a:solidFill>
+                <a:latin typeface="Monaco"/>
+              </a:rPr>
+              <a:t>(query);</a:t>
+            </a:r>
+          </a:p>
+          <a:p>
+            <a:r>
+              <a:rPr lang="en-US" sz="2800" dirty="0">
+                <a:solidFill>
+                  <a:srgbClr val="000000"/>
+                </a:solidFill>
+                <a:latin typeface="Monaco"/>
+              </a:rPr>
+              <a:t>}</a:t>
             </a:r>
             <a:endParaRPr lang="en-US" sz="2800" dirty="0"/>
           </a:p>
@@ -23287,7 +23478,7 @@
                                           </p:stCondLst>
                                         </p:cTn>
                                         <p:tgtEl>
-                                          <p:spTgt spid="6"/>
+                                          <p:spTgt spid="7"/>
                                         </p:tgtEl>
                                         <p:attrNameLst>
                                           <p:attrName>style.visibility</p:attrName>
@@ -23330,7 +23521,7 @@
     <p:bldLst>
       <p:bldP spid="4" grpId="0"/>
       <p:bldP spid="5" grpId="0"/>
-      <p:bldP spid="6" grpId="0"/>
+      <p:bldP spid="7" grpId="0"/>
     </p:bldLst>
   </p:timing>
 </p:sld>
@@ -23395,10 +23586,7 @@
           <a:bodyPr/>
           <a:lstStyle/>
           <a:p>
-            <a:r>
-              <a:rPr lang="en-US" dirty="0"/>
-              <a:t>Developer Advocate, JetBrains</a:t>
-            </a:r>
+            <a:endParaRPr lang="en-US" dirty="0"/>
           </a:p>
         </p:txBody>
       </p:sp>
@@ -24531,379 +24719,666 @@
       </p:sp>
       <p:sp>
         <p:nvSpPr>
-          <p:cNvPr id="6" name="Rectangle 5">
+          <p:cNvPr id="5" name="Rectangle 2">
             <a:extLst>
               <a:ext uri="{FF2B5EF4-FFF2-40B4-BE49-F238E27FC236}">
-                <a16:creationId xmlns:a16="http://schemas.microsoft.com/office/drawing/2014/main" id="{F2C01C53-9895-4029-81C8-AF0FA7BB1AF0}"/>
+                <a16:creationId xmlns:a16="http://schemas.microsoft.com/office/drawing/2014/main" id="{06357BD9-0921-4736-B4BF-789FA4DC2444}"/>
               </a:ext>
             </a:extLst>
           </p:cNvPr>
-          <p:cNvSpPr/>
+          <p:cNvSpPr>
+            <a:spLocks noChangeArrowheads="1"/>
+          </p:cNvSpPr>
           <p:nvPr/>
         </p:nvSpPr>
-        <p:spPr>
+        <p:spPr bwMode="auto">
           <a:xfrm>
-            <a:off x="527990" y="1628507"/>
-            <a:ext cx="11690350" cy="1200329"/>
+            <a:off x="277165" y="4480471"/>
+            <a:ext cx="11539392" cy="830997"/>
           </a:xfrm>
           <a:prstGeom prst="rect">
             <a:avLst/>
           </a:prstGeom>
+          <a:solidFill>
+            <a:schemeClr val="bg2"/>
+          </a:solidFill>
+          <a:ln>
+            <a:noFill/>
+          </a:ln>
+          <a:effectLst/>
         </p:spPr>
         <p:txBody>
-          <a:bodyPr wrap="square">
+          <a:bodyPr vert="horz" wrap="square" lIns="91440" tIns="45720" rIns="91440" bIns="45720" numCol="1" anchor="ctr" anchorCtr="0" compatLnSpc="1">
+            <a:prstTxWarp prst="textNoShape">
+              <a:avLst/>
+            </a:prstTxWarp>
             <a:spAutoFit/>
           </a:bodyPr>
           <a:lstStyle/>
           <a:p>
-            <a:r>
-              <a:rPr lang="en-US" sz="2400" dirty="0">
-                <a:latin typeface="Monaco"/>
-              </a:rPr>
-              <a:t>static </a:t>
-            </a:r>
-            <a:r>
-              <a:rPr lang="en-US" sz="2400" dirty="0" err="1">
-                <a:latin typeface="Monaco"/>
-              </a:rPr>
-              <a:t>readonly</a:t>
-            </a:r>
-            <a:r>
-              <a:rPr lang="en-US" sz="2400" dirty="0">
-                <a:latin typeface="Monaco"/>
-              </a:rPr>
-              <a:t> </a:t>
-            </a:r>
-            <a:r>
-              <a:rPr lang="en-US" sz="2400" dirty="0" err="1">
-                <a:latin typeface="Monaco"/>
-              </a:rPr>
-              <a:t>Func</a:t>
-            </a:r>
-            <a:r>
-              <a:rPr lang="en-US" sz="2400" dirty="0">
-                <a:latin typeface="Monaco"/>
+            <a:pPr marL="0" marR="0" lvl="0" indent="0" algn="l" defTabSz="914400" rtl="0" eaLnBrk="0" fontAlgn="base" latinLnBrk="0" hangingPunct="0">
+              <a:lnSpc>
+                <a:spcPct val="100000"/>
+              </a:lnSpc>
+              <a:spcBef>
+                <a:spcPct val="0"/>
+              </a:spcBef>
+              <a:spcAft>
+                <a:spcPct val="0"/>
+              </a:spcAft>
+              <a:buClrTx/>
+              <a:buSzTx/>
+              <a:buFontTx/>
+              <a:buNone/>
+              <a:tabLst/>
+            </a:pPr>
+            <a:r>
+              <a:rPr kumimoji="0" lang="en-US" altLang="en-US" sz="2400" b="0" i="0" u="none" strike="noStrike" cap="none" normalizeH="0" baseline="0" dirty="0">
+                <a:ln>
+                  <a:noFill/>
+                </a:ln>
+                <a:solidFill>
+                  <a:srgbClr val="071591"/>
+                </a:solidFill>
+                <a:effectLst/>
+                <a:latin typeface="Source Code Pro" panose="020B0509030403020204" pitchFamily="49" charset="0"/>
+              </a:rPr>
+              <a:t>public async </a:t>
+            </a:r>
+            <a:r>
+              <a:rPr kumimoji="0" lang="en-US" altLang="en-US" sz="2400" b="0" i="0" u="none" strike="noStrike" cap="none" normalizeH="0" baseline="0" dirty="0">
+                <a:ln>
+                  <a:noFill/>
+                </a:ln>
+                <a:solidFill>
+                  <a:srgbClr val="000000"/>
+                </a:solidFill>
+                <a:effectLst/>
+                <a:latin typeface="Source Code Pro" panose="020B0509030403020204" pitchFamily="49" charset="0"/>
+              </a:rPr>
+              <a:t>Task</a:t>
+            </a:r>
+            <a:r>
+              <a:rPr kumimoji="0" lang="en-US" altLang="en-US" sz="2400" b="0" i="0" u="none" strike="noStrike" cap="none" normalizeH="0" baseline="0" dirty="0">
+                <a:ln>
+                  <a:noFill/>
+                </a:ln>
+                <a:solidFill>
+                  <a:srgbClr val="262626"/>
+                </a:solidFill>
+                <a:effectLst/>
+                <a:latin typeface="Source Code Pro" panose="020B0509030403020204" pitchFamily="49" charset="0"/>
               </a:rPr>
               <a:t>&lt;</a:t>
             </a:r>
             <a:r>
-              <a:rPr lang="en-US" sz="2400" dirty="0" err="1">
-                <a:latin typeface="Monaco"/>
-              </a:rPr>
-              <a:t>MyEntityContext</a:t>
-            </a:r>
-            <a:r>
-              <a:rPr lang="en-US" sz="2400" dirty="0">
-                <a:latin typeface="Monaco"/>
-              </a:rPr>
-              <a:t>, int, IEnumerable&lt;</a:t>
-            </a:r>
-            <a:r>
-              <a:rPr lang="en-US" sz="2400" dirty="0" err="1">
-                <a:latin typeface="Monaco"/>
-              </a:rPr>
-              <a:t>MyEntity</a:t>
-            </a:r>
-            <a:r>
-              <a:rPr lang="en-US" sz="2400" dirty="0">
-                <a:latin typeface="Monaco"/>
+              <a:rPr kumimoji="0" lang="en-US" altLang="en-US" sz="2400" b="0" i="0" u="none" strike="noStrike" cap="none" normalizeH="0" baseline="0" dirty="0">
+                <a:ln>
+                  <a:noFill/>
+                </a:ln>
+                <a:solidFill>
+                  <a:srgbClr val="000000"/>
+                </a:solidFill>
+                <a:effectLst/>
+                <a:latin typeface="Source Code Pro" panose="020B0509030403020204" pitchFamily="49" charset="0"/>
+              </a:rPr>
+              <a:t>List</a:t>
+            </a:r>
+            <a:r>
+              <a:rPr kumimoji="0" lang="en-US" altLang="en-US" sz="2400" b="0" i="0" u="none" strike="noStrike" cap="none" normalizeH="0" baseline="0" dirty="0">
+                <a:ln>
+                  <a:noFill/>
+                </a:ln>
+                <a:solidFill>
+                  <a:srgbClr val="262626"/>
+                </a:solidFill>
+                <a:effectLst/>
+                <a:latin typeface="Source Code Pro" panose="020B0509030403020204" pitchFamily="49" charset="0"/>
+              </a:rPr>
+              <a:t>&lt;</a:t>
+            </a:r>
+            <a:r>
+              <a:rPr kumimoji="0" lang="en-US" altLang="en-US" sz="2400" b="0" i="0" u="none" strike="noStrike" cap="none" normalizeH="0" baseline="0" dirty="0">
+                <a:ln>
+                  <a:noFill/>
+                </a:ln>
+                <a:solidFill>
+                  <a:srgbClr val="000000"/>
+                </a:solidFill>
+                <a:effectLst/>
+                <a:latin typeface="Source Code Pro" panose="020B0509030403020204" pitchFamily="49" charset="0"/>
+              </a:rPr>
+              <a:t>Album</a:t>
+            </a:r>
+            <a:r>
+              <a:rPr kumimoji="0" lang="en-US" altLang="en-US" sz="2400" b="0" i="0" u="none" strike="noStrike" cap="none" normalizeH="0" baseline="0" dirty="0">
+                <a:ln>
+                  <a:noFill/>
+                </a:ln>
+                <a:solidFill>
+                  <a:srgbClr val="262626"/>
+                </a:solidFill>
+                <a:effectLst/>
+                <a:latin typeface="Source Code Pro" panose="020B0509030403020204" pitchFamily="49" charset="0"/>
               </a:rPr>
               <a:t>&gt;&gt; </a:t>
             </a:r>
-          </a:p>
-          <a:p>
-            <a:r>
-              <a:rPr lang="en-US" sz="2400" dirty="0">
-                <a:latin typeface="Monaco"/>
-              </a:rPr>
-              <a:t>	</a:t>
-            </a:r>
-            <a:r>
-              <a:rPr lang="en-US" sz="2400" dirty="0" err="1">
-                <a:latin typeface="Monaco"/>
-              </a:rPr>
-              <a:t>CompiledQuery</a:t>
-            </a:r>
-            <a:r>
-              <a:rPr lang="en-US" sz="2400" dirty="0">
-                <a:latin typeface="Monaco"/>
-              </a:rPr>
-              <a:t> = </a:t>
-            </a:r>
-            <a:r>
-              <a:rPr lang="en-US" sz="2400" dirty="0" err="1">
-                <a:latin typeface="Monaco"/>
-              </a:rPr>
-              <a:t>EF.CompileQuery</a:t>
-            </a:r>
-            <a:r>
-              <a:rPr lang="en-US" sz="2400" dirty="0">
-                <a:latin typeface="Monaco"/>
-              </a:rPr>
-              <a:t>&lt;</a:t>
-            </a:r>
-            <a:r>
-              <a:rPr lang="en-US" sz="2400" dirty="0" err="1">
-                <a:latin typeface="Monaco"/>
-              </a:rPr>
-              <a:t>MyEntityContext</a:t>
-            </a:r>
-            <a:r>
-              <a:rPr lang="en-US" sz="2400" dirty="0">
-                <a:latin typeface="Monaco"/>
-              </a:rPr>
-              <a:t>, int, </a:t>
-            </a:r>
-            <a:r>
-              <a:rPr lang="en-US" sz="2400" dirty="0" err="1">
-                <a:latin typeface="Monaco"/>
-              </a:rPr>
-              <a:t>MyEntity</a:t>
-            </a:r>
-            <a:r>
-              <a:rPr lang="en-US" sz="2400" dirty="0">
-                <a:latin typeface="Monaco"/>
-              </a:rPr>
-              <a:t>&gt;((</a:t>
-            </a:r>
-            <a:r>
-              <a:rPr lang="en-US" sz="2400" dirty="0" err="1">
-                <a:latin typeface="Monaco"/>
-              </a:rPr>
-              <a:t>ctx</a:t>
-            </a:r>
-            <a:r>
-              <a:rPr lang="en-US" sz="2400" dirty="0">
-                <a:latin typeface="Monaco"/>
-              </a:rPr>
-              <a:t>, id) =&gt; </a:t>
-            </a:r>
-          </a:p>
-          <a:p>
-            <a:r>
-              <a:rPr lang="en-US" sz="2400" dirty="0">
-                <a:latin typeface="Monaco"/>
-              </a:rPr>
-              <a:t>	</a:t>
-            </a:r>
-            <a:r>
-              <a:rPr lang="en-US" sz="2400" dirty="0" err="1">
-                <a:latin typeface="Monaco"/>
-              </a:rPr>
-              <a:t>ctx.MyEntities.Where</a:t>
-            </a:r>
-            <a:r>
-              <a:rPr lang="en-US" sz="2400" dirty="0">
-                <a:latin typeface="Monaco"/>
-              </a:rPr>
-              <a:t>(x =&gt; </a:t>
-            </a:r>
-            <a:r>
-              <a:rPr lang="en-US" sz="2400" dirty="0" err="1">
-                <a:latin typeface="Monaco"/>
-              </a:rPr>
-              <a:t>x.Id</a:t>
-            </a:r>
-            <a:r>
-              <a:rPr lang="en-US" sz="2400" dirty="0">
-                <a:latin typeface="Monaco"/>
-              </a:rPr>
-              <a:t> == id).Include(x =&gt; </a:t>
-            </a:r>
-            <a:r>
-              <a:rPr lang="en-US" sz="2400" dirty="0" err="1">
-                <a:latin typeface="Monaco"/>
-              </a:rPr>
-              <a:t>x.Others</a:t>
-            </a:r>
-            <a:r>
-              <a:rPr lang="en-US" sz="2400" dirty="0">
-                <a:latin typeface="Monaco"/>
-              </a:rPr>
-              <a:t>).OrderBy(x =&gt; </a:t>
-            </a:r>
-            <a:r>
-              <a:rPr lang="en-US" sz="2400" dirty="0" err="1">
-                <a:latin typeface="Monaco"/>
-              </a:rPr>
-              <a:t>x.Name</a:t>
-            </a:r>
-            <a:r>
-              <a:rPr lang="en-US" sz="2400" dirty="0">
-                <a:latin typeface="Monaco"/>
-              </a:rPr>
-              <a:t>));</a:t>
-            </a:r>
+            <a:r>
+              <a:rPr kumimoji="0" lang="en-US" altLang="en-US" sz="2400" b="0" i="0" u="none" strike="noStrike" cap="none" normalizeH="0" baseline="0" dirty="0" err="1">
+                <a:ln>
+                  <a:noFill/>
+                </a:ln>
+                <a:solidFill>
+                  <a:srgbClr val="000000"/>
+                </a:solidFill>
+                <a:effectLst/>
+                <a:latin typeface="Source Code Pro" panose="020B0509030403020204" pitchFamily="49" charset="0"/>
+              </a:rPr>
+              <a:t>GetAllAlbumsAsync</a:t>
+            </a:r>
+            <a:r>
+              <a:rPr kumimoji="0" lang="en-US" altLang="en-US" sz="2400" b="0" i="0" u="none" strike="noStrike" cap="none" normalizeH="0" baseline="0" dirty="0">
+                <a:ln>
+                  <a:noFill/>
+                </a:ln>
+                <a:solidFill>
+                  <a:srgbClr val="262626"/>
+                </a:solidFill>
+                <a:effectLst/>
+                <a:latin typeface="Source Code Pro" panose="020B0509030403020204" pitchFamily="49" charset="0"/>
+              </a:rPr>
+              <a:t>() =&gt; </a:t>
+            </a:r>
+            <a:r>
+              <a:rPr kumimoji="0" lang="en-US" altLang="en-US" sz="2400" b="0" i="0" u="none" strike="noStrike" cap="none" normalizeH="0" baseline="0" dirty="0">
+                <a:ln>
+                  <a:noFill/>
+                </a:ln>
+                <a:solidFill>
+                  <a:srgbClr val="071591"/>
+                </a:solidFill>
+                <a:effectLst/>
+                <a:latin typeface="Source Code Pro" panose="020B0509030403020204" pitchFamily="49" charset="0"/>
+              </a:rPr>
+              <a:t>await 	</a:t>
+            </a:r>
+            <a:r>
+              <a:rPr kumimoji="0" lang="en-US" altLang="en-US" sz="2400" b="0" i="0" u="none" strike="noStrike" cap="none" normalizeH="0" baseline="0" dirty="0">
+                <a:ln>
+                  <a:noFill/>
+                </a:ln>
+                <a:solidFill>
+                  <a:srgbClr val="660E7A"/>
+                </a:solidFill>
+                <a:effectLst/>
+                <a:latin typeface="Source Code Pro" panose="020B0509030403020204" pitchFamily="49" charset="0"/>
+              </a:rPr>
+              <a:t>_</a:t>
+            </a:r>
+            <a:r>
+              <a:rPr kumimoji="0" lang="en-US" altLang="en-US" sz="2400" b="0" i="0" u="none" strike="noStrike" cap="none" normalizeH="0" baseline="0" dirty="0" err="1">
+                <a:ln>
+                  <a:noFill/>
+                </a:ln>
+                <a:solidFill>
+                  <a:srgbClr val="660E7A"/>
+                </a:solidFill>
+                <a:effectLst/>
+                <a:latin typeface="Source Code Pro" panose="020B0509030403020204" pitchFamily="49" charset="0"/>
+              </a:rPr>
+              <a:t>queryGetAllAlbums</a:t>
+            </a:r>
+            <a:r>
+              <a:rPr kumimoji="0" lang="en-US" altLang="en-US" sz="2400" b="0" i="0" u="none" strike="noStrike" cap="none" normalizeH="0" baseline="0" dirty="0">
+                <a:ln>
+                  <a:noFill/>
+                </a:ln>
+                <a:solidFill>
+                  <a:srgbClr val="262626"/>
+                </a:solidFill>
+                <a:effectLst/>
+                <a:latin typeface="Source Code Pro" panose="020B0509030403020204" pitchFamily="49" charset="0"/>
+              </a:rPr>
+              <a:t>(</a:t>
+            </a:r>
+            <a:r>
+              <a:rPr kumimoji="0" lang="en-US" altLang="en-US" sz="2400" b="0" i="0" u="none" strike="noStrike" cap="none" normalizeH="0" baseline="0" dirty="0">
+                <a:ln>
+                  <a:noFill/>
+                </a:ln>
+                <a:solidFill>
+                  <a:srgbClr val="071591"/>
+                </a:solidFill>
+                <a:effectLst/>
+                <a:latin typeface="Source Code Pro" panose="020B0509030403020204" pitchFamily="49" charset="0"/>
+              </a:rPr>
+              <a:t>this</a:t>
+            </a:r>
+            <a:r>
+              <a:rPr kumimoji="0" lang="en-US" altLang="en-US" sz="2400" b="0" i="0" u="none" strike="noStrike" cap="none" normalizeH="0" baseline="0" dirty="0">
+                <a:ln>
+                  <a:noFill/>
+                </a:ln>
+                <a:solidFill>
+                  <a:srgbClr val="262626"/>
+                </a:solidFill>
+                <a:effectLst/>
+                <a:latin typeface="Source Code Pro" panose="020B0509030403020204" pitchFamily="49" charset="0"/>
+              </a:rPr>
+              <a:t>).</a:t>
+            </a:r>
+            <a:r>
+              <a:rPr kumimoji="0" lang="en-US" altLang="en-US" sz="2400" b="0" i="0" u="none" strike="noStrike" cap="none" normalizeH="0" baseline="0" dirty="0" err="1">
+                <a:ln>
+                  <a:noFill/>
+                </a:ln>
+                <a:solidFill>
+                  <a:srgbClr val="000000"/>
+                </a:solidFill>
+                <a:effectLst/>
+                <a:latin typeface="Source Code Pro" panose="020B0509030403020204" pitchFamily="49" charset="0"/>
+              </a:rPr>
+              <a:t>ToListAsync</a:t>
+            </a:r>
+            <a:r>
+              <a:rPr kumimoji="0" lang="en-US" altLang="en-US" sz="2400" b="0" i="0" u="none" strike="noStrike" cap="none" normalizeH="0" baseline="0" dirty="0">
+                <a:ln>
+                  <a:noFill/>
+                </a:ln>
+                <a:solidFill>
+                  <a:srgbClr val="262626"/>
+                </a:solidFill>
+                <a:effectLst/>
+                <a:latin typeface="Source Code Pro" panose="020B0509030403020204" pitchFamily="49" charset="0"/>
+              </a:rPr>
+              <a:t>();</a:t>
+            </a:r>
+            <a:endParaRPr kumimoji="0" lang="en-US" altLang="en-US" sz="3600" b="0" i="0" u="none" strike="noStrike" cap="none" normalizeH="0" baseline="0" dirty="0">
+              <a:ln>
+                <a:noFill/>
+              </a:ln>
+              <a:solidFill>
+                <a:schemeClr val="tx1"/>
+              </a:solidFill>
+              <a:effectLst/>
+              <a:latin typeface="Arial" panose="020B0604020202020204" pitchFamily="34" charset="0"/>
+            </a:endParaRPr>
           </a:p>
         </p:txBody>
       </p:sp>
       <p:sp>
         <p:nvSpPr>
-          <p:cNvPr id="7" name="Rectangle 6">
+          <p:cNvPr id="8" name="Rectangle 3">
             <a:extLst>
               <a:ext uri="{FF2B5EF4-FFF2-40B4-BE49-F238E27FC236}">
-                <a16:creationId xmlns:a16="http://schemas.microsoft.com/office/drawing/2014/main" id="{909FB3FC-3E6F-49FF-8EB2-0D238FA560BE}"/>
+                <a16:creationId xmlns:a16="http://schemas.microsoft.com/office/drawing/2014/main" id="{3C3D649B-863E-4231-A516-3C2AD34E0460}"/>
               </a:ext>
             </a:extLst>
           </p:cNvPr>
-          <p:cNvSpPr/>
+          <p:cNvSpPr>
+            <a:spLocks noChangeArrowheads="1"/>
+          </p:cNvSpPr>
           <p:nvPr/>
         </p:nvSpPr>
-        <p:spPr>
+        <p:spPr bwMode="auto">
           <a:xfrm>
-            <a:off x="527990" y="3167390"/>
-            <a:ext cx="6884705" cy="523220"/>
+            <a:off x="277165" y="2448774"/>
+            <a:ext cx="11810533" cy="1200329"/>
           </a:xfrm>
           <a:prstGeom prst="rect">
             <a:avLst/>
           </a:prstGeom>
+          <a:solidFill>
+            <a:schemeClr val="bg2"/>
+          </a:solidFill>
+          <a:ln>
+            <a:noFill/>
+          </a:ln>
+          <a:effectLst/>
         </p:spPr>
         <p:txBody>
-          <a:bodyPr wrap="none">
+          <a:bodyPr vert="horz" wrap="square" lIns="91440" tIns="45720" rIns="91440" bIns="45720" numCol="1" anchor="ctr" anchorCtr="0" compatLnSpc="1">
+            <a:prstTxWarp prst="textNoShape">
+              <a:avLst/>
+            </a:prstTxWarp>
             <a:spAutoFit/>
           </a:bodyPr>
           <a:lstStyle/>
           <a:p>
-            <a:r>
-              <a:rPr lang="en-US" sz="2800" dirty="0" err="1">
-                <a:latin typeface="Monaco"/>
-              </a:rPr>
-              <a:t>var</a:t>
-            </a:r>
-            <a:r>
-              <a:rPr lang="en-US" sz="2800" dirty="0">
-                <a:latin typeface="Monaco"/>
-              </a:rPr>
-              <a:t> results = </a:t>
-            </a:r>
-            <a:r>
-              <a:rPr lang="en-US" sz="2800" dirty="0" err="1">
-                <a:latin typeface="Monaco"/>
-              </a:rPr>
-              <a:t>CompiledQuery</a:t>
-            </a:r>
-            <a:r>
-              <a:rPr lang="en-US" sz="2800" dirty="0">
-                <a:latin typeface="Monaco"/>
-              </a:rPr>
-              <a:t>(</a:t>
-            </a:r>
-            <a:r>
-              <a:rPr lang="en-US" sz="2800" dirty="0" err="1">
-                <a:latin typeface="Monaco"/>
-              </a:rPr>
-              <a:t>ctx</a:t>
-            </a:r>
-            <a:r>
-              <a:rPr lang="en-US" sz="2800" dirty="0">
-                <a:latin typeface="Monaco"/>
-              </a:rPr>
-              <a:t>, 100).</a:t>
-            </a:r>
-            <a:r>
-              <a:rPr lang="en-US" sz="2800" dirty="0" err="1">
-                <a:latin typeface="Monaco"/>
-              </a:rPr>
-              <a:t>ToList</a:t>
-            </a:r>
-            <a:r>
-              <a:rPr lang="en-US" sz="2800" dirty="0">
-                <a:latin typeface="Monaco"/>
-              </a:rPr>
-              <a:t>();</a:t>
-            </a:r>
-          </a:p>
-        </p:txBody>
-      </p:sp>
-      <p:sp>
-        <p:nvSpPr>
-          <p:cNvPr id="2" name="Rectangle 1">
-            <a:extLst>
-              <a:ext uri="{FF2B5EF4-FFF2-40B4-BE49-F238E27FC236}">
-                <a16:creationId xmlns:a16="http://schemas.microsoft.com/office/drawing/2014/main" id="{97C0EACB-EE5F-441F-B613-8535DAF85C52}"/>
-              </a:ext>
-            </a:extLst>
-          </p:cNvPr>
-          <p:cNvSpPr/>
-          <p:nvPr/>
-        </p:nvSpPr>
-        <p:spPr>
-          <a:xfrm>
-            <a:off x="527990" y="4537374"/>
-            <a:ext cx="10917250" cy="830997"/>
-          </a:xfrm>
-          <a:prstGeom prst="rect">
-            <a:avLst/>
-          </a:prstGeom>
-        </p:spPr>
-        <p:txBody>
-          <a:bodyPr wrap="square">
-            <a:spAutoFit/>
-          </a:bodyPr>
-          <a:lstStyle/>
-          <a:p>
-            <a:r>
-              <a:rPr lang="en-US" sz="2400" dirty="0">
-                <a:latin typeface="Monaco"/>
-              </a:rPr>
-              <a:t>var query = </a:t>
-            </a:r>
-            <a:r>
-              <a:rPr lang="en-US" sz="2400" dirty="0" err="1">
-                <a:latin typeface="Monaco"/>
-              </a:rPr>
-              <a:t>EF.CompileQuery</a:t>
-            </a:r>
-            <a:r>
-              <a:rPr lang="en-US" sz="2400" dirty="0">
-                <a:latin typeface="Monaco"/>
+            <a:pPr marL="0" marR="0" lvl="0" indent="0" algn="l" defTabSz="914400" rtl="0" eaLnBrk="0" fontAlgn="base" latinLnBrk="0" hangingPunct="0">
+              <a:lnSpc>
+                <a:spcPct val="100000"/>
+              </a:lnSpc>
+              <a:spcBef>
+                <a:spcPct val="0"/>
+              </a:spcBef>
+              <a:spcAft>
+                <a:spcPct val="0"/>
+              </a:spcAft>
+              <a:buClrTx/>
+              <a:buSzTx/>
+              <a:buFontTx/>
+              <a:buNone/>
+              <a:tabLst/>
+            </a:pPr>
+            <a:r>
+              <a:rPr kumimoji="0" lang="en-US" altLang="en-US" sz="2400" b="0" i="0" u="none" strike="noStrike" cap="none" normalizeH="0" baseline="0" dirty="0">
+                <a:ln>
+                  <a:noFill/>
+                </a:ln>
+                <a:solidFill>
+                  <a:srgbClr val="071591"/>
+                </a:solidFill>
+                <a:effectLst/>
+                <a:latin typeface="Source Code Pro" panose="020B0509030403020204" pitchFamily="49" charset="0"/>
+              </a:rPr>
+              <a:t>private static </a:t>
+            </a:r>
+            <a:r>
+              <a:rPr kumimoji="0" lang="en-US" altLang="en-US" sz="2400" b="0" i="0" u="none" strike="noStrike" cap="none" normalizeH="0" baseline="0" dirty="0" err="1">
+                <a:ln>
+                  <a:noFill/>
+                </a:ln>
+                <a:solidFill>
+                  <a:srgbClr val="071591"/>
+                </a:solidFill>
+                <a:effectLst/>
+                <a:latin typeface="Source Code Pro" panose="020B0509030403020204" pitchFamily="49" charset="0"/>
+              </a:rPr>
+              <a:t>readonly</a:t>
+            </a:r>
+            <a:r>
+              <a:rPr kumimoji="0" lang="en-US" altLang="en-US" sz="2400" b="0" i="0" u="none" strike="noStrike" cap="none" normalizeH="0" baseline="0" dirty="0">
+                <a:ln>
+                  <a:noFill/>
+                </a:ln>
+                <a:solidFill>
+                  <a:srgbClr val="071591"/>
+                </a:solidFill>
+                <a:effectLst/>
+                <a:latin typeface="Source Code Pro" panose="020B0509030403020204" pitchFamily="49" charset="0"/>
+              </a:rPr>
+              <a:t> </a:t>
+            </a:r>
+            <a:r>
+              <a:rPr kumimoji="0" lang="en-US" altLang="en-US" sz="2400" b="0" i="0" u="none" strike="noStrike" cap="none" normalizeH="0" baseline="0" dirty="0" err="1">
+                <a:ln>
+                  <a:noFill/>
+                </a:ln>
+                <a:solidFill>
+                  <a:srgbClr val="000000"/>
+                </a:solidFill>
+                <a:effectLst/>
+                <a:latin typeface="Source Code Pro" panose="020B0509030403020204" pitchFamily="49" charset="0"/>
+              </a:rPr>
+              <a:t>Func</a:t>
+            </a:r>
+            <a:r>
+              <a:rPr kumimoji="0" lang="en-US" altLang="en-US" sz="2400" b="0" i="0" u="none" strike="noStrike" cap="none" normalizeH="0" baseline="0" dirty="0">
+                <a:ln>
+                  <a:noFill/>
+                </a:ln>
+                <a:solidFill>
+                  <a:srgbClr val="262626"/>
+                </a:solidFill>
+                <a:effectLst/>
+                <a:latin typeface="Source Code Pro" panose="020B0509030403020204" pitchFamily="49" charset="0"/>
+              </a:rPr>
+              <a:t>&lt;</a:t>
+            </a:r>
+            <a:r>
+              <a:rPr kumimoji="0" lang="en-US" altLang="en-US" sz="2400" b="0" i="0" u="none" strike="noStrike" cap="none" normalizeH="0" baseline="0" dirty="0" err="1">
+                <a:ln>
+                  <a:noFill/>
+                </a:ln>
+                <a:solidFill>
+                  <a:srgbClr val="000000"/>
+                </a:solidFill>
+                <a:effectLst/>
+                <a:latin typeface="Source Code Pro" panose="020B0509030403020204" pitchFamily="49" charset="0"/>
+              </a:rPr>
+              <a:t>ChinookContext</a:t>
+            </a:r>
+            <a:r>
+              <a:rPr kumimoji="0" lang="en-US" altLang="en-US" sz="2400" b="0" i="0" u="none" strike="noStrike" cap="none" normalizeH="0" baseline="0" dirty="0">
+                <a:ln>
+                  <a:noFill/>
+                </a:ln>
+                <a:solidFill>
+                  <a:srgbClr val="262626"/>
+                </a:solidFill>
+                <a:effectLst/>
+                <a:latin typeface="Source Code Pro" panose="020B0509030403020204" pitchFamily="49" charset="0"/>
+              </a:rPr>
+              <a:t>, </a:t>
+            </a:r>
+            <a:r>
+              <a:rPr kumimoji="0" lang="en-US" altLang="en-US" sz="2400" b="0" i="0" u="none" strike="noStrike" cap="none" normalizeH="0" baseline="0" dirty="0" err="1">
+                <a:ln>
+                  <a:noFill/>
+                </a:ln>
+                <a:solidFill>
+                  <a:srgbClr val="000000"/>
+                </a:solidFill>
+                <a:effectLst/>
+                <a:latin typeface="Source Code Pro" panose="020B0509030403020204" pitchFamily="49" charset="0"/>
+              </a:rPr>
+              <a:t>AsyncEnumerable</a:t>
+            </a:r>
+            <a:r>
+              <a:rPr kumimoji="0" lang="en-US" altLang="en-US" sz="2400" b="0" i="0" u="none" strike="noStrike" cap="none" normalizeH="0" baseline="0" dirty="0">
+                <a:ln>
+                  <a:noFill/>
+                </a:ln>
+                <a:solidFill>
+                  <a:srgbClr val="262626"/>
+                </a:solidFill>
+                <a:effectLst/>
+                <a:latin typeface="Source Code Pro" panose="020B0509030403020204" pitchFamily="49" charset="0"/>
+              </a:rPr>
+              <a:t>&lt;</a:t>
+            </a:r>
+            <a:r>
+              <a:rPr kumimoji="0" lang="en-US" altLang="en-US" sz="2400" b="0" i="0" u="none" strike="noStrike" cap="none" normalizeH="0" baseline="0" dirty="0">
+                <a:ln>
+                  <a:noFill/>
+                </a:ln>
+                <a:solidFill>
+                  <a:srgbClr val="000000"/>
+                </a:solidFill>
+                <a:effectLst/>
+                <a:latin typeface="Source Code Pro" panose="020B0509030403020204" pitchFamily="49" charset="0"/>
+              </a:rPr>
+              <a:t>Album</a:t>
+            </a:r>
+            <a:r>
+              <a:rPr kumimoji="0" lang="en-US" altLang="en-US" sz="2400" b="0" i="0" u="none" strike="noStrike" cap="none" normalizeH="0" baseline="0" dirty="0">
+                <a:ln>
+                  <a:noFill/>
+                </a:ln>
+                <a:solidFill>
+                  <a:srgbClr val="262626"/>
+                </a:solidFill>
+                <a:effectLst/>
+                <a:latin typeface="Source Code Pro" panose="020B0509030403020204" pitchFamily="49" charset="0"/>
+              </a:rPr>
+              <a:t>&gt;&gt; </a:t>
+            </a:r>
+            <a:r>
+              <a:rPr kumimoji="0" lang="en-US" altLang="en-US" sz="2400" b="0" i="0" u="none" strike="noStrike" cap="none" normalizeH="0" baseline="0" dirty="0">
+                <a:ln>
+                  <a:noFill/>
+                </a:ln>
+                <a:solidFill>
+                  <a:srgbClr val="660E7A"/>
+                </a:solidFill>
+                <a:effectLst/>
+                <a:latin typeface="Source Code Pro" panose="020B0509030403020204" pitchFamily="49" charset="0"/>
+              </a:rPr>
+              <a:t>_</a:t>
+            </a:r>
+            <a:r>
+              <a:rPr kumimoji="0" lang="en-US" altLang="en-US" sz="2400" b="0" i="0" u="none" strike="noStrike" cap="none" normalizeH="0" baseline="0" dirty="0" err="1">
+                <a:ln>
+                  <a:noFill/>
+                </a:ln>
+                <a:solidFill>
+                  <a:srgbClr val="660E7A"/>
+                </a:solidFill>
+                <a:effectLst/>
+                <a:latin typeface="Source Code Pro" panose="020B0509030403020204" pitchFamily="49" charset="0"/>
+              </a:rPr>
+              <a:t>queryGetAllAlbums</a:t>
+            </a:r>
+            <a:r>
+              <a:rPr kumimoji="0" lang="en-US" altLang="en-US" sz="2400" b="0" i="0" u="none" strike="noStrike" cap="none" normalizeH="0" baseline="0" dirty="0">
+                <a:ln>
+                  <a:noFill/>
+                </a:ln>
+                <a:solidFill>
+                  <a:srgbClr val="660E7A"/>
+                </a:solidFill>
+                <a:effectLst/>
+                <a:latin typeface="Source Code Pro" panose="020B0509030403020204" pitchFamily="49" charset="0"/>
+              </a:rPr>
+              <a:t> </a:t>
+            </a:r>
+            <a:r>
+              <a:rPr kumimoji="0" lang="en-US" altLang="en-US" sz="2400" b="0" i="0" u="none" strike="noStrike" cap="none" normalizeH="0" baseline="0" dirty="0">
+                <a:ln>
+                  <a:noFill/>
+                </a:ln>
+                <a:solidFill>
+                  <a:srgbClr val="262626"/>
+                </a:solidFill>
+                <a:effectLst/>
+                <a:latin typeface="Source Code Pro" panose="020B0509030403020204" pitchFamily="49" charset="0"/>
+              </a:rPr>
+              <a:t>=</a:t>
+            </a:r>
+            <a:r>
+              <a:rPr lang="en-US" altLang="en-US" sz="2400" dirty="0">
+                <a:solidFill>
+                  <a:srgbClr val="262626"/>
+                </a:solidFill>
+                <a:latin typeface="Source Code Pro" panose="020B0509030403020204" pitchFamily="49" charset="0"/>
+              </a:rPr>
+              <a:t> </a:t>
+            </a:r>
+            <a:r>
+              <a:rPr kumimoji="0" lang="en-US" altLang="en-US" sz="2400" b="0" i="0" u="none" strike="noStrike" cap="none" normalizeH="0" baseline="0" dirty="0" err="1">
+                <a:ln>
+                  <a:noFill/>
+                </a:ln>
+                <a:solidFill>
+                  <a:srgbClr val="262626"/>
+                </a:solidFill>
+                <a:effectLst/>
+                <a:latin typeface="Source Code Pro" panose="020B0509030403020204" pitchFamily="49" charset="0"/>
+              </a:rPr>
+              <a:t>EF.CompileAsyncQuery</a:t>
+            </a:r>
+            <a:r>
+              <a:rPr kumimoji="0" lang="en-US" altLang="en-US" sz="2400" b="0" i="0" u="none" strike="noStrike" cap="none" normalizeH="0" baseline="0" dirty="0">
+                <a:ln>
+                  <a:noFill/>
+                </a:ln>
+                <a:solidFill>
+                  <a:srgbClr val="262626"/>
+                </a:solidFill>
+                <a:effectLst/>
+                <a:latin typeface="Source Code Pro" panose="020B0509030403020204" pitchFamily="49" charset="0"/>
               </a:rPr>
               <a:t>((</a:t>
             </a:r>
             <a:r>
-              <a:rPr lang="en-US" sz="2400" dirty="0" err="1">
-                <a:latin typeface="Monaco"/>
-              </a:rPr>
-              <a:t>AdventureWorksContext</a:t>
-            </a:r>
-            <a:r>
-              <a:rPr lang="en-US" sz="2400" dirty="0">
-                <a:latin typeface="Monaco"/>
-              </a:rPr>
-              <a:t> context, string id)</a:t>
-            </a:r>
-          </a:p>
-          <a:p>
-            <a:r>
-              <a:rPr lang="en-US" sz="2400" dirty="0">
-                <a:latin typeface="Monaco"/>
-              </a:rPr>
-              <a:t>                            =&gt; </a:t>
-            </a:r>
-            <a:r>
-              <a:rPr lang="en-US" sz="2400" dirty="0" err="1">
-                <a:latin typeface="Monaco"/>
-              </a:rPr>
-              <a:t>context.Customers.First</a:t>
-            </a:r>
-            <a:r>
-              <a:rPr lang="en-US" sz="2400" dirty="0">
-                <a:latin typeface="Monaco"/>
-              </a:rPr>
-              <a:t>(c =&gt; </a:t>
-            </a:r>
-            <a:r>
-              <a:rPr lang="en-US" sz="2400" dirty="0" err="1">
-                <a:latin typeface="Monaco"/>
-              </a:rPr>
-              <a:t>c.AccountNumber</a:t>
-            </a:r>
-            <a:r>
-              <a:rPr lang="en-US" sz="2400" dirty="0">
-                <a:latin typeface="Monaco"/>
-              </a:rPr>
-              <a:t> == id));</a:t>
-            </a:r>
+              <a:rPr kumimoji="0" lang="en-US" altLang="en-US" sz="2400" b="0" i="0" u="none" strike="noStrike" cap="none" normalizeH="0" baseline="0" dirty="0" err="1">
+                <a:ln>
+                  <a:noFill/>
+                </a:ln>
+                <a:solidFill>
+                  <a:srgbClr val="262626"/>
+                </a:solidFill>
+                <a:effectLst/>
+                <a:latin typeface="Source Code Pro" panose="020B0509030403020204" pitchFamily="49" charset="0"/>
+              </a:rPr>
+              <a:t>ChinookContext</a:t>
+            </a:r>
+            <a:r>
+              <a:rPr kumimoji="0" lang="en-US" altLang="en-US" sz="2400" b="0" i="0" u="none" strike="noStrike" cap="none" normalizeH="0" baseline="0" dirty="0">
+                <a:ln>
+                  <a:noFill/>
+                </a:ln>
+                <a:solidFill>
+                  <a:srgbClr val="262626"/>
+                </a:solidFill>
+                <a:effectLst/>
+                <a:latin typeface="Source Code Pro" panose="020B0509030403020204" pitchFamily="49" charset="0"/>
+              </a:rPr>
+              <a:t> </a:t>
+            </a:r>
+            <a:r>
+              <a:rPr kumimoji="0" lang="en-US" altLang="en-US" sz="2400" b="0" i="0" u="none" strike="noStrike" cap="none" normalizeH="0" baseline="0" dirty="0" err="1">
+                <a:ln>
+                  <a:noFill/>
+                </a:ln>
+                <a:solidFill>
+                  <a:srgbClr val="262626"/>
+                </a:solidFill>
+                <a:effectLst/>
+                <a:latin typeface="Source Code Pro" panose="020B0509030403020204" pitchFamily="49" charset="0"/>
+              </a:rPr>
+              <a:t>db</a:t>
+            </a:r>
+            <a:r>
+              <a:rPr kumimoji="0" lang="en-US" altLang="en-US" sz="2400" b="0" i="0" u="none" strike="noStrike" cap="none" normalizeH="0" baseline="0" dirty="0">
+                <a:ln>
+                  <a:noFill/>
+                </a:ln>
+                <a:solidFill>
+                  <a:srgbClr val="262626"/>
+                </a:solidFill>
+                <a:effectLst/>
+                <a:latin typeface="Source Code Pro" panose="020B0509030403020204" pitchFamily="49" charset="0"/>
+              </a:rPr>
+              <a:t>) =&gt; </a:t>
+            </a:r>
+            <a:r>
+              <a:rPr kumimoji="0" lang="en-US" altLang="en-US" sz="2400" b="0" i="0" u="none" strike="noStrike" cap="none" normalizeH="0" baseline="0" dirty="0" err="1">
+                <a:ln>
+                  <a:noFill/>
+                </a:ln>
+                <a:solidFill>
+                  <a:srgbClr val="262626"/>
+                </a:solidFill>
+                <a:effectLst/>
+                <a:latin typeface="Source Code Pro" panose="020B0509030403020204" pitchFamily="49" charset="0"/>
+              </a:rPr>
+              <a:t>db.Album</a:t>
+            </a:r>
+            <a:r>
+              <a:rPr kumimoji="0" lang="en-US" altLang="en-US" sz="2400" b="0" i="0" u="none" strike="noStrike" cap="none" normalizeH="0" baseline="0" dirty="0">
+                <a:ln>
+                  <a:noFill/>
+                </a:ln>
+                <a:solidFill>
+                  <a:srgbClr val="262626"/>
+                </a:solidFill>
+                <a:effectLst/>
+                <a:latin typeface="Source Code Pro" panose="020B0509030403020204" pitchFamily="49" charset="0"/>
+              </a:rPr>
+              <a:t>);</a:t>
+            </a:r>
+            <a:endParaRPr kumimoji="0" lang="en-US" altLang="en-US" sz="3600" b="0" i="0" u="none" strike="noStrike" cap="none" normalizeH="0" baseline="0" dirty="0">
+              <a:ln>
+                <a:noFill/>
+              </a:ln>
+              <a:solidFill>
+                <a:schemeClr val="tx1"/>
+              </a:solidFill>
+              <a:effectLst/>
+              <a:latin typeface="Arial" panose="020B0604020202020204" pitchFamily="34" charset="0"/>
+            </a:endParaRPr>
           </a:p>
         </p:txBody>
       </p:sp>
@@ -24917,176 +25392,6 @@
   <p:clrMapOvr>
     <a:masterClrMapping/>
   </p:clrMapOvr>
-  <p:timing>
-    <p:tnLst>
-      <p:par>
-        <p:cTn id="1" dur="indefinite" restart="never" nodeType="tmRoot">
-          <p:childTnLst>
-            <p:seq concurrent="1" nextAc="seek">
-              <p:cTn id="2" dur="indefinite" nodeType="mainSeq">
-                <p:childTnLst>
-                  <p:par>
-                    <p:cTn id="3" fill="hold">
-                      <p:stCondLst>
-                        <p:cond delay="indefinite"/>
-                      </p:stCondLst>
-                      <p:childTnLst>
-                        <p:par>
-                          <p:cTn id="4" fill="hold">
-                            <p:stCondLst>
-                              <p:cond delay="0"/>
-                            </p:stCondLst>
-                            <p:childTnLst>
-                              <p:par>
-                                <p:cTn id="5" presetID="1" presetClass="entr" presetSubtype="0" fill="hold" grpId="0" nodeType="clickEffect">
-                                  <p:stCondLst>
-                                    <p:cond delay="0"/>
-                                  </p:stCondLst>
-                                  <p:childTnLst>
-                                    <p:set>
-                                      <p:cBhvr>
-                                        <p:cTn id="6" dur="1" fill="hold">
-                                          <p:stCondLst>
-                                            <p:cond delay="0"/>
-                                          </p:stCondLst>
-                                        </p:cTn>
-                                        <p:tgtEl>
-                                          <p:spTgt spid="6"/>
-                                        </p:tgtEl>
-                                        <p:attrNameLst>
-                                          <p:attrName>style.visibility</p:attrName>
-                                        </p:attrNameLst>
-                                      </p:cBhvr>
-                                      <p:to>
-                                        <p:strVal val="visible"/>
-                                      </p:to>
-                                    </p:set>
-                                  </p:childTnLst>
-                                </p:cTn>
-                              </p:par>
-                            </p:childTnLst>
-                          </p:cTn>
-                        </p:par>
-                      </p:childTnLst>
-                    </p:cTn>
-                  </p:par>
-                  <p:par>
-                    <p:cTn id="7" fill="hold">
-                      <p:stCondLst>
-                        <p:cond delay="indefinite"/>
-                      </p:stCondLst>
-                      <p:childTnLst>
-                        <p:par>
-                          <p:cTn id="8" fill="hold">
-                            <p:stCondLst>
-                              <p:cond delay="0"/>
-                            </p:stCondLst>
-                            <p:childTnLst>
-                              <p:par>
-                                <p:cTn id="9" presetID="1" presetClass="entr" presetSubtype="0" fill="hold" grpId="0" nodeType="clickEffect">
-                                  <p:stCondLst>
-                                    <p:cond delay="0"/>
-                                  </p:stCondLst>
-                                  <p:childTnLst>
-                                    <p:set>
-                                      <p:cBhvr>
-                                        <p:cTn id="10" dur="1" fill="hold">
-                                          <p:stCondLst>
-                                            <p:cond delay="0"/>
-                                          </p:stCondLst>
-                                        </p:cTn>
-                                        <p:tgtEl>
-                                          <p:spTgt spid="7"/>
-                                        </p:tgtEl>
-                                        <p:attrNameLst>
-                                          <p:attrName>style.visibility</p:attrName>
-                                        </p:attrNameLst>
-                                      </p:cBhvr>
-                                      <p:to>
-                                        <p:strVal val="visible"/>
-                                      </p:to>
-                                    </p:set>
-                                  </p:childTnLst>
-                                </p:cTn>
-                              </p:par>
-                            </p:childTnLst>
-                          </p:cTn>
-                        </p:par>
-                      </p:childTnLst>
-                    </p:cTn>
-                  </p:par>
-                  <p:par>
-                    <p:cTn id="11" fill="hold">
-                      <p:stCondLst>
-                        <p:cond delay="indefinite"/>
-                      </p:stCondLst>
-                      <p:childTnLst>
-                        <p:par>
-                          <p:cTn id="12" fill="hold">
-                            <p:stCondLst>
-                              <p:cond delay="0"/>
-                            </p:stCondLst>
-                            <p:childTnLst>
-                              <p:par>
-                                <p:cTn id="13" presetID="1" presetClass="entr" presetSubtype="0" fill="hold" grpId="0" nodeType="clickEffect">
-                                  <p:stCondLst>
-                                    <p:cond delay="0"/>
-                                  </p:stCondLst>
-                                  <p:childTnLst>
-                                    <p:set>
-                                      <p:cBhvr>
-                                        <p:cTn id="14" dur="1" fill="hold">
-                                          <p:stCondLst>
-                                            <p:cond delay="0"/>
-                                          </p:stCondLst>
-                                        </p:cTn>
-                                        <p:tgtEl>
-                                          <p:spTgt spid="2"/>
-                                        </p:tgtEl>
-                                        <p:attrNameLst>
-                                          <p:attrName>style.visibility</p:attrName>
-                                        </p:attrNameLst>
-                                      </p:cBhvr>
-                                      <p:to>
-                                        <p:strVal val="visible"/>
-                                      </p:to>
-                                    </p:set>
-                                  </p:childTnLst>
-                                </p:cTn>
-                              </p:par>
-                            </p:childTnLst>
-                          </p:cTn>
-                        </p:par>
-                      </p:childTnLst>
-                    </p:cTn>
-                  </p:par>
-                </p:childTnLst>
-              </p:cTn>
-              <p:prevCondLst>
-                <p:cond evt="onPrev" delay="0">
-                  <p:tgtEl>
-                    <p:sldTgt/>
-                  </p:tgtEl>
-                </p:cond>
-              </p:prevCondLst>
-              <p:nextCondLst>
-                <p:cond evt="onNext" delay="0">
-                  <p:tgtEl>
-                    <p:sldTgt/>
-                  </p:tgtEl>
-                </p:cond>
-              </p:nextCondLst>
-            </p:seq>
-          </p:childTnLst>
-        </p:cTn>
-      </p:par>
-    </p:tnLst>
-    <p:bldLst>
-      <p:bldP spid="6" grpId="0"/>
-      <p:bldP spid="7" grpId="0"/>
-      <p:bldP spid="2" grpId="0"/>
-    </p:bldLst>
-  </p:timing>
 </p:sld>
 </file>
 

--- a/What’s new in Entity Framework Core 2.2.pptx
+++ b/What’s new in Entity Framework Core 2.2.pptx
@@ -10,33 +10,33 @@
   </p:notesMasterIdLst>
   <p:sldIdLst>
     <p:sldId id="322" r:id="rId3"/>
-    <p:sldId id="310" r:id="rId4"/>
-    <p:sldId id="326" r:id="rId5"/>
-    <p:sldId id="276" r:id="rId6"/>
-    <p:sldId id="330" r:id="rId7"/>
-    <p:sldId id="280" r:id="rId8"/>
-    <p:sldId id="331" r:id="rId9"/>
-    <p:sldId id="281" r:id="rId10"/>
-    <p:sldId id="344" r:id="rId11"/>
-    <p:sldId id="332" r:id="rId12"/>
-    <p:sldId id="282" r:id="rId13"/>
-    <p:sldId id="327" r:id="rId14"/>
-    <p:sldId id="333" r:id="rId15"/>
-    <p:sldId id="277" r:id="rId16"/>
-    <p:sldId id="278" r:id="rId17"/>
-    <p:sldId id="283" r:id="rId18"/>
-    <p:sldId id="328" r:id="rId19"/>
-    <p:sldId id="334" r:id="rId20"/>
-    <p:sldId id="284" r:id="rId21"/>
-    <p:sldId id="335" r:id="rId22"/>
-    <p:sldId id="285" r:id="rId23"/>
-    <p:sldId id="329" r:id="rId24"/>
-    <p:sldId id="336" r:id="rId25"/>
-    <p:sldId id="286" r:id="rId26"/>
-    <p:sldId id="338" r:id="rId27"/>
-    <p:sldId id="306" r:id="rId28"/>
-    <p:sldId id="360" r:id="rId29"/>
-    <p:sldId id="361" r:id="rId30"/>
+    <p:sldId id="361" r:id="rId4"/>
+    <p:sldId id="310" r:id="rId5"/>
+    <p:sldId id="326" r:id="rId6"/>
+    <p:sldId id="276" r:id="rId7"/>
+    <p:sldId id="330" r:id="rId8"/>
+    <p:sldId id="280" r:id="rId9"/>
+    <p:sldId id="360" r:id="rId10"/>
+    <p:sldId id="331" r:id="rId11"/>
+    <p:sldId id="281" r:id="rId12"/>
+    <p:sldId id="344" r:id="rId13"/>
+    <p:sldId id="332" r:id="rId14"/>
+    <p:sldId id="282" r:id="rId15"/>
+    <p:sldId id="327" r:id="rId16"/>
+    <p:sldId id="333" r:id="rId17"/>
+    <p:sldId id="277" r:id="rId18"/>
+    <p:sldId id="278" r:id="rId19"/>
+    <p:sldId id="283" r:id="rId20"/>
+    <p:sldId id="328" r:id="rId21"/>
+    <p:sldId id="334" r:id="rId22"/>
+    <p:sldId id="284" r:id="rId23"/>
+    <p:sldId id="335" r:id="rId24"/>
+    <p:sldId id="285" r:id="rId25"/>
+    <p:sldId id="329" r:id="rId26"/>
+    <p:sldId id="336" r:id="rId27"/>
+    <p:sldId id="286" r:id="rId28"/>
+    <p:sldId id="338" r:id="rId29"/>
+    <p:sldId id="306" r:id="rId30"/>
     <p:sldId id="340" r:id="rId31"/>
     <p:sldId id="339" r:id="rId32"/>
     <p:sldId id="300" r:id="rId33"/>
@@ -1095,7 +1095,7 @@
           <a:p>
             <a:fld id="{70E52C6B-BCF3-4304-8A16-C01E6211F4FA}" type="slidenum">
               <a:rPr lang="en-US" smtClean="0"/>
-              <a:t>6</a:t>
+              <a:t>7</a:t>
             </a:fld>
             <a:endParaRPr lang="en-US"/>
           </a:p>
@@ -1105,6 +1105,150 @@
     <p:extLst>
       <p:ext uri="{BB962C8B-B14F-4D97-AF65-F5344CB8AC3E}">
         <p14:creationId xmlns:p14="http://schemas.microsoft.com/office/powerpoint/2010/main" val="3361778839"/>
+      </p:ext>
+    </p:extLst>
+  </p:cSld>
+  <p:clrMapOvr>
+    <a:masterClrMapping/>
+  </p:clrMapOvr>
+</p:notes>
+</file>
+
+<file path=ppt/notesSlides/notesSlide10.xml><?xml version="1.0" encoding="utf-8"?>
+<p:notes xmlns:a="http://schemas.openxmlformats.org/drawingml/2006/main" xmlns:r="http://schemas.openxmlformats.org/officeDocument/2006/relationships" xmlns:p="http://schemas.openxmlformats.org/presentationml/2006/main">
+  <p:cSld>
+    <p:spTree>
+      <p:nvGrpSpPr>
+        <p:cNvPr id="1" name=""/>
+        <p:cNvGrpSpPr/>
+        <p:nvPr/>
+      </p:nvGrpSpPr>
+      <p:grpSpPr>
+        <a:xfrm>
+          <a:off x="0" y="0"/>
+          <a:ext cx="0" cy="0"/>
+          <a:chOff x="0" y="0"/>
+          <a:chExt cx="0" cy="0"/>
+        </a:xfrm>
+      </p:grpSpPr>
+      <p:sp>
+        <p:nvSpPr>
+          <p:cNvPr id="2" name="Slide Image Placeholder 1"/>
+          <p:cNvSpPr>
+            <a:spLocks noGrp="1" noRot="1" noChangeAspect="1"/>
+          </p:cNvSpPr>
+          <p:nvPr>
+            <p:ph type="sldImg"/>
+          </p:nvPr>
+        </p:nvSpPr>
+        <p:spPr/>
+      </p:sp>
+      <p:sp>
+        <p:nvSpPr>
+          <p:cNvPr id="3" name="Notes Placeholder 2"/>
+          <p:cNvSpPr>
+            <a:spLocks noGrp="1"/>
+          </p:cNvSpPr>
+          <p:nvPr>
+            <p:ph type="body" idx="1"/>
+          </p:nvPr>
+        </p:nvSpPr>
+        <p:spPr/>
+        <p:txBody>
+          <a:bodyPr/>
+          <a:lstStyle/>
+          <a:p>
+            <a:r>
+              <a:rPr lang="en-US" sz="1200" b="0" i="0" kern="1200" dirty="0">
+                <a:solidFill>
+                  <a:schemeClr val="tx1"/>
+                </a:solidFill>
+                <a:effectLst/>
+                <a:latin typeface="+mn-lt"/>
+                <a:ea typeface="+mn-ea"/>
+                <a:cs typeface="+mn-cs"/>
+              </a:rPr>
+              <a:t>Note that </a:t>
+            </a:r>
+            <a:r>
+              <a:rPr lang="en-US" sz="1200" b="0" i="1" kern="1200" dirty="0" err="1">
+                <a:solidFill>
+                  <a:schemeClr val="tx1"/>
+                </a:solidFill>
+                <a:effectLst/>
+                <a:latin typeface="+mn-lt"/>
+                <a:ea typeface="+mn-ea"/>
+                <a:cs typeface="+mn-cs"/>
+              </a:rPr>
+              <a:t>CreateGeometryFactory</a:t>
+            </a:r>
+            <a:r>
+              <a:rPr lang="en-US" sz="1200" b="0" i="0" kern="1200" dirty="0">
+                <a:solidFill>
+                  <a:schemeClr val="tx1"/>
+                </a:solidFill>
+                <a:effectLst/>
+                <a:latin typeface="+mn-lt"/>
+                <a:ea typeface="+mn-ea"/>
+                <a:cs typeface="+mn-cs"/>
+              </a:rPr>
+              <a:t> method accepts a parameter called </a:t>
+            </a:r>
+            <a:r>
+              <a:rPr lang="en-US" sz="1200" b="1" i="0" kern="1200" dirty="0" err="1">
+                <a:solidFill>
+                  <a:schemeClr val="tx1"/>
+                </a:solidFill>
+                <a:effectLst/>
+                <a:latin typeface="+mn-lt"/>
+                <a:ea typeface="+mn-ea"/>
+                <a:cs typeface="+mn-cs"/>
+              </a:rPr>
+              <a:t>srid</a:t>
+            </a:r>
+            <a:r>
+              <a:rPr lang="en-US" sz="1200" b="0" i="0" kern="1200" dirty="0">
+                <a:solidFill>
+                  <a:schemeClr val="tx1"/>
+                </a:solidFill>
+                <a:effectLst/>
+                <a:latin typeface="+mn-lt"/>
+                <a:ea typeface="+mn-ea"/>
+                <a:cs typeface="+mn-cs"/>
+              </a:rPr>
+              <a:t>. An SRID or spatial reference identifier is a unique identifier associated with a specific coordinate system. 4326 is a commonly used SRID.</a:t>
+            </a:r>
+            <a:endParaRPr lang="en-US" dirty="0"/>
+          </a:p>
+        </p:txBody>
+      </p:sp>
+      <p:sp>
+        <p:nvSpPr>
+          <p:cNvPr id="4" name="Slide Number Placeholder 3"/>
+          <p:cNvSpPr>
+            <a:spLocks noGrp="1"/>
+          </p:cNvSpPr>
+          <p:nvPr>
+            <p:ph type="sldNum" sz="quarter" idx="5"/>
+          </p:nvPr>
+        </p:nvSpPr>
+        <p:spPr/>
+        <p:txBody>
+          <a:bodyPr/>
+          <a:lstStyle/>
+          <a:p>
+            <a:fld id="{70E52C6B-BCF3-4304-8A16-C01E6211F4FA}" type="slidenum">
+              <a:rPr lang="en-US" smtClean="0"/>
+              <a:t>40</a:t>
+            </a:fld>
+            <a:endParaRPr lang="en-US"/>
+          </a:p>
+        </p:txBody>
+      </p:sp>
+    </p:spTree>
+    <p:extLst>
+      <p:ext uri="{BB962C8B-B14F-4D97-AF65-F5344CB8AC3E}">
+        <p14:creationId xmlns:p14="http://schemas.microsoft.com/office/powerpoint/2010/main" val="4056823024"/>
       </p:ext>
     </p:extLst>
   </p:cSld>
@@ -1191,7 +1335,7 @@
           <a:p>
             <a:fld id="{70E52C6B-BCF3-4304-8A16-C01E6211F4FA}" type="slidenum">
               <a:rPr lang="en-US" smtClean="0"/>
-              <a:t>8</a:t>
+              <a:t>10</a:t>
             </a:fld>
             <a:endParaRPr lang="en-US"/>
           </a:p>
@@ -1287,7 +1431,7 @@
           <a:p>
             <a:fld id="{70E52C6B-BCF3-4304-8A16-C01E6211F4FA}" type="slidenum">
               <a:rPr lang="en-US" smtClean="0"/>
-              <a:t>9</a:t>
+              <a:t>11</a:t>
             </a:fld>
             <a:endParaRPr lang="en-US"/>
           </a:p>
@@ -1407,7 +1551,7 @@
           <a:p>
             <a:fld id="{70E52C6B-BCF3-4304-8A16-C01E6211F4FA}" type="slidenum">
               <a:rPr lang="en-US" smtClean="0"/>
-              <a:t>11</a:t>
+              <a:t>13</a:t>
             </a:fld>
             <a:endParaRPr lang="en-US"/>
           </a:p>
@@ -1503,7 +1647,7 @@
           <a:p>
             <a:fld id="{70E52C6B-BCF3-4304-8A16-C01E6211F4FA}" type="slidenum">
               <a:rPr lang="en-US" smtClean="0"/>
-              <a:t>14</a:t>
+              <a:t>16</a:t>
             </a:fld>
             <a:endParaRPr lang="en-US"/>
           </a:p>
@@ -1587,7 +1731,7 @@
           <a:p>
             <a:fld id="{70E52C6B-BCF3-4304-8A16-C01E6211F4FA}" type="slidenum">
               <a:rPr lang="en-US" smtClean="0"/>
-              <a:t>19</a:t>
+              <a:t>21</a:t>
             </a:fld>
             <a:endParaRPr lang="en-US"/>
           </a:p>
@@ -1685,7 +1829,7 @@
           <a:p>
             <a:fld id="{70E52C6B-BCF3-4304-8A16-C01E6211F4FA}" type="slidenum">
               <a:rPr lang="en-US" smtClean="0"/>
-              <a:t>21</a:t>
+              <a:t>23</a:t>
             </a:fld>
             <a:endParaRPr lang="en-US"/>
           </a:p>
@@ -1797,7 +1941,7 @@
           <a:p>
             <a:fld id="{70E52C6B-BCF3-4304-8A16-C01E6211F4FA}" type="slidenum">
               <a:rPr lang="en-US" smtClean="0"/>
-              <a:t>26</a:t>
+              <a:t>28</a:t>
             </a:fld>
             <a:endParaRPr lang="en-US"/>
           </a:p>
@@ -1860,34 +2004,6 @@
           <a:bodyPr/>
           <a:lstStyle/>
           <a:p>
-            <a:r>
-              <a:rPr lang="en-US" sz="1200" b="0" i="0" kern="1200" dirty="0">
-                <a:solidFill>
-                  <a:schemeClr val="tx1"/>
-                </a:solidFill>
-                <a:effectLst/>
-                <a:latin typeface="+mn-lt"/>
-                <a:ea typeface="+mn-ea"/>
-                <a:cs typeface="+mn-cs"/>
-              </a:rPr>
-              <a:t>EF Core will then enable lazy loading for any navigation property that can be overridden--that is, it must be </a:t>
-            </a:r>
-            <a:r>
-              <a:rPr lang="en-US" dirty="0"/>
-              <a:t>virtual</a:t>
-            </a:r>
-            <a:r>
-              <a:rPr lang="en-US" sz="1200" b="0" i="0" kern="1200" dirty="0">
-                <a:solidFill>
-                  <a:schemeClr val="tx1"/>
-                </a:solidFill>
-                <a:effectLst/>
-                <a:latin typeface="+mn-lt"/>
-                <a:ea typeface="+mn-ea"/>
-                <a:cs typeface="+mn-cs"/>
-              </a:rPr>
-              <a:t> and on a class that can be inherited from.</a:t>
-            </a:r>
             <a:endParaRPr lang="en-US" dirty="0"/>
           </a:p>
         </p:txBody>
@@ -1909,7 +2025,7 @@
           <a:p>
             <a:fld id="{70E52C6B-BCF3-4304-8A16-C01E6211F4FA}" type="slidenum">
               <a:rPr lang="en-US" smtClean="0"/>
-              <a:t>27</a:t>
+              <a:t>38</a:t>
             </a:fld>
             <a:endParaRPr lang="en-US"/>
           </a:p>
@@ -1918,7 +2034,7 @@
     </p:spTree>
     <p:extLst>
       <p:ext uri="{BB962C8B-B14F-4D97-AF65-F5344CB8AC3E}">
-        <p14:creationId xmlns:p14="http://schemas.microsoft.com/office/powerpoint/2010/main" val="3623463750"/>
+        <p14:creationId xmlns:p14="http://schemas.microsoft.com/office/powerpoint/2010/main" val="2262295127"/>
       </p:ext>
     </p:extLst>
   </p:cSld>
@@ -14855,6 +14971,829 @@
       </p:grpSpPr>
       <p:sp>
         <p:nvSpPr>
+          <p:cNvPr id="2" name="Title 1">
+            <a:extLst>
+              <a:ext uri="{FF2B5EF4-FFF2-40B4-BE49-F238E27FC236}">
+                <a16:creationId xmlns:a16="http://schemas.microsoft.com/office/drawing/2014/main" id="{EE6DDDD6-1D01-426D-B8E4-FAC0C72877EB}"/>
+              </a:ext>
+            </a:extLst>
+          </p:cNvPr>
+          <p:cNvSpPr>
+            <a:spLocks noGrp="1"/>
+          </p:cNvSpPr>
+          <p:nvPr>
+            <p:ph type="title"/>
+          </p:nvPr>
+        </p:nvSpPr>
+        <p:spPr/>
+        <p:txBody>
+          <a:bodyPr/>
+          <a:lstStyle/>
+          <a:p>
+            <a:r>
+              <a:rPr lang="en-US" dirty="0"/>
+              <a:t>Owned Entities and Table Splitting</a:t>
+            </a:r>
+          </a:p>
+        </p:txBody>
+      </p:sp>
+      <p:sp>
+        <p:nvSpPr>
+          <p:cNvPr id="4" name="Rectangle 3">
+            <a:extLst>
+              <a:ext uri="{FF2B5EF4-FFF2-40B4-BE49-F238E27FC236}">
+                <a16:creationId xmlns:a16="http://schemas.microsoft.com/office/drawing/2014/main" id="{EDE03198-52A1-415A-A828-E9AF37B12F0B}"/>
+              </a:ext>
+            </a:extLst>
+          </p:cNvPr>
+          <p:cNvSpPr/>
+          <p:nvPr/>
+        </p:nvSpPr>
+        <p:spPr>
+          <a:xfrm>
+            <a:off x="527990" y="1277109"/>
+            <a:ext cx="9391262" cy="5262979"/>
+          </a:xfrm>
+          <a:prstGeom prst="rect">
+            <a:avLst/>
+          </a:prstGeom>
+        </p:spPr>
+        <p:txBody>
+          <a:bodyPr wrap="square">
+            <a:spAutoFit/>
+          </a:bodyPr>
+          <a:lstStyle/>
+          <a:p>
+            <a:r>
+              <a:rPr lang="en-US" sz="2800" dirty="0">
+                <a:solidFill>
+                  <a:srgbClr val="0000FF"/>
+                </a:solidFill>
+                <a:latin typeface="Monaco"/>
+              </a:rPr>
+              <a:t>public</a:t>
+            </a:r>
+            <a:r>
+              <a:rPr lang="en-US" sz="2800" dirty="0">
+                <a:solidFill>
+                  <a:srgbClr val="000000"/>
+                </a:solidFill>
+                <a:latin typeface="Monaco"/>
+              </a:rPr>
+              <a:t> </a:t>
+            </a:r>
+            <a:r>
+              <a:rPr lang="en-US" sz="2800" dirty="0">
+                <a:solidFill>
+                  <a:srgbClr val="0000FF"/>
+                </a:solidFill>
+                <a:latin typeface="Monaco"/>
+              </a:rPr>
+              <a:t>class</a:t>
+            </a:r>
+            <a:r>
+              <a:rPr lang="en-US" sz="2800" dirty="0">
+                <a:solidFill>
+                  <a:srgbClr val="000000"/>
+                </a:solidFill>
+                <a:latin typeface="Monaco"/>
+              </a:rPr>
+              <a:t> </a:t>
+            </a:r>
+            <a:r>
+              <a:rPr lang="en-US" sz="2800" dirty="0">
+                <a:solidFill>
+                  <a:srgbClr val="A31515"/>
+                </a:solidFill>
+                <a:latin typeface="Monaco"/>
+              </a:rPr>
+              <a:t>Customer</a:t>
+            </a:r>
+            <a:r>
+              <a:rPr lang="en-US" sz="2800" dirty="0">
+                <a:solidFill>
+                  <a:srgbClr val="000000"/>
+                </a:solidFill>
+                <a:latin typeface="Monaco"/>
+              </a:rPr>
+              <a:t> </a:t>
+            </a:r>
+          </a:p>
+          <a:p>
+            <a:r>
+              <a:rPr lang="en-US" sz="2800" dirty="0">
+                <a:solidFill>
+                  <a:srgbClr val="000000"/>
+                </a:solidFill>
+                <a:latin typeface="Monaco"/>
+              </a:rPr>
+              <a:t>{</a:t>
+            </a:r>
+          </a:p>
+          <a:p>
+            <a:r>
+              <a:rPr lang="en-US" sz="2800" dirty="0">
+                <a:solidFill>
+                  <a:srgbClr val="000000"/>
+                </a:solidFill>
+                <a:latin typeface="Monaco"/>
+              </a:rPr>
+              <a:t>	</a:t>
+            </a:r>
+            <a:r>
+              <a:rPr lang="en-US" sz="2800" dirty="0">
+                <a:solidFill>
+                  <a:srgbClr val="0000FF"/>
+                </a:solidFill>
+                <a:latin typeface="Monaco"/>
+              </a:rPr>
+              <a:t>public</a:t>
+            </a:r>
+            <a:r>
+              <a:rPr lang="en-US" sz="2800" dirty="0">
+                <a:solidFill>
+                  <a:srgbClr val="000000"/>
+                </a:solidFill>
+                <a:latin typeface="Monaco"/>
+              </a:rPr>
+              <a:t> </a:t>
+            </a:r>
+            <a:r>
+              <a:rPr lang="en-US" sz="2800" dirty="0">
+                <a:solidFill>
+                  <a:srgbClr val="0000FF"/>
+                </a:solidFill>
+                <a:latin typeface="Monaco"/>
+              </a:rPr>
+              <a:t>int</a:t>
+            </a:r>
+            <a:r>
+              <a:rPr lang="en-US" sz="2800" dirty="0">
+                <a:solidFill>
+                  <a:srgbClr val="000000"/>
+                </a:solidFill>
+                <a:latin typeface="Monaco"/>
+              </a:rPr>
+              <a:t> Id { </a:t>
+            </a:r>
+            <a:r>
+              <a:rPr lang="en-US" sz="2800" dirty="0">
+                <a:solidFill>
+                  <a:srgbClr val="0000FF"/>
+                </a:solidFill>
+                <a:latin typeface="Monaco"/>
+              </a:rPr>
+              <a:t>get</a:t>
+            </a:r>
+            <a:r>
+              <a:rPr lang="en-US" sz="2800" dirty="0">
+                <a:solidFill>
+                  <a:srgbClr val="000000"/>
+                </a:solidFill>
+                <a:latin typeface="Monaco"/>
+              </a:rPr>
+              <a:t>; </a:t>
+            </a:r>
+            <a:r>
+              <a:rPr lang="en-US" sz="2800" dirty="0">
+                <a:solidFill>
+                  <a:srgbClr val="0000FF"/>
+                </a:solidFill>
+                <a:latin typeface="Monaco"/>
+              </a:rPr>
+              <a:t>set</a:t>
+            </a:r>
+            <a:r>
+              <a:rPr lang="en-US" sz="2800" dirty="0">
+                <a:solidFill>
+                  <a:srgbClr val="000000"/>
+                </a:solidFill>
+                <a:latin typeface="Monaco"/>
+              </a:rPr>
+              <a:t>; } </a:t>
+            </a:r>
+          </a:p>
+          <a:p>
+            <a:r>
+              <a:rPr lang="en-US" sz="2800" dirty="0">
+                <a:solidFill>
+                  <a:srgbClr val="000000"/>
+                </a:solidFill>
+                <a:latin typeface="Monaco"/>
+              </a:rPr>
+              <a:t>	</a:t>
+            </a:r>
+            <a:r>
+              <a:rPr lang="en-US" sz="2800" dirty="0">
+                <a:solidFill>
+                  <a:srgbClr val="0000FF"/>
+                </a:solidFill>
+                <a:latin typeface="Monaco"/>
+              </a:rPr>
+              <a:t>public</a:t>
+            </a:r>
+            <a:r>
+              <a:rPr lang="en-US" sz="2800" dirty="0">
+                <a:solidFill>
+                  <a:srgbClr val="000000"/>
+                </a:solidFill>
+                <a:latin typeface="Monaco"/>
+              </a:rPr>
+              <a:t> </a:t>
+            </a:r>
+            <a:r>
+              <a:rPr lang="en-US" sz="2800" dirty="0">
+                <a:solidFill>
+                  <a:srgbClr val="0000FF"/>
+                </a:solidFill>
+                <a:latin typeface="Monaco"/>
+              </a:rPr>
+              <a:t>string</a:t>
+            </a:r>
+            <a:r>
+              <a:rPr lang="en-US" sz="2800" dirty="0">
+                <a:solidFill>
+                  <a:srgbClr val="000000"/>
+                </a:solidFill>
+                <a:latin typeface="Monaco"/>
+              </a:rPr>
+              <a:t> Name {</a:t>
+            </a:r>
+            <a:r>
+              <a:rPr lang="en-US" sz="2800" dirty="0">
+                <a:solidFill>
+                  <a:srgbClr val="0000FF"/>
+                </a:solidFill>
+                <a:latin typeface="Monaco"/>
+              </a:rPr>
+              <a:t>get</a:t>
+            </a:r>
+            <a:r>
+              <a:rPr lang="en-US" sz="2800" dirty="0">
+                <a:solidFill>
+                  <a:srgbClr val="000000"/>
+                </a:solidFill>
+                <a:latin typeface="Monaco"/>
+              </a:rPr>
+              <a:t>; </a:t>
+            </a:r>
+            <a:r>
+              <a:rPr lang="en-US" sz="2800" dirty="0">
+                <a:solidFill>
+                  <a:srgbClr val="0000FF"/>
+                </a:solidFill>
+                <a:latin typeface="Monaco"/>
+              </a:rPr>
+              <a:t>set</a:t>
+            </a:r>
+            <a:r>
+              <a:rPr lang="en-US" sz="2800" dirty="0">
+                <a:solidFill>
+                  <a:srgbClr val="000000"/>
+                </a:solidFill>
+                <a:latin typeface="Monaco"/>
+              </a:rPr>
+              <a:t>;} </a:t>
+            </a:r>
+          </a:p>
+          <a:p>
+            <a:r>
+              <a:rPr lang="en-US" sz="2800" dirty="0">
+                <a:solidFill>
+                  <a:srgbClr val="000000"/>
+                </a:solidFill>
+                <a:latin typeface="Monaco"/>
+              </a:rPr>
+              <a:t>	</a:t>
+            </a:r>
+            <a:r>
+              <a:rPr lang="en-US" sz="2800" dirty="0">
+                <a:solidFill>
+                  <a:srgbClr val="0000FF"/>
+                </a:solidFill>
+                <a:latin typeface="Monaco"/>
+              </a:rPr>
+              <a:t>public</a:t>
+            </a:r>
+            <a:r>
+              <a:rPr lang="en-US" sz="2800" dirty="0">
+                <a:solidFill>
+                  <a:srgbClr val="000000"/>
+                </a:solidFill>
+                <a:latin typeface="Monaco"/>
+              </a:rPr>
+              <a:t> </a:t>
+            </a:r>
+            <a:r>
+              <a:rPr lang="en-US" sz="2800" dirty="0" err="1">
+                <a:solidFill>
+                  <a:srgbClr val="000000"/>
+                </a:solidFill>
+                <a:latin typeface="Monaco"/>
+              </a:rPr>
+              <a:t>PhysicalAddress</a:t>
+            </a:r>
+            <a:r>
+              <a:rPr lang="en-US" sz="2800" dirty="0">
+                <a:solidFill>
+                  <a:srgbClr val="000000"/>
+                </a:solidFill>
+                <a:latin typeface="Monaco"/>
+              </a:rPr>
+              <a:t> Address { </a:t>
+            </a:r>
+            <a:r>
+              <a:rPr lang="en-US" sz="2800" dirty="0">
+                <a:solidFill>
+                  <a:srgbClr val="0000FF"/>
+                </a:solidFill>
+                <a:latin typeface="Monaco"/>
+              </a:rPr>
+              <a:t>get</a:t>
+            </a:r>
+            <a:r>
+              <a:rPr lang="en-US" sz="2800" dirty="0">
+                <a:solidFill>
+                  <a:srgbClr val="000000"/>
+                </a:solidFill>
+                <a:latin typeface="Monaco"/>
+              </a:rPr>
+              <a:t>; </a:t>
+            </a:r>
+            <a:r>
+              <a:rPr lang="en-US" sz="2800" dirty="0">
+                <a:solidFill>
+                  <a:srgbClr val="0000FF"/>
+                </a:solidFill>
+                <a:latin typeface="Monaco"/>
+              </a:rPr>
+              <a:t>set</a:t>
+            </a:r>
+            <a:r>
+              <a:rPr lang="en-US" sz="2800" dirty="0">
+                <a:solidFill>
+                  <a:srgbClr val="000000"/>
+                </a:solidFill>
+                <a:latin typeface="Monaco"/>
+              </a:rPr>
+              <a:t>; }</a:t>
+            </a:r>
+          </a:p>
+          <a:p>
+            <a:r>
+              <a:rPr lang="en-US" sz="2800" dirty="0">
+                <a:solidFill>
+                  <a:srgbClr val="000000"/>
+                </a:solidFill>
+                <a:latin typeface="Monaco"/>
+              </a:rPr>
+              <a:t>}</a:t>
+            </a:r>
+          </a:p>
+          <a:p>
+            <a:endParaRPr lang="en-US" sz="2800" dirty="0">
+              <a:solidFill>
+                <a:srgbClr val="000000"/>
+              </a:solidFill>
+              <a:latin typeface="Monaco"/>
+            </a:endParaRPr>
+          </a:p>
+          <a:p>
+            <a:r>
+              <a:rPr lang="en-US" sz="2800" dirty="0">
+                <a:solidFill>
+                  <a:srgbClr val="0000FF"/>
+                </a:solidFill>
+                <a:latin typeface="Monaco"/>
+              </a:rPr>
+              <a:t>public</a:t>
+            </a:r>
+            <a:r>
+              <a:rPr lang="en-US" sz="2800" dirty="0">
+                <a:solidFill>
+                  <a:srgbClr val="000000"/>
+                </a:solidFill>
+                <a:latin typeface="Monaco"/>
+              </a:rPr>
+              <a:t> </a:t>
+            </a:r>
+            <a:r>
+              <a:rPr lang="en-US" sz="2800" dirty="0">
+                <a:solidFill>
+                  <a:srgbClr val="0000FF"/>
+                </a:solidFill>
+                <a:latin typeface="Monaco"/>
+              </a:rPr>
+              <a:t>class</a:t>
+            </a:r>
+            <a:r>
+              <a:rPr lang="en-US" sz="2800" dirty="0">
+                <a:solidFill>
+                  <a:srgbClr val="000000"/>
+                </a:solidFill>
+                <a:latin typeface="Monaco"/>
+              </a:rPr>
+              <a:t> </a:t>
+            </a:r>
+            <a:r>
+              <a:rPr lang="en-US" sz="2800" dirty="0" err="1">
+                <a:solidFill>
+                  <a:srgbClr val="A31515"/>
+                </a:solidFill>
+                <a:latin typeface="Monaco"/>
+              </a:rPr>
+              <a:t>PhysicalAddress</a:t>
+            </a:r>
+            <a:endParaRPr lang="en-US" sz="2800" dirty="0">
+              <a:solidFill>
+                <a:srgbClr val="000000"/>
+              </a:solidFill>
+              <a:latin typeface="Monaco"/>
+            </a:endParaRPr>
+          </a:p>
+          <a:p>
+            <a:r>
+              <a:rPr lang="en-US" sz="2800" dirty="0">
+                <a:solidFill>
+                  <a:srgbClr val="000000"/>
+                </a:solidFill>
+                <a:latin typeface="Monaco"/>
+              </a:rPr>
+              <a:t>{</a:t>
+            </a:r>
+          </a:p>
+          <a:p>
+            <a:r>
+              <a:rPr lang="en-US" sz="2800" dirty="0">
+                <a:solidFill>
+                  <a:srgbClr val="000000"/>
+                </a:solidFill>
+                <a:latin typeface="Monaco"/>
+              </a:rPr>
+              <a:t>	</a:t>
+            </a:r>
+            <a:r>
+              <a:rPr lang="en-US" sz="2800" dirty="0">
+                <a:solidFill>
+                  <a:srgbClr val="0000FF"/>
+                </a:solidFill>
+                <a:latin typeface="Monaco"/>
+              </a:rPr>
+              <a:t>public</a:t>
+            </a:r>
+            <a:r>
+              <a:rPr lang="en-US" sz="2800" dirty="0">
+                <a:solidFill>
+                  <a:srgbClr val="000000"/>
+                </a:solidFill>
+                <a:latin typeface="Monaco"/>
+              </a:rPr>
+              <a:t> </a:t>
+            </a:r>
+            <a:r>
+              <a:rPr lang="en-US" sz="2800" dirty="0">
+                <a:solidFill>
+                  <a:srgbClr val="0000FF"/>
+                </a:solidFill>
+                <a:latin typeface="Monaco"/>
+              </a:rPr>
+              <a:t>string</a:t>
+            </a:r>
+            <a:r>
+              <a:rPr lang="en-US" sz="2800" dirty="0">
+                <a:solidFill>
+                  <a:srgbClr val="000000"/>
+                </a:solidFill>
+                <a:latin typeface="Monaco"/>
+              </a:rPr>
+              <a:t> </a:t>
+            </a:r>
+            <a:r>
+              <a:rPr lang="en-US" sz="2800" dirty="0" err="1">
+                <a:solidFill>
+                  <a:srgbClr val="000000"/>
+                </a:solidFill>
+                <a:latin typeface="Monaco"/>
+              </a:rPr>
+              <a:t>StreetAddress</a:t>
+            </a:r>
+            <a:r>
+              <a:rPr lang="en-US" sz="2800" dirty="0">
+                <a:solidFill>
+                  <a:srgbClr val="000000"/>
+                </a:solidFill>
+                <a:latin typeface="Monaco"/>
+              </a:rPr>
+              <a:t> { </a:t>
+            </a:r>
+            <a:r>
+              <a:rPr lang="en-US" sz="2800" dirty="0">
+                <a:solidFill>
+                  <a:srgbClr val="0000FF"/>
+                </a:solidFill>
+                <a:latin typeface="Monaco"/>
+              </a:rPr>
+              <a:t>get</a:t>
+            </a:r>
+            <a:r>
+              <a:rPr lang="en-US" sz="2800" dirty="0">
+                <a:solidFill>
+                  <a:srgbClr val="000000"/>
+                </a:solidFill>
+                <a:latin typeface="Monaco"/>
+              </a:rPr>
+              <a:t>; </a:t>
+            </a:r>
+            <a:r>
+              <a:rPr lang="en-US" sz="2800" dirty="0">
+                <a:solidFill>
+                  <a:srgbClr val="0000FF"/>
+                </a:solidFill>
+                <a:latin typeface="Monaco"/>
+              </a:rPr>
+              <a:t>set</a:t>
+            </a:r>
+            <a:r>
+              <a:rPr lang="en-US" sz="2800" dirty="0">
+                <a:solidFill>
+                  <a:srgbClr val="000000"/>
+                </a:solidFill>
+                <a:latin typeface="Monaco"/>
+              </a:rPr>
+              <a:t>; }</a:t>
+            </a:r>
+          </a:p>
+          <a:p>
+            <a:r>
+              <a:rPr lang="en-US" sz="2800" dirty="0">
+                <a:solidFill>
+                  <a:srgbClr val="000000"/>
+                </a:solidFill>
+                <a:latin typeface="Monaco"/>
+              </a:rPr>
+              <a:t>	</a:t>
+            </a:r>
+            <a:r>
+              <a:rPr lang="en-US" sz="2800" dirty="0">
+                <a:solidFill>
+                  <a:srgbClr val="0000FF"/>
+                </a:solidFill>
+                <a:latin typeface="Monaco"/>
+              </a:rPr>
+              <a:t>public</a:t>
+            </a:r>
+            <a:r>
+              <a:rPr lang="en-US" sz="2800" dirty="0">
+                <a:solidFill>
+                  <a:srgbClr val="000000"/>
+                </a:solidFill>
+                <a:latin typeface="Monaco"/>
+              </a:rPr>
+              <a:t> Location </a:t>
+            </a:r>
+            <a:r>
+              <a:rPr lang="en-US" sz="2800" dirty="0" err="1">
+                <a:solidFill>
+                  <a:srgbClr val="000000"/>
+                </a:solidFill>
+                <a:latin typeface="Monaco"/>
+              </a:rPr>
+              <a:t>Location</a:t>
+            </a:r>
+            <a:r>
+              <a:rPr lang="en-US" sz="2800" dirty="0">
+                <a:solidFill>
+                  <a:srgbClr val="000000"/>
+                </a:solidFill>
+                <a:latin typeface="Monaco"/>
+              </a:rPr>
+              <a:t> { </a:t>
+            </a:r>
+            <a:r>
+              <a:rPr lang="en-US" sz="2800" dirty="0">
+                <a:solidFill>
+                  <a:srgbClr val="0000FF"/>
+                </a:solidFill>
+                <a:latin typeface="Monaco"/>
+              </a:rPr>
+              <a:t>get</a:t>
+            </a:r>
+            <a:r>
+              <a:rPr lang="en-US" sz="2800" dirty="0">
+                <a:solidFill>
+                  <a:srgbClr val="000000"/>
+                </a:solidFill>
+                <a:latin typeface="Monaco"/>
+              </a:rPr>
+              <a:t>; </a:t>
+            </a:r>
+            <a:r>
+              <a:rPr lang="en-US" sz="2800" dirty="0">
+                <a:solidFill>
+                  <a:srgbClr val="0000FF"/>
+                </a:solidFill>
+                <a:latin typeface="Monaco"/>
+              </a:rPr>
+              <a:t>set</a:t>
+            </a:r>
+            <a:r>
+              <a:rPr lang="en-US" sz="2800" dirty="0">
+                <a:solidFill>
+                  <a:srgbClr val="000000"/>
+                </a:solidFill>
+                <a:latin typeface="Monaco"/>
+              </a:rPr>
+              <a:t>; }</a:t>
+            </a:r>
+          </a:p>
+          <a:p>
+            <a:r>
+              <a:rPr lang="en-US" sz="2800" dirty="0">
+                <a:solidFill>
+                  <a:srgbClr val="000000"/>
+                </a:solidFill>
+                <a:latin typeface="Monaco"/>
+              </a:rPr>
+              <a:t>}</a:t>
+            </a:r>
+          </a:p>
+        </p:txBody>
+      </p:sp>
+    </p:spTree>
+    <p:extLst>
+      <p:ext uri="{BB962C8B-B14F-4D97-AF65-F5344CB8AC3E}">
+        <p14:creationId xmlns:p14="http://schemas.microsoft.com/office/powerpoint/2010/main" val="98762289"/>
+      </p:ext>
+    </p:extLst>
+  </p:cSld>
+  <p:clrMapOvr>
+    <a:masterClrMapping/>
+  </p:clrMapOvr>
+</p:sld>
+</file>
+
+<file path=ppt/slides/slide11.xml><?xml version="1.0" encoding="utf-8"?>
+<p:sld xmlns:a="http://schemas.openxmlformats.org/drawingml/2006/main" xmlns:r="http://schemas.openxmlformats.org/officeDocument/2006/relationships" xmlns:p="http://schemas.openxmlformats.org/presentationml/2006/main">
+  <p:cSld>
+    <p:spTree>
+      <p:nvGrpSpPr>
+        <p:cNvPr id="1" name=""/>
+        <p:cNvGrpSpPr/>
+        <p:nvPr/>
+      </p:nvGrpSpPr>
+      <p:grpSpPr>
+        <a:xfrm>
+          <a:off x="0" y="0"/>
+          <a:ext cx="0" cy="0"/>
+          <a:chOff x="0" y="0"/>
+          <a:chExt cx="0" cy="0"/>
+        </a:xfrm>
+      </p:grpSpPr>
+      <p:sp>
+        <p:nvSpPr>
+          <p:cNvPr id="2" name="Title 1">
+            <a:extLst>
+              <a:ext uri="{FF2B5EF4-FFF2-40B4-BE49-F238E27FC236}">
+                <a16:creationId xmlns:a16="http://schemas.microsoft.com/office/drawing/2014/main" id="{EE6DDDD6-1D01-426D-B8E4-FAC0C72877EB}"/>
+              </a:ext>
+            </a:extLst>
+          </p:cNvPr>
+          <p:cNvSpPr>
+            <a:spLocks noGrp="1"/>
+          </p:cNvSpPr>
+          <p:nvPr>
+            <p:ph type="title"/>
+          </p:nvPr>
+        </p:nvSpPr>
+        <p:spPr/>
+        <p:txBody>
+          <a:bodyPr/>
+          <a:lstStyle/>
+          <a:p>
+            <a:r>
+              <a:rPr lang="en-US" dirty="0"/>
+              <a:t>Owned Entities and Table Splitting</a:t>
+            </a:r>
+          </a:p>
+        </p:txBody>
+      </p:sp>
+      <p:sp>
+        <p:nvSpPr>
+          <p:cNvPr id="4" name="Rectangle 3">
+            <a:extLst>
+              <a:ext uri="{FF2B5EF4-FFF2-40B4-BE49-F238E27FC236}">
+                <a16:creationId xmlns:a16="http://schemas.microsoft.com/office/drawing/2014/main" id="{EDE03198-52A1-415A-A828-E9AF37B12F0B}"/>
+              </a:ext>
+            </a:extLst>
+          </p:cNvPr>
+          <p:cNvSpPr/>
+          <p:nvPr/>
+        </p:nvSpPr>
+        <p:spPr>
+          <a:xfrm>
+            <a:off x="527990" y="2526789"/>
+            <a:ext cx="10775010" cy="584775"/>
+          </a:xfrm>
+          <a:prstGeom prst="rect">
+            <a:avLst/>
+          </a:prstGeom>
+        </p:spPr>
+        <p:txBody>
+          <a:bodyPr wrap="square">
+            <a:spAutoFit/>
+          </a:bodyPr>
+          <a:lstStyle/>
+          <a:p>
+            <a:r>
+              <a:rPr lang="en-US" sz="3200" dirty="0" err="1">
+                <a:solidFill>
+                  <a:srgbClr val="000000"/>
+                </a:solidFill>
+                <a:latin typeface="Monaco"/>
+              </a:rPr>
+              <a:t>modelBuilder.Entity</a:t>
+            </a:r>
+            <a:r>
+              <a:rPr lang="en-US" sz="3200" dirty="0">
+                <a:solidFill>
+                  <a:srgbClr val="000000"/>
+                </a:solidFill>
+                <a:latin typeface="Monaco"/>
+              </a:rPr>
+              <a:t>&lt;Customer&gt;().</a:t>
+            </a:r>
+            <a:r>
+              <a:rPr lang="en-US" sz="3200" dirty="0" err="1">
+                <a:solidFill>
+                  <a:srgbClr val="000000"/>
+                </a:solidFill>
+                <a:latin typeface="Monaco"/>
+              </a:rPr>
+              <a:t>OwnsOne</a:t>
+            </a:r>
+            <a:r>
+              <a:rPr lang="en-US" sz="3200" dirty="0">
+                <a:solidFill>
+                  <a:srgbClr val="000000"/>
+                </a:solidFill>
+                <a:latin typeface="Monaco"/>
+              </a:rPr>
+              <a:t>(c =&gt; </a:t>
+            </a:r>
+            <a:r>
+              <a:rPr lang="en-US" sz="3200" dirty="0" err="1">
+                <a:solidFill>
+                  <a:srgbClr val="000000"/>
+                </a:solidFill>
+                <a:latin typeface="Monaco"/>
+              </a:rPr>
+              <a:t>c.Address</a:t>
+            </a:r>
+            <a:r>
+              <a:rPr lang="en-US" sz="3200" dirty="0">
+                <a:solidFill>
+                  <a:srgbClr val="000000"/>
+                </a:solidFill>
+                <a:latin typeface="Monaco"/>
+              </a:rPr>
+              <a:t>);</a:t>
+            </a:r>
+            <a:endParaRPr lang="en-US" sz="3200" dirty="0"/>
+          </a:p>
+        </p:txBody>
+      </p:sp>
+    </p:spTree>
+    <p:extLst>
+      <p:ext uri="{BB962C8B-B14F-4D97-AF65-F5344CB8AC3E}">
+        <p14:creationId xmlns:p14="http://schemas.microsoft.com/office/powerpoint/2010/main" val="2752789339"/>
+      </p:ext>
+    </p:extLst>
+  </p:cSld>
+  <p:clrMapOvr>
+    <a:masterClrMapping/>
+  </p:clrMapOvr>
+</p:sld>
+</file>
+
+<file path=ppt/slides/slide12.xml><?xml version="1.0" encoding="utf-8"?>
+<p:sld xmlns:a="http://schemas.openxmlformats.org/drawingml/2006/main" xmlns:r="http://schemas.openxmlformats.org/officeDocument/2006/relationships" xmlns:p="http://schemas.openxmlformats.org/presentationml/2006/main">
+  <p:cSld>
+    <p:spTree>
+      <p:nvGrpSpPr>
+        <p:cNvPr id="1" name=""/>
+        <p:cNvGrpSpPr/>
+        <p:nvPr/>
+      </p:nvGrpSpPr>
+      <p:grpSpPr>
+        <a:xfrm>
+          <a:off x="0" y="0"/>
+          <a:ext cx="0" cy="0"/>
+          <a:chOff x="0" y="0"/>
+          <a:chExt cx="0" cy="0"/>
+        </a:xfrm>
+      </p:grpSpPr>
+      <p:sp>
+        <p:nvSpPr>
           <p:cNvPr id="9" name="Text Placeholder 8">
             <a:extLst>
               <a:ext uri="{FF2B5EF4-FFF2-40B4-BE49-F238E27FC236}">
@@ -14894,7 +15833,7 @@
 </p:sld>
 </file>
 
-<file path=ppt/slides/slide11.xml><?xml version="1.0" encoding="utf-8"?>
+<file path=ppt/slides/slide13.xml><?xml version="1.0" encoding="utf-8"?>
 <p:sld xmlns:a="http://schemas.openxmlformats.org/drawingml/2006/main" xmlns:r="http://schemas.openxmlformats.org/officeDocument/2006/relationships" xmlns:p="http://schemas.openxmlformats.org/presentationml/2006/main">
   <p:cSld>
     <p:spTree>
@@ -15282,7 +16221,7 @@
 </p:sld>
 </file>
 
-<file path=ppt/slides/slide12.xml><?xml version="1.0" encoding="utf-8"?>
+<file path=ppt/slides/slide14.xml><?xml version="1.0" encoding="utf-8"?>
 <p:sld xmlns:a="http://schemas.openxmlformats.org/drawingml/2006/main" xmlns:r="http://schemas.openxmlformats.org/officeDocument/2006/relationships" xmlns:p="http://schemas.openxmlformats.org/presentationml/2006/main">
   <p:cSld>
     <p:spTree>
@@ -15359,7 +16298,7 @@
 </p:sld>
 </file>
 
-<file path=ppt/slides/slide13.xml><?xml version="1.0" encoding="utf-8"?>
+<file path=ppt/slides/slide15.xml><?xml version="1.0" encoding="utf-8"?>
 <p:sld xmlns:a="http://schemas.openxmlformats.org/drawingml/2006/main" xmlns:r="http://schemas.openxmlformats.org/officeDocument/2006/relationships" xmlns:p="http://schemas.openxmlformats.org/presentationml/2006/main">
   <p:cSld>
     <p:spTree>
@@ -15417,7 +16356,7 @@
 </p:sld>
 </file>
 
-<file path=ppt/slides/slide14.xml><?xml version="1.0" encoding="utf-8"?>
+<file path=ppt/slides/slide16.xml><?xml version="1.0" encoding="utf-8"?>
 <p:sld xmlns:a="http://schemas.openxmlformats.org/drawingml/2006/main" xmlns:r="http://schemas.openxmlformats.org/officeDocument/2006/relationships" xmlns:p="http://schemas.openxmlformats.org/presentationml/2006/main">
   <p:cSld>
     <p:spTree>
@@ -18112,7 +19051,7 @@
 </p:sld>
 </file>
 
-<file path=ppt/slides/slide15.xml><?xml version="1.0" encoding="utf-8"?>
+<file path=ppt/slides/slide17.xml><?xml version="1.0" encoding="utf-8"?>
 <p:sld xmlns:a="http://schemas.openxmlformats.org/drawingml/2006/main" xmlns:r="http://schemas.openxmlformats.org/officeDocument/2006/relationships" xmlns:p="http://schemas.openxmlformats.org/presentationml/2006/main">
   <p:cSld>
     <p:spTree>
@@ -22152,7 +23091,7 @@
 </p:sld>
 </file>
 
-<file path=ppt/slides/slide16.xml><?xml version="1.0" encoding="utf-8"?>
+<file path=ppt/slides/slide18.xml><?xml version="1.0" encoding="utf-8"?>
 <p:sld xmlns:a="http://schemas.openxmlformats.org/drawingml/2006/main" xmlns:r="http://schemas.openxmlformats.org/officeDocument/2006/relationships" xmlns:p="http://schemas.openxmlformats.org/presentationml/2006/main">
   <p:cSld>
     <p:spTree>
@@ -22540,7 +23479,7 @@
 </p:sld>
 </file>
 
-<file path=ppt/slides/slide17.xml><?xml version="1.0" encoding="utf-8"?>
+<file path=ppt/slides/slide19.xml><?xml version="1.0" encoding="utf-8"?>
 <p:sld xmlns:a="http://schemas.openxmlformats.org/drawingml/2006/main" xmlns:r="http://schemas.openxmlformats.org/officeDocument/2006/relationships" xmlns:p="http://schemas.openxmlformats.org/presentationml/2006/main">
   <p:cSld>
     <p:spTree>
@@ -22617,7 +23556,73 @@
 </p:sld>
 </file>
 
-<file path=ppt/slides/slide18.xml><?xml version="1.0" encoding="utf-8"?>
+<file path=ppt/slides/slide2.xml><?xml version="1.0" encoding="utf-8"?>
+<p:sld xmlns:a="http://schemas.openxmlformats.org/drawingml/2006/main" xmlns:r="http://schemas.openxmlformats.org/officeDocument/2006/relationships" xmlns:p="http://schemas.openxmlformats.org/presentationml/2006/main">
+  <p:cSld>
+    <p:spTree>
+      <p:nvGrpSpPr>
+        <p:cNvPr id="1" name=""/>
+        <p:cNvGrpSpPr/>
+        <p:nvPr/>
+      </p:nvGrpSpPr>
+      <p:grpSpPr>
+        <a:xfrm>
+          <a:off x="0" y="0"/>
+          <a:ext cx="0" cy="0"/>
+          <a:chOff x="0" y="0"/>
+          <a:chExt cx="0" cy="0"/>
+        </a:xfrm>
+      </p:grpSpPr>
+      <p:pic>
+        <p:nvPicPr>
+          <p:cNvPr id="4" name="Picture 3" descr="A screenshot of a cell phone&#10;&#10;Description automatically generated">
+            <a:extLst>
+              <a:ext uri="{FF2B5EF4-FFF2-40B4-BE49-F238E27FC236}">
+                <a16:creationId xmlns:a16="http://schemas.microsoft.com/office/drawing/2014/main" id="{B97B39EF-8C4A-4858-90A1-8C45F43B99C4}"/>
+              </a:ext>
+            </a:extLst>
+          </p:cNvPr>
+          <p:cNvPicPr>
+            <a:picLocks noChangeAspect="1"/>
+          </p:cNvPicPr>
+          <p:nvPr/>
+        </p:nvPicPr>
+        <p:blipFill>
+          <a:blip r:embed="rId2">
+            <a:extLst>
+              <a:ext uri="{28A0092B-C50C-407E-A947-70E740481C1C}">
+                <a14:useLocalDpi xmlns:a14="http://schemas.microsoft.com/office/drawing/2010/main" val="0"/>
+              </a:ext>
+            </a:extLst>
+          </a:blip>
+          <a:stretch>
+            <a:fillRect/>
+          </a:stretch>
+        </p:blipFill>
+        <p:spPr>
+          <a:xfrm>
+            <a:off x="1404279" y="47847"/>
+            <a:ext cx="9383441" cy="7250841"/>
+          </a:xfrm>
+          <a:prstGeom prst="rect">
+            <a:avLst/>
+          </a:prstGeom>
+        </p:spPr>
+      </p:pic>
+    </p:spTree>
+    <p:extLst>
+      <p:ext uri="{BB962C8B-B14F-4D97-AF65-F5344CB8AC3E}">
+        <p14:creationId xmlns:p14="http://schemas.microsoft.com/office/powerpoint/2010/main" val="1492659724"/>
+      </p:ext>
+    </p:extLst>
+  </p:cSld>
+  <p:clrMapOvr>
+    <a:masterClrMapping/>
+  </p:clrMapOvr>
+</p:sld>
+</file>
+
+<file path=ppt/slides/slide20.xml><?xml version="1.0" encoding="utf-8"?>
 <p:sld xmlns:a="http://schemas.openxmlformats.org/drawingml/2006/main" xmlns:r="http://schemas.openxmlformats.org/officeDocument/2006/relationships" xmlns:p="http://schemas.openxmlformats.org/presentationml/2006/main">
   <p:cSld>
     <p:spTree>
@@ -22677,7 +23682,7 @@
 </p:sld>
 </file>
 
-<file path=ppt/slides/slide19.xml><?xml version="1.0" encoding="utf-8"?>
+<file path=ppt/slides/slide21.xml><?xml version="1.0" encoding="utf-8"?>
 <p:sld xmlns:a="http://schemas.openxmlformats.org/drawingml/2006/main" xmlns:r="http://schemas.openxmlformats.org/officeDocument/2006/relationships" xmlns:p="http://schemas.openxmlformats.org/presentationml/2006/main">
   <p:cSld>
     <p:spTree>
@@ -23527,7 +24532,2146 @@
 </p:sld>
 </file>
 
-<file path=ppt/slides/slide2.xml><?xml version="1.0" encoding="utf-8"?>
+<file path=ppt/slides/slide22.xml><?xml version="1.0" encoding="utf-8"?>
+<p:sld xmlns:a="http://schemas.openxmlformats.org/drawingml/2006/main" xmlns:r="http://schemas.openxmlformats.org/officeDocument/2006/relationships" xmlns:p="http://schemas.openxmlformats.org/presentationml/2006/main">
+  <p:cSld>
+    <p:spTree>
+      <p:nvGrpSpPr>
+        <p:cNvPr id="1" name=""/>
+        <p:cNvGrpSpPr/>
+        <p:nvPr/>
+      </p:nvGrpSpPr>
+      <p:grpSpPr>
+        <a:xfrm>
+          <a:off x="0" y="0"/>
+          <a:ext cx="0" cy="0"/>
+          <a:chOff x="0" y="0"/>
+          <a:chExt cx="0" cy="0"/>
+        </a:xfrm>
+      </p:grpSpPr>
+      <p:sp>
+        <p:nvSpPr>
+          <p:cNvPr id="9" name="Text Placeholder 8">
+            <a:extLst>
+              <a:ext uri="{FF2B5EF4-FFF2-40B4-BE49-F238E27FC236}">
+                <a16:creationId xmlns:a16="http://schemas.microsoft.com/office/drawing/2014/main" id="{0995291A-BCFC-462C-BFF3-4306E13461B1}"/>
+              </a:ext>
+            </a:extLst>
+          </p:cNvPr>
+          <p:cNvSpPr>
+            <a:spLocks noGrp="1"/>
+          </p:cNvSpPr>
+          <p:nvPr>
+            <p:ph type="body" sz="quarter" idx="11"/>
+          </p:nvPr>
+        </p:nvSpPr>
+        <p:spPr/>
+        <p:txBody>
+          <a:bodyPr>
+            <a:normAutofit lnSpcReduction="10000"/>
+          </a:bodyPr>
+          <a:lstStyle/>
+          <a:p>
+            <a:r>
+              <a:rPr lang="en-US" dirty="0"/>
+              <a:t>Explicitly Compiled Queries</a:t>
+            </a:r>
+          </a:p>
+        </p:txBody>
+      </p:sp>
+    </p:spTree>
+    <p:extLst>
+      <p:ext uri="{BB962C8B-B14F-4D97-AF65-F5344CB8AC3E}">
+        <p14:creationId xmlns:p14="http://schemas.microsoft.com/office/powerpoint/2010/main" val="3427698077"/>
+      </p:ext>
+    </p:extLst>
+  </p:cSld>
+  <p:clrMapOvr>
+    <a:masterClrMapping/>
+  </p:clrMapOvr>
+</p:sld>
+</file>
+
+<file path=ppt/slides/slide23.xml><?xml version="1.0" encoding="utf-8"?>
+<p:sld xmlns:a="http://schemas.openxmlformats.org/drawingml/2006/main" xmlns:r="http://schemas.openxmlformats.org/officeDocument/2006/relationships" xmlns:p="http://schemas.openxmlformats.org/presentationml/2006/main">
+  <p:cSld>
+    <p:spTree>
+      <p:nvGrpSpPr>
+        <p:cNvPr id="1" name=""/>
+        <p:cNvGrpSpPr/>
+        <p:nvPr/>
+      </p:nvGrpSpPr>
+      <p:grpSpPr>
+        <a:xfrm>
+          <a:off x="0" y="0"/>
+          <a:ext cx="0" cy="0"/>
+          <a:chOff x="0" y="0"/>
+          <a:chExt cx="0" cy="0"/>
+        </a:xfrm>
+      </p:grpSpPr>
+      <p:sp>
+        <p:nvSpPr>
+          <p:cNvPr id="3" name="Title 2">
+            <a:extLst>
+              <a:ext uri="{FF2B5EF4-FFF2-40B4-BE49-F238E27FC236}">
+                <a16:creationId xmlns:a16="http://schemas.microsoft.com/office/drawing/2014/main" id="{EE169F9F-DAB6-46F7-8EEE-F94192D2139A}"/>
+              </a:ext>
+            </a:extLst>
+          </p:cNvPr>
+          <p:cNvSpPr>
+            <a:spLocks noGrp="1"/>
+          </p:cNvSpPr>
+          <p:nvPr>
+            <p:ph type="title"/>
+          </p:nvPr>
+        </p:nvSpPr>
+        <p:spPr/>
+        <p:txBody>
+          <a:bodyPr/>
+          <a:lstStyle/>
+          <a:p>
+            <a:r>
+              <a:rPr lang="en-US" dirty="0"/>
+              <a:t>Explicitly Compiled Queries</a:t>
+            </a:r>
+          </a:p>
+        </p:txBody>
+      </p:sp>
+      <p:sp>
+        <p:nvSpPr>
+          <p:cNvPr id="5" name="Rectangle 2">
+            <a:extLst>
+              <a:ext uri="{FF2B5EF4-FFF2-40B4-BE49-F238E27FC236}">
+                <a16:creationId xmlns:a16="http://schemas.microsoft.com/office/drawing/2014/main" id="{06357BD9-0921-4736-B4BF-789FA4DC2444}"/>
+              </a:ext>
+            </a:extLst>
+          </p:cNvPr>
+          <p:cNvSpPr>
+            <a:spLocks noChangeArrowheads="1"/>
+          </p:cNvSpPr>
+          <p:nvPr/>
+        </p:nvSpPr>
+        <p:spPr bwMode="auto">
+          <a:xfrm>
+            <a:off x="277165" y="4480471"/>
+            <a:ext cx="11539392" cy="830997"/>
+          </a:xfrm>
+          <a:prstGeom prst="rect">
+            <a:avLst/>
+          </a:prstGeom>
+          <a:solidFill>
+            <a:schemeClr val="bg2"/>
+          </a:solidFill>
+          <a:ln>
+            <a:noFill/>
+          </a:ln>
+          <a:effectLst/>
+        </p:spPr>
+        <p:txBody>
+          <a:bodyPr vert="horz" wrap="square" lIns="91440" tIns="45720" rIns="91440" bIns="45720" numCol="1" anchor="ctr" anchorCtr="0" compatLnSpc="1">
+            <a:prstTxWarp prst="textNoShape">
+              <a:avLst/>
+            </a:prstTxWarp>
+            <a:spAutoFit/>
+          </a:bodyPr>
+          <a:lstStyle/>
+          <a:p>
+            <a:pPr marL="0" marR="0" lvl="0" indent="0" algn="l" defTabSz="914400" rtl="0" eaLnBrk="0" fontAlgn="base" latinLnBrk="0" hangingPunct="0">
+              <a:lnSpc>
+                <a:spcPct val="100000"/>
+              </a:lnSpc>
+              <a:spcBef>
+                <a:spcPct val="0"/>
+              </a:spcBef>
+              <a:spcAft>
+                <a:spcPct val="0"/>
+              </a:spcAft>
+              <a:buClrTx/>
+              <a:buSzTx/>
+              <a:buFontTx/>
+              <a:buNone/>
+              <a:tabLst/>
+            </a:pPr>
+            <a:r>
+              <a:rPr kumimoji="0" lang="en-US" altLang="en-US" sz="2400" b="0" i="0" u="none" strike="noStrike" cap="none" normalizeH="0" baseline="0" dirty="0">
+                <a:ln>
+                  <a:noFill/>
+                </a:ln>
+                <a:solidFill>
+                  <a:srgbClr val="071591"/>
+                </a:solidFill>
+                <a:effectLst/>
+                <a:latin typeface="Source Code Pro" panose="020B0509030403020204" pitchFamily="49" charset="0"/>
+              </a:rPr>
+              <a:t>public async </a:t>
+            </a:r>
+            <a:r>
+              <a:rPr kumimoji="0" lang="en-US" altLang="en-US" sz="2400" b="0" i="0" u="none" strike="noStrike" cap="none" normalizeH="0" baseline="0" dirty="0">
+                <a:ln>
+                  <a:noFill/>
+                </a:ln>
+                <a:solidFill>
+                  <a:srgbClr val="000000"/>
+                </a:solidFill>
+                <a:effectLst/>
+                <a:latin typeface="Source Code Pro" panose="020B0509030403020204" pitchFamily="49" charset="0"/>
+              </a:rPr>
+              <a:t>Task</a:t>
+            </a:r>
+            <a:r>
+              <a:rPr kumimoji="0" lang="en-US" altLang="en-US" sz="2400" b="0" i="0" u="none" strike="noStrike" cap="none" normalizeH="0" baseline="0" dirty="0">
+                <a:ln>
+                  <a:noFill/>
+                </a:ln>
+                <a:solidFill>
+                  <a:srgbClr val="262626"/>
+                </a:solidFill>
+                <a:effectLst/>
+                <a:latin typeface="Source Code Pro" panose="020B0509030403020204" pitchFamily="49" charset="0"/>
+              </a:rPr>
+              <a:t>&lt;</a:t>
+            </a:r>
+            <a:r>
+              <a:rPr kumimoji="0" lang="en-US" altLang="en-US" sz="2400" b="0" i="0" u="none" strike="noStrike" cap="none" normalizeH="0" baseline="0" dirty="0">
+                <a:ln>
+                  <a:noFill/>
+                </a:ln>
+                <a:solidFill>
+                  <a:srgbClr val="000000"/>
+                </a:solidFill>
+                <a:effectLst/>
+                <a:latin typeface="Source Code Pro" panose="020B0509030403020204" pitchFamily="49" charset="0"/>
+              </a:rPr>
+              <a:t>List</a:t>
+            </a:r>
+            <a:r>
+              <a:rPr kumimoji="0" lang="en-US" altLang="en-US" sz="2400" b="0" i="0" u="none" strike="noStrike" cap="none" normalizeH="0" baseline="0" dirty="0">
+                <a:ln>
+                  <a:noFill/>
+                </a:ln>
+                <a:solidFill>
+                  <a:srgbClr val="262626"/>
+                </a:solidFill>
+                <a:effectLst/>
+                <a:latin typeface="Source Code Pro" panose="020B0509030403020204" pitchFamily="49" charset="0"/>
+              </a:rPr>
+              <a:t>&lt;</a:t>
+            </a:r>
+            <a:r>
+              <a:rPr kumimoji="0" lang="en-US" altLang="en-US" sz="2400" b="0" i="0" u="none" strike="noStrike" cap="none" normalizeH="0" baseline="0" dirty="0">
+                <a:ln>
+                  <a:noFill/>
+                </a:ln>
+                <a:solidFill>
+                  <a:srgbClr val="000000"/>
+                </a:solidFill>
+                <a:effectLst/>
+                <a:latin typeface="Source Code Pro" panose="020B0509030403020204" pitchFamily="49" charset="0"/>
+              </a:rPr>
+              <a:t>Album</a:t>
+            </a:r>
+            <a:r>
+              <a:rPr kumimoji="0" lang="en-US" altLang="en-US" sz="2400" b="0" i="0" u="none" strike="noStrike" cap="none" normalizeH="0" baseline="0" dirty="0">
+                <a:ln>
+                  <a:noFill/>
+                </a:ln>
+                <a:solidFill>
+                  <a:srgbClr val="262626"/>
+                </a:solidFill>
+                <a:effectLst/>
+                <a:latin typeface="Source Code Pro" panose="020B0509030403020204" pitchFamily="49" charset="0"/>
+              </a:rPr>
+              <a:t>&gt;&gt; </a:t>
+            </a:r>
+            <a:r>
+              <a:rPr kumimoji="0" lang="en-US" altLang="en-US" sz="2400" b="0" i="0" u="none" strike="noStrike" cap="none" normalizeH="0" baseline="0" dirty="0" err="1">
+                <a:ln>
+                  <a:noFill/>
+                </a:ln>
+                <a:solidFill>
+                  <a:srgbClr val="000000"/>
+                </a:solidFill>
+                <a:effectLst/>
+                <a:latin typeface="Source Code Pro" panose="020B0509030403020204" pitchFamily="49" charset="0"/>
+              </a:rPr>
+              <a:t>GetAllAlbumsAsync</a:t>
+            </a:r>
+            <a:r>
+              <a:rPr kumimoji="0" lang="en-US" altLang="en-US" sz="2400" b="0" i="0" u="none" strike="noStrike" cap="none" normalizeH="0" baseline="0" dirty="0">
+                <a:ln>
+                  <a:noFill/>
+                </a:ln>
+                <a:solidFill>
+                  <a:srgbClr val="262626"/>
+                </a:solidFill>
+                <a:effectLst/>
+                <a:latin typeface="Source Code Pro" panose="020B0509030403020204" pitchFamily="49" charset="0"/>
+              </a:rPr>
+              <a:t>() =&gt; </a:t>
+            </a:r>
+            <a:r>
+              <a:rPr kumimoji="0" lang="en-US" altLang="en-US" sz="2400" b="0" i="0" u="none" strike="noStrike" cap="none" normalizeH="0" baseline="0" dirty="0">
+                <a:ln>
+                  <a:noFill/>
+                </a:ln>
+                <a:solidFill>
+                  <a:srgbClr val="071591"/>
+                </a:solidFill>
+                <a:effectLst/>
+                <a:latin typeface="Source Code Pro" panose="020B0509030403020204" pitchFamily="49" charset="0"/>
+              </a:rPr>
+              <a:t>await 	</a:t>
+            </a:r>
+            <a:r>
+              <a:rPr kumimoji="0" lang="en-US" altLang="en-US" sz="2400" b="0" i="0" u="none" strike="noStrike" cap="none" normalizeH="0" baseline="0" dirty="0">
+                <a:ln>
+                  <a:noFill/>
+                </a:ln>
+                <a:solidFill>
+                  <a:srgbClr val="660E7A"/>
+                </a:solidFill>
+                <a:effectLst/>
+                <a:latin typeface="Source Code Pro" panose="020B0509030403020204" pitchFamily="49" charset="0"/>
+              </a:rPr>
+              <a:t>_</a:t>
+            </a:r>
+            <a:r>
+              <a:rPr kumimoji="0" lang="en-US" altLang="en-US" sz="2400" b="0" i="0" u="none" strike="noStrike" cap="none" normalizeH="0" baseline="0" dirty="0" err="1">
+                <a:ln>
+                  <a:noFill/>
+                </a:ln>
+                <a:solidFill>
+                  <a:srgbClr val="660E7A"/>
+                </a:solidFill>
+                <a:effectLst/>
+                <a:latin typeface="Source Code Pro" panose="020B0509030403020204" pitchFamily="49" charset="0"/>
+              </a:rPr>
+              <a:t>queryGetAllAlbums</a:t>
+            </a:r>
+            <a:r>
+              <a:rPr kumimoji="0" lang="en-US" altLang="en-US" sz="2400" b="0" i="0" u="none" strike="noStrike" cap="none" normalizeH="0" baseline="0" dirty="0">
+                <a:ln>
+                  <a:noFill/>
+                </a:ln>
+                <a:solidFill>
+                  <a:srgbClr val="262626"/>
+                </a:solidFill>
+                <a:effectLst/>
+                <a:latin typeface="Source Code Pro" panose="020B0509030403020204" pitchFamily="49" charset="0"/>
+              </a:rPr>
+              <a:t>(</a:t>
+            </a:r>
+            <a:r>
+              <a:rPr kumimoji="0" lang="en-US" altLang="en-US" sz="2400" b="0" i="0" u="none" strike="noStrike" cap="none" normalizeH="0" baseline="0" dirty="0">
+                <a:ln>
+                  <a:noFill/>
+                </a:ln>
+                <a:solidFill>
+                  <a:srgbClr val="071591"/>
+                </a:solidFill>
+                <a:effectLst/>
+                <a:latin typeface="Source Code Pro" panose="020B0509030403020204" pitchFamily="49" charset="0"/>
+              </a:rPr>
+              <a:t>this</a:t>
+            </a:r>
+            <a:r>
+              <a:rPr kumimoji="0" lang="en-US" altLang="en-US" sz="2400" b="0" i="0" u="none" strike="noStrike" cap="none" normalizeH="0" baseline="0" dirty="0">
+                <a:ln>
+                  <a:noFill/>
+                </a:ln>
+                <a:solidFill>
+                  <a:srgbClr val="262626"/>
+                </a:solidFill>
+                <a:effectLst/>
+                <a:latin typeface="Source Code Pro" panose="020B0509030403020204" pitchFamily="49" charset="0"/>
+              </a:rPr>
+              <a:t>).</a:t>
+            </a:r>
+            <a:r>
+              <a:rPr kumimoji="0" lang="en-US" altLang="en-US" sz="2400" b="0" i="0" u="none" strike="noStrike" cap="none" normalizeH="0" baseline="0" dirty="0" err="1">
+                <a:ln>
+                  <a:noFill/>
+                </a:ln>
+                <a:solidFill>
+                  <a:srgbClr val="000000"/>
+                </a:solidFill>
+                <a:effectLst/>
+                <a:latin typeface="Source Code Pro" panose="020B0509030403020204" pitchFamily="49" charset="0"/>
+              </a:rPr>
+              <a:t>ToListAsync</a:t>
+            </a:r>
+            <a:r>
+              <a:rPr kumimoji="0" lang="en-US" altLang="en-US" sz="2400" b="0" i="0" u="none" strike="noStrike" cap="none" normalizeH="0" baseline="0" dirty="0">
+                <a:ln>
+                  <a:noFill/>
+                </a:ln>
+                <a:solidFill>
+                  <a:srgbClr val="262626"/>
+                </a:solidFill>
+                <a:effectLst/>
+                <a:latin typeface="Source Code Pro" panose="020B0509030403020204" pitchFamily="49" charset="0"/>
+              </a:rPr>
+              <a:t>();</a:t>
+            </a:r>
+            <a:endParaRPr kumimoji="0" lang="en-US" altLang="en-US" sz="3600" b="0" i="0" u="none" strike="noStrike" cap="none" normalizeH="0" baseline="0" dirty="0">
+              <a:ln>
+                <a:noFill/>
+              </a:ln>
+              <a:solidFill>
+                <a:schemeClr val="tx1"/>
+              </a:solidFill>
+              <a:effectLst/>
+              <a:latin typeface="Arial" panose="020B0604020202020204" pitchFamily="34" charset="0"/>
+            </a:endParaRPr>
+          </a:p>
+        </p:txBody>
+      </p:sp>
+      <p:sp>
+        <p:nvSpPr>
+          <p:cNvPr id="8" name="Rectangle 3">
+            <a:extLst>
+              <a:ext uri="{FF2B5EF4-FFF2-40B4-BE49-F238E27FC236}">
+                <a16:creationId xmlns:a16="http://schemas.microsoft.com/office/drawing/2014/main" id="{3C3D649B-863E-4231-A516-3C2AD34E0460}"/>
+              </a:ext>
+            </a:extLst>
+          </p:cNvPr>
+          <p:cNvSpPr>
+            <a:spLocks noChangeArrowheads="1"/>
+          </p:cNvSpPr>
+          <p:nvPr/>
+        </p:nvSpPr>
+        <p:spPr bwMode="auto">
+          <a:xfrm>
+            <a:off x="277165" y="2448774"/>
+            <a:ext cx="11810533" cy="1200329"/>
+          </a:xfrm>
+          <a:prstGeom prst="rect">
+            <a:avLst/>
+          </a:prstGeom>
+          <a:solidFill>
+            <a:schemeClr val="bg2"/>
+          </a:solidFill>
+          <a:ln>
+            <a:noFill/>
+          </a:ln>
+          <a:effectLst/>
+        </p:spPr>
+        <p:txBody>
+          <a:bodyPr vert="horz" wrap="square" lIns="91440" tIns="45720" rIns="91440" bIns="45720" numCol="1" anchor="ctr" anchorCtr="0" compatLnSpc="1">
+            <a:prstTxWarp prst="textNoShape">
+              <a:avLst/>
+            </a:prstTxWarp>
+            <a:spAutoFit/>
+          </a:bodyPr>
+          <a:lstStyle/>
+          <a:p>
+            <a:pPr marL="0" marR="0" lvl="0" indent="0" algn="l" defTabSz="914400" rtl="0" eaLnBrk="0" fontAlgn="base" latinLnBrk="0" hangingPunct="0">
+              <a:lnSpc>
+                <a:spcPct val="100000"/>
+              </a:lnSpc>
+              <a:spcBef>
+                <a:spcPct val="0"/>
+              </a:spcBef>
+              <a:spcAft>
+                <a:spcPct val="0"/>
+              </a:spcAft>
+              <a:buClrTx/>
+              <a:buSzTx/>
+              <a:buFontTx/>
+              <a:buNone/>
+              <a:tabLst/>
+            </a:pPr>
+            <a:r>
+              <a:rPr kumimoji="0" lang="en-US" altLang="en-US" sz="2400" b="0" i="0" u="none" strike="noStrike" cap="none" normalizeH="0" baseline="0" dirty="0">
+                <a:ln>
+                  <a:noFill/>
+                </a:ln>
+                <a:solidFill>
+                  <a:srgbClr val="071591"/>
+                </a:solidFill>
+                <a:effectLst/>
+                <a:latin typeface="Source Code Pro" panose="020B0509030403020204" pitchFamily="49" charset="0"/>
+              </a:rPr>
+              <a:t>private static </a:t>
+            </a:r>
+            <a:r>
+              <a:rPr kumimoji="0" lang="en-US" altLang="en-US" sz="2400" b="0" i="0" u="none" strike="noStrike" cap="none" normalizeH="0" baseline="0" dirty="0" err="1">
+                <a:ln>
+                  <a:noFill/>
+                </a:ln>
+                <a:solidFill>
+                  <a:srgbClr val="071591"/>
+                </a:solidFill>
+                <a:effectLst/>
+                <a:latin typeface="Source Code Pro" panose="020B0509030403020204" pitchFamily="49" charset="0"/>
+              </a:rPr>
+              <a:t>readonly</a:t>
+            </a:r>
+            <a:r>
+              <a:rPr kumimoji="0" lang="en-US" altLang="en-US" sz="2400" b="0" i="0" u="none" strike="noStrike" cap="none" normalizeH="0" baseline="0" dirty="0">
+                <a:ln>
+                  <a:noFill/>
+                </a:ln>
+                <a:solidFill>
+                  <a:srgbClr val="071591"/>
+                </a:solidFill>
+                <a:effectLst/>
+                <a:latin typeface="Source Code Pro" panose="020B0509030403020204" pitchFamily="49" charset="0"/>
+              </a:rPr>
+              <a:t> </a:t>
+            </a:r>
+            <a:r>
+              <a:rPr kumimoji="0" lang="en-US" altLang="en-US" sz="2400" b="0" i="0" u="none" strike="noStrike" cap="none" normalizeH="0" baseline="0" dirty="0" err="1">
+                <a:ln>
+                  <a:noFill/>
+                </a:ln>
+                <a:solidFill>
+                  <a:srgbClr val="000000"/>
+                </a:solidFill>
+                <a:effectLst/>
+                <a:latin typeface="Source Code Pro" panose="020B0509030403020204" pitchFamily="49" charset="0"/>
+              </a:rPr>
+              <a:t>Func</a:t>
+            </a:r>
+            <a:r>
+              <a:rPr kumimoji="0" lang="en-US" altLang="en-US" sz="2400" b="0" i="0" u="none" strike="noStrike" cap="none" normalizeH="0" baseline="0" dirty="0">
+                <a:ln>
+                  <a:noFill/>
+                </a:ln>
+                <a:solidFill>
+                  <a:srgbClr val="262626"/>
+                </a:solidFill>
+                <a:effectLst/>
+                <a:latin typeface="Source Code Pro" panose="020B0509030403020204" pitchFamily="49" charset="0"/>
+              </a:rPr>
+              <a:t>&lt;</a:t>
+            </a:r>
+            <a:r>
+              <a:rPr kumimoji="0" lang="en-US" altLang="en-US" sz="2400" b="0" i="0" u="none" strike="noStrike" cap="none" normalizeH="0" baseline="0" dirty="0" err="1">
+                <a:ln>
+                  <a:noFill/>
+                </a:ln>
+                <a:solidFill>
+                  <a:srgbClr val="000000"/>
+                </a:solidFill>
+                <a:effectLst/>
+                <a:latin typeface="Source Code Pro" panose="020B0509030403020204" pitchFamily="49" charset="0"/>
+              </a:rPr>
+              <a:t>ChinookContext</a:t>
+            </a:r>
+            <a:r>
+              <a:rPr kumimoji="0" lang="en-US" altLang="en-US" sz="2400" b="0" i="0" u="none" strike="noStrike" cap="none" normalizeH="0" baseline="0" dirty="0">
+                <a:ln>
+                  <a:noFill/>
+                </a:ln>
+                <a:solidFill>
+                  <a:srgbClr val="262626"/>
+                </a:solidFill>
+                <a:effectLst/>
+                <a:latin typeface="Source Code Pro" panose="020B0509030403020204" pitchFamily="49" charset="0"/>
+              </a:rPr>
+              <a:t>, </a:t>
+            </a:r>
+            <a:r>
+              <a:rPr kumimoji="0" lang="en-US" altLang="en-US" sz="2400" b="0" i="0" u="none" strike="noStrike" cap="none" normalizeH="0" baseline="0" dirty="0" err="1">
+                <a:ln>
+                  <a:noFill/>
+                </a:ln>
+                <a:solidFill>
+                  <a:srgbClr val="000000"/>
+                </a:solidFill>
+                <a:effectLst/>
+                <a:latin typeface="Source Code Pro" panose="020B0509030403020204" pitchFamily="49" charset="0"/>
+              </a:rPr>
+              <a:t>AsyncEnumerable</a:t>
+            </a:r>
+            <a:r>
+              <a:rPr kumimoji="0" lang="en-US" altLang="en-US" sz="2400" b="0" i="0" u="none" strike="noStrike" cap="none" normalizeH="0" baseline="0" dirty="0">
+                <a:ln>
+                  <a:noFill/>
+                </a:ln>
+                <a:solidFill>
+                  <a:srgbClr val="262626"/>
+                </a:solidFill>
+                <a:effectLst/>
+                <a:latin typeface="Source Code Pro" panose="020B0509030403020204" pitchFamily="49" charset="0"/>
+              </a:rPr>
+              <a:t>&lt;</a:t>
+            </a:r>
+            <a:r>
+              <a:rPr kumimoji="0" lang="en-US" altLang="en-US" sz="2400" b="0" i="0" u="none" strike="noStrike" cap="none" normalizeH="0" baseline="0" dirty="0">
+                <a:ln>
+                  <a:noFill/>
+                </a:ln>
+                <a:solidFill>
+                  <a:srgbClr val="000000"/>
+                </a:solidFill>
+                <a:effectLst/>
+                <a:latin typeface="Source Code Pro" panose="020B0509030403020204" pitchFamily="49" charset="0"/>
+              </a:rPr>
+              <a:t>Album</a:t>
+            </a:r>
+            <a:r>
+              <a:rPr kumimoji="0" lang="en-US" altLang="en-US" sz="2400" b="0" i="0" u="none" strike="noStrike" cap="none" normalizeH="0" baseline="0" dirty="0">
+                <a:ln>
+                  <a:noFill/>
+                </a:ln>
+                <a:solidFill>
+                  <a:srgbClr val="262626"/>
+                </a:solidFill>
+                <a:effectLst/>
+                <a:latin typeface="Source Code Pro" panose="020B0509030403020204" pitchFamily="49" charset="0"/>
+              </a:rPr>
+              <a:t>&gt;&gt; </a:t>
+            </a:r>
+            <a:r>
+              <a:rPr kumimoji="0" lang="en-US" altLang="en-US" sz="2400" b="0" i="0" u="none" strike="noStrike" cap="none" normalizeH="0" baseline="0" dirty="0">
+                <a:ln>
+                  <a:noFill/>
+                </a:ln>
+                <a:solidFill>
+                  <a:srgbClr val="660E7A"/>
+                </a:solidFill>
+                <a:effectLst/>
+                <a:latin typeface="Source Code Pro" panose="020B0509030403020204" pitchFamily="49" charset="0"/>
+              </a:rPr>
+              <a:t>_</a:t>
+            </a:r>
+            <a:r>
+              <a:rPr kumimoji="0" lang="en-US" altLang="en-US" sz="2400" b="0" i="0" u="none" strike="noStrike" cap="none" normalizeH="0" baseline="0" dirty="0" err="1">
+                <a:ln>
+                  <a:noFill/>
+                </a:ln>
+                <a:solidFill>
+                  <a:srgbClr val="660E7A"/>
+                </a:solidFill>
+                <a:effectLst/>
+                <a:latin typeface="Source Code Pro" panose="020B0509030403020204" pitchFamily="49" charset="0"/>
+              </a:rPr>
+              <a:t>queryGetAllAlbums</a:t>
+            </a:r>
+            <a:r>
+              <a:rPr kumimoji="0" lang="en-US" altLang="en-US" sz="2400" b="0" i="0" u="none" strike="noStrike" cap="none" normalizeH="0" baseline="0" dirty="0">
+                <a:ln>
+                  <a:noFill/>
+                </a:ln>
+                <a:solidFill>
+                  <a:srgbClr val="660E7A"/>
+                </a:solidFill>
+                <a:effectLst/>
+                <a:latin typeface="Source Code Pro" panose="020B0509030403020204" pitchFamily="49" charset="0"/>
+              </a:rPr>
+              <a:t> </a:t>
+            </a:r>
+            <a:r>
+              <a:rPr kumimoji="0" lang="en-US" altLang="en-US" sz="2400" b="0" i="0" u="none" strike="noStrike" cap="none" normalizeH="0" baseline="0" dirty="0">
+                <a:ln>
+                  <a:noFill/>
+                </a:ln>
+                <a:solidFill>
+                  <a:srgbClr val="262626"/>
+                </a:solidFill>
+                <a:effectLst/>
+                <a:latin typeface="Source Code Pro" panose="020B0509030403020204" pitchFamily="49" charset="0"/>
+              </a:rPr>
+              <a:t>=</a:t>
+            </a:r>
+            <a:r>
+              <a:rPr lang="en-US" altLang="en-US" sz="2400" dirty="0">
+                <a:solidFill>
+                  <a:srgbClr val="262626"/>
+                </a:solidFill>
+                <a:latin typeface="Source Code Pro" panose="020B0509030403020204" pitchFamily="49" charset="0"/>
+              </a:rPr>
+              <a:t> </a:t>
+            </a:r>
+            <a:r>
+              <a:rPr kumimoji="0" lang="en-US" altLang="en-US" sz="2400" b="0" i="0" u="none" strike="noStrike" cap="none" normalizeH="0" baseline="0" dirty="0" err="1">
+                <a:ln>
+                  <a:noFill/>
+                </a:ln>
+                <a:solidFill>
+                  <a:srgbClr val="262626"/>
+                </a:solidFill>
+                <a:effectLst/>
+                <a:latin typeface="Source Code Pro" panose="020B0509030403020204" pitchFamily="49" charset="0"/>
+              </a:rPr>
+              <a:t>EF.CompileAsyncQuery</a:t>
+            </a:r>
+            <a:r>
+              <a:rPr kumimoji="0" lang="en-US" altLang="en-US" sz="2400" b="0" i="0" u="none" strike="noStrike" cap="none" normalizeH="0" baseline="0" dirty="0">
+                <a:ln>
+                  <a:noFill/>
+                </a:ln>
+                <a:solidFill>
+                  <a:srgbClr val="262626"/>
+                </a:solidFill>
+                <a:effectLst/>
+                <a:latin typeface="Source Code Pro" panose="020B0509030403020204" pitchFamily="49" charset="0"/>
+              </a:rPr>
+              <a:t>((</a:t>
+            </a:r>
+            <a:r>
+              <a:rPr kumimoji="0" lang="en-US" altLang="en-US" sz="2400" b="0" i="0" u="none" strike="noStrike" cap="none" normalizeH="0" baseline="0" dirty="0" err="1">
+                <a:ln>
+                  <a:noFill/>
+                </a:ln>
+                <a:solidFill>
+                  <a:srgbClr val="262626"/>
+                </a:solidFill>
+                <a:effectLst/>
+                <a:latin typeface="Source Code Pro" panose="020B0509030403020204" pitchFamily="49" charset="0"/>
+              </a:rPr>
+              <a:t>ChinookContext</a:t>
+            </a:r>
+            <a:r>
+              <a:rPr kumimoji="0" lang="en-US" altLang="en-US" sz="2400" b="0" i="0" u="none" strike="noStrike" cap="none" normalizeH="0" baseline="0" dirty="0">
+                <a:ln>
+                  <a:noFill/>
+                </a:ln>
+                <a:solidFill>
+                  <a:srgbClr val="262626"/>
+                </a:solidFill>
+                <a:effectLst/>
+                <a:latin typeface="Source Code Pro" panose="020B0509030403020204" pitchFamily="49" charset="0"/>
+              </a:rPr>
+              <a:t> </a:t>
+            </a:r>
+            <a:r>
+              <a:rPr kumimoji="0" lang="en-US" altLang="en-US" sz="2400" b="0" i="0" u="none" strike="noStrike" cap="none" normalizeH="0" baseline="0" dirty="0" err="1">
+                <a:ln>
+                  <a:noFill/>
+                </a:ln>
+                <a:solidFill>
+                  <a:srgbClr val="262626"/>
+                </a:solidFill>
+                <a:effectLst/>
+                <a:latin typeface="Source Code Pro" panose="020B0509030403020204" pitchFamily="49" charset="0"/>
+              </a:rPr>
+              <a:t>db</a:t>
+            </a:r>
+            <a:r>
+              <a:rPr kumimoji="0" lang="en-US" altLang="en-US" sz="2400" b="0" i="0" u="none" strike="noStrike" cap="none" normalizeH="0" baseline="0" dirty="0">
+                <a:ln>
+                  <a:noFill/>
+                </a:ln>
+                <a:solidFill>
+                  <a:srgbClr val="262626"/>
+                </a:solidFill>
+                <a:effectLst/>
+                <a:latin typeface="Source Code Pro" panose="020B0509030403020204" pitchFamily="49" charset="0"/>
+              </a:rPr>
+              <a:t>) =&gt; </a:t>
+            </a:r>
+            <a:r>
+              <a:rPr kumimoji="0" lang="en-US" altLang="en-US" sz="2400" b="0" i="0" u="none" strike="noStrike" cap="none" normalizeH="0" baseline="0" dirty="0" err="1">
+                <a:ln>
+                  <a:noFill/>
+                </a:ln>
+                <a:solidFill>
+                  <a:srgbClr val="262626"/>
+                </a:solidFill>
+                <a:effectLst/>
+                <a:latin typeface="Source Code Pro" panose="020B0509030403020204" pitchFamily="49" charset="0"/>
+              </a:rPr>
+              <a:t>db.Album</a:t>
+            </a:r>
+            <a:r>
+              <a:rPr kumimoji="0" lang="en-US" altLang="en-US" sz="2400" b="0" i="0" u="none" strike="noStrike" cap="none" normalizeH="0" baseline="0" dirty="0">
+                <a:ln>
+                  <a:noFill/>
+                </a:ln>
+                <a:solidFill>
+                  <a:srgbClr val="262626"/>
+                </a:solidFill>
+                <a:effectLst/>
+                <a:latin typeface="Source Code Pro" panose="020B0509030403020204" pitchFamily="49" charset="0"/>
+              </a:rPr>
+              <a:t>);</a:t>
+            </a:r>
+            <a:endParaRPr kumimoji="0" lang="en-US" altLang="en-US" sz="3600" b="0" i="0" u="none" strike="noStrike" cap="none" normalizeH="0" baseline="0" dirty="0">
+              <a:ln>
+                <a:noFill/>
+              </a:ln>
+              <a:solidFill>
+                <a:schemeClr val="tx1"/>
+              </a:solidFill>
+              <a:effectLst/>
+              <a:latin typeface="Arial" panose="020B0604020202020204" pitchFamily="34" charset="0"/>
+            </a:endParaRPr>
+          </a:p>
+        </p:txBody>
+      </p:sp>
+    </p:spTree>
+    <p:extLst>
+      <p:ext uri="{BB962C8B-B14F-4D97-AF65-F5344CB8AC3E}">
+        <p14:creationId xmlns:p14="http://schemas.microsoft.com/office/powerpoint/2010/main" val="3138077517"/>
+      </p:ext>
+    </p:extLst>
+  </p:cSld>
+  <p:clrMapOvr>
+    <a:masterClrMapping/>
+  </p:clrMapOvr>
+</p:sld>
+</file>
+
+<file path=ppt/slides/slide24.xml><?xml version="1.0" encoding="utf-8"?>
+<p:sld xmlns:a="http://schemas.openxmlformats.org/drawingml/2006/main" xmlns:r="http://schemas.openxmlformats.org/officeDocument/2006/relationships" xmlns:p="http://schemas.openxmlformats.org/presentationml/2006/main">
+  <p:cSld>
+    <p:spTree>
+      <p:nvGrpSpPr>
+        <p:cNvPr id="1" name=""/>
+        <p:cNvGrpSpPr/>
+        <p:nvPr/>
+      </p:nvGrpSpPr>
+      <p:grpSpPr>
+        <a:xfrm>
+          <a:off x="0" y="0"/>
+          <a:ext cx="0" cy="0"/>
+          <a:chOff x="0" y="0"/>
+          <a:chExt cx="0" cy="0"/>
+        </a:xfrm>
+      </p:grpSpPr>
+      <p:sp>
+        <p:nvSpPr>
+          <p:cNvPr id="4" name="Title 3"/>
+          <p:cNvSpPr>
+            <a:spLocks noGrp="1"/>
+          </p:cNvSpPr>
+          <p:nvPr>
+            <p:ph type="ctrTitle"/>
+          </p:nvPr>
+        </p:nvSpPr>
+        <p:spPr/>
+        <p:txBody>
+          <a:bodyPr/>
+          <a:lstStyle/>
+          <a:p>
+            <a:r>
+              <a:rPr lang="en-US" dirty="0"/>
+              <a:t>Demo</a:t>
+            </a:r>
+          </a:p>
+        </p:txBody>
+      </p:sp>
+      <p:sp>
+        <p:nvSpPr>
+          <p:cNvPr id="5" name="Subtitle 4"/>
+          <p:cNvSpPr>
+            <a:spLocks noGrp="1"/>
+          </p:cNvSpPr>
+          <p:nvPr>
+            <p:ph type="subTitle" idx="1"/>
+          </p:nvPr>
+        </p:nvSpPr>
+        <p:spPr/>
+        <p:txBody>
+          <a:bodyPr/>
+          <a:lstStyle/>
+          <a:p>
+            <a:pPr marL="0" indent="0">
+              <a:buNone/>
+            </a:pPr>
+            <a:r>
+              <a:rPr lang="en-US" dirty="0"/>
+              <a:t>Explicitly Compiled Queries</a:t>
+            </a:r>
+          </a:p>
+        </p:txBody>
+      </p:sp>
+    </p:spTree>
+    <p:extLst>
+      <p:ext uri="{BB962C8B-B14F-4D97-AF65-F5344CB8AC3E}">
+        <p14:creationId xmlns:p14="http://schemas.microsoft.com/office/powerpoint/2010/main" val="4154564100"/>
+      </p:ext>
+    </p:extLst>
+  </p:cSld>
+  <p:clrMapOvr>
+    <a:masterClrMapping/>
+  </p:clrMapOvr>
+</p:sld>
+</file>
+
+<file path=ppt/slides/slide25.xml><?xml version="1.0" encoding="utf-8"?>
+<p:sld xmlns:a="http://schemas.openxmlformats.org/drawingml/2006/main" xmlns:r="http://schemas.openxmlformats.org/officeDocument/2006/relationships" xmlns:p="http://schemas.openxmlformats.org/presentationml/2006/main">
+  <p:cSld>
+    <p:spTree>
+      <p:nvGrpSpPr>
+        <p:cNvPr id="1" name=""/>
+        <p:cNvGrpSpPr/>
+        <p:nvPr/>
+      </p:nvGrpSpPr>
+      <p:grpSpPr>
+        <a:xfrm>
+          <a:off x="0" y="0"/>
+          <a:ext cx="0" cy="0"/>
+          <a:chOff x="0" y="0"/>
+          <a:chExt cx="0" cy="0"/>
+        </a:xfrm>
+      </p:grpSpPr>
+      <p:sp>
+        <p:nvSpPr>
+          <p:cNvPr id="9" name="Text Placeholder 8">
+            <a:extLst>
+              <a:ext uri="{FF2B5EF4-FFF2-40B4-BE49-F238E27FC236}">
+                <a16:creationId xmlns:a16="http://schemas.microsoft.com/office/drawing/2014/main" id="{0995291A-BCFC-462C-BFF3-4306E13461B1}"/>
+              </a:ext>
+            </a:extLst>
+          </p:cNvPr>
+          <p:cNvSpPr>
+            <a:spLocks noGrp="1"/>
+          </p:cNvSpPr>
+          <p:nvPr>
+            <p:ph type="body" sz="quarter" idx="11"/>
+          </p:nvPr>
+        </p:nvSpPr>
+        <p:spPr/>
+        <p:txBody>
+          <a:bodyPr>
+            <a:normAutofit lnSpcReduction="10000"/>
+          </a:bodyPr>
+          <a:lstStyle/>
+          <a:p>
+            <a:r>
+              <a:rPr lang="en-US" dirty="0"/>
+              <a:t>Database scalar function mapping</a:t>
+            </a:r>
+          </a:p>
+        </p:txBody>
+      </p:sp>
+    </p:spTree>
+    <p:extLst>
+      <p:ext uri="{BB962C8B-B14F-4D97-AF65-F5344CB8AC3E}">
+        <p14:creationId xmlns:p14="http://schemas.microsoft.com/office/powerpoint/2010/main" val="3478387315"/>
+      </p:ext>
+    </p:extLst>
+  </p:cSld>
+  <p:clrMapOvr>
+    <a:masterClrMapping/>
+  </p:clrMapOvr>
+</p:sld>
+</file>
+
+<file path=ppt/slides/slide26.xml><?xml version="1.0" encoding="utf-8"?>
+<p:sld xmlns:a="http://schemas.openxmlformats.org/drawingml/2006/main" xmlns:r="http://schemas.openxmlformats.org/officeDocument/2006/relationships" xmlns:p="http://schemas.openxmlformats.org/presentationml/2006/main">
+  <p:cSld>
+    <p:spTree>
+      <p:nvGrpSpPr>
+        <p:cNvPr id="1" name=""/>
+        <p:cNvGrpSpPr/>
+        <p:nvPr/>
+      </p:nvGrpSpPr>
+      <p:grpSpPr>
+        <a:xfrm>
+          <a:off x="0" y="0"/>
+          <a:ext cx="0" cy="0"/>
+          <a:chOff x="0" y="0"/>
+          <a:chExt cx="0" cy="0"/>
+        </a:xfrm>
+      </p:grpSpPr>
+      <p:sp>
+        <p:nvSpPr>
+          <p:cNvPr id="3" name="Title 2">
+            <a:extLst>
+              <a:ext uri="{FF2B5EF4-FFF2-40B4-BE49-F238E27FC236}">
+                <a16:creationId xmlns:a16="http://schemas.microsoft.com/office/drawing/2014/main" id="{E6D2B393-CA40-48D4-8928-7A42FC4D077D}"/>
+              </a:ext>
+            </a:extLst>
+          </p:cNvPr>
+          <p:cNvSpPr>
+            <a:spLocks noGrp="1"/>
+          </p:cNvSpPr>
+          <p:nvPr>
+            <p:ph type="title"/>
+          </p:nvPr>
+        </p:nvSpPr>
+        <p:spPr/>
+        <p:txBody>
+          <a:bodyPr/>
+          <a:lstStyle/>
+          <a:p>
+            <a:r>
+              <a:rPr lang="en-US" dirty="0"/>
+              <a:t>Database Scalar Function Mapping</a:t>
+            </a:r>
+          </a:p>
+        </p:txBody>
+      </p:sp>
+      <p:sp>
+        <p:nvSpPr>
+          <p:cNvPr id="4" name="Rectangle 3">
+            <a:extLst>
+              <a:ext uri="{FF2B5EF4-FFF2-40B4-BE49-F238E27FC236}">
+                <a16:creationId xmlns:a16="http://schemas.microsoft.com/office/drawing/2014/main" id="{A1F4371F-DEDD-463B-90B4-4857E175C0B3}"/>
+              </a:ext>
+            </a:extLst>
+          </p:cNvPr>
+          <p:cNvSpPr/>
+          <p:nvPr/>
+        </p:nvSpPr>
+        <p:spPr>
+          <a:xfrm>
+            <a:off x="527990" y="1378635"/>
+            <a:ext cx="10120960" cy="3108543"/>
+          </a:xfrm>
+          <a:prstGeom prst="rect">
+            <a:avLst/>
+          </a:prstGeom>
+        </p:spPr>
+        <p:txBody>
+          <a:bodyPr wrap="square">
+            <a:spAutoFit/>
+          </a:bodyPr>
+          <a:lstStyle/>
+          <a:p>
+            <a:r>
+              <a:rPr lang="en-US" sz="2800" dirty="0">
+                <a:solidFill>
+                  <a:srgbClr val="0000FF"/>
+                </a:solidFill>
+                <a:latin typeface="Monaco"/>
+              </a:rPr>
+              <a:t>public</a:t>
+            </a:r>
+            <a:r>
+              <a:rPr lang="en-US" sz="2800" dirty="0">
+                <a:solidFill>
+                  <a:srgbClr val="000000"/>
+                </a:solidFill>
+                <a:latin typeface="Monaco"/>
+              </a:rPr>
+              <a:t> </a:t>
+            </a:r>
+            <a:r>
+              <a:rPr lang="en-US" sz="2800" dirty="0">
+                <a:solidFill>
+                  <a:srgbClr val="0000FF"/>
+                </a:solidFill>
+                <a:latin typeface="Monaco"/>
+              </a:rPr>
+              <a:t>class</a:t>
+            </a:r>
+            <a:r>
+              <a:rPr lang="en-US" sz="2800" dirty="0">
+                <a:solidFill>
+                  <a:srgbClr val="000000"/>
+                </a:solidFill>
+                <a:latin typeface="Monaco"/>
+              </a:rPr>
+              <a:t> </a:t>
+            </a:r>
+            <a:r>
+              <a:rPr lang="en-US" sz="2800" dirty="0" err="1">
+                <a:solidFill>
+                  <a:srgbClr val="A31515"/>
+                </a:solidFill>
+                <a:latin typeface="Monaco"/>
+              </a:rPr>
+              <a:t>BloggingContext</a:t>
+            </a:r>
+            <a:r>
+              <a:rPr lang="en-US" sz="2800" dirty="0">
+                <a:solidFill>
+                  <a:srgbClr val="000000"/>
+                </a:solidFill>
+                <a:latin typeface="Monaco"/>
+              </a:rPr>
+              <a:t> : </a:t>
+            </a:r>
+            <a:r>
+              <a:rPr lang="en-US" sz="2800" dirty="0">
+                <a:solidFill>
+                  <a:srgbClr val="A31515"/>
+                </a:solidFill>
+                <a:latin typeface="Monaco"/>
+              </a:rPr>
+              <a:t>DbContext</a:t>
+            </a:r>
+            <a:r>
+              <a:rPr lang="en-US" sz="2800" dirty="0">
+                <a:solidFill>
+                  <a:srgbClr val="000000"/>
+                </a:solidFill>
+                <a:latin typeface="Monaco"/>
+              </a:rPr>
+              <a:t> {</a:t>
+            </a:r>
+          </a:p>
+          <a:p>
+            <a:r>
+              <a:rPr lang="en-US" sz="2800" dirty="0">
+                <a:solidFill>
+                  <a:srgbClr val="000000"/>
+                </a:solidFill>
+                <a:latin typeface="Monaco"/>
+              </a:rPr>
+              <a:t>	[</a:t>
+            </a:r>
+            <a:r>
+              <a:rPr lang="en-US" sz="2800" dirty="0" err="1">
+                <a:solidFill>
+                  <a:srgbClr val="000000"/>
+                </a:solidFill>
+                <a:latin typeface="Monaco"/>
+              </a:rPr>
+              <a:t>DbFunction</a:t>
+            </a:r>
+            <a:r>
+              <a:rPr lang="en-US" sz="2800" dirty="0">
+                <a:solidFill>
+                  <a:srgbClr val="000000"/>
+                </a:solidFill>
+                <a:latin typeface="Monaco"/>
+              </a:rPr>
+              <a:t>]</a:t>
+            </a:r>
+          </a:p>
+          <a:p>
+            <a:r>
+              <a:rPr lang="en-US" sz="2800" dirty="0">
+                <a:solidFill>
+                  <a:srgbClr val="000000"/>
+                </a:solidFill>
+                <a:latin typeface="Monaco"/>
+              </a:rPr>
+              <a:t>	</a:t>
+            </a:r>
+            <a:r>
+              <a:rPr lang="en-US" sz="2800" dirty="0">
+                <a:solidFill>
+                  <a:srgbClr val="0000FF"/>
+                </a:solidFill>
+                <a:latin typeface="Monaco"/>
+              </a:rPr>
+              <a:t>public</a:t>
+            </a:r>
+            <a:r>
+              <a:rPr lang="en-US" sz="2800" dirty="0">
+                <a:solidFill>
+                  <a:srgbClr val="000000"/>
+                </a:solidFill>
+                <a:latin typeface="Monaco"/>
+              </a:rPr>
+              <a:t> </a:t>
+            </a:r>
+            <a:r>
+              <a:rPr lang="en-US" sz="2800" dirty="0">
+                <a:solidFill>
+                  <a:srgbClr val="0000FF"/>
+                </a:solidFill>
+                <a:latin typeface="Monaco"/>
+              </a:rPr>
+              <a:t>static</a:t>
+            </a:r>
+            <a:r>
+              <a:rPr lang="en-US" sz="2800" dirty="0">
+                <a:solidFill>
+                  <a:srgbClr val="000000"/>
+                </a:solidFill>
+                <a:latin typeface="Monaco"/>
+              </a:rPr>
+              <a:t> </a:t>
+            </a:r>
+            <a:r>
+              <a:rPr lang="en-US" sz="2800" dirty="0">
+                <a:solidFill>
+                  <a:srgbClr val="0000FF"/>
+                </a:solidFill>
+                <a:latin typeface="Monaco"/>
+              </a:rPr>
+              <a:t>int</a:t>
+            </a:r>
+            <a:r>
+              <a:rPr lang="en-US" sz="2800" dirty="0">
+                <a:solidFill>
+                  <a:srgbClr val="000000"/>
+                </a:solidFill>
+                <a:latin typeface="Monaco"/>
+              </a:rPr>
+              <a:t> </a:t>
+            </a:r>
+            <a:r>
+              <a:rPr lang="en-US" sz="2800" dirty="0" err="1">
+                <a:solidFill>
+                  <a:srgbClr val="A31515"/>
+                </a:solidFill>
+                <a:latin typeface="Monaco"/>
+              </a:rPr>
+              <a:t>PostReadCount</a:t>
+            </a:r>
+            <a:r>
+              <a:rPr lang="en-US" sz="2800" dirty="0">
+                <a:solidFill>
+                  <a:srgbClr val="000000"/>
+                </a:solidFill>
+                <a:latin typeface="Monaco"/>
+              </a:rPr>
+              <a:t>(</a:t>
+            </a:r>
+            <a:r>
+              <a:rPr lang="en-US" sz="2800" dirty="0">
+                <a:solidFill>
+                  <a:srgbClr val="0000FF"/>
+                </a:solidFill>
+                <a:latin typeface="Monaco"/>
+              </a:rPr>
+              <a:t>int</a:t>
+            </a:r>
+            <a:r>
+              <a:rPr lang="en-US" sz="2800" dirty="0">
+                <a:solidFill>
+                  <a:srgbClr val="000000"/>
+                </a:solidFill>
+                <a:latin typeface="Monaco"/>
+              </a:rPr>
+              <a:t> </a:t>
+            </a:r>
+            <a:r>
+              <a:rPr lang="en-US" sz="2800" dirty="0" err="1">
+                <a:solidFill>
+                  <a:srgbClr val="000000"/>
+                </a:solidFill>
+                <a:latin typeface="Monaco"/>
+              </a:rPr>
+              <a:t>blogId</a:t>
+            </a:r>
+            <a:r>
+              <a:rPr lang="en-US" sz="2800" dirty="0">
+                <a:solidFill>
+                  <a:srgbClr val="000000"/>
+                </a:solidFill>
+                <a:latin typeface="Monaco"/>
+              </a:rPr>
+              <a:t>)</a:t>
+            </a:r>
+          </a:p>
+          <a:p>
+            <a:r>
+              <a:rPr lang="en-US" sz="2800" dirty="0">
+                <a:solidFill>
+                  <a:srgbClr val="000000"/>
+                </a:solidFill>
+                <a:latin typeface="Monaco"/>
+              </a:rPr>
+              <a:t>	{</a:t>
+            </a:r>
+          </a:p>
+          <a:p>
+            <a:r>
+              <a:rPr lang="en-US" sz="2800" dirty="0">
+                <a:solidFill>
+                  <a:srgbClr val="000000"/>
+                </a:solidFill>
+                <a:latin typeface="Monaco"/>
+              </a:rPr>
+              <a:t>		</a:t>
+            </a:r>
+            <a:r>
+              <a:rPr lang="en-US" sz="2800" dirty="0">
+                <a:solidFill>
+                  <a:srgbClr val="0000FF"/>
+                </a:solidFill>
+                <a:latin typeface="Monaco"/>
+              </a:rPr>
+              <a:t>throw</a:t>
+            </a:r>
+            <a:r>
+              <a:rPr lang="en-US" sz="2800" dirty="0">
+                <a:solidFill>
+                  <a:srgbClr val="000000"/>
+                </a:solidFill>
+                <a:latin typeface="Monaco"/>
+              </a:rPr>
+              <a:t> </a:t>
+            </a:r>
+            <a:r>
+              <a:rPr lang="en-US" sz="2800" dirty="0">
+                <a:solidFill>
+                  <a:srgbClr val="0000FF"/>
+                </a:solidFill>
+                <a:latin typeface="Monaco"/>
+              </a:rPr>
+              <a:t>new</a:t>
+            </a:r>
+            <a:r>
+              <a:rPr lang="en-US" sz="2800" dirty="0">
+                <a:solidFill>
+                  <a:srgbClr val="000000"/>
+                </a:solidFill>
+                <a:latin typeface="Monaco"/>
+              </a:rPr>
+              <a:t> Exception();</a:t>
+            </a:r>
+          </a:p>
+          <a:p>
+            <a:r>
+              <a:rPr lang="en-US" sz="2800" dirty="0">
+                <a:solidFill>
+                  <a:srgbClr val="000000"/>
+                </a:solidFill>
+                <a:latin typeface="Monaco"/>
+              </a:rPr>
+              <a:t>	}</a:t>
+            </a:r>
+          </a:p>
+          <a:p>
+            <a:r>
+              <a:rPr lang="en-US" sz="2800" dirty="0">
+                <a:solidFill>
+                  <a:srgbClr val="000000"/>
+                </a:solidFill>
+                <a:latin typeface="Monaco"/>
+              </a:rPr>
+              <a:t>}</a:t>
+            </a:r>
+            <a:endParaRPr lang="en-US" sz="2800" dirty="0">
+              <a:latin typeface="Monaco"/>
+            </a:endParaRPr>
+          </a:p>
+        </p:txBody>
+      </p:sp>
+      <p:sp>
+        <p:nvSpPr>
+          <p:cNvPr id="5" name="Rectangle 4">
+            <a:extLst>
+              <a:ext uri="{FF2B5EF4-FFF2-40B4-BE49-F238E27FC236}">
+                <a16:creationId xmlns:a16="http://schemas.microsoft.com/office/drawing/2014/main" id="{B26DDEF1-5C5C-49E3-A2DD-0CCDF06D397B}"/>
+              </a:ext>
+            </a:extLst>
+          </p:cNvPr>
+          <p:cNvSpPr/>
+          <p:nvPr/>
+        </p:nvSpPr>
+        <p:spPr>
+          <a:xfrm>
+            <a:off x="527990" y="4787246"/>
+            <a:ext cx="9587560" cy="1384995"/>
+          </a:xfrm>
+          <a:prstGeom prst="rect">
+            <a:avLst/>
+          </a:prstGeom>
+        </p:spPr>
+        <p:txBody>
+          <a:bodyPr wrap="square">
+            <a:spAutoFit/>
+          </a:bodyPr>
+          <a:lstStyle/>
+          <a:p>
+            <a:r>
+              <a:rPr lang="en-US" sz="2800" dirty="0" err="1">
+                <a:solidFill>
+                  <a:srgbClr val="0000FF"/>
+                </a:solidFill>
+                <a:latin typeface="Monaco"/>
+              </a:rPr>
+              <a:t>var</a:t>
+            </a:r>
+            <a:r>
+              <a:rPr lang="en-US" sz="2800" dirty="0">
+                <a:solidFill>
+                  <a:srgbClr val="000000"/>
+                </a:solidFill>
+                <a:latin typeface="Monaco"/>
+              </a:rPr>
+              <a:t> query = </a:t>
+            </a:r>
+            <a:r>
+              <a:rPr lang="en-US" sz="2800" dirty="0">
+                <a:solidFill>
+                  <a:srgbClr val="0000FF"/>
+                </a:solidFill>
+                <a:latin typeface="Monaco"/>
+              </a:rPr>
+              <a:t>from</a:t>
+            </a:r>
+            <a:r>
+              <a:rPr lang="en-US" sz="2800" dirty="0">
+                <a:solidFill>
+                  <a:srgbClr val="000000"/>
+                </a:solidFill>
+                <a:latin typeface="Monaco"/>
+              </a:rPr>
+              <a:t> p </a:t>
+            </a:r>
+            <a:r>
+              <a:rPr lang="en-US" sz="2800" dirty="0">
+                <a:solidFill>
+                  <a:srgbClr val="0000FF"/>
+                </a:solidFill>
+                <a:latin typeface="Monaco"/>
+              </a:rPr>
+              <a:t>in</a:t>
+            </a:r>
+            <a:r>
+              <a:rPr lang="en-US" sz="2800" dirty="0">
+                <a:solidFill>
+                  <a:srgbClr val="000000"/>
+                </a:solidFill>
+                <a:latin typeface="Monaco"/>
+              </a:rPr>
+              <a:t> </a:t>
+            </a:r>
+            <a:r>
+              <a:rPr lang="en-US" sz="2800" dirty="0" err="1">
+                <a:solidFill>
+                  <a:srgbClr val="000000"/>
+                </a:solidFill>
+                <a:latin typeface="Monaco"/>
+              </a:rPr>
+              <a:t>context.Posts</a:t>
+            </a:r>
+            <a:endParaRPr lang="en-US" sz="2800" dirty="0">
+              <a:solidFill>
+                <a:srgbClr val="000000"/>
+              </a:solidFill>
+              <a:latin typeface="Monaco"/>
+            </a:endParaRPr>
+          </a:p>
+          <a:p>
+            <a:r>
+              <a:rPr lang="en-US" sz="2800" dirty="0">
+                <a:solidFill>
+                  <a:srgbClr val="000000"/>
+                </a:solidFill>
+                <a:latin typeface="Monaco"/>
+              </a:rPr>
+              <a:t>	</a:t>
+            </a:r>
+            <a:r>
+              <a:rPr lang="en-US" sz="2800" dirty="0">
+                <a:solidFill>
+                  <a:srgbClr val="0000FF"/>
+                </a:solidFill>
+                <a:latin typeface="Monaco"/>
+              </a:rPr>
+              <a:t>where</a:t>
+            </a:r>
+            <a:r>
+              <a:rPr lang="en-US" sz="2800" dirty="0">
+                <a:solidFill>
+                  <a:srgbClr val="000000"/>
+                </a:solidFill>
+                <a:latin typeface="Monaco"/>
+              </a:rPr>
+              <a:t> </a:t>
+            </a:r>
+            <a:r>
+              <a:rPr lang="en-US" sz="2800" dirty="0" err="1">
+                <a:solidFill>
+                  <a:srgbClr val="000000"/>
+                </a:solidFill>
+                <a:latin typeface="Monaco"/>
+              </a:rPr>
+              <a:t>BloggingContext.PostReadCount</a:t>
+            </a:r>
+            <a:r>
+              <a:rPr lang="en-US" sz="2800" dirty="0">
+                <a:solidFill>
+                  <a:srgbClr val="000000"/>
+                </a:solidFill>
+                <a:latin typeface="Monaco"/>
+              </a:rPr>
+              <a:t>(</a:t>
+            </a:r>
+            <a:r>
+              <a:rPr lang="en-US" sz="2800" dirty="0" err="1">
+                <a:solidFill>
+                  <a:srgbClr val="000000"/>
+                </a:solidFill>
+                <a:latin typeface="Monaco"/>
+              </a:rPr>
+              <a:t>p.Id</a:t>
+            </a:r>
+            <a:r>
+              <a:rPr lang="en-US" sz="2800" dirty="0">
+                <a:solidFill>
+                  <a:srgbClr val="000000"/>
+                </a:solidFill>
+                <a:latin typeface="Monaco"/>
+              </a:rPr>
+              <a:t>) &gt; 5</a:t>
+            </a:r>
+          </a:p>
+          <a:p>
+            <a:r>
+              <a:rPr lang="en-US" sz="2800" dirty="0">
+                <a:solidFill>
+                  <a:srgbClr val="000000"/>
+                </a:solidFill>
+                <a:latin typeface="Monaco"/>
+              </a:rPr>
+              <a:t>	</a:t>
+            </a:r>
+            <a:r>
+              <a:rPr lang="en-US" sz="2800" dirty="0">
+                <a:solidFill>
+                  <a:srgbClr val="0000FF"/>
+                </a:solidFill>
+                <a:latin typeface="Monaco"/>
+              </a:rPr>
+              <a:t>select</a:t>
+            </a:r>
+            <a:r>
+              <a:rPr lang="en-US" sz="2800" dirty="0">
+                <a:solidFill>
+                  <a:srgbClr val="000000"/>
+                </a:solidFill>
+                <a:latin typeface="Monaco"/>
+              </a:rPr>
+              <a:t> p;</a:t>
+            </a:r>
+            <a:endParaRPr lang="en-US" sz="2800" dirty="0"/>
+          </a:p>
+        </p:txBody>
+      </p:sp>
+    </p:spTree>
+    <p:extLst>
+      <p:ext uri="{BB962C8B-B14F-4D97-AF65-F5344CB8AC3E}">
+        <p14:creationId xmlns:p14="http://schemas.microsoft.com/office/powerpoint/2010/main" val="460163012"/>
+      </p:ext>
+    </p:extLst>
+  </p:cSld>
+  <p:clrMapOvr>
+    <a:masterClrMapping/>
+  </p:clrMapOvr>
+  <p:timing>
+    <p:tnLst>
+      <p:par>
+        <p:cTn id="1" dur="indefinite" restart="never" nodeType="tmRoot">
+          <p:childTnLst>
+            <p:seq concurrent="1" nextAc="seek">
+              <p:cTn id="2" dur="indefinite" nodeType="mainSeq">
+                <p:childTnLst>
+                  <p:par>
+                    <p:cTn id="3" fill="hold">
+                      <p:stCondLst>
+                        <p:cond delay="indefinite"/>
+                      </p:stCondLst>
+                      <p:childTnLst>
+                        <p:par>
+                          <p:cTn id="4" fill="hold">
+                            <p:stCondLst>
+                              <p:cond delay="0"/>
+                            </p:stCondLst>
+                            <p:childTnLst>
+                              <p:par>
+                                <p:cTn id="5" presetID="1" presetClass="entr" presetSubtype="0" fill="hold" grpId="0" nodeType="clickEffect">
+                                  <p:stCondLst>
+                                    <p:cond delay="0"/>
+                                  </p:stCondLst>
+                                  <p:childTnLst>
+                                    <p:set>
+                                      <p:cBhvr>
+                                        <p:cTn id="6" dur="1" fill="hold">
+                                          <p:stCondLst>
+                                            <p:cond delay="0"/>
+                                          </p:stCondLst>
+                                        </p:cTn>
+                                        <p:tgtEl>
+                                          <p:spTgt spid="4"/>
+                                        </p:tgtEl>
+                                        <p:attrNameLst>
+                                          <p:attrName>style.visibility</p:attrName>
+                                        </p:attrNameLst>
+                                      </p:cBhvr>
+                                      <p:to>
+                                        <p:strVal val="visible"/>
+                                      </p:to>
+                                    </p:set>
+                                  </p:childTnLst>
+                                </p:cTn>
+                              </p:par>
+                            </p:childTnLst>
+                          </p:cTn>
+                        </p:par>
+                      </p:childTnLst>
+                    </p:cTn>
+                  </p:par>
+                  <p:par>
+                    <p:cTn id="7" fill="hold">
+                      <p:stCondLst>
+                        <p:cond delay="indefinite"/>
+                      </p:stCondLst>
+                      <p:childTnLst>
+                        <p:par>
+                          <p:cTn id="8" fill="hold">
+                            <p:stCondLst>
+                              <p:cond delay="0"/>
+                            </p:stCondLst>
+                            <p:childTnLst>
+                              <p:par>
+                                <p:cTn id="9" presetID="1" presetClass="entr" presetSubtype="0" fill="hold" grpId="0" nodeType="clickEffect">
+                                  <p:stCondLst>
+                                    <p:cond delay="0"/>
+                                  </p:stCondLst>
+                                  <p:childTnLst>
+                                    <p:set>
+                                      <p:cBhvr>
+                                        <p:cTn id="10" dur="1" fill="hold">
+                                          <p:stCondLst>
+                                            <p:cond delay="0"/>
+                                          </p:stCondLst>
+                                        </p:cTn>
+                                        <p:tgtEl>
+                                          <p:spTgt spid="5"/>
+                                        </p:tgtEl>
+                                        <p:attrNameLst>
+                                          <p:attrName>style.visibility</p:attrName>
+                                        </p:attrNameLst>
+                                      </p:cBhvr>
+                                      <p:to>
+                                        <p:strVal val="visible"/>
+                                      </p:to>
+                                    </p:set>
+                                  </p:childTnLst>
+                                </p:cTn>
+                              </p:par>
+                            </p:childTnLst>
+                          </p:cTn>
+                        </p:par>
+                      </p:childTnLst>
+                    </p:cTn>
+                  </p:par>
+                </p:childTnLst>
+              </p:cTn>
+              <p:prevCondLst>
+                <p:cond evt="onPrev" delay="0">
+                  <p:tgtEl>
+                    <p:sldTgt/>
+                  </p:tgtEl>
+                </p:cond>
+              </p:prevCondLst>
+              <p:nextCondLst>
+                <p:cond evt="onNext" delay="0">
+                  <p:tgtEl>
+                    <p:sldTgt/>
+                  </p:tgtEl>
+                </p:cond>
+              </p:nextCondLst>
+            </p:seq>
+          </p:childTnLst>
+        </p:cTn>
+      </p:par>
+    </p:tnLst>
+    <p:bldLst>
+      <p:bldP spid="4" grpId="0"/>
+      <p:bldP spid="5" grpId="0"/>
+    </p:bldLst>
+  </p:timing>
+</p:sld>
+</file>
+
+<file path=ppt/slides/slide27.xml><?xml version="1.0" encoding="utf-8"?>
+<p:sld xmlns:a="http://schemas.openxmlformats.org/drawingml/2006/main" xmlns:r="http://schemas.openxmlformats.org/officeDocument/2006/relationships" xmlns:p="http://schemas.openxmlformats.org/presentationml/2006/main">
+  <p:cSld>
+    <p:spTree>
+      <p:nvGrpSpPr>
+        <p:cNvPr id="1" name=""/>
+        <p:cNvGrpSpPr/>
+        <p:nvPr/>
+      </p:nvGrpSpPr>
+      <p:grpSpPr>
+        <a:xfrm>
+          <a:off x="0" y="0"/>
+          <a:ext cx="0" cy="0"/>
+          <a:chOff x="0" y="0"/>
+          <a:chExt cx="0" cy="0"/>
+        </a:xfrm>
+      </p:grpSpPr>
+      <p:sp>
+        <p:nvSpPr>
+          <p:cNvPr id="9" name="Text Placeholder 8">
+            <a:extLst>
+              <a:ext uri="{FF2B5EF4-FFF2-40B4-BE49-F238E27FC236}">
+                <a16:creationId xmlns:a16="http://schemas.microsoft.com/office/drawing/2014/main" id="{0995291A-BCFC-462C-BFF3-4306E13461B1}"/>
+              </a:ext>
+            </a:extLst>
+          </p:cNvPr>
+          <p:cNvSpPr>
+            <a:spLocks noGrp="1"/>
+          </p:cNvSpPr>
+          <p:nvPr>
+            <p:ph type="body" sz="quarter" idx="11"/>
+          </p:nvPr>
+        </p:nvSpPr>
+        <p:spPr/>
+        <p:txBody>
+          <a:bodyPr/>
+          <a:lstStyle/>
+          <a:p>
+            <a:r>
+              <a:rPr lang="en-US" dirty="0"/>
+              <a:t>Lazy Loading</a:t>
+            </a:r>
+          </a:p>
+        </p:txBody>
+      </p:sp>
+    </p:spTree>
+    <p:extLst>
+      <p:ext uri="{BB962C8B-B14F-4D97-AF65-F5344CB8AC3E}">
+        <p14:creationId xmlns:p14="http://schemas.microsoft.com/office/powerpoint/2010/main" val="2436354478"/>
+      </p:ext>
+    </p:extLst>
+  </p:cSld>
+  <p:clrMapOvr>
+    <a:masterClrMapping/>
+  </p:clrMapOvr>
+</p:sld>
+</file>
+
+<file path=ppt/slides/slide28.xml><?xml version="1.0" encoding="utf-8"?>
+<p:sld xmlns:a="http://schemas.openxmlformats.org/drawingml/2006/main" xmlns:r="http://schemas.openxmlformats.org/officeDocument/2006/relationships" xmlns:p="http://schemas.openxmlformats.org/presentationml/2006/main">
+  <p:cSld>
+    <p:spTree>
+      <p:nvGrpSpPr>
+        <p:cNvPr id="1" name=""/>
+        <p:cNvGrpSpPr/>
+        <p:nvPr/>
+      </p:nvGrpSpPr>
+      <p:grpSpPr>
+        <a:xfrm>
+          <a:off x="0" y="0"/>
+          <a:ext cx="0" cy="0"/>
+          <a:chOff x="0" y="0"/>
+          <a:chExt cx="0" cy="0"/>
+        </a:xfrm>
+      </p:grpSpPr>
+      <p:sp>
+        <p:nvSpPr>
+          <p:cNvPr id="3" name="Title 2">
+            <a:extLst>
+              <a:ext uri="{FF2B5EF4-FFF2-40B4-BE49-F238E27FC236}">
+                <a16:creationId xmlns:a16="http://schemas.microsoft.com/office/drawing/2014/main" id="{E6D2B393-CA40-48D4-8928-7A42FC4D077D}"/>
+              </a:ext>
+            </a:extLst>
+          </p:cNvPr>
+          <p:cNvSpPr>
+            <a:spLocks noGrp="1"/>
+          </p:cNvSpPr>
+          <p:nvPr>
+            <p:ph type="title"/>
+          </p:nvPr>
+        </p:nvSpPr>
+        <p:spPr/>
+        <p:txBody>
+          <a:bodyPr/>
+          <a:lstStyle/>
+          <a:p>
+            <a:r>
+              <a:rPr lang="en-US" dirty="0"/>
+              <a:t>Lazy Loading Example: Proxies</a:t>
+            </a:r>
+          </a:p>
+        </p:txBody>
+      </p:sp>
+      <p:sp>
+        <p:nvSpPr>
+          <p:cNvPr id="12" name="Rectangle 11">
+            <a:extLst>
+              <a:ext uri="{FF2B5EF4-FFF2-40B4-BE49-F238E27FC236}">
+                <a16:creationId xmlns:a16="http://schemas.microsoft.com/office/drawing/2014/main" id="{9252F5E7-DC45-4615-8728-E402351D680C}"/>
+              </a:ext>
+            </a:extLst>
+          </p:cNvPr>
+          <p:cNvSpPr/>
+          <p:nvPr/>
+        </p:nvSpPr>
+        <p:spPr>
+          <a:xfrm>
+            <a:off x="527990" y="1674614"/>
+            <a:ext cx="10799751" cy="4524315"/>
+          </a:xfrm>
+          <a:prstGeom prst="rect">
+            <a:avLst/>
+          </a:prstGeom>
+        </p:spPr>
+        <p:txBody>
+          <a:bodyPr wrap="none">
+            <a:spAutoFit/>
+          </a:bodyPr>
+          <a:lstStyle/>
+          <a:p>
+            <a:pPr marL="285750" indent="-285750">
+              <a:buFont typeface="Arial" panose="020B0604020202020204" pitchFamily="34" charset="0"/>
+              <a:buChar char="•"/>
+            </a:pPr>
+            <a:r>
+              <a:rPr lang="en-US" sz="2400" dirty="0"/>
+              <a:t>Install the </a:t>
+            </a:r>
+            <a:r>
+              <a:rPr lang="en-US" sz="2400" b="1" dirty="0" err="1"/>
+              <a:t>Microsoft.EntityFrameworkCore.Proxies</a:t>
+            </a:r>
+            <a:r>
+              <a:rPr lang="en-US" sz="2400" b="1" dirty="0"/>
+              <a:t> </a:t>
+            </a:r>
+            <a:r>
+              <a:rPr lang="en-US" sz="2400" dirty="0"/>
+              <a:t>NuGet package</a:t>
+            </a:r>
+          </a:p>
+          <a:p>
+            <a:pPr marL="285750" indent="-285750">
+              <a:buFont typeface="Arial" panose="020B0604020202020204" pitchFamily="34" charset="0"/>
+              <a:buChar char="•"/>
+            </a:pPr>
+            <a:endParaRPr lang="en-US" sz="2400" dirty="0"/>
+          </a:p>
+          <a:p>
+            <a:r>
+              <a:rPr lang="en-US" sz="2400" dirty="0"/>
+              <a:t>Either way to enabling:</a:t>
+            </a:r>
+          </a:p>
+          <a:p>
+            <a:endParaRPr lang="en-US" sz="2400" dirty="0"/>
+          </a:p>
+          <a:p>
+            <a:pPr lvl="0" eaLnBrk="0" fontAlgn="base" hangingPunct="0">
+              <a:spcBef>
+                <a:spcPct val="0"/>
+              </a:spcBef>
+              <a:spcAft>
+                <a:spcPct val="0"/>
+              </a:spcAft>
+            </a:pPr>
+            <a:r>
+              <a:rPr lang="en-US" altLang="en-US" dirty="0">
+                <a:latin typeface="Source Code Pro" panose="020B0509030403020204" pitchFamily="49" charset="0"/>
+                <a:ea typeface="Source Code Pro" panose="020B0509030403020204" pitchFamily="49" charset="0"/>
+              </a:rPr>
+              <a:t>protected override void </a:t>
+            </a:r>
+            <a:r>
+              <a:rPr lang="en-US" altLang="en-US" dirty="0" err="1">
+                <a:latin typeface="Source Code Pro" panose="020B0509030403020204" pitchFamily="49" charset="0"/>
+                <a:ea typeface="Source Code Pro" panose="020B0509030403020204" pitchFamily="49" charset="0"/>
+              </a:rPr>
+              <a:t>OnConfiguring</a:t>
+            </a:r>
+            <a:r>
+              <a:rPr lang="en-US" altLang="en-US" dirty="0">
+                <a:latin typeface="Source Code Pro" panose="020B0509030403020204" pitchFamily="49" charset="0"/>
+                <a:ea typeface="Source Code Pro" panose="020B0509030403020204" pitchFamily="49" charset="0"/>
+              </a:rPr>
+              <a:t>(</a:t>
+            </a:r>
+            <a:r>
+              <a:rPr lang="en-US" altLang="en-US" dirty="0" err="1">
+                <a:latin typeface="Source Code Pro" panose="020B0509030403020204" pitchFamily="49" charset="0"/>
+                <a:ea typeface="Source Code Pro" panose="020B0509030403020204" pitchFamily="49" charset="0"/>
+              </a:rPr>
+              <a:t>DbContextOptionsBuilder</a:t>
+            </a:r>
+            <a:r>
+              <a:rPr lang="en-US" altLang="en-US" dirty="0">
+                <a:latin typeface="Source Code Pro" panose="020B0509030403020204" pitchFamily="49" charset="0"/>
+                <a:ea typeface="Source Code Pro" panose="020B0509030403020204" pitchFamily="49" charset="0"/>
+              </a:rPr>
+              <a:t> </a:t>
+            </a:r>
+            <a:r>
+              <a:rPr lang="en-US" altLang="en-US" dirty="0" err="1">
+                <a:latin typeface="Source Code Pro" panose="020B0509030403020204" pitchFamily="49" charset="0"/>
+                <a:ea typeface="Source Code Pro" panose="020B0509030403020204" pitchFamily="49" charset="0"/>
+              </a:rPr>
+              <a:t>optionsBuilder</a:t>
+            </a:r>
+            <a:r>
+              <a:rPr lang="en-US" altLang="en-US" dirty="0">
+                <a:latin typeface="Source Code Pro" panose="020B0509030403020204" pitchFamily="49" charset="0"/>
+                <a:ea typeface="Source Code Pro" panose="020B0509030403020204" pitchFamily="49" charset="0"/>
+              </a:rPr>
+              <a:t>)</a:t>
+            </a:r>
+            <a:br>
+              <a:rPr lang="en-US" altLang="en-US" dirty="0">
+                <a:latin typeface="Source Code Pro" panose="020B0509030403020204" pitchFamily="49" charset="0"/>
+                <a:ea typeface="Source Code Pro" panose="020B0509030403020204" pitchFamily="49" charset="0"/>
+              </a:rPr>
+            </a:br>
+            <a:r>
+              <a:rPr lang="en-US" altLang="en-US" dirty="0">
+                <a:latin typeface="Source Code Pro" panose="020B0509030403020204" pitchFamily="49" charset="0"/>
+                <a:ea typeface="Source Code Pro" panose="020B0509030403020204" pitchFamily="49" charset="0"/>
+              </a:rPr>
+              <a:t>{</a:t>
+            </a:r>
+            <a:br>
+              <a:rPr lang="en-US" altLang="en-US" dirty="0">
+                <a:latin typeface="Source Code Pro" panose="020B0509030403020204" pitchFamily="49" charset="0"/>
+                <a:ea typeface="Source Code Pro" panose="020B0509030403020204" pitchFamily="49" charset="0"/>
+              </a:rPr>
+            </a:br>
+            <a:r>
+              <a:rPr lang="en-US" altLang="en-US" dirty="0">
+                <a:latin typeface="Source Code Pro" panose="020B0509030403020204" pitchFamily="49" charset="0"/>
+                <a:ea typeface="Source Code Pro" panose="020B0509030403020204" pitchFamily="49" charset="0"/>
+              </a:rPr>
+              <a:t>    </a:t>
+            </a:r>
+            <a:r>
+              <a:rPr lang="en-US" altLang="en-US" dirty="0" err="1">
+                <a:latin typeface="Source Code Pro" panose="020B0509030403020204" pitchFamily="49" charset="0"/>
+                <a:ea typeface="Source Code Pro" panose="020B0509030403020204" pitchFamily="49" charset="0"/>
+              </a:rPr>
+              <a:t>optionsBuilder.UseLazyLoadingProxies</a:t>
+            </a:r>
+            <a:r>
+              <a:rPr lang="en-US" altLang="en-US" dirty="0">
+                <a:latin typeface="Source Code Pro" panose="020B0509030403020204" pitchFamily="49" charset="0"/>
+                <a:ea typeface="Source Code Pro" panose="020B0509030403020204" pitchFamily="49" charset="0"/>
+              </a:rPr>
+              <a:t>().</a:t>
+            </a:r>
+            <a:br>
+              <a:rPr lang="en-US" altLang="en-US" dirty="0">
+                <a:latin typeface="Source Code Pro" panose="020B0509030403020204" pitchFamily="49" charset="0"/>
+                <a:ea typeface="Source Code Pro" panose="020B0509030403020204" pitchFamily="49" charset="0"/>
+              </a:rPr>
+            </a:br>
+            <a:r>
+              <a:rPr lang="en-US" altLang="en-US" dirty="0">
+                <a:latin typeface="Source Code Pro" panose="020B0509030403020204" pitchFamily="49" charset="0"/>
+                <a:ea typeface="Source Code Pro" panose="020B0509030403020204" pitchFamily="49" charset="0"/>
+              </a:rPr>
+              <a:t>        </a:t>
+            </a:r>
+            <a:r>
+              <a:rPr lang="en-US" altLang="en-US" dirty="0" err="1">
+                <a:latin typeface="Source Code Pro" panose="020B0509030403020204" pitchFamily="49" charset="0"/>
+                <a:ea typeface="Source Code Pro" panose="020B0509030403020204" pitchFamily="49" charset="0"/>
+              </a:rPr>
+              <a:t>UseSqlServer</a:t>
+            </a:r>
+            <a:r>
+              <a:rPr lang="en-US" altLang="en-US" dirty="0">
+                <a:latin typeface="Source Code Pro" panose="020B0509030403020204" pitchFamily="49" charset="0"/>
+                <a:ea typeface="Source Code Pro" panose="020B0509030403020204" pitchFamily="49" charset="0"/>
+              </a:rPr>
+              <a:t>(</a:t>
+            </a:r>
+            <a:r>
+              <a:rPr lang="en-US" altLang="en-US" dirty="0" err="1">
+                <a:latin typeface="Source Code Pro" panose="020B0509030403020204" pitchFamily="49" charset="0"/>
+                <a:ea typeface="Source Code Pro" panose="020B0509030403020204" pitchFamily="49" charset="0"/>
+              </a:rPr>
+              <a:t>myConnectionString</a:t>
+            </a:r>
+            <a:r>
+              <a:rPr lang="en-US" altLang="en-US" dirty="0">
+                <a:latin typeface="Source Code Pro" panose="020B0509030403020204" pitchFamily="49" charset="0"/>
+                <a:ea typeface="Source Code Pro" panose="020B0509030403020204" pitchFamily="49" charset="0"/>
+              </a:rPr>
+              <a:t>);</a:t>
+            </a:r>
+            <a:br>
+              <a:rPr lang="en-US" altLang="en-US" dirty="0">
+                <a:latin typeface="Source Code Pro" panose="020B0509030403020204" pitchFamily="49" charset="0"/>
+                <a:ea typeface="Source Code Pro" panose="020B0509030403020204" pitchFamily="49" charset="0"/>
+              </a:rPr>
+            </a:br>
+            <a:r>
+              <a:rPr lang="en-US" altLang="en-US" dirty="0">
+                <a:latin typeface="Source Code Pro" panose="020B0509030403020204" pitchFamily="49" charset="0"/>
+                <a:ea typeface="Source Code Pro" panose="020B0509030403020204" pitchFamily="49" charset="0"/>
+              </a:rPr>
+              <a:t>}</a:t>
+            </a:r>
+          </a:p>
+          <a:p>
+            <a:endParaRPr lang="en-US" dirty="0">
+              <a:latin typeface="Source Code Pro" panose="020B0509030403020204" pitchFamily="49" charset="0"/>
+              <a:ea typeface="Source Code Pro" panose="020B0509030403020204" pitchFamily="49" charset="0"/>
+            </a:endParaRPr>
+          </a:p>
+          <a:p>
+            <a:pPr lvl="0" eaLnBrk="0" fontAlgn="base" hangingPunct="0">
+              <a:spcBef>
+                <a:spcPct val="0"/>
+              </a:spcBef>
+              <a:spcAft>
+                <a:spcPct val="0"/>
+              </a:spcAft>
+            </a:pPr>
+            <a:r>
+              <a:rPr lang="en-US" altLang="en-US" dirty="0" err="1">
+                <a:latin typeface="Source Code Pro" panose="020B0509030403020204" pitchFamily="49" charset="0"/>
+                <a:ea typeface="Source Code Pro" panose="020B0509030403020204" pitchFamily="49" charset="0"/>
+              </a:rPr>
+              <a:t>services.AddDbContext</a:t>
+            </a:r>
+            <a:r>
+              <a:rPr lang="en-US" altLang="en-US" dirty="0">
+                <a:latin typeface="Source Code Pro" panose="020B0509030403020204" pitchFamily="49" charset="0"/>
+                <a:ea typeface="Source Code Pro" panose="020B0509030403020204" pitchFamily="49" charset="0"/>
+              </a:rPr>
+              <a:t>&lt;</a:t>
+            </a:r>
+            <a:r>
+              <a:rPr lang="en-US" altLang="en-US" dirty="0" err="1">
+                <a:latin typeface="Source Code Pro" panose="020B0509030403020204" pitchFamily="49" charset="0"/>
+                <a:ea typeface="Source Code Pro" panose="020B0509030403020204" pitchFamily="49" charset="0"/>
+              </a:rPr>
+              <a:t>ChinookContext</a:t>
+            </a:r>
+            <a:r>
+              <a:rPr lang="en-US" altLang="en-US" dirty="0">
+                <a:latin typeface="Source Code Pro" panose="020B0509030403020204" pitchFamily="49" charset="0"/>
+                <a:ea typeface="Source Code Pro" panose="020B0509030403020204" pitchFamily="49" charset="0"/>
+              </a:rPr>
+              <a:t>&gt;(</a:t>
+            </a:r>
+            <a:br>
+              <a:rPr lang="en-US" altLang="en-US" dirty="0">
+                <a:latin typeface="Source Code Pro" panose="020B0509030403020204" pitchFamily="49" charset="0"/>
+                <a:ea typeface="Source Code Pro" panose="020B0509030403020204" pitchFamily="49" charset="0"/>
+              </a:rPr>
+            </a:br>
+            <a:r>
+              <a:rPr lang="en-US" altLang="en-US" dirty="0">
+                <a:latin typeface="Source Code Pro" panose="020B0509030403020204" pitchFamily="49" charset="0"/>
+                <a:ea typeface="Source Code Pro" panose="020B0509030403020204" pitchFamily="49" charset="0"/>
+              </a:rPr>
+              <a:t>    options =&gt; </a:t>
+            </a:r>
+            <a:r>
+              <a:rPr lang="en-US" altLang="en-US" dirty="0" err="1">
+                <a:latin typeface="Source Code Pro" panose="020B0509030403020204" pitchFamily="49" charset="0"/>
+                <a:ea typeface="Source Code Pro" panose="020B0509030403020204" pitchFamily="49" charset="0"/>
+              </a:rPr>
+              <a:t>options.UseSqlServer</a:t>
+            </a:r>
+            <a:r>
+              <a:rPr lang="en-US" altLang="en-US" dirty="0">
+                <a:latin typeface="Source Code Pro" panose="020B0509030403020204" pitchFamily="49" charset="0"/>
+                <a:ea typeface="Source Code Pro" panose="020B0509030403020204" pitchFamily="49" charset="0"/>
+              </a:rPr>
+              <a:t>(connection).</a:t>
+            </a:r>
+            <a:r>
+              <a:rPr lang="en-US" altLang="en-US" dirty="0" err="1">
+                <a:latin typeface="Source Code Pro" panose="020B0509030403020204" pitchFamily="49" charset="0"/>
+                <a:ea typeface="Source Code Pro" panose="020B0509030403020204" pitchFamily="49" charset="0"/>
+              </a:rPr>
+              <a:t>UseLazyLoadingProxies</a:t>
+            </a:r>
+            <a:r>
+              <a:rPr lang="en-US" altLang="en-US" dirty="0">
+                <a:latin typeface="Source Code Pro" panose="020B0509030403020204" pitchFamily="49" charset="0"/>
+                <a:ea typeface="Source Code Pro" panose="020B0509030403020204" pitchFamily="49" charset="0"/>
+              </a:rPr>
+              <a:t>()</a:t>
+            </a:r>
+            <a:br>
+              <a:rPr lang="en-US" altLang="en-US" dirty="0">
+                <a:latin typeface="Source Code Pro" panose="020B0509030403020204" pitchFamily="49" charset="0"/>
+                <a:ea typeface="Source Code Pro" panose="020B0509030403020204" pitchFamily="49" charset="0"/>
+              </a:rPr>
+            </a:br>
+            <a:r>
+              <a:rPr lang="en-US" altLang="en-US" dirty="0">
+                <a:latin typeface="Source Code Pro" panose="020B0509030403020204" pitchFamily="49" charset="0"/>
+                <a:ea typeface="Source Code Pro" panose="020B0509030403020204" pitchFamily="49" charset="0"/>
+              </a:rPr>
+              <a:t>);</a:t>
+            </a:r>
+          </a:p>
+          <a:p>
+            <a:endParaRPr lang="en-US" sz="2400" dirty="0"/>
+          </a:p>
+        </p:txBody>
+      </p:sp>
+    </p:spTree>
+    <p:extLst>
+      <p:ext uri="{BB962C8B-B14F-4D97-AF65-F5344CB8AC3E}">
+        <p14:creationId xmlns:p14="http://schemas.microsoft.com/office/powerpoint/2010/main" val="599515757"/>
+      </p:ext>
+    </p:extLst>
+  </p:cSld>
+  <p:clrMapOvr>
+    <a:masterClrMapping/>
+  </p:clrMapOvr>
+</p:sld>
+</file>
+
+<file path=ppt/slides/slide29.xml><?xml version="1.0" encoding="utf-8"?>
+<p:sld xmlns:a="http://schemas.openxmlformats.org/drawingml/2006/main" xmlns:r="http://schemas.openxmlformats.org/officeDocument/2006/relationships" xmlns:p="http://schemas.openxmlformats.org/presentationml/2006/main">
+  <p:cSld>
+    <p:spTree>
+      <p:nvGrpSpPr>
+        <p:cNvPr id="1" name=""/>
+        <p:cNvGrpSpPr/>
+        <p:nvPr/>
+      </p:nvGrpSpPr>
+      <p:grpSpPr>
+        <a:xfrm>
+          <a:off x="0" y="0"/>
+          <a:ext cx="0" cy="0"/>
+          <a:chOff x="0" y="0"/>
+          <a:chExt cx="0" cy="0"/>
+        </a:xfrm>
+      </p:grpSpPr>
+      <p:sp>
+        <p:nvSpPr>
+          <p:cNvPr id="4" name="Title 3"/>
+          <p:cNvSpPr>
+            <a:spLocks noGrp="1"/>
+          </p:cNvSpPr>
+          <p:nvPr>
+            <p:ph type="ctrTitle"/>
+          </p:nvPr>
+        </p:nvSpPr>
+        <p:spPr/>
+        <p:txBody>
+          <a:bodyPr/>
+          <a:lstStyle/>
+          <a:p>
+            <a:r>
+              <a:rPr lang="en-US" dirty="0"/>
+              <a:t>Demo</a:t>
+            </a:r>
+          </a:p>
+        </p:txBody>
+      </p:sp>
+      <p:sp>
+        <p:nvSpPr>
+          <p:cNvPr id="5" name="Subtitle 4"/>
+          <p:cNvSpPr>
+            <a:spLocks noGrp="1"/>
+          </p:cNvSpPr>
+          <p:nvPr>
+            <p:ph type="subTitle" idx="1"/>
+          </p:nvPr>
+        </p:nvSpPr>
+        <p:spPr/>
+        <p:txBody>
+          <a:bodyPr/>
+          <a:lstStyle/>
+          <a:p>
+            <a:r>
+              <a:rPr lang="en-US" dirty="0"/>
+              <a:t>Lazy Loading</a:t>
+            </a:r>
+          </a:p>
+        </p:txBody>
+      </p:sp>
+    </p:spTree>
+    <p:extLst>
+      <p:ext uri="{BB962C8B-B14F-4D97-AF65-F5344CB8AC3E}">
+        <p14:creationId xmlns:p14="http://schemas.microsoft.com/office/powerpoint/2010/main" val="497338400"/>
+      </p:ext>
+    </p:extLst>
+  </p:cSld>
+  <p:clrMapOvr>
+    <a:masterClrMapping/>
+  </p:clrMapOvr>
+</p:sld>
+</file>
+
+<file path=ppt/slides/slide3.xml><?xml version="1.0" encoding="utf-8"?>
 <p:sld xmlns:a="http://schemas.openxmlformats.org/drawingml/2006/main" xmlns:r="http://schemas.openxmlformats.org/officeDocument/2006/relationships" xmlns:p="http://schemas.openxmlformats.org/presentationml/2006/main">
   <p:cSld>
     <p:spTree>
@@ -24612,3239 +27756,6 @@
 </p:sld>
 </file>
 
-<file path=ppt/slides/slide20.xml><?xml version="1.0" encoding="utf-8"?>
-<p:sld xmlns:a="http://schemas.openxmlformats.org/drawingml/2006/main" xmlns:r="http://schemas.openxmlformats.org/officeDocument/2006/relationships" xmlns:p="http://schemas.openxmlformats.org/presentationml/2006/main">
-  <p:cSld>
-    <p:spTree>
-      <p:nvGrpSpPr>
-        <p:cNvPr id="1" name=""/>
-        <p:cNvGrpSpPr/>
-        <p:nvPr/>
-      </p:nvGrpSpPr>
-      <p:grpSpPr>
-        <a:xfrm>
-          <a:off x="0" y="0"/>
-          <a:ext cx="0" cy="0"/>
-          <a:chOff x="0" y="0"/>
-          <a:chExt cx="0" cy="0"/>
-        </a:xfrm>
-      </p:grpSpPr>
-      <p:sp>
-        <p:nvSpPr>
-          <p:cNvPr id="9" name="Text Placeholder 8">
-            <a:extLst>
-              <a:ext uri="{FF2B5EF4-FFF2-40B4-BE49-F238E27FC236}">
-                <a16:creationId xmlns:a16="http://schemas.microsoft.com/office/drawing/2014/main" id="{0995291A-BCFC-462C-BFF3-4306E13461B1}"/>
-              </a:ext>
-            </a:extLst>
-          </p:cNvPr>
-          <p:cNvSpPr>
-            <a:spLocks noGrp="1"/>
-          </p:cNvSpPr>
-          <p:nvPr>
-            <p:ph type="body" sz="quarter" idx="11"/>
-          </p:nvPr>
-        </p:nvSpPr>
-        <p:spPr/>
-        <p:txBody>
-          <a:bodyPr>
-            <a:normAutofit lnSpcReduction="10000"/>
-          </a:bodyPr>
-          <a:lstStyle/>
-          <a:p>
-            <a:r>
-              <a:rPr lang="en-US" dirty="0"/>
-              <a:t>Explicitly Compiled Queries</a:t>
-            </a:r>
-          </a:p>
-        </p:txBody>
-      </p:sp>
-    </p:spTree>
-    <p:extLst>
-      <p:ext uri="{BB962C8B-B14F-4D97-AF65-F5344CB8AC3E}">
-        <p14:creationId xmlns:p14="http://schemas.microsoft.com/office/powerpoint/2010/main" val="3427698077"/>
-      </p:ext>
-    </p:extLst>
-  </p:cSld>
-  <p:clrMapOvr>
-    <a:masterClrMapping/>
-  </p:clrMapOvr>
-</p:sld>
-</file>
-
-<file path=ppt/slides/slide21.xml><?xml version="1.0" encoding="utf-8"?>
-<p:sld xmlns:a="http://schemas.openxmlformats.org/drawingml/2006/main" xmlns:r="http://schemas.openxmlformats.org/officeDocument/2006/relationships" xmlns:p="http://schemas.openxmlformats.org/presentationml/2006/main">
-  <p:cSld>
-    <p:spTree>
-      <p:nvGrpSpPr>
-        <p:cNvPr id="1" name=""/>
-        <p:cNvGrpSpPr/>
-        <p:nvPr/>
-      </p:nvGrpSpPr>
-      <p:grpSpPr>
-        <a:xfrm>
-          <a:off x="0" y="0"/>
-          <a:ext cx="0" cy="0"/>
-          <a:chOff x="0" y="0"/>
-          <a:chExt cx="0" cy="0"/>
-        </a:xfrm>
-      </p:grpSpPr>
-      <p:sp>
-        <p:nvSpPr>
-          <p:cNvPr id="3" name="Title 2">
-            <a:extLst>
-              <a:ext uri="{FF2B5EF4-FFF2-40B4-BE49-F238E27FC236}">
-                <a16:creationId xmlns:a16="http://schemas.microsoft.com/office/drawing/2014/main" id="{EE169F9F-DAB6-46F7-8EEE-F94192D2139A}"/>
-              </a:ext>
-            </a:extLst>
-          </p:cNvPr>
-          <p:cNvSpPr>
-            <a:spLocks noGrp="1"/>
-          </p:cNvSpPr>
-          <p:nvPr>
-            <p:ph type="title"/>
-          </p:nvPr>
-        </p:nvSpPr>
-        <p:spPr/>
-        <p:txBody>
-          <a:bodyPr/>
-          <a:lstStyle/>
-          <a:p>
-            <a:r>
-              <a:rPr lang="en-US" dirty="0"/>
-              <a:t>Explicitly Compiled Queries</a:t>
-            </a:r>
-          </a:p>
-        </p:txBody>
-      </p:sp>
-      <p:sp>
-        <p:nvSpPr>
-          <p:cNvPr id="5" name="Rectangle 2">
-            <a:extLst>
-              <a:ext uri="{FF2B5EF4-FFF2-40B4-BE49-F238E27FC236}">
-                <a16:creationId xmlns:a16="http://schemas.microsoft.com/office/drawing/2014/main" id="{06357BD9-0921-4736-B4BF-789FA4DC2444}"/>
-              </a:ext>
-            </a:extLst>
-          </p:cNvPr>
-          <p:cNvSpPr>
-            <a:spLocks noChangeArrowheads="1"/>
-          </p:cNvSpPr>
-          <p:nvPr/>
-        </p:nvSpPr>
-        <p:spPr bwMode="auto">
-          <a:xfrm>
-            <a:off x="277165" y="4480471"/>
-            <a:ext cx="11539392" cy="830997"/>
-          </a:xfrm>
-          <a:prstGeom prst="rect">
-            <a:avLst/>
-          </a:prstGeom>
-          <a:solidFill>
-            <a:schemeClr val="bg2"/>
-          </a:solidFill>
-          <a:ln>
-            <a:noFill/>
-          </a:ln>
-          <a:effectLst/>
-        </p:spPr>
-        <p:txBody>
-          <a:bodyPr vert="horz" wrap="square" lIns="91440" tIns="45720" rIns="91440" bIns="45720" numCol="1" anchor="ctr" anchorCtr="0" compatLnSpc="1">
-            <a:prstTxWarp prst="textNoShape">
-              <a:avLst/>
-            </a:prstTxWarp>
-            <a:spAutoFit/>
-          </a:bodyPr>
-          <a:lstStyle/>
-          <a:p>
-            <a:pPr marL="0" marR="0" lvl="0" indent="0" algn="l" defTabSz="914400" rtl="0" eaLnBrk="0" fontAlgn="base" latinLnBrk="0" hangingPunct="0">
-              <a:lnSpc>
-                <a:spcPct val="100000"/>
-              </a:lnSpc>
-              <a:spcBef>
-                <a:spcPct val="0"/>
-              </a:spcBef>
-              <a:spcAft>
-                <a:spcPct val="0"/>
-              </a:spcAft>
-              <a:buClrTx/>
-              <a:buSzTx/>
-              <a:buFontTx/>
-              <a:buNone/>
-              <a:tabLst/>
-            </a:pPr>
-            <a:r>
-              <a:rPr kumimoji="0" lang="en-US" altLang="en-US" sz="2400" b="0" i="0" u="none" strike="noStrike" cap="none" normalizeH="0" baseline="0" dirty="0">
-                <a:ln>
-                  <a:noFill/>
-                </a:ln>
-                <a:solidFill>
-                  <a:srgbClr val="071591"/>
-                </a:solidFill>
-                <a:effectLst/>
-                <a:latin typeface="Source Code Pro" panose="020B0509030403020204" pitchFamily="49" charset="0"/>
-              </a:rPr>
-              <a:t>public async </a:t>
-            </a:r>
-            <a:r>
-              <a:rPr kumimoji="0" lang="en-US" altLang="en-US" sz="2400" b="0" i="0" u="none" strike="noStrike" cap="none" normalizeH="0" baseline="0" dirty="0">
-                <a:ln>
-                  <a:noFill/>
-                </a:ln>
-                <a:solidFill>
-                  <a:srgbClr val="000000"/>
-                </a:solidFill>
-                <a:effectLst/>
-                <a:latin typeface="Source Code Pro" panose="020B0509030403020204" pitchFamily="49" charset="0"/>
-              </a:rPr>
-              <a:t>Task</a:t>
-            </a:r>
-            <a:r>
-              <a:rPr kumimoji="0" lang="en-US" altLang="en-US" sz="2400" b="0" i="0" u="none" strike="noStrike" cap="none" normalizeH="0" baseline="0" dirty="0">
-                <a:ln>
-                  <a:noFill/>
-                </a:ln>
-                <a:solidFill>
-                  <a:srgbClr val="262626"/>
-                </a:solidFill>
-                <a:effectLst/>
-                <a:latin typeface="Source Code Pro" panose="020B0509030403020204" pitchFamily="49" charset="0"/>
-              </a:rPr>
-              <a:t>&lt;</a:t>
-            </a:r>
-            <a:r>
-              <a:rPr kumimoji="0" lang="en-US" altLang="en-US" sz="2400" b="0" i="0" u="none" strike="noStrike" cap="none" normalizeH="0" baseline="0" dirty="0">
-                <a:ln>
-                  <a:noFill/>
-                </a:ln>
-                <a:solidFill>
-                  <a:srgbClr val="000000"/>
-                </a:solidFill>
-                <a:effectLst/>
-                <a:latin typeface="Source Code Pro" panose="020B0509030403020204" pitchFamily="49" charset="0"/>
-              </a:rPr>
-              <a:t>List</a:t>
-            </a:r>
-            <a:r>
-              <a:rPr kumimoji="0" lang="en-US" altLang="en-US" sz="2400" b="0" i="0" u="none" strike="noStrike" cap="none" normalizeH="0" baseline="0" dirty="0">
-                <a:ln>
-                  <a:noFill/>
-                </a:ln>
-                <a:solidFill>
-                  <a:srgbClr val="262626"/>
-                </a:solidFill>
-                <a:effectLst/>
-                <a:latin typeface="Source Code Pro" panose="020B0509030403020204" pitchFamily="49" charset="0"/>
-              </a:rPr>
-              <a:t>&lt;</a:t>
-            </a:r>
-            <a:r>
-              <a:rPr kumimoji="0" lang="en-US" altLang="en-US" sz="2400" b="0" i="0" u="none" strike="noStrike" cap="none" normalizeH="0" baseline="0" dirty="0">
-                <a:ln>
-                  <a:noFill/>
-                </a:ln>
-                <a:solidFill>
-                  <a:srgbClr val="000000"/>
-                </a:solidFill>
-                <a:effectLst/>
-                <a:latin typeface="Source Code Pro" panose="020B0509030403020204" pitchFamily="49" charset="0"/>
-              </a:rPr>
-              <a:t>Album</a:t>
-            </a:r>
-            <a:r>
-              <a:rPr kumimoji="0" lang="en-US" altLang="en-US" sz="2400" b="0" i="0" u="none" strike="noStrike" cap="none" normalizeH="0" baseline="0" dirty="0">
-                <a:ln>
-                  <a:noFill/>
-                </a:ln>
-                <a:solidFill>
-                  <a:srgbClr val="262626"/>
-                </a:solidFill>
-                <a:effectLst/>
-                <a:latin typeface="Source Code Pro" panose="020B0509030403020204" pitchFamily="49" charset="0"/>
-              </a:rPr>
-              <a:t>&gt;&gt; </a:t>
-            </a:r>
-            <a:r>
-              <a:rPr kumimoji="0" lang="en-US" altLang="en-US" sz="2400" b="0" i="0" u="none" strike="noStrike" cap="none" normalizeH="0" baseline="0" dirty="0" err="1">
-                <a:ln>
-                  <a:noFill/>
-                </a:ln>
-                <a:solidFill>
-                  <a:srgbClr val="000000"/>
-                </a:solidFill>
-                <a:effectLst/>
-                <a:latin typeface="Source Code Pro" panose="020B0509030403020204" pitchFamily="49" charset="0"/>
-              </a:rPr>
-              <a:t>GetAllAlbumsAsync</a:t>
-            </a:r>
-            <a:r>
-              <a:rPr kumimoji="0" lang="en-US" altLang="en-US" sz="2400" b="0" i="0" u="none" strike="noStrike" cap="none" normalizeH="0" baseline="0" dirty="0">
-                <a:ln>
-                  <a:noFill/>
-                </a:ln>
-                <a:solidFill>
-                  <a:srgbClr val="262626"/>
-                </a:solidFill>
-                <a:effectLst/>
-                <a:latin typeface="Source Code Pro" panose="020B0509030403020204" pitchFamily="49" charset="0"/>
-              </a:rPr>
-              <a:t>() =&gt; </a:t>
-            </a:r>
-            <a:r>
-              <a:rPr kumimoji="0" lang="en-US" altLang="en-US" sz="2400" b="0" i="0" u="none" strike="noStrike" cap="none" normalizeH="0" baseline="0" dirty="0">
-                <a:ln>
-                  <a:noFill/>
-                </a:ln>
-                <a:solidFill>
-                  <a:srgbClr val="071591"/>
-                </a:solidFill>
-                <a:effectLst/>
-                <a:latin typeface="Source Code Pro" panose="020B0509030403020204" pitchFamily="49" charset="0"/>
-              </a:rPr>
-              <a:t>await 	</a:t>
-            </a:r>
-            <a:r>
-              <a:rPr kumimoji="0" lang="en-US" altLang="en-US" sz="2400" b="0" i="0" u="none" strike="noStrike" cap="none" normalizeH="0" baseline="0" dirty="0">
-                <a:ln>
-                  <a:noFill/>
-                </a:ln>
-                <a:solidFill>
-                  <a:srgbClr val="660E7A"/>
-                </a:solidFill>
-                <a:effectLst/>
-                <a:latin typeface="Source Code Pro" panose="020B0509030403020204" pitchFamily="49" charset="0"/>
-              </a:rPr>
-              <a:t>_</a:t>
-            </a:r>
-            <a:r>
-              <a:rPr kumimoji="0" lang="en-US" altLang="en-US" sz="2400" b="0" i="0" u="none" strike="noStrike" cap="none" normalizeH="0" baseline="0" dirty="0" err="1">
-                <a:ln>
-                  <a:noFill/>
-                </a:ln>
-                <a:solidFill>
-                  <a:srgbClr val="660E7A"/>
-                </a:solidFill>
-                <a:effectLst/>
-                <a:latin typeface="Source Code Pro" panose="020B0509030403020204" pitchFamily="49" charset="0"/>
-              </a:rPr>
-              <a:t>queryGetAllAlbums</a:t>
-            </a:r>
-            <a:r>
-              <a:rPr kumimoji="0" lang="en-US" altLang="en-US" sz="2400" b="0" i="0" u="none" strike="noStrike" cap="none" normalizeH="0" baseline="0" dirty="0">
-                <a:ln>
-                  <a:noFill/>
-                </a:ln>
-                <a:solidFill>
-                  <a:srgbClr val="262626"/>
-                </a:solidFill>
-                <a:effectLst/>
-                <a:latin typeface="Source Code Pro" panose="020B0509030403020204" pitchFamily="49" charset="0"/>
-              </a:rPr>
-              <a:t>(</a:t>
-            </a:r>
-            <a:r>
-              <a:rPr kumimoji="0" lang="en-US" altLang="en-US" sz="2400" b="0" i="0" u="none" strike="noStrike" cap="none" normalizeH="0" baseline="0" dirty="0">
-                <a:ln>
-                  <a:noFill/>
-                </a:ln>
-                <a:solidFill>
-                  <a:srgbClr val="071591"/>
-                </a:solidFill>
-                <a:effectLst/>
-                <a:latin typeface="Source Code Pro" panose="020B0509030403020204" pitchFamily="49" charset="0"/>
-              </a:rPr>
-              <a:t>this</a:t>
-            </a:r>
-            <a:r>
-              <a:rPr kumimoji="0" lang="en-US" altLang="en-US" sz="2400" b="0" i="0" u="none" strike="noStrike" cap="none" normalizeH="0" baseline="0" dirty="0">
-                <a:ln>
-                  <a:noFill/>
-                </a:ln>
-                <a:solidFill>
-                  <a:srgbClr val="262626"/>
-                </a:solidFill>
-                <a:effectLst/>
-                <a:latin typeface="Source Code Pro" panose="020B0509030403020204" pitchFamily="49" charset="0"/>
-              </a:rPr>
-              <a:t>).</a:t>
-            </a:r>
-            <a:r>
-              <a:rPr kumimoji="0" lang="en-US" altLang="en-US" sz="2400" b="0" i="0" u="none" strike="noStrike" cap="none" normalizeH="0" baseline="0" dirty="0" err="1">
-                <a:ln>
-                  <a:noFill/>
-                </a:ln>
-                <a:solidFill>
-                  <a:srgbClr val="000000"/>
-                </a:solidFill>
-                <a:effectLst/>
-                <a:latin typeface="Source Code Pro" panose="020B0509030403020204" pitchFamily="49" charset="0"/>
-              </a:rPr>
-              <a:t>ToListAsync</a:t>
-            </a:r>
-            <a:r>
-              <a:rPr kumimoji="0" lang="en-US" altLang="en-US" sz="2400" b="0" i="0" u="none" strike="noStrike" cap="none" normalizeH="0" baseline="0" dirty="0">
-                <a:ln>
-                  <a:noFill/>
-                </a:ln>
-                <a:solidFill>
-                  <a:srgbClr val="262626"/>
-                </a:solidFill>
-                <a:effectLst/>
-                <a:latin typeface="Source Code Pro" panose="020B0509030403020204" pitchFamily="49" charset="0"/>
-              </a:rPr>
-              <a:t>();</a:t>
-            </a:r>
-            <a:endParaRPr kumimoji="0" lang="en-US" altLang="en-US" sz="3600" b="0" i="0" u="none" strike="noStrike" cap="none" normalizeH="0" baseline="0" dirty="0">
-              <a:ln>
-                <a:noFill/>
-              </a:ln>
-              <a:solidFill>
-                <a:schemeClr val="tx1"/>
-              </a:solidFill>
-              <a:effectLst/>
-              <a:latin typeface="Arial" panose="020B0604020202020204" pitchFamily="34" charset="0"/>
-            </a:endParaRPr>
-          </a:p>
-        </p:txBody>
-      </p:sp>
-      <p:sp>
-        <p:nvSpPr>
-          <p:cNvPr id="8" name="Rectangle 3">
-            <a:extLst>
-              <a:ext uri="{FF2B5EF4-FFF2-40B4-BE49-F238E27FC236}">
-                <a16:creationId xmlns:a16="http://schemas.microsoft.com/office/drawing/2014/main" id="{3C3D649B-863E-4231-A516-3C2AD34E0460}"/>
-              </a:ext>
-            </a:extLst>
-          </p:cNvPr>
-          <p:cNvSpPr>
-            <a:spLocks noChangeArrowheads="1"/>
-          </p:cNvSpPr>
-          <p:nvPr/>
-        </p:nvSpPr>
-        <p:spPr bwMode="auto">
-          <a:xfrm>
-            <a:off x="277165" y="2448774"/>
-            <a:ext cx="11810533" cy="1200329"/>
-          </a:xfrm>
-          <a:prstGeom prst="rect">
-            <a:avLst/>
-          </a:prstGeom>
-          <a:solidFill>
-            <a:schemeClr val="bg2"/>
-          </a:solidFill>
-          <a:ln>
-            <a:noFill/>
-          </a:ln>
-          <a:effectLst/>
-        </p:spPr>
-        <p:txBody>
-          <a:bodyPr vert="horz" wrap="square" lIns="91440" tIns="45720" rIns="91440" bIns="45720" numCol="1" anchor="ctr" anchorCtr="0" compatLnSpc="1">
-            <a:prstTxWarp prst="textNoShape">
-              <a:avLst/>
-            </a:prstTxWarp>
-            <a:spAutoFit/>
-          </a:bodyPr>
-          <a:lstStyle/>
-          <a:p>
-            <a:pPr marL="0" marR="0" lvl="0" indent="0" algn="l" defTabSz="914400" rtl="0" eaLnBrk="0" fontAlgn="base" latinLnBrk="0" hangingPunct="0">
-              <a:lnSpc>
-                <a:spcPct val="100000"/>
-              </a:lnSpc>
-              <a:spcBef>
-                <a:spcPct val="0"/>
-              </a:spcBef>
-              <a:spcAft>
-                <a:spcPct val="0"/>
-              </a:spcAft>
-              <a:buClrTx/>
-              <a:buSzTx/>
-              <a:buFontTx/>
-              <a:buNone/>
-              <a:tabLst/>
-            </a:pPr>
-            <a:r>
-              <a:rPr kumimoji="0" lang="en-US" altLang="en-US" sz="2400" b="0" i="0" u="none" strike="noStrike" cap="none" normalizeH="0" baseline="0" dirty="0">
-                <a:ln>
-                  <a:noFill/>
-                </a:ln>
-                <a:solidFill>
-                  <a:srgbClr val="071591"/>
-                </a:solidFill>
-                <a:effectLst/>
-                <a:latin typeface="Source Code Pro" panose="020B0509030403020204" pitchFamily="49" charset="0"/>
-              </a:rPr>
-              <a:t>private static </a:t>
-            </a:r>
-            <a:r>
-              <a:rPr kumimoji="0" lang="en-US" altLang="en-US" sz="2400" b="0" i="0" u="none" strike="noStrike" cap="none" normalizeH="0" baseline="0" dirty="0" err="1">
-                <a:ln>
-                  <a:noFill/>
-                </a:ln>
-                <a:solidFill>
-                  <a:srgbClr val="071591"/>
-                </a:solidFill>
-                <a:effectLst/>
-                <a:latin typeface="Source Code Pro" panose="020B0509030403020204" pitchFamily="49" charset="0"/>
-              </a:rPr>
-              <a:t>readonly</a:t>
-            </a:r>
-            <a:r>
-              <a:rPr kumimoji="0" lang="en-US" altLang="en-US" sz="2400" b="0" i="0" u="none" strike="noStrike" cap="none" normalizeH="0" baseline="0" dirty="0">
-                <a:ln>
-                  <a:noFill/>
-                </a:ln>
-                <a:solidFill>
-                  <a:srgbClr val="071591"/>
-                </a:solidFill>
-                <a:effectLst/>
-                <a:latin typeface="Source Code Pro" panose="020B0509030403020204" pitchFamily="49" charset="0"/>
-              </a:rPr>
-              <a:t> </a:t>
-            </a:r>
-            <a:r>
-              <a:rPr kumimoji="0" lang="en-US" altLang="en-US" sz="2400" b="0" i="0" u="none" strike="noStrike" cap="none" normalizeH="0" baseline="0" dirty="0" err="1">
-                <a:ln>
-                  <a:noFill/>
-                </a:ln>
-                <a:solidFill>
-                  <a:srgbClr val="000000"/>
-                </a:solidFill>
-                <a:effectLst/>
-                <a:latin typeface="Source Code Pro" panose="020B0509030403020204" pitchFamily="49" charset="0"/>
-              </a:rPr>
-              <a:t>Func</a:t>
-            </a:r>
-            <a:r>
-              <a:rPr kumimoji="0" lang="en-US" altLang="en-US" sz="2400" b="0" i="0" u="none" strike="noStrike" cap="none" normalizeH="0" baseline="0" dirty="0">
-                <a:ln>
-                  <a:noFill/>
-                </a:ln>
-                <a:solidFill>
-                  <a:srgbClr val="262626"/>
-                </a:solidFill>
-                <a:effectLst/>
-                <a:latin typeface="Source Code Pro" panose="020B0509030403020204" pitchFamily="49" charset="0"/>
-              </a:rPr>
-              <a:t>&lt;</a:t>
-            </a:r>
-            <a:r>
-              <a:rPr kumimoji="0" lang="en-US" altLang="en-US" sz="2400" b="0" i="0" u="none" strike="noStrike" cap="none" normalizeH="0" baseline="0" dirty="0" err="1">
-                <a:ln>
-                  <a:noFill/>
-                </a:ln>
-                <a:solidFill>
-                  <a:srgbClr val="000000"/>
-                </a:solidFill>
-                <a:effectLst/>
-                <a:latin typeface="Source Code Pro" panose="020B0509030403020204" pitchFamily="49" charset="0"/>
-              </a:rPr>
-              <a:t>ChinookContext</a:t>
-            </a:r>
-            <a:r>
-              <a:rPr kumimoji="0" lang="en-US" altLang="en-US" sz="2400" b="0" i="0" u="none" strike="noStrike" cap="none" normalizeH="0" baseline="0" dirty="0">
-                <a:ln>
-                  <a:noFill/>
-                </a:ln>
-                <a:solidFill>
-                  <a:srgbClr val="262626"/>
-                </a:solidFill>
-                <a:effectLst/>
-                <a:latin typeface="Source Code Pro" panose="020B0509030403020204" pitchFamily="49" charset="0"/>
-              </a:rPr>
-              <a:t>, </a:t>
-            </a:r>
-            <a:r>
-              <a:rPr kumimoji="0" lang="en-US" altLang="en-US" sz="2400" b="0" i="0" u="none" strike="noStrike" cap="none" normalizeH="0" baseline="0" dirty="0" err="1">
-                <a:ln>
-                  <a:noFill/>
-                </a:ln>
-                <a:solidFill>
-                  <a:srgbClr val="000000"/>
-                </a:solidFill>
-                <a:effectLst/>
-                <a:latin typeface="Source Code Pro" panose="020B0509030403020204" pitchFamily="49" charset="0"/>
-              </a:rPr>
-              <a:t>AsyncEnumerable</a:t>
-            </a:r>
-            <a:r>
-              <a:rPr kumimoji="0" lang="en-US" altLang="en-US" sz="2400" b="0" i="0" u="none" strike="noStrike" cap="none" normalizeH="0" baseline="0" dirty="0">
-                <a:ln>
-                  <a:noFill/>
-                </a:ln>
-                <a:solidFill>
-                  <a:srgbClr val="262626"/>
-                </a:solidFill>
-                <a:effectLst/>
-                <a:latin typeface="Source Code Pro" panose="020B0509030403020204" pitchFamily="49" charset="0"/>
-              </a:rPr>
-              <a:t>&lt;</a:t>
-            </a:r>
-            <a:r>
-              <a:rPr kumimoji="0" lang="en-US" altLang="en-US" sz="2400" b="0" i="0" u="none" strike="noStrike" cap="none" normalizeH="0" baseline="0" dirty="0">
-                <a:ln>
-                  <a:noFill/>
-                </a:ln>
-                <a:solidFill>
-                  <a:srgbClr val="000000"/>
-                </a:solidFill>
-                <a:effectLst/>
-                <a:latin typeface="Source Code Pro" panose="020B0509030403020204" pitchFamily="49" charset="0"/>
-              </a:rPr>
-              <a:t>Album</a:t>
-            </a:r>
-            <a:r>
-              <a:rPr kumimoji="0" lang="en-US" altLang="en-US" sz="2400" b="0" i="0" u="none" strike="noStrike" cap="none" normalizeH="0" baseline="0" dirty="0">
-                <a:ln>
-                  <a:noFill/>
-                </a:ln>
-                <a:solidFill>
-                  <a:srgbClr val="262626"/>
-                </a:solidFill>
-                <a:effectLst/>
-                <a:latin typeface="Source Code Pro" panose="020B0509030403020204" pitchFamily="49" charset="0"/>
-              </a:rPr>
-              <a:t>&gt;&gt; </a:t>
-            </a:r>
-            <a:r>
-              <a:rPr kumimoji="0" lang="en-US" altLang="en-US" sz="2400" b="0" i="0" u="none" strike="noStrike" cap="none" normalizeH="0" baseline="0" dirty="0">
-                <a:ln>
-                  <a:noFill/>
-                </a:ln>
-                <a:solidFill>
-                  <a:srgbClr val="660E7A"/>
-                </a:solidFill>
-                <a:effectLst/>
-                <a:latin typeface="Source Code Pro" panose="020B0509030403020204" pitchFamily="49" charset="0"/>
-              </a:rPr>
-              <a:t>_</a:t>
-            </a:r>
-            <a:r>
-              <a:rPr kumimoji="0" lang="en-US" altLang="en-US" sz="2400" b="0" i="0" u="none" strike="noStrike" cap="none" normalizeH="0" baseline="0" dirty="0" err="1">
-                <a:ln>
-                  <a:noFill/>
-                </a:ln>
-                <a:solidFill>
-                  <a:srgbClr val="660E7A"/>
-                </a:solidFill>
-                <a:effectLst/>
-                <a:latin typeface="Source Code Pro" panose="020B0509030403020204" pitchFamily="49" charset="0"/>
-              </a:rPr>
-              <a:t>queryGetAllAlbums</a:t>
-            </a:r>
-            <a:r>
-              <a:rPr kumimoji="0" lang="en-US" altLang="en-US" sz="2400" b="0" i="0" u="none" strike="noStrike" cap="none" normalizeH="0" baseline="0" dirty="0">
-                <a:ln>
-                  <a:noFill/>
-                </a:ln>
-                <a:solidFill>
-                  <a:srgbClr val="660E7A"/>
-                </a:solidFill>
-                <a:effectLst/>
-                <a:latin typeface="Source Code Pro" panose="020B0509030403020204" pitchFamily="49" charset="0"/>
-              </a:rPr>
-              <a:t> </a:t>
-            </a:r>
-            <a:r>
-              <a:rPr kumimoji="0" lang="en-US" altLang="en-US" sz="2400" b="0" i="0" u="none" strike="noStrike" cap="none" normalizeH="0" baseline="0" dirty="0">
-                <a:ln>
-                  <a:noFill/>
-                </a:ln>
-                <a:solidFill>
-                  <a:srgbClr val="262626"/>
-                </a:solidFill>
-                <a:effectLst/>
-                <a:latin typeface="Source Code Pro" panose="020B0509030403020204" pitchFamily="49" charset="0"/>
-              </a:rPr>
-              <a:t>=</a:t>
-            </a:r>
-            <a:r>
-              <a:rPr lang="en-US" altLang="en-US" sz="2400" dirty="0">
-                <a:solidFill>
-                  <a:srgbClr val="262626"/>
-                </a:solidFill>
-                <a:latin typeface="Source Code Pro" panose="020B0509030403020204" pitchFamily="49" charset="0"/>
-              </a:rPr>
-              <a:t> </a:t>
-            </a:r>
-            <a:r>
-              <a:rPr kumimoji="0" lang="en-US" altLang="en-US" sz="2400" b="0" i="0" u="none" strike="noStrike" cap="none" normalizeH="0" baseline="0" dirty="0" err="1">
-                <a:ln>
-                  <a:noFill/>
-                </a:ln>
-                <a:solidFill>
-                  <a:srgbClr val="262626"/>
-                </a:solidFill>
-                <a:effectLst/>
-                <a:latin typeface="Source Code Pro" panose="020B0509030403020204" pitchFamily="49" charset="0"/>
-              </a:rPr>
-              <a:t>EF.CompileAsyncQuery</a:t>
-            </a:r>
-            <a:r>
-              <a:rPr kumimoji="0" lang="en-US" altLang="en-US" sz="2400" b="0" i="0" u="none" strike="noStrike" cap="none" normalizeH="0" baseline="0" dirty="0">
-                <a:ln>
-                  <a:noFill/>
-                </a:ln>
-                <a:solidFill>
-                  <a:srgbClr val="262626"/>
-                </a:solidFill>
-                <a:effectLst/>
-                <a:latin typeface="Source Code Pro" panose="020B0509030403020204" pitchFamily="49" charset="0"/>
-              </a:rPr>
-              <a:t>((</a:t>
-            </a:r>
-            <a:r>
-              <a:rPr kumimoji="0" lang="en-US" altLang="en-US" sz="2400" b="0" i="0" u="none" strike="noStrike" cap="none" normalizeH="0" baseline="0" dirty="0" err="1">
-                <a:ln>
-                  <a:noFill/>
-                </a:ln>
-                <a:solidFill>
-                  <a:srgbClr val="262626"/>
-                </a:solidFill>
-                <a:effectLst/>
-                <a:latin typeface="Source Code Pro" panose="020B0509030403020204" pitchFamily="49" charset="0"/>
-              </a:rPr>
-              <a:t>ChinookContext</a:t>
-            </a:r>
-            <a:r>
-              <a:rPr kumimoji="0" lang="en-US" altLang="en-US" sz="2400" b="0" i="0" u="none" strike="noStrike" cap="none" normalizeH="0" baseline="0" dirty="0">
-                <a:ln>
-                  <a:noFill/>
-                </a:ln>
-                <a:solidFill>
-                  <a:srgbClr val="262626"/>
-                </a:solidFill>
-                <a:effectLst/>
-                <a:latin typeface="Source Code Pro" panose="020B0509030403020204" pitchFamily="49" charset="0"/>
-              </a:rPr>
-              <a:t> </a:t>
-            </a:r>
-            <a:r>
-              <a:rPr kumimoji="0" lang="en-US" altLang="en-US" sz="2400" b="0" i="0" u="none" strike="noStrike" cap="none" normalizeH="0" baseline="0" dirty="0" err="1">
-                <a:ln>
-                  <a:noFill/>
-                </a:ln>
-                <a:solidFill>
-                  <a:srgbClr val="262626"/>
-                </a:solidFill>
-                <a:effectLst/>
-                <a:latin typeface="Source Code Pro" panose="020B0509030403020204" pitchFamily="49" charset="0"/>
-              </a:rPr>
-              <a:t>db</a:t>
-            </a:r>
-            <a:r>
-              <a:rPr kumimoji="0" lang="en-US" altLang="en-US" sz="2400" b="0" i="0" u="none" strike="noStrike" cap="none" normalizeH="0" baseline="0" dirty="0">
-                <a:ln>
-                  <a:noFill/>
-                </a:ln>
-                <a:solidFill>
-                  <a:srgbClr val="262626"/>
-                </a:solidFill>
-                <a:effectLst/>
-                <a:latin typeface="Source Code Pro" panose="020B0509030403020204" pitchFamily="49" charset="0"/>
-              </a:rPr>
-              <a:t>) =&gt; </a:t>
-            </a:r>
-            <a:r>
-              <a:rPr kumimoji="0" lang="en-US" altLang="en-US" sz="2400" b="0" i="0" u="none" strike="noStrike" cap="none" normalizeH="0" baseline="0" dirty="0" err="1">
-                <a:ln>
-                  <a:noFill/>
-                </a:ln>
-                <a:solidFill>
-                  <a:srgbClr val="262626"/>
-                </a:solidFill>
-                <a:effectLst/>
-                <a:latin typeface="Source Code Pro" panose="020B0509030403020204" pitchFamily="49" charset="0"/>
-              </a:rPr>
-              <a:t>db.Album</a:t>
-            </a:r>
-            <a:r>
-              <a:rPr kumimoji="0" lang="en-US" altLang="en-US" sz="2400" b="0" i="0" u="none" strike="noStrike" cap="none" normalizeH="0" baseline="0" dirty="0">
-                <a:ln>
-                  <a:noFill/>
-                </a:ln>
-                <a:solidFill>
-                  <a:srgbClr val="262626"/>
-                </a:solidFill>
-                <a:effectLst/>
-                <a:latin typeface="Source Code Pro" panose="020B0509030403020204" pitchFamily="49" charset="0"/>
-              </a:rPr>
-              <a:t>);</a:t>
-            </a:r>
-            <a:endParaRPr kumimoji="0" lang="en-US" altLang="en-US" sz="3600" b="0" i="0" u="none" strike="noStrike" cap="none" normalizeH="0" baseline="0" dirty="0">
-              <a:ln>
-                <a:noFill/>
-              </a:ln>
-              <a:solidFill>
-                <a:schemeClr val="tx1"/>
-              </a:solidFill>
-              <a:effectLst/>
-              <a:latin typeface="Arial" panose="020B0604020202020204" pitchFamily="34" charset="0"/>
-            </a:endParaRPr>
-          </a:p>
-        </p:txBody>
-      </p:sp>
-    </p:spTree>
-    <p:extLst>
-      <p:ext uri="{BB962C8B-B14F-4D97-AF65-F5344CB8AC3E}">
-        <p14:creationId xmlns:p14="http://schemas.microsoft.com/office/powerpoint/2010/main" val="3138077517"/>
-      </p:ext>
-    </p:extLst>
-  </p:cSld>
-  <p:clrMapOvr>
-    <a:masterClrMapping/>
-  </p:clrMapOvr>
-</p:sld>
-</file>
-
-<file path=ppt/slides/slide22.xml><?xml version="1.0" encoding="utf-8"?>
-<p:sld xmlns:a="http://schemas.openxmlformats.org/drawingml/2006/main" xmlns:r="http://schemas.openxmlformats.org/officeDocument/2006/relationships" xmlns:p="http://schemas.openxmlformats.org/presentationml/2006/main">
-  <p:cSld>
-    <p:spTree>
-      <p:nvGrpSpPr>
-        <p:cNvPr id="1" name=""/>
-        <p:cNvGrpSpPr/>
-        <p:nvPr/>
-      </p:nvGrpSpPr>
-      <p:grpSpPr>
-        <a:xfrm>
-          <a:off x="0" y="0"/>
-          <a:ext cx="0" cy="0"/>
-          <a:chOff x="0" y="0"/>
-          <a:chExt cx="0" cy="0"/>
-        </a:xfrm>
-      </p:grpSpPr>
-      <p:sp>
-        <p:nvSpPr>
-          <p:cNvPr id="4" name="Title 3"/>
-          <p:cNvSpPr>
-            <a:spLocks noGrp="1"/>
-          </p:cNvSpPr>
-          <p:nvPr>
-            <p:ph type="ctrTitle"/>
-          </p:nvPr>
-        </p:nvSpPr>
-        <p:spPr/>
-        <p:txBody>
-          <a:bodyPr/>
-          <a:lstStyle/>
-          <a:p>
-            <a:r>
-              <a:rPr lang="en-US" dirty="0"/>
-              <a:t>Demo</a:t>
-            </a:r>
-          </a:p>
-        </p:txBody>
-      </p:sp>
-      <p:sp>
-        <p:nvSpPr>
-          <p:cNvPr id="5" name="Subtitle 4"/>
-          <p:cNvSpPr>
-            <a:spLocks noGrp="1"/>
-          </p:cNvSpPr>
-          <p:nvPr>
-            <p:ph type="subTitle" idx="1"/>
-          </p:nvPr>
-        </p:nvSpPr>
-        <p:spPr/>
-        <p:txBody>
-          <a:bodyPr/>
-          <a:lstStyle/>
-          <a:p>
-            <a:pPr marL="0" indent="0">
-              <a:buNone/>
-            </a:pPr>
-            <a:r>
-              <a:rPr lang="en-US" dirty="0"/>
-              <a:t>Explicitly Compiled Queries</a:t>
-            </a:r>
-          </a:p>
-        </p:txBody>
-      </p:sp>
-    </p:spTree>
-    <p:extLst>
-      <p:ext uri="{BB962C8B-B14F-4D97-AF65-F5344CB8AC3E}">
-        <p14:creationId xmlns:p14="http://schemas.microsoft.com/office/powerpoint/2010/main" val="4154564100"/>
-      </p:ext>
-    </p:extLst>
-  </p:cSld>
-  <p:clrMapOvr>
-    <a:masterClrMapping/>
-  </p:clrMapOvr>
-</p:sld>
-</file>
-
-<file path=ppt/slides/slide23.xml><?xml version="1.0" encoding="utf-8"?>
-<p:sld xmlns:a="http://schemas.openxmlformats.org/drawingml/2006/main" xmlns:r="http://schemas.openxmlformats.org/officeDocument/2006/relationships" xmlns:p="http://schemas.openxmlformats.org/presentationml/2006/main">
-  <p:cSld>
-    <p:spTree>
-      <p:nvGrpSpPr>
-        <p:cNvPr id="1" name=""/>
-        <p:cNvGrpSpPr/>
-        <p:nvPr/>
-      </p:nvGrpSpPr>
-      <p:grpSpPr>
-        <a:xfrm>
-          <a:off x="0" y="0"/>
-          <a:ext cx="0" cy="0"/>
-          <a:chOff x="0" y="0"/>
-          <a:chExt cx="0" cy="0"/>
-        </a:xfrm>
-      </p:grpSpPr>
-      <p:sp>
-        <p:nvSpPr>
-          <p:cNvPr id="9" name="Text Placeholder 8">
-            <a:extLst>
-              <a:ext uri="{FF2B5EF4-FFF2-40B4-BE49-F238E27FC236}">
-                <a16:creationId xmlns:a16="http://schemas.microsoft.com/office/drawing/2014/main" id="{0995291A-BCFC-462C-BFF3-4306E13461B1}"/>
-              </a:ext>
-            </a:extLst>
-          </p:cNvPr>
-          <p:cNvSpPr>
-            <a:spLocks noGrp="1"/>
-          </p:cNvSpPr>
-          <p:nvPr>
-            <p:ph type="body" sz="quarter" idx="11"/>
-          </p:nvPr>
-        </p:nvSpPr>
-        <p:spPr/>
-        <p:txBody>
-          <a:bodyPr>
-            <a:normAutofit lnSpcReduction="10000"/>
-          </a:bodyPr>
-          <a:lstStyle/>
-          <a:p>
-            <a:r>
-              <a:rPr lang="en-US" dirty="0"/>
-              <a:t>Database scalar function mapping</a:t>
-            </a:r>
-          </a:p>
-        </p:txBody>
-      </p:sp>
-    </p:spTree>
-    <p:extLst>
-      <p:ext uri="{BB962C8B-B14F-4D97-AF65-F5344CB8AC3E}">
-        <p14:creationId xmlns:p14="http://schemas.microsoft.com/office/powerpoint/2010/main" val="3478387315"/>
-      </p:ext>
-    </p:extLst>
-  </p:cSld>
-  <p:clrMapOvr>
-    <a:masterClrMapping/>
-  </p:clrMapOvr>
-</p:sld>
-</file>
-
-<file path=ppt/slides/slide24.xml><?xml version="1.0" encoding="utf-8"?>
-<p:sld xmlns:a="http://schemas.openxmlformats.org/drawingml/2006/main" xmlns:r="http://schemas.openxmlformats.org/officeDocument/2006/relationships" xmlns:p="http://schemas.openxmlformats.org/presentationml/2006/main">
-  <p:cSld>
-    <p:spTree>
-      <p:nvGrpSpPr>
-        <p:cNvPr id="1" name=""/>
-        <p:cNvGrpSpPr/>
-        <p:nvPr/>
-      </p:nvGrpSpPr>
-      <p:grpSpPr>
-        <a:xfrm>
-          <a:off x="0" y="0"/>
-          <a:ext cx="0" cy="0"/>
-          <a:chOff x="0" y="0"/>
-          <a:chExt cx="0" cy="0"/>
-        </a:xfrm>
-      </p:grpSpPr>
-      <p:sp>
-        <p:nvSpPr>
-          <p:cNvPr id="3" name="Title 2">
-            <a:extLst>
-              <a:ext uri="{FF2B5EF4-FFF2-40B4-BE49-F238E27FC236}">
-                <a16:creationId xmlns:a16="http://schemas.microsoft.com/office/drawing/2014/main" id="{E6D2B393-CA40-48D4-8928-7A42FC4D077D}"/>
-              </a:ext>
-            </a:extLst>
-          </p:cNvPr>
-          <p:cNvSpPr>
-            <a:spLocks noGrp="1"/>
-          </p:cNvSpPr>
-          <p:nvPr>
-            <p:ph type="title"/>
-          </p:nvPr>
-        </p:nvSpPr>
-        <p:spPr/>
-        <p:txBody>
-          <a:bodyPr/>
-          <a:lstStyle/>
-          <a:p>
-            <a:r>
-              <a:rPr lang="en-US" dirty="0"/>
-              <a:t>Database Scalar Function Mapping</a:t>
-            </a:r>
-          </a:p>
-        </p:txBody>
-      </p:sp>
-      <p:sp>
-        <p:nvSpPr>
-          <p:cNvPr id="4" name="Rectangle 3">
-            <a:extLst>
-              <a:ext uri="{FF2B5EF4-FFF2-40B4-BE49-F238E27FC236}">
-                <a16:creationId xmlns:a16="http://schemas.microsoft.com/office/drawing/2014/main" id="{A1F4371F-DEDD-463B-90B4-4857E175C0B3}"/>
-              </a:ext>
-            </a:extLst>
-          </p:cNvPr>
-          <p:cNvSpPr/>
-          <p:nvPr/>
-        </p:nvSpPr>
-        <p:spPr>
-          <a:xfrm>
-            <a:off x="527990" y="1378635"/>
-            <a:ext cx="10120960" cy="3108543"/>
-          </a:xfrm>
-          <a:prstGeom prst="rect">
-            <a:avLst/>
-          </a:prstGeom>
-        </p:spPr>
-        <p:txBody>
-          <a:bodyPr wrap="square">
-            <a:spAutoFit/>
-          </a:bodyPr>
-          <a:lstStyle/>
-          <a:p>
-            <a:r>
-              <a:rPr lang="en-US" sz="2800" dirty="0">
-                <a:solidFill>
-                  <a:srgbClr val="0000FF"/>
-                </a:solidFill>
-                <a:latin typeface="Monaco"/>
-              </a:rPr>
-              <a:t>public</a:t>
-            </a:r>
-            <a:r>
-              <a:rPr lang="en-US" sz="2800" dirty="0">
-                <a:solidFill>
-                  <a:srgbClr val="000000"/>
-                </a:solidFill>
-                <a:latin typeface="Monaco"/>
-              </a:rPr>
-              <a:t> </a:t>
-            </a:r>
-            <a:r>
-              <a:rPr lang="en-US" sz="2800" dirty="0">
-                <a:solidFill>
-                  <a:srgbClr val="0000FF"/>
-                </a:solidFill>
-                <a:latin typeface="Monaco"/>
-              </a:rPr>
-              <a:t>class</a:t>
-            </a:r>
-            <a:r>
-              <a:rPr lang="en-US" sz="2800" dirty="0">
-                <a:solidFill>
-                  <a:srgbClr val="000000"/>
-                </a:solidFill>
-                <a:latin typeface="Monaco"/>
-              </a:rPr>
-              <a:t> </a:t>
-            </a:r>
-            <a:r>
-              <a:rPr lang="en-US" sz="2800" dirty="0" err="1">
-                <a:solidFill>
-                  <a:srgbClr val="A31515"/>
-                </a:solidFill>
-                <a:latin typeface="Monaco"/>
-              </a:rPr>
-              <a:t>BloggingContext</a:t>
-            </a:r>
-            <a:r>
-              <a:rPr lang="en-US" sz="2800" dirty="0">
-                <a:solidFill>
-                  <a:srgbClr val="000000"/>
-                </a:solidFill>
-                <a:latin typeface="Monaco"/>
-              </a:rPr>
-              <a:t> : </a:t>
-            </a:r>
-            <a:r>
-              <a:rPr lang="en-US" sz="2800" dirty="0">
-                <a:solidFill>
-                  <a:srgbClr val="A31515"/>
-                </a:solidFill>
-                <a:latin typeface="Monaco"/>
-              </a:rPr>
-              <a:t>DbContext</a:t>
-            </a:r>
-            <a:r>
-              <a:rPr lang="en-US" sz="2800" dirty="0">
-                <a:solidFill>
-                  <a:srgbClr val="000000"/>
-                </a:solidFill>
-                <a:latin typeface="Monaco"/>
-              </a:rPr>
-              <a:t> {</a:t>
-            </a:r>
-          </a:p>
-          <a:p>
-            <a:r>
-              <a:rPr lang="en-US" sz="2800" dirty="0">
-                <a:solidFill>
-                  <a:srgbClr val="000000"/>
-                </a:solidFill>
-                <a:latin typeface="Monaco"/>
-              </a:rPr>
-              <a:t>	[</a:t>
-            </a:r>
-            <a:r>
-              <a:rPr lang="en-US" sz="2800" dirty="0" err="1">
-                <a:solidFill>
-                  <a:srgbClr val="000000"/>
-                </a:solidFill>
-                <a:latin typeface="Monaco"/>
-              </a:rPr>
-              <a:t>DbFunction</a:t>
-            </a:r>
-            <a:r>
-              <a:rPr lang="en-US" sz="2800" dirty="0">
-                <a:solidFill>
-                  <a:srgbClr val="000000"/>
-                </a:solidFill>
-                <a:latin typeface="Monaco"/>
-              </a:rPr>
-              <a:t>]</a:t>
-            </a:r>
-          </a:p>
-          <a:p>
-            <a:r>
-              <a:rPr lang="en-US" sz="2800" dirty="0">
-                <a:solidFill>
-                  <a:srgbClr val="000000"/>
-                </a:solidFill>
-                <a:latin typeface="Monaco"/>
-              </a:rPr>
-              <a:t>	</a:t>
-            </a:r>
-            <a:r>
-              <a:rPr lang="en-US" sz="2800" dirty="0">
-                <a:solidFill>
-                  <a:srgbClr val="0000FF"/>
-                </a:solidFill>
-                <a:latin typeface="Monaco"/>
-              </a:rPr>
-              <a:t>public</a:t>
-            </a:r>
-            <a:r>
-              <a:rPr lang="en-US" sz="2800" dirty="0">
-                <a:solidFill>
-                  <a:srgbClr val="000000"/>
-                </a:solidFill>
-                <a:latin typeface="Monaco"/>
-              </a:rPr>
-              <a:t> </a:t>
-            </a:r>
-            <a:r>
-              <a:rPr lang="en-US" sz="2800" dirty="0">
-                <a:solidFill>
-                  <a:srgbClr val="0000FF"/>
-                </a:solidFill>
-                <a:latin typeface="Monaco"/>
-              </a:rPr>
-              <a:t>static</a:t>
-            </a:r>
-            <a:r>
-              <a:rPr lang="en-US" sz="2800" dirty="0">
-                <a:solidFill>
-                  <a:srgbClr val="000000"/>
-                </a:solidFill>
-                <a:latin typeface="Monaco"/>
-              </a:rPr>
-              <a:t> </a:t>
-            </a:r>
-            <a:r>
-              <a:rPr lang="en-US" sz="2800" dirty="0">
-                <a:solidFill>
-                  <a:srgbClr val="0000FF"/>
-                </a:solidFill>
-                <a:latin typeface="Monaco"/>
-              </a:rPr>
-              <a:t>int</a:t>
-            </a:r>
-            <a:r>
-              <a:rPr lang="en-US" sz="2800" dirty="0">
-                <a:solidFill>
-                  <a:srgbClr val="000000"/>
-                </a:solidFill>
-                <a:latin typeface="Monaco"/>
-              </a:rPr>
-              <a:t> </a:t>
-            </a:r>
-            <a:r>
-              <a:rPr lang="en-US" sz="2800" dirty="0" err="1">
-                <a:solidFill>
-                  <a:srgbClr val="A31515"/>
-                </a:solidFill>
-                <a:latin typeface="Monaco"/>
-              </a:rPr>
-              <a:t>PostReadCount</a:t>
-            </a:r>
-            <a:r>
-              <a:rPr lang="en-US" sz="2800" dirty="0">
-                <a:solidFill>
-                  <a:srgbClr val="000000"/>
-                </a:solidFill>
-                <a:latin typeface="Monaco"/>
-              </a:rPr>
-              <a:t>(</a:t>
-            </a:r>
-            <a:r>
-              <a:rPr lang="en-US" sz="2800" dirty="0">
-                <a:solidFill>
-                  <a:srgbClr val="0000FF"/>
-                </a:solidFill>
-                <a:latin typeface="Monaco"/>
-              </a:rPr>
-              <a:t>int</a:t>
-            </a:r>
-            <a:r>
-              <a:rPr lang="en-US" sz="2800" dirty="0">
-                <a:solidFill>
-                  <a:srgbClr val="000000"/>
-                </a:solidFill>
-                <a:latin typeface="Monaco"/>
-              </a:rPr>
-              <a:t> </a:t>
-            </a:r>
-            <a:r>
-              <a:rPr lang="en-US" sz="2800" dirty="0" err="1">
-                <a:solidFill>
-                  <a:srgbClr val="000000"/>
-                </a:solidFill>
-                <a:latin typeface="Monaco"/>
-              </a:rPr>
-              <a:t>blogId</a:t>
-            </a:r>
-            <a:r>
-              <a:rPr lang="en-US" sz="2800" dirty="0">
-                <a:solidFill>
-                  <a:srgbClr val="000000"/>
-                </a:solidFill>
-                <a:latin typeface="Monaco"/>
-              </a:rPr>
-              <a:t>)</a:t>
-            </a:r>
-          </a:p>
-          <a:p>
-            <a:r>
-              <a:rPr lang="en-US" sz="2800" dirty="0">
-                <a:solidFill>
-                  <a:srgbClr val="000000"/>
-                </a:solidFill>
-                <a:latin typeface="Monaco"/>
-              </a:rPr>
-              <a:t>	{</a:t>
-            </a:r>
-          </a:p>
-          <a:p>
-            <a:r>
-              <a:rPr lang="en-US" sz="2800" dirty="0">
-                <a:solidFill>
-                  <a:srgbClr val="000000"/>
-                </a:solidFill>
-                <a:latin typeface="Monaco"/>
-              </a:rPr>
-              <a:t>		</a:t>
-            </a:r>
-            <a:r>
-              <a:rPr lang="en-US" sz="2800" dirty="0">
-                <a:solidFill>
-                  <a:srgbClr val="0000FF"/>
-                </a:solidFill>
-                <a:latin typeface="Monaco"/>
-              </a:rPr>
-              <a:t>throw</a:t>
-            </a:r>
-            <a:r>
-              <a:rPr lang="en-US" sz="2800" dirty="0">
-                <a:solidFill>
-                  <a:srgbClr val="000000"/>
-                </a:solidFill>
-                <a:latin typeface="Monaco"/>
-              </a:rPr>
-              <a:t> </a:t>
-            </a:r>
-            <a:r>
-              <a:rPr lang="en-US" sz="2800" dirty="0">
-                <a:solidFill>
-                  <a:srgbClr val="0000FF"/>
-                </a:solidFill>
-                <a:latin typeface="Monaco"/>
-              </a:rPr>
-              <a:t>new</a:t>
-            </a:r>
-            <a:r>
-              <a:rPr lang="en-US" sz="2800" dirty="0">
-                <a:solidFill>
-                  <a:srgbClr val="000000"/>
-                </a:solidFill>
-                <a:latin typeface="Monaco"/>
-              </a:rPr>
-              <a:t> Exception();</a:t>
-            </a:r>
-          </a:p>
-          <a:p>
-            <a:r>
-              <a:rPr lang="en-US" sz="2800" dirty="0">
-                <a:solidFill>
-                  <a:srgbClr val="000000"/>
-                </a:solidFill>
-                <a:latin typeface="Monaco"/>
-              </a:rPr>
-              <a:t>	}</a:t>
-            </a:r>
-          </a:p>
-          <a:p>
-            <a:r>
-              <a:rPr lang="en-US" sz="2800" dirty="0">
-                <a:solidFill>
-                  <a:srgbClr val="000000"/>
-                </a:solidFill>
-                <a:latin typeface="Monaco"/>
-              </a:rPr>
-              <a:t>}</a:t>
-            </a:r>
-            <a:endParaRPr lang="en-US" sz="2800" dirty="0">
-              <a:latin typeface="Monaco"/>
-            </a:endParaRPr>
-          </a:p>
-        </p:txBody>
-      </p:sp>
-      <p:sp>
-        <p:nvSpPr>
-          <p:cNvPr id="5" name="Rectangle 4">
-            <a:extLst>
-              <a:ext uri="{FF2B5EF4-FFF2-40B4-BE49-F238E27FC236}">
-                <a16:creationId xmlns:a16="http://schemas.microsoft.com/office/drawing/2014/main" id="{B26DDEF1-5C5C-49E3-A2DD-0CCDF06D397B}"/>
-              </a:ext>
-            </a:extLst>
-          </p:cNvPr>
-          <p:cNvSpPr/>
-          <p:nvPr/>
-        </p:nvSpPr>
-        <p:spPr>
-          <a:xfrm>
-            <a:off x="527990" y="4787246"/>
-            <a:ext cx="9587560" cy="1384995"/>
-          </a:xfrm>
-          <a:prstGeom prst="rect">
-            <a:avLst/>
-          </a:prstGeom>
-        </p:spPr>
-        <p:txBody>
-          <a:bodyPr wrap="square">
-            <a:spAutoFit/>
-          </a:bodyPr>
-          <a:lstStyle/>
-          <a:p>
-            <a:r>
-              <a:rPr lang="en-US" sz="2800" dirty="0" err="1">
-                <a:solidFill>
-                  <a:srgbClr val="0000FF"/>
-                </a:solidFill>
-                <a:latin typeface="Monaco"/>
-              </a:rPr>
-              <a:t>var</a:t>
-            </a:r>
-            <a:r>
-              <a:rPr lang="en-US" sz="2800" dirty="0">
-                <a:solidFill>
-                  <a:srgbClr val="000000"/>
-                </a:solidFill>
-                <a:latin typeface="Monaco"/>
-              </a:rPr>
-              <a:t> query = </a:t>
-            </a:r>
-            <a:r>
-              <a:rPr lang="en-US" sz="2800" dirty="0">
-                <a:solidFill>
-                  <a:srgbClr val="0000FF"/>
-                </a:solidFill>
-                <a:latin typeface="Monaco"/>
-              </a:rPr>
-              <a:t>from</a:t>
-            </a:r>
-            <a:r>
-              <a:rPr lang="en-US" sz="2800" dirty="0">
-                <a:solidFill>
-                  <a:srgbClr val="000000"/>
-                </a:solidFill>
-                <a:latin typeface="Monaco"/>
-              </a:rPr>
-              <a:t> p </a:t>
-            </a:r>
-            <a:r>
-              <a:rPr lang="en-US" sz="2800" dirty="0">
-                <a:solidFill>
-                  <a:srgbClr val="0000FF"/>
-                </a:solidFill>
-                <a:latin typeface="Monaco"/>
-              </a:rPr>
-              <a:t>in</a:t>
-            </a:r>
-            <a:r>
-              <a:rPr lang="en-US" sz="2800" dirty="0">
-                <a:solidFill>
-                  <a:srgbClr val="000000"/>
-                </a:solidFill>
-                <a:latin typeface="Monaco"/>
-              </a:rPr>
-              <a:t> </a:t>
-            </a:r>
-            <a:r>
-              <a:rPr lang="en-US" sz="2800" dirty="0" err="1">
-                <a:solidFill>
-                  <a:srgbClr val="000000"/>
-                </a:solidFill>
-                <a:latin typeface="Monaco"/>
-              </a:rPr>
-              <a:t>context.Posts</a:t>
-            </a:r>
-            <a:endParaRPr lang="en-US" sz="2800" dirty="0">
-              <a:solidFill>
-                <a:srgbClr val="000000"/>
-              </a:solidFill>
-              <a:latin typeface="Monaco"/>
-            </a:endParaRPr>
-          </a:p>
-          <a:p>
-            <a:r>
-              <a:rPr lang="en-US" sz="2800" dirty="0">
-                <a:solidFill>
-                  <a:srgbClr val="000000"/>
-                </a:solidFill>
-                <a:latin typeface="Monaco"/>
-              </a:rPr>
-              <a:t>	</a:t>
-            </a:r>
-            <a:r>
-              <a:rPr lang="en-US" sz="2800" dirty="0">
-                <a:solidFill>
-                  <a:srgbClr val="0000FF"/>
-                </a:solidFill>
-                <a:latin typeface="Monaco"/>
-              </a:rPr>
-              <a:t>where</a:t>
-            </a:r>
-            <a:r>
-              <a:rPr lang="en-US" sz="2800" dirty="0">
-                <a:solidFill>
-                  <a:srgbClr val="000000"/>
-                </a:solidFill>
-                <a:latin typeface="Monaco"/>
-              </a:rPr>
-              <a:t> </a:t>
-            </a:r>
-            <a:r>
-              <a:rPr lang="en-US" sz="2800" dirty="0" err="1">
-                <a:solidFill>
-                  <a:srgbClr val="000000"/>
-                </a:solidFill>
-                <a:latin typeface="Monaco"/>
-              </a:rPr>
-              <a:t>BloggingContext.PostReadCount</a:t>
-            </a:r>
-            <a:r>
-              <a:rPr lang="en-US" sz="2800" dirty="0">
-                <a:solidFill>
-                  <a:srgbClr val="000000"/>
-                </a:solidFill>
-                <a:latin typeface="Monaco"/>
-              </a:rPr>
-              <a:t>(</a:t>
-            </a:r>
-            <a:r>
-              <a:rPr lang="en-US" sz="2800" dirty="0" err="1">
-                <a:solidFill>
-                  <a:srgbClr val="000000"/>
-                </a:solidFill>
-                <a:latin typeface="Monaco"/>
-              </a:rPr>
-              <a:t>p.Id</a:t>
-            </a:r>
-            <a:r>
-              <a:rPr lang="en-US" sz="2800" dirty="0">
-                <a:solidFill>
-                  <a:srgbClr val="000000"/>
-                </a:solidFill>
-                <a:latin typeface="Monaco"/>
-              </a:rPr>
-              <a:t>) &gt; 5</a:t>
-            </a:r>
-          </a:p>
-          <a:p>
-            <a:r>
-              <a:rPr lang="en-US" sz="2800" dirty="0">
-                <a:solidFill>
-                  <a:srgbClr val="000000"/>
-                </a:solidFill>
-                <a:latin typeface="Monaco"/>
-              </a:rPr>
-              <a:t>	</a:t>
-            </a:r>
-            <a:r>
-              <a:rPr lang="en-US" sz="2800" dirty="0">
-                <a:solidFill>
-                  <a:srgbClr val="0000FF"/>
-                </a:solidFill>
-                <a:latin typeface="Monaco"/>
-              </a:rPr>
-              <a:t>select</a:t>
-            </a:r>
-            <a:r>
-              <a:rPr lang="en-US" sz="2800" dirty="0">
-                <a:solidFill>
-                  <a:srgbClr val="000000"/>
-                </a:solidFill>
-                <a:latin typeface="Monaco"/>
-              </a:rPr>
-              <a:t> p;</a:t>
-            </a:r>
-            <a:endParaRPr lang="en-US" sz="2800" dirty="0"/>
-          </a:p>
-        </p:txBody>
-      </p:sp>
-    </p:spTree>
-    <p:extLst>
-      <p:ext uri="{BB962C8B-B14F-4D97-AF65-F5344CB8AC3E}">
-        <p14:creationId xmlns:p14="http://schemas.microsoft.com/office/powerpoint/2010/main" val="460163012"/>
-      </p:ext>
-    </p:extLst>
-  </p:cSld>
-  <p:clrMapOvr>
-    <a:masterClrMapping/>
-  </p:clrMapOvr>
-  <p:timing>
-    <p:tnLst>
-      <p:par>
-        <p:cTn id="1" dur="indefinite" restart="never" nodeType="tmRoot">
-          <p:childTnLst>
-            <p:seq concurrent="1" nextAc="seek">
-              <p:cTn id="2" dur="indefinite" nodeType="mainSeq">
-                <p:childTnLst>
-                  <p:par>
-                    <p:cTn id="3" fill="hold">
-                      <p:stCondLst>
-                        <p:cond delay="indefinite"/>
-                      </p:stCondLst>
-                      <p:childTnLst>
-                        <p:par>
-                          <p:cTn id="4" fill="hold">
-                            <p:stCondLst>
-                              <p:cond delay="0"/>
-                            </p:stCondLst>
-                            <p:childTnLst>
-                              <p:par>
-                                <p:cTn id="5" presetID="1" presetClass="entr" presetSubtype="0" fill="hold" grpId="0" nodeType="clickEffect">
-                                  <p:stCondLst>
-                                    <p:cond delay="0"/>
-                                  </p:stCondLst>
-                                  <p:childTnLst>
-                                    <p:set>
-                                      <p:cBhvr>
-                                        <p:cTn id="6" dur="1" fill="hold">
-                                          <p:stCondLst>
-                                            <p:cond delay="0"/>
-                                          </p:stCondLst>
-                                        </p:cTn>
-                                        <p:tgtEl>
-                                          <p:spTgt spid="4"/>
-                                        </p:tgtEl>
-                                        <p:attrNameLst>
-                                          <p:attrName>style.visibility</p:attrName>
-                                        </p:attrNameLst>
-                                      </p:cBhvr>
-                                      <p:to>
-                                        <p:strVal val="visible"/>
-                                      </p:to>
-                                    </p:set>
-                                  </p:childTnLst>
-                                </p:cTn>
-                              </p:par>
-                            </p:childTnLst>
-                          </p:cTn>
-                        </p:par>
-                      </p:childTnLst>
-                    </p:cTn>
-                  </p:par>
-                  <p:par>
-                    <p:cTn id="7" fill="hold">
-                      <p:stCondLst>
-                        <p:cond delay="indefinite"/>
-                      </p:stCondLst>
-                      <p:childTnLst>
-                        <p:par>
-                          <p:cTn id="8" fill="hold">
-                            <p:stCondLst>
-                              <p:cond delay="0"/>
-                            </p:stCondLst>
-                            <p:childTnLst>
-                              <p:par>
-                                <p:cTn id="9" presetID="1" presetClass="entr" presetSubtype="0" fill="hold" grpId="0" nodeType="clickEffect">
-                                  <p:stCondLst>
-                                    <p:cond delay="0"/>
-                                  </p:stCondLst>
-                                  <p:childTnLst>
-                                    <p:set>
-                                      <p:cBhvr>
-                                        <p:cTn id="10" dur="1" fill="hold">
-                                          <p:stCondLst>
-                                            <p:cond delay="0"/>
-                                          </p:stCondLst>
-                                        </p:cTn>
-                                        <p:tgtEl>
-                                          <p:spTgt spid="5"/>
-                                        </p:tgtEl>
-                                        <p:attrNameLst>
-                                          <p:attrName>style.visibility</p:attrName>
-                                        </p:attrNameLst>
-                                      </p:cBhvr>
-                                      <p:to>
-                                        <p:strVal val="visible"/>
-                                      </p:to>
-                                    </p:set>
-                                  </p:childTnLst>
-                                </p:cTn>
-                              </p:par>
-                            </p:childTnLst>
-                          </p:cTn>
-                        </p:par>
-                      </p:childTnLst>
-                    </p:cTn>
-                  </p:par>
-                </p:childTnLst>
-              </p:cTn>
-              <p:prevCondLst>
-                <p:cond evt="onPrev" delay="0">
-                  <p:tgtEl>
-                    <p:sldTgt/>
-                  </p:tgtEl>
-                </p:cond>
-              </p:prevCondLst>
-              <p:nextCondLst>
-                <p:cond evt="onNext" delay="0">
-                  <p:tgtEl>
-                    <p:sldTgt/>
-                  </p:tgtEl>
-                </p:cond>
-              </p:nextCondLst>
-            </p:seq>
-          </p:childTnLst>
-        </p:cTn>
-      </p:par>
-    </p:tnLst>
-    <p:bldLst>
-      <p:bldP spid="4" grpId="0"/>
-      <p:bldP spid="5" grpId="0"/>
-    </p:bldLst>
-  </p:timing>
-</p:sld>
-</file>
-
-<file path=ppt/slides/slide25.xml><?xml version="1.0" encoding="utf-8"?>
-<p:sld xmlns:a="http://schemas.openxmlformats.org/drawingml/2006/main" xmlns:r="http://schemas.openxmlformats.org/officeDocument/2006/relationships" xmlns:p="http://schemas.openxmlformats.org/presentationml/2006/main">
-  <p:cSld>
-    <p:spTree>
-      <p:nvGrpSpPr>
-        <p:cNvPr id="1" name=""/>
-        <p:cNvGrpSpPr/>
-        <p:nvPr/>
-      </p:nvGrpSpPr>
-      <p:grpSpPr>
-        <a:xfrm>
-          <a:off x="0" y="0"/>
-          <a:ext cx="0" cy="0"/>
-          <a:chOff x="0" y="0"/>
-          <a:chExt cx="0" cy="0"/>
-        </a:xfrm>
-      </p:grpSpPr>
-      <p:sp>
-        <p:nvSpPr>
-          <p:cNvPr id="9" name="Text Placeholder 8">
-            <a:extLst>
-              <a:ext uri="{FF2B5EF4-FFF2-40B4-BE49-F238E27FC236}">
-                <a16:creationId xmlns:a16="http://schemas.microsoft.com/office/drawing/2014/main" id="{0995291A-BCFC-462C-BFF3-4306E13461B1}"/>
-              </a:ext>
-            </a:extLst>
-          </p:cNvPr>
-          <p:cNvSpPr>
-            <a:spLocks noGrp="1"/>
-          </p:cNvSpPr>
-          <p:nvPr>
-            <p:ph type="body" sz="quarter" idx="11"/>
-          </p:nvPr>
-        </p:nvSpPr>
-        <p:spPr/>
-        <p:txBody>
-          <a:bodyPr/>
-          <a:lstStyle/>
-          <a:p>
-            <a:r>
-              <a:rPr lang="en-US" dirty="0"/>
-              <a:t>Lazy Loading</a:t>
-            </a:r>
-          </a:p>
-        </p:txBody>
-      </p:sp>
-    </p:spTree>
-    <p:extLst>
-      <p:ext uri="{BB962C8B-B14F-4D97-AF65-F5344CB8AC3E}">
-        <p14:creationId xmlns:p14="http://schemas.microsoft.com/office/powerpoint/2010/main" val="2436354478"/>
-      </p:ext>
-    </p:extLst>
-  </p:cSld>
-  <p:clrMapOvr>
-    <a:masterClrMapping/>
-  </p:clrMapOvr>
-</p:sld>
-</file>
-
-<file path=ppt/slides/slide26.xml><?xml version="1.0" encoding="utf-8"?>
-<p:sld xmlns:a="http://schemas.openxmlformats.org/drawingml/2006/main" xmlns:r="http://schemas.openxmlformats.org/officeDocument/2006/relationships" xmlns:p="http://schemas.openxmlformats.org/presentationml/2006/main">
-  <p:cSld>
-    <p:spTree>
-      <p:nvGrpSpPr>
-        <p:cNvPr id="1" name=""/>
-        <p:cNvGrpSpPr/>
-        <p:nvPr/>
-      </p:nvGrpSpPr>
-      <p:grpSpPr>
-        <a:xfrm>
-          <a:off x="0" y="0"/>
-          <a:ext cx="0" cy="0"/>
-          <a:chOff x="0" y="0"/>
-          <a:chExt cx="0" cy="0"/>
-        </a:xfrm>
-      </p:grpSpPr>
-      <p:sp>
-        <p:nvSpPr>
-          <p:cNvPr id="3" name="Title 2">
-            <a:extLst>
-              <a:ext uri="{FF2B5EF4-FFF2-40B4-BE49-F238E27FC236}">
-                <a16:creationId xmlns:a16="http://schemas.microsoft.com/office/drawing/2014/main" id="{E6D2B393-CA40-48D4-8928-7A42FC4D077D}"/>
-              </a:ext>
-            </a:extLst>
-          </p:cNvPr>
-          <p:cNvSpPr>
-            <a:spLocks noGrp="1"/>
-          </p:cNvSpPr>
-          <p:nvPr>
-            <p:ph type="title"/>
-          </p:nvPr>
-        </p:nvSpPr>
-        <p:spPr/>
-        <p:txBody>
-          <a:bodyPr/>
-          <a:lstStyle/>
-          <a:p>
-            <a:r>
-              <a:rPr lang="en-US" dirty="0"/>
-              <a:t>Lazy Loading Example: Proxies</a:t>
-            </a:r>
-          </a:p>
-        </p:txBody>
-      </p:sp>
-      <p:sp>
-        <p:nvSpPr>
-          <p:cNvPr id="12" name="Rectangle 11">
-            <a:extLst>
-              <a:ext uri="{FF2B5EF4-FFF2-40B4-BE49-F238E27FC236}">
-                <a16:creationId xmlns:a16="http://schemas.microsoft.com/office/drawing/2014/main" id="{9252F5E7-DC45-4615-8728-E402351D680C}"/>
-              </a:ext>
-            </a:extLst>
-          </p:cNvPr>
-          <p:cNvSpPr/>
-          <p:nvPr/>
-        </p:nvSpPr>
-        <p:spPr>
-          <a:xfrm>
-            <a:off x="527990" y="1674614"/>
-            <a:ext cx="10799751" cy="4524315"/>
-          </a:xfrm>
-          <a:prstGeom prst="rect">
-            <a:avLst/>
-          </a:prstGeom>
-        </p:spPr>
-        <p:txBody>
-          <a:bodyPr wrap="none">
-            <a:spAutoFit/>
-          </a:bodyPr>
-          <a:lstStyle/>
-          <a:p>
-            <a:pPr marL="285750" indent="-285750">
-              <a:buFont typeface="Arial" panose="020B0604020202020204" pitchFamily="34" charset="0"/>
-              <a:buChar char="•"/>
-            </a:pPr>
-            <a:r>
-              <a:rPr lang="en-US" sz="2400" dirty="0"/>
-              <a:t>Install the </a:t>
-            </a:r>
-            <a:r>
-              <a:rPr lang="en-US" sz="2400" b="1" dirty="0" err="1"/>
-              <a:t>Microsoft.EntityFrameworkCore.Proxies</a:t>
-            </a:r>
-            <a:r>
-              <a:rPr lang="en-US" sz="2400" b="1" dirty="0"/>
-              <a:t> </a:t>
-            </a:r>
-            <a:r>
-              <a:rPr lang="en-US" sz="2400" dirty="0"/>
-              <a:t>NuGet package</a:t>
-            </a:r>
-          </a:p>
-          <a:p>
-            <a:pPr marL="285750" indent="-285750">
-              <a:buFont typeface="Arial" panose="020B0604020202020204" pitchFamily="34" charset="0"/>
-              <a:buChar char="•"/>
-            </a:pPr>
-            <a:endParaRPr lang="en-US" sz="2400" dirty="0"/>
-          </a:p>
-          <a:p>
-            <a:r>
-              <a:rPr lang="en-US" sz="2400" dirty="0"/>
-              <a:t>Either way to enabling:</a:t>
-            </a:r>
-          </a:p>
-          <a:p>
-            <a:endParaRPr lang="en-US" sz="2400" dirty="0"/>
-          </a:p>
-          <a:p>
-            <a:pPr lvl="0" eaLnBrk="0" fontAlgn="base" hangingPunct="0">
-              <a:spcBef>
-                <a:spcPct val="0"/>
-              </a:spcBef>
-              <a:spcAft>
-                <a:spcPct val="0"/>
-              </a:spcAft>
-            </a:pPr>
-            <a:r>
-              <a:rPr lang="en-US" altLang="en-US" dirty="0">
-                <a:latin typeface="Source Code Pro" panose="020B0509030403020204" pitchFamily="49" charset="0"/>
-                <a:ea typeface="Source Code Pro" panose="020B0509030403020204" pitchFamily="49" charset="0"/>
-              </a:rPr>
-              <a:t>protected override void </a:t>
-            </a:r>
-            <a:r>
-              <a:rPr lang="en-US" altLang="en-US" dirty="0" err="1">
-                <a:latin typeface="Source Code Pro" panose="020B0509030403020204" pitchFamily="49" charset="0"/>
-                <a:ea typeface="Source Code Pro" panose="020B0509030403020204" pitchFamily="49" charset="0"/>
-              </a:rPr>
-              <a:t>OnConfiguring</a:t>
-            </a:r>
-            <a:r>
-              <a:rPr lang="en-US" altLang="en-US" dirty="0">
-                <a:latin typeface="Source Code Pro" panose="020B0509030403020204" pitchFamily="49" charset="0"/>
-                <a:ea typeface="Source Code Pro" panose="020B0509030403020204" pitchFamily="49" charset="0"/>
-              </a:rPr>
-              <a:t>(</a:t>
-            </a:r>
-            <a:r>
-              <a:rPr lang="en-US" altLang="en-US" dirty="0" err="1">
-                <a:latin typeface="Source Code Pro" panose="020B0509030403020204" pitchFamily="49" charset="0"/>
-                <a:ea typeface="Source Code Pro" panose="020B0509030403020204" pitchFamily="49" charset="0"/>
-              </a:rPr>
-              <a:t>DbContextOptionsBuilder</a:t>
-            </a:r>
-            <a:r>
-              <a:rPr lang="en-US" altLang="en-US" dirty="0">
-                <a:latin typeface="Source Code Pro" panose="020B0509030403020204" pitchFamily="49" charset="0"/>
-                <a:ea typeface="Source Code Pro" panose="020B0509030403020204" pitchFamily="49" charset="0"/>
-              </a:rPr>
-              <a:t> </a:t>
-            </a:r>
-            <a:r>
-              <a:rPr lang="en-US" altLang="en-US" dirty="0" err="1">
-                <a:latin typeface="Source Code Pro" panose="020B0509030403020204" pitchFamily="49" charset="0"/>
-                <a:ea typeface="Source Code Pro" panose="020B0509030403020204" pitchFamily="49" charset="0"/>
-              </a:rPr>
-              <a:t>optionsBuilder</a:t>
-            </a:r>
-            <a:r>
-              <a:rPr lang="en-US" altLang="en-US" dirty="0">
-                <a:latin typeface="Source Code Pro" panose="020B0509030403020204" pitchFamily="49" charset="0"/>
-                <a:ea typeface="Source Code Pro" panose="020B0509030403020204" pitchFamily="49" charset="0"/>
-              </a:rPr>
-              <a:t>)</a:t>
-            </a:r>
-            <a:br>
-              <a:rPr lang="en-US" altLang="en-US" dirty="0">
-                <a:latin typeface="Source Code Pro" panose="020B0509030403020204" pitchFamily="49" charset="0"/>
-                <a:ea typeface="Source Code Pro" panose="020B0509030403020204" pitchFamily="49" charset="0"/>
-              </a:rPr>
-            </a:br>
-            <a:r>
-              <a:rPr lang="en-US" altLang="en-US" dirty="0">
-                <a:latin typeface="Source Code Pro" panose="020B0509030403020204" pitchFamily="49" charset="0"/>
-                <a:ea typeface="Source Code Pro" panose="020B0509030403020204" pitchFamily="49" charset="0"/>
-              </a:rPr>
-              <a:t>{</a:t>
-            </a:r>
-            <a:br>
-              <a:rPr lang="en-US" altLang="en-US" dirty="0">
-                <a:latin typeface="Source Code Pro" panose="020B0509030403020204" pitchFamily="49" charset="0"/>
-                <a:ea typeface="Source Code Pro" panose="020B0509030403020204" pitchFamily="49" charset="0"/>
-              </a:rPr>
-            </a:br>
-            <a:r>
-              <a:rPr lang="en-US" altLang="en-US" dirty="0">
-                <a:latin typeface="Source Code Pro" panose="020B0509030403020204" pitchFamily="49" charset="0"/>
-                <a:ea typeface="Source Code Pro" panose="020B0509030403020204" pitchFamily="49" charset="0"/>
-              </a:rPr>
-              <a:t>    </a:t>
-            </a:r>
-            <a:r>
-              <a:rPr lang="en-US" altLang="en-US" dirty="0" err="1">
-                <a:latin typeface="Source Code Pro" panose="020B0509030403020204" pitchFamily="49" charset="0"/>
-                <a:ea typeface="Source Code Pro" panose="020B0509030403020204" pitchFamily="49" charset="0"/>
-              </a:rPr>
-              <a:t>optionsBuilder.UseLazyLoadingProxies</a:t>
-            </a:r>
-            <a:r>
-              <a:rPr lang="en-US" altLang="en-US" dirty="0">
-                <a:latin typeface="Source Code Pro" panose="020B0509030403020204" pitchFamily="49" charset="0"/>
-                <a:ea typeface="Source Code Pro" panose="020B0509030403020204" pitchFamily="49" charset="0"/>
-              </a:rPr>
-              <a:t>().</a:t>
-            </a:r>
-            <a:br>
-              <a:rPr lang="en-US" altLang="en-US" dirty="0">
-                <a:latin typeface="Source Code Pro" panose="020B0509030403020204" pitchFamily="49" charset="0"/>
-                <a:ea typeface="Source Code Pro" panose="020B0509030403020204" pitchFamily="49" charset="0"/>
-              </a:rPr>
-            </a:br>
-            <a:r>
-              <a:rPr lang="en-US" altLang="en-US" dirty="0">
-                <a:latin typeface="Source Code Pro" panose="020B0509030403020204" pitchFamily="49" charset="0"/>
-                <a:ea typeface="Source Code Pro" panose="020B0509030403020204" pitchFamily="49" charset="0"/>
-              </a:rPr>
-              <a:t>        </a:t>
-            </a:r>
-            <a:r>
-              <a:rPr lang="en-US" altLang="en-US" dirty="0" err="1">
-                <a:latin typeface="Source Code Pro" panose="020B0509030403020204" pitchFamily="49" charset="0"/>
-                <a:ea typeface="Source Code Pro" panose="020B0509030403020204" pitchFamily="49" charset="0"/>
-              </a:rPr>
-              <a:t>UseSqlServer</a:t>
-            </a:r>
-            <a:r>
-              <a:rPr lang="en-US" altLang="en-US" dirty="0">
-                <a:latin typeface="Source Code Pro" panose="020B0509030403020204" pitchFamily="49" charset="0"/>
-                <a:ea typeface="Source Code Pro" panose="020B0509030403020204" pitchFamily="49" charset="0"/>
-              </a:rPr>
-              <a:t>(</a:t>
-            </a:r>
-            <a:r>
-              <a:rPr lang="en-US" altLang="en-US" dirty="0" err="1">
-                <a:latin typeface="Source Code Pro" panose="020B0509030403020204" pitchFamily="49" charset="0"/>
-                <a:ea typeface="Source Code Pro" panose="020B0509030403020204" pitchFamily="49" charset="0"/>
-              </a:rPr>
-              <a:t>myConnectionString</a:t>
-            </a:r>
-            <a:r>
-              <a:rPr lang="en-US" altLang="en-US" dirty="0">
-                <a:latin typeface="Source Code Pro" panose="020B0509030403020204" pitchFamily="49" charset="0"/>
-                <a:ea typeface="Source Code Pro" panose="020B0509030403020204" pitchFamily="49" charset="0"/>
-              </a:rPr>
-              <a:t>);</a:t>
-            </a:r>
-            <a:br>
-              <a:rPr lang="en-US" altLang="en-US" dirty="0">
-                <a:latin typeface="Source Code Pro" panose="020B0509030403020204" pitchFamily="49" charset="0"/>
-                <a:ea typeface="Source Code Pro" panose="020B0509030403020204" pitchFamily="49" charset="0"/>
-              </a:rPr>
-            </a:br>
-            <a:r>
-              <a:rPr lang="en-US" altLang="en-US" dirty="0">
-                <a:latin typeface="Source Code Pro" panose="020B0509030403020204" pitchFamily="49" charset="0"/>
-                <a:ea typeface="Source Code Pro" panose="020B0509030403020204" pitchFamily="49" charset="0"/>
-              </a:rPr>
-              <a:t>}</a:t>
-            </a:r>
-          </a:p>
-          <a:p>
-            <a:endParaRPr lang="en-US" dirty="0">
-              <a:latin typeface="Source Code Pro" panose="020B0509030403020204" pitchFamily="49" charset="0"/>
-              <a:ea typeface="Source Code Pro" panose="020B0509030403020204" pitchFamily="49" charset="0"/>
-            </a:endParaRPr>
-          </a:p>
-          <a:p>
-            <a:pPr lvl="0" eaLnBrk="0" fontAlgn="base" hangingPunct="0">
-              <a:spcBef>
-                <a:spcPct val="0"/>
-              </a:spcBef>
-              <a:spcAft>
-                <a:spcPct val="0"/>
-              </a:spcAft>
-            </a:pPr>
-            <a:r>
-              <a:rPr lang="en-US" altLang="en-US" dirty="0" err="1">
-                <a:latin typeface="Source Code Pro" panose="020B0509030403020204" pitchFamily="49" charset="0"/>
-                <a:ea typeface="Source Code Pro" panose="020B0509030403020204" pitchFamily="49" charset="0"/>
-              </a:rPr>
-              <a:t>services.AddDbContext</a:t>
-            </a:r>
-            <a:r>
-              <a:rPr lang="en-US" altLang="en-US" dirty="0">
-                <a:latin typeface="Source Code Pro" panose="020B0509030403020204" pitchFamily="49" charset="0"/>
-                <a:ea typeface="Source Code Pro" panose="020B0509030403020204" pitchFamily="49" charset="0"/>
-              </a:rPr>
-              <a:t>&lt;</a:t>
-            </a:r>
-            <a:r>
-              <a:rPr lang="en-US" altLang="en-US" dirty="0" err="1">
-                <a:latin typeface="Source Code Pro" panose="020B0509030403020204" pitchFamily="49" charset="0"/>
-                <a:ea typeface="Source Code Pro" panose="020B0509030403020204" pitchFamily="49" charset="0"/>
-              </a:rPr>
-              <a:t>ChinookContext</a:t>
-            </a:r>
-            <a:r>
-              <a:rPr lang="en-US" altLang="en-US" dirty="0">
-                <a:latin typeface="Source Code Pro" panose="020B0509030403020204" pitchFamily="49" charset="0"/>
-                <a:ea typeface="Source Code Pro" panose="020B0509030403020204" pitchFamily="49" charset="0"/>
-              </a:rPr>
-              <a:t>&gt;(</a:t>
-            </a:r>
-            <a:br>
-              <a:rPr lang="en-US" altLang="en-US" dirty="0">
-                <a:latin typeface="Source Code Pro" panose="020B0509030403020204" pitchFamily="49" charset="0"/>
-                <a:ea typeface="Source Code Pro" panose="020B0509030403020204" pitchFamily="49" charset="0"/>
-              </a:rPr>
-            </a:br>
-            <a:r>
-              <a:rPr lang="en-US" altLang="en-US" dirty="0">
-                <a:latin typeface="Source Code Pro" panose="020B0509030403020204" pitchFamily="49" charset="0"/>
-                <a:ea typeface="Source Code Pro" panose="020B0509030403020204" pitchFamily="49" charset="0"/>
-              </a:rPr>
-              <a:t>    options =&gt; </a:t>
-            </a:r>
-            <a:r>
-              <a:rPr lang="en-US" altLang="en-US" dirty="0" err="1">
-                <a:latin typeface="Source Code Pro" panose="020B0509030403020204" pitchFamily="49" charset="0"/>
-                <a:ea typeface="Source Code Pro" panose="020B0509030403020204" pitchFamily="49" charset="0"/>
-              </a:rPr>
-              <a:t>options.UseSqlServer</a:t>
-            </a:r>
-            <a:r>
-              <a:rPr lang="en-US" altLang="en-US" dirty="0">
-                <a:latin typeface="Source Code Pro" panose="020B0509030403020204" pitchFamily="49" charset="0"/>
-                <a:ea typeface="Source Code Pro" panose="020B0509030403020204" pitchFamily="49" charset="0"/>
-              </a:rPr>
-              <a:t>(connection).</a:t>
-            </a:r>
-            <a:r>
-              <a:rPr lang="en-US" altLang="en-US" dirty="0" err="1">
-                <a:latin typeface="Source Code Pro" panose="020B0509030403020204" pitchFamily="49" charset="0"/>
-                <a:ea typeface="Source Code Pro" panose="020B0509030403020204" pitchFamily="49" charset="0"/>
-              </a:rPr>
-              <a:t>UseLazyLoadingProxies</a:t>
-            </a:r>
-            <a:r>
-              <a:rPr lang="en-US" altLang="en-US" dirty="0">
-                <a:latin typeface="Source Code Pro" panose="020B0509030403020204" pitchFamily="49" charset="0"/>
-                <a:ea typeface="Source Code Pro" panose="020B0509030403020204" pitchFamily="49" charset="0"/>
-              </a:rPr>
-              <a:t>()</a:t>
-            </a:r>
-            <a:br>
-              <a:rPr lang="en-US" altLang="en-US" dirty="0">
-                <a:latin typeface="Source Code Pro" panose="020B0509030403020204" pitchFamily="49" charset="0"/>
-                <a:ea typeface="Source Code Pro" panose="020B0509030403020204" pitchFamily="49" charset="0"/>
-              </a:rPr>
-            </a:br>
-            <a:r>
-              <a:rPr lang="en-US" altLang="en-US" dirty="0">
-                <a:latin typeface="Source Code Pro" panose="020B0509030403020204" pitchFamily="49" charset="0"/>
-                <a:ea typeface="Source Code Pro" panose="020B0509030403020204" pitchFamily="49" charset="0"/>
-              </a:rPr>
-              <a:t>);</a:t>
-            </a:r>
-          </a:p>
-          <a:p>
-            <a:endParaRPr lang="en-US" sz="2400" dirty="0"/>
-          </a:p>
-        </p:txBody>
-      </p:sp>
-    </p:spTree>
-    <p:extLst>
-      <p:ext uri="{BB962C8B-B14F-4D97-AF65-F5344CB8AC3E}">
-        <p14:creationId xmlns:p14="http://schemas.microsoft.com/office/powerpoint/2010/main" val="599515757"/>
-      </p:ext>
-    </p:extLst>
-  </p:cSld>
-  <p:clrMapOvr>
-    <a:masterClrMapping/>
-  </p:clrMapOvr>
-</p:sld>
-</file>
-
-<file path=ppt/slides/slide27.xml><?xml version="1.0" encoding="utf-8"?>
-<p:sld xmlns:a="http://schemas.openxmlformats.org/drawingml/2006/main" xmlns:r="http://schemas.openxmlformats.org/officeDocument/2006/relationships" xmlns:p="http://schemas.openxmlformats.org/presentationml/2006/main">
-  <p:cSld>
-    <p:spTree>
-      <p:nvGrpSpPr>
-        <p:cNvPr id="1" name=""/>
-        <p:cNvGrpSpPr/>
-        <p:nvPr/>
-      </p:nvGrpSpPr>
-      <p:grpSpPr>
-        <a:xfrm>
-          <a:off x="0" y="0"/>
-          <a:ext cx="0" cy="0"/>
-          <a:chOff x="0" y="0"/>
-          <a:chExt cx="0" cy="0"/>
-        </a:xfrm>
-      </p:grpSpPr>
-      <p:sp>
-        <p:nvSpPr>
-          <p:cNvPr id="3" name="Title 2">
-            <a:extLst>
-              <a:ext uri="{FF2B5EF4-FFF2-40B4-BE49-F238E27FC236}">
-                <a16:creationId xmlns:a16="http://schemas.microsoft.com/office/drawing/2014/main" id="{E6D2B393-CA40-48D4-8928-7A42FC4D077D}"/>
-              </a:ext>
-            </a:extLst>
-          </p:cNvPr>
-          <p:cNvSpPr>
-            <a:spLocks noGrp="1"/>
-          </p:cNvSpPr>
-          <p:nvPr>
-            <p:ph type="title"/>
-          </p:nvPr>
-        </p:nvSpPr>
-        <p:spPr/>
-        <p:txBody>
-          <a:bodyPr/>
-          <a:lstStyle/>
-          <a:p>
-            <a:r>
-              <a:rPr lang="en-US" dirty="0"/>
-              <a:t>Lazy Loading Example: </a:t>
-            </a:r>
-            <a:r>
-              <a:rPr lang="en-US" dirty="0" err="1"/>
-              <a:t>ILazyLoader</a:t>
-            </a:r>
-            <a:endParaRPr lang="en-US" dirty="0"/>
-          </a:p>
-        </p:txBody>
-      </p:sp>
-      <p:sp>
-        <p:nvSpPr>
-          <p:cNvPr id="12" name="Rectangle 11">
-            <a:extLst>
-              <a:ext uri="{FF2B5EF4-FFF2-40B4-BE49-F238E27FC236}">
-                <a16:creationId xmlns:a16="http://schemas.microsoft.com/office/drawing/2014/main" id="{9252F5E7-DC45-4615-8728-E402351D680C}"/>
-              </a:ext>
-            </a:extLst>
-          </p:cNvPr>
-          <p:cNvSpPr/>
-          <p:nvPr/>
-        </p:nvSpPr>
-        <p:spPr>
-          <a:xfrm>
-            <a:off x="483160" y="1673990"/>
-            <a:ext cx="11371768" cy="3631763"/>
-          </a:xfrm>
-          <a:prstGeom prst="rect">
-            <a:avLst/>
-          </a:prstGeom>
-        </p:spPr>
-        <p:txBody>
-          <a:bodyPr wrap="square">
-            <a:spAutoFit/>
-          </a:bodyPr>
-          <a:lstStyle/>
-          <a:p>
-            <a:pPr marL="285750" indent="-285750">
-              <a:buFont typeface="Arial" panose="020B0604020202020204" pitchFamily="34" charset="0"/>
-              <a:buChar char="•"/>
-            </a:pPr>
-            <a:r>
-              <a:rPr lang="en-US" sz="2400" dirty="0"/>
-              <a:t>Install the </a:t>
-            </a:r>
-            <a:r>
-              <a:rPr lang="en-US" sz="2400" b="1" dirty="0" err="1"/>
-              <a:t>Microsoft.EntityFrameworkCore.Abstractions</a:t>
-            </a:r>
-            <a:r>
-              <a:rPr lang="en-US" sz="2400" b="1" dirty="0"/>
-              <a:t> </a:t>
-            </a:r>
-            <a:r>
-              <a:rPr lang="en-US" sz="2400" dirty="0"/>
-              <a:t>NuGet package</a:t>
-            </a:r>
-          </a:p>
-          <a:p>
-            <a:pPr lvl="1"/>
-            <a:endParaRPr lang="en-US" sz="2400" dirty="0"/>
-          </a:p>
-          <a:p>
-            <a:r>
-              <a:rPr lang="en-US" sz="2000" dirty="0">
-                <a:latin typeface="Source Code Pro" panose="020B0509030403020204" pitchFamily="49" charset="0"/>
-                <a:ea typeface="Source Code Pro" panose="020B0509030403020204" pitchFamily="49" charset="0"/>
-              </a:rPr>
-              <a:t>public void </a:t>
-            </a:r>
-            <a:r>
-              <a:rPr lang="en-US" sz="2000" dirty="0" err="1">
-                <a:latin typeface="Source Code Pro" panose="020B0509030403020204" pitchFamily="49" charset="0"/>
-                <a:ea typeface="Source Code Pro" panose="020B0509030403020204" pitchFamily="49" charset="0"/>
-              </a:rPr>
-              <a:t>ConfigureServices</a:t>
-            </a:r>
-            <a:r>
-              <a:rPr lang="en-US" sz="2000" dirty="0">
-                <a:latin typeface="Source Code Pro" panose="020B0509030403020204" pitchFamily="49" charset="0"/>
-                <a:ea typeface="Source Code Pro" panose="020B0509030403020204" pitchFamily="49" charset="0"/>
-              </a:rPr>
-              <a:t>(</a:t>
-            </a:r>
-            <a:r>
-              <a:rPr lang="en-US" sz="2000" dirty="0" err="1">
-                <a:latin typeface="Source Code Pro" panose="020B0509030403020204" pitchFamily="49" charset="0"/>
-                <a:ea typeface="Source Code Pro" panose="020B0509030403020204" pitchFamily="49" charset="0"/>
-              </a:rPr>
-              <a:t>IServiceCollection</a:t>
-            </a:r>
-            <a:r>
-              <a:rPr lang="en-US" sz="2000" dirty="0">
-                <a:latin typeface="Source Code Pro" panose="020B0509030403020204" pitchFamily="49" charset="0"/>
-                <a:ea typeface="Source Code Pro" panose="020B0509030403020204" pitchFamily="49" charset="0"/>
-              </a:rPr>
-              <a:t> services)</a:t>
-            </a:r>
-          </a:p>
-          <a:p>
-            <a:r>
-              <a:rPr lang="en-US" sz="2000" dirty="0">
-                <a:latin typeface="Source Code Pro" panose="020B0509030403020204" pitchFamily="49" charset="0"/>
-                <a:ea typeface="Source Code Pro" panose="020B0509030403020204" pitchFamily="49" charset="0"/>
-              </a:rPr>
-              <a:t>{</a:t>
-            </a:r>
-          </a:p>
-          <a:p>
-            <a:r>
-              <a:rPr lang="en-US" sz="2000" dirty="0">
-                <a:latin typeface="Source Code Pro" panose="020B0509030403020204" pitchFamily="49" charset="0"/>
-                <a:ea typeface="Source Code Pro" panose="020B0509030403020204" pitchFamily="49" charset="0"/>
-              </a:rPr>
-              <a:t>    </a:t>
-            </a:r>
-            <a:r>
-              <a:rPr lang="en-US" sz="2000" dirty="0" err="1">
-                <a:latin typeface="Source Code Pro" panose="020B0509030403020204" pitchFamily="49" charset="0"/>
-                <a:ea typeface="Source Code Pro" panose="020B0509030403020204" pitchFamily="49" charset="0"/>
-              </a:rPr>
-              <a:t>services.AddMemoryCache</a:t>
-            </a:r>
-            <a:r>
-              <a:rPr lang="en-US" sz="2000" dirty="0">
-                <a:latin typeface="Source Code Pro" panose="020B0509030403020204" pitchFamily="49" charset="0"/>
-                <a:ea typeface="Source Code Pro" panose="020B0509030403020204" pitchFamily="49" charset="0"/>
-              </a:rPr>
-              <a:t>();            </a:t>
-            </a:r>
-          </a:p>
-          <a:p>
-            <a:r>
-              <a:rPr lang="en-US" sz="2000" dirty="0">
-                <a:latin typeface="Source Code Pro" panose="020B0509030403020204" pitchFamily="49" charset="0"/>
-                <a:ea typeface="Source Code Pro" panose="020B0509030403020204" pitchFamily="49" charset="0"/>
-              </a:rPr>
-              <a:t>    </a:t>
-            </a:r>
-            <a:r>
-              <a:rPr lang="en-US" sz="2000" dirty="0" err="1">
-                <a:latin typeface="Source Code Pro" panose="020B0509030403020204" pitchFamily="49" charset="0"/>
-                <a:ea typeface="Source Code Pro" panose="020B0509030403020204" pitchFamily="49" charset="0"/>
-              </a:rPr>
-              <a:t>services.AddResponseCaching</a:t>
-            </a:r>
-            <a:r>
-              <a:rPr lang="en-US" sz="2000" dirty="0">
-                <a:latin typeface="Source Code Pro" panose="020B0509030403020204" pitchFamily="49" charset="0"/>
-                <a:ea typeface="Source Code Pro" panose="020B0509030403020204" pitchFamily="49" charset="0"/>
-              </a:rPr>
-              <a:t>();            </a:t>
-            </a:r>
-          </a:p>
-          <a:p>
-            <a:r>
-              <a:rPr lang="en-US" sz="2000" dirty="0">
-                <a:latin typeface="Source Code Pro" panose="020B0509030403020204" pitchFamily="49" charset="0"/>
-                <a:ea typeface="Source Code Pro" panose="020B0509030403020204" pitchFamily="49" charset="0"/>
-              </a:rPr>
-              <a:t>    </a:t>
-            </a:r>
-            <a:r>
-              <a:rPr lang="en-US" sz="2000" dirty="0" err="1">
-                <a:latin typeface="Source Code Pro" panose="020B0509030403020204" pitchFamily="49" charset="0"/>
-                <a:ea typeface="Source Code Pro" panose="020B0509030403020204" pitchFamily="49" charset="0"/>
-              </a:rPr>
-              <a:t>services.AddMvc</a:t>
-            </a:r>
-            <a:r>
-              <a:rPr lang="en-US" sz="2000" dirty="0">
-                <a:latin typeface="Source Code Pro" panose="020B0509030403020204" pitchFamily="49" charset="0"/>
-                <a:ea typeface="Source Code Pro" panose="020B0509030403020204" pitchFamily="49" charset="0"/>
-              </a:rPr>
-              <a:t>()</a:t>
-            </a:r>
-          </a:p>
-          <a:p>
-            <a:r>
-              <a:rPr lang="en-US" sz="2000" dirty="0">
-                <a:latin typeface="Source Code Pro" panose="020B0509030403020204" pitchFamily="49" charset="0"/>
-                <a:ea typeface="Source Code Pro" panose="020B0509030403020204" pitchFamily="49" charset="0"/>
-              </a:rPr>
-              <a:t>        .</a:t>
-            </a:r>
-            <a:r>
-              <a:rPr lang="en-US" sz="2000" dirty="0" err="1">
-                <a:latin typeface="Source Code Pro" panose="020B0509030403020204" pitchFamily="49" charset="0"/>
-                <a:ea typeface="Source Code Pro" panose="020B0509030403020204" pitchFamily="49" charset="0"/>
-              </a:rPr>
-              <a:t>AddFluentValidation</a:t>
-            </a:r>
-            <a:r>
-              <a:rPr lang="en-US" sz="2000" dirty="0">
-                <a:latin typeface="Source Code Pro" panose="020B0509030403020204" pitchFamily="49" charset="0"/>
-                <a:ea typeface="Source Code Pro" panose="020B0509030403020204" pitchFamily="49" charset="0"/>
-              </a:rPr>
-              <a:t>(</a:t>
-            </a:r>
-            <a:r>
-              <a:rPr lang="en-US" sz="2000" dirty="0" err="1">
-                <a:latin typeface="Source Code Pro" panose="020B0509030403020204" pitchFamily="49" charset="0"/>
-                <a:ea typeface="Source Code Pro" panose="020B0509030403020204" pitchFamily="49" charset="0"/>
-              </a:rPr>
-              <a:t>fvc</a:t>
-            </a:r>
-            <a:r>
-              <a:rPr lang="en-US" sz="2000" dirty="0">
-                <a:latin typeface="Source Code Pro" panose="020B0509030403020204" pitchFamily="49" charset="0"/>
-                <a:ea typeface="Source Code Pro" panose="020B0509030403020204" pitchFamily="49" charset="0"/>
-              </a:rPr>
-              <a:t> =&gt; 	</a:t>
-            </a:r>
-            <a:r>
-              <a:rPr lang="en-US" sz="2000" dirty="0" err="1">
-                <a:latin typeface="Source Code Pro" panose="020B0509030403020204" pitchFamily="49" charset="0"/>
-                <a:ea typeface="Source Code Pro" panose="020B0509030403020204" pitchFamily="49" charset="0"/>
-              </a:rPr>
-              <a:t>fvc.RegisterValidatorsFromAssemblyContaining</a:t>
-            </a:r>
-            <a:r>
-              <a:rPr lang="en-US" sz="2000" dirty="0">
-                <a:latin typeface="Source Code Pro" panose="020B0509030403020204" pitchFamily="49" charset="0"/>
-                <a:ea typeface="Source Code Pro" panose="020B0509030403020204" pitchFamily="49" charset="0"/>
-              </a:rPr>
-              <a:t>&lt;Startup&gt;());</a:t>
-            </a:r>
-          </a:p>
-          <a:p>
-            <a:r>
-              <a:rPr lang="en-US" sz="2000" dirty="0">
-                <a:latin typeface="Source Code Pro" panose="020B0509030403020204" pitchFamily="49" charset="0"/>
-                <a:ea typeface="Source Code Pro" panose="020B0509030403020204" pitchFamily="49" charset="0"/>
-              </a:rPr>
-              <a:t>}</a:t>
-            </a:r>
-          </a:p>
-          <a:p>
-            <a:endParaRPr lang="en-US" sz="2400" dirty="0"/>
-          </a:p>
-        </p:txBody>
-      </p:sp>
-    </p:spTree>
-    <p:extLst>
-      <p:ext uri="{BB962C8B-B14F-4D97-AF65-F5344CB8AC3E}">
-        <p14:creationId xmlns:p14="http://schemas.microsoft.com/office/powerpoint/2010/main" val="1590453666"/>
-      </p:ext>
-    </p:extLst>
-  </p:cSld>
-  <p:clrMapOvr>
-    <a:masterClrMapping/>
-  </p:clrMapOvr>
-</p:sld>
-</file>
-
-<file path=ppt/slides/slide28.xml><?xml version="1.0" encoding="utf-8"?>
-<p:sld xmlns:a="http://schemas.openxmlformats.org/drawingml/2006/main" xmlns:r="http://schemas.openxmlformats.org/officeDocument/2006/relationships" xmlns:p="http://schemas.openxmlformats.org/presentationml/2006/main">
-  <p:cSld>
-    <p:spTree>
-      <p:nvGrpSpPr>
-        <p:cNvPr id="1" name=""/>
-        <p:cNvGrpSpPr/>
-        <p:nvPr/>
-      </p:nvGrpSpPr>
-      <p:grpSpPr>
-        <a:xfrm>
-          <a:off x="0" y="0"/>
-          <a:ext cx="0" cy="0"/>
-          <a:chOff x="0" y="0"/>
-          <a:chExt cx="0" cy="0"/>
-        </a:xfrm>
-      </p:grpSpPr>
-      <p:sp>
-        <p:nvSpPr>
-          <p:cNvPr id="2" name="Title 1">
-            <a:extLst>
-              <a:ext uri="{FF2B5EF4-FFF2-40B4-BE49-F238E27FC236}">
-                <a16:creationId xmlns:a16="http://schemas.microsoft.com/office/drawing/2014/main" id="{343202FE-3DFD-43F9-85B7-A72BE1899BAB}"/>
-              </a:ext>
-            </a:extLst>
-          </p:cNvPr>
-          <p:cNvSpPr>
-            <a:spLocks noGrp="1"/>
-          </p:cNvSpPr>
-          <p:nvPr>
-            <p:ph type="title"/>
-          </p:nvPr>
-        </p:nvSpPr>
-        <p:spPr/>
-        <p:txBody>
-          <a:bodyPr/>
-          <a:lstStyle/>
-          <a:p>
-            <a:r>
-              <a:rPr lang="en-US" dirty="0"/>
-              <a:t>Lazy Loading Example: </a:t>
-            </a:r>
-            <a:r>
-              <a:rPr lang="en-US" dirty="0" err="1"/>
-              <a:t>ILazyLoader</a:t>
-            </a:r>
-            <a:endParaRPr lang="en-US" dirty="0"/>
-          </a:p>
-        </p:txBody>
-      </p:sp>
-      <p:sp>
-        <p:nvSpPr>
-          <p:cNvPr id="3" name="Rectangle 2">
-            <a:extLst>
-              <a:ext uri="{FF2B5EF4-FFF2-40B4-BE49-F238E27FC236}">
-                <a16:creationId xmlns:a16="http://schemas.microsoft.com/office/drawing/2014/main" id="{A2B11623-3865-4103-AE06-D5A64C9C19CE}"/>
-              </a:ext>
-            </a:extLst>
-          </p:cNvPr>
-          <p:cNvSpPr/>
-          <p:nvPr/>
-        </p:nvSpPr>
-        <p:spPr>
-          <a:xfrm>
-            <a:off x="429371" y="1152244"/>
-            <a:ext cx="11036481" cy="5262979"/>
-          </a:xfrm>
-          <a:prstGeom prst="rect">
-            <a:avLst/>
-          </a:prstGeom>
-        </p:spPr>
-        <p:txBody>
-          <a:bodyPr wrap="square">
-            <a:spAutoFit/>
-          </a:bodyPr>
-          <a:lstStyle/>
-          <a:p>
-            <a:pPr lvl="0" eaLnBrk="0" fontAlgn="base" hangingPunct="0">
-              <a:spcBef>
-                <a:spcPct val="0"/>
-              </a:spcBef>
-              <a:spcAft>
-                <a:spcPct val="0"/>
-              </a:spcAft>
-            </a:pPr>
-            <a:r>
-              <a:rPr lang="en-US" altLang="en-US" sz="1600" dirty="0">
-                <a:latin typeface="Source Code Pro" panose="020B0509030403020204" pitchFamily="49" charset="0"/>
-              </a:rPr>
-              <a:t>Public class Album</a:t>
-            </a:r>
-          </a:p>
-          <a:p>
-            <a:pPr lvl="0" eaLnBrk="0" fontAlgn="base" hangingPunct="0">
-              <a:spcBef>
-                <a:spcPct val="0"/>
-              </a:spcBef>
-              <a:spcAft>
-                <a:spcPct val="0"/>
-              </a:spcAft>
-            </a:pPr>
-            <a:r>
-              <a:rPr lang="en-US" altLang="en-US" sz="1600" dirty="0">
-                <a:latin typeface="Source Code Pro" panose="020B0509030403020204" pitchFamily="49" charset="0"/>
-              </a:rPr>
-              <a:t>{</a:t>
-            </a:r>
-          </a:p>
-          <a:p>
-            <a:pPr lvl="1" eaLnBrk="0" fontAlgn="base" hangingPunct="0">
-              <a:spcBef>
-                <a:spcPct val="0"/>
-              </a:spcBef>
-              <a:spcAft>
-                <a:spcPct val="0"/>
-              </a:spcAft>
-            </a:pPr>
-            <a:r>
-              <a:rPr lang="en-US" altLang="en-US" sz="1600" dirty="0">
-                <a:latin typeface="Source Code Pro" panose="020B0509030403020204" pitchFamily="49" charset="0"/>
-              </a:rPr>
-              <a:t>private </a:t>
-            </a:r>
-            <a:r>
-              <a:rPr lang="en-US" altLang="en-US" sz="1600" dirty="0" err="1">
-                <a:latin typeface="Source Code Pro" panose="020B0509030403020204" pitchFamily="49" charset="0"/>
-              </a:rPr>
-              <a:t>readonly</a:t>
-            </a:r>
-            <a:r>
-              <a:rPr lang="en-US" altLang="en-US" sz="1600" dirty="0">
-                <a:latin typeface="Source Code Pro" panose="020B0509030403020204" pitchFamily="49" charset="0"/>
-              </a:rPr>
-              <a:t> </a:t>
-            </a:r>
-            <a:r>
-              <a:rPr lang="en-US" altLang="en-US" sz="1600" dirty="0" err="1">
-                <a:latin typeface="Source Code Pro" panose="020B0509030403020204" pitchFamily="49" charset="0"/>
-              </a:rPr>
-              <a:t>ILazyLoader</a:t>
-            </a:r>
-            <a:r>
-              <a:rPr lang="en-US" altLang="en-US" sz="1600" dirty="0">
-                <a:latin typeface="Source Code Pro" panose="020B0509030403020204" pitchFamily="49" charset="0"/>
-              </a:rPr>
-              <a:t> _</a:t>
-            </a:r>
-            <a:r>
-              <a:rPr lang="en-US" altLang="en-US" sz="1600" dirty="0" err="1">
-                <a:latin typeface="Source Code Pro" panose="020B0509030403020204" pitchFamily="49" charset="0"/>
-              </a:rPr>
-              <a:t>lazyLoader</a:t>
-            </a:r>
-            <a:r>
-              <a:rPr lang="en-US" altLang="en-US" sz="1600" dirty="0">
-                <a:latin typeface="Source Code Pro" panose="020B0509030403020204" pitchFamily="49" charset="0"/>
-              </a:rPr>
-              <a:t>;</a:t>
-            </a:r>
-            <a:br>
-              <a:rPr lang="en-US" altLang="en-US" sz="1600" dirty="0">
-                <a:latin typeface="Source Code Pro" panose="020B0509030403020204" pitchFamily="49" charset="0"/>
-              </a:rPr>
-            </a:br>
-            <a:r>
-              <a:rPr lang="en-US" altLang="en-US" sz="1600" dirty="0">
-                <a:latin typeface="Source Code Pro" panose="020B0509030403020204" pitchFamily="49" charset="0"/>
-              </a:rPr>
-              <a:t>private Artist _artist;</a:t>
-            </a:r>
-            <a:br>
-              <a:rPr lang="en-US" altLang="en-US" sz="1600" dirty="0">
-                <a:latin typeface="Source Code Pro" panose="020B0509030403020204" pitchFamily="49" charset="0"/>
-              </a:rPr>
-            </a:br>
-            <a:r>
-              <a:rPr lang="en-US" altLang="en-US" sz="1600" dirty="0">
-                <a:latin typeface="Source Code Pro" panose="020B0509030403020204" pitchFamily="49" charset="0"/>
-              </a:rPr>
-              <a:t>...</a:t>
-            </a:r>
-            <a:br>
-              <a:rPr lang="en-US" altLang="en-US" sz="1600" dirty="0">
-                <a:latin typeface="Source Code Pro" panose="020B0509030403020204" pitchFamily="49" charset="0"/>
-              </a:rPr>
-            </a:br>
-            <a:br>
-              <a:rPr lang="en-US" altLang="en-US" sz="1600" dirty="0">
-                <a:latin typeface="Source Code Pro" panose="020B0509030403020204" pitchFamily="49" charset="0"/>
-              </a:rPr>
-            </a:br>
-            <a:r>
-              <a:rPr lang="en-US" altLang="en-US" sz="1600" dirty="0">
-                <a:latin typeface="Source Code Pro" panose="020B0509030403020204" pitchFamily="49" charset="0"/>
-              </a:rPr>
-              <a:t>public Album(</a:t>
-            </a:r>
-            <a:r>
-              <a:rPr lang="en-US" altLang="en-US" sz="1600" dirty="0" err="1">
-                <a:latin typeface="Source Code Pro" panose="020B0509030403020204" pitchFamily="49" charset="0"/>
-              </a:rPr>
-              <a:t>ILazyLoader</a:t>
-            </a:r>
-            <a:r>
-              <a:rPr lang="en-US" altLang="en-US" sz="1600" dirty="0">
-                <a:latin typeface="Source Code Pro" panose="020B0509030403020204" pitchFamily="49" charset="0"/>
-              </a:rPr>
-              <a:t> </a:t>
-            </a:r>
-            <a:r>
-              <a:rPr lang="en-US" altLang="en-US" sz="1600" dirty="0" err="1">
-                <a:latin typeface="Source Code Pro" panose="020B0509030403020204" pitchFamily="49" charset="0"/>
-              </a:rPr>
-              <a:t>lazyLoader</a:t>
-            </a:r>
-            <a:r>
-              <a:rPr lang="en-US" altLang="en-US" sz="1600" dirty="0">
-                <a:latin typeface="Source Code Pro" panose="020B0509030403020204" pitchFamily="49" charset="0"/>
-              </a:rPr>
-              <a:t>)</a:t>
-            </a:r>
-            <a:br>
-              <a:rPr lang="en-US" altLang="en-US" sz="1600" dirty="0">
-                <a:latin typeface="Source Code Pro" panose="020B0509030403020204" pitchFamily="49" charset="0"/>
-              </a:rPr>
-            </a:br>
-            <a:r>
-              <a:rPr lang="en-US" altLang="en-US" sz="1600" dirty="0">
-                <a:latin typeface="Source Code Pro" panose="020B0509030403020204" pitchFamily="49" charset="0"/>
-              </a:rPr>
-              <a:t>{</a:t>
-            </a:r>
-            <a:br>
-              <a:rPr lang="en-US" altLang="en-US" sz="1600" dirty="0">
-                <a:latin typeface="Source Code Pro" panose="020B0509030403020204" pitchFamily="49" charset="0"/>
-              </a:rPr>
-            </a:br>
-            <a:r>
-              <a:rPr lang="en-US" altLang="en-US" sz="1600" dirty="0">
-                <a:latin typeface="Source Code Pro" panose="020B0509030403020204" pitchFamily="49" charset="0"/>
-              </a:rPr>
-              <a:t>    _</a:t>
-            </a:r>
-            <a:r>
-              <a:rPr lang="en-US" altLang="en-US" sz="1600" dirty="0" err="1">
-                <a:latin typeface="Source Code Pro" panose="020B0509030403020204" pitchFamily="49" charset="0"/>
-              </a:rPr>
-              <a:t>lazyLoader</a:t>
-            </a:r>
-            <a:r>
-              <a:rPr lang="en-US" altLang="en-US" sz="1600" dirty="0">
-                <a:latin typeface="Source Code Pro" panose="020B0509030403020204" pitchFamily="49" charset="0"/>
-              </a:rPr>
-              <a:t> = </a:t>
-            </a:r>
-            <a:r>
-              <a:rPr lang="en-US" altLang="en-US" sz="1600" dirty="0" err="1">
-                <a:latin typeface="Source Code Pro" panose="020B0509030403020204" pitchFamily="49" charset="0"/>
-              </a:rPr>
-              <a:t>lazyLoader</a:t>
-            </a:r>
-            <a:r>
-              <a:rPr lang="en-US" altLang="en-US" sz="1600" dirty="0">
-                <a:latin typeface="Source Code Pro" panose="020B0509030403020204" pitchFamily="49" charset="0"/>
-              </a:rPr>
-              <a:t>;</a:t>
-            </a:r>
-            <a:br>
-              <a:rPr lang="en-US" altLang="en-US" sz="1600" dirty="0">
-                <a:latin typeface="Source Code Pro" panose="020B0509030403020204" pitchFamily="49" charset="0"/>
-              </a:rPr>
-            </a:br>
-            <a:r>
-              <a:rPr lang="en-US" altLang="en-US" sz="1600" dirty="0">
-                <a:latin typeface="Source Code Pro" panose="020B0509030403020204" pitchFamily="49" charset="0"/>
-              </a:rPr>
-              <a:t>}</a:t>
-            </a:r>
-            <a:br>
-              <a:rPr lang="en-US" altLang="en-US" sz="1600" dirty="0">
-                <a:latin typeface="Source Code Pro" panose="020B0509030403020204" pitchFamily="49" charset="0"/>
-              </a:rPr>
-            </a:br>
-            <a:br>
-              <a:rPr lang="en-US" altLang="en-US" sz="1600" dirty="0">
-                <a:latin typeface="Source Code Pro" panose="020B0509030403020204" pitchFamily="49" charset="0"/>
-              </a:rPr>
-            </a:br>
-            <a:r>
-              <a:rPr lang="en-US" altLang="en-US" sz="1600" dirty="0">
-                <a:latin typeface="Source Code Pro" panose="020B0509030403020204" pitchFamily="49" charset="0"/>
-              </a:rPr>
-              <a:t>public int </a:t>
-            </a:r>
-            <a:r>
-              <a:rPr lang="en-US" altLang="en-US" sz="1600" dirty="0" err="1">
-                <a:latin typeface="Source Code Pro" panose="020B0509030403020204" pitchFamily="49" charset="0"/>
-              </a:rPr>
-              <a:t>AlbumId</a:t>
-            </a:r>
-            <a:r>
-              <a:rPr lang="en-US" altLang="en-US" sz="1600" dirty="0">
-                <a:latin typeface="Source Code Pro" panose="020B0509030403020204" pitchFamily="49" charset="0"/>
-              </a:rPr>
-              <a:t> { get; set; }</a:t>
-            </a:r>
-            <a:br>
-              <a:rPr lang="en-US" altLang="en-US" sz="1600" dirty="0">
-                <a:latin typeface="Source Code Pro" panose="020B0509030403020204" pitchFamily="49" charset="0"/>
-              </a:rPr>
-            </a:br>
-            <a:r>
-              <a:rPr lang="en-US" altLang="en-US" sz="1600" dirty="0">
-                <a:latin typeface="Source Code Pro" panose="020B0509030403020204" pitchFamily="49" charset="0"/>
-              </a:rPr>
-              <a:t>public int ArtistId { get; set; }</a:t>
-            </a:r>
-            <a:br>
-              <a:rPr lang="en-US" altLang="en-US" sz="1600" dirty="0">
-                <a:latin typeface="Source Code Pro" panose="020B0509030403020204" pitchFamily="49" charset="0"/>
-              </a:rPr>
-            </a:br>
-            <a:r>
-              <a:rPr lang="en-US" altLang="en-US" sz="1600" dirty="0">
-                <a:latin typeface="Source Code Pro" panose="020B0509030403020204" pitchFamily="49" charset="0"/>
-              </a:rPr>
-              <a:t>...</a:t>
-            </a:r>
-            <a:br>
-              <a:rPr lang="en-US" altLang="en-US" sz="1600" dirty="0">
-                <a:latin typeface="Source Code Pro" panose="020B0509030403020204" pitchFamily="49" charset="0"/>
-              </a:rPr>
-            </a:br>
-            <a:br>
-              <a:rPr lang="en-US" altLang="en-US" sz="1600" dirty="0">
-                <a:latin typeface="Source Code Pro" panose="020B0509030403020204" pitchFamily="49" charset="0"/>
-              </a:rPr>
-            </a:br>
-            <a:r>
-              <a:rPr lang="en-US" altLang="en-US" sz="1600" dirty="0">
-                <a:latin typeface="Source Code Pro" panose="020B0509030403020204" pitchFamily="49" charset="0"/>
-              </a:rPr>
-              <a:t>public Artist </a:t>
-            </a:r>
-            <a:r>
-              <a:rPr lang="en-US" altLang="en-US" sz="1600" dirty="0" err="1">
-                <a:latin typeface="Source Code Pro" panose="020B0509030403020204" pitchFamily="49" charset="0"/>
-              </a:rPr>
-              <a:t>Artist</a:t>
-            </a:r>
-            <a:br>
-              <a:rPr lang="en-US" altLang="en-US" sz="1600" dirty="0">
-                <a:latin typeface="Source Code Pro" panose="020B0509030403020204" pitchFamily="49" charset="0"/>
-              </a:rPr>
-            </a:br>
-            <a:r>
-              <a:rPr lang="en-US" altLang="en-US" sz="1600" dirty="0">
-                <a:latin typeface="Source Code Pro" panose="020B0509030403020204" pitchFamily="49" charset="0"/>
-              </a:rPr>
-              <a:t>{</a:t>
-            </a:r>
-            <a:br>
-              <a:rPr lang="en-US" altLang="en-US" sz="1600" dirty="0">
-                <a:latin typeface="Source Code Pro" panose="020B0509030403020204" pitchFamily="49" charset="0"/>
-              </a:rPr>
-            </a:br>
-            <a:r>
-              <a:rPr lang="en-US" altLang="en-US" sz="1600" dirty="0">
-                <a:latin typeface="Source Code Pro" panose="020B0509030403020204" pitchFamily="49" charset="0"/>
-              </a:rPr>
-              <a:t>    get =&gt; _</a:t>
-            </a:r>
-            <a:r>
-              <a:rPr lang="en-US" altLang="en-US" sz="1600" dirty="0" err="1">
-                <a:latin typeface="Source Code Pro" panose="020B0509030403020204" pitchFamily="49" charset="0"/>
-              </a:rPr>
-              <a:t>lazyLoader.Load</a:t>
-            </a:r>
-            <a:r>
-              <a:rPr lang="en-US" altLang="en-US" sz="1600" dirty="0">
-                <a:latin typeface="Source Code Pro" panose="020B0509030403020204" pitchFamily="49" charset="0"/>
-              </a:rPr>
-              <a:t>(this, ref _artist);</a:t>
-            </a:r>
-            <a:br>
-              <a:rPr lang="en-US" altLang="en-US" sz="1600" dirty="0">
-                <a:latin typeface="Source Code Pro" panose="020B0509030403020204" pitchFamily="49" charset="0"/>
-              </a:rPr>
-            </a:br>
-            <a:r>
-              <a:rPr lang="en-US" altLang="en-US" sz="1600" dirty="0">
-                <a:latin typeface="Source Code Pro" panose="020B0509030403020204" pitchFamily="49" charset="0"/>
-              </a:rPr>
-              <a:t>    set =&gt; _artist = value;</a:t>
-            </a:r>
-            <a:br>
-              <a:rPr lang="en-US" altLang="en-US" sz="1600" dirty="0">
-                <a:latin typeface="Source Code Pro" panose="020B0509030403020204" pitchFamily="49" charset="0"/>
-              </a:rPr>
-            </a:br>
-            <a:r>
-              <a:rPr lang="en-US" altLang="en-US" sz="1600" dirty="0">
-                <a:latin typeface="Source Code Pro" panose="020B0509030403020204" pitchFamily="49" charset="0"/>
-              </a:rPr>
-              <a:t>}</a:t>
-            </a:r>
-          </a:p>
-          <a:p>
-            <a:pPr lvl="0" eaLnBrk="0" fontAlgn="base" hangingPunct="0">
-              <a:spcBef>
-                <a:spcPct val="0"/>
-              </a:spcBef>
-              <a:spcAft>
-                <a:spcPct val="0"/>
-              </a:spcAft>
-            </a:pPr>
-            <a:r>
-              <a:rPr lang="en-US" altLang="en-US" sz="1600" dirty="0">
-                <a:latin typeface="Source Code Pro" panose="020B0509030403020204" pitchFamily="49" charset="0"/>
-              </a:rPr>
-              <a:t>}</a:t>
-            </a:r>
-            <a:endParaRPr lang="en-US" altLang="en-US" sz="2400" dirty="0">
-              <a:latin typeface="Arial" panose="020B0604020202020204" pitchFamily="34" charset="0"/>
-            </a:endParaRPr>
-          </a:p>
-        </p:txBody>
-      </p:sp>
-    </p:spTree>
-    <p:extLst>
-      <p:ext uri="{BB962C8B-B14F-4D97-AF65-F5344CB8AC3E}">
-        <p14:creationId xmlns:p14="http://schemas.microsoft.com/office/powerpoint/2010/main" val="4267141648"/>
-      </p:ext>
-    </p:extLst>
-  </p:cSld>
-  <p:clrMapOvr>
-    <a:masterClrMapping/>
-  </p:clrMapOvr>
-</p:sld>
-</file>
-
-<file path=ppt/slides/slide29.xml><?xml version="1.0" encoding="utf-8"?>
-<p:sld xmlns:a="http://schemas.openxmlformats.org/drawingml/2006/main" xmlns:r="http://schemas.openxmlformats.org/officeDocument/2006/relationships" xmlns:p="http://schemas.openxmlformats.org/presentationml/2006/main">
-  <p:cSld>
-    <p:spTree>
-      <p:nvGrpSpPr>
-        <p:cNvPr id="1" name=""/>
-        <p:cNvGrpSpPr/>
-        <p:nvPr/>
-      </p:nvGrpSpPr>
-      <p:grpSpPr>
-        <a:xfrm>
-          <a:off x="0" y="0"/>
-          <a:ext cx="0" cy="0"/>
-          <a:chOff x="0" y="0"/>
-          <a:chExt cx="0" cy="0"/>
-        </a:xfrm>
-      </p:grpSpPr>
-      <p:sp>
-        <p:nvSpPr>
-          <p:cNvPr id="4" name="Title 3"/>
-          <p:cNvSpPr>
-            <a:spLocks noGrp="1"/>
-          </p:cNvSpPr>
-          <p:nvPr>
-            <p:ph type="ctrTitle"/>
-          </p:nvPr>
-        </p:nvSpPr>
-        <p:spPr/>
-        <p:txBody>
-          <a:bodyPr/>
-          <a:lstStyle/>
-          <a:p>
-            <a:r>
-              <a:rPr lang="en-US" dirty="0"/>
-              <a:t>Demo</a:t>
-            </a:r>
-          </a:p>
-        </p:txBody>
-      </p:sp>
-      <p:sp>
-        <p:nvSpPr>
-          <p:cNvPr id="5" name="Subtitle 4"/>
-          <p:cNvSpPr>
-            <a:spLocks noGrp="1"/>
-          </p:cNvSpPr>
-          <p:nvPr>
-            <p:ph type="subTitle" idx="1"/>
-          </p:nvPr>
-        </p:nvSpPr>
-        <p:spPr/>
-        <p:txBody>
-          <a:bodyPr/>
-          <a:lstStyle/>
-          <a:p>
-            <a:r>
-              <a:rPr lang="en-US" dirty="0"/>
-              <a:t>Lazy Loading</a:t>
-            </a:r>
-          </a:p>
-        </p:txBody>
-      </p:sp>
-    </p:spTree>
-    <p:extLst>
-      <p:ext uri="{BB962C8B-B14F-4D97-AF65-F5344CB8AC3E}">
-        <p14:creationId xmlns:p14="http://schemas.microsoft.com/office/powerpoint/2010/main" val="497338400"/>
-      </p:ext>
-    </p:extLst>
-  </p:cSld>
-  <p:clrMapOvr>
-    <a:masterClrMapping/>
-  </p:clrMapOvr>
-</p:sld>
-</file>
-
-<file path=ppt/slides/slide3.xml><?xml version="1.0" encoding="utf-8"?>
-<p:sld xmlns:a="http://schemas.openxmlformats.org/drawingml/2006/main" xmlns:r="http://schemas.openxmlformats.org/officeDocument/2006/relationships" xmlns:p="http://schemas.openxmlformats.org/presentationml/2006/main">
-  <p:cSld>
-    <p:spTree>
-      <p:nvGrpSpPr>
-        <p:cNvPr id="1" name=""/>
-        <p:cNvGrpSpPr/>
-        <p:nvPr/>
-      </p:nvGrpSpPr>
-      <p:grpSpPr>
-        <a:xfrm>
-          <a:off x="0" y="0"/>
-          <a:ext cx="0" cy="0"/>
-          <a:chOff x="0" y="0"/>
-          <a:chExt cx="0" cy="0"/>
-        </a:xfrm>
-      </p:grpSpPr>
-      <p:sp>
-        <p:nvSpPr>
-          <p:cNvPr id="7" name="Content Placeholder 6"/>
-          <p:cNvSpPr>
-            <a:spLocks noGrp="1"/>
-          </p:cNvSpPr>
-          <p:nvPr>
-            <p:ph sz="quarter" idx="10"/>
-          </p:nvPr>
-        </p:nvSpPr>
-        <p:spPr>
-          <a:xfrm>
-            <a:off x="429371" y="1941922"/>
-            <a:ext cx="5830027" cy="3263869"/>
-          </a:xfrm>
-        </p:spPr>
-        <p:txBody>
-          <a:bodyPr/>
-          <a:lstStyle/>
-          <a:p>
-            <a:r>
-              <a:rPr lang="en-US" dirty="0"/>
-              <a:t>LINQ Like Function</a:t>
-            </a:r>
-          </a:p>
-          <a:p>
-            <a:r>
-              <a:rPr lang="en-US" dirty="0"/>
-              <a:t>Owned Entities</a:t>
-            </a:r>
-          </a:p>
-          <a:p>
-            <a:r>
-              <a:rPr lang="en-US" dirty="0"/>
-              <a:t>Global Query Filters</a:t>
-            </a:r>
-          </a:p>
-          <a:p>
-            <a:r>
-              <a:rPr lang="en-US" dirty="0"/>
-              <a:t>DbContext Pooling</a:t>
-            </a:r>
-          </a:p>
-          <a:p>
-            <a:r>
-              <a:rPr lang="en-US" dirty="0"/>
-              <a:t>String interpolation in raw SQL methods</a:t>
-            </a:r>
-          </a:p>
-          <a:p>
-            <a:r>
-              <a:rPr lang="en-US" dirty="0"/>
-              <a:t>Explicitly compiled queries</a:t>
-            </a:r>
-          </a:p>
-        </p:txBody>
-      </p:sp>
-      <p:sp>
-        <p:nvSpPr>
-          <p:cNvPr id="2" name="Title 1"/>
-          <p:cNvSpPr>
-            <a:spLocks noGrp="1"/>
-          </p:cNvSpPr>
-          <p:nvPr>
-            <p:ph type="title"/>
-          </p:nvPr>
-        </p:nvSpPr>
-        <p:spPr/>
-        <p:txBody>
-          <a:bodyPr/>
-          <a:lstStyle/>
-          <a:p>
-            <a:r>
-              <a:rPr lang="en-US"/>
-              <a:t>Agenda</a:t>
-            </a:r>
-            <a:endParaRPr lang="en-US" dirty="0"/>
-          </a:p>
-        </p:txBody>
-      </p:sp>
-      <p:sp>
-        <p:nvSpPr>
-          <p:cNvPr id="5" name="Content Placeholder 4"/>
-          <p:cNvSpPr>
-            <a:spLocks noGrp="1"/>
-          </p:cNvSpPr>
-          <p:nvPr>
-            <p:ph sz="quarter" idx="11"/>
-          </p:nvPr>
-        </p:nvSpPr>
-        <p:spPr/>
-        <p:txBody>
-          <a:bodyPr/>
-          <a:lstStyle/>
-          <a:p>
-            <a:pPr lvl="0"/>
-            <a:endParaRPr lang="en-US" dirty="0"/>
-          </a:p>
-        </p:txBody>
-      </p:sp>
-      <p:sp>
-        <p:nvSpPr>
-          <p:cNvPr id="6" name="Content Placeholder 6">
-            <a:extLst>
-              <a:ext uri="{FF2B5EF4-FFF2-40B4-BE49-F238E27FC236}">
-                <a16:creationId xmlns:a16="http://schemas.microsoft.com/office/drawing/2014/main" id="{BAAACD46-6589-499B-9D84-0E4B4C8ED697}"/>
-              </a:ext>
-            </a:extLst>
-          </p:cNvPr>
-          <p:cNvSpPr txBox="1">
-            <a:spLocks/>
-          </p:cNvSpPr>
-          <p:nvPr/>
-        </p:nvSpPr>
-        <p:spPr>
-          <a:xfrm>
-            <a:off x="6259398" y="1941923"/>
-            <a:ext cx="5830027" cy="3263868"/>
-          </a:xfrm>
-          <a:prstGeom prst="rect">
-            <a:avLst/>
-          </a:prstGeom>
-        </p:spPr>
-        <p:txBody>
-          <a:bodyPr vert="horz" lIns="91440" tIns="45720" rIns="91440" bIns="45720" rtlCol="0">
-            <a:noAutofit/>
-          </a:bodyPr>
-          <a:lstStyle>
-            <a:lvl1pPr marL="309026" marR="0" indent="-309026" algn="l" defTabSz="1219170" rtl="0" eaLnBrk="1" fontAlgn="auto" latinLnBrk="0" hangingPunct="1">
-              <a:lnSpc>
-                <a:spcPct val="100000"/>
-              </a:lnSpc>
-              <a:spcBef>
-                <a:spcPct val="20000"/>
-              </a:spcBef>
-              <a:spcAft>
-                <a:spcPts val="0"/>
-              </a:spcAft>
-              <a:buClr>
-                <a:schemeClr val="accent3"/>
-              </a:buClr>
-              <a:buSzTx/>
-              <a:buFont typeface="Arial" charset="0"/>
-              <a:buChar char="•"/>
-              <a:tabLst/>
-              <a:defRPr sz="2400" b="0" i="0" kern="1200">
-                <a:solidFill>
-                  <a:schemeClr val="tx1"/>
-                </a:solidFill>
-                <a:latin typeface="Segoe UI Semilight" panose="020B0402040204020203" pitchFamily="34" charset="0"/>
-                <a:ea typeface="+mn-ea"/>
-                <a:cs typeface="Segoe UI Semilight" panose="020B0402040204020203" pitchFamily="34" charset="0"/>
-              </a:defRPr>
-            </a:lvl1pPr>
-            <a:lvl2pPr marL="457189" indent="-457189" algn="l" defTabSz="1219170" rtl="0" eaLnBrk="1" latinLnBrk="0" hangingPunct="1">
-              <a:spcBef>
-                <a:spcPct val="20000"/>
-              </a:spcBef>
-              <a:buClr>
-                <a:srgbClr val="0090D2"/>
-              </a:buClr>
-              <a:buFont typeface="Arial"/>
-              <a:buChar char="•"/>
-              <a:defRPr lang="en-US" sz="2667" b="0" i="0" kern="1200">
-                <a:solidFill>
-                  <a:srgbClr val="58585A"/>
-                </a:solidFill>
-                <a:latin typeface="+mn-lt"/>
-                <a:ea typeface="+mn-ea"/>
-                <a:cs typeface="Segoe UI Semilight" panose="020B0402040204020203" pitchFamily="34" charset="0"/>
-              </a:defRPr>
-            </a:lvl2pPr>
-            <a:lvl3pPr marL="850879" indent="-457189" algn="l" defTabSz="1219170" rtl="0" eaLnBrk="1" latinLnBrk="0" hangingPunct="1">
-              <a:spcBef>
-                <a:spcPct val="20000"/>
-              </a:spcBef>
-              <a:buClr>
-                <a:srgbClr val="0090D2"/>
-              </a:buClr>
-              <a:buFont typeface="Arial"/>
-              <a:buChar char="•"/>
-              <a:defRPr lang="en-US" sz="2400" b="0" i="0" kern="1200">
-                <a:solidFill>
-                  <a:srgbClr val="58585A"/>
-                </a:solidFill>
-                <a:latin typeface="+mn-lt"/>
-                <a:ea typeface="+mn-ea"/>
-                <a:cs typeface="Segoe UI Semilight" panose="020B0402040204020203" pitchFamily="34" charset="0"/>
-              </a:defRPr>
-            </a:lvl3pPr>
-            <a:lvl4pPr marL="1229753" indent="-457189" algn="l" defTabSz="1219170" rtl="0" eaLnBrk="1" latinLnBrk="0" hangingPunct="1">
-              <a:spcBef>
-                <a:spcPct val="20000"/>
-              </a:spcBef>
-              <a:buClr>
-                <a:srgbClr val="0090D2"/>
-              </a:buClr>
-              <a:buFont typeface="Arial"/>
-              <a:buChar char="•"/>
-              <a:defRPr lang="en-US" sz="2400" b="0" i="0" kern="1200">
-                <a:solidFill>
-                  <a:srgbClr val="58585A"/>
-                </a:solidFill>
-                <a:latin typeface="+mn-lt"/>
-                <a:ea typeface="+mn-ea"/>
-                <a:cs typeface="Segoe UI Semilight" panose="020B0402040204020203" pitchFamily="34" charset="0"/>
-              </a:defRPr>
-            </a:lvl4pPr>
-            <a:lvl5pPr marL="1585344" indent="-457189" algn="l" defTabSz="1219170" rtl="0" eaLnBrk="1" latinLnBrk="0" hangingPunct="1">
-              <a:spcBef>
-                <a:spcPct val="20000"/>
-              </a:spcBef>
-              <a:buClr>
-                <a:srgbClr val="0090D2"/>
-              </a:buClr>
-              <a:buFont typeface="Arial"/>
-              <a:buChar char="•"/>
-              <a:defRPr lang="en-US" sz="2400" b="0" i="0" kern="1200">
-                <a:solidFill>
-                  <a:srgbClr val="58585A"/>
-                </a:solidFill>
-                <a:latin typeface="+mn-lt"/>
-                <a:ea typeface="+mn-ea"/>
-                <a:cs typeface="Segoe UI Semilight" panose="020B0402040204020203" pitchFamily="34" charset="0"/>
-              </a:defRPr>
-            </a:lvl5pPr>
-            <a:lvl6pPr marL="3352716" indent="-304792" algn="l" defTabSz="1219170" rtl="0" eaLnBrk="1" latinLnBrk="0" hangingPunct="1">
-              <a:spcBef>
-                <a:spcPct val="20000"/>
-              </a:spcBef>
-              <a:buFont typeface="Arial" pitchFamily="34" charset="0"/>
-              <a:buChar char="•"/>
-              <a:defRPr sz="2667" kern="1200">
-                <a:solidFill>
-                  <a:schemeClr val="tx1"/>
-                </a:solidFill>
-                <a:latin typeface="+mn-lt"/>
-                <a:ea typeface="+mn-ea"/>
-                <a:cs typeface="+mn-cs"/>
-              </a:defRPr>
-            </a:lvl6pPr>
-            <a:lvl7pPr marL="3962301" indent="-304792" algn="l" defTabSz="1219170" rtl="0" eaLnBrk="1" latinLnBrk="0" hangingPunct="1">
-              <a:spcBef>
-                <a:spcPct val="20000"/>
-              </a:spcBef>
-              <a:buFont typeface="Arial" pitchFamily="34" charset="0"/>
-              <a:buChar char="•"/>
-              <a:defRPr sz="2667" kern="1200">
-                <a:solidFill>
-                  <a:schemeClr val="tx1"/>
-                </a:solidFill>
-                <a:latin typeface="+mn-lt"/>
-                <a:ea typeface="+mn-ea"/>
-                <a:cs typeface="+mn-cs"/>
-              </a:defRPr>
-            </a:lvl7pPr>
-            <a:lvl8pPr marL="4571886" indent="-304792" algn="l" defTabSz="1219170" rtl="0" eaLnBrk="1" latinLnBrk="0" hangingPunct="1">
-              <a:spcBef>
-                <a:spcPct val="20000"/>
-              </a:spcBef>
-              <a:buFont typeface="Arial" pitchFamily="34" charset="0"/>
-              <a:buChar char="•"/>
-              <a:defRPr sz="2667" kern="1200">
-                <a:solidFill>
-                  <a:schemeClr val="tx1"/>
-                </a:solidFill>
-                <a:latin typeface="+mn-lt"/>
-                <a:ea typeface="+mn-ea"/>
-                <a:cs typeface="+mn-cs"/>
-              </a:defRPr>
-            </a:lvl8pPr>
-            <a:lvl9pPr marL="5181470" indent="-304792" algn="l" defTabSz="1219170" rtl="0" eaLnBrk="1" latinLnBrk="0" hangingPunct="1">
-              <a:spcBef>
-                <a:spcPct val="20000"/>
-              </a:spcBef>
-              <a:buFont typeface="Arial" pitchFamily="34" charset="0"/>
-              <a:buChar char="•"/>
-              <a:defRPr sz="2667" kern="1200">
-                <a:solidFill>
-                  <a:schemeClr val="tx1"/>
-                </a:solidFill>
-                <a:latin typeface="+mn-lt"/>
-                <a:ea typeface="+mn-ea"/>
-                <a:cs typeface="+mn-cs"/>
-              </a:defRPr>
-            </a:lvl9pPr>
-          </a:lstStyle>
-          <a:p>
-            <a:r>
-              <a:rPr lang="en-US" dirty="0"/>
-              <a:t>Database scalar function mapping</a:t>
-            </a:r>
-          </a:p>
-          <a:p>
-            <a:r>
-              <a:rPr lang="en-US"/>
-              <a:t>Lazy </a:t>
-            </a:r>
-            <a:r>
-              <a:rPr lang="en-US" dirty="0"/>
-              <a:t>Loading</a:t>
-            </a:r>
-          </a:p>
-          <a:p>
-            <a:r>
-              <a:rPr lang="en-US" dirty="0"/>
-              <a:t>LINQ </a:t>
-            </a:r>
-            <a:r>
-              <a:rPr lang="en-US" dirty="0" err="1"/>
-              <a:t>Groupby</a:t>
-            </a:r>
-            <a:endParaRPr lang="en-US" dirty="0"/>
-          </a:p>
-          <a:p>
-            <a:r>
-              <a:rPr lang="en-US" dirty="0"/>
-              <a:t>Spatial</a:t>
-            </a:r>
-          </a:p>
-          <a:p>
-            <a:r>
-              <a:rPr lang="en-US" dirty="0"/>
-              <a:t>Query Tags</a:t>
-            </a:r>
-          </a:p>
-        </p:txBody>
-      </p:sp>
-    </p:spTree>
-    <p:extLst>
-      <p:ext uri="{BB962C8B-B14F-4D97-AF65-F5344CB8AC3E}">
-        <p14:creationId xmlns:p14="http://schemas.microsoft.com/office/powerpoint/2010/main" val="380098896"/>
-      </p:ext>
-    </p:extLst>
-  </p:cSld>
-  <p:clrMapOvr>
-    <a:masterClrMapping/>
-  </p:clrMapOvr>
-</p:sld>
-</file>
-
 <file path=ppt/slides/slide30.xml><?xml version="1.0" encoding="utf-8"?>
 <p:sld xmlns:a="http://schemas.openxmlformats.org/drawingml/2006/main" xmlns:r="http://schemas.openxmlformats.org/officeDocument/2006/relationships" xmlns:p="http://schemas.openxmlformats.org/presentationml/2006/main">
   <p:cSld>
@@ -30283,13 +30194,64 @@
       </p:grpSpPr>
       <p:sp>
         <p:nvSpPr>
-          <p:cNvPr id="9" name="Title 8">
-            <a:extLst>
-              <a:ext uri="{FF2B5EF4-FFF2-40B4-BE49-F238E27FC236}">
-                <a16:creationId xmlns:a16="http://schemas.microsoft.com/office/drawing/2014/main" id="{41B7A324-029E-40A6-9601-B6615D377F7C}"/>
-              </a:ext>
-            </a:extLst>
-          </p:cNvPr>
+          <p:cNvPr id="7" name="Content Placeholder 6"/>
+          <p:cNvSpPr>
+            <a:spLocks noGrp="1"/>
+          </p:cNvSpPr>
+          <p:nvPr>
+            <p:ph sz="quarter" idx="10"/>
+          </p:nvPr>
+        </p:nvSpPr>
+        <p:spPr>
+          <a:xfrm>
+            <a:off x="429371" y="1941922"/>
+            <a:ext cx="5830027" cy="3263869"/>
+          </a:xfrm>
+        </p:spPr>
+        <p:txBody>
+          <a:bodyPr/>
+          <a:lstStyle/>
+          <a:p>
+            <a:r>
+              <a:rPr lang="en-US" dirty="0"/>
+              <a:t>LINQ Like Function</a:t>
+            </a:r>
+          </a:p>
+          <a:p>
+            <a:r>
+              <a:rPr lang="en-US" dirty="0"/>
+              <a:t>Owned Entities</a:t>
+            </a:r>
+          </a:p>
+          <a:p>
+            <a:r>
+              <a:rPr lang="en-US" dirty="0"/>
+              <a:t>Global Query Filters</a:t>
+            </a:r>
+          </a:p>
+          <a:p>
+            <a:r>
+              <a:rPr lang="en-US" dirty="0"/>
+              <a:t>DbContext Pooling</a:t>
+            </a:r>
+          </a:p>
+          <a:p>
+            <a:r>
+              <a:rPr lang="en-US" dirty="0"/>
+              <a:t>String interpolation in raw SQL methods</a:t>
+            </a:r>
+          </a:p>
+          <a:p>
+            <a:r>
+              <a:rPr lang="en-US" dirty="0"/>
+              <a:t>Explicitly compiled queries</a:t>
+            </a:r>
+          </a:p>
+        </p:txBody>
+      </p:sp>
+      <p:sp>
+        <p:nvSpPr>
+          <p:cNvPr id="2" name="Title 1"/>
           <p:cNvSpPr>
             <a:spLocks noGrp="1"/>
           </p:cNvSpPr>
@@ -30303,102 +30265,257 @@
           <a:lstStyle/>
           <a:p>
             <a:r>
-              <a:rPr lang="en-US" dirty="0"/>
-              <a:t>Entity Framework Core 2.0 Goals</a:t>
-            </a:r>
+              <a:rPr lang="en-US"/>
+              <a:t>Agenda</a:t>
+            </a:r>
+            <a:endParaRPr lang="en-US" dirty="0"/>
           </a:p>
         </p:txBody>
       </p:sp>
       <p:sp>
         <p:nvSpPr>
-          <p:cNvPr id="10" name="Text Placeholder 9">
-            <a:extLst>
-              <a:ext uri="{FF2B5EF4-FFF2-40B4-BE49-F238E27FC236}">
-                <a16:creationId xmlns:a16="http://schemas.microsoft.com/office/drawing/2014/main" id="{B80EAEEE-F8EA-43A6-B8B2-FDB30FEAEFC1}"/>
-              </a:ext>
-            </a:extLst>
-          </p:cNvPr>
+          <p:cNvPr id="5" name="Content Placeholder 4"/>
           <p:cNvSpPr>
             <a:spLocks noGrp="1"/>
           </p:cNvSpPr>
           <p:nvPr>
-            <p:ph type="body" sz="quarter" idx="4294967295"/>
+            <p:ph sz="quarter" idx="11"/>
           </p:nvPr>
+        </p:nvSpPr>
+        <p:spPr/>
+        <p:txBody>
+          <a:bodyPr/>
+          <a:lstStyle/>
+          <a:p>
+            <a:pPr lvl="0"/>
+            <a:endParaRPr lang="en-US" dirty="0"/>
+          </a:p>
+        </p:txBody>
+      </p:sp>
+      <p:sp>
+        <p:nvSpPr>
+          <p:cNvPr id="6" name="Content Placeholder 6">
+            <a:extLst>
+              <a:ext uri="{FF2B5EF4-FFF2-40B4-BE49-F238E27FC236}">
+                <a16:creationId xmlns:a16="http://schemas.microsoft.com/office/drawing/2014/main" id="{BAAACD46-6589-499B-9D84-0E4B4C8ED697}"/>
+              </a:ext>
+            </a:extLst>
+          </p:cNvPr>
+          <p:cNvSpPr txBox="1">
+            <a:spLocks/>
+          </p:cNvSpPr>
+          <p:nvPr/>
         </p:nvSpPr>
         <p:spPr>
           <a:xfrm>
-            <a:off x="527990" y="1462405"/>
-            <a:ext cx="6221413" cy="4730750"/>
+            <a:off x="6259398" y="1941923"/>
+            <a:ext cx="5830027" cy="3263868"/>
           </a:xfrm>
+          <a:prstGeom prst="rect">
+            <a:avLst/>
+          </a:prstGeom>
         </p:spPr>
         <p:txBody>
-          <a:bodyPr>
-            <a:normAutofit/>
+          <a:bodyPr vert="horz" lIns="91440" tIns="45720" rIns="91440" bIns="45720" rtlCol="0">
+            <a:noAutofit/>
           </a:bodyPr>
-          <a:lstStyle/>
-          <a:p>
-            <a:pPr>
+          <a:lstStyle>
+            <a:lvl1pPr marL="309026" marR="0" indent="-309026" algn="l" defTabSz="1219170" rtl="0" eaLnBrk="1" fontAlgn="auto" latinLnBrk="0" hangingPunct="1">
               <a:lnSpc>
-                <a:spcPct val="150000"/>
+                <a:spcPct val="100000"/>
               </a:lnSpc>
-            </a:pPr>
-            <a:r>
-              <a:rPr lang="en-US" sz="3600" dirty="0">
-                <a:latin typeface="+mj-lt"/>
-              </a:rPr>
-              <a:t>.NET Standard 2.0</a:t>
-            </a:r>
-          </a:p>
-          <a:p>
-            <a:pPr>
-              <a:lnSpc>
-                <a:spcPct val="150000"/>
-              </a:lnSpc>
-            </a:pPr>
-            <a:r>
-              <a:rPr lang="en-US" sz="3600" dirty="0">
-                <a:latin typeface="+mj-lt"/>
-              </a:rPr>
-              <a:t>Quality</a:t>
-            </a:r>
-          </a:p>
-          <a:p>
-            <a:pPr>
-              <a:lnSpc>
-                <a:spcPct val="150000"/>
-              </a:lnSpc>
-            </a:pPr>
-            <a:r>
-              <a:rPr lang="en-US" sz="3600" dirty="0">
-                <a:latin typeface="+mj-lt"/>
-              </a:rPr>
-              <a:t>Performance</a:t>
-            </a:r>
-          </a:p>
-          <a:p>
-            <a:pPr>
-              <a:lnSpc>
-                <a:spcPct val="150000"/>
-              </a:lnSpc>
-            </a:pPr>
-            <a:r>
-              <a:rPr lang="en-US" sz="3600" dirty="0">
-                <a:latin typeface="+mj-lt"/>
-              </a:rPr>
-              <a:t>Close feature gap with EF 6</a:t>
-            </a:r>
-          </a:p>
-          <a:p>
-            <a:pPr>
-              <a:lnSpc>
-                <a:spcPct val="150000"/>
-              </a:lnSpc>
-            </a:pPr>
-            <a:r>
-              <a:rPr lang="en-US" sz="3600" dirty="0">
-                <a:latin typeface="+mj-lt"/>
-              </a:rPr>
-              <a:t>Reusable building blocks</a:t>
+              <a:spcBef>
+                <a:spcPct val="20000"/>
+              </a:spcBef>
+              <a:spcAft>
+                <a:spcPts val="0"/>
+              </a:spcAft>
+              <a:buClr>
+                <a:schemeClr val="accent3"/>
+              </a:buClr>
+              <a:buSzTx/>
+              <a:buFont typeface="Arial" charset="0"/>
+              <a:buChar char="•"/>
+              <a:tabLst/>
+              <a:defRPr sz="2400" b="0" i="0" kern="1200">
+                <a:solidFill>
+                  <a:schemeClr val="tx1"/>
+                </a:solidFill>
+                <a:latin typeface="Segoe UI Semilight" panose="020B0402040204020203" pitchFamily="34" charset="0"/>
+                <a:ea typeface="+mn-ea"/>
+                <a:cs typeface="Segoe UI Semilight" panose="020B0402040204020203" pitchFamily="34" charset="0"/>
+              </a:defRPr>
+            </a:lvl1pPr>
+            <a:lvl2pPr marL="457189" indent="-457189" algn="l" defTabSz="1219170" rtl="0" eaLnBrk="1" latinLnBrk="0" hangingPunct="1">
+              <a:spcBef>
+                <a:spcPct val="20000"/>
+              </a:spcBef>
+              <a:buClr>
+                <a:srgbClr val="0090D2"/>
+              </a:buClr>
+              <a:buFont typeface="Arial"/>
+              <a:buChar char="•"/>
+              <a:defRPr lang="en-US" sz="2667" b="0" i="0" kern="1200">
+                <a:solidFill>
+                  <a:srgbClr val="58585A"/>
+                </a:solidFill>
+                <a:latin typeface="+mn-lt"/>
+                <a:ea typeface="+mn-ea"/>
+                <a:cs typeface="Segoe UI Semilight" panose="020B0402040204020203" pitchFamily="34" charset="0"/>
+              </a:defRPr>
+            </a:lvl2pPr>
+            <a:lvl3pPr marL="850879" indent="-457189" algn="l" defTabSz="1219170" rtl="0" eaLnBrk="1" latinLnBrk="0" hangingPunct="1">
+              <a:spcBef>
+                <a:spcPct val="20000"/>
+              </a:spcBef>
+              <a:buClr>
+                <a:srgbClr val="0090D2"/>
+              </a:buClr>
+              <a:buFont typeface="Arial"/>
+              <a:buChar char="•"/>
+              <a:defRPr lang="en-US" sz="2400" b="0" i="0" kern="1200">
+                <a:solidFill>
+                  <a:srgbClr val="58585A"/>
+                </a:solidFill>
+                <a:latin typeface="+mn-lt"/>
+                <a:ea typeface="+mn-ea"/>
+                <a:cs typeface="Segoe UI Semilight" panose="020B0402040204020203" pitchFamily="34" charset="0"/>
+              </a:defRPr>
+            </a:lvl3pPr>
+            <a:lvl4pPr marL="1229753" indent="-457189" algn="l" defTabSz="1219170" rtl="0" eaLnBrk="1" latinLnBrk="0" hangingPunct="1">
+              <a:spcBef>
+                <a:spcPct val="20000"/>
+              </a:spcBef>
+              <a:buClr>
+                <a:srgbClr val="0090D2"/>
+              </a:buClr>
+              <a:buFont typeface="Arial"/>
+              <a:buChar char="•"/>
+              <a:defRPr lang="en-US" sz="2400" b="0" i="0" kern="1200">
+                <a:solidFill>
+                  <a:srgbClr val="58585A"/>
+                </a:solidFill>
+                <a:latin typeface="+mn-lt"/>
+                <a:ea typeface="+mn-ea"/>
+                <a:cs typeface="Segoe UI Semilight" panose="020B0402040204020203" pitchFamily="34" charset="0"/>
+              </a:defRPr>
+            </a:lvl4pPr>
+            <a:lvl5pPr marL="1585344" indent="-457189" algn="l" defTabSz="1219170" rtl="0" eaLnBrk="1" latinLnBrk="0" hangingPunct="1">
+              <a:spcBef>
+                <a:spcPct val="20000"/>
+              </a:spcBef>
+              <a:buClr>
+                <a:srgbClr val="0090D2"/>
+              </a:buClr>
+              <a:buFont typeface="Arial"/>
+              <a:buChar char="•"/>
+              <a:defRPr lang="en-US" sz="2400" b="0" i="0" kern="1200">
+                <a:solidFill>
+                  <a:srgbClr val="58585A"/>
+                </a:solidFill>
+                <a:latin typeface="+mn-lt"/>
+                <a:ea typeface="+mn-ea"/>
+                <a:cs typeface="Segoe UI Semilight" panose="020B0402040204020203" pitchFamily="34" charset="0"/>
+              </a:defRPr>
+            </a:lvl5pPr>
+            <a:lvl6pPr marL="3352716" indent="-304792" algn="l" defTabSz="1219170" rtl="0" eaLnBrk="1" latinLnBrk="0" hangingPunct="1">
+              <a:spcBef>
+                <a:spcPct val="20000"/>
+              </a:spcBef>
+              <a:buFont typeface="Arial" pitchFamily="34" charset="0"/>
+              <a:buChar char="•"/>
+              <a:defRPr sz="2667" kern="1200">
+                <a:solidFill>
+                  <a:schemeClr val="tx1"/>
+                </a:solidFill>
+                <a:latin typeface="+mn-lt"/>
+                <a:ea typeface="+mn-ea"/>
+                <a:cs typeface="+mn-cs"/>
+              </a:defRPr>
+            </a:lvl6pPr>
+            <a:lvl7pPr marL="3962301" indent="-304792" algn="l" defTabSz="1219170" rtl="0" eaLnBrk="1" latinLnBrk="0" hangingPunct="1">
+              <a:spcBef>
+                <a:spcPct val="20000"/>
+              </a:spcBef>
+              <a:buFont typeface="Arial" pitchFamily="34" charset="0"/>
+              <a:buChar char="•"/>
+              <a:defRPr sz="2667" kern="1200">
+                <a:solidFill>
+                  <a:schemeClr val="tx1"/>
+                </a:solidFill>
+                <a:latin typeface="+mn-lt"/>
+                <a:ea typeface="+mn-ea"/>
+                <a:cs typeface="+mn-cs"/>
+              </a:defRPr>
+            </a:lvl7pPr>
+            <a:lvl8pPr marL="4571886" indent="-304792" algn="l" defTabSz="1219170" rtl="0" eaLnBrk="1" latinLnBrk="0" hangingPunct="1">
+              <a:spcBef>
+                <a:spcPct val="20000"/>
+              </a:spcBef>
+              <a:buFont typeface="Arial" pitchFamily="34" charset="0"/>
+              <a:buChar char="•"/>
+              <a:defRPr sz="2667" kern="1200">
+                <a:solidFill>
+                  <a:schemeClr val="tx1"/>
+                </a:solidFill>
+                <a:latin typeface="+mn-lt"/>
+                <a:ea typeface="+mn-ea"/>
+                <a:cs typeface="+mn-cs"/>
+              </a:defRPr>
+            </a:lvl8pPr>
+            <a:lvl9pPr marL="5181470" indent="-304792" algn="l" defTabSz="1219170" rtl="0" eaLnBrk="1" latinLnBrk="0" hangingPunct="1">
+              <a:spcBef>
+                <a:spcPct val="20000"/>
+              </a:spcBef>
+              <a:buFont typeface="Arial" pitchFamily="34" charset="0"/>
+              <a:buChar char="•"/>
+              <a:defRPr sz="2667" kern="1200">
+                <a:solidFill>
+                  <a:schemeClr val="tx1"/>
+                </a:solidFill>
+                <a:latin typeface="+mn-lt"/>
+                <a:ea typeface="+mn-ea"/>
+                <a:cs typeface="+mn-cs"/>
+              </a:defRPr>
+            </a:lvl9pPr>
+          </a:lstStyle>
+          <a:p>
+            <a:r>
+              <a:rPr lang="en-US" dirty="0"/>
+              <a:t>Database scalar function mapping</a:t>
+            </a:r>
+          </a:p>
+          <a:p>
+            <a:r>
+              <a:rPr lang="en-US"/>
+              <a:t>Lazy </a:t>
+            </a:r>
+            <a:r>
+              <a:rPr lang="en-US" dirty="0"/>
+              <a:t>Loading</a:t>
+            </a:r>
+          </a:p>
+          <a:p>
+            <a:r>
+              <a:rPr lang="en-US" dirty="0"/>
+              <a:t>LINQ </a:t>
+            </a:r>
+            <a:r>
+              <a:rPr lang="en-US" dirty="0" err="1"/>
+              <a:t>Groupby</a:t>
+            </a:r>
+            <a:endParaRPr lang="en-US" dirty="0"/>
+          </a:p>
+          <a:p>
+            <a:r>
+              <a:rPr lang="en-US" dirty="0"/>
+              <a:t>Spatial</a:t>
+            </a:r>
+          </a:p>
+          <a:p>
+            <a:r>
+              <a:rPr lang="en-US" dirty="0"/>
+              <a:t>Query Tags</a:t>
             </a:r>
           </a:p>
         </p:txBody>
@@ -30406,7 +30523,7 @@
     </p:spTree>
     <p:extLst>
       <p:ext uri="{BB962C8B-B14F-4D97-AF65-F5344CB8AC3E}">
-        <p14:creationId xmlns:p14="http://schemas.microsoft.com/office/powerpoint/2010/main" val="1874987635"/>
+        <p14:creationId xmlns:p14="http://schemas.microsoft.com/office/powerpoint/2010/main" val="380098896"/>
       </p:ext>
     </p:extLst>
   </p:cSld>
@@ -32488,6 +32605,158 @@
       </p:grpSpPr>
       <p:sp>
         <p:nvSpPr>
+          <p:cNvPr id="9" name="Title 8">
+            <a:extLst>
+              <a:ext uri="{FF2B5EF4-FFF2-40B4-BE49-F238E27FC236}">
+                <a16:creationId xmlns:a16="http://schemas.microsoft.com/office/drawing/2014/main" id="{41B7A324-029E-40A6-9601-B6615D377F7C}"/>
+              </a:ext>
+            </a:extLst>
+          </p:cNvPr>
+          <p:cNvSpPr>
+            <a:spLocks noGrp="1"/>
+          </p:cNvSpPr>
+          <p:nvPr>
+            <p:ph type="title"/>
+          </p:nvPr>
+        </p:nvSpPr>
+        <p:spPr/>
+        <p:txBody>
+          <a:bodyPr/>
+          <a:lstStyle/>
+          <a:p>
+            <a:r>
+              <a:rPr lang="en-US" dirty="0"/>
+              <a:t>Entity Framework Core 2.0 Goals</a:t>
+            </a:r>
+          </a:p>
+        </p:txBody>
+      </p:sp>
+      <p:sp>
+        <p:nvSpPr>
+          <p:cNvPr id="10" name="Text Placeholder 9">
+            <a:extLst>
+              <a:ext uri="{FF2B5EF4-FFF2-40B4-BE49-F238E27FC236}">
+                <a16:creationId xmlns:a16="http://schemas.microsoft.com/office/drawing/2014/main" id="{B80EAEEE-F8EA-43A6-B8B2-FDB30FEAEFC1}"/>
+              </a:ext>
+            </a:extLst>
+          </p:cNvPr>
+          <p:cNvSpPr>
+            <a:spLocks noGrp="1"/>
+          </p:cNvSpPr>
+          <p:nvPr>
+            <p:ph type="body" sz="quarter" idx="4294967295"/>
+          </p:nvPr>
+        </p:nvSpPr>
+        <p:spPr>
+          <a:xfrm>
+            <a:off x="527990" y="1462405"/>
+            <a:ext cx="6221413" cy="4730750"/>
+          </a:xfrm>
+        </p:spPr>
+        <p:txBody>
+          <a:bodyPr>
+            <a:normAutofit/>
+          </a:bodyPr>
+          <a:lstStyle/>
+          <a:p>
+            <a:pPr>
+              <a:lnSpc>
+                <a:spcPct val="150000"/>
+              </a:lnSpc>
+            </a:pPr>
+            <a:r>
+              <a:rPr lang="en-US" sz="3600" dirty="0">
+                <a:latin typeface="+mj-lt"/>
+              </a:rPr>
+              <a:t>.NET Standard 2.0</a:t>
+            </a:r>
+          </a:p>
+          <a:p>
+            <a:pPr>
+              <a:lnSpc>
+                <a:spcPct val="150000"/>
+              </a:lnSpc>
+            </a:pPr>
+            <a:r>
+              <a:rPr lang="en-US" sz="3600" dirty="0">
+                <a:latin typeface="+mj-lt"/>
+              </a:rPr>
+              <a:t>Quality</a:t>
+            </a:r>
+          </a:p>
+          <a:p>
+            <a:pPr>
+              <a:lnSpc>
+                <a:spcPct val="150000"/>
+              </a:lnSpc>
+            </a:pPr>
+            <a:r>
+              <a:rPr lang="en-US" sz="3600" dirty="0">
+                <a:latin typeface="+mj-lt"/>
+              </a:rPr>
+              <a:t>Performance</a:t>
+            </a:r>
+          </a:p>
+          <a:p>
+            <a:pPr>
+              <a:lnSpc>
+                <a:spcPct val="150000"/>
+              </a:lnSpc>
+            </a:pPr>
+            <a:r>
+              <a:rPr lang="en-US" sz="3600" dirty="0">
+                <a:latin typeface="+mj-lt"/>
+              </a:rPr>
+              <a:t>Close feature gap with EF 6</a:t>
+            </a:r>
+          </a:p>
+          <a:p>
+            <a:pPr>
+              <a:lnSpc>
+                <a:spcPct val="150000"/>
+              </a:lnSpc>
+            </a:pPr>
+            <a:r>
+              <a:rPr lang="en-US" sz="3600" dirty="0">
+                <a:latin typeface="+mj-lt"/>
+              </a:rPr>
+              <a:t>Reusable building blocks</a:t>
+            </a:r>
+          </a:p>
+        </p:txBody>
+      </p:sp>
+    </p:spTree>
+    <p:extLst>
+      <p:ext uri="{BB962C8B-B14F-4D97-AF65-F5344CB8AC3E}">
+        <p14:creationId xmlns:p14="http://schemas.microsoft.com/office/powerpoint/2010/main" val="1874987635"/>
+      </p:ext>
+    </p:extLst>
+  </p:cSld>
+  <p:clrMapOvr>
+    <a:masterClrMapping/>
+  </p:clrMapOvr>
+</p:sld>
+</file>
+
+<file path=ppt/slides/slide6.xml><?xml version="1.0" encoding="utf-8"?>
+<p:sld xmlns:a="http://schemas.openxmlformats.org/drawingml/2006/main" xmlns:r="http://schemas.openxmlformats.org/officeDocument/2006/relationships" xmlns:p="http://schemas.openxmlformats.org/presentationml/2006/main">
+  <p:cSld>
+    <p:spTree>
+      <p:nvGrpSpPr>
+        <p:cNvPr id="1" name=""/>
+        <p:cNvGrpSpPr/>
+        <p:nvPr/>
+      </p:nvGrpSpPr>
+      <p:grpSpPr>
+        <a:xfrm>
+          <a:off x="0" y="0"/>
+          <a:ext cx="0" cy="0"/>
+          <a:chOff x="0" y="0"/>
+          <a:chExt cx="0" cy="0"/>
+        </a:xfrm>
+      </p:grpSpPr>
+      <p:sp>
+        <p:nvSpPr>
           <p:cNvPr id="9" name="Text Placeholder 8">
             <a:extLst>
               <a:ext uri="{FF2B5EF4-FFF2-40B4-BE49-F238E27FC236}">
@@ -32527,7 +32796,7 @@
 </p:sld>
 </file>
 
-<file path=ppt/slides/slide6.xml><?xml version="1.0" encoding="utf-8"?>
+<file path=ppt/slides/slide7.xml><?xml version="1.0" encoding="utf-8"?>
 <p:sld xmlns:a="http://schemas.openxmlformats.org/drawingml/2006/main" xmlns:r="http://schemas.openxmlformats.org/officeDocument/2006/relationships" xmlns:p="http://schemas.openxmlformats.org/presentationml/2006/main">
   <p:cSld>
     <p:spTree>
@@ -33113,7 +33382,84 @@
 </p:sld>
 </file>
 
-<file path=ppt/slides/slide7.xml><?xml version="1.0" encoding="utf-8"?>
+<file path=ppt/slides/slide8.xml><?xml version="1.0" encoding="utf-8"?>
+<p:sld xmlns:a="http://schemas.openxmlformats.org/drawingml/2006/main" xmlns:r="http://schemas.openxmlformats.org/officeDocument/2006/relationships" xmlns:p="http://schemas.openxmlformats.org/presentationml/2006/main">
+  <p:cSld>
+    <p:spTree>
+      <p:nvGrpSpPr>
+        <p:cNvPr id="1" name=""/>
+        <p:cNvGrpSpPr/>
+        <p:nvPr/>
+      </p:nvGrpSpPr>
+      <p:grpSpPr>
+        <a:xfrm>
+          <a:off x="0" y="0"/>
+          <a:ext cx="0" cy="0"/>
+          <a:chOff x="0" y="0"/>
+          <a:chExt cx="0" cy="0"/>
+        </a:xfrm>
+      </p:grpSpPr>
+      <p:sp>
+        <p:nvSpPr>
+          <p:cNvPr id="4" name="Title 3"/>
+          <p:cNvSpPr>
+            <a:spLocks noGrp="1"/>
+          </p:cNvSpPr>
+          <p:nvPr>
+            <p:ph type="ctrTitle"/>
+          </p:nvPr>
+        </p:nvSpPr>
+        <p:spPr/>
+        <p:txBody>
+          <a:bodyPr/>
+          <a:lstStyle/>
+          <a:p>
+            <a:r>
+              <a:rPr lang="en-US" dirty="0"/>
+              <a:t>Demo</a:t>
+            </a:r>
+          </a:p>
+        </p:txBody>
+      </p:sp>
+      <p:sp>
+        <p:nvSpPr>
+          <p:cNvPr id="5" name="Subtitle 4"/>
+          <p:cNvSpPr>
+            <a:spLocks noGrp="1"/>
+          </p:cNvSpPr>
+          <p:nvPr>
+            <p:ph type="subTitle" idx="1"/>
+          </p:nvPr>
+        </p:nvSpPr>
+        <p:spPr/>
+        <p:txBody>
+          <a:bodyPr/>
+          <a:lstStyle/>
+          <a:p>
+            <a:pPr marL="0" indent="0">
+              <a:buNone/>
+            </a:pPr>
+            <a:r>
+              <a:rPr lang="en-US" dirty="0"/>
+              <a:t>LINQ Like Function</a:t>
+            </a:r>
+          </a:p>
+        </p:txBody>
+      </p:sp>
+    </p:spTree>
+    <p:extLst>
+      <p:ext uri="{BB962C8B-B14F-4D97-AF65-F5344CB8AC3E}">
+        <p14:creationId xmlns:p14="http://schemas.microsoft.com/office/powerpoint/2010/main" val="1414840115"/>
+      </p:ext>
+    </p:extLst>
+  </p:cSld>
+  <p:clrMapOvr>
+    <a:masterClrMapping/>
+  </p:clrMapOvr>
+</p:sld>
+</file>
+
+<file path=ppt/slides/slide9.xml><?xml version="1.0" encoding="utf-8"?>
 <p:sld xmlns:a="http://schemas.openxmlformats.org/drawingml/2006/main" xmlns:r="http://schemas.openxmlformats.org/officeDocument/2006/relationships" xmlns:p="http://schemas.openxmlformats.org/presentationml/2006/main">
   <p:cSld>
     <p:spTree>
@@ -33162,829 +33508,6 @@
     <p:extLst>
       <p:ext uri="{BB962C8B-B14F-4D97-AF65-F5344CB8AC3E}">
         <p14:creationId xmlns:p14="http://schemas.microsoft.com/office/powerpoint/2010/main" val="3141493165"/>
-      </p:ext>
-    </p:extLst>
-  </p:cSld>
-  <p:clrMapOvr>
-    <a:masterClrMapping/>
-  </p:clrMapOvr>
-</p:sld>
-</file>
-
-<file path=ppt/slides/slide8.xml><?xml version="1.0" encoding="utf-8"?>
-<p:sld xmlns:a="http://schemas.openxmlformats.org/drawingml/2006/main" xmlns:r="http://schemas.openxmlformats.org/officeDocument/2006/relationships" xmlns:p="http://schemas.openxmlformats.org/presentationml/2006/main">
-  <p:cSld>
-    <p:spTree>
-      <p:nvGrpSpPr>
-        <p:cNvPr id="1" name=""/>
-        <p:cNvGrpSpPr/>
-        <p:nvPr/>
-      </p:nvGrpSpPr>
-      <p:grpSpPr>
-        <a:xfrm>
-          <a:off x="0" y="0"/>
-          <a:ext cx="0" cy="0"/>
-          <a:chOff x="0" y="0"/>
-          <a:chExt cx="0" cy="0"/>
-        </a:xfrm>
-      </p:grpSpPr>
-      <p:sp>
-        <p:nvSpPr>
-          <p:cNvPr id="2" name="Title 1">
-            <a:extLst>
-              <a:ext uri="{FF2B5EF4-FFF2-40B4-BE49-F238E27FC236}">
-                <a16:creationId xmlns:a16="http://schemas.microsoft.com/office/drawing/2014/main" id="{EE6DDDD6-1D01-426D-B8E4-FAC0C72877EB}"/>
-              </a:ext>
-            </a:extLst>
-          </p:cNvPr>
-          <p:cNvSpPr>
-            <a:spLocks noGrp="1"/>
-          </p:cNvSpPr>
-          <p:nvPr>
-            <p:ph type="title"/>
-          </p:nvPr>
-        </p:nvSpPr>
-        <p:spPr/>
-        <p:txBody>
-          <a:bodyPr/>
-          <a:lstStyle/>
-          <a:p>
-            <a:r>
-              <a:rPr lang="en-US" dirty="0"/>
-              <a:t>Owned Entities and Table Splitting</a:t>
-            </a:r>
-          </a:p>
-        </p:txBody>
-      </p:sp>
-      <p:sp>
-        <p:nvSpPr>
-          <p:cNvPr id="4" name="Rectangle 3">
-            <a:extLst>
-              <a:ext uri="{FF2B5EF4-FFF2-40B4-BE49-F238E27FC236}">
-                <a16:creationId xmlns:a16="http://schemas.microsoft.com/office/drawing/2014/main" id="{EDE03198-52A1-415A-A828-E9AF37B12F0B}"/>
-              </a:ext>
-            </a:extLst>
-          </p:cNvPr>
-          <p:cNvSpPr/>
-          <p:nvPr/>
-        </p:nvSpPr>
-        <p:spPr>
-          <a:xfrm>
-            <a:off x="527990" y="1277109"/>
-            <a:ext cx="9391262" cy="5262979"/>
-          </a:xfrm>
-          <a:prstGeom prst="rect">
-            <a:avLst/>
-          </a:prstGeom>
-        </p:spPr>
-        <p:txBody>
-          <a:bodyPr wrap="square">
-            <a:spAutoFit/>
-          </a:bodyPr>
-          <a:lstStyle/>
-          <a:p>
-            <a:r>
-              <a:rPr lang="en-US" sz="2800" dirty="0">
-                <a:solidFill>
-                  <a:srgbClr val="0000FF"/>
-                </a:solidFill>
-                <a:latin typeface="Monaco"/>
-              </a:rPr>
-              <a:t>public</a:t>
-            </a:r>
-            <a:r>
-              <a:rPr lang="en-US" sz="2800" dirty="0">
-                <a:solidFill>
-                  <a:srgbClr val="000000"/>
-                </a:solidFill>
-                <a:latin typeface="Monaco"/>
-              </a:rPr>
-              <a:t> </a:t>
-            </a:r>
-            <a:r>
-              <a:rPr lang="en-US" sz="2800" dirty="0">
-                <a:solidFill>
-                  <a:srgbClr val="0000FF"/>
-                </a:solidFill>
-                <a:latin typeface="Monaco"/>
-              </a:rPr>
-              <a:t>class</a:t>
-            </a:r>
-            <a:r>
-              <a:rPr lang="en-US" sz="2800" dirty="0">
-                <a:solidFill>
-                  <a:srgbClr val="000000"/>
-                </a:solidFill>
-                <a:latin typeface="Monaco"/>
-              </a:rPr>
-              <a:t> </a:t>
-            </a:r>
-            <a:r>
-              <a:rPr lang="en-US" sz="2800" dirty="0">
-                <a:solidFill>
-                  <a:srgbClr val="A31515"/>
-                </a:solidFill>
-                <a:latin typeface="Monaco"/>
-              </a:rPr>
-              <a:t>Customer</a:t>
-            </a:r>
-            <a:r>
-              <a:rPr lang="en-US" sz="2800" dirty="0">
-                <a:solidFill>
-                  <a:srgbClr val="000000"/>
-                </a:solidFill>
-                <a:latin typeface="Monaco"/>
-              </a:rPr>
-              <a:t> </a:t>
-            </a:r>
-          </a:p>
-          <a:p>
-            <a:r>
-              <a:rPr lang="en-US" sz="2800" dirty="0">
-                <a:solidFill>
-                  <a:srgbClr val="000000"/>
-                </a:solidFill>
-                <a:latin typeface="Monaco"/>
-              </a:rPr>
-              <a:t>{</a:t>
-            </a:r>
-          </a:p>
-          <a:p>
-            <a:r>
-              <a:rPr lang="en-US" sz="2800" dirty="0">
-                <a:solidFill>
-                  <a:srgbClr val="000000"/>
-                </a:solidFill>
-                <a:latin typeface="Monaco"/>
-              </a:rPr>
-              <a:t>	</a:t>
-            </a:r>
-            <a:r>
-              <a:rPr lang="en-US" sz="2800" dirty="0">
-                <a:solidFill>
-                  <a:srgbClr val="0000FF"/>
-                </a:solidFill>
-                <a:latin typeface="Monaco"/>
-              </a:rPr>
-              <a:t>public</a:t>
-            </a:r>
-            <a:r>
-              <a:rPr lang="en-US" sz="2800" dirty="0">
-                <a:solidFill>
-                  <a:srgbClr val="000000"/>
-                </a:solidFill>
-                <a:latin typeface="Monaco"/>
-              </a:rPr>
-              <a:t> </a:t>
-            </a:r>
-            <a:r>
-              <a:rPr lang="en-US" sz="2800" dirty="0">
-                <a:solidFill>
-                  <a:srgbClr val="0000FF"/>
-                </a:solidFill>
-                <a:latin typeface="Monaco"/>
-              </a:rPr>
-              <a:t>int</a:t>
-            </a:r>
-            <a:r>
-              <a:rPr lang="en-US" sz="2800" dirty="0">
-                <a:solidFill>
-                  <a:srgbClr val="000000"/>
-                </a:solidFill>
-                <a:latin typeface="Monaco"/>
-              </a:rPr>
-              <a:t> Id { </a:t>
-            </a:r>
-            <a:r>
-              <a:rPr lang="en-US" sz="2800" dirty="0">
-                <a:solidFill>
-                  <a:srgbClr val="0000FF"/>
-                </a:solidFill>
-                <a:latin typeface="Monaco"/>
-              </a:rPr>
-              <a:t>get</a:t>
-            </a:r>
-            <a:r>
-              <a:rPr lang="en-US" sz="2800" dirty="0">
-                <a:solidFill>
-                  <a:srgbClr val="000000"/>
-                </a:solidFill>
-                <a:latin typeface="Monaco"/>
-              </a:rPr>
-              <a:t>; </a:t>
-            </a:r>
-            <a:r>
-              <a:rPr lang="en-US" sz="2800" dirty="0">
-                <a:solidFill>
-                  <a:srgbClr val="0000FF"/>
-                </a:solidFill>
-                <a:latin typeface="Monaco"/>
-              </a:rPr>
-              <a:t>set</a:t>
-            </a:r>
-            <a:r>
-              <a:rPr lang="en-US" sz="2800" dirty="0">
-                <a:solidFill>
-                  <a:srgbClr val="000000"/>
-                </a:solidFill>
-                <a:latin typeface="Monaco"/>
-              </a:rPr>
-              <a:t>; } </a:t>
-            </a:r>
-          </a:p>
-          <a:p>
-            <a:r>
-              <a:rPr lang="en-US" sz="2800" dirty="0">
-                <a:solidFill>
-                  <a:srgbClr val="000000"/>
-                </a:solidFill>
-                <a:latin typeface="Monaco"/>
-              </a:rPr>
-              <a:t>	</a:t>
-            </a:r>
-            <a:r>
-              <a:rPr lang="en-US" sz="2800" dirty="0">
-                <a:solidFill>
-                  <a:srgbClr val="0000FF"/>
-                </a:solidFill>
-                <a:latin typeface="Monaco"/>
-              </a:rPr>
-              <a:t>public</a:t>
-            </a:r>
-            <a:r>
-              <a:rPr lang="en-US" sz="2800" dirty="0">
-                <a:solidFill>
-                  <a:srgbClr val="000000"/>
-                </a:solidFill>
-                <a:latin typeface="Monaco"/>
-              </a:rPr>
-              <a:t> </a:t>
-            </a:r>
-            <a:r>
-              <a:rPr lang="en-US" sz="2800" dirty="0">
-                <a:solidFill>
-                  <a:srgbClr val="0000FF"/>
-                </a:solidFill>
-                <a:latin typeface="Monaco"/>
-              </a:rPr>
-              <a:t>string</a:t>
-            </a:r>
-            <a:r>
-              <a:rPr lang="en-US" sz="2800" dirty="0">
-                <a:solidFill>
-                  <a:srgbClr val="000000"/>
-                </a:solidFill>
-                <a:latin typeface="Monaco"/>
-              </a:rPr>
-              <a:t> Name {</a:t>
-            </a:r>
-            <a:r>
-              <a:rPr lang="en-US" sz="2800" dirty="0">
-                <a:solidFill>
-                  <a:srgbClr val="0000FF"/>
-                </a:solidFill>
-                <a:latin typeface="Monaco"/>
-              </a:rPr>
-              <a:t>get</a:t>
-            </a:r>
-            <a:r>
-              <a:rPr lang="en-US" sz="2800" dirty="0">
-                <a:solidFill>
-                  <a:srgbClr val="000000"/>
-                </a:solidFill>
-                <a:latin typeface="Monaco"/>
-              </a:rPr>
-              <a:t>; </a:t>
-            </a:r>
-            <a:r>
-              <a:rPr lang="en-US" sz="2800" dirty="0">
-                <a:solidFill>
-                  <a:srgbClr val="0000FF"/>
-                </a:solidFill>
-                <a:latin typeface="Monaco"/>
-              </a:rPr>
-              <a:t>set</a:t>
-            </a:r>
-            <a:r>
-              <a:rPr lang="en-US" sz="2800" dirty="0">
-                <a:solidFill>
-                  <a:srgbClr val="000000"/>
-                </a:solidFill>
-                <a:latin typeface="Monaco"/>
-              </a:rPr>
-              <a:t>;} </a:t>
-            </a:r>
-          </a:p>
-          <a:p>
-            <a:r>
-              <a:rPr lang="en-US" sz="2800" dirty="0">
-                <a:solidFill>
-                  <a:srgbClr val="000000"/>
-                </a:solidFill>
-                <a:latin typeface="Monaco"/>
-              </a:rPr>
-              <a:t>	</a:t>
-            </a:r>
-            <a:r>
-              <a:rPr lang="en-US" sz="2800" dirty="0">
-                <a:solidFill>
-                  <a:srgbClr val="0000FF"/>
-                </a:solidFill>
-                <a:latin typeface="Monaco"/>
-              </a:rPr>
-              <a:t>public</a:t>
-            </a:r>
-            <a:r>
-              <a:rPr lang="en-US" sz="2800" dirty="0">
-                <a:solidFill>
-                  <a:srgbClr val="000000"/>
-                </a:solidFill>
-                <a:latin typeface="Monaco"/>
-              </a:rPr>
-              <a:t> </a:t>
-            </a:r>
-            <a:r>
-              <a:rPr lang="en-US" sz="2800" dirty="0" err="1">
-                <a:solidFill>
-                  <a:srgbClr val="000000"/>
-                </a:solidFill>
-                <a:latin typeface="Monaco"/>
-              </a:rPr>
-              <a:t>PhysicalAddress</a:t>
-            </a:r>
-            <a:r>
-              <a:rPr lang="en-US" sz="2800" dirty="0">
-                <a:solidFill>
-                  <a:srgbClr val="000000"/>
-                </a:solidFill>
-                <a:latin typeface="Monaco"/>
-              </a:rPr>
-              <a:t> Address { </a:t>
-            </a:r>
-            <a:r>
-              <a:rPr lang="en-US" sz="2800" dirty="0">
-                <a:solidFill>
-                  <a:srgbClr val="0000FF"/>
-                </a:solidFill>
-                <a:latin typeface="Monaco"/>
-              </a:rPr>
-              <a:t>get</a:t>
-            </a:r>
-            <a:r>
-              <a:rPr lang="en-US" sz="2800" dirty="0">
-                <a:solidFill>
-                  <a:srgbClr val="000000"/>
-                </a:solidFill>
-                <a:latin typeface="Monaco"/>
-              </a:rPr>
-              <a:t>; </a:t>
-            </a:r>
-            <a:r>
-              <a:rPr lang="en-US" sz="2800" dirty="0">
-                <a:solidFill>
-                  <a:srgbClr val="0000FF"/>
-                </a:solidFill>
-                <a:latin typeface="Monaco"/>
-              </a:rPr>
-              <a:t>set</a:t>
-            </a:r>
-            <a:r>
-              <a:rPr lang="en-US" sz="2800" dirty="0">
-                <a:solidFill>
-                  <a:srgbClr val="000000"/>
-                </a:solidFill>
-                <a:latin typeface="Monaco"/>
-              </a:rPr>
-              <a:t>; }</a:t>
-            </a:r>
-          </a:p>
-          <a:p>
-            <a:r>
-              <a:rPr lang="en-US" sz="2800" dirty="0">
-                <a:solidFill>
-                  <a:srgbClr val="000000"/>
-                </a:solidFill>
-                <a:latin typeface="Monaco"/>
-              </a:rPr>
-              <a:t>}</a:t>
-            </a:r>
-          </a:p>
-          <a:p>
-            <a:endParaRPr lang="en-US" sz="2800" dirty="0">
-              <a:solidFill>
-                <a:srgbClr val="000000"/>
-              </a:solidFill>
-              <a:latin typeface="Monaco"/>
-            </a:endParaRPr>
-          </a:p>
-          <a:p>
-            <a:r>
-              <a:rPr lang="en-US" sz="2800" dirty="0">
-                <a:solidFill>
-                  <a:srgbClr val="0000FF"/>
-                </a:solidFill>
-                <a:latin typeface="Monaco"/>
-              </a:rPr>
-              <a:t>public</a:t>
-            </a:r>
-            <a:r>
-              <a:rPr lang="en-US" sz="2800" dirty="0">
-                <a:solidFill>
-                  <a:srgbClr val="000000"/>
-                </a:solidFill>
-                <a:latin typeface="Monaco"/>
-              </a:rPr>
-              <a:t> </a:t>
-            </a:r>
-            <a:r>
-              <a:rPr lang="en-US" sz="2800" dirty="0">
-                <a:solidFill>
-                  <a:srgbClr val="0000FF"/>
-                </a:solidFill>
-                <a:latin typeface="Monaco"/>
-              </a:rPr>
-              <a:t>class</a:t>
-            </a:r>
-            <a:r>
-              <a:rPr lang="en-US" sz="2800" dirty="0">
-                <a:solidFill>
-                  <a:srgbClr val="000000"/>
-                </a:solidFill>
-                <a:latin typeface="Monaco"/>
-              </a:rPr>
-              <a:t> </a:t>
-            </a:r>
-            <a:r>
-              <a:rPr lang="en-US" sz="2800" dirty="0" err="1">
-                <a:solidFill>
-                  <a:srgbClr val="A31515"/>
-                </a:solidFill>
-                <a:latin typeface="Monaco"/>
-              </a:rPr>
-              <a:t>PhysicalAddress</a:t>
-            </a:r>
-            <a:endParaRPr lang="en-US" sz="2800" dirty="0">
-              <a:solidFill>
-                <a:srgbClr val="000000"/>
-              </a:solidFill>
-              <a:latin typeface="Monaco"/>
-            </a:endParaRPr>
-          </a:p>
-          <a:p>
-            <a:r>
-              <a:rPr lang="en-US" sz="2800" dirty="0">
-                <a:solidFill>
-                  <a:srgbClr val="000000"/>
-                </a:solidFill>
-                <a:latin typeface="Monaco"/>
-              </a:rPr>
-              <a:t>{</a:t>
-            </a:r>
-          </a:p>
-          <a:p>
-            <a:r>
-              <a:rPr lang="en-US" sz="2800" dirty="0">
-                <a:solidFill>
-                  <a:srgbClr val="000000"/>
-                </a:solidFill>
-                <a:latin typeface="Monaco"/>
-              </a:rPr>
-              <a:t>	</a:t>
-            </a:r>
-            <a:r>
-              <a:rPr lang="en-US" sz="2800" dirty="0">
-                <a:solidFill>
-                  <a:srgbClr val="0000FF"/>
-                </a:solidFill>
-                <a:latin typeface="Monaco"/>
-              </a:rPr>
-              <a:t>public</a:t>
-            </a:r>
-            <a:r>
-              <a:rPr lang="en-US" sz="2800" dirty="0">
-                <a:solidFill>
-                  <a:srgbClr val="000000"/>
-                </a:solidFill>
-                <a:latin typeface="Monaco"/>
-              </a:rPr>
-              <a:t> </a:t>
-            </a:r>
-            <a:r>
-              <a:rPr lang="en-US" sz="2800" dirty="0">
-                <a:solidFill>
-                  <a:srgbClr val="0000FF"/>
-                </a:solidFill>
-                <a:latin typeface="Monaco"/>
-              </a:rPr>
-              <a:t>string</a:t>
-            </a:r>
-            <a:r>
-              <a:rPr lang="en-US" sz="2800" dirty="0">
-                <a:solidFill>
-                  <a:srgbClr val="000000"/>
-                </a:solidFill>
-                <a:latin typeface="Monaco"/>
-              </a:rPr>
-              <a:t> </a:t>
-            </a:r>
-            <a:r>
-              <a:rPr lang="en-US" sz="2800" dirty="0" err="1">
-                <a:solidFill>
-                  <a:srgbClr val="000000"/>
-                </a:solidFill>
-                <a:latin typeface="Monaco"/>
-              </a:rPr>
-              <a:t>StreetAddress</a:t>
-            </a:r>
-            <a:r>
-              <a:rPr lang="en-US" sz="2800" dirty="0">
-                <a:solidFill>
-                  <a:srgbClr val="000000"/>
-                </a:solidFill>
-                <a:latin typeface="Monaco"/>
-              </a:rPr>
-              <a:t> { </a:t>
-            </a:r>
-            <a:r>
-              <a:rPr lang="en-US" sz="2800" dirty="0">
-                <a:solidFill>
-                  <a:srgbClr val="0000FF"/>
-                </a:solidFill>
-                <a:latin typeface="Monaco"/>
-              </a:rPr>
-              <a:t>get</a:t>
-            </a:r>
-            <a:r>
-              <a:rPr lang="en-US" sz="2800" dirty="0">
-                <a:solidFill>
-                  <a:srgbClr val="000000"/>
-                </a:solidFill>
-                <a:latin typeface="Monaco"/>
-              </a:rPr>
-              <a:t>; </a:t>
-            </a:r>
-            <a:r>
-              <a:rPr lang="en-US" sz="2800" dirty="0">
-                <a:solidFill>
-                  <a:srgbClr val="0000FF"/>
-                </a:solidFill>
-                <a:latin typeface="Monaco"/>
-              </a:rPr>
-              <a:t>set</a:t>
-            </a:r>
-            <a:r>
-              <a:rPr lang="en-US" sz="2800" dirty="0">
-                <a:solidFill>
-                  <a:srgbClr val="000000"/>
-                </a:solidFill>
-                <a:latin typeface="Monaco"/>
-              </a:rPr>
-              <a:t>; }</a:t>
-            </a:r>
-          </a:p>
-          <a:p>
-            <a:r>
-              <a:rPr lang="en-US" sz="2800" dirty="0">
-                <a:solidFill>
-                  <a:srgbClr val="000000"/>
-                </a:solidFill>
-                <a:latin typeface="Monaco"/>
-              </a:rPr>
-              <a:t>	</a:t>
-            </a:r>
-            <a:r>
-              <a:rPr lang="en-US" sz="2800" dirty="0">
-                <a:solidFill>
-                  <a:srgbClr val="0000FF"/>
-                </a:solidFill>
-                <a:latin typeface="Monaco"/>
-              </a:rPr>
-              <a:t>public</a:t>
-            </a:r>
-            <a:r>
-              <a:rPr lang="en-US" sz="2800" dirty="0">
-                <a:solidFill>
-                  <a:srgbClr val="000000"/>
-                </a:solidFill>
-                <a:latin typeface="Monaco"/>
-              </a:rPr>
-              <a:t> Location </a:t>
-            </a:r>
-            <a:r>
-              <a:rPr lang="en-US" sz="2800" dirty="0" err="1">
-                <a:solidFill>
-                  <a:srgbClr val="000000"/>
-                </a:solidFill>
-                <a:latin typeface="Monaco"/>
-              </a:rPr>
-              <a:t>Location</a:t>
-            </a:r>
-            <a:r>
-              <a:rPr lang="en-US" sz="2800" dirty="0">
-                <a:solidFill>
-                  <a:srgbClr val="000000"/>
-                </a:solidFill>
-                <a:latin typeface="Monaco"/>
-              </a:rPr>
-              <a:t> { </a:t>
-            </a:r>
-            <a:r>
-              <a:rPr lang="en-US" sz="2800" dirty="0">
-                <a:solidFill>
-                  <a:srgbClr val="0000FF"/>
-                </a:solidFill>
-                <a:latin typeface="Monaco"/>
-              </a:rPr>
-              <a:t>get</a:t>
-            </a:r>
-            <a:r>
-              <a:rPr lang="en-US" sz="2800" dirty="0">
-                <a:solidFill>
-                  <a:srgbClr val="000000"/>
-                </a:solidFill>
-                <a:latin typeface="Monaco"/>
-              </a:rPr>
-              <a:t>; </a:t>
-            </a:r>
-            <a:r>
-              <a:rPr lang="en-US" sz="2800" dirty="0">
-                <a:solidFill>
-                  <a:srgbClr val="0000FF"/>
-                </a:solidFill>
-                <a:latin typeface="Monaco"/>
-              </a:rPr>
-              <a:t>set</a:t>
-            </a:r>
-            <a:r>
-              <a:rPr lang="en-US" sz="2800" dirty="0">
-                <a:solidFill>
-                  <a:srgbClr val="000000"/>
-                </a:solidFill>
-                <a:latin typeface="Monaco"/>
-              </a:rPr>
-              <a:t>; }</a:t>
-            </a:r>
-          </a:p>
-          <a:p>
-            <a:r>
-              <a:rPr lang="en-US" sz="2800" dirty="0">
-                <a:solidFill>
-                  <a:srgbClr val="000000"/>
-                </a:solidFill>
-                <a:latin typeface="Monaco"/>
-              </a:rPr>
-              <a:t>}</a:t>
-            </a:r>
-          </a:p>
-        </p:txBody>
-      </p:sp>
-    </p:spTree>
-    <p:extLst>
-      <p:ext uri="{BB962C8B-B14F-4D97-AF65-F5344CB8AC3E}">
-        <p14:creationId xmlns:p14="http://schemas.microsoft.com/office/powerpoint/2010/main" val="98762289"/>
-      </p:ext>
-    </p:extLst>
-  </p:cSld>
-  <p:clrMapOvr>
-    <a:masterClrMapping/>
-  </p:clrMapOvr>
-</p:sld>
-</file>
-
-<file path=ppt/slides/slide9.xml><?xml version="1.0" encoding="utf-8"?>
-<p:sld xmlns:a="http://schemas.openxmlformats.org/drawingml/2006/main" xmlns:r="http://schemas.openxmlformats.org/officeDocument/2006/relationships" xmlns:p="http://schemas.openxmlformats.org/presentationml/2006/main">
-  <p:cSld>
-    <p:spTree>
-      <p:nvGrpSpPr>
-        <p:cNvPr id="1" name=""/>
-        <p:cNvGrpSpPr/>
-        <p:nvPr/>
-      </p:nvGrpSpPr>
-      <p:grpSpPr>
-        <a:xfrm>
-          <a:off x="0" y="0"/>
-          <a:ext cx="0" cy="0"/>
-          <a:chOff x="0" y="0"/>
-          <a:chExt cx="0" cy="0"/>
-        </a:xfrm>
-      </p:grpSpPr>
-      <p:sp>
-        <p:nvSpPr>
-          <p:cNvPr id="2" name="Title 1">
-            <a:extLst>
-              <a:ext uri="{FF2B5EF4-FFF2-40B4-BE49-F238E27FC236}">
-                <a16:creationId xmlns:a16="http://schemas.microsoft.com/office/drawing/2014/main" id="{EE6DDDD6-1D01-426D-B8E4-FAC0C72877EB}"/>
-              </a:ext>
-            </a:extLst>
-          </p:cNvPr>
-          <p:cNvSpPr>
-            <a:spLocks noGrp="1"/>
-          </p:cNvSpPr>
-          <p:nvPr>
-            <p:ph type="title"/>
-          </p:nvPr>
-        </p:nvSpPr>
-        <p:spPr/>
-        <p:txBody>
-          <a:bodyPr/>
-          <a:lstStyle/>
-          <a:p>
-            <a:r>
-              <a:rPr lang="en-US" dirty="0"/>
-              <a:t>Owned Entities and Table Splitting</a:t>
-            </a:r>
-          </a:p>
-        </p:txBody>
-      </p:sp>
-      <p:sp>
-        <p:nvSpPr>
-          <p:cNvPr id="4" name="Rectangle 3">
-            <a:extLst>
-              <a:ext uri="{FF2B5EF4-FFF2-40B4-BE49-F238E27FC236}">
-                <a16:creationId xmlns:a16="http://schemas.microsoft.com/office/drawing/2014/main" id="{EDE03198-52A1-415A-A828-E9AF37B12F0B}"/>
-              </a:ext>
-            </a:extLst>
-          </p:cNvPr>
-          <p:cNvSpPr/>
-          <p:nvPr/>
-        </p:nvSpPr>
-        <p:spPr>
-          <a:xfrm>
-            <a:off x="527990" y="2526789"/>
-            <a:ext cx="10775010" cy="584775"/>
-          </a:xfrm>
-          <a:prstGeom prst="rect">
-            <a:avLst/>
-          </a:prstGeom>
-        </p:spPr>
-        <p:txBody>
-          <a:bodyPr wrap="square">
-            <a:spAutoFit/>
-          </a:bodyPr>
-          <a:lstStyle/>
-          <a:p>
-            <a:r>
-              <a:rPr lang="en-US" sz="3200" dirty="0" err="1">
-                <a:solidFill>
-                  <a:srgbClr val="000000"/>
-                </a:solidFill>
-                <a:latin typeface="Monaco"/>
-              </a:rPr>
-              <a:t>modelBuilder.Entity</a:t>
-            </a:r>
-            <a:r>
-              <a:rPr lang="en-US" sz="3200" dirty="0">
-                <a:solidFill>
-                  <a:srgbClr val="000000"/>
-                </a:solidFill>
-                <a:latin typeface="Monaco"/>
-              </a:rPr>
-              <a:t>&lt;Customer&gt;().</a:t>
-            </a:r>
-            <a:r>
-              <a:rPr lang="en-US" sz="3200" dirty="0" err="1">
-                <a:solidFill>
-                  <a:srgbClr val="000000"/>
-                </a:solidFill>
-                <a:latin typeface="Monaco"/>
-              </a:rPr>
-              <a:t>OwnsOne</a:t>
-            </a:r>
-            <a:r>
-              <a:rPr lang="en-US" sz="3200" dirty="0">
-                <a:solidFill>
-                  <a:srgbClr val="000000"/>
-                </a:solidFill>
-                <a:latin typeface="Monaco"/>
-              </a:rPr>
-              <a:t>(c =&gt; </a:t>
-            </a:r>
-            <a:r>
-              <a:rPr lang="en-US" sz="3200" dirty="0" err="1">
-                <a:solidFill>
-                  <a:srgbClr val="000000"/>
-                </a:solidFill>
-                <a:latin typeface="Monaco"/>
-              </a:rPr>
-              <a:t>c.Address</a:t>
-            </a:r>
-            <a:r>
-              <a:rPr lang="en-US" sz="3200" dirty="0">
-                <a:solidFill>
-                  <a:srgbClr val="000000"/>
-                </a:solidFill>
-                <a:latin typeface="Monaco"/>
-              </a:rPr>
-              <a:t>);</a:t>
-            </a:r>
-            <a:endParaRPr lang="en-US" sz="3200" dirty="0"/>
-          </a:p>
-        </p:txBody>
-      </p:sp>
-    </p:spTree>
-    <p:extLst>
-      <p:ext uri="{BB962C8B-B14F-4D97-AF65-F5344CB8AC3E}">
-        <p14:creationId xmlns:p14="http://schemas.microsoft.com/office/powerpoint/2010/main" val="2752789339"/>
       </p:ext>
     </p:extLst>
   </p:cSld>
